--- a/Capstone Presentation.pptx
+++ b/Capstone Presentation.pptx
@@ -2,7 +2,7 @@
 <file path=ppt/presentation.xml><?xml version="1.0" encoding="utf-8"?>
 <p:presentation xmlns:a="http://schemas.openxmlformats.org/drawingml/2006/main" xmlns:r="http://schemas.openxmlformats.org/officeDocument/2006/relationships" xmlns:p="http://schemas.openxmlformats.org/presentationml/2006/main" saveSubsetFonts="1">
   <p:sldMasterIdLst>
-    <p:sldMasterId id="2147483648" r:id="rId1"/>
+    <p:sldMasterId id="2147483774" r:id="rId1"/>
   </p:sldMasterIdLst>
   <p:sldIdLst>
     <p:sldId id="256" r:id="rId2"/>
@@ -14,7 +14,20 @@
     <p:sldId id="261" r:id="rId8"/>
     <p:sldId id="265" r:id="rId9"/>
     <p:sldId id="262" r:id="rId10"/>
-    <p:sldId id="263" r:id="rId11"/>
+    <p:sldId id="267" r:id="rId11"/>
+    <p:sldId id="263" r:id="rId12"/>
+    <p:sldId id="268" r:id="rId13"/>
+    <p:sldId id="269" r:id="rId14"/>
+    <p:sldId id="266" r:id="rId15"/>
+    <p:sldId id="270" r:id="rId16"/>
+    <p:sldId id="271" r:id="rId17"/>
+    <p:sldId id="272" r:id="rId18"/>
+    <p:sldId id="274" r:id="rId19"/>
+    <p:sldId id="278" r:id="rId20"/>
+    <p:sldId id="276" r:id="rId21"/>
+    <p:sldId id="277" r:id="rId22"/>
+    <p:sldId id="273" r:id="rId23"/>
+    <p:sldId id="275" r:id="rId24"/>
   </p:sldIdLst>
   <p:sldSz cx="12192000" cy="6858000"/>
   <p:notesSz cx="6858000" cy="9144000"/>
@@ -22,7 +35,7 @@
     <a:defPPr>
       <a:defRPr lang="en-US"/>
     </a:defPPr>
-    <a:lvl1pPr marL="0" algn="l" defTabSz="914400" rtl="0" eaLnBrk="1" latinLnBrk="0" hangingPunct="1">
+    <a:lvl1pPr marL="0" algn="l" defTabSz="457200" rtl="0" eaLnBrk="1" latinLnBrk="0" hangingPunct="1">
       <a:defRPr sz="1800" kern="1200">
         <a:solidFill>
           <a:schemeClr val="tx1"/>
@@ -32,7 +45,7 @@
         <a:cs typeface="+mn-cs"/>
       </a:defRPr>
     </a:lvl1pPr>
-    <a:lvl2pPr marL="457200" algn="l" defTabSz="914400" rtl="0" eaLnBrk="1" latinLnBrk="0" hangingPunct="1">
+    <a:lvl2pPr marL="457200" algn="l" defTabSz="457200" rtl="0" eaLnBrk="1" latinLnBrk="0" hangingPunct="1">
       <a:defRPr sz="1800" kern="1200">
         <a:solidFill>
           <a:schemeClr val="tx1"/>
@@ -42,7 +55,7 @@
         <a:cs typeface="+mn-cs"/>
       </a:defRPr>
     </a:lvl2pPr>
-    <a:lvl3pPr marL="914400" algn="l" defTabSz="914400" rtl="0" eaLnBrk="1" latinLnBrk="0" hangingPunct="1">
+    <a:lvl3pPr marL="914400" algn="l" defTabSz="457200" rtl="0" eaLnBrk="1" latinLnBrk="0" hangingPunct="1">
       <a:defRPr sz="1800" kern="1200">
         <a:solidFill>
           <a:schemeClr val="tx1"/>
@@ -52,7 +65,7 @@
         <a:cs typeface="+mn-cs"/>
       </a:defRPr>
     </a:lvl3pPr>
-    <a:lvl4pPr marL="1371600" algn="l" defTabSz="914400" rtl="0" eaLnBrk="1" latinLnBrk="0" hangingPunct="1">
+    <a:lvl4pPr marL="1371600" algn="l" defTabSz="457200" rtl="0" eaLnBrk="1" latinLnBrk="0" hangingPunct="1">
       <a:defRPr sz="1800" kern="1200">
         <a:solidFill>
           <a:schemeClr val="tx1"/>
@@ -62,7 +75,7 @@
         <a:cs typeface="+mn-cs"/>
       </a:defRPr>
     </a:lvl4pPr>
-    <a:lvl5pPr marL="1828800" algn="l" defTabSz="914400" rtl="0" eaLnBrk="1" latinLnBrk="0" hangingPunct="1">
+    <a:lvl5pPr marL="1828800" algn="l" defTabSz="457200" rtl="0" eaLnBrk="1" latinLnBrk="0" hangingPunct="1">
       <a:defRPr sz="1800" kern="1200">
         <a:solidFill>
           <a:schemeClr val="tx1"/>
@@ -72,7 +85,7 @@
         <a:cs typeface="+mn-cs"/>
       </a:defRPr>
     </a:lvl5pPr>
-    <a:lvl6pPr marL="2286000" algn="l" defTabSz="914400" rtl="0" eaLnBrk="1" latinLnBrk="0" hangingPunct="1">
+    <a:lvl6pPr marL="2286000" algn="l" defTabSz="457200" rtl="0" eaLnBrk="1" latinLnBrk="0" hangingPunct="1">
       <a:defRPr sz="1800" kern="1200">
         <a:solidFill>
           <a:schemeClr val="tx1"/>
@@ -82,7 +95,7 @@
         <a:cs typeface="+mn-cs"/>
       </a:defRPr>
     </a:lvl6pPr>
-    <a:lvl7pPr marL="2743200" algn="l" defTabSz="914400" rtl="0" eaLnBrk="1" latinLnBrk="0" hangingPunct="1">
+    <a:lvl7pPr marL="2743200" algn="l" defTabSz="457200" rtl="0" eaLnBrk="1" latinLnBrk="0" hangingPunct="1">
       <a:defRPr sz="1800" kern="1200">
         <a:solidFill>
           <a:schemeClr val="tx1"/>
@@ -92,7 +105,7 @@
         <a:cs typeface="+mn-cs"/>
       </a:defRPr>
     </a:lvl7pPr>
-    <a:lvl8pPr marL="3200400" algn="l" defTabSz="914400" rtl="0" eaLnBrk="1" latinLnBrk="0" hangingPunct="1">
+    <a:lvl8pPr marL="3200400" algn="l" defTabSz="457200" rtl="0" eaLnBrk="1" latinLnBrk="0" hangingPunct="1">
       <a:defRPr sz="1800" kern="1200">
         <a:solidFill>
           <a:schemeClr val="tx1"/>
@@ -102,7 +115,7 @@
         <a:cs typeface="+mn-cs"/>
       </a:defRPr>
     </a:lvl8pPr>
-    <a:lvl9pPr marL="3657600" algn="l" defTabSz="914400" rtl="0" eaLnBrk="1" latinLnBrk="0" hangingPunct="1">
+    <a:lvl9pPr marL="3657600" algn="l" defTabSz="457200" rtl="0" eaLnBrk="1" latinLnBrk="0" hangingPunct="1">
       <a:defRPr sz="1800" kern="1200">
         <a:solidFill>
           <a:schemeClr val="tx1"/>
@@ -113,12 +126,22 @@
       </a:defRPr>
     </a:lvl9pPr>
   </p:defaultTextStyle>
+  <p:extLst>
+    <p:ext uri="{EFAFB233-063F-42B5-8137-9DF3F51BA10A}">
+      <p15:sldGuideLst xmlns:p15="http://schemas.microsoft.com/office/powerpoint/2012/main"/>
+    </p:ext>
+  </p:extLst>
 </p:presentation>
 </file>
 
 <file path=ppt/slideLayouts/slideLayout1.xml><?xml version="1.0" encoding="utf-8"?>
-<p:sldLayout xmlns:a="http://schemas.openxmlformats.org/drawingml/2006/main" xmlns:r="http://schemas.openxmlformats.org/officeDocument/2006/relationships" xmlns:p="http://schemas.openxmlformats.org/presentationml/2006/main" type="title" preserve="1">
+<p:sldLayout xmlns:a="http://schemas.openxmlformats.org/drawingml/2006/main" xmlns:r="http://schemas.openxmlformats.org/officeDocument/2006/relationships" xmlns:p="http://schemas.openxmlformats.org/presentationml/2006/main" showMasterSp="0" type="title" preserve="1">
   <p:cSld name="Title Slide">
+    <p:bg>
+      <p:bgRef idx="1001">
+        <a:schemeClr val="bg2"/>
+      </p:bgRef>
+    </p:bg>
     <p:spTree>
       <p:nvGrpSpPr>
         <p:cNvPr id="1" name=""/>
@@ -135,13 +158,303 @@
       </p:grpSpPr>
       <p:sp>
         <p:nvSpPr>
-          <p:cNvPr id="2" name="Title 1">
-            <a:extLst>
-              <a:ext uri="{FF2B5EF4-FFF2-40B4-BE49-F238E27FC236}">
-                <a16:creationId xmlns:a16="http://schemas.microsoft.com/office/drawing/2014/main" id="{B450F694-AA96-4FAC-AEBD-7D2DFCE83604}"/>
-              </a:ext>
-            </a:extLst>
-          </p:cNvPr>
+          <p:cNvPr id="16" name="Rectangle 15"/>
+          <p:cNvSpPr/>
+          <p:nvPr/>
+        </p:nvSpPr>
+        <p:spPr>
+          <a:xfrm>
+            <a:off x="1" y="0"/>
+            <a:ext cx="12192000" cy="6858000"/>
+          </a:xfrm>
+          <a:prstGeom prst="rect">
+            <a:avLst/>
+          </a:prstGeom>
+          <a:blipFill dpi="0" rotWithShape="1">
+            <a:blip r:embed="rId2">
+              <a:alphaModFix amt="40000"/>
+              <a:duotone>
+                <a:schemeClr val="accent1">
+                  <a:shade val="45000"/>
+                  <a:satMod val="135000"/>
+                </a:schemeClr>
+                <a:prstClr val="white"/>
+              </a:duotone>
+            </a:blip>
+            <a:srcRect/>
+            <a:tile tx="-133350" ty="330200" sx="85000" sy="85000" flip="xy" algn="tl"/>
+          </a:blipFill>
+          <a:ln>
+            <a:noFill/>
+          </a:ln>
+        </p:spPr>
+        <p:style>
+          <a:lnRef idx="2">
+            <a:schemeClr val="accent1">
+              <a:shade val="50000"/>
+            </a:schemeClr>
+          </a:lnRef>
+          <a:fillRef idx="1">
+            <a:schemeClr val="accent1"/>
+          </a:fillRef>
+          <a:effectRef idx="0">
+            <a:schemeClr val="accent1"/>
+          </a:effectRef>
+          <a:fontRef idx="minor">
+            <a:schemeClr val="lt1"/>
+          </a:fontRef>
+        </p:style>
+      </p:sp>
+      <p:sp>
+        <p:nvSpPr>
+          <p:cNvPr id="10" name="Rectangle 9"/>
+          <p:cNvSpPr/>
+          <p:nvPr/>
+        </p:nvSpPr>
+        <p:spPr>
+          <a:xfrm>
+            <a:off x="1307870" y="1267730"/>
+            <a:ext cx="9576262" cy="4307950"/>
+          </a:xfrm>
+          <a:prstGeom prst="rect">
+            <a:avLst/>
+          </a:prstGeom>
+          <a:solidFill>
+            <a:schemeClr val="bg1"/>
+          </a:solidFill>
+          <a:ln w="6350" cap="flat" cmpd="sng" algn="ctr">
+            <a:noFill/>
+            <a:prstDash val="solid"/>
+          </a:ln>
+          <a:effectLst>
+            <a:outerShdw blurRad="50800" algn="ctr" rotWithShape="0">
+              <a:prstClr val="black">
+                <a:alpha val="66000"/>
+              </a:prstClr>
+            </a:outerShdw>
+            <a:softEdge rad="0"/>
+          </a:effectLst>
+        </p:spPr>
+      </p:sp>
+      <p:sp>
+        <p:nvSpPr>
+          <p:cNvPr id="11" name="Rectangle 10"/>
+          <p:cNvSpPr/>
+          <p:nvPr/>
+        </p:nvSpPr>
+        <p:spPr>
+          <a:xfrm>
+            <a:off x="1447801" y="1411615"/>
+            <a:ext cx="9296400" cy="4034770"/>
+          </a:xfrm>
+          <a:prstGeom prst="rect">
+            <a:avLst/>
+          </a:prstGeom>
+          <a:noFill/>
+          <a:ln w="6350" cap="sq" cmpd="sng" algn="ctr">
+            <a:solidFill>
+              <a:schemeClr val="tx1">
+                <a:lumMod val="75000"/>
+                <a:lumOff val="25000"/>
+              </a:schemeClr>
+            </a:solidFill>
+            <a:prstDash val="solid"/>
+            <a:miter lim="800000"/>
+          </a:ln>
+          <a:effectLst/>
+        </p:spPr>
+      </p:sp>
+      <p:sp>
+        <p:nvSpPr>
+          <p:cNvPr id="15" name="Rectangle 14"/>
+          <p:cNvSpPr/>
+          <p:nvPr/>
+        </p:nvSpPr>
+        <p:spPr>
+          <a:xfrm>
+            <a:off x="5135880" y="1267730"/>
+            <a:ext cx="1920240" cy="731520"/>
+          </a:xfrm>
+          <a:prstGeom prst="rect">
+            <a:avLst/>
+          </a:prstGeom>
+          <a:solidFill>
+            <a:schemeClr val="accent1"/>
+          </a:solidFill>
+          <a:ln>
+            <a:noFill/>
+          </a:ln>
+        </p:spPr>
+        <p:style>
+          <a:lnRef idx="2">
+            <a:schemeClr val="accent1">
+              <a:shade val="50000"/>
+            </a:schemeClr>
+          </a:lnRef>
+          <a:fillRef idx="1">
+            <a:schemeClr val="accent1"/>
+          </a:fillRef>
+          <a:effectRef idx="0">
+            <a:schemeClr val="accent1"/>
+          </a:effectRef>
+          <a:fontRef idx="minor">
+            <a:schemeClr val="lt1"/>
+          </a:fontRef>
+        </p:style>
+      </p:sp>
+      <p:grpSp>
+        <p:nvGrpSpPr>
+          <p:cNvPr id="4" name="Group 3"/>
+          <p:cNvGrpSpPr/>
+          <p:nvPr/>
+        </p:nvGrpSpPr>
+        <p:grpSpPr>
+          <a:xfrm>
+            <a:off x="5250180" y="1267730"/>
+            <a:ext cx="1691640" cy="645295"/>
+            <a:chOff x="5318306" y="1386268"/>
+            <a:chExt cx="1567331" cy="645295"/>
+          </a:xfrm>
+        </p:grpSpPr>
+        <p:cxnSp>
+          <p:nvCxnSpPr>
+            <p:cNvPr id="17" name="Straight Connector 16"/>
+            <p:cNvCxnSpPr/>
+            <p:nvPr/>
+          </p:nvCxnSpPr>
+          <p:spPr>
+            <a:xfrm>
+              <a:off x="5318306" y="1386268"/>
+              <a:ext cx="0" cy="640080"/>
+            </a:xfrm>
+            <a:prstGeom prst="line">
+              <a:avLst/>
+            </a:prstGeom>
+            <a:solidFill>
+              <a:schemeClr val="tx1">
+                <a:lumMod val="85000"/>
+                <a:lumOff val="15000"/>
+              </a:schemeClr>
+            </a:solidFill>
+            <a:ln>
+              <a:solidFill>
+                <a:schemeClr val="tx1">
+                  <a:lumMod val="85000"/>
+                  <a:lumOff val="15000"/>
+                </a:schemeClr>
+              </a:solidFill>
+              <a:miter lim="800000"/>
+            </a:ln>
+          </p:spPr>
+          <p:style>
+            <a:lnRef idx="1">
+              <a:schemeClr val="accent1"/>
+            </a:lnRef>
+            <a:fillRef idx="0">
+              <a:schemeClr val="accent1"/>
+            </a:fillRef>
+            <a:effectRef idx="0">
+              <a:schemeClr val="accent1"/>
+            </a:effectRef>
+            <a:fontRef idx="minor">
+              <a:schemeClr val="tx1"/>
+            </a:fontRef>
+          </p:style>
+        </p:cxnSp>
+        <p:cxnSp>
+          <p:nvCxnSpPr>
+            <p:cNvPr id="18" name="Straight Connector 17"/>
+            <p:cNvCxnSpPr/>
+            <p:nvPr/>
+          </p:nvCxnSpPr>
+          <p:spPr>
+            <a:xfrm>
+              <a:off x="6885637" y="1386268"/>
+              <a:ext cx="0" cy="640080"/>
+            </a:xfrm>
+            <a:prstGeom prst="line">
+              <a:avLst/>
+            </a:prstGeom>
+            <a:solidFill>
+              <a:schemeClr val="tx1">
+                <a:lumMod val="85000"/>
+                <a:lumOff val="15000"/>
+              </a:schemeClr>
+            </a:solidFill>
+            <a:ln>
+              <a:solidFill>
+                <a:schemeClr val="tx1">
+                  <a:lumMod val="85000"/>
+                  <a:lumOff val="15000"/>
+                </a:schemeClr>
+              </a:solidFill>
+              <a:miter lim="800000"/>
+            </a:ln>
+          </p:spPr>
+          <p:style>
+            <a:lnRef idx="1">
+              <a:schemeClr val="accent1"/>
+            </a:lnRef>
+            <a:fillRef idx="0">
+              <a:schemeClr val="accent1"/>
+            </a:fillRef>
+            <a:effectRef idx="0">
+              <a:schemeClr val="accent1"/>
+            </a:effectRef>
+            <a:fontRef idx="minor">
+              <a:schemeClr val="tx1"/>
+            </a:fontRef>
+          </p:style>
+        </p:cxnSp>
+        <p:cxnSp>
+          <p:nvCxnSpPr>
+            <p:cNvPr id="19" name="Straight Connector 18"/>
+            <p:cNvCxnSpPr/>
+            <p:nvPr/>
+          </p:nvCxnSpPr>
+          <p:spPr>
+            <a:xfrm>
+              <a:off x="5318306" y="2031563"/>
+              <a:ext cx="1567331" cy="0"/>
+            </a:xfrm>
+            <a:prstGeom prst="line">
+              <a:avLst/>
+            </a:prstGeom>
+            <a:solidFill>
+              <a:schemeClr val="tx1">
+                <a:lumMod val="85000"/>
+                <a:lumOff val="15000"/>
+              </a:schemeClr>
+            </a:solidFill>
+            <a:ln>
+              <a:solidFill>
+                <a:schemeClr val="tx1">
+                  <a:lumMod val="85000"/>
+                  <a:lumOff val="15000"/>
+                </a:schemeClr>
+              </a:solidFill>
+              <a:miter lim="800000"/>
+            </a:ln>
+          </p:spPr>
+          <p:style>
+            <a:lnRef idx="1">
+              <a:schemeClr val="accent1"/>
+            </a:lnRef>
+            <a:fillRef idx="0">
+              <a:schemeClr val="accent1"/>
+            </a:fillRef>
+            <a:effectRef idx="0">
+              <a:schemeClr val="accent1"/>
+            </a:effectRef>
+            <a:fontRef idx="minor">
+              <a:schemeClr val="tx1"/>
+            </a:fontRef>
+          </p:style>
+        </p:cxnSp>
+      </p:grpSp>
+      <p:sp>
+        <p:nvSpPr>
+          <p:cNvPr id="2" name="Title 1"/>
           <p:cNvSpPr>
             <a:spLocks noGrp="1"/>
           </p:cNvSpPr>
@@ -151,15 +464,31 @@
         </p:nvSpPr>
         <p:spPr>
           <a:xfrm>
-            <a:off x="1524000" y="1122363"/>
-            <a:ext cx="9144000" cy="2387600"/>
+            <a:off x="1561708" y="2091263"/>
+            <a:ext cx="9068586" cy="2590800"/>
           </a:xfrm>
         </p:spPr>
         <p:txBody>
-          <a:bodyPr anchor="b"/>
+          <a:bodyPr tIns="45720" bIns="45720" anchor="ctr">
+            <a:noAutofit/>
+          </a:bodyPr>
           <a:lstStyle>
             <a:lvl1pPr algn="ctr">
-              <a:defRPr sz="6000"/>
+              <a:lnSpc>
+                <a:spcPct val="83000"/>
+              </a:lnSpc>
+              <a:defRPr lang="en-US" sz="7200" b="0" kern="1200" cap="all" spc="-100" baseline="0" dirty="0">
+                <a:solidFill>
+                  <a:schemeClr val="tx1">
+                    <a:lumMod val="85000"/>
+                    <a:lumOff val="15000"/>
+                  </a:schemeClr>
+                </a:solidFill>
+                <a:effectLst/>
+                <a:latin typeface="+mj-lt"/>
+                <a:ea typeface="+mn-ea"/>
+                <a:cs typeface="+mn-cs"/>
+              </a:defRPr>
             </a:lvl1pPr>
           </a:lstStyle>
           <a:p>
@@ -167,19 +496,13 @@
               <a:rPr lang="en-US"/>
               <a:t>Click to edit Master title style</a:t>
             </a:r>
-            <a:endParaRPr lang="en-CA"/>
-          </a:p>
-        </p:txBody>
-      </p:sp>
-      <p:sp>
-        <p:nvSpPr>
-          <p:cNvPr id="3" name="Subtitle 2">
-            <a:extLst>
-              <a:ext uri="{FF2B5EF4-FFF2-40B4-BE49-F238E27FC236}">
-                <a16:creationId xmlns:a16="http://schemas.microsoft.com/office/drawing/2014/main" id="{5C02BB26-5A04-414D-ADB3-7824832378C2}"/>
-              </a:ext>
-            </a:extLst>
-          </p:cNvPr>
+            <a:endParaRPr lang="en-US" dirty="0"/>
+          </a:p>
+        </p:txBody>
+      </p:sp>
+      <p:sp>
+        <p:nvSpPr>
+          <p:cNvPr id="3" name="Subtitle 2"/>
           <p:cNvSpPr>
             <a:spLocks noGrp="1"/>
           </p:cNvSpPr>
@@ -189,24 +512,35 @@
         </p:nvSpPr>
         <p:spPr>
           <a:xfrm>
-            <a:off x="1524000" y="3602038"/>
-            <a:ext cx="9144000" cy="1655762"/>
+            <a:off x="1562100" y="4682062"/>
+            <a:ext cx="9070848" cy="457201"/>
           </a:xfrm>
         </p:spPr>
         <p:txBody>
-          <a:bodyPr/>
+          <a:bodyPr>
+            <a:normAutofit/>
+          </a:bodyPr>
           <a:lstStyle>
             <a:lvl1pPr marL="0" indent="0" algn="ctr">
+              <a:spcBef>
+                <a:spcPts val="0"/>
+              </a:spcBef>
               <a:buNone/>
-              <a:defRPr sz="2400"/>
+              <a:defRPr sz="1600" spc="80" baseline="0">
+                <a:solidFill>
+                  <a:schemeClr val="tx2">
+                    <a:lumMod val="75000"/>
+                  </a:schemeClr>
+                </a:solidFill>
+              </a:defRPr>
             </a:lvl1pPr>
             <a:lvl2pPr marL="457200" indent="0" algn="ctr">
               <a:buNone/>
-              <a:defRPr sz="2000"/>
+              <a:defRPr sz="1600"/>
             </a:lvl2pPr>
             <a:lvl3pPr marL="914400" indent="0" algn="ctr">
               <a:buNone/>
-              <a:defRPr sz="1800"/>
+              <a:defRPr sz="1600"/>
             </a:lvl3pPr>
             <a:lvl4pPr marL="1371600" indent="0" algn="ctr">
               <a:buNone/>
@@ -238,19 +572,13 @@
               <a:rPr lang="en-US"/>
               <a:t>Click to edit Master subtitle style</a:t>
             </a:r>
-            <a:endParaRPr lang="en-CA"/>
-          </a:p>
-        </p:txBody>
-      </p:sp>
-      <p:sp>
-        <p:nvSpPr>
-          <p:cNvPr id="4" name="Date Placeholder 3">
-            <a:extLst>
-              <a:ext uri="{FF2B5EF4-FFF2-40B4-BE49-F238E27FC236}">
-                <a16:creationId xmlns:a16="http://schemas.microsoft.com/office/drawing/2014/main" id="{46B5044C-54D1-438A-BD7A-426DA0401DFE}"/>
-              </a:ext>
-            </a:extLst>
-          </p:cNvPr>
+            <a:endParaRPr lang="en-US" dirty="0"/>
+          </a:p>
+        </p:txBody>
+      </p:sp>
+      <p:sp>
+        <p:nvSpPr>
+          <p:cNvPr id="20" name="Date Placeholder 19"/>
           <p:cNvSpPr>
             <a:spLocks noGrp="1"/>
           </p:cNvSpPr>
@@ -258,14 +586,28 @@
             <p:ph type="dt" sz="half" idx="10"/>
           </p:nvPr>
         </p:nvSpPr>
-        <p:spPr/>
+        <p:spPr>
+          <a:xfrm>
+            <a:off x="5318760" y="1341255"/>
+            <a:ext cx="1554480" cy="527213"/>
+          </a:xfrm>
+        </p:spPr>
         <p:txBody>
           <a:bodyPr/>
-          <a:lstStyle/>
+          <a:lstStyle>
+            <a:lvl1pPr algn="ctr">
+              <a:defRPr sz="1300" spc="0" baseline="0">
+                <a:solidFill>
+                  <a:srgbClr val="FFFFFF"/>
+                </a:solidFill>
+                <a:latin typeface="+mn-lt"/>
+              </a:defRPr>
+            </a:lvl1pPr>
+          </a:lstStyle>
           <a:p>
             <a:fld id="{BD75A58E-DA16-45F6-88E4-DFEBDA6A48D5}" type="datetimeFigureOut">
               <a:rPr lang="en-CA" smtClean="0"/>
-              <a:t>2022-02-17</a:t>
+              <a:t>2022-02-22</a:t>
             </a:fld>
             <a:endParaRPr lang="en-CA"/>
           </a:p>
@@ -273,13 +615,7 @@
       </p:sp>
       <p:sp>
         <p:nvSpPr>
-          <p:cNvPr id="5" name="Footer Placeholder 4">
-            <a:extLst>
-              <a:ext uri="{FF2B5EF4-FFF2-40B4-BE49-F238E27FC236}">
-                <a16:creationId xmlns:a16="http://schemas.microsoft.com/office/drawing/2014/main" id="{9FDDD7C3-D301-457D-BA40-FDDE183207B6}"/>
-              </a:ext>
-            </a:extLst>
-          </p:cNvPr>
+          <p:cNvPr id="21" name="Footer Placeholder 20"/>
           <p:cNvSpPr>
             <a:spLocks noGrp="1"/>
           </p:cNvSpPr>
@@ -287,10 +623,26 @@
             <p:ph type="ftr" sz="quarter" idx="11"/>
           </p:nvPr>
         </p:nvSpPr>
-        <p:spPr/>
+        <p:spPr>
+          <a:xfrm>
+            <a:off x="1453896" y="5212080"/>
+            <a:ext cx="5905500" cy="228600"/>
+          </a:xfrm>
+        </p:spPr>
         <p:txBody>
           <a:bodyPr/>
-          <a:lstStyle/>
+          <a:lstStyle>
+            <a:lvl1pPr algn="l">
+              <a:defRPr>
+                <a:solidFill>
+                  <a:schemeClr val="tx1">
+                    <a:lumMod val="75000"/>
+                    <a:lumOff val="25000"/>
+                  </a:schemeClr>
+                </a:solidFill>
+              </a:defRPr>
+            </a:lvl1pPr>
+          </a:lstStyle>
           <a:p>
             <a:endParaRPr lang="en-CA"/>
           </a:p>
@@ -298,13 +650,7 @@
       </p:sp>
       <p:sp>
         <p:nvSpPr>
-          <p:cNvPr id="6" name="Slide Number Placeholder 5">
-            <a:extLst>
-              <a:ext uri="{FF2B5EF4-FFF2-40B4-BE49-F238E27FC236}">
-                <a16:creationId xmlns:a16="http://schemas.microsoft.com/office/drawing/2014/main" id="{2576C90A-8E3B-4FB2-B391-9CC9677D4455}"/>
-              </a:ext>
-            </a:extLst>
-          </p:cNvPr>
+          <p:cNvPr id="22" name="Slide Number Placeholder 21"/>
           <p:cNvSpPr>
             <a:spLocks noGrp="1"/>
           </p:cNvSpPr>
@@ -312,10 +658,26 @@
             <p:ph type="sldNum" sz="quarter" idx="12"/>
           </p:nvPr>
         </p:nvSpPr>
-        <p:spPr/>
+        <p:spPr>
+          <a:xfrm>
+            <a:off x="8606919" y="5212080"/>
+            <a:ext cx="2111881" cy="228600"/>
+          </a:xfrm>
+        </p:spPr>
         <p:txBody>
           <a:bodyPr/>
-          <a:lstStyle/>
+          <a:lstStyle>
+            <a:lvl1pPr>
+              <a:defRPr>
+                <a:solidFill>
+                  <a:schemeClr val="tx1">
+                    <a:lumMod val="75000"/>
+                    <a:lumOff val="25000"/>
+                  </a:schemeClr>
+                </a:solidFill>
+              </a:defRPr>
+            </a:lvl1pPr>
+          </a:lstStyle>
           <a:p>
             <a:fld id="{301B59AA-9591-4BF0-A687-B4E8B78B48D6}" type="slidenum">
               <a:rPr lang="en-CA" smtClean="0"/>
@@ -328,12 +690,12 @@
     </p:spTree>
     <p:extLst>
       <p:ext uri="{BB962C8B-B14F-4D97-AF65-F5344CB8AC3E}">
-        <p14:creationId xmlns:p14="http://schemas.microsoft.com/office/powerpoint/2010/main" val="1024894387"/>
+        <p14:creationId xmlns:p14="http://schemas.microsoft.com/office/powerpoint/2010/main" val="2931072633"/>
       </p:ext>
     </p:extLst>
   </p:cSld>
   <p:clrMapOvr>
-    <a:masterClrMapping/>
+    <a:overrideClrMapping bg1="lt1" tx1="dk1" bg2="lt2" tx2="dk2" accent1="accent1" accent2="accent2" accent3="accent3" accent4="accent4" accent5="accent5" accent6="accent6" hlink="hlink" folHlink="folHlink"/>
   </p:clrMapOvr>
 </p:sldLayout>
 </file>
@@ -357,13 +719,7 @@
       </p:grpSpPr>
       <p:sp>
         <p:nvSpPr>
-          <p:cNvPr id="2" name="Title 1">
-            <a:extLst>
-              <a:ext uri="{FF2B5EF4-FFF2-40B4-BE49-F238E27FC236}">
-                <a16:creationId xmlns:a16="http://schemas.microsoft.com/office/drawing/2014/main" id="{B226E1AB-18AC-46E4-9361-D82CE0F0557E}"/>
-              </a:ext>
-            </a:extLst>
-          </p:cNvPr>
+          <p:cNvPr id="2" name="Title 1"/>
           <p:cNvSpPr>
             <a:spLocks noGrp="1"/>
           </p:cNvSpPr>
@@ -380,19 +736,13 @@
               <a:rPr lang="en-US"/>
               <a:t>Click to edit Master title style</a:t>
             </a:r>
-            <a:endParaRPr lang="en-CA"/>
-          </a:p>
-        </p:txBody>
-      </p:sp>
-      <p:sp>
-        <p:nvSpPr>
-          <p:cNvPr id="3" name="Vertical Text Placeholder 2">
-            <a:extLst>
-              <a:ext uri="{FF2B5EF4-FFF2-40B4-BE49-F238E27FC236}">
-                <a16:creationId xmlns:a16="http://schemas.microsoft.com/office/drawing/2014/main" id="{AECAE029-1642-406C-9032-5036B895BD70}"/>
-              </a:ext>
-            </a:extLst>
-          </p:cNvPr>
+            <a:endParaRPr lang="en-US" dirty="0"/>
+          </a:p>
+        </p:txBody>
+      </p:sp>
+      <p:sp>
+        <p:nvSpPr>
+          <p:cNvPr id="3" name="Vertical Text Placeholder 2"/>
           <p:cNvSpPr>
             <a:spLocks noGrp="1"/>
           </p:cNvSpPr>
@@ -438,19 +788,13 @@
               <a:rPr lang="en-US"/>
               <a:t>Fifth level</a:t>
             </a:r>
-            <a:endParaRPr lang="en-CA"/>
-          </a:p>
-        </p:txBody>
-      </p:sp>
-      <p:sp>
-        <p:nvSpPr>
-          <p:cNvPr id="4" name="Date Placeholder 3">
-            <a:extLst>
-              <a:ext uri="{FF2B5EF4-FFF2-40B4-BE49-F238E27FC236}">
-                <a16:creationId xmlns:a16="http://schemas.microsoft.com/office/drawing/2014/main" id="{3C5D69A4-E636-4DCF-9394-1880485FFDF2}"/>
-              </a:ext>
-            </a:extLst>
-          </p:cNvPr>
+            <a:endParaRPr lang="en-US" dirty="0"/>
+          </a:p>
+        </p:txBody>
+      </p:sp>
+      <p:sp>
+        <p:nvSpPr>
+          <p:cNvPr id="4" name="Date Placeholder 3"/>
           <p:cNvSpPr>
             <a:spLocks noGrp="1"/>
           </p:cNvSpPr>
@@ -465,7 +809,7 @@
           <a:p>
             <a:fld id="{BD75A58E-DA16-45F6-88E4-DFEBDA6A48D5}" type="datetimeFigureOut">
               <a:rPr lang="en-CA" smtClean="0"/>
-              <a:t>2022-02-17</a:t>
+              <a:t>2022-02-22</a:t>
             </a:fld>
             <a:endParaRPr lang="en-CA"/>
           </a:p>
@@ -473,13 +817,7 @@
       </p:sp>
       <p:sp>
         <p:nvSpPr>
-          <p:cNvPr id="5" name="Footer Placeholder 4">
-            <a:extLst>
-              <a:ext uri="{FF2B5EF4-FFF2-40B4-BE49-F238E27FC236}">
-                <a16:creationId xmlns:a16="http://schemas.microsoft.com/office/drawing/2014/main" id="{BC38B097-4E98-4C04-B134-7BF0830D9C1E}"/>
-              </a:ext>
-            </a:extLst>
-          </p:cNvPr>
+          <p:cNvPr id="5" name="Footer Placeholder 4"/>
           <p:cNvSpPr>
             <a:spLocks noGrp="1"/>
           </p:cNvSpPr>
@@ -498,13 +836,7 @@
       </p:sp>
       <p:sp>
         <p:nvSpPr>
-          <p:cNvPr id="6" name="Slide Number Placeholder 5">
-            <a:extLst>
-              <a:ext uri="{FF2B5EF4-FFF2-40B4-BE49-F238E27FC236}">
-                <a16:creationId xmlns:a16="http://schemas.microsoft.com/office/drawing/2014/main" id="{CE348988-56EC-4CB0-BD69-7024E97DC2B1}"/>
-              </a:ext>
-            </a:extLst>
-          </p:cNvPr>
+          <p:cNvPr id="6" name="Slide Number Placeholder 5"/>
           <p:cNvSpPr>
             <a:spLocks noGrp="1"/>
           </p:cNvSpPr>
@@ -528,7 +860,7 @@
     </p:spTree>
     <p:extLst>
       <p:ext uri="{BB962C8B-B14F-4D97-AF65-F5344CB8AC3E}">
-        <p14:creationId xmlns:p14="http://schemas.microsoft.com/office/powerpoint/2010/main" val="2272328678"/>
+        <p14:creationId xmlns:p14="http://schemas.microsoft.com/office/powerpoint/2010/main" val="33193430"/>
       </p:ext>
     </p:extLst>
   </p:cSld>
@@ -557,13 +889,7 @@
       </p:grpSpPr>
       <p:sp>
         <p:nvSpPr>
-          <p:cNvPr id="2" name="Vertical Title 1">
-            <a:extLst>
-              <a:ext uri="{FF2B5EF4-FFF2-40B4-BE49-F238E27FC236}">
-                <a16:creationId xmlns:a16="http://schemas.microsoft.com/office/drawing/2014/main" id="{832460F8-D361-4CF1-9F70-F0AA941EE10B}"/>
-              </a:ext>
-            </a:extLst>
-          </p:cNvPr>
+          <p:cNvPr id="2" name="Vertical Title 1"/>
           <p:cNvSpPr>
             <a:spLocks noGrp="1"/>
           </p:cNvSpPr>
@@ -573,8 +899,8 @@
         </p:nvSpPr>
         <p:spPr>
           <a:xfrm>
-            <a:off x="8724900" y="365125"/>
-            <a:ext cx="2628900" cy="5811838"/>
+            <a:off x="8991600" y="762000"/>
+            <a:ext cx="2362200" cy="5257800"/>
           </a:xfrm>
         </p:spPr>
         <p:txBody>
@@ -585,19 +911,13 @@
               <a:rPr lang="en-US"/>
               <a:t>Click to edit Master title style</a:t>
             </a:r>
-            <a:endParaRPr lang="en-CA"/>
-          </a:p>
-        </p:txBody>
-      </p:sp>
-      <p:sp>
-        <p:nvSpPr>
-          <p:cNvPr id="3" name="Vertical Text Placeholder 2">
-            <a:extLst>
-              <a:ext uri="{FF2B5EF4-FFF2-40B4-BE49-F238E27FC236}">
-                <a16:creationId xmlns:a16="http://schemas.microsoft.com/office/drawing/2014/main" id="{7E9F1FD7-1A4A-48FD-8912-D3DAD3A0041B}"/>
-              </a:ext>
-            </a:extLst>
-          </p:cNvPr>
+            <a:endParaRPr lang="en-US" dirty="0"/>
+          </a:p>
+        </p:txBody>
+      </p:sp>
+      <p:sp>
+        <p:nvSpPr>
+          <p:cNvPr id="3" name="Vertical Text Placeholder 2"/>
           <p:cNvSpPr>
             <a:spLocks noGrp="1"/>
           </p:cNvSpPr>
@@ -607,8 +927,8 @@
         </p:nvSpPr>
         <p:spPr>
           <a:xfrm>
-            <a:off x="838200" y="365125"/>
-            <a:ext cx="7734300" cy="5811838"/>
+            <a:off x="838200" y="762000"/>
+            <a:ext cx="8077200" cy="5257800"/>
           </a:xfrm>
         </p:spPr>
         <p:txBody>
@@ -648,19 +968,13 @@
               <a:rPr lang="en-US"/>
               <a:t>Fifth level</a:t>
             </a:r>
-            <a:endParaRPr lang="en-CA"/>
-          </a:p>
-        </p:txBody>
-      </p:sp>
-      <p:sp>
-        <p:nvSpPr>
-          <p:cNvPr id="4" name="Date Placeholder 3">
-            <a:extLst>
-              <a:ext uri="{FF2B5EF4-FFF2-40B4-BE49-F238E27FC236}">
-                <a16:creationId xmlns:a16="http://schemas.microsoft.com/office/drawing/2014/main" id="{B8A3F158-2771-4712-B92E-EB509358D31C}"/>
-              </a:ext>
-            </a:extLst>
-          </p:cNvPr>
+            <a:endParaRPr lang="en-US" dirty="0"/>
+          </a:p>
+        </p:txBody>
+      </p:sp>
+      <p:sp>
+        <p:nvSpPr>
+          <p:cNvPr id="4" name="Date Placeholder 3"/>
           <p:cNvSpPr>
             <a:spLocks noGrp="1"/>
           </p:cNvSpPr>
@@ -675,7 +989,7 @@
           <a:p>
             <a:fld id="{BD75A58E-DA16-45F6-88E4-DFEBDA6A48D5}" type="datetimeFigureOut">
               <a:rPr lang="en-CA" smtClean="0"/>
-              <a:t>2022-02-17</a:t>
+              <a:t>2022-02-22</a:t>
             </a:fld>
             <a:endParaRPr lang="en-CA"/>
           </a:p>
@@ -683,13 +997,7 @@
       </p:sp>
       <p:sp>
         <p:nvSpPr>
-          <p:cNvPr id="5" name="Footer Placeholder 4">
-            <a:extLst>
-              <a:ext uri="{FF2B5EF4-FFF2-40B4-BE49-F238E27FC236}">
-                <a16:creationId xmlns:a16="http://schemas.microsoft.com/office/drawing/2014/main" id="{C7360130-773A-4279-8977-08A5156B95AF}"/>
-              </a:ext>
-            </a:extLst>
-          </p:cNvPr>
+          <p:cNvPr id="5" name="Footer Placeholder 4"/>
           <p:cNvSpPr>
             <a:spLocks noGrp="1"/>
           </p:cNvSpPr>
@@ -708,13 +1016,7 @@
       </p:sp>
       <p:sp>
         <p:nvSpPr>
-          <p:cNvPr id="6" name="Slide Number Placeholder 5">
-            <a:extLst>
-              <a:ext uri="{FF2B5EF4-FFF2-40B4-BE49-F238E27FC236}">
-                <a16:creationId xmlns:a16="http://schemas.microsoft.com/office/drawing/2014/main" id="{2A802CDA-DC3F-4DDF-8B68-09CF3FC02A0E}"/>
-              </a:ext>
-            </a:extLst>
-          </p:cNvPr>
+          <p:cNvPr id="6" name="Slide Number Placeholder 5"/>
           <p:cNvSpPr>
             <a:spLocks noGrp="1"/>
           </p:cNvSpPr>
@@ -738,7 +1040,7 @@
     </p:spTree>
     <p:extLst>
       <p:ext uri="{BB962C8B-B14F-4D97-AF65-F5344CB8AC3E}">
-        <p14:creationId xmlns:p14="http://schemas.microsoft.com/office/powerpoint/2010/main" val="2140908345"/>
+        <p14:creationId xmlns:p14="http://schemas.microsoft.com/office/powerpoint/2010/main" val="1895159552"/>
       </p:ext>
     </p:extLst>
   </p:cSld>
@@ -767,13 +1069,7 @@
       </p:grpSpPr>
       <p:sp>
         <p:nvSpPr>
-          <p:cNvPr id="2" name="Title 1">
-            <a:extLst>
-              <a:ext uri="{FF2B5EF4-FFF2-40B4-BE49-F238E27FC236}">
-                <a16:creationId xmlns:a16="http://schemas.microsoft.com/office/drawing/2014/main" id="{D8F183C8-8A77-405C-9DA4-036A6786AE6B}"/>
-              </a:ext>
-            </a:extLst>
-          </p:cNvPr>
+          <p:cNvPr id="2" name="Title 1"/>
           <p:cNvSpPr>
             <a:spLocks noGrp="1"/>
           </p:cNvSpPr>
@@ -790,19 +1086,13 @@
               <a:rPr lang="en-US"/>
               <a:t>Click to edit Master title style</a:t>
             </a:r>
-            <a:endParaRPr lang="en-CA"/>
-          </a:p>
-        </p:txBody>
-      </p:sp>
-      <p:sp>
-        <p:nvSpPr>
-          <p:cNvPr id="3" name="Content Placeholder 2">
-            <a:extLst>
-              <a:ext uri="{FF2B5EF4-FFF2-40B4-BE49-F238E27FC236}">
-                <a16:creationId xmlns:a16="http://schemas.microsoft.com/office/drawing/2014/main" id="{65FDF734-B7D0-44E9-B92C-8AE33F684904}"/>
-              </a:ext>
-            </a:extLst>
-          </p:cNvPr>
+            <a:endParaRPr lang="en-US" dirty="0"/>
+          </a:p>
+        </p:txBody>
+      </p:sp>
+      <p:sp>
+        <p:nvSpPr>
+          <p:cNvPr id="3" name="Content Placeholder 2"/>
           <p:cNvSpPr>
             <a:spLocks noGrp="1"/>
           </p:cNvSpPr>
@@ -848,19 +1138,13 @@
               <a:rPr lang="en-US"/>
               <a:t>Fifth level</a:t>
             </a:r>
-            <a:endParaRPr lang="en-CA"/>
-          </a:p>
-        </p:txBody>
-      </p:sp>
-      <p:sp>
-        <p:nvSpPr>
-          <p:cNvPr id="4" name="Date Placeholder 3">
-            <a:extLst>
-              <a:ext uri="{FF2B5EF4-FFF2-40B4-BE49-F238E27FC236}">
-                <a16:creationId xmlns:a16="http://schemas.microsoft.com/office/drawing/2014/main" id="{DF58885B-8B36-4072-9BEA-AADB82E41D32}"/>
-              </a:ext>
-            </a:extLst>
-          </p:cNvPr>
+            <a:endParaRPr lang="en-US" dirty="0"/>
+          </a:p>
+        </p:txBody>
+      </p:sp>
+      <p:sp>
+        <p:nvSpPr>
+          <p:cNvPr id="4" name="Date Placeholder 3"/>
           <p:cNvSpPr>
             <a:spLocks noGrp="1"/>
           </p:cNvSpPr>
@@ -875,7 +1159,7 @@
           <a:p>
             <a:fld id="{BD75A58E-DA16-45F6-88E4-DFEBDA6A48D5}" type="datetimeFigureOut">
               <a:rPr lang="en-CA" smtClean="0"/>
-              <a:t>2022-02-17</a:t>
+              <a:t>2022-02-22</a:t>
             </a:fld>
             <a:endParaRPr lang="en-CA"/>
           </a:p>
@@ -883,13 +1167,7 @@
       </p:sp>
       <p:sp>
         <p:nvSpPr>
-          <p:cNvPr id="5" name="Footer Placeholder 4">
-            <a:extLst>
-              <a:ext uri="{FF2B5EF4-FFF2-40B4-BE49-F238E27FC236}">
-                <a16:creationId xmlns:a16="http://schemas.microsoft.com/office/drawing/2014/main" id="{E2878070-9B3C-4B38-9F1E-93BFF4B4DBF2}"/>
-              </a:ext>
-            </a:extLst>
-          </p:cNvPr>
+          <p:cNvPr id="5" name="Footer Placeholder 4"/>
           <p:cNvSpPr>
             <a:spLocks noGrp="1"/>
           </p:cNvSpPr>
@@ -908,13 +1186,7 @@
       </p:sp>
       <p:sp>
         <p:nvSpPr>
-          <p:cNvPr id="6" name="Slide Number Placeholder 5">
-            <a:extLst>
-              <a:ext uri="{FF2B5EF4-FFF2-40B4-BE49-F238E27FC236}">
-                <a16:creationId xmlns:a16="http://schemas.microsoft.com/office/drawing/2014/main" id="{D41D2DA5-3908-495B-A5F3-FA52E67C7692}"/>
-              </a:ext>
-            </a:extLst>
-          </p:cNvPr>
+          <p:cNvPr id="6" name="Slide Number Placeholder 5"/>
           <p:cNvSpPr>
             <a:spLocks noGrp="1"/>
           </p:cNvSpPr>
@@ -938,7 +1210,7 @@
     </p:spTree>
     <p:extLst>
       <p:ext uri="{BB962C8B-B14F-4D97-AF65-F5344CB8AC3E}">
-        <p14:creationId xmlns:p14="http://schemas.microsoft.com/office/powerpoint/2010/main" val="2083977698"/>
+        <p14:creationId xmlns:p14="http://schemas.microsoft.com/office/powerpoint/2010/main" val="2056418228"/>
       </p:ext>
     </p:extLst>
   </p:cSld>
@@ -949,8 +1221,13 @@
 </file>
 
 <file path=ppt/slideLayouts/slideLayout3.xml><?xml version="1.0" encoding="utf-8"?>
-<p:sldLayout xmlns:a="http://schemas.openxmlformats.org/drawingml/2006/main" xmlns:r="http://schemas.openxmlformats.org/officeDocument/2006/relationships" xmlns:p="http://schemas.openxmlformats.org/presentationml/2006/main" type="secHead" preserve="1">
+<p:sldLayout xmlns:a="http://schemas.openxmlformats.org/drawingml/2006/main" xmlns:r="http://schemas.openxmlformats.org/officeDocument/2006/relationships" xmlns:p="http://schemas.openxmlformats.org/presentationml/2006/main" showMasterSp="0" type="secHead" preserve="1">
   <p:cSld name="Section Header">
+    <p:bg>
+      <p:bgRef idx="1001">
+        <a:schemeClr val="bg2"/>
+      </p:bgRef>
+    </p:bg>
     <p:spTree>
       <p:nvGrpSpPr>
         <p:cNvPr id="1" name=""/>
@@ -967,13 +1244,300 @@
       </p:grpSpPr>
       <p:sp>
         <p:nvSpPr>
-          <p:cNvPr id="2" name="Title 1">
-            <a:extLst>
-              <a:ext uri="{FF2B5EF4-FFF2-40B4-BE49-F238E27FC236}">
-                <a16:creationId xmlns:a16="http://schemas.microsoft.com/office/drawing/2014/main" id="{3D6EFC30-19FC-43C5-BF68-F6ECA7FEDAAB}"/>
-              </a:ext>
-            </a:extLst>
-          </p:cNvPr>
+          <p:cNvPr id="16" name="Rectangle 15"/>
+          <p:cNvSpPr/>
+          <p:nvPr/>
+        </p:nvSpPr>
+        <p:spPr>
+          <a:xfrm>
+            <a:off x="11784" y="0"/>
+            <a:ext cx="12192000" cy="6858000"/>
+          </a:xfrm>
+          <a:prstGeom prst="rect">
+            <a:avLst/>
+          </a:prstGeom>
+          <a:blipFill dpi="0" rotWithShape="1">
+            <a:blip r:embed="rId2">
+              <a:alphaModFix amt="40000"/>
+              <a:duotone>
+                <a:schemeClr val="accent2">
+                  <a:shade val="45000"/>
+                  <a:satMod val="135000"/>
+                </a:schemeClr>
+                <a:prstClr val="white"/>
+              </a:duotone>
+            </a:blip>
+            <a:srcRect/>
+            <a:tile tx="-133350" ty="330200" sx="85000" sy="85000" flip="xy" algn="tl"/>
+          </a:blipFill>
+          <a:ln>
+            <a:noFill/>
+          </a:ln>
+        </p:spPr>
+        <p:style>
+          <a:lnRef idx="2">
+            <a:schemeClr val="accent1">
+              <a:shade val="50000"/>
+            </a:schemeClr>
+          </a:lnRef>
+          <a:fillRef idx="1">
+            <a:schemeClr val="accent1"/>
+          </a:fillRef>
+          <a:effectRef idx="0">
+            <a:schemeClr val="accent1"/>
+          </a:effectRef>
+          <a:fontRef idx="minor">
+            <a:schemeClr val="lt1"/>
+          </a:fontRef>
+        </p:style>
+      </p:sp>
+      <p:sp>
+        <p:nvSpPr>
+          <p:cNvPr id="23" name="Rectangle 22"/>
+          <p:cNvSpPr/>
+          <p:nvPr/>
+        </p:nvSpPr>
+        <p:spPr>
+          <a:xfrm>
+            <a:off x="1307870" y="1267730"/>
+            <a:ext cx="9576262" cy="4307950"/>
+          </a:xfrm>
+          <a:prstGeom prst="rect">
+            <a:avLst/>
+          </a:prstGeom>
+          <a:solidFill>
+            <a:schemeClr val="bg1"/>
+          </a:solidFill>
+          <a:ln w="6350" cap="flat" cmpd="sng" algn="ctr">
+            <a:noFill/>
+            <a:prstDash val="solid"/>
+          </a:ln>
+          <a:effectLst>
+            <a:outerShdw blurRad="50800" algn="ctr" rotWithShape="0">
+              <a:prstClr val="black">
+                <a:alpha val="66000"/>
+              </a:prstClr>
+            </a:outerShdw>
+            <a:softEdge rad="0"/>
+          </a:effectLst>
+        </p:spPr>
+      </p:sp>
+      <p:sp>
+        <p:nvSpPr>
+          <p:cNvPr id="24" name="Rectangle 23"/>
+          <p:cNvSpPr/>
+          <p:nvPr/>
+        </p:nvSpPr>
+        <p:spPr>
+          <a:xfrm>
+            <a:off x="1447801" y="1411615"/>
+            <a:ext cx="9296400" cy="4034770"/>
+          </a:xfrm>
+          <a:prstGeom prst="rect">
+            <a:avLst/>
+          </a:prstGeom>
+          <a:noFill/>
+          <a:ln w="6350" cap="sq" cmpd="sng" algn="ctr">
+            <a:solidFill>
+              <a:schemeClr val="tx1">
+                <a:lumMod val="75000"/>
+                <a:lumOff val="25000"/>
+              </a:schemeClr>
+            </a:solidFill>
+            <a:prstDash val="solid"/>
+            <a:miter lim="800000"/>
+          </a:ln>
+          <a:effectLst/>
+        </p:spPr>
+      </p:sp>
+      <p:sp>
+        <p:nvSpPr>
+          <p:cNvPr id="30" name="Rectangle 29"/>
+          <p:cNvSpPr/>
+          <p:nvPr/>
+        </p:nvSpPr>
+        <p:spPr>
+          <a:xfrm>
+            <a:off x="5135880" y="1267730"/>
+            <a:ext cx="1920240" cy="731520"/>
+          </a:xfrm>
+          <a:prstGeom prst="rect">
+            <a:avLst/>
+          </a:prstGeom>
+          <a:solidFill>
+            <a:schemeClr val="accent2"/>
+          </a:solidFill>
+          <a:ln>
+            <a:noFill/>
+          </a:ln>
+        </p:spPr>
+        <p:style>
+          <a:lnRef idx="2">
+            <a:schemeClr val="accent1">
+              <a:shade val="50000"/>
+            </a:schemeClr>
+          </a:lnRef>
+          <a:fillRef idx="1">
+            <a:schemeClr val="accent1"/>
+          </a:fillRef>
+          <a:effectRef idx="0">
+            <a:schemeClr val="accent1"/>
+          </a:effectRef>
+          <a:fontRef idx="minor">
+            <a:schemeClr val="lt1"/>
+          </a:fontRef>
+        </p:style>
+      </p:sp>
+      <p:grpSp>
+        <p:nvGrpSpPr>
+          <p:cNvPr id="31" name="Group 30"/>
+          <p:cNvGrpSpPr/>
+          <p:nvPr/>
+        </p:nvGrpSpPr>
+        <p:grpSpPr>
+          <a:xfrm>
+            <a:off x="5250180" y="1267730"/>
+            <a:ext cx="1691640" cy="645295"/>
+            <a:chOff x="5318306" y="1386268"/>
+            <a:chExt cx="1567331" cy="645295"/>
+          </a:xfrm>
+        </p:grpSpPr>
+        <p:cxnSp>
+          <p:nvCxnSpPr>
+            <p:cNvPr id="32" name="Straight Connector 31"/>
+            <p:cNvCxnSpPr/>
+            <p:nvPr/>
+          </p:nvCxnSpPr>
+          <p:spPr>
+            <a:xfrm>
+              <a:off x="5318306" y="1386268"/>
+              <a:ext cx="0" cy="640080"/>
+            </a:xfrm>
+            <a:prstGeom prst="line">
+              <a:avLst/>
+            </a:prstGeom>
+            <a:solidFill>
+              <a:schemeClr val="tx1">
+                <a:lumMod val="85000"/>
+                <a:lumOff val="15000"/>
+              </a:schemeClr>
+            </a:solidFill>
+            <a:ln>
+              <a:solidFill>
+                <a:schemeClr val="accent2">
+                  <a:lumMod val="50000"/>
+                </a:schemeClr>
+              </a:solidFill>
+              <a:miter lim="800000"/>
+            </a:ln>
+          </p:spPr>
+          <p:style>
+            <a:lnRef idx="1">
+              <a:schemeClr val="accent1"/>
+            </a:lnRef>
+            <a:fillRef idx="0">
+              <a:schemeClr val="accent1"/>
+            </a:fillRef>
+            <a:effectRef idx="0">
+              <a:schemeClr val="accent1"/>
+            </a:effectRef>
+            <a:fontRef idx="minor">
+              <a:schemeClr val="tx1"/>
+            </a:fontRef>
+          </p:style>
+        </p:cxnSp>
+        <p:cxnSp>
+          <p:nvCxnSpPr>
+            <p:cNvPr id="33" name="Straight Connector 32"/>
+            <p:cNvCxnSpPr/>
+            <p:nvPr/>
+          </p:nvCxnSpPr>
+          <p:spPr>
+            <a:xfrm>
+              <a:off x="6885637" y="1386268"/>
+              <a:ext cx="0" cy="640080"/>
+            </a:xfrm>
+            <a:prstGeom prst="line">
+              <a:avLst/>
+            </a:prstGeom>
+            <a:solidFill>
+              <a:schemeClr val="tx1">
+                <a:lumMod val="85000"/>
+                <a:lumOff val="15000"/>
+              </a:schemeClr>
+            </a:solidFill>
+            <a:ln>
+              <a:solidFill>
+                <a:schemeClr val="accent2">
+                  <a:lumMod val="50000"/>
+                </a:schemeClr>
+              </a:solidFill>
+              <a:miter lim="800000"/>
+            </a:ln>
+          </p:spPr>
+          <p:style>
+            <a:lnRef idx="1">
+              <a:schemeClr val="accent1"/>
+            </a:lnRef>
+            <a:fillRef idx="0">
+              <a:schemeClr val="accent1"/>
+            </a:fillRef>
+            <a:effectRef idx="0">
+              <a:schemeClr val="accent1"/>
+            </a:effectRef>
+            <a:fontRef idx="minor">
+              <a:schemeClr val="tx1"/>
+            </a:fontRef>
+          </p:style>
+        </p:cxnSp>
+        <p:cxnSp>
+          <p:nvCxnSpPr>
+            <p:cNvPr id="34" name="Straight Connector 33"/>
+            <p:cNvCxnSpPr/>
+            <p:nvPr/>
+          </p:nvCxnSpPr>
+          <p:spPr>
+            <a:xfrm>
+              <a:off x="5318306" y="2031563"/>
+              <a:ext cx="1567331" cy="0"/>
+            </a:xfrm>
+            <a:prstGeom prst="line">
+              <a:avLst/>
+            </a:prstGeom>
+            <a:solidFill>
+              <a:schemeClr val="tx1">
+                <a:lumMod val="85000"/>
+                <a:lumOff val="15000"/>
+              </a:schemeClr>
+            </a:solidFill>
+            <a:ln>
+              <a:solidFill>
+                <a:schemeClr val="accent2">
+                  <a:lumMod val="50000"/>
+                </a:schemeClr>
+              </a:solidFill>
+              <a:miter lim="800000"/>
+            </a:ln>
+          </p:spPr>
+          <p:style>
+            <a:lnRef idx="1">
+              <a:schemeClr val="accent1"/>
+            </a:lnRef>
+            <a:fillRef idx="0">
+              <a:schemeClr val="accent1"/>
+            </a:fillRef>
+            <a:effectRef idx="0">
+              <a:schemeClr val="accent1"/>
+            </a:effectRef>
+            <a:fontRef idx="minor">
+              <a:schemeClr val="tx1"/>
+            </a:fontRef>
+          </p:style>
+        </p:cxnSp>
+      </p:grpSp>
+      <p:sp>
+        <p:nvSpPr>
+          <p:cNvPr id="2" name="Title 1"/>
           <p:cNvSpPr>
             <a:spLocks noGrp="1"/>
           </p:cNvSpPr>
@@ -983,15 +1547,31 @@
         </p:nvSpPr>
         <p:spPr>
           <a:xfrm>
-            <a:off x="831850" y="1709738"/>
-            <a:ext cx="10515600" cy="2852737"/>
+            <a:off x="1563623" y="2094309"/>
+            <a:ext cx="9070848" cy="2587752"/>
           </a:xfrm>
         </p:spPr>
         <p:txBody>
-          <a:bodyPr anchor="b"/>
+          <a:bodyPr anchor="ctr">
+            <a:noAutofit/>
+          </a:bodyPr>
           <a:lstStyle>
-            <a:lvl1pPr>
-              <a:defRPr sz="6000"/>
+            <a:lvl1pPr algn="ctr">
+              <a:lnSpc>
+                <a:spcPct val="83000"/>
+              </a:lnSpc>
+              <a:defRPr lang="en-US" sz="7200" kern="1200" cap="all" spc="-100" baseline="0" dirty="0">
+                <a:solidFill>
+                  <a:schemeClr val="tx1">
+                    <a:lumMod val="85000"/>
+                    <a:lumOff val="15000"/>
+                  </a:schemeClr>
+                </a:solidFill>
+                <a:effectLst/>
+                <a:latin typeface="+mj-lt"/>
+                <a:ea typeface="+mn-ea"/>
+                <a:cs typeface="+mn-cs"/>
+              </a:defRPr>
             </a:lvl1pPr>
           </a:lstStyle>
           <a:p>
@@ -999,19 +1579,13 @@
               <a:rPr lang="en-US"/>
               <a:t>Click to edit Master title style</a:t>
             </a:r>
-            <a:endParaRPr lang="en-CA"/>
-          </a:p>
-        </p:txBody>
-      </p:sp>
-      <p:sp>
-        <p:nvSpPr>
-          <p:cNvPr id="3" name="Text Placeholder 2">
-            <a:extLst>
-              <a:ext uri="{FF2B5EF4-FFF2-40B4-BE49-F238E27FC236}">
-                <a16:creationId xmlns:a16="http://schemas.microsoft.com/office/drawing/2014/main" id="{A49CEF83-F338-4AD4-AA46-2A2B08814F58}"/>
-              </a:ext>
-            </a:extLst>
-          </p:cNvPr>
+            <a:endParaRPr lang="en-US" dirty="0"/>
+          </a:p>
+        </p:txBody>
+      </p:sp>
+      <p:sp>
+        <p:nvSpPr>
+          <p:cNvPr id="3" name="Text Placeholder 2"/>
           <p:cNvSpPr>
             <a:spLocks noGrp="1"/>
           </p:cNvSpPr>
@@ -1021,26 +1595,30 @@
         </p:nvSpPr>
         <p:spPr>
           <a:xfrm>
-            <a:off x="831850" y="4589463"/>
-            <a:ext cx="10515600" cy="1500187"/>
+            <a:off x="1563624" y="4682062"/>
+            <a:ext cx="9070848" cy="457200"/>
           </a:xfrm>
         </p:spPr>
         <p:txBody>
-          <a:bodyPr/>
+          <a:bodyPr anchor="t">
+            <a:normAutofit/>
+          </a:bodyPr>
           <a:lstStyle>
-            <a:lvl1pPr marL="0" indent="0">
+            <a:lvl1pPr marL="0" indent="0" algn="ctr">
               <a:buNone/>
-              <a:defRPr sz="2400">
+              <a:tabLst>
+                <a:tab pos="2633663" algn="l"/>
+              </a:tabLst>
+              <a:defRPr sz="1600">
                 <a:solidFill>
-                  <a:schemeClr val="tx1">
-                    <a:tint val="75000"/>
-                  </a:schemeClr>
+                  <a:schemeClr val="tx2"/>
                 </a:solidFill>
+                <a:effectLst/>
               </a:defRPr>
             </a:lvl1pPr>
             <a:lvl2pPr marL="457200" indent="0">
               <a:buNone/>
-              <a:defRPr sz="2000">
+              <a:defRPr sz="1600">
                 <a:solidFill>
                   <a:schemeClr val="tx1">
                     <a:tint val="75000"/>
@@ -1050,7 +1628,7 @@
             </a:lvl2pPr>
             <a:lvl3pPr marL="914400" indent="0">
               <a:buNone/>
-              <a:defRPr sz="1800">
+              <a:defRPr sz="1600">
                 <a:solidFill>
                   <a:schemeClr val="tx1">
                     <a:tint val="75000"/>
@@ -1060,7 +1638,7 @@
             </a:lvl3pPr>
             <a:lvl4pPr marL="1371600" indent="0">
               <a:buNone/>
-              <a:defRPr sz="1600">
+              <a:defRPr sz="1400">
                 <a:solidFill>
                   <a:schemeClr val="tx1">
                     <a:tint val="75000"/>
@@ -1070,7 +1648,7 @@
             </a:lvl4pPr>
             <a:lvl5pPr marL="1828800" indent="0">
               <a:buNone/>
-              <a:defRPr sz="1600">
+              <a:defRPr sz="1400">
                 <a:solidFill>
                   <a:schemeClr val="tx1">
                     <a:tint val="75000"/>
@@ -1080,7 +1658,7 @@
             </a:lvl5pPr>
             <a:lvl6pPr marL="2286000" indent="0">
               <a:buNone/>
-              <a:defRPr sz="1600">
+              <a:defRPr sz="1400">
                 <a:solidFill>
                   <a:schemeClr val="tx1">
                     <a:tint val="75000"/>
@@ -1090,7 +1668,7 @@
             </a:lvl6pPr>
             <a:lvl7pPr marL="2743200" indent="0">
               <a:buNone/>
-              <a:defRPr sz="1600">
+              <a:defRPr sz="1400">
                 <a:solidFill>
                   <a:schemeClr val="tx1">
                     <a:tint val="75000"/>
@@ -1100,7 +1678,7 @@
             </a:lvl7pPr>
             <a:lvl8pPr marL="3200400" indent="0">
               <a:buNone/>
-              <a:defRPr sz="1600">
+              <a:defRPr sz="1400">
                 <a:solidFill>
                   <a:schemeClr val="tx1">
                     <a:tint val="75000"/>
@@ -1110,7 +1688,7 @@
             </a:lvl8pPr>
             <a:lvl9pPr marL="3657600" indent="0">
               <a:buNone/>
-              <a:defRPr sz="1600">
+              <a:defRPr sz="1400">
                 <a:solidFill>
                   <a:schemeClr val="tx1">
                     <a:tint val="75000"/>
@@ -1130,13 +1708,7 @@
       </p:sp>
       <p:sp>
         <p:nvSpPr>
-          <p:cNvPr id="4" name="Date Placeholder 3">
-            <a:extLst>
-              <a:ext uri="{FF2B5EF4-FFF2-40B4-BE49-F238E27FC236}">
-                <a16:creationId xmlns:a16="http://schemas.microsoft.com/office/drawing/2014/main" id="{6683E5BA-81B1-43C5-83D8-64C2EC8F6E35}"/>
-              </a:ext>
-            </a:extLst>
-          </p:cNvPr>
+          <p:cNvPr id="4" name="Date Placeholder 3"/>
           <p:cNvSpPr>
             <a:spLocks noGrp="1"/>
           </p:cNvSpPr>
@@ -1144,14 +1716,30 @@
             <p:ph type="dt" sz="half" idx="10"/>
           </p:nvPr>
         </p:nvSpPr>
-        <p:spPr/>
+        <p:spPr>
+          <a:xfrm>
+            <a:off x="5321808" y="1344502"/>
+            <a:ext cx="1554480" cy="530352"/>
+          </a:xfrm>
+        </p:spPr>
         <p:txBody>
           <a:bodyPr/>
-          <a:lstStyle/>
+          <a:lstStyle>
+            <a:lvl1pPr algn="ctr">
+              <a:defRPr lang="en-US" sz="1300" kern="1200" spc="0" baseline="0">
+                <a:solidFill>
+                  <a:srgbClr val="FFFFFF"/>
+                </a:solidFill>
+                <a:latin typeface="+mn-lt"/>
+                <a:ea typeface="+mn-ea"/>
+                <a:cs typeface="+mn-cs"/>
+              </a:defRPr>
+            </a:lvl1pPr>
+          </a:lstStyle>
           <a:p>
             <a:fld id="{BD75A58E-DA16-45F6-88E4-DFEBDA6A48D5}" type="datetimeFigureOut">
               <a:rPr lang="en-CA" smtClean="0"/>
-              <a:t>2022-02-17</a:t>
+              <a:t>2022-02-22</a:t>
             </a:fld>
             <a:endParaRPr lang="en-CA"/>
           </a:p>
@@ -1159,13 +1747,7 @@
       </p:sp>
       <p:sp>
         <p:nvSpPr>
-          <p:cNvPr id="5" name="Footer Placeholder 4">
-            <a:extLst>
-              <a:ext uri="{FF2B5EF4-FFF2-40B4-BE49-F238E27FC236}">
-                <a16:creationId xmlns:a16="http://schemas.microsoft.com/office/drawing/2014/main" id="{D4FADD02-4CD0-4B2F-A7E9-A36EAB926498}"/>
-              </a:ext>
-            </a:extLst>
-          </p:cNvPr>
+          <p:cNvPr id="5" name="Footer Placeholder 4"/>
           <p:cNvSpPr>
             <a:spLocks noGrp="1"/>
           </p:cNvSpPr>
@@ -1173,10 +1755,19 @@
             <p:ph type="ftr" sz="quarter" idx="11"/>
           </p:nvPr>
         </p:nvSpPr>
-        <p:spPr/>
+        <p:spPr>
+          <a:xfrm>
+            <a:off x="1453896" y="5212080"/>
+            <a:ext cx="5907024" cy="228600"/>
+          </a:xfrm>
+        </p:spPr>
         <p:txBody>
           <a:bodyPr/>
-          <a:lstStyle/>
+          <a:lstStyle>
+            <a:lvl1pPr algn="l">
+              <a:defRPr/>
+            </a:lvl1pPr>
+          </a:lstStyle>
           <a:p>
             <a:endParaRPr lang="en-CA"/>
           </a:p>
@@ -1184,13 +1775,7 @@
       </p:sp>
       <p:sp>
         <p:nvSpPr>
-          <p:cNvPr id="6" name="Slide Number Placeholder 5">
-            <a:extLst>
-              <a:ext uri="{FF2B5EF4-FFF2-40B4-BE49-F238E27FC236}">
-                <a16:creationId xmlns:a16="http://schemas.microsoft.com/office/drawing/2014/main" id="{343E896F-7848-4557-8BA2-81B3FE6BA775}"/>
-              </a:ext>
-            </a:extLst>
-          </p:cNvPr>
+          <p:cNvPr id="6" name="Slide Number Placeholder 5"/>
           <p:cNvSpPr>
             <a:spLocks noGrp="1"/>
           </p:cNvSpPr>
@@ -1198,7 +1783,12 @@
             <p:ph type="sldNum" sz="quarter" idx="12"/>
           </p:nvPr>
         </p:nvSpPr>
-        <p:spPr/>
+        <p:spPr>
+          <a:xfrm>
+            <a:off x="8604504" y="5212080"/>
+            <a:ext cx="2112264" cy="228600"/>
+          </a:xfrm>
+        </p:spPr>
         <p:txBody>
           <a:bodyPr/>
           <a:lstStyle/>
@@ -1214,12 +1804,12 @@
     </p:spTree>
     <p:extLst>
       <p:ext uri="{BB962C8B-B14F-4D97-AF65-F5344CB8AC3E}">
-        <p14:creationId xmlns:p14="http://schemas.microsoft.com/office/powerpoint/2010/main" val="2583659611"/>
+        <p14:creationId xmlns:p14="http://schemas.microsoft.com/office/powerpoint/2010/main" val="3725817608"/>
       </p:ext>
     </p:extLst>
   </p:cSld>
   <p:clrMapOvr>
-    <a:masterClrMapping/>
+    <a:overrideClrMapping bg1="lt1" tx1="dk1" bg2="lt2" tx2="dk2" accent1="accent1" accent2="accent2" accent3="accent3" accent4="accent4" accent5="accent5" accent6="accent6" hlink="hlink" folHlink="folHlink"/>
   </p:clrMapOvr>
 </p:sldLayout>
 </file>
@@ -1243,13 +1833,7 @@
       </p:grpSpPr>
       <p:sp>
         <p:nvSpPr>
-          <p:cNvPr id="2" name="Title 1">
-            <a:extLst>
-              <a:ext uri="{FF2B5EF4-FFF2-40B4-BE49-F238E27FC236}">
-                <a16:creationId xmlns:a16="http://schemas.microsoft.com/office/drawing/2014/main" id="{175F5644-0F6A-4741-82C6-09ECB23E1F0D}"/>
-              </a:ext>
-            </a:extLst>
-          </p:cNvPr>
+          <p:cNvPr id="8" name="Title 7"/>
           <p:cNvSpPr>
             <a:spLocks noGrp="1"/>
           </p:cNvSpPr>
@@ -1266,19 +1850,13 @@
               <a:rPr lang="en-US"/>
               <a:t>Click to edit Master title style</a:t>
             </a:r>
-            <a:endParaRPr lang="en-CA"/>
-          </a:p>
-        </p:txBody>
-      </p:sp>
-      <p:sp>
-        <p:nvSpPr>
-          <p:cNvPr id="3" name="Content Placeholder 2">
-            <a:extLst>
-              <a:ext uri="{FF2B5EF4-FFF2-40B4-BE49-F238E27FC236}">
-                <a16:creationId xmlns:a16="http://schemas.microsoft.com/office/drawing/2014/main" id="{E26B27AF-FBCE-4786-8F09-811C822D55E6}"/>
-              </a:ext>
-            </a:extLst>
-          </p:cNvPr>
+            <a:endParaRPr lang="en-US" dirty="0"/>
+          </a:p>
+        </p:txBody>
+      </p:sp>
+      <p:sp>
+        <p:nvSpPr>
+          <p:cNvPr id="3" name="Content Placeholder 2"/>
           <p:cNvSpPr>
             <a:spLocks noGrp="1"/>
           </p:cNvSpPr>
@@ -1288,13 +1866,41 @@
         </p:nvSpPr>
         <p:spPr>
           <a:xfrm>
-            <a:off x="838200" y="1825625"/>
-            <a:ext cx="5181600" cy="4351338"/>
+            <a:off x="1066800" y="2103120"/>
+            <a:ext cx="4754880" cy="3749040"/>
           </a:xfrm>
         </p:spPr>
         <p:txBody>
           <a:bodyPr/>
-          <a:lstStyle/>
+          <a:lstStyle>
+            <a:lvl1pPr>
+              <a:defRPr sz="1800"/>
+            </a:lvl1pPr>
+            <a:lvl2pPr>
+              <a:defRPr sz="1600"/>
+            </a:lvl2pPr>
+            <a:lvl3pPr>
+              <a:defRPr sz="1400"/>
+            </a:lvl3pPr>
+            <a:lvl4pPr>
+              <a:defRPr sz="1400"/>
+            </a:lvl4pPr>
+            <a:lvl5pPr>
+              <a:defRPr sz="1400"/>
+            </a:lvl5pPr>
+            <a:lvl6pPr>
+              <a:defRPr sz="1400"/>
+            </a:lvl6pPr>
+            <a:lvl7pPr>
+              <a:defRPr sz="1400"/>
+            </a:lvl7pPr>
+            <a:lvl8pPr>
+              <a:defRPr sz="1400"/>
+            </a:lvl8pPr>
+            <a:lvl9pPr>
+              <a:defRPr sz="1400"/>
+            </a:lvl9pPr>
+          </a:lstStyle>
           <a:p>
             <a:pPr lvl="0"/>
             <a:r>
@@ -1329,19 +1935,13 @@
               <a:rPr lang="en-US"/>
               <a:t>Fifth level</a:t>
             </a:r>
-            <a:endParaRPr lang="en-CA"/>
-          </a:p>
-        </p:txBody>
-      </p:sp>
-      <p:sp>
-        <p:nvSpPr>
-          <p:cNvPr id="4" name="Content Placeholder 3">
-            <a:extLst>
-              <a:ext uri="{FF2B5EF4-FFF2-40B4-BE49-F238E27FC236}">
-                <a16:creationId xmlns:a16="http://schemas.microsoft.com/office/drawing/2014/main" id="{3230E1C5-ECD6-4AD0-83DA-2FD5EDB127BD}"/>
-              </a:ext>
-            </a:extLst>
-          </p:cNvPr>
+            <a:endParaRPr lang="en-US" dirty="0"/>
+          </a:p>
+        </p:txBody>
+      </p:sp>
+      <p:sp>
+        <p:nvSpPr>
+          <p:cNvPr id="4" name="Content Placeholder 3"/>
           <p:cNvSpPr>
             <a:spLocks noGrp="1"/>
           </p:cNvSpPr>
@@ -1351,13 +1951,41 @@
         </p:nvSpPr>
         <p:spPr>
           <a:xfrm>
-            <a:off x="6172200" y="1825625"/>
-            <a:ext cx="5181600" cy="4351338"/>
+            <a:off x="6370320" y="2103120"/>
+            <a:ext cx="4754880" cy="3749040"/>
           </a:xfrm>
         </p:spPr>
         <p:txBody>
           <a:bodyPr/>
-          <a:lstStyle/>
+          <a:lstStyle>
+            <a:lvl1pPr>
+              <a:defRPr sz="1800"/>
+            </a:lvl1pPr>
+            <a:lvl2pPr>
+              <a:defRPr sz="1600"/>
+            </a:lvl2pPr>
+            <a:lvl3pPr>
+              <a:defRPr sz="1400"/>
+            </a:lvl3pPr>
+            <a:lvl4pPr>
+              <a:defRPr sz="1400"/>
+            </a:lvl4pPr>
+            <a:lvl5pPr>
+              <a:defRPr sz="1400"/>
+            </a:lvl5pPr>
+            <a:lvl6pPr>
+              <a:defRPr sz="1400"/>
+            </a:lvl6pPr>
+            <a:lvl7pPr>
+              <a:defRPr sz="1400"/>
+            </a:lvl7pPr>
+            <a:lvl8pPr>
+              <a:defRPr sz="1400"/>
+            </a:lvl8pPr>
+            <a:lvl9pPr>
+              <a:defRPr sz="1400"/>
+            </a:lvl9pPr>
+          </a:lstStyle>
           <a:p>
             <a:pPr lvl="0"/>
             <a:r>
@@ -1392,19 +2020,13 @@
               <a:rPr lang="en-US"/>
               <a:t>Fifth level</a:t>
             </a:r>
-            <a:endParaRPr lang="en-CA"/>
-          </a:p>
-        </p:txBody>
-      </p:sp>
-      <p:sp>
-        <p:nvSpPr>
-          <p:cNvPr id="5" name="Date Placeholder 4">
-            <a:extLst>
-              <a:ext uri="{FF2B5EF4-FFF2-40B4-BE49-F238E27FC236}">
-                <a16:creationId xmlns:a16="http://schemas.microsoft.com/office/drawing/2014/main" id="{5F8A0846-9292-4C32-892B-4499FE465CD8}"/>
-              </a:ext>
-            </a:extLst>
-          </p:cNvPr>
+            <a:endParaRPr lang="en-US" dirty="0"/>
+          </a:p>
+        </p:txBody>
+      </p:sp>
+      <p:sp>
+        <p:nvSpPr>
+          <p:cNvPr id="5" name="Date Placeholder 4"/>
           <p:cNvSpPr>
             <a:spLocks noGrp="1"/>
           </p:cNvSpPr>
@@ -1419,7 +2041,7 @@
           <a:p>
             <a:fld id="{BD75A58E-DA16-45F6-88E4-DFEBDA6A48D5}" type="datetimeFigureOut">
               <a:rPr lang="en-CA" smtClean="0"/>
-              <a:t>2022-02-17</a:t>
+              <a:t>2022-02-22</a:t>
             </a:fld>
             <a:endParaRPr lang="en-CA"/>
           </a:p>
@@ -1427,13 +2049,7 @@
       </p:sp>
       <p:sp>
         <p:nvSpPr>
-          <p:cNvPr id="6" name="Footer Placeholder 5">
-            <a:extLst>
-              <a:ext uri="{FF2B5EF4-FFF2-40B4-BE49-F238E27FC236}">
-                <a16:creationId xmlns:a16="http://schemas.microsoft.com/office/drawing/2014/main" id="{B1788D02-1F2E-4298-8AD2-A2FD2071B395}"/>
-              </a:ext>
-            </a:extLst>
-          </p:cNvPr>
+          <p:cNvPr id="6" name="Footer Placeholder 5"/>
           <p:cNvSpPr>
             <a:spLocks noGrp="1"/>
           </p:cNvSpPr>
@@ -1452,13 +2068,7 @@
       </p:sp>
       <p:sp>
         <p:nvSpPr>
-          <p:cNvPr id="7" name="Slide Number Placeholder 6">
-            <a:extLst>
-              <a:ext uri="{FF2B5EF4-FFF2-40B4-BE49-F238E27FC236}">
-                <a16:creationId xmlns:a16="http://schemas.microsoft.com/office/drawing/2014/main" id="{069DE44B-B608-4F3F-957C-A93F61C382C1}"/>
-              </a:ext>
-            </a:extLst>
-          </p:cNvPr>
+          <p:cNvPr id="7" name="Slide Number Placeholder 6"/>
           <p:cNvSpPr>
             <a:spLocks noGrp="1"/>
           </p:cNvSpPr>
@@ -1482,7 +2092,7 @@
     </p:spTree>
     <p:extLst>
       <p:ext uri="{BB962C8B-B14F-4D97-AF65-F5344CB8AC3E}">
-        <p14:creationId xmlns:p14="http://schemas.microsoft.com/office/powerpoint/2010/main" val="2235467639"/>
+        <p14:creationId xmlns:p14="http://schemas.microsoft.com/office/powerpoint/2010/main" val="458123717"/>
       </p:ext>
     </p:extLst>
   </p:cSld>
@@ -1511,13 +2121,7 @@
       </p:grpSpPr>
       <p:sp>
         <p:nvSpPr>
-          <p:cNvPr id="2" name="Title 1">
-            <a:extLst>
-              <a:ext uri="{FF2B5EF4-FFF2-40B4-BE49-F238E27FC236}">
-                <a16:creationId xmlns:a16="http://schemas.microsoft.com/office/drawing/2014/main" id="{2D1C5C44-C97F-4C83-BF17-51FE34F23AE2}"/>
-              </a:ext>
-            </a:extLst>
-          </p:cNvPr>
+          <p:cNvPr id="2" name="Title 1"/>
           <p:cNvSpPr>
             <a:spLocks noGrp="1"/>
           </p:cNvSpPr>
@@ -1525,12 +2129,7 @@
             <p:ph type="title"/>
           </p:nvPr>
         </p:nvSpPr>
-        <p:spPr>
-          <a:xfrm>
-            <a:off x="839788" y="365125"/>
-            <a:ext cx="10515600" cy="1325563"/>
-          </a:xfrm>
-        </p:spPr>
+        <p:spPr/>
         <p:txBody>
           <a:bodyPr/>
           <a:lstStyle/>
@@ -1539,19 +2138,13 @@
               <a:rPr lang="en-US"/>
               <a:t>Click to edit Master title style</a:t>
             </a:r>
-            <a:endParaRPr lang="en-CA"/>
-          </a:p>
-        </p:txBody>
-      </p:sp>
-      <p:sp>
-        <p:nvSpPr>
-          <p:cNvPr id="3" name="Text Placeholder 2">
-            <a:extLst>
-              <a:ext uri="{FF2B5EF4-FFF2-40B4-BE49-F238E27FC236}">
-                <a16:creationId xmlns:a16="http://schemas.microsoft.com/office/drawing/2014/main" id="{77CEB407-83BE-4DC3-B5D9-945C60E8887B}"/>
-              </a:ext>
-            </a:extLst>
-          </p:cNvPr>
+            <a:endParaRPr lang="en-US" dirty="0"/>
+          </a:p>
+        </p:txBody>
+      </p:sp>
+      <p:sp>
+        <p:nvSpPr>
+          <p:cNvPr id="3" name="Text Placeholder 2"/>
           <p:cNvSpPr>
             <a:spLocks noGrp="1"/>
           </p:cNvSpPr>
@@ -1561,20 +2154,30 @@
         </p:nvSpPr>
         <p:spPr>
           <a:xfrm>
-            <a:off x="839788" y="1681163"/>
-            <a:ext cx="5157787" cy="823912"/>
+            <a:off x="1069848" y="2074334"/>
+            <a:ext cx="4754880" cy="640080"/>
           </a:xfrm>
         </p:spPr>
         <p:txBody>
-          <a:bodyPr anchor="b"/>
+          <a:bodyPr anchor="ctr">
+            <a:normAutofit/>
+          </a:bodyPr>
           <a:lstStyle>
-            <a:lvl1pPr marL="0" indent="0">
+            <a:lvl1pPr marL="0" indent="0" algn="ctr">
+              <a:spcBef>
+                <a:spcPts val="0"/>
+              </a:spcBef>
               <a:buNone/>
-              <a:defRPr sz="2400" b="1"/>
+              <a:defRPr sz="1800" b="0">
+                <a:solidFill>
+                  <a:schemeClr val="tx2"/>
+                </a:solidFill>
+                <a:latin typeface="+mn-lt"/>
+              </a:defRPr>
             </a:lvl1pPr>
             <a:lvl2pPr marL="457200" indent="0">
               <a:buNone/>
-              <a:defRPr sz="2000" b="1"/>
+              <a:defRPr sz="1800" b="1"/>
             </a:lvl2pPr>
             <a:lvl3pPr marL="914400" indent="0">
               <a:buNone/>
@@ -1616,13 +2219,7 @@
       </p:sp>
       <p:sp>
         <p:nvSpPr>
-          <p:cNvPr id="4" name="Content Placeholder 3">
-            <a:extLst>
-              <a:ext uri="{FF2B5EF4-FFF2-40B4-BE49-F238E27FC236}">
-                <a16:creationId xmlns:a16="http://schemas.microsoft.com/office/drawing/2014/main" id="{0D1F40CD-DFC7-4A49-A3B5-102C44DA2DFD}"/>
-              </a:ext>
-            </a:extLst>
-          </p:cNvPr>
+          <p:cNvPr id="4" name="Content Placeholder 3"/>
           <p:cNvSpPr>
             <a:spLocks noGrp="1"/>
           </p:cNvSpPr>
@@ -1632,13 +2229,41 @@
         </p:nvSpPr>
         <p:spPr>
           <a:xfrm>
-            <a:off x="839788" y="2505075"/>
-            <a:ext cx="5157787" cy="3684588"/>
+            <a:off x="1069848" y="2755898"/>
+            <a:ext cx="4754880" cy="3200400"/>
           </a:xfrm>
         </p:spPr>
         <p:txBody>
           <a:bodyPr/>
-          <a:lstStyle/>
+          <a:lstStyle>
+            <a:lvl1pPr>
+              <a:defRPr sz="1800"/>
+            </a:lvl1pPr>
+            <a:lvl2pPr>
+              <a:defRPr sz="1600"/>
+            </a:lvl2pPr>
+            <a:lvl3pPr>
+              <a:defRPr sz="1400"/>
+            </a:lvl3pPr>
+            <a:lvl4pPr>
+              <a:defRPr sz="1400"/>
+            </a:lvl4pPr>
+            <a:lvl5pPr>
+              <a:defRPr sz="1400"/>
+            </a:lvl5pPr>
+            <a:lvl6pPr>
+              <a:defRPr sz="1400"/>
+            </a:lvl6pPr>
+            <a:lvl7pPr>
+              <a:defRPr sz="1400"/>
+            </a:lvl7pPr>
+            <a:lvl8pPr>
+              <a:defRPr sz="1400"/>
+            </a:lvl8pPr>
+            <a:lvl9pPr>
+              <a:defRPr sz="1400"/>
+            </a:lvl9pPr>
+          </a:lstStyle>
           <a:p>
             <a:pPr lvl="0"/>
             <a:r>
@@ -1673,19 +2298,13 @@
               <a:rPr lang="en-US"/>
               <a:t>Fifth level</a:t>
             </a:r>
-            <a:endParaRPr lang="en-CA"/>
-          </a:p>
-        </p:txBody>
-      </p:sp>
-      <p:sp>
-        <p:nvSpPr>
-          <p:cNvPr id="5" name="Text Placeholder 4">
-            <a:extLst>
-              <a:ext uri="{FF2B5EF4-FFF2-40B4-BE49-F238E27FC236}">
-                <a16:creationId xmlns:a16="http://schemas.microsoft.com/office/drawing/2014/main" id="{EBF78431-0CEF-4A4A-B47B-1C08DD212639}"/>
-              </a:ext>
-            </a:extLst>
-          </p:cNvPr>
+            <a:endParaRPr lang="en-US" dirty="0"/>
+          </a:p>
+        </p:txBody>
+      </p:sp>
+      <p:sp>
+        <p:nvSpPr>
+          <p:cNvPr id="5" name="Text Placeholder 4"/>
           <p:cNvSpPr>
             <a:spLocks noGrp="1"/>
           </p:cNvSpPr>
@@ -1695,20 +2314,29 @@
         </p:nvSpPr>
         <p:spPr>
           <a:xfrm>
-            <a:off x="6172200" y="1681163"/>
-            <a:ext cx="5183188" cy="823912"/>
+            <a:off x="6373368" y="2074334"/>
+            <a:ext cx="4754880" cy="640080"/>
           </a:xfrm>
         </p:spPr>
         <p:txBody>
-          <a:bodyPr anchor="b"/>
+          <a:bodyPr anchor="ctr">
+            <a:normAutofit/>
+          </a:bodyPr>
           <a:lstStyle>
-            <a:lvl1pPr marL="0" indent="0">
+            <a:lvl1pPr marL="0" indent="0" algn="ctr">
+              <a:spcBef>
+                <a:spcPts val="0"/>
+              </a:spcBef>
               <a:buNone/>
-              <a:defRPr sz="2400" b="1"/>
+              <a:defRPr sz="1800" b="0">
+                <a:solidFill>
+                  <a:schemeClr val="tx2"/>
+                </a:solidFill>
+              </a:defRPr>
             </a:lvl1pPr>
             <a:lvl2pPr marL="457200" indent="0">
               <a:buNone/>
-              <a:defRPr sz="2000" b="1"/>
+              <a:defRPr sz="1800" b="1"/>
             </a:lvl2pPr>
             <a:lvl3pPr marL="914400" indent="0">
               <a:buNone/>
@@ -1750,13 +2378,7 @@
       </p:sp>
       <p:sp>
         <p:nvSpPr>
-          <p:cNvPr id="6" name="Content Placeholder 5">
-            <a:extLst>
-              <a:ext uri="{FF2B5EF4-FFF2-40B4-BE49-F238E27FC236}">
-                <a16:creationId xmlns:a16="http://schemas.microsoft.com/office/drawing/2014/main" id="{C003CFE3-2F44-4B0F-8293-E17E4DBC3ED0}"/>
-              </a:ext>
-            </a:extLst>
-          </p:cNvPr>
+          <p:cNvPr id="6" name="Content Placeholder 5"/>
           <p:cNvSpPr>
             <a:spLocks noGrp="1"/>
           </p:cNvSpPr>
@@ -1766,13 +2388,41 @@
         </p:nvSpPr>
         <p:spPr>
           <a:xfrm>
-            <a:off x="6172200" y="2505075"/>
-            <a:ext cx="5183188" cy="3684588"/>
+            <a:off x="6373368" y="2756581"/>
+            <a:ext cx="4754880" cy="3200400"/>
           </a:xfrm>
         </p:spPr>
         <p:txBody>
           <a:bodyPr/>
-          <a:lstStyle/>
+          <a:lstStyle>
+            <a:lvl1pPr>
+              <a:defRPr sz="1800"/>
+            </a:lvl1pPr>
+            <a:lvl2pPr>
+              <a:defRPr sz="1600"/>
+            </a:lvl2pPr>
+            <a:lvl3pPr>
+              <a:defRPr sz="1400"/>
+            </a:lvl3pPr>
+            <a:lvl4pPr>
+              <a:defRPr sz="1400"/>
+            </a:lvl4pPr>
+            <a:lvl5pPr>
+              <a:defRPr sz="1400"/>
+            </a:lvl5pPr>
+            <a:lvl6pPr>
+              <a:defRPr sz="1400"/>
+            </a:lvl6pPr>
+            <a:lvl7pPr>
+              <a:defRPr sz="1400"/>
+            </a:lvl7pPr>
+            <a:lvl8pPr>
+              <a:defRPr sz="1400"/>
+            </a:lvl8pPr>
+            <a:lvl9pPr>
+              <a:defRPr sz="1400"/>
+            </a:lvl9pPr>
+          </a:lstStyle>
           <a:p>
             <a:pPr lvl="0"/>
             <a:r>
@@ -1807,19 +2457,13 @@
               <a:rPr lang="en-US"/>
               <a:t>Fifth level</a:t>
             </a:r>
-            <a:endParaRPr lang="en-CA"/>
-          </a:p>
-        </p:txBody>
-      </p:sp>
-      <p:sp>
-        <p:nvSpPr>
-          <p:cNvPr id="7" name="Date Placeholder 6">
-            <a:extLst>
-              <a:ext uri="{FF2B5EF4-FFF2-40B4-BE49-F238E27FC236}">
-                <a16:creationId xmlns:a16="http://schemas.microsoft.com/office/drawing/2014/main" id="{94A5FE1F-1EDE-4857-BF63-78C46252525B}"/>
-              </a:ext>
-            </a:extLst>
-          </p:cNvPr>
+            <a:endParaRPr lang="en-US" dirty="0"/>
+          </a:p>
+        </p:txBody>
+      </p:sp>
+      <p:sp>
+        <p:nvSpPr>
+          <p:cNvPr id="7" name="Date Placeholder 6"/>
           <p:cNvSpPr>
             <a:spLocks noGrp="1"/>
           </p:cNvSpPr>
@@ -1834,7 +2478,7 @@
           <a:p>
             <a:fld id="{BD75A58E-DA16-45F6-88E4-DFEBDA6A48D5}" type="datetimeFigureOut">
               <a:rPr lang="en-CA" smtClean="0"/>
-              <a:t>2022-02-17</a:t>
+              <a:t>2022-02-22</a:t>
             </a:fld>
             <a:endParaRPr lang="en-CA"/>
           </a:p>
@@ -1842,13 +2486,7 @@
       </p:sp>
       <p:sp>
         <p:nvSpPr>
-          <p:cNvPr id="8" name="Footer Placeholder 7">
-            <a:extLst>
-              <a:ext uri="{FF2B5EF4-FFF2-40B4-BE49-F238E27FC236}">
-                <a16:creationId xmlns:a16="http://schemas.microsoft.com/office/drawing/2014/main" id="{13A8E3BE-E1AD-4AE5-B198-C7FFE0032634}"/>
-              </a:ext>
-            </a:extLst>
-          </p:cNvPr>
+          <p:cNvPr id="8" name="Footer Placeholder 7"/>
           <p:cNvSpPr>
             <a:spLocks noGrp="1"/>
           </p:cNvSpPr>
@@ -1867,13 +2505,7 @@
       </p:sp>
       <p:sp>
         <p:nvSpPr>
-          <p:cNvPr id="9" name="Slide Number Placeholder 8">
-            <a:extLst>
-              <a:ext uri="{FF2B5EF4-FFF2-40B4-BE49-F238E27FC236}">
-                <a16:creationId xmlns:a16="http://schemas.microsoft.com/office/drawing/2014/main" id="{6FF0A455-5E5D-487C-8927-F796F9C8319F}"/>
-              </a:ext>
-            </a:extLst>
-          </p:cNvPr>
+          <p:cNvPr id="9" name="Slide Number Placeholder 8"/>
           <p:cNvSpPr>
             <a:spLocks noGrp="1"/>
           </p:cNvSpPr>
@@ -1897,7 +2529,7 @@
     </p:spTree>
     <p:extLst>
       <p:ext uri="{BB962C8B-B14F-4D97-AF65-F5344CB8AC3E}">
-        <p14:creationId xmlns:p14="http://schemas.microsoft.com/office/powerpoint/2010/main" val="1895790888"/>
+        <p14:creationId xmlns:p14="http://schemas.microsoft.com/office/powerpoint/2010/main" val="2431294305"/>
       </p:ext>
     </p:extLst>
   </p:cSld>
@@ -1926,13 +2558,7 @@
       </p:grpSpPr>
       <p:sp>
         <p:nvSpPr>
-          <p:cNvPr id="2" name="Title 1">
-            <a:extLst>
-              <a:ext uri="{FF2B5EF4-FFF2-40B4-BE49-F238E27FC236}">
-                <a16:creationId xmlns:a16="http://schemas.microsoft.com/office/drawing/2014/main" id="{4B0D750A-28AD-4E31-BBC7-A0A4FD9DFBD5}"/>
-              </a:ext>
-            </a:extLst>
-          </p:cNvPr>
+          <p:cNvPr id="2" name="Title 1"/>
           <p:cNvSpPr>
             <a:spLocks noGrp="1"/>
           </p:cNvSpPr>
@@ -1949,19 +2575,13 @@
               <a:rPr lang="en-US"/>
               <a:t>Click to edit Master title style</a:t>
             </a:r>
-            <a:endParaRPr lang="en-CA"/>
-          </a:p>
-        </p:txBody>
-      </p:sp>
-      <p:sp>
-        <p:nvSpPr>
-          <p:cNvPr id="3" name="Date Placeholder 2">
-            <a:extLst>
-              <a:ext uri="{FF2B5EF4-FFF2-40B4-BE49-F238E27FC236}">
-                <a16:creationId xmlns:a16="http://schemas.microsoft.com/office/drawing/2014/main" id="{4E06969B-79CC-46CC-9465-435DEBBADD64}"/>
-              </a:ext>
-            </a:extLst>
-          </p:cNvPr>
+            <a:endParaRPr lang="en-US" dirty="0"/>
+          </a:p>
+        </p:txBody>
+      </p:sp>
+      <p:sp>
+        <p:nvSpPr>
+          <p:cNvPr id="3" name="Date Placeholder 2"/>
           <p:cNvSpPr>
             <a:spLocks noGrp="1"/>
           </p:cNvSpPr>
@@ -1976,7 +2596,7 @@
           <a:p>
             <a:fld id="{BD75A58E-DA16-45F6-88E4-DFEBDA6A48D5}" type="datetimeFigureOut">
               <a:rPr lang="en-CA" smtClean="0"/>
-              <a:t>2022-02-17</a:t>
+              <a:t>2022-02-22</a:t>
             </a:fld>
             <a:endParaRPr lang="en-CA"/>
           </a:p>
@@ -1984,13 +2604,7 @@
       </p:sp>
       <p:sp>
         <p:nvSpPr>
-          <p:cNvPr id="4" name="Footer Placeholder 3">
-            <a:extLst>
-              <a:ext uri="{FF2B5EF4-FFF2-40B4-BE49-F238E27FC236}">
-                <a16:creationId xmlns:a16="http://schemas.microsoft.com/office/drawing/2014/main" id="{C23F295B-5569-4376-BFCC-E020DA936BA8}"/>
-              </a:ext>
-            </a:extLst>
-          </p:cNvPr>
+          <p:cNvPr id="4" name="Footer Placeholder 3"/>
           <p:cNvSpPr>
             <a:spLocks noGrp="1"/>
           </p:cNvSpPr>
@@ -2009,13 +2623,7 @@
       </p:sp>
       <p:sp>
         <p:nvSpPr>
-          <p:cNvPr id="5" name="Slide Number Placeholder 4">
-            <a:extLst>
-              <a:ext uri="{FF2B5EF4-FFF2-40B4-BE49-F238E27FC236}">
-                <a16:creationId xmlns:a16="http://schemas.microsoft.com/office/drawing/2014/main" id="{B047EDA9-56D8-401D-85A0-10F7EDA62530}"/>
-              </a:ext>
-            </a:extLst>
-          </p:cNvPr>
+          <p:cNvPr id="5" name="Slide Number Placeholder 4"/>
           <p:cNvSpPr>
             <a:spLocks noGrp="1"/>
           </p:cNvSpPr>
@@ -2039,7 +2647,7 @@
     </p:spTree>
     <p:extLst>
       <p:ext uri="{BB962C8B-B14F-4D97-AF65-F5344CB8AC3E}">
-        <p14:creationId xmlns:p14="http://schemas.microsoft.com/office/powerpoint/2010/main" val="3878641382"/>
+        <p14:creationId xmlns:p14="http://schemas.microsoft.com/office/powerpoint/2010/main" val="3266593593"/>
       </p:ext>
     </p:extLst>
   </p:cSld>
@@ -2068,13 +2676,7 @@
       </p:grpSpPr>
       <p:sp>
         <p:nvSpPr>
-          <p:cNvPr id="2" name="Date Placeholder 1">
-            <a:extLst>
-              <a:ext uri="{FF2B5EF4-FFF2-40B4-BE49-F238E27FC236}">
-                <a16:creationId xmlns:a16="http://schemas.microsoft.com/office/drawing/2014/main" id="{3982B260-9EDA-4BB3-A761-A97533C5FCE9}"/>
-              </a:ext>
-            </a:extLst>
-          </p:cNvPr>
+          <p:cNvPr id="2" name="Date Placeholder 1"/>
           <p:cNvSpPr>
             <a:spLocks noGrp="1"/>
           </p:cNvSpPr>
@@ -2089,7 +2691,7 @@
           <a:p>
             <a:fld id="{BD75A58E-DA16-45F6-88E4-DFEBDA6A48D5}" type="datetimeFigureOut">
               <a:rPr lang="en-CA" smtClean="0"/>
-              <a:t>2022-02-17</a:t>
+              <a:t>2022-02-22</a:t>
             </a:fld>
             <a:endParaRPr lang="en-CA"/>
           </a:p>
@@ -2097,13 +2699,7 @@
       </p:sp>
       <p:sp>
         <p:nvSpPr>
-          <p:cNvPr id="3" name="Footer Placeholder 2">
-            <a:extLst>
-              <a:ext uri="{FF2B5EF4-FFF2-40B4-BE49-F238E27FC236}">
-                <a16:creationId xmlns:a16="http://schemas.microsoft.com/office/drawing/2014/main" id="{8B275756-8481-40F9-9963-AEDD93989E91}"/>
-              </a:ext>
-            </a:extLst>
-          </p:cNvPr>
+          <p:cNvPr id="3" name="Footer Placeholder 2"/>
           <p:cNvSpPr>
             <a:spLocks noGrp="1"/>
           </p:cNvSpPr>
@@ -2122,13 +2718,7 @@
       </p:sp>
       <p:sp>
         <p:nvSpPr>
-          <p:cNvPr id="4" name="Slide Number Placeholder 3">
-            <a:extLst>
-              <a:ext uri="{FF2B5EF4-FFF2-40B4-BE49-F238E27FC236}">
-                <a16:creationId xmlns:a16="http://schemas.microsoft.com/office/drawing/2014/main" id="{EFDC0560-C56B-45FF-8BE2-8DF77AC568D5}"/>
-              </a:ext>
-            </a:extLst>
-          </p:cNvPr>
+          <p:cNvPr id="4" name="Slide Number Placeholder 3"/>
           <p:cNvSpPr>
             <a:spLocks noGrp="1"/>
           </p:cNvSpPr>
@@ -2152,7 +2742,7 @@
     </p:spTree>
     <p:extLst>
       <p:ext uri="{BB962C8B-B14F-4D97-AF65-F5344CB8AC3E}">
-        <p14:creationId xmlns:p14="http://schemas.microsoft.com/office/powerpoint/2010/main" val="3324931573"/>
+        <p14:creationId xmlns:p14="http://schemas.microsoft.com/office/powerpoint/2010/main" val="3693578180"/>
       </p:ext>
     </p:extLst>
   </p:cSld>
@@ -2163,7 +2753,7 @@
 </file>
 
 <file path=ppt/slideLayouts/slideLayout8.xml><?xml version="1.0" encoding="utf-8"?>
-<p:sldLayout xmlns:a="http://schemas.openxmlformats.org/drawingml/2006/main" xmlns:r="http://schemas.openxmlformats.org/officeDocument/2006/relationships" xmlns:p="http://schemas.openxmlformats.org/presentationml/2006/main" type="objTx" preserve="1">
+<p:sldLayout xmlns:a="http://schemas.openxmlformats.org/drawingml/2006/main" xmlns:r="http://schemas.openxmlformats.org/officeDocument/2006/relationships" xmlns:p="http://schemas.openxmlformats.org/presentationml/2006/main" showMasterSp="0" type="objTx" preserve="1">
   <p:cSld name="Content with Caption">
     <p:spTree>
       <p:nvGrpSpPr>
@@ -2181,13 +2771,45 @@
       </p:grpSpPr>
       <p:sp>
         <p:nvSpPr>
-          <p:cNvPr id="2" name="Title 1">
-            <a:extLst>
-              <a:ext uri="{FF2B5EF4-FFF2-40B4-BE49-F238E27FC236}">
-                <a16:creationId xmlns:a16="http://schemas.microsoft.com/office/drawing/2014/main" id="{42C887B3-53DF-4EFD-A6CD-51D86A232E52}"/>
-              </a:ext>
-            </a:extLst>
-          </p:cNvPr>
+          <p:cNvPr id="15" name="Rectangle 14"/>
+          <p:cNvSpPr/>
+          <p:nvPr/>
+        </p:nvSpPr>
+        <p:spPr>
+          <a:xfrm>
+            <a:off x="9020386" y="237744"/>
+            <a:ext cx="2926080" cy="6382512"/>
+          </a:xfrm>
+          <a:prstGeom prst="rect">
+            <a:avLst/>
+          </a:prstGeom>
+          <a:solidFill>
+            <a:schemeClr val="bg2"/>
+          </a:solidFill>
+          <a:ln>
+            <a:noFill/>
+          </a:ln>
+        </p:spPr>
+        <p:style>
+          <a:lnRef idx="2">
+            <a:schemeClr val="accent1">
+              <a:shade val="50000"/>
+            </a:schemeClr>
+          </a:lnRef>
+          <a:fillRef idx="1">
+            <a:schemeClr val="accent1"/>
+          </a:fillRef>
+          <a:effectRef idx="0">
+            <a:schemeClr val="accent1"/>
+          </a:effectRef>
+          <a:fontRef idx="minor">
+            <a:schemeClr val="lt1"/>
+          </a:fontRef>
+        </p:style>
+      </p:sp>
+      <p:sp>
+        <p:nvSpPr>
+          <p:cNvPr id="2" name="Title 1"/>
           <p:cNvSpPr>
             <a:spLocks noGrp="1"/>
           </p:cNvSpPr>
@@ -2197,15 +2819,32 @@
         </p:nvSpPr>
         <p:spPr>
           <a:xfrm>
-            <a:off x="839788" y="457200"/>
-            <a:ext cx="3932237" cy="1600200"/>
+            <a:off x="9296400" y="607392"/>
+            <a:ext cx="2430780" cy="1645920"/>
           </a:xfrm>
         </p:spPr>
         <p:txBody>
-          <a:bodyPr anchor="b"/>
+          <a:bodyPr anchor="b">
+            <a:normAutofit/>
+          </a:bodyPr>
           <a:lstStyle>
-            <a:lvl1pPr>
-              <a:defRPr sz="3200"/>
+            <a:lvl1pPr algn="l" defTabSz="914400" rtl="0" eaLnBrk="1" latinLnBrk="0" hangingPunct="1">
+              <a:lnSpc>
+                <a:spcPct val="90000"/>
+              </a:lnSpc>
+              <a:spcBef>
+                <a:spcPct val="0"/>
+              </a:spcBef>
+              <a:buNone/>
+              <a:defRPr lang="en-US" sz="2800" b="0" kern="1200" cap="none" spc="0" baseline="0" dirty="0">
+                <a:solidFill>
+                  <a:schemeClr val="tx1"/>
+                </a:solidFill>
+                <a:effectLst/>
+                <a:latin typeface="+mj-lt"/>
+                <a:ea typeface="+mn-ea"/>
+                <a:cs typeface="+mn-cs"/>
+              </a:defRPr>
             </a:lvl1pPr>
           </a:lstStyle>
           <a:p>
@@ -2213,19 +2852,13 @@
               <a:rPr lang="en-US"/>
               <a:t>Click to edit Master title style</a:t>
             </a:r>
-            <a:endParaRPr lang="en-CA"/>
-          </a:p>
-        </p:txBody>
-      </p:sp>
-      <p:sp>
-        <p:nvSpPr>
-          <p:cNvPr id="3" name="Content Placeholder 2">
-            <a:extLst>
-              <a:ext uri="{FF2B5EF4-FFF2-40B4-BE49-F238E27FC236}">
-                <a16:creationId xmlns:a16="http://schemas.microsoft.com/office/drawing/2014/main" id="{6BCF14AB-42E0-4988-BA72-59308AD9DBE4}"/>
-              </a:ext>
-            </a:extLst>
-          </p:cNvPr>
+            <a:endParaRPr lang="en-US" dirty="0"/>
+          </a:p>
+        </p:txBody>
+      </p:sp>
+      <p:sp>
+        <p:nvSpPr>
+          <p:cNvPr id="3" name="Content Placeholder 2"/>
           <p:cNvSpPr>
             <a:spLocks noGrp="1"/>
           </p:cNvSpPr>
@@ -2235,39 +2868,39 @@
         </p:nvSpPr>
         <p:spPr>
           <a:xfrm>
-            <a:off x="5183188" y="987425"/>
-            <a:ext cx="6172200" cy="4873625"/>
+            <a:off x="685800" y="609600"/>
+            <a:ext cx="7772400" cy="5334000"/>
           </a:xfrm>
         </p:spPr>
         <p:txBody>
           <a:bodyPr/>
           <a:lstStyle>
             <a:lvl1pPr>
-              <a:defRPr sz="3200"/>
+              <a:defRPr sz="1900"/>
             </a:lvl1pPr>
             <a:lvl2pPr>
-              <a:defRPr sz="2800"/>
+              <a:defRPr sz="1600"/>
             </a:lvl2pPr>
             <a:lvl3pPr>
-              <a:defRPr sz="2400"/>
+              <a:defRPr sz="1400"/>
             </a:lvl3pPr>
             <a:lvl4pPr>
-              <a:defRPr sz="2000"/>
+              <a:defRPr sz="1400"/>
             </a:lvl4pPr>
             <a:lvl5pPr>
-              <a:defRPr sz="2000"/>
+              <a:defRPr sz="1400"/>
             </a:lvl5pPr>
             <a:lvl6pPr>
-              <a:defRPr sz="2000"/>
+              <a:defRPr sz="1400"/>
             </a:lvl6pPr>
             <a:lvl7pPr>
-              <a:defRPr sz="2000"/>
+              <a:defRPr sz="1400"/>
             </a:lvl7pPr>
             <a:lvl8pPr>
-              <a:defRPr sz="2000"/>
+              <a:defRPr sz="1400"/>
             </a:lvl8pPr>
             <a:lvl9pPr>
-              <a:defRPr sz="2000"/>
+              <a:defRPr sz="1400"/>
             </a:lvl9pPr>
           </a:lstStyle>
           <a:p>
@@ -2304,19 +2937,13 @@
               <a:rPr lang="en-US"/>
               <a:t>Fifth level</a:t>
             </a:r>
-            <a:endParaRPr lang="en-CA"/>
-          </a:p>
-        </p:txBody>
-      </p:sp>
-      <p:sp>
-        <p:nvSpPr>
-          <p:cNvPr id="4" name="Text Placeholder 3">
-            <a:extLst>
-              <a:ext uri="{FF2B5EF4-FFF2-40B4-BE49-F238E27FC236}">
-                <a16:creationId xmlns:a16="http://schemas.microsoft.com/office/drawing/2014/main" id="{7633D5C1-7D51-4DDC-82E4-58436846DD61}"/>
-              </a:ext>
-            </a:extLst>
-          </p:cNvPr>
+            <a:endParaRPr lang="en-US" dirty="0"/>
+          </a:p>
+        </p:txBody>
+      </p:sp>
+      <p:sp>
+        <p:nvSpPr>
+          <p:cNvPr id="4" name="Text Placeholder 3"/>
           <p:cNvSpPr>
             <a:spLocks noGrp="1"/>
           </p:cNvSpPr>
@@ -2326,48 +2953,60 @@
         </p:nvSpPr>
         <p:spPr>
           <a:xfrm>
-            <a:off x="839788" y="2057400"/>
-            <a:ext cx="3932237" cy="3811588"/>
+            <a:off x="9296400" y="2286000"/>
+            <a:ext cx="2430780" cy="3505200"/>
           </a:xfrm>
         </p:spPr>
         <p:txBody>
-          <a:bodyPr/>
+          <a:bodyPr>
+            <a:normAutofit/>
+          </a:bodyPr>
           <a:lstStyle>
             <a:lvl1pPr marL="0" indent="0">
+              <a:lnSpc>
+                <a:spcPct val="110000"/>
+              </a:lnSpc>
+              <a:spcBef>
+                <a:spcPts val="800"/>
+              </a:spcBef>
               <a:buNone/>
-              <a:defRPr sz="1600"/>
+              <a:defRPr sz="1400">
+                <a:solidFill>
+                  <a:schemeClr val="tx1"/>
+                </a:solidFill>
+              </a:defRPr>
             </a:lvl1pPr>
             <a:lvl2pPr marL="457200" indent="0">
               <a:buNone/>
-              <a:defRPr sz="1400"/>
+              <a:defRPr sz="1200"/>
             </a:lvl2pPr>
             <a:lvl3pPr marL="914400" indent="0">
               <a:buNone/>
-              <a:defRPr sz="1200"/>
+              <a:defRPr sz="1000"/>
             </a:lvl3pPr>
             <a:lvl4pPr marL="1371600" indent="0">
               <a:buNone/>
-              <a:defRPr sz="1000"/>
+              <a:defRPr sz="900"/>
             </a:lvl4pPr>
             <a:lvl5pPr marL="1828800" indent="0">
               <a:buNone/>
-              <a:defRPr sz="1000"/>
+              <a:defRPr sz="900"/>
             </a:lvl5pPr>
             <a:lvl6pPr marL="2286000" indent="0">
               <a:buNone/>
-              <a:defRPr sz="1000"/>
+              <a:defRPr sz="900"/>
             </a:lvl6pPr>
             <a:lvl7pPr marL="2743200" indent="0">
               <a:buNone/>
-              <a:defRPr sz="1000"/>
+              <a:defRPr sz="900"/>
             </a:lvl7pPr>
             <a:lvl8pPr marL="3200400" indent="0">
               <a:buNone/>
-              <a:defRPr sz="1000"/>
+              <a:defRPr sz="900"/>
             </a:lvl8pPr>
             <a:lvl9pPr marL="3657600" indent="0">
               <a:buNone/>
-              <a:defRPr sz="1000"/>
+              <a:defRPr sz="900"/>
             </a:lvl9pPr>
           </a:lstStyle>
           <a:p>
@@ -2381,13 +3020,7 @@
       </p:sp>
       <p:sp>
         <p:nvSpPr>
-          <p:cNvPr id="5" name="Date Placeholder 4">
-            <a:extLst>
-              <a:ext uri="{FF2B5EF4-FFF2-40B4-BE49-F238E27FC236}">
-                <a16:creationId xmlns:a16="http://schemas.microsoft.com/office/drawing/2014/main" id="{6418DAB9-0972-445D-81C8-137BA31CC66B}"/>
-              </a:ext>
-            </a:extLst>
-          </p:cNvPr>
+          <p:cNvPr id="8" name="Date Placeholder 7"/>
           <p:cNvSpPr>
             <a:spLocks noGrp="1"/>
           </p:cNvSpPr>
@@ -2402,7 +3035,7 @@
           <a:p>
             <a:fld id="{BD75A58E-DA16-45F6-88E4-DFEBDA6A48D5}" type="datetimeFigureOut">
               <a:rPr lang="en-CA" smtClean="0"/>
-              <a:t>2022-02-17</a:t>
+              <a:t>2022-02-22</a:t>
             </a:fld>
             <a:endParaRPr lang="en-CA"/>
           </a:p>
@@ -2410,13 +3043,7 @@
       </p:sp>
       <p:sp>
         <p:nvSpPr>
-          <p:cNvPr id="6" name="Footer Placeholder 5">
-            <a:extLst>
-              <a:ext uri="{FF2B5EF4-FFF2-40B4-BE49-F238E27FC236}">
-                <a16:creationId xmlns:a16="http://schemas.microsoft.com/office/drawing/2014/main" id="{FE6FBDD0-AD3E-4DB6-80A6-1400564FAA46}"/>
-              </a:ext>
-            </a:extLst>
-          </p:cNvPr>
+          <p:cNvPr id="9" name="Footer Placeholder 8"/>
           <p:cNvSpPr>
             <a:spLocks noGrp="1"/>
           </p:cNvSpPr>
@@ -2427,7 +3054,11 @@
         <p:spPr/>
         <p:txBody>
           <a:bodyPr/>
-          <a:lstStyle/>
+          <a:lstStyle>
+            <a:lvl1pPr algn="r">
+              <a:defRPr/>
+            </a:lvl1pPr>
+          </a:lstStyle>
           <a:p>
             <a:endParaRPr lang="en-CA"/>
           </a:p>
@@ -2435,13 +3066,7 @@
       </p:sp>
       <p:sp>
         <p:nvSpPr>
-          <p:cNvPr id="7" name="Slide Number Placeholder 6">
-            <a:extLst>
-              <a:ext uri="{FF2B5EF4-FFF2-40B4-BE49-F238E27FC236}">
-                <a16:creationId xmlns:a16="http://schemas.microsoft.com/office/drawing/2014/main" id="{7C11C2FC-9697-478E-8DD6-626BAE4D6E00}"/>
-              </a:ext>
-            </a:extLst>
-          </p:cNvPr>
+          <p:cNvPr id="11" name="Slide Number Placeholder 10"/>
           <p:cNvSpPr>
             <a:spLocks noGrp="1"/>
           </p:cNvSpPr>
@@ -2449,7 +3074,12 @@
             <p:ph type="sldNum" sz="quarter" idx="12"/>
           </p:nvPr>
         </p:nvSpPr>
-        <p:spPr/>
+        <p:spPr>
+          <a:xfrm>
+            <a:off x="10396728" y="6227064"/>
+            <a:ext cx="1463040" cy="256032"/>
+          </a:xfrm>
+        </p:spPr>
         <p:txBody>
           <a:bodyPr/>
           <a:lstStyle/>
@@ -2462,10 +3092,52 @@
           </a:p>
         </p:txBody>
       </p:sp>
+      <p:sp>
+        <p:nvSpPr>
+          <p:cNvPr id="12" name="Rectangle 11"/>
+          <p:cNvSpPr/>
+          <p:nvPr/>
+        </p:nvSpPr>
+        <p:spPr>
+          <a:xfrm>
+            <a:off x="9157546" y="374904"/>
+            <a:ext cx="2651760" cy="6108192"/>
+          </a:xfrm>
+          <a:prstGeom prst="rect">
+            <a:avLst/>
+          </a:prstGeom>
+          <a:noFill/>
+          <a:ln w="6350" cap="sq">
+            <a:solidFill>
+              <a:schemeClr val="tx1">
+                <a:lumMod val="75000"/>
+                <a:lumOff val="25000"/>
+              </a:schemeClr>
+            </a:solidFill>
+            <a:miter lim="800000"/>
+          </a:ln>
+        </p:spPr>
+        <p:style>
+          <a:lnRef idx="2">
+            <a:schemeClr val="accent1">
+              <a:shade val="50000"/>
+            </a:schemeClr>
+          </a:lnRef>
+          <a:fillRef idx="1">
+            <a:schemeClr val="accent1"/>
+          </a:fillRef>
+          <a:effectRef idx="0">
+            <a:schemeClr val="accent1"/>
+          </a:effectRef>
+          <a:fontRef idx="minor">
+            <a:schemeClr val="lt1"/>
+          </a:fontRef>
+        </p:style>
+      </p:sp>
     </p:spTree>
     <p:extLst>
       <p:ext uri="{BB962C8B-B14F-4D97-AF65-F5344CB8AC3E}">
-        <p14:creationId xmlns:p14="http://schemas.microsoft.com/office/powerpoint/2010/main" val="2274203690"/>
+        <p14:creationId xmlns:p14="http://schemas.microsoft.com/office/powerpoint/2010/main" val="1740588673"/>
       </p:ext>
     </p:extLst>
   </p:cSld>
@@ -2476,7 +3148,7 @@
 </file>
 
 <file path=ppt/slideLayouts/slideLayout9.xml><?xml version="1.0" encoding="utf-8"?>
-<p:sldLayout xmlns:a="http://schemas.openxmlformats.org/drawingml/2006/main" xmlns:r="http://schemas.openxmlformats.org/officeDocument/2006/relationships" xmlns:p="http://schemas.openxmlformats.org/presentationml/2006/main" type="picTx" preserve="1">
+<p:sldLayout xmlns:a="http://schemas.openxmlformats.org/drawingml/2006/main" xmlns:r="http://schemas.openxmlformats.org/officeDocument/2006/relationships" xmlns:p="http://schemas.openxmlformats.org/presentationml/2006/main" showMasterSp="0" type="picTx" preserve="1">
   <p:cSld name="Picture with Caption">
     <p:spTree>
       <p:nvGrpSpPr>
@@ -2494,13 +3166,45 @@
       </p:grpSpPr>
       <p:sp>
         <p:nvSpPr>
-          <p:cNvPr id="2" name="Title 1">
-            <a:extLst>
-              <a:ext uri="{FF2B5EF4-FFF2-40B4-BE49-F238E27FC236}">
-                <a16:creationId xmlns:a16="http://schemas.microsoft.com/office/drawing/2014/main" id="{D2A413E6-EAA2-4871-B567-FF83C2FED144}"/>
-              </a:ext>
-            </a:extLst>
-          </p:cNvPr>
+          <p:cNvPr id="14" name="Rectangle 13"/>
+          <p:cNvSpPr/>
+          <p:nvPr/>
+        </p:nvSpPr>
+        <p:spPr>
+          <a:xfrm>
+            <a:off x="9020386" y="237744"/>
+            <a:ext cx="2926080" cy="6382512"/>
+          </a:xfrm>
+          <a:prstGeom prst="rect">
+            <a:avLst/>
+          </a:prstGeom>
+          <a:solidFill>
+            <a:schemeClr val="bg2"/>
+          </a:solidFill>
+          <a:ln>
+            <a:noFill/>
+          </a:ln>
+        </p:spPr>
+        <p:style>
+          <a:lnRef idx="2">
+            <a:schemeClr val="accent1">
+              <a:shade val="50000"/>
+            </a:schemeClr>
+          </a:lnRef>
+          <a:fillRef idx="1">
+            <a:schemeClr val="accent1"/>
+          </a:fillRef>
+          <a:effectRef idx="0">
+            <a:schemeClr val="accent1"/>
+          </a:effectRef>
+          <a:fontRef idx="minor">
+            <a:schemeClr val="lt1"/>
+          </a:fontRef>
+        </p:style>
+      </p:sp>
+      <p:sp>
+        <p:nvSpPr>
+          <p:cNvPr id="2" name="Title 1"/>
           <p:cNvSpPr>
             <a:spLocks noGrp="1"/>
           </p:cNvSpPr>
@@ -2510,15 +3214,22 @@
         </p:nvSpPr>
         <p:spPr>
           <a:xfrm>
-            <a:off x="839788" y="457200"/>
-            <a:ext cx="3932237" cy="1600200"/>
+            <a:off x="9296400" y="603504"/>
+            <a:ext cx="2432304" cy="1645920"/>
           </a:xfrm>
         </p:spPr>
         <p:txBody>
-          <a:bodyPr anchor="b"/>
+          <a:bodyPr anchor="b">
+            <a:noAutofit/>
+          </a:bodyPr>
           <a:lstStyle>
-            <a:lvl1pPr>
-              <a:defRPr sz="3200"/>
+            <a:lvl1pPr algn="l">
+              <a:defRPr sz="2800" b="0">
+                <a:solidFill>
+                  <a:schemeClr val="tx1"/>
+                </a:solidFill>
+                <a:latin typeface="+mj-lt"/>
+              </a:defRPr>
             </a:lvl1pPr>
           </a:lstStyle>
           <a:p>
@@ -2526,21 +3237,15 @@
               <a:rPr lang="en-US"/>
               <a:t>Click to edit Master title style</a:t>
             </a:r>
-            <a:endParaRPr lang="en-CA"/>
-          </a:p>
-        </p:txBody>
-      </p:sp>
-      <p:sp>
-        <p:nvSpPr>
-          <p:cNvPr id="3" name="Picture Placeholder 2">
-            <a:extLst>
-              <a:ext uri="{FF2B5EF4-FFF2-40B4-BE49-F238E27FC236}">
-                <a16:creationId xmlns:a16="http://schemas.microsoft.com/office/drawing/2014/main" id="{5D401C7E-22EB-49C5-AB9A-88879E669FF9}"/>
-              </a:ext>
-            </a:extLst>
-          </p:cNvPr>
-          <p:cNvSpPr>
-            <a:spLocks noGrp="1"/>
+            <a:endParaRPr lang="en-US" dirty="0"/>
+          </a:p>
+        </p:txBody>
+      </p:sp>
+      <p:sp>
+        <p:nvSpPr>
+          <p:cNvPr id="3" name="Picture Placeholder 2"/>
+          <p:cNvSpPr>
+            <a:spLocks noGrp="1" noChangeAspect="1"/>
           </p:cNvSpPr>
           <p:nvPr>
             <p:ph type="pic" idx="1"/>
@@ -2548,12 +3253,21 @@
         </p:nvSpPr>
         <p:spPr>
           <a:xfrm>
-            <a:off x="5183188" y="987425"/>
-            <a:ext cx="6172200" cy="4873625"/>
-          </a:xfrm>
+            <a:off x="228599" y="237744"/>
+            <a:ext cx="8531352" cy="6382512"/>
+          </a:xfrm>
+          <a:solidFill>
+            <a:schemeClr val="accent6">
+              <a:lumMod val="60000"/>
+              <a:lumOff val="40000"/>
+            </a:schemeClr>
+          </a:solidFill>
+          <a:ln>
+            <a:noFill/>
+          </a:ln>
         </p:spPr>
         <p:txBody>
-          <a:bodyPr/>
+          <a:bodyPr anchor="t"/>
           <a:lstStyle>
             <a:lvl1pPr marL="0" indent="0">
               <a:buNone/>
@@ -2593,19 +3307,17 @@
             </a:lvl9pPr>
           </a:lstStyle>
           <a:p>
-            <a:endParaRPr lang="en-CA"/>
-          </a:p>
-        </p:txBody>
-      </p:sp>
-      <p:sp>
-        <p:nvSpPr>
-          <p:cNvPr id="4" name="Text Placeholder 3">
-            <a:extLst>
-              <a:ext uri="{FF2B5EF4-FFF2-40B4-BE49-F238E27FC236}">
-                <a16:creationId xmlns:a16="http://schemas.microsoft.com/office/drawing/2014/main" id="{DC6B68B9-E995-42EA-95E7-D931F8E68FF1}"/>
-              </a:ext>
-            </a:extLst>
-          </p:cNvPr>
+            <a:r>
+              <a:rPr lang="en-US"/>
+              <a:t>Click icon to add picture</a:t>
+            </a:r>
+            <a:endParaRPr lang="en-US" dirty="0"/>
+          </a:p>
+        </p:txBody>
+      </p:sp>
+      <p:sp>
+        <p:nvSpPr>
+          <p:cNvPr id="4" name="Text Placeholder 3"/>
           <p:cNvSpPr>
             <a:spLocks noGrp="1"/>
           </p:cNvSpPr>
@@ -2615,48 +3327,60 @@
         </p:nvSpPr>
         <p:spPr>
           <a:xfrm>
-            <a:off x="839788" y="2057400"/>
-            <a:ext cx="3932237" cy="3811588"/>
+            <a:off x="9296400" y="2286000"/>
+            <a:ext cx="2432304" cy="3502152"/>
           </a:xfrm>
         </p:spPr>
         <p:txBody>
-          <a:bodyPr/>
+          <a:bodyPr>
+            <a:normAutofit/>
+          </a:bodyPr>
           <a:lstStyle>
-            <a:lvl1pPr marL="0" indent="0">
+            <a:lvl1pPr marL="0" indent="0" algn="l">
+              <a:lnSpc>
+                <a:spcPct val="110000"/>
+              </a:lnSpc>
+              <a:spcBef>
+                <a:spcPts val="800"/>
+              </a:spcBef>
               <a:buNone/>
-              <a:defRPr sz="1600"/>
+              <a:defRPr sz="1400">
+                <a:solidFill>
+                  <a:schemeClr val="tx1"/>
+                </a:solidFill>
+              </a:defRPr>
             </a:lvl1pPr>
             <a:lvl2pPr marL="457200" indent="0">
               <a:buNone/>
-              <a:defRPr sz="1400"/>
+              <a:defRPr sz="1200"/>
             </a:lvl2pPr>
             <a:lvl3pPr marL="914400" indent="0">
               <a:buNone/>
-              <a:defRPr sz="1200"/>
+              <a:defRPr sz="1000"/>
             </a:lvl3pPr>
             <a:lvl4pPr marL="1371600" indent="0">
               <a:buNone/>
-              <a:defRPr sz="1000"/>
+              <a:defRPr sz="900"/>
             </a:lvl4pPr>
             <a:lvl5pPr marL="1828800" indent="0">
               <a:buNone/>
-              <a:defRPr sz="1000"/>
+              <a:defRPr sz="900"/>
             </a:lvl5pPr>
             <a:lvl6pPr marL="2286000" indent="0">
               <a:buNone/>
-              <a:defRPr sz="1000"/>
+              <a:defRPr sz="900"/>
             </a:lvl6pPr>
             <a:lvl7pPr marL="2743200" indent="0">
               <a:buNone/>
-              <a:defRPr sz="1000"/>
+              <a:defRPr sz="900"/>
             </a:lvl7pPr>
             <a:lvl8pPr marL="3200400" indent="0">
               <a:buNone/>
-              <a:defRPr sz="1000"/>
+              <a:defRPr sz="900"/>
             </a:lvl8pPr>
             <a:lvl9pPr marL="3657600" indent="0">
               <a:buNone/>
-              <a:defRPr sz="1000"/>
+              <a:defRPr sz="900"/>
             </a:lvl9pPr>
           </a:lstStyle>
           <a:p>
@@ -2670,13 +3394,7 @@
       </p:sp>
       <p:sp>
         <p:nvSpPr>
-          <p:cNvPr id="5" name="Date Placeholder 4">
-            <a:extLst>
-              <a:ext uri="{FF2B5EF4-FFF2-40B4-BE49-F238E27FC236}">
-                <a16:creationId xmlns:a16="http://schemas.microsoft.com/office/drawing/2014/main" id="{218422E3-A21A-4F28-8A02-EF2A832BBA96}"/>
-              </a:ext>
-            </a:extLst>
-          </p:cNvPr>
+          <p:cNvPr id="5" name="Date Placeholder 4"/>
           <p:cNvSpPr>
             <a:spLocks noGrp="1"/>
           </p:cNvSpPr>
@@ -2687,11 +3405,26 @@
         <p:spPr/>
         <p:txBody>
           <a:bodyPr/>
-          <a:lstStyle/>
+          <a:lstStyle>
+            <a:lvl1pPr>
+              <a:defRPr>
+                <a:solidFill>
+                  <a:srgbClr val="FFFFFF"/>
+                </a:solidFill>
+                <a:effectLst>
+                  <a:outerShdw blurRad="19050" dist="6350" dir="2700000" algn="tl" rotWithShape="0">
+                    <a:prstClr val="black">
+                      <a:alpha val="40000"/>
+                    </a:prstClr>
+                  </a:outerShdw>
+                </a:effectLst>
+              </a:defRPr>
+            </a:lvl1pPr>
+          </a:lstStyle>
           <a:p>
             <a:fld id="{BD75A58E-DA16-45F6-88E4-DFEBDA6A48D5}" type="datetimeFigureOut">
               <a:rPr lang="en-CA" smtClean="0"/>
-              <a:t>2022-02-17</a:t>
+              <a:t>2022-02-22</a:t>
             </a:fld>
             <a:endParaRPr lang="en-CA"/>
           </a:p>
@@ -2699,13 +3432,7 @@
       </p:sp>
       <p:sp>
         <p:nvSpPr>
-          <p:cNvPr id="6" name="Footer Placeholder 5">
-            <a:extLst>
-              <a:ext uri="{FF2B5EF4-FFF2-40B4-BE49-F238E27FC236}">
-                <a16:creationId xmlns:a16="http://schemas.microsoft.com/office/drawing/2014/main" id="{426331EE-186B-4E28-93A0-80D6424539A1}"/>
-              </a:ext>
-            </a:extLst>
-          </p:cNvPr>
+          <p:cNvPr id="6" name="Footer Placeholder 5"/>
           <p:cNvSpPr>
             <a:spLocks noGrp="1"/>
           </p:cNvSpPr>
@@ -2716,7 +3443,25 @@
         <p:spPr/>
         <p:txBody>
           <a:bodyPr/>
-          <a:lstStyle/>
+          <a:lstStyle>
+            <a:lvl1pPr marL="0" algn="r" defTabSz="914400" rtl="0" eaLnBrk="1" latinLnBrk="0" hangingPunct="1">
+              <a:defRPr lang="en-US" sz="1000" kern="1200" dirty="0">
+                <a:solidFill>
+                  <a:srgbClr val="FFFFFF"/>
+                </a:solidFill>
+                <a:effectLst>
+                  <a:outerShdw blurRad="19050" dist="6350" dir="2700000" algn="tl" rotWithShape="0">
+                    <a:prstClr val="black">
+                      <a:alpha val="40000"/>
+                    </a:prstClr>
+                  </a:outerShdw>
+                </a:effectLst>
+                <a:latin typeface="+mn-lt"/>
+                <a:ea typeface="+mn-ea"/>
+                <a:cs typeface="+mn-cs"/>
+              </a:defRPr>
+            </a:lvl1pPr>
+          </a:lstStyle>
           <a:p>
             <a:endParaRPr lang="en-CA"/>
           </a:p>
@@ -2724,13 +3469,7 @@
       </p:sp>
       <p:sp>
         <p:nvSpPr>
-          <p:cNvPr id="7" name="Slide Number Placeholder 6">
-            <a:extLst>
-              <a:ext uri="{FF2B5EF4-FFF2-40B4-BE49-F238E27FC236}">
-                <a16:creationId xmlns:a16="http://schemas.microsoft.com/office/drawing/2014/main" id="{A1195156-F583-4F6E-A3F5-66AA8AFD24F0}"/>
-              </a:ext>
-            </a:extLst>
-          </p:cNvPr>
+          <p:cNvPr id="7" name="Slide Number Placeholder 6"/>
           <p:cNvSpPr>
             <a:spLocks noGrp="1"/>
           </p:cNvSpPr>
@@ -2738,7 +3477,12 @@
             <p:ph type="sldNum" sz="quarter" idx="12"/>
           </p:nvPr>
         </p:nvSpPr>
-        <p:spPr/>
+        <p:spPr>
+          <a:xfrm>
+            <a:off x="10396728" y="6227064"/>
+            <a:ext cx="1463040" cy="256032"/>
+          </a:xfrm>
+        </p:spPr>
         <p:txBody>
           <a:bodyPr/>
           <a:lstStyle/>
@@ -2751,10 +3495,52 @@
           </a:p>
         </p:txBody>
       </p:sp>
+      <p:sp>
+        <p:nvSpPr>
+          <p:cNvPr id="10" name="Rectangle 9"/>
+          <p:cNvSpPr/>
+          <p:nvPr/>
+        </p:nvSpPr>
+        <p:spPr>
+          <a:xfrm>
+            <a:off x="9157546" y="374904"/>
+            <a:ext cx="2651760" cy="6108192"/>
+          </a:xfrm>
+          <a:prstGeom prst="rect">
+            <a:avLst/>
+          </a:prstGeom>
+          <a:noFill/>
+          <a:ln w="6350" cap="sq">
+            <a:solidFill>
+              <a:schemeClr val="tx1">
+                <a:lumMod val="75000"/>
+                <a:lumOff val="25000"/>
+              </a:schemeClr>
+            </a:solidFill>
+            <a:miter lim="800000"/>
+          </a:ln>
+        </p:spPr>
+        <p:style>
+          <a:lnRef idx="2">
+            <a:schemeClr val="accent1">
+              <a:shade val="50000"/>
+            </a:schemeClr>
+          </a:lnRef>
+          <a:fillRef idx="1">
+            <a:schemeClr val="accent1"/>
+          </a:fillRef>
+          <a:effectRef idx="0">
+            <a:schemeClr val="accent1"/>
+          </a:effectRef>
+          <a:fontRef idx="minor">
+            <a:schemeClr val="lt1"/>
+          </a:fontRef>
+        </p:style>
+      </p:sp>
     </p:spTree>
     <p:extLst>
       <p:ext uri="{BB962C8B-B14F-4D97-AF65-F5344CB8AC3E}">
-        <p14:creationId xmlns:p14="http://schemas.microsoft.com/office/powerpoint/2010/main" val="3906027657"/>
+        <p14:creationId xmlns:p14="http://schemas.microsoft.com/office/powerpoint/2010/main" val="3231233742"/>
       </p:ext>
     </p:extLst>
   </p:cSld>
@@ -2768,9 +3554,12 @@
 <p:sldMaster xmlns:a="http://schemas.openxmlformats.org/drawingml/2006/main" xmlns:r="http://schemas.openxmlformats.org/officeDocument/2006/relationships" xmlns:p="http://schemas.openxmlformats.org/presentationml/2006/main">
   <p:cSld>
     <p:bg>
-      <p:bgRef idx="1001">
-        <a:schemeClr val="bg1"/>
-      </p:bgRef>
+      <p:bgPr>
+        <a:solidFill>
+          <a:schemeClr val="bg1"/>
+        </a:solidFill>
+        <a:effectLst/>
+      </p:bgPr>
     </p:bg>
     <p:spTree>
       <p:nvGrpSpPr>
@@ -2788,13 +3577,33 @@
       </p:grpSpPr>
       <p:sp>
         <p:nvSpPr>
-          <p:cNvPr id="2" name="Title Placeholder 1">
-            <a:extLst>
-              <a:ext uri="{FF2B5EF4-FFF2-40B4-BE49-F238E27FC236}">
-                <a16:creationId xmlns:a16="http://schemas.microsoft.com/office/drawing/2014/main" id="{4EF6BD7F-50BA-475E-A129-666473CEAF65}"/>
-              </a:ext>
-            </a:extLst>
-          </p:cNvPr>
+          <p:cNvPr id="7" name="Rectangle 6"/>
+          <p:cNvSpPr/>
+          <p:nvPr/>
+        </p:nvSpPr>
+        <p:spPr>
+          <a:xfrm>
+            <a:off x="234696" y="237744"/>
+            <a:ext cx="11722608" cy="6382512"/>
+          </a:xfrm>
+          <a:prstGeom prst="rect">
+            <a:avLst/>
+          </a:prstGeom>
+          <a:solidFill>
+            <a:schemeClr val="bg2"/>
+          </a:solidFill>
+          <a:ln w="6350" cap="flat" cmpd="sng" algn="ctr">
+            <a:noFill/>
+            <a:prstDash val="solid"/>
+          </a:ln>
+          <a:effectLst>
+            <a:softEdge rad="0"/>
+          </a:effectLst>
+        </p:spPr>
+      </p:sp>
+      <p:sp>
+        <p:nvSpPr>
+          <p:cNvPr id="2" name="Title Placeholder 1"/>
           <p:cNvSpPr>
             <a:spLocks noGrp="1"/>
           </p:cNvSpPr>
@@ -2804,8 +3613,8 @@
         </p:nvSpPr>
         <p:spPr>
           <a:xfrm>
-            <a:off x="838200" y="365125"/>
-            <a:ext cx="10515600" cy="1325563"/>
+            <a:off x="1066800" y="642594"/>
+            <a:ext cx="10058400" cy="1371600"/>
           </a:xfrm>
           <a:prstGeom prst="rect">
             <a:avLst/>
@@ -2821,19 +3630,13 @@
               <a:rPr lang="en-US"/>
               <a:t>Click to edit Master title style</a:t>
             </a:r>
-            <a:endParaRPr lang="en-CA"/>
-          </a:p>
-        </p:txBody>
-      </p:sp>
-      <p:sp>
-        <p:nvSpPr>
-          <p:cNvPr id="3" name="Text Placeholder 2">
-            <a:extLst>
-              <a:ext uri="{FF2B5EF4-FFF2-40B4-BE49-F238E27FC236}">
-                <a16:creationId xmlns:a16="http://schemas.microsoft.com/office/drawing/2014/main" id="{FF43FE14-9A07-418D-AA0F-E2F93E2BD39A}"/>
-              </a:ext>
-            </a:extLst>
-          </p:cNvPr>
+            <a:endParaRPr lang="en-US" dirty="0"/>
+          </a:p>
+        </p:txBody>
+      </p:sp>
+      <p:sp>
+        <p:nvSpPr>
+          <p:cNvPr id="3" name="Text Placeholder 2"/>
           <p:cNvSpPr>
             <a:spLocks noGrp="1"/>
           </p:cNvSpPr>
@@ -2843,8 +3646,8 @@
         </p:nvSpPr>
         <p:spPr>
           <a:xfrm>
-            <a:off x="838200" y="1825625"/>
-            <a:ext cx="10515600" cy="4351338"/>
+            <a:off x="1066800" y="2103120"/>
+            <a:ext cx="10058400" cy="3931920"/>
           </a:xfrm>
           <a:prstGeom prst="rect">
             <a:avLst/>
@@ -2889,19 +3692,13 @@
               <a:rPr lang="en-US"/>
               <a:t>Fifth level</a:t>
             </a:r>
-            <a:endParaRPr lang="en-CA"/>
-          </a:p>
-        </p:txBody>
-      </p:sp>
-      <p:sp>
-        <p:nvSpPr>
-          <p:cNvPr id="4" name="Date Placeholder 3">
-            <a:extLst>
-              <a:ext uri="{FF2B5EF4-FFF2-40B4-BE49-F238E27FC236}">
-                <a16:creationId xmlns:a16="http://schemas.microsoft.com/office/drawing/2014/main" id="{4C2D7AA4-47E0-4C35-B98B-AB557BC1DCAE}"/>
-              </a:ext>
-            </a:extLst>
-          </p:cNvPr>
+            <a:endParaRPr lang="en-US" dirty="0"/>
+          </a:p>
+        </p:txBody>
+      </p:sp>
+      <p:sp>
+        <p:nvSpPr>
+          <p:cNvPr id="4" name="Date Placeholder 3"/>
           <p:cNvSpPr>
             <a:spLocks noGrp="1"/>
           </p:cNvSpPr>
@@ -2911,21 +3708,22 @@
         </p:nvSpPr>
         <p:spPr>
           <a:xfrm>
-            <a:off x="838200" y="6356350"/>
-            <a:ext cx="2743200" cy="365125"/>
+            <a:off x="389464" y="6214535"/>
+            <a:ext cx="2743200" cy="256032"/>
           </a:xfrm>
           <a:prstGeom prst="rect">
             <a:avLst/>
           </a:prstGeom>
         </p:spPr>
         <p:txBody>
-          <a:bodyPr vert="horz" lIns="91440" tIns="45720" rIns="91440" bIns="45720" rtlCol="0" anchor="ctr"/>
+          <a:bodyPr vert="horz" lIns="91440" tIns="45720" rIns="91440" bIns="45720" rtlCol="0" anchor="b"/>
           <a:lstStyle>
             <a:lvl1pPr algn="l">
-              <a:defRPr sz="1200">
+              <a:defRPr sz="1000">
                 <a:solidFill>
                   <a:schemeClr val="tx1">
-                    <a:tint val="75000"/>
+                    <a:lumMod val="75000"/>
+                    <a:lumOff val="25000"/>
                   </a:schemeClr>
                 </a:solidFill>
               </a:defRPr>
@@ -2934,7 +3732,7 @@
           <a:p>
             <a:fld id="{BD75A58E-DA16-45F6-88E4-DFEBDA6A48D5}" type="datetimeFigureOut">
               <a:rPr lang="en-CA" smtClean="0"/>
-              <a:t>2022-02-17</a:t>
+              <a:t>2022-02-22</a:t>
             </a:fld>
             <a:endParaRPr lang="en-CA"/>
           </a:p>
@@ -2942,13 +3740,7 @@
       </p:sp>
       <p:sp>
         <p:nvSpPr>
-          <p:cNvPr id="5" name="Footer Placeholder 4">
-            <a:extLst>
-              <a:ext uri="{FF2B5EF4-FFF2-40B4-BE49-F238E27FC236}">
-                <a16:creationId xmlns:a16="http://schemas.microsoft.com/office/drawing/2014/main" id="{476E7BAD-5CE2-4096-B96F-3FBC86592EC9}"/>
-              </a:ext>
-            </a:extLst>
-          </p:cNvPr>
+          <p:cNvPr id="5" name="Footer Placeholder 4"/>
           <p:cNvSpPr>
             <a:spLocks noGrp="1"/>
           </p:cNvSpPr>
@@ -2958,21 +3750,22 @@
         </p:nvSpPr>
         <p:spPr>
           <a:xfrm>
-            <a:off x="4038600" y="6356350"/>
-            <a:ext cx="4114800" cy="365125"/>
+            <a:off x="3489960" y="6214535"/>
+            <a:ext cx="5212080" cy="256032"/>
           </a:xfrm>
           <a:prstGeom prst="rect">
             <a:avLst/>
           </a:prstGeom>
         </p:spPr>
         <p:txBody>
-          <a:bodyPr vert="horz" lIns="91440" tIns="45720" rIns="91440" bIns="45720" rtlCol="0" anchor="ctr"/>
+          <a:bodyPr vert="horz" lIns="91440" tIns="45720" rIns="91440" bIns="45720" rtlCol="0" anchor="b"/>
           <a:lstStyle>
             <a:lvl1pPr algn="ctr">
-              <a:defRPr sz="1200">
+              <a:defRPr sz="1000">
                 <a:solidFill>
                   <a:schemeClr val="tx1">
-                    <a:tint val="75000"/>
+                    <a:lumMod val="75000"/>
+                    <a:lumOff val="25000"/>
                   </a:schemeClr>
                 </a:solidFill>
               </a:defRPr>
@@ -2985,13 +3778,7 @@
       </p:sp>
       <p:sp>
         <p:nvSpPr>
-          <p:cNvPr id="6" name="Slide Number Placeholder 5">
-            <a:extLst>
-              <a:ext uri="{FF2B5EF4-FFF2-40B4-BE49-F238E27FC236}">
-                <a16:creationId xmlns:a16="http://schemas.microsoft.com/office/drawing/2014/main" id="{4F5CCF87-5D19-425C-AED7-FE5ECE399813}"/>
-              </a:ext>
-            </a:extLst>
-          </p:cNvPr>
+          <p:cNvPr id="6" name="Slide Number Placeholder 5"/>
           <p:cNvSpPr>
             <a:spLocks noGrp="1"/>
           </p:cNvSpPr>
@@ -3001,21 +3788,22 @@
         </p:nvSpPr>
         <p:spPr>
           <a:xfrm>
-            <a:off x="8610600" y="6356350"/>
-            <a:ext cx="2743200" cy="365125"/>
+            <a:off x="10348535" y="6214535"/>
+            <a:ext cx="1463040" cy="256032"/>
           </a:xfrm>
           <a:prstGeom prst="rect">
             <a:avLst/>
           </a:prstGeom>
         </p:spPr>
         <p:txBody>
-          <a:bodyPr vert="horz" lIns="91440" tIns="45720" rIns="91440" bIns="45720" rtlCol="0" anchor="ctr"/>
+          <a:bodyPr vert="horz" lIns="91440" tIns="45720" rIns="91440" bIns="45720" rtlCol="0" anchor="b"/>
           <a:lstStyle>
             <a:lvl1pPr algn="r">
-              <a:defRPr sz="1200">
+              <a:defRPr sz="1000">
                 <a:solidFill>
                   <a:schemeClr val="tx1">
-                    <a:tint val="75000"/>
+                    <a:lumMod val="75000"/>
+                    <a:lumOff val="25000"/>
                   </a:schemeClr>
                 </a:solidFill>
               </a:defRPr>
@@ -3030,26 +3818,54 @@
           </a:p>
         </p:txBody>
       </p:sp>
+      <p:sp>
+        <p:nvSpPr>
+          <p:cNvPr id="8" name="Rectangle 7"/>
+          <p:cNvSpPr/>
+          <p:nvPr/>
+        </p:nvSpPr>
+        <p:spPr>
+          <a:xfrm>
+            <a:off x="371856" y="374904"/>
+            <a:ext cx="11448288" cy="6108192"/>
+          </a:xfrm>
+          <a:prstGeom prst="rect">
+            <a:avLst/>
+          </a:prstGeom>
+          <a:noFill/>
+          <a:ln w="6350" cap="sq" cmpd="sng" algn="ctr">
+            <a:solidFill>
+              <a:schemeClr val="tx1">
+                <a:lumMod val="75000"/>
+                <a:lumOff val="25000"/>
+              </a:schemeClr>
+            </a:solidFill>
+            <a:prstDash val="solid"/>
+            <a:miter lim="800000"/>
+          </a:ln>
+          <a:effectLst/>
+        </p:spPr>
+      </p:sp>
     </p:spTree>
     <p:extLst>
       <p:ext uri="{BB962C8B-B14F-4D97-AF65-F5344CB8AC3E}">
-        <p14:creationId xmlns:p14="http://schemas.microsoft.com/office/powerpoint/2010/main" val="1287149855"/>
+        <p14:creationId xmlns:p14="http://schemas.microsoft.com/office/powerpoint/2010/main" val="2034305558"/>
       </p:ext>
     </p:extLst>
   </p:cSld>
   <p:clrMap bg1="lt1" tx1="dk1" bg2="lt2" tx2="dk2" accent1="accent1" accent2="accent2" accent3="accent3" accent4="accent4" accent5="accent5" accent6="accent6" hlink="hlink" folHlink="folHlink"/>
   <p:sldLayoutIdLst>
-    <p:sldLayoutId id="2147483649" r:id="rId1"/>
-    <p:sldLayoutId id="2147483650" r:id="rId2"/>
-    <p:sldLayoutId id="2147483651" r:id="rId3"/>
-    <p:sldLayoutId id="2147483652" r:id="rId4"/>
-    <p:sldLayoutId id="2147483653" r:id="rId5"/>
-    <p:sldLayoutId id="2147483654" r:id="rId6"/>
-    <p:sldLayoutId id="2147483655" r:id="rId7"/>
-    <p:sldLayoutId id="2147483656" r:id="rId8"/>
-    <p:sldLayoutId id="2147483657" r:id="rId9"/>
-    <p:sldLayoutId id="2147483658" r:id="rId10"/>
-    <p:sldLayoutId id="2147483659" r:id="rId11"/>
+    <p:sldLayoutId id="2147483775" r:id="rId1"/>
+    <p:sldLayoutId id="2147483776" r:id="rId2"/>
+    <p:sldLayoutId id="2147483777" r:id="rId3"/>
+    <p:sldLayoutId id="2147483778" r:id="rId4"/>
+    <p:sldLayoutId id="2147483779" r:id="rId5"/>
+    <p:sldLayoutId id="2147483780" r:id="rId6"/>
+    <p:sldLayoutId id="2147483781" r:id="rId7"/>
+    <p:sldLayoutId id="2147483782" r:id="rId8"/>
+    <p:sldLayoutId id="2147483783" r:id="rId9"/>
+    <p:sldLayoutId id="2147483784" r:id="rId10"/>
+    <p:sldLayoutId id="2147483785" r:id="rId11"/>
   </p:sldLayoutIdLst>
   <p:txStyles>
     <p:titleStyle>
@@ -3061,27 +3877,40 @@
           <a:spcPct val="0"/>
         </a:spcBef>
         <a:buNone/>
-        <a:defRPr sz="4400" kern="1200">
+        <a:defRPr lang="en-US" sz="4800" kern="1200" cap="none" spc="0" baseline="0" dirty="0">
           <a:solidFill>
-            <a:schemeClr val="tx1"/>
+            <a:schemeClr val="tx1">
+              <a:lumMod val="85000"/>
+              <a:lumOff val="15000"/>
+            </a:schemeClr>
           </a:solidFill>
+          <a:effectLst/>
           <a:latin typeface="+mj-lt"/>
-          <a:ea typeface="+mj-ea"/>
-          <a:cs typeface="+mj-cs"/>
+          <a:ea typeface="+mn-ea"/>
+          <a:cs typeface="+mn-cs"/>
         </a:defRPr>
       </a:lvl1pPr>
     </p:titleStyle>
     <p:bodyStyle>
-      <a:lvl1pPr marL="228600" indent="-228600" algn="l" defTabSz="914400" rtl="0" eaLnBrk="1" latinLnBrk="0" hangingPunct="1">
+      <a:lvl1pPr marL="182880" indent="-182880" algn="l" defTabSz="914400" rtl="0" eaLnBrk="1" latinLnBrk="0" hangingPunct="1">
         <a:lnSpc>
-          <a:spcPct val="90000"/>
+          <a:spcPct val="100000"/>
         </a:lnSpc>
         <a:spcBef>
-          <a:spcPts val="1000"/>
+          <a:spcPts val="900"/>
         </a:spcBef>
-        <a:buFont typeface="Arial" panose="020B0604020202020204" pitchFamily="34" charset="0"/>
-        <a:buChar char="•"/>
-        <a:defRPr sz="2800" kern="1200">
+        <a:spcAft>
+          <a:spcPts val="0"/>
+        </a:spcAft>
+        <a:buClr>
+          <a:schemeClr val="tx1">
+            <a:lumMod val="85000"/>
+            <a:lumOff val="15000"/>
+          </a:schemeClr>
+        </a:buClr>
+        <a:buFont typeface="Garamond" pitchFamily="18" charset="0"/>
+        <a:buChar char="◦"/>
+        <a:defRPr sz="1800" kern="1200">
           <a:solidFill>
             <a:schemeClr val="tx1"/>
           </a:solidFill>
@@ -3090,16 +3919,22 @@
           <a:cs typeface="+mn-cs"/>
         </a:defRPr>
       </a:lvl1pPr>
-      <a:lvl2pPr marL="685800" indent="-228600" algn="l" defTabSz="914400" rtl="0" eaLnBrk="1" latinLnBrk="0" hangingPunct="1">
+      <a:lvl2pPr marL="457200" indent="-182880" algn="l" defTabSz="914400" rtl="0" eaLnBrk="1" latinLnBrk="0" hangingPunct="1">
         <a:lnSpc>
-          <a:spcPct val="90000"/>
+          <a:spcPct val="100000"/>
         </a:lnSpc>
         <a:spcBef>
           <a:spcPts val="500"/>
         </a:spcBef>
-        <a:buFont typeface="Arial" panose="020B0604020202020204" pitchFamily="34" charset="0"/>
-        <a:buChar char="•"/>
-        <a:defRPr sz="2400" kern="1200">
+        <a:buClr>
+          <a:schemeClr val="tx1">
+            <a:lumMod val="85000"/>
+            <a:lumOff val="15000"/>
+          </a:schemeClr>
+        </a:buClr>
+        <a:buFont typeface="Garamond" pitchFamily="18" charset="0"/>
+        <a:buChar char="◦"/>
+        <a:defRPr sz="1600" kern="1200">
           <a:solidFill>
             <a:schemeClr val="tx1"/>
           </a:solidFill>
@@ -3108,16 +3943,22 @@
           <a:cs typeface="+mn-cs"/>
         </a:defRPr>
       </a:lvl2pPr>
-      <a:lvl3pPr marL="1143000" indent="-228600" algn="l" defTabSz="914400" rtl="0" eaLnBrk="1" latinLnBrk="0" hangingPunct="1">
+      <a:lvl3pPr marL="731520" indent="-182880" algn="l" defTabSz="914400" rtl="0" eaLnBrk="1" latinLnBrk="0" hangingPunct="1">
         <a:lnSpc>
-          <a:spcPct val="90000"/>
+          <a:spcPct val="100000"/>
         </a:lnSpc>
         <a:spcBef>
           <a:spcPts val="500"/>
         </a:spcBef>
-        <a:buFont typeface="Arial" panose="020B0604020202020204" pitchFamily="34" charset="0"/>
-        <a:buChar char="•"/>
-        <a:defRPr sz="2000" kern="1200">
+        <a:buClr>
+          <a:schemeClr val="tx1">
+            <a:lumMod val="85000"/>
+            <a:lumOff val="15000"/>
+          </a:schemeClr>
+        </a:buClr>
+        <a:buFont typeface="Garamond" pitchFamily="18" charset="0"/>
+        <a:buChar char="◦"/>
+        <a:defRPr sz="1400" kern="1200">
           <a:solidFill>
             <a:schemeClr val="tx1"/>
           </a:solidFill>
@@ -3126,16 +3967,22 @@
           <a:cs typeface="+mn-cs"/>
         </a:defRPr>
       </a:lvl3pPr>
-      <a:lvl4pPr marL="1600200" indent="-228600" algn="l" defTabSz="914400" rtl="0" eaLnBrk="1" latinLnBrk="0" hangingPunct="1">
+      <a:lvl4pPr marL="1005840" indent="-182880" algn="l" defTabSz="914400" rtl="0" eaLnBrk="1" latinLnBrk="0" hangingPunct="1">
         <a:lnSpc>
-          <a:spcPct val="90000"/>
+          <a:spcPct val="100000"/>
         </a:lnSpc>
         <a:spcBef>
           <a:spcPts val="500"/>
         </a:spcBef>
-        <a:buFont typeface="Arial" panose="020B0604020202020204" pitchFamily="34" charset="0"/>
-        <a:buChar char="•"/>
-        <a:defRPr sz="1800" kern="1200">
+        <a:buClr>
+          <a:schemeClr val="tx1">
+            <a:lumMod val="85000"/>
+            <a:lumOff val="15000"/>
+          </a:schemeClr>
+        </a:buClr>
+        <a:buFont typeface="Garamond" pitchFamily="18" charset="0"/>
+        <a:buChar char="◦"/>
+        <a:defRPr sz="1400" kern="1200">
           <a:solidFill>
             <a:schemeClr val="tx1"/>
           </a:solidFill>
@@ -3144,16 +3991,22 @@
           <a:cs typeface="+mn-cs"/>
         </a:defRPr>
       </a:lvl4pPr>
-      <a:lvl5pPr marL="2057400" indent="-228600" algn="l" defTabSz="914400" rtl="0" eaLnBrk="1" latinLnBrk="0" hangingPunct="1">
+      <a:lvl5pPr marL="1280160" indent="-182880" algn="l" defTabSz="914400" rtl="0" eaLnBrk="1" latinLnBrk="0" hangingPunct="1">
         <a:lnSpc>
-          <a:spcPct val="90000"/>
+          <a:spcPct val="100000"/>
         </a:lnSpc>
         <a:spcBef>
           <a:spcPts val="500"/>
         </a:spcBef>
-        <a:buFont typeface="Arial" panose="020B0604020202020204" pitchFamily="34" charset="0"/>
-        <a:buChar char="•"/>
-        <a:defRPr sz="1800" kern="1200">
+        <a:buClr>
+          <a:schemeClr val="tx1">
+            <a:lumMod val="85000"/>
+            <a:lumOff val="15000"/>
+          </a:schemeClr>
+        </a:buClr>
+        <a:buFont typeface="Garamond" pitchFamily="18" charset="0"/>
+        <a:buChar char="◦"/>
+        <a:defRPr sz="1400" kern="1200">
           <a:solidFill>
             <a:schemeClr val="tx1"/>
           </a:solidFill>
@@ -3162,16 +4015,22 @@
           <a:cs typeface="+mn-cs"/>
         </a:defRPr>
       </a:lvl5pPr>
-      <a:lvl6pPr marL="2514600" indent="-228600" algn="l" defTabSz="914400" rtl="0" eaLnBrk="1" latinLnBrk="0" hangingPunct="1">
+      <a:lvl6pPr marL="1600000" indent="-228600" algn="l" defTabSz="914400" rtl="0" eaLnBrk="1" latinLnBrk="0" hangingPunct="1">
         <a:lnSpc>
-          <a:spcPct val="90000"/>
+          <a:spcPct val="100000"/>
         </a:lnSpc>
         <a:spcBef>
           <a:spcPts val="500"/>
         </a:spcBef>
-        <a:buFont typeface="Arial" panose="020B0604020202020204" pitchFamily="34" charset="0"/>
-        <a:buChar char="•"/>
-        <a:defRPr sz="1800" kern="1200">
+        <a:buClr>
+          <a:schemeClr val="tx1">
+            <a:lumMod val="85000"/>
+            <a:lumOff val="15000"/>
+          </a:schemeClr>
+        </a:buClr>
+        <a:buFont typeface="Garamond" pitchFamily="18" charset="0"/>
+        <a:buChar char="◦"/>
+        <a:defRPr sz="1400" kern="1200">
           <a:solidFill>
             <a:schemeClr val="tx1"/>
           </a:solidFill>
@@ -3180,16 +4039,22 @@
           <a:cs typeface="+mn-cs"/>
         </a:defRPr>
       </a:lvl6pPr>
-      <a:lvl7pPr marL="2971800" indent="-228600" algn="l" defTabSz="914400" rtl="0" eaLnBrk="1" latinLnBrk="0" hangingPunct="1">
+      <a:lvl7pPr marL="1900000" indent="-228600" algn="l" defTabSz="914400" rtl="0" eaLnBrk="1" latinLnBrk="0" hangingPunct="1">
         <a:lnSpc>
-          <a:spcPct val="90000"/>
+          <a:spcPct val="100000"/>
         </a:lnSpc>
         <a:spcBef>
           <a:spcPts val="500"/>
         </a:spcBef>
-        <a:buFont typeface="Arial" panose="020B0604020202020204" pitchFamily="34" charset="0"/>
-        <a:buChar char="•"/>
-        <a:defRPr sz="1800" kern="1200">
+        <a:buClr>
+          <a:schemeClr val="tx1">
+            <a:lumMod val="85000"/>
+            <a:lumOff val="15000"/>
+          </a:schemeClr>
+        </a:buClr>
+        <a:buFont typeface="Garamond" pitchFamily="18" charset="0"/>
+        <a:buChar char="◦"/>
+        <a:defRPr sz="1400" kern="1200">
           <a:solidFill>
             <a:schemeClr val="tx1"/>
           </a:solidFill>
@@ -3198,16 +4063,22 @@
           <a:cs typeface="+mn-cs"/>
         </a:defRPr>
       </a:lvl7pPr>
-      <a:lvl8pPr marL="3429000" indent="-228600" algn="l" defTabSz="914400" rtl="0" eaLnBrk="1" latinLnBrk="0" hangingPunct="1">
+      <a:lvl8pPr marL="2200000" indent="-228600" algn="l" defTabSz="914400" rtl="0" eaLnBrk="1" latinLnBrk="0" hangingPunct="1">
         <a:lnSpc>
-          <a:spcPct val="90000"/>
+          <a:spcPct val="100000"/>
         </a:lnSpc>
         <a:spcBef>
           <a:spcPts val="500"/>
         </a:spcBef>
-        <a:buFont typeface="Arial" panose="020B0604020202020204" pitchFamily="34" charset="0"/>
-        <a:buChar char="•"/>
-        <a:defRPr sz="1800" kern="1200">
+        <a:buClr>
+          <a:schemeClr val="tx1">
+            <a:lumMod val="85000"/>
+            <a:lumOff val="15000"/>
+          </a:schemeClr>
+        </a:buClr>
+        <a:buFont typeface="Garamond" pitchFamily="18" charset="0"/>
+        <a:buChar char="◦"/>
+        <a:defRPr sz="1400" kern="1200">
           <a:solidFill>
             <a:schemeClr val="tx1"/>
           </a:solidFill>
@@ -3216,16 +4087,22 @@
           <a:cs typeface="+mn-cs"/>
         </a:defRPr>
       </a:lvl8pPr>
-      <a:lvl9pPr marL="3886200" indent="-228600" algn="l" defTabSz="914400" rtl="0" eaLnBrk="1" latinLnBrk="0" hangingPunct="1">
+      <a:lvl9pPr marL="2500000" indent="-228600" algn="l" defTabSz="914400" rtl="0" eaLnBrk="1" latinLnBrk="0" hangingPunct="1">
         <a:lnSpc>
-          <a:spcPct val="90000"/>
+          <a:spcPct val="100000"/>
         </a:lnSpc>
         <a:spcBef>
           <a:spcPts val="500"/>
         </a:spcBef>
-        <a:buFont typeface="Arial" panose="020B0604020202020204" pitchFamily="34" charset="0"/>
-        <a:buChar char="•"/>
-        <a:defRPr sz="1800" kern="1200">
+        <a:buClr>
+          <a:schemeClr val="tx1">
+            <a:lumMod val="85000"/>
+            <a:lumOff val="15000"/>
+          </a:schemeClr>
+        </a:buClr>
+        <a:buFont typeface="Garamond" pitchFamily="18" charset="0"/>
+        <a:buChar char="◦"/>
+        <a:defRPr sz="1400" kern="1200">
           <a:solidFill>
             <a:schemeClr val="tx1"/>
           </a:solidFill>
@@ -3369,18 +4246,20 @@
         </p:nvSpPr>
         <p:spPr/>
         <p:txBody>
-          <a:bodyPr/>
-          <a:lstStyle/>
-          <a:p>
-            <a:r>
-              <a:rPr lang="en-CA" dirty="0"/>
+          <a:bodyPr>
+            <a:noAutofit/>
+          </a:bodyPr>
+          <a:lstStyle/>
+          <a:p>
+            <a:r>
+              <a:rPr lang="en-CA" sz="5400" dirty="0"/>
               <a:t>Hotel Review Parsing: </a:t>
             </a:r>
             <a:br>
-              <a:rPr lang="en-CA" dirty="0"/>
+              <a:rPr lang="en-CA" sz="5400" dirty="0"/>
             </a:br>
             <a:r>
-              <a:rPr lang="en-CA" dirty="0"/>
+              <a:rPr lang="en-CA" sz="5400" dirty="0"/>
               <a:t>Pre and Post Pandemic</a:t>
             </a:r>
           </a:p>
@@ -3402,9 +4281,16 @@
             <p:ph type="subTitle" idx="1"/>
           </p:nvPr>
         </p:nvSpPr>
-        <p:spPr/>
-        <p:txBody>
-          <a:bodyPr/>
+        <p:spPr>
+          <a:xfrm>
+            <a:off x="1562100" y="4281444"/>
+            <a:ext cx="9070848" cy="857820"/>
+          </a:xfrm>
+        </p:spPr>
+        <p:txBody>
+          <a:bodyPr>
+            <a:normAutofit/>
+          </a:bodyPr>
           <a:lstStyle/>
           <a:p>
             <a:r>
@@ -3479,25 +4365,444 @@
           <a:p>
             <a:r>
               <a:rPr lang="en-CA" dirty="0"/>
-              <a:t>Data Visualizations</a:t>
-            </a:r>
-          </a:p>
-        </p:txBody>
-      </p:sp>
-      <p:sp>
-        <p:nvSpPr>
-          <p:cNvPr id="3" name="Content Placeholder 2">
+              <a:t>Data Statistics - Overall</a:t>
+            </a:r>
+          </a:p>
+        </p:txBody>
+      </p:sp>
+      <p:graphicFrame>
+        <p:nvGraphicFramePr>
+          <p:cNvPr id="4" name="Table 4">
             <a:extLst>
               <a:ext uri="{FF2B5EF4-FFF2-40B4-BE49-F238E27FC236}">
-                <a16:creationId xmlns:a16="http://schemas.microsoft.com/office/drawing/2014/main" id="{B9A4412C-6716-44F6-808A-FCEF85651A70}"/>
+                <a16:creationId xmlns:a16="http://schemas.microsoft.com/office/drawing/2014/main" id="{074C45BC-4967-4722-B68C-ADE495E430BB}"/>
               </a:ext>
             </a:extLst>
           </p:cNvPr>
-          <p:cNvSpPr>
-            <a:spLocks noGrp="1"/>
-          </p:cNvSpPr>
+          <p:cNvGraphicFramePr>
+            <a:graphicFrameLocks noGrp="1"/>
+          </p:cNvGraphicFramePr>
           <p:nvPr>
             <p:ph idx="1"/>
+            <p:extLst>
+              <p:ext uri="{D42A27DB-BD31-4B8C-83A1-F6EECF244321}">
+                <p14:modId xmlns:p14="http://schemas.microsoft.com/office/powerpoint/2010/main" val="3986209561"/>
+              </p:ext>
+            </p:extLst>
+          </p:nvPr>
+        </p:nvGraphicFramePr>
+        <p:xfrm>
+          <a:off x="1066800" y="2618767"/>
+          <a:ext cx="10058400" cy="1854200"/>
+        </p:xfrm>
+        <a:graphic>
+          <a:graphicData uri="http://schemas.openxmlformats.org/drawingml/2006/table">
+            <a:tbl>
+              <a:tblPr firstRow="1" bandRow="1">
+                <a:tableStyleId>{6E25E649-3F16-4E02-A733-19D2CDBF48F0}</a:tableStyleId>
+              </a:tblPr>
+              <a:tblGrid>
+                <a:gridCol w="2753170">
+                  <a:extLst>
+                    <a:ext uri="{9D8B030D-6E8A-4147-A177-3AD203B41FA5}">
+                      <a16:colId xmlns:a16="http://schemas.microsoft.com/office/drawing/2014/main" val="3489803506"/>
+                    </a:ext>
+                  </a:extLst>
+                </a:gridCol>
+                <a:gridCol w="2435077">
+                  <a:extLst>
+                    <a:ext uri="{9D8B030D-6E8A-4147-A177-3AD203B41FA5}">
+                      <a16:colId xmlns:a16="http://schemas.microsoft.com/office/drawing/2014/main" val="3888154683"/>
+                    </a:ext>
+                  </a:extLst>
+                </a:gridCol>
+                <a:gridCol w="2435076">
+                  <a:extLst>
+                    <a:ext uri="{9D8B030D-6E8A-4147-A177-3AD203B41FA5}">
+                      <a16:colId xmlns:a16="http://schemas.microsoft.com/office/drawing/2014/main" val="878758932"/>
+                    </a:ext>
+                  </a:extLst>
+                </a:gridCol>
+                <a:gridCol w="2435077">
+                  <a:extLst>
+                    <a:ext uri="{9D8B030D-6E8A-4147-A177-3AD203B41FA5}">
+                      <a16:colId xmlns:a16="http://schemas.microsoft.com/office/drawing/2014/main" val="2147992101"/>
+                    </a:ext>
+                  </a:extLst>
+                </a:gridCol>
+              </a:tblGrid>
+              <a:tr h="370840">
+                <a:tc>
+                  <a:txBody>
+                    <a:bodyPr/>
+                    <a:lstStyle/>
+                    <a:p>
+                      <a:r>
+                        <a:rPr lang="en-CA" dirty="0"/>
+                        <a:t>Statistic</a:t>
+                      </a:r>
+                    </a:p>
+                  </a:txBody>
+                  <a:tcPr/>
+                </a:tc>
+                <a:tc>
+                  <a:txBody>
+                    <a:bodyPr/>
+                    <a:lstStyle/>
+                    <a:p>
+                      <a:r>
+                        <a:rPr lang="en-CA" dirty="0"/>
+                        <a:t>Overall</a:t>
+                      </a:r>
+                    </a:p>
+                  </a:txBody>
+                  <a:tcPr/>
+                </a:tc>
+                <a:tc>
+                  <a:txBody>
+                    <a:bodyPr/>
+                    <a:lstStyle/>
+                    <a:p>
+                      <a:r>
+                        <a:rPr lang="en-CA" dirty="0"/>
+                        <a:t>Pre-Pandemic</a:t>
+                      </a:r>
+                    </a:p>
+                  </a:txBody>
+                  <a:tcPr/>
+                </a:tc>
+                <a:tc>
+                  <a:txBody>
+                    <a:bodyPr/>
+                    <a:lstStyle/>
+                    <a:p>
+                      <a:r>
+                        <a:rPr lang="en-CA" dirty="0"/>
+                        <a:t>Pandemic</a:t>
+                      </a:r>
+                    </a:p>
+                  </a:txBody>
+                  <a:tcPr/>
+                </a:tc>
+                <a:extLst>
+                  <a:ext uri="{0D108BD9-81ED-4DB2-BD59-A6C34878D82A}">
+                    <a16:rowId xmlns:a16="http://schemas.microsoft.com/office/drawing/2014/main" val="1595027703"/>
+                  </a:ext>
+                </a:extLst>
+              </a:tr>
+              <a:tr h="370840">
+                <a:tc>
+                  <a:txBody>
+                    <a:bodyPr/>
+                    <a:lstStyle/>
+                    <a:p>
+                      <a:r>
+                        <a:rPr lang="en-CA" dirty="0"/>
+                        <a:t>Total Number of Hotels</a:t>
+                      </a:r>
+                    </a:p>
+                  </a:txBody>
+                  <a:tcPr/>
+                </a:tc>
+                <a:tc>
+                  <a:txBody>
+                    <a:bodyPr/>
+                    <a:lstStyle/>
+                    <a:p>
+                      <a:pPr algn="ctr"/>
+                      <a:r>
+                        <a:rPr lang="en-CA" dirty="0"/>
+                        <a:t>3811</a:t>
+                      </a:r>
+                    </a:p>
+                  </a:txBody>
+                  <a:tcPr/>
+                </a:tc>
+                <a:tc>
+                  <a:txBody>
+                    <a:bodyPr/>
+                    <a:lstStyle/>
+                    <a:p>
+                      <a:pPr algn="ctr"/>
+                      <a:r>
+                        <a:rPr lang="en-CA" dirty="0"/>
+                        <a:t>-</a:t>
+                      </a:r>
+                    </a:p>
+                  </a:txBody>
+                  <a:tcPr/>
+                </a:tc>
+                <a:tc>
+                  <a:txBody>
+                    <a:bodyPr/>
+                    <a:lstStyle/>
+                    <a:p>
+                      <a:pPr algn="ctr"/>
+                      <a:r>
+                        <a:rPr lang="en-CA" dirty="0"/>
+                        <a:t>-</a:t>
+                      </a:r>
+                    </a:p>
+                  </a:txBody>
+                  <a:tcPr/>
+                </a:tc>
+                <a:extLst>
+                  <a:ext uri="{0D108BD9-81ED-4DB2-BD59-A6C34878D82A}">
+                    <a16:rowId xmlns:a16="http://schemas.microsoft.com/office/drawing/2014/main" val="680932114"/>
+                  </a:ext>
+                </a:extLst>
+              </a:tr>
+              <a:tr h="370840">
+                <a:tc>
+                  <a:txBody>
+                    <a:bodyPr/>
+                    <a:lstStyle/>
+                    <a:p>
+                      <a:pPr marL="0" marR="0" lvl="0" indent="0" algn="l" defTabSz="914400" rtl="0" eaLnBrk="1" fontAlgn="auto" latinLnBrk="0" hangingPunct="1">
+                        <a:lnSpc>
+                          <a:spcPct val="100000"/>
+                        </a:lnSpc>
+                        <a:spcBef>
+                          <a:spcPts val="0"/>
+                        </a:spcBef>
+                        <a:spcAft>
+                          <a:spcPts val="0"/>
+                        </a:spcAft>
+                        <a:buClrTx/>
+                        <a:buSzTx/>
+                        <a:buFontTx/>
+                        <a:buNone/>
+                        <a:tabLst/>
+                        <a:defRPr/>
+                      </a:pPr>
+                      <a:r>
+                        <a:rPr lang="en-CA" dirty="0"/>
+                        <a:t>Total Number of Reviews</a:t>
+                      </a:r>
+                    </a:p>
+                  </a:txBody>
+                  <a:tcPr/>
+                </a:tc>
+                <a:tc>
+                  <a:txBody>
+                    <a:bodyPr/>
+                    <a:lstStyle/>
+                    <a:p>
+                      <a:pPr algn="ctr"/>
+                      <a:r>
+                        <a:rPr lang="en-CA" dirty="0"/>
+                        <a:t>3712049</a:t>
+                      </a:r>
+                    </a:p>
+                  </a:txBody>
+                  <a:tcPr/>
+                </a:tc>
+                <a:tc>
+                  <a:txBody>
+                    <a:bodyPr/>
+                    <a:lstStyle/>
+                    <a:p>
+                      <a:pPr algn="ctr"/>
+                      <a:r>
+                        <a:rPr lang="en-CA" dirty="0"/>
+                        <a:t>3384964</a:t>
+                      </a:r>
+                    </a:p>
+                  </a:txBody>
+                  <a:tcPr/>
+                </a:tc>
+                <a:tc>
+                  <a:txBody>
+                    <a:bodyPr/>
+                    <a:lstStyle/>
+                    <a:p>
+                      <a:pPr algn="ctr"/>
+                      <a:r>
+                        <a:rPr lang="en-CA" dirty="0"/>
+                        <a:t>327085</a:t>
+                      </a:r>
+                    </a:p>
+                  </a:txBody>
+                  <a:tcPr/>
+                </a:tc>
+                <a:extLst>
+                  <a:ext uri="{0D108BD9-81ED-4DB2-BD59-A6C34878D82A}">
+                    <a16:rowId xmlns:a16="http://schemas.microsoft.com/office/drawing/2014/main" val="1427817165"/>
+                  </a:ext>
+                </a:extLst>
+              </a:tr>
+              <a:tr h="370840">
+                <a:tc>
+                  <a:txBody>
+                    <a:bodyPr/>
+                    <a:lstStyle/>
+                    <a:p>
+                      <a:r>
+                        <a:rPr lang="en-CA" dirty="0"/>
+                        <a:t>Mean Review Rating</a:t>
+                      </a:r>
+                    </a:p>
+                  </a:txBody>
+                  <a:tcPr/>
+                </a:tc>
+                <a:tc>
+                  <a:txBody>
+                    <a:bodyPr/>
+                    <a:lstStyle/>
+                    <a:p>
+                      <a:pPr algn="ctr"/>
+                      <a:r>
+                        <a:rPr lang="en-CA" dirty="0"/>
+                        <a:t>4.07</a:t>
+                      </a:r>
+                    </a:p>
+                  </a:txBody>
+                  <a:tcPr/>
+                </a:tc>
+                <a:tc>
+                  <a:txBody>
+                    <a:bodyPr/>
+                    <a:lstStyle/>
+                    <a:p>
+                      <a:pPr algn="ctr"/>
+                      <a:r>
+                        <a:rPr lang="en-CA" dirty="0"/>
+                        <a:t>4.10</a:t>
+                      </a:r>
+                    </a:p>
+                  </a:txBody>
+                  <a:tcPr/>
+                </a:tc>
+                <a:tc>
+                  <a:txBody>
+                    <a:bodyPr/>
+                    <a:lstStyle/>
+                    <a:p>
+                      <a:pPr algn="ctr"/>
+                      <a:r>
+                        <a:rPr lang="en-CA" dirty="0"/>
+                        <a:t>3.82</a:t>
+                      </a:r>
+                    </a:p>
+                  </a:txBody>
+                  <a:tcPr/>
+                </a:tc>
+                <a:extLst>
+                  <a:ext uri="{0D108BD9-81ED-4DB2-BD59-A6C34878D82A}">
+                    <a16:rowId xmlns:a16="http://schemas.microsoft.com/office/drawing/2014/main" val="387217218"/>
+                  </a:ext>
+                </a:extLst>
+              </a:tr>
+              <a:tr h="370840">
+                <a:tc>
+                  <a:txBody>
+                    <a:bodyPr/>
+                    <a:lstStyle/>
+                    <a:p>
+                      <a:r>
+                        <a:rPr lang="en-CA" dirty="0"/>
+                        <a:t>STD of Review Ratings</a:t>
+                      </a:r>
+                    </a:p>
+                  </a:txBody>
+                  <a:tcPr/>
+                </a:tc>
+                <a:tc>
+                  <a:txBody>
+                    <a:bodyPr/>
+                    <a:lstStyle/>
+                    <a:p>
+                      <a:pPr algn="ctr"/>
+                      <a:r>
+                        <a:rPr lang="en-CA" dirty="0"/>
+                        <a:t>1.19</a:t>
+                      </a:r>
+                    </a:p>
+                  </a:txBody>
+                  <a:tcPr/>
+                </a:tc>
+                <a:tc>
+                  <a:txBody>
+                    <a:bodyPr/>
+                    <a:lstStyle/>
+                    <a:p>
+                      <a:pPr algn="ctr"/>
+                      <a:r>
+                        <a:rPr lang="en-CA" dirty="0"/>
+                        <a:t>1.15</a:t>
+                      </a:r>
+                    </a:p>
+                  </a:txBody>
+                  <a:tcPr/>
+                </a:tc>
+                <a:tc>
+                  <a:txBody>
+                    <a:bodyPr/>
+                    <a:lstStyle/>
+                    <a:p>
+                      <a:pPr algn="ctr"/>
+                      <a:r>
+                        <a:rPr lang="en-CA" dirty="0"/>
+                        <a:t>1.50</a:t>
+                      </a:r>
+                    </a:p>
+                  </a:txBody>
+                  <a:tcPr/>
+                </a:tc>
+                <a:extLst>
+                  <a:ext uri="{0D108BD9-81ED-4DB2-BD59-A6C34878D82A}">
+                    <a16:rowId xmlns:a16="http://schemas.microsoft.com/office/drawing/2014/main" val="2228075380"/>
+                  </a:ext>
+                </a:extLst>
+              </a:tr>
+            </a:tbl>
+          </a:graphicData>
+        </a:graphic>
+      </p:graphicFrame>
+    </p:spTree>
+    <p:extLst>
+      <p:ext uri="{BB962C8B-B14F-4D97-AF65-F5344CB8AC3E}">
+        <p14:creationId xmlns:p14="http://schemas.microsoft.com/office/powerpoint/2010/main" val="368355852"/>
+      </p:ext>
+    </p:extLst>
+  </p:cSld>
+  <p:clrMapOvr>
+    <a:masterClrMapping/>
+  </p:clrMapOvr>
+</p:sld>
+</file>
+
+<file path=ppt/slides/slide11.xml><?xml version="1.0" encoding="utf-8"?>
+<p:sld xmlns:a="http://schemas.openxmlformats.org/drawingml/2006/main" xmlns:r="http://schemas.openxmlformats.org/officeDocument/2006/relationships" xmlns:p="http://schemas.openxmlformats.org/presentationml/2006/main">
+  <p:cSld>
+    <p:spTree>
+      <p:nvGrpSpPr>
+        <p:cNvPr id="1" name=""/>
+        <p:cNvGrpSpPr/>
+        <p:nvPr/>
+      </p:nvGrpSpPr>
+      <p:grpSpPr>
+        <a:xfrm>
+          <a:off x="0" y="0"/>
+          <a:ext cx="0" cy="0"/>
+          <a:chOff x="0" y="0"/>
+          <a:chExt cx="0" cy="0"/>
+        </a:xfrm>
+      </p:grpSpPr>
+      <p:sp>
+        <p:nvSpPr>
+          <p:cNvPr id="2" name="Title 1">
+            <a:extLst>
+              <a:ext uri="{FF2B5EF4-FFF2-40B4-BE49-F238E27FC236}">
+                <a16:creationId xmlns:a16="http://schemas.microsoft.com/office/drawing/2014/main" id="{50C87337-9A5A-4C50-91AF-DD245AAD6D9B}"/>
+              </a:ext>
+            </a:extLst>
+          </p:cNvPr>
+          <p:cNvSpPr>
+            <a:spLocks noGrp="1"/>
+          </p:cNvSpPr>
+          <p:nvPr>
+            <p:ph type="title"/>
           </p:nvPr>
         </p:nvSpPr>
         <p:spPr/>
@@ -3505,14 +4810,1307 @@
           <a:bodyPr/>
           <a:lstStyle/>
           <a:p>
-            <a:endParaRPr lang="en-CA"/>
-          </a:p>
-        </p:txBody>
-      </p:sp>
+            <a:r>
+              <a:rPr lang="en-CA" dirty="0"/>
+              <a:t>Data Visualizations – Hotels by State</a:t>
+            </a:r>
+          </a:p>
+        </p:txBody>
+      </p:sp>
+      <p:pic>
+        <p:nvPicPr>
+          <p:cNvPr id="5" name="Content Placeholder 4">
+            <a:extLst>
+              <a:ext uri="{FF2B5EF4-FFF2-40B4-BE49-F238E27FC236}">
+                <a16:creationId xmlns:a16="http://schemas.microsoft.com/office/drawing/2014/main" id="{801E8B8E-8E43-49C2-9616-C22F3762ADDF}"/>
+              </a:ext>
+            </a:extLst>
+          </p:cNvPr>
+          <p:cNvPicPr>
+            <a:picLocks noGrp="1" noChangeAspect="1"/>
+          </p:cNvPicPr>
+          <p:nvPr>
+            <p:ph idx="1"/>
+          </p:nvPr>
+        </p:nvPicPr>
+        <p:blipFill>
+          <a:blip r:embed="rId2">
+            <a:extLst>
+              <a:ext uri="{28A0092B-C50C-407E-A947-70E740481C1C}">
+                <a14:useLocalDpi xmlns:a14="http://schemas.microsoft.com/office/drawing/2010/main" val="0"/>
+              </a:ext>
+            </a:extLst>
+          </a:blip>
+          <a:srcRect/>
+          <a:stretch/>
+        </p:blipFill>
+        <p:spPr>
+          <a:xfrm>
+            <a:off x="2731474" y="2103438"/>
+            <a:ext cx="6729051" cy="3932236"/>
+          </a:xfrm>
+        </p:spPr>
+      </p:pic>
     </p:spTree>
     <p:extLst>
       <p:ext uri="{BB962C8B-B14F-4D97-AF65-F5344CB8AC3E}">
         <p14:creationId xmlns:p14="http://schemas.microsoft.com/office/powerpoint/2010/main" val="3286535324"/>
+      </p:ext>
+    </p:extLst>
+  </p:cSld>
+  <p:clrMapOvr>
+    <a:masterClrMapping/>
+  </p:clrMapOvr>
+</p:sld>
+</file>
+
+<file path=ppt/slides/slide12.xml><?xml version="1.0" encoding="utf-8"?>
+<p:sld xmlns:a="http://schemas.openxmlformats.org/drawingml/2006/main" xmlns:r="http://schemas.openxmlformats.org/officeDocument/2006/relationships" xmlns:p="http://schemas.openxmlformats.org/presentationml/2006/main">
+  <p:cSld>
+    <p:spTree>
+      <p:nvGrpSpPr>
+        <p:cNvPr id="1" name=""/>
+        <p:cNvGrpSpPr/>
+        <p:nvPr/>
+      </p:nvGrpSpPr>
+      <p:grpSpPr>
+        <a:xfrm>
+          <a:off x="0" y="0"/>
+          <a:ext cx="0" cy="0"/>
+          <a:chOff x="0" y="0"/>
+          <a:chExt cx="0" cy="0"/>
+        </a:xfrm>
+      </p:grpSpPr>
+      <p:sp>
+        <p:nvSpPr>
+          <p:cNvPr id="2" name="Title 1">
+            <a:extLst>
+              <a:ext uri="{FF2B5EF4-FFF2-40B4-BE49-F238E27FC236}">
+                <a16:creationId xmlns:a16="http://schemas.microsoft.com/office/drawing/2014/main" id="{50C87337-9A5A-4C50-91AF-DD245AAD6D9B}"/>
+              </a:ext>
+            </a:extLst>
+          </p:cNvPr>
+          <p:cNvSpPr>
+            <a:spLocks noGrp="1"/>
+          </p:cNvSpPr>
+          <p:nvPr>
+            <p:ph type="title"/>
+          </p:nvPr>
+        </p:nvSpPr>
+        <p:spPr/>
+        <p:txBody>
+          <a:bodyPr/>
+          <a:lstStyle/>
+          <a:p>
+            <a:r>
+              <a:rPr lang="en-CA" dirty="0"/>
+              <a:t>Data Visualizations – Reviews by State</a:t>
+            </a:r>
+          </a:p>
+        </p:txBody>
+      </p:sp>
+      <p:pic>
+        <p:nvPicPr>
+          <p:cNvPr id="5" name="Content Placeholder 4">
+            <a:extLst>
+              <a:ext uri="{FF2B5EF4-FFF2-40B4-BE49-F238E27FC236}">
+                <a16:creationId xmlns:a16="http://schemas.microsoft.com/office/drawing/2014/main" id="{DC908B92-31FD-41A5-A7A0-73701DEF5B1A}"/>
+              </a:ext>
+            </a:extLst>
+          </p:cNvPr>
+          <p:cNvPicPr>
+            <a:picLocks noGrp="1" noChangeAspect="1"/>
+          </p:cNvPicPr>
+          <p:nvPr>
+            <p:ph idx="1"/>
+          </p:nvPr>
+        </p:nvPicPr>
+        <p:blipFill>
+          <a:blip r:embed="rId2">
+            <a:extLst>
+              <a:ext uri="{28A0092B-C50C-407E-A947-70E740481C1C}">
+                <a14:useLocalDpi xmlns:a14="http://schemas.microsoft.com/office/drawing/2010/main" val="0"/>
+              </a:ext>
+            </a:extLst>
+          </a:blip>
+          <a:srcRect/>
+          <a:stretch/>
+        </p:blipFill>
+        <p:spPr>
+          <a:xfrm>
+            <a:off x="2731474" y="2103438"/>
+            <a:ext cx="6729051" cy="3932236"/>
+          </a:xfrm>
+        </p:spPr>
+      </p:pic>
+    </p:spTree>
+    <p:extLst>
+      <p:ext uri="{BB962C8B-B14F-4D97-AF65-F5344CB8AC3E}">
+        <p14:creationId xmlns:p14="http://schemas.microsoft.com/office/powerpoint/2010/main" val="645700585"/>
+      </p:ext>
+    </p:extLst>
+  </p:cSld>
+  <p:clrMapOvr>
+    <a:masterClrMapping/>
+  </p:clrMapOvr>
+</p:sld>
+</file>
+
+<file path=ppt/slides/slide13.xml><?xml version="1.0" encoding="utf-8"?>
+<p:sld xmlns:a="http://schemas.openxmlformats.org/drawingml/2006/main" xmlns:r="http://schemas.openxmlformats.org/officeDocument/2006/relationships" xmlns:p="http://schemas.openxmlformats.org/presentationml/2006/main">
+  <p:cSld>
+    <p:spTree>
+      <p:nvGrpSpPr>
+        <p:cNvPr id="1" name=""/>
+        <p:cNvGrpSpPr/>
+        <p:nvPr/>
+      </p:nvGrpSpPr>
+      <p:grpSpPr>
+        <a:xfrm>
+          <a:off x="0" y="0"/>
+          <a:ext cx="0" cy="0"/>
+          <a:chOff x="0" y="0"/>
+          <a:chExt cx="0" cy="0"/>
+        </a:xfrm>
+      </p:grpSpPr>
+      <p:sp>
+        <p:nvSpPr>
+          <p:cNvPr id="2" name="Title 1">
+            <a:extLst>
+              <a:ext uri="{FF2B5EF4-FFF2-40B4-BE49-F238E27FC236}">
+                <a16:creationId xmlns:a16="http://schemas.microsoft.com/office/drawing/2014/main" id="{50C87337-9A5A-4C50-91AF-DD245AAD6D9B}"/>
+              </a:ext>
+            </a:extLst>
+          </p:cNvPr>
+          <p:cNvSpPr>
+            <a:spLocks noGrp="1"/>
+          </p:cNvSpPr>
+          <p:nvPr>
+            <p:ph type="title"/>
+          </p:nvPr>
+        </p:nvSpPr>
+        <p:spPr/>
+        <p:txBody>
+          <a:bodyPr>
+            <a:normAutofit/>
+          </a:bodyPr>
+          <a:lstStyle/>
+          <a:p>
+            <a:r>
+              <a:rPr lang="en-CA" dirty="0"/>
+              <a:t>Data Visualizations – Change in Reviews</a:t>
+            </a:r>
+          </a:p>
+        </p:txBody>
+      </p:sp>
+      <p:pic>
+        <p:nvPicPr>
+          <p:cNvPr id="5" name="Content Placeholder 4">
+            <a:extLst>
+              <a:ext uri="{FF2B5EF4-FFF2-40B4-BE49-F238E27FC236}">
+                <a16:creationId xmlns:a16="http://schemas.microsoft.com/office/drawing/2014/main" id="{6B6D8629-FFDC-4F75-AA3B-76D2A8ECBE4E}"/>
+              </a:ext>
+            </a:extLst>
+          </p:cNvPr>
+          <p:cNvPicPr>
+            <a:picLocks noGrp="1" noChangeAspect="1"/>
+          </p:cNvPicPr>
+          <p:nvPr>
+            <p:ph idx="1"/>
+          </p:nvPr>
+        </p:nvPicPr>
+        <p:blipFill>
+          <a:blip r:embed="rId2">
+            <a:extLst>
+              <a:ext uri="{28A0092B-C50C-407E-A947-70E740481C1C}">
+                <a14:useLocalDpi xmlns:a14="http://schemas.microsoft.com/office/drawing/2010/main" val="0"/>
+              </a:ext>
+            </a:extLst>
+          </a:blip>
+          <a:srcRect/>
+          <a:stretch/>
+        </p:blipFill>
+        <p:spPr>
+          <a:xfrm>
+            <a:off x="2731474" y="2103438"/>
+            <a:ext cx="6729051" cy="3932236"/>
+          </a:xfrm>
+        </p:spPr>
+      </p:pic>
+    </p:spTree>
+    <p:extLst>
+      <p:ext uri="{BB962C8B-B14F-4D97-AF65-F5344CB8AC3E}">
+        <p14:creationId xmlns:p14="http://schemas.microsoft.com/office/powerpoint/2010/main" val="261035940"/>
+      </p:ext>
+    </p:extLst>
+  </p:cSld>
+  <p:clrMapOvr>
+    <a:masterClrMapping/>
+  </p:clrMapOvr>
+</p:sld>
+</file>
+
+<file path=ppt/slides/slide14.xml><?xml version="1.0" encoding="utf-8"?>
+<p:sld xmlns:a="http://schemas.openxmlformats.org/drawingml/2006/main" xmlns:r="http://schemas.openxmlformats.org/officeDocument/2006/relationships" xmlns:p="http://schemas.openxmlformats.org/presentationml/2006/main">
+  <p:cSld>
+    <p:spTree>
+      <p:nvGrpSpPr>
+        <p:cNvPr id="1" name=""/>
+        <p:cNvGrpSpPr/>
+        <p:nvPr/>
+      </p:nvGrpSpPr>
+      <p:grpSpPr>
+        <a:xfrm>
+          <a:off x="0" y="0"/>
+          <a:ext cx="0" cy="0"/>
+          <a:chOff x="0" y="0"/>
+          <a:chExt cx="0" cy="0"/>
+        </a:xfrm>
+      </p:grpSpPr>
+      <p:sp>
+        <p:nvSpPr>
+          <p:cNvPr id="2" name="Title 1">
+            <a:extLst>
+              <a:ext uri="{FF2B5EF4-FFF2-40B4-BE49-F238E27FC236}">
+                <a16:creationId xmlns:a16="http://schemas.microsoft.com/office/drawing/2014/main" id="{CCB37D8E-CFEF-4F59-B019-2FC21105262E}"/>
+              </a:ext>
+            </a:extLst>
+          </p:cNvPr>
+          <p:cNvSpPr>
+            <a:spLocks noGrp="1"/>
+          </p:cNvSpPr>
+          <p:nvPr>
+            <p:ph type="title"/>
+          </p:nvPr>
+        </p:nvSpPr>
+        <p:spPr/>
+        <p:txBody>
+          <a:bodyPr/>
+          <a:lstStyle/>
+          <a:p>
+            <a:r>
+              <a:rPr lang="en-CA" dirty="0"/>
+              <a:t>Feature Extraction</a:t>
+            </a:r>
+          </a:p>
+        </p:txBody>
+      </p:sp>
+      <p:sp>
+        <p:nvSpPr>
+          <p:cNvPr id="3" name="Content Placeholder 2">
+            <a:extLst>
+              <a:ext uri="{FF2B5EF4-FFF2-40B4-BE49-F238E27FC236}">
+                <a16:creationId xmlns:a16="http://schemas.microsoft.com/office/drawing/2014/main" id="{5A03179F-2588-480A-9120-EA6035E221F6}"/>
+              </a:ext>
+            </a:extLst>
+          </p:cNvPr>
+          <p:cNvSpPr>
+            <a:spLocks noGrp="1"/>
+          </p:cNvSpPr>
+          <p:nvPr>
+            <p:ph idx="1"/>
+          </p:nvPr>
+        </p:nvSpPr>
+        <p:spPr/>
+        <p:txBody>
+          <a:bodyPr/>
+          <a:lstStyle/>
+          <a:p>
+            <a:r>
+              <a:rPr lang="en-CA" dirty="0" err="1"/>
+              <a:t>CountVectorizer</a:t>
+            </a:r>
+            <a:endParaRPr lang="en-CA" dirty="0"/>
+          </a:p>
+          <a:p>
+            <a:pPr lvl="1"/>
+            <a:r>
+              <a:rPr lang="en-CA" dirty="0"/>
+              <a:t>Converts the cleaned tokens into a sparse matrix of token counts</a:t>
+            </a:r>
+          </a:p>
+          <a:p>
+            <a:pPr lvl="1"/>
+            <a:r>
+              <a:rPr lang="en-CA" dirty="0"/>
+              <a:t>Extract unigrams and bigrams</a:t>
+            </a:r>
+          </a:p>
+          <a:p>
+            <a:pPr lvl="2"/>
+            <a:r>
+              <a:rPr lang="en-CA" dirty="0"/>
+              <a:t>Individual words, and the individual word +1, captures relationships.</a:t>
+            </a:r>
+          </a:p>
+          <a:p>
+            <a:pPr lvl="1"/>
+            <a:r>
+              <a:rPr lang="en-CA" dirty="0"/>
+              <a:t>Maximum 10000 features</a:t>
+            </a:r>
+          </a:p>
+          <a:p>
+            <a:pPr lvl="2"/>
+            <a:r>
+              <a:rPr lang="en-CA" dirty="0"/>
+              <a:t>Ensures that uncommon words (typos, proper names) are not represented</a:t>
+            </a:r>
+          </a:p>
+          <a:p>
+            <a:pPr lvl="2"/>
+            <a:endParaRPr lang="en-CA" dirty="0"/>
+          </a:p>
+          <a:p>
+            <a:r>
+              <a:rPr lang="en-CA" dirty="0" err="1"/>
+              <a:t>TfidfTransformer</a:t>
+            </a:r>
+            <a:endParaRPr lang="en-CA" dirty="0"/>
+          </a:p>
+          <a:p>
+            <a:pPr lvl="1"/>
+            <a:r>
+              <a:rPr lang="en-CA" dirty="0"/>
+              <a:t>Converts the sparse matrix from </a:t>
+            </a:r>
+            <a:r>
+              <a:rPr lang="en-CA" dirty="0" err="1"/>
+              <a:t>CountVectorisor</a:t>
+            </a:r>
+            <a:r>
+              <a:rPr lang="en-CA" dirty="0"/>
+              <a:t> into </a:t>
+            </a:r>
+            <a:r>
+              <a:rPr lang="en-CA" dirty="0" err="1"/>
+              <a:t>tf-idf</a:t>
+            </a:r>
+            <a:endParaRPr lang="en-CA" dirty="0"/>
+          </a:p>
+          <a:p>
+            <a:pPr lvl="2"/>
+            <a:r>
+              <a:rPr lang="en-CA" dirty="0" err="1"/>
+              <a:t>Tf-idf</a:t>
+            </a:r>
+            <a:r>
+              <a:rPr lang="en-CA" dirty="0"/>
+              <a:t> : Term-frequency * Inverse Document Frequency</a:t>
+            </a:r>
+          </a:p>
+          <a:p>
+            <a:pPr lvl="3"/>
+            <a:r>
+              <a:rPr lang="en-CA" dirty="0"/>
+              <a:t> Scales down the impact of frequent tokens</a:t>
+            </a:r>
+          </a:p>
+          <a:p>
+            <a:pPr lvl="1"/>
+            <a:endParaRPr lang="en-CA" dirty="0"/>
+          </a:p>
+        </p:txBody>
+      </p:sp>
+    </p:spTree>
+    <p:extLst>
+      <p:ext uri="{BB962C8B-B14F-4D97-AF65-F5344CB8AC3E}">
+        <p14:creationId xmlns:p14="http://schemas.microsoft.com/office/powerpoint/2010/main" val="1563168239"/>
+      </p:ext>
+    </p:extLst>
+  </p:cSld>
+  <p:clrMapOvr>
+    <a:masterClrMapping/>
+  </p:clrMapOvr>
+</p:sld>
+</file>
+
+<file path=ppt/slides/slide15.xml><?xml version="1.0" encoding="utf-8"?>
+<p:sld xmlns:a="http://schemas.openxmlformats.org/drawingml/2006/main" xmlns:r="http://schemas.openxmlformats.org/officeDocument/2006/relationships" xmlns:p="http://schemas.openxmlformats.org/presentationml/2006/main">
+  <p:cSld>
+    <p:spTree>
+      <p:nvGrpSpPr>
+        <p:cNvPr id="1" name=""/>
+        <p:cNvGrpSpPr/>
+        <p:nvPr/>
+      </p:nvGrpSpPr>
+      <p:grpSpPr>
+        <a:xfrm>
+          <a:off x="0" y="0"/>
+          <a:ext cx="0" cy="0"/>
+          <a:chOff x="0" y="0"/>
+          <a:chExt cx="0" cy="0"/>
+        </a:xfrm>
+      </p:grpSpPr>
+      <p:sp>
+        <p:nvSpPr>
+          <p:cNvPr id="2" name="Title 1">
+            <a:extLst>
+              <a:ext uri="{FF2B5EF4-FFF2-40B4-BE49-F238E27FC236}">
+                <a16:creationId xmlns:a16="http://schemas.microsoft.com/office/drawing/2014/main" id="{9A27B76D-4305-40E9-85D2-672DA985417E}"/>
+              </a:ext>
+            </a:extLst>
+          </p:cNvPr>
+          <p:cNvSpPr>
+            <a:spLocks noGrp="1"/>
+          </p:cNvSpPr>
+          <p:nvPr>
+            <p:ph type="title"/>
+          </p:nvPr>
+        </p:nvSpPr>
+        <p:spPr/>
+        <p:txBody>
+          <a:bodyPr/>
+          <a:lstStyle/>
+          <a:p>
+            <a:r>
+              <a:rPr lang="en-CA" dirty="0"/>
+              <a:t>Feature Extraction</a:t>
+            </a:r>
+          </a:p>
+        </p:txBody>
+      </p:sp>
+      <p:sp>
+        <p:nvSpPr>
+          <p:cNvPr id="3" name="Content Placeholder 2">
+            <a:extLst>
+              <a:ext uri="{FF2B5EF4-FFF2-40B4-BE49-F238E27FC236}">
+                <a16:creationId xmlns:a16="http://schemas.microsoft.com/office/drawing/2014/main" id="{1328E639-892E-4950-A980-07E3A41089FC}"/>
+              </a:ext>
+            </a:extLst>
+          </p:cNvPr>
+          <p:cNvSpPr>
+            <a:spLocks noGrp="1"/>
+          </p:cNvSpPr>
+          <p:nvPr>
+            <p:ph idx="1"/>
+          </p:nvPr>
+        </p:nvSpPr>
+        <p:spPr/>
+        <p:txBody>
+          <a:bodyPr/>
+          <a:lstStyle/>
+          <a:p>
+            <a:endParaRPr lang="en-CA" dirty="0"/>
+          </a:p>
+        </p:txBody>
+      </p:sp>
+    </p:spTree>
+    <p:extLst>
+      <p:ext uri="{BB962C8B-B14F-4D97-AF65-F5344CB8AC3E}">
+        <p14:creationId xmlns:p14="http://schemas.microsoft.com/office/powerpoint/2010/main" val="1282751329"/>
+      </p:ext>
+    </p:extLst>
+  </p:cSld>
+  <p:clrMapOvr>
+    <a:masterClrMapping/>
+  </p:clrMapOvr>
+</p:sld>
+</file>
+
+<file path=ppt/slides/slide16.xml><?xml version="1.0" encoding="utf-8"?>
+<p:sld xmlns:a="http://schemas.openxmlformats.org/drawingml/2006/main" xmlns:r="http://schemas.openxmlformats.org/officeDocument/2006/relationships" xmlns:p="http://schemas.openxmlformats.org/presentationml/2006/main">
+  <p:cSld>
+    <p:spTree>
+      <p:nvGrpSpPr>
+        <p:cNvPr id="1" name=""/>
+        <p:cNvGrpSpPr/>
+        <p:nvPr/>
+      </p:nvGrpSpPr>
+      <p:grpSpPr>
+        <a:xfrm>
+          <a:off x="0" y="0"/>
+          <a:ext cx="0" cy="0"/>
+          <a:chOff x="0" y="0"/>
+          <a:chExt cx="0" cy="0"/>
+        </a:xfrm>
+      </p:grpSpPr>
+      <p:sp>
+        <p:nvSpPr>
+          <p:cNvPr id="2" name="Title 1">
+            <a:extLst>
+              <a:ext uri="{FF2B5EF4-FFF2-40B4-BE49-F238E27FC236}">
+                <a16:creationId xmlns:a16="http://schemas.microsoft.com/office/drawing/2014/main" id="{3A4A4C65-BFAC-411D-9684-B25C3596AF38}"/>
+              </a:ext>
+            </a:extLst>
+          </p:cNvPr>
+          <p:cNvSpPr>
+            <a:spLocks noGrp="1"/>
+          </p:cNvSpPr>
+          <p:nvPr>
+            <p:ph type="title"/>
+          </p:nvPr>
+        </p:nvSpPr>
+        <p:spPr/>
+        <p:txBody>
+          <a:bodyPr/>
+          <a:lstStyle/>
+          <a:p>
+            <a:r>
+              <a:rPr lang="en-CA" dirty="0"/>
+              <a:t>Transformer Models</a:t>
+            </a:r>
+          </a:p>
+        </p:txBody>
+      </p:sp>
+      <p:sp>
+        <p:nvSpPr>
+          <p:cNvPr id="6" name="Content Placeholder 5">
+            <a:extLst>
+              <a:ext uri="{FF2B5EF4-FFF2-40B4-BE49-F238E27FC236}">
+                <a16:creationId xmlns:a16="http://schemas.microsoft.com/office/drawing/2014/main" id="{3649E43D-A6EE-4637-B3D9-E72E811CDCAB}"/>
+              </a:ext>
+            </a:extLst>
+          </p:cNvPr>
+          <p:cNvSpPr>
+            <a:spLocks noGrp="1"/>
+          </p:cNvSpPr>
+          <p:nvPr>
+            <p:ph sz="half" idx="2"/>
+          </p:nvPr>
+        </p:nvSpPr>
+        <p:spPr>
+          <a:xfrm>
+            <a:off x="6370320" y="2103119"/>
+            <a:ext cx="4754880" cy="4007123"/>
+          </a:xfrm>
+        </p:spPr>
+        <p:txBody>
+          <a:bodyPr>
+            <a:normAutofit lnSpcReduction="10000"/>
+          </a:bodyPr>
+          <a:lstStyle/>
+          <a:p>
+            <a:r>
+              <a:rPr lang="en-CA" b="1" dirty="0"/>
+              <a:t>ELECTRA</a:t>
+            </a:r>
+          </a:p>
+          <a:p>
+            <a:pPr lvl="1"/>
+            <a:r>
+              <a:rPr lang="en-CA" b="1" dirty="0"/>
+              <a:t>Very</a:t>
+            </a:r>
+            <a:r>
+              <a:rPr lang="en-CA" dirty="0"/>
+              <a:t> lightweight model</a:t>
+            </a:r>
+          </a:p>
+          <a:p>
+            <a:pPr lvl="1"/>
+            <a:r>
+              <a:rPr lang="en-CA" dirty="0"/>
+              <a:t>Uses replaced token detection, similar to a GAN network, rather than missing tokens</a:t>
+            </a:r>
+          </a:p>
+          <a:p>
+            <a:pPr lvl="1"/>
+            <a:r>
+              <a:rPr lang="en-CA" dirty="0"/>
+              <a:t>Performance exceeds human baselines (rank 21)</a:t>
+            </a:r>
+          </a:p>
+          <a:p>
+            <a:r>
+              <a:rPr lang="en-CA" dirty="0"/>
+              <a:t>Vega</a:t>
+            </a:r>
+          </a:p>
+          <a:p>
+            <a:pPr lvl="1"/>
+            <a:r>
+              <a:rPr lang="en-CA" dirty="0"/>
+              <a:t>Current GLUE leader</a:t>
+            </a:r>
+          </a:p>
+          <a:p>
+            <a:pPr lvl="1"/>
+            <a:r>
+              <a:rPr lang="en-CA" dirty="0"/>
+              <a:t>Not available in the </a:t>
+            </a:r>
+            <a:r>
+              <a:rPr lang="en-CA" dirty="0" err="1"/>
+              <a:t>HuggingFace</a:t>
+            </a:r>
+            <a:r>
+              <a:rPr lang="en-CA" dirty="0"/>
+              <a:t> transformers library</a:t>
+            </a:r>
+          </a:p>
+          <a:p>
+            <a:r>
+              <a:rPr lang="en-CA" dirty="0"/>
+              <a:t>ERNIE</a:t>
+            </a:r>
+          </a:p>
+          <a:p>
+            <a:pPr lvl="1"/>
+            <a:r>
+              <a:rPr lang="en-CA" dirty="0"/>
+              <a:t>3</a:t>
+            </a:r>
+            <a:r>
+              <a:rPr lang="en-CA" baseline="30000" dirty="0"/>
+              <a:t>rd</a:t>
+            </a:r>
+            <a:r>
+              <a:rPr lang="en-CA" dirty="0"/>
+              <a:t> ranked on the leaderboard</a:t>
+            </a:r>
+          </a:p>
+          <a:p>
+            <a:pPr lvl="1"/>
+            <a:r>
+              <a:rPr lang="en-CA" dirty="0"/>
+              <a:t>Much larger model than Electra</a:t>
+            </a:r>
+          </a:p>
+          <a:p>
+            <a:pPr lvl="1"/>
+            <a:r>
+              <a:rPr lang="en-CA" dirty="0"/>
+              <a:t>Available as a transformer model</a:t>
+            </a:r>
+          </a:p>
+          <a:p>
+            <a:endParaRPr lang="en-CA" dirty="0"/>
+          </a:p>
+        </p:txBody>
+      </p:sp>
+      <p:pic>
+        <p:nvPicPr>
+          <p:cNvPr id="8" name="Picture 7">
+            <a:extLst>
+              <a:ext uri="{FF2B5EF4-FFF2-40B4-BE49-F238E27FC236}">
+                <a16:creationId xmlns:a16="http://schemas.microsoft.com/office/drawing/2014/main" id="{1C843179-1611-4EF4-8C5E-EEECA569CE5D}"/>
+              </a:ext>
+            </a:extLst>
+          </p:cNvPr>
+          <p:cNvPicPr>
+            <a:picLocks noChangeAspect="1"/>
+          </p:cNvPicPr>
+          <p:nvPr/>
+        </p:nvPicPr>
+        <p:blipFill>
+          <a:blip r:embed="rId2"/>
+          <a:stretch>
+            <a:fillRect/>
+          </a:stretch>
+        </p:blipFill>
+        <p:spPr>
+          <a:xfrm>
+            <a:off x="699972" y="1717715"/>
+            <a:ext cx="3048425" cy="552527"/>
+          </a:xfrm>
+          <a:prstGeom prst="rect">
+            <a:avLst/>
+          </a:prstGeom>
+        </p:spPr>
+      </p:pic>
+      <p:pic>
+        <p:nvPicPr>
+          <p:cNvPr id="10" name="Picture 9">
+            <a:extLst>
+              <a:ext uri="{FF2B5EF4-FFF2-40B4-BE49-F238E27FC236}">
+                <a16:creationId xmlns:a16="http://schemas.microsoft.com/office/drawing/2014/main" id="{76FAB7AD-8953-4BDB-B600-FE32AFA16D56}"/>
+              </a:ext>
+            </a:extLst>
+          </p:cNvPr>
+          <p:cNvPicPr>
+            <a:picLocks noChangeAspect="1"/>
+          </p:cNvPicPr>
+          <p:nvPr/>
+        </p:nvPicPr>
+        <p:blipFill rotWithShape="1">
+          <a:blip r:embed="rId3"/>
+          <a:srcRect r="6144" b="34065"/>
+          <a:stretch/>
+        </p:blipFill>
+        <p:spPr>
+          <a:xfrm>
+            <a:off x="605969" y="2270242"/>
+            <a:ext cx="4538599" cy="3055204"/>
+          </a:xfrm>
+          <a:prstGeom prst="rect">
+            <a:avLst/>
+          </a:prstGeom>
+        </p:spPr>
+      </p:pic>
+      <p:pic>
+        <p:nvPicPr>
+          <p:cNvPr id="11" name="Picture 10">
+            <a:extLst>
+              <a:ext uri="{FF2B5EF4-FFF2-40B4-BE49-F238E27FC236}">
+                <a16:creationId xmlns:a16="http://schemas.microsoft.com/office/drawing/2014/main" id="{A90B5BCA-1F2F-4743-A5F2-384257800D7E}"/>
+              </a:ext>
+            </a:extLst>
+          </p:cNvPr>
+          <p:cNvPicPr>
+            <a:picLocks noChangeAspect="1"/>
+          </p:cNvPicPr>
+          <p:nvPr/>
+        </p:nvPicPr>
+        <p:blipFill rotWithShape="1">
+          <a:blip r:embed="rId3"/>
+          <a:srcRect t="93840" r="6144"/>
+          <a:stretch/>
+        </p:blipFill>
+        <p:spPr>
+          <a:xfrm>
+            <a:off x="605969" y="5691498"/>
+            <a:ext cx="4538599" cy="285455"/>
+          </a:xfrm>
+          <a:prstGeom prst="rect">
+            <a:avLst/>
+          </a:prstGeom>
+        </p:spPr>
+      </p:pic>
+      <p:sp>
+        <p:nvSpPr>
+          <p:cNvPr id="12" name="Content Placeholder 5">
+            <a:extLst>
+              <a:ext uri="{FF2B5EF4-FFF2-40B4-BE49-F238E27FC236}">
+                <a16:creationId xmlns:a16="http://schemas.microsoft.com/office/drawing/2014/main" id="{D0E38035-008D-4E2A-B195-BF1D13ADA127}"/>
+              </a:ext>
+            </a:extLst>
+          </p:cNvPr>
+          <p:cNvSpPr txBox="1">
+            <a:spLocks/>
+          </p:cNvSpPr>
+          <p:nvPr/>
+        </p:nvSpPr>
+        <p:spPr>
+          <a:xfrm>
+            <a:off x="2408986" y="5235203"/>
+            <a:ext cx="727320" cy="616957"/>
+          </a:xfrm>
+          <a:prstGeom prst="rect">
+            <a:avLst/>
+          </a:prstGeom>
+        </p:spPr>
+        <p:txBody>
+          <a:bodyPr vert="horz" lIns="91440" tIns="45720" rIns="91440" bIns="45720" rtlCol="0">
+            <a:normAutofit/>
+          </a:bodyPr>
+          <a:lstStyle>
+            <a:lvl1pPr marL="182880" indent="-182880" algn="l" defTabSz="914400" rtl="0" eaLnBrk="1" latinLnBrk="0" hangingPunct="1">
+              <a:lnSpc>
+                <a:spcPct val="100000"/>
+              </a:lnSpc>
+              <a:spcBef>
+                <a:spcPts val="900"/>
+              </a:spcBef>
+              <a:spcAft>
+                <a:spcPts val="0"/>
+              </a:spcAft>
+              <a:buClr>
+                <a:schemeClr val="tx1">
+                  <a:lumMod val="85000"/>
+                  <a:lumOff val="15000"/>
+                </a:schemeClr>
+              </a:buClr>
+              <a:buFont typeface="Garamond" pitchFamily="18" charset="0"/>
+              <a:buChar char="◦"/>
+              <a:defRPr sz="1800" kern="1200">
+                <a:solidFill>
+                  <a:schemeClr val="tx1"/>
+                </a:solidFill>
+                <a:latin typeface="+mn-lt"/>
+                <a:ea typeface="+mn-ea"/>
+                <a:cs typeface="+mn-cs"/>
+              </a:defRPr>
+            </a:lvl1pPr>
+            <a:lvl2pPr marL="457200" indent="-182880" algn="l" defTabSz="914400" rtl="0" eaLnBrk="1" latinLnBrk="0" hangingPunct="1">
+              <a:lnSpc>
+                <a:spcPct val="100000"/>
+              </a:lnSpc>
+              <a:spcBef>
+                <a:spcPts val="500"/>
+              </a:spcBef>
+              <a:buClr>
+                <a:schemeClr val="tx1">
+                  <a:lumMod val="85000"/>
+                  <a:lumOff val="15000"/>
+                </a:schemeClr>
+              </a:buClr>
+              <a:buFont typeface="Garamond" pitchFamily="18" charset="0"/>
+              <a:buChar char="◦"/>
+              <a:defRPr sz="1600" kern="1200">
+                <a:solidFill>
+                  <a:schemeClr val="tx1"/>
+                </a:solidFill>
+                <a:latin typeface="+mn-lt"/>
+                <a:ea typeface="+mn-ea"/>
+                <a:cs typeface="+mn-cs"/>
+              </a:defRPr>
+            </a:lvl2pPr>
+            <a:lvl3pPr marL="731520" indent="-182880" algn="l" defTabSz="914400" rtl="0" eaLnBrk="1" latinLnBrk="0" hangingPunct="1">
+              <a:lnSpc>
+                <a:spcPct val="100000"/>
+              </a:lnSpc>
+              <a:spcBef>
+                <a:spcPts val="500"/>
+              </a:spcBef>
+              <a:buClr>
+                <a:schemeClr val="tx1">
+                  <a:lumMod val="85000"/>
+                  <a:lumOff val="15000"/>
+                </a:schemeClr>
+              </a:buClr>
+              <a:buFont typeface="Garamond" pitchFamily="18" charset="0"/>
+              <a:buChar char="◦"/>
+              <a:defRPr sz="1400" kern="1200">
+                <a:solidFill>
+                  <a:schemeClr val="tx1"/>
+                </a:solidFill>
+                <a:latin typeface="+mn-lt"/>
+                <a:ea typeface="+mn-ea"/>
+                <a:cs typeface="+mn-cs"/>
+              </a:defRPr>
+            </a:lvl3pPr>
+            <a:lvl4pPr marL="1005840" indent="-182880" algn="l" defTabSz="914400" rtl="0" eaLnBrk="1" latinLnBrk="0" hangingPunct="1">
+              <a:lnSpc>
+                <a:spcPct val="100000"/>
+              </a:lnSpc>
+              <a:spcBef>
+                <a:spcPts val="500"/>
+              </a:spcBef>
+              <a:buClr>
+                <a:schemeClr val="tx1">
+                  <a:lumMod val="85000"/>
+                  <a:lumOff val="15000"/>
+                </a:schemeClr>
+              </a:buClr>
+              <a:buFont typeface="Garamond" pitchFamily="18" charset="0"/>
+              <a:buChar char="◦"/>
+              <a:defRPr sz="1400" kern="1200">
+                <a:solidFill>
+                  <a:schemeClr val="tx1"/>
+                </a:solidFill>
+                <a:latin typeface="+mn-lt"/>
+                <a:ea typeface="+mn-ea"/>
+                <a:cs typeface="+mn-cs"/>
+              </a:defRPr>
+            </a:lvl4pPr>
+            <a:lvl5pPr marL="1280160" indent="-182880" algn="l" defTabSz="914400" rtl="0" eaLnBrk="1" latinLnBrk="0" hangingPunct="1">
+              <a:lnSpc>
+                <a:spcPct val="100000"/>
+              </a:lnSpc>
+              <a:spcBef>
+                <a:spcPts val="500"/>
+              </a:spcBef>
+              <a:buClr>
+                <a:schemeClr val="tx1">
+                  <a:lumMod val="85000"/>
+                  <a:lumOff val="15000"/>
+                </a:schemeClr>
+              </a:buClr>
+              <a:buFont typeface="Garamond" pitchFamily="18" charset="0"/>
+              <a:buChar char="◦"/>
+              <a:defRPr sz="1400" kern="1200">
+                <a:solidFill>
+                  <a:schemeClr val="tx1"/>
+                </a:solidFill>
+                <a:latin typeface="+mn-lt"/>
+                <a:ea typeface="+mn-ea"/>
+                <a:cs typeface="+mn-cs"/>
+              </a:defRPr>
+            </a:lvl5pPr>
+            <a:lvl6pPr marL="1600000" indent="-228600" algn="l" defTabSz="914400" rtl="0" eaLnBrk="1" latinLnBrk="0" hangingPunct="1">
+              <a:lnSpc>
+                <a:spcPct val="100000"/>
+              </a:lnSpc>
+              <a:spcBef>
+                <a:spcPts val="500"/>
+              </a:spcBef>
+              <a:buClr>
+                <a:schemeClr val="tx1">
+                  <a:lumMod val="85000"/>
+                  <a:lumOff val="15000"/>
+                </a:schemeClr>
+              </a:buClr>
+              <a:buFont typeface="Garamond" pitchFamily="18" charset="0"/>
+              <a:buChar char="◦"/>
+              <a:defRPr sz="1400" kern="1200">
+                <a:solidFill>
+                  <a:schemeClr val="tx1"/>
+                </a:solidFill>
+                <a:latin typeface="+mn-lt"/>
+                <a:ea typeface="+mn-ea"/>
+                <a:cs typeface="+mn-cs"/>
+              </a:defRPr>
+            </a:lvl6pPr>
+            <a:lvl7pPr marL="1900000" indent="-228600" algn="l" defTabSz="914400" rtl="0" eaLnBrk="1" latinLnBrk="0" hangingPunct="1">
+              <a:lnSpc>
+                <a:spcPct val="100000"/>
+              </a:lnSpc>
+              <a:spcBef>
+                <a:spcPts val="500"/>
+              </a:spcBef>
+              <a:buClr>
+                <a:schemeClr val="tx1">
+                  <a:lumMod val="85000"/>
+                  <a:lumOff val="15000"/>
+                </a:schemeClr>
+              </a:buClr>
+              <a:buFont typeface="Garamond" pitchFamily="18" charset="0"/>
+              <a:buChar char="◦"/>
+              <a:defRPr sz="1400" kern="1200">
+                <a:solidFill>
+                  <a:schemeClr val="tx1"/>
+                </a:solidFill>
+                <a:latin typeface="+mn-lt"/>
+                <a:ea typeface="+mn-ea"/>
+                <a:cs typeface="+mn-cs"/>
+              </a:defRPr>
+            </a:lvl7pPr>
+            <a:lvl8pPr marL="2200000" indent="-228600" algn="l" defTabSz="914400" rtl="0" eaLnBrk="1" latinLnBrk="0" hangingPunct="1">
+              <a:lnSpc>
+                <a:spcPct val="100000"/>
+              </a:lnSpc>
+              <a:spcBef>
+                <a:spcPts val="500"/>
+              </a:spcBef>
+              <a:buClr>
+                <a:schemeClr val="tx1">
+                  <a:lumMod val="85000"/>
+                  <a:lumOff val="15000"/>
+                </a:schemeClr>
+              </a:buClr>
+              <a:buFont typeface="Garamond" pitchFamily="18" charset="0"/>
+              <a:buChar char="◦"/>
+              <a:defRPr sz="1400" kern="1200">
+                <a:solidFill>
+                  <a:schemeClr val="tx1"/>
+                </a:solidFill>
+                <a:latin typeface="+mn-lt"/>
+                <a:ea typeface="+mn-ea"/>
+                <a:cs typeface="+mn-cs"/>
+              </a:defRPr>
+            </a:lvl8pPr>
+            <a:lvl9pPr marL="2500000" indent="-228600" algn="l" defTabSz="914400" rtl="0" eaLnBrk="1" latinLnBrk="0" hangingPunct="1">
+              <a:lnSpc>
+                <a:spcPct val="100000"/>
+              </a:lnSpc>
+              <a:spcBef>
+                <a:spcPts val="500"/>
+              </a:spcBef>
+              <a:buClr>
+                <a:schemeClr val="tx1">
+                  <a:lumMod val="85000"/>
+                  <a:lumOff val="15000"/>
+                </a:schemeClr>
+              </a:buClr>
+              <a:buFont typeface="Garamond" pitchFamily="18" charset="0"/>
+              <a:buChar char="◦"/>
+              <a:defRPr sz="1400" kern="1200">
+                <a:solidFill>
+                  <a:schemeClr val="tx1"/>
+                </a:solidFill>
+                <a:latin typeface="+mn-lt"/>
+                <a:ea typeface="+mn-ea"/>
+                <a:cs typeface="+mn-cs"/>
+              </a:defRPr>
+            </a:lvl9pPr>
+          </a:lstStyle>
+          <a:p>
+            <a:pPr marL="0" indent="0">
+              <a:buNone/>
+            </a:pPr>
+            <a:r>
+              <a:rPr lang="en-CA" dirty="0"/>
+              <a:t>…</a:t>
+            </a:r>
+          </a:p>
+          <a:p>
+            <a:endParaRPr lang="en-CA" dirty="0"/>
+          </a:p>
+        </p:txBody>
+      </p:sp>
+    </p:spTree>
+    <p:extLst>
+      <p:ext uri="{BB962C8B-B14F-4D97-AF65-F5344CB8AC3E}">
+        <p14:creationId xmlns:p14="http://schemas.microsoft.com/office/powerpoint/2010/main" val="3742451156"/>
+      </p:ext>
+    </p:extLst>
+  </p:cSld>
+  <p:clrMapOvr>
+    <a:masterClrMapping/>
+  </p:clrMapOvr>
+</p:sld>
+</file>
+
+<file path=ppt/slides/slide17.xml><?xml version="1.0" encoding="utf-8"?>
+<p:sld xmlns:a="http://schemas.openxmlformats.org/drawingml/2006/main" xmlns:r="http://schemas.openxmlformats.org/officeDocument/2006/relationships" xmlns:p="http://schemas.openxmlformats.org/presentationml/2006/main">
+  <p:cSld>
+    <p:spTree>
+      <p:nvGrpSpPr>
+        <p:cNvPr id="1" name=""/>
+        <p:cNvGrpSpPr/>
+        <p:nvPr/>
+      </p:nvGrpSpPr>
+      <p:grpSpPr>
+        <a:xfrm>
+          <a:off x="0" y="0"/>
+          <a:ext cx="0" cy="0"/>
+          <a:chOff x="0" y="0"/>
+          <a:chExt cx="0" cy="0"/>
+        </a:xfrm>
+      </p:grpSpPr>
+      <p:sp>
+        <p:nvSpPr>
+          <p:cNvPr id="7" name="Title 6">
+            <a:extLst>
+              <a:ext uri="{FF2B5EF4-FFF2-40B4-BE49-F238E27FC236}">
+                <a16:creationId xmlns:a16="http://schemas.microsoft.com/office/drawing/2014/main" id="{B6C131D3-2A73-4074-9394-43DDF6D54FA6}"/>
+              </a:ext>
+            </a:extLst>
+          </p:cNvPr>
+          <p:cNvSpPr>
+            <a:spLocks noGrp="1"/>
+          </p:cNvSpPr>
+          <p:nvPr>
+            <p:ph type="title"/>
+          </p:nvPr>
+        </p:nvSpPr>
+        <p:spPr/>
+        <p:txBody>
+          <a:bodyPr/>
+          <a:lstStyle/>
+          <a:p>
+            <a:r>
+              <a:rPr lang="en-CA" dirty="0"/>
+              <a:t>Continuing Work</a:t>
+            </a:r>
+          </a:p>
+        </p:txBody>
+      </p:sp>
+      <p:sp>
+        <p:nvSpPr>
+          <p:cNvPr id="8" name="Content Placeholder 7">
+            <a:extLst>
+              <a:ext uri="{FF2B5EF4-FFF2-40B4-BE49-F238E27FC236}">
+                <a16:creationId xmlns:a16="http://schemas.microsoft.com/office/drawing/2014/main" id="{A5C2B819-85AE-46DE-939B-1BDAE41FFEF5}"/>
+              </a:ext>
+            </a:extLst>
+          </p:cNvPr>
+          <p:cNvSpPr>
+            <a:spLocks noGrp="1"/>
+          </p:cNvSpPr>
+          <p:nvPr>
+            <p:ph idx="1"/>
+          </p:nvPr>
+        </p:nvSpPr>
+        <p:spPr/>
+        <p:txBody>
+          <a:bodyPr>
+            <a:normAutofit/>
+          </a:bodyPr>
+          <a:lstStyle/>
+          <a:p>
+            <a:r>
+              <a:rPr lang="en-CA" sz="2000" dirty="0"/>
+              <a:t>Training the Transformer Model</a:t>
+            </a:r>
+          </a:p>
+          <a:p>
+            <a:r>
+              <a:rPr lang="en-CA" sz="2000" dirty="0"/>
+              <a:t>Extracting influence measurements for features Pre and During the pandemic</a:t>
+            </a:r>
+          </a:p>
+          <a:p>
+            <a:pPr lvl="1"/>
+            <a:r>
+              <a:rPr lang="en-CA" sz="1800" dirty="0"/>
+              <a:t>Overall</a:t>
+            </a:r>
+          </a:p>
+          <a:p>
+            <a:pPr lvl="1"/>
+            <a:r>
+              <a:rPr lang="en-CA" sz="1800" dirty="0"/>
+              <a:t>By Sentiment</a:t>
+            </a:r>
+          </a:p>
+          <a:p>
+            <a:pPr lvl="1"/>
+            <a:r>
+              <a:rPr lang="en-CA" sz="1800" dirty="0"/>
+              <a:t>By State</a:t>
+            </a:r>
+          </a:p>
+          <a:p>
+            <a:r>
+              <a:rPr lang="en-CA" sz="2000" dirty="0"/>
+              <a:t>Create a website to display findings</a:t>
+            </a:r>
+          </a:p>
+        </p:txBody>
+      </p:sp>
+    </p:spTree>
+    <p:extLst>
+      <p:ext uri="{BB962C8B-B14F-4D97-AF65-F5344CB8AC3E}">
+        <p14:creationId xmlns:p14="http://schemas.microsoft.com/office/powerpoint/2010/main" val="267638088"/>
+      </p:ext>
+    </p:extLst>
+  </p:cSld>
+  <p:clrMapOvr>
+    <a:masterClrMapping/>
+  </p:clrMapOvr>
+</p:sld>
+</file>
+
+<file path=ppt/slides/slide18.xml><?xml version="1.0" encoding="utf-8"?>
+<p:sld xmlns:a="http://schemas.openxmlformats.org/drawingml/2006/main" xmlns:r="http://schemas.openxmlformats.org/officeDocument/2006/relationships" xmlns:p="http://schemas.openxmlformats.org/presentationml/2006/main">
+  <p:cSld>
+    <p:spTree>
+      <p:nvGrpSpPr>
+        <p:cNvPr id="1" name=""/>
+        <p:cNvGrpSpPr/>
+        <p:nvPr/>
+      </p:nvGrpSpPr>
+      <p:grpSpPr>
+        <a:xfrm>
+          <a:off x="0" y="0"/>
+          <a:ext cx="0" cy="0"/>
+          <a:chOff x="0" y="0"/>
+          <a:chExt cx="0" cy="0"/>
+        </a:xfrm>
+      </p:grpSpPr>
+      <p:sp>
+        <p:nvSpPr>
+          <p:cNvPr id="8" name="Title 7">
+            <a:extLst>
+              <a:ext uri="{FF2B5EF4-FFF2-40B4-BE49-F238E27FC236}">
+                <a16:creationId xmlns:a16="http://schemas.microsoft.com/office/drawing/2014/main" id="{1A6C1932-3BDC-4BCB-AA55-AB0A41A99B5B}"/>
+              </a:ext>
+            </a:extLst>
+          </p:cNvPr>
+          <p:cNvSpPr>
+            <a:spLocks noGrp="1"/>
+          </p:cNvSpPr>
+          <p:nvPr>
+            <p:ph type="ctrTitle"/>
+          </p:nvPr>
+        </p:nvSpPr>
+        <p:spPr/>
+        <p:txBody>
+          <a:bodyPr/>
+          <a:lstStyle/>
+          <a:p>
+            <a:r>
+              <a:rPr lang="en-CA" cap="none" dirty="0"/>
+              <a:t>Thank you for listening.</a:t>
+            </a:r>
+            <a:endParaRPr lang="en-CA" dirty="0"/>
+          </a:p>
+        </p:txBody>
+      </p:sp>
+      <p:sp>
+        <p:nvSpPr>
+          <p:cNvPr id="9" name="Subtitle 8">
+            <a:extLst>
+              <a:ext uri="{FF2B5EF4-FFF2-40B4-BE49-F238E27FC236}">
+                <a16:creationId xmlns:a16="http://schemas.microsoft.com/office/drawing/2014/main" id="{98E6B59B-C65C-46B4-A665-2C65F036135E}"/>
+              </a:ext>
+            </a:extLst>
+          </p:cNvPr>
+          <p:cNvSpPr>
+            <a:spLocks noGrp="1"/>
+          </p:cNvSpPr>
+          <p:nvPr>
+            <p:ph type="subTitle" idx="1"/>
+          </p:nvPr>
+        </p:nvSpPr>
+        <p:spPr>
+          <a:xfrm>
+            <a:off x="1562100" y="4033616"/>
+            <a:ext cx="9070848" cy="1105648"/>
+          </a:xfrm>
+        </p:spPr>
+        <p:txBody>
+          <a:bodyPr>
+            <a:normAutofit/>
+          </a:bodyPr>
+          <a:lstStyle/>
+          <a:p>
+            <a:r>
+              <a:rPr lang="en-CA" sz="5400" dirty="0"/>
+              <a:t>Any Questions?</a:t>
+            </a:r>
+          </a:p>
+        </p:txBody>
+      </p:sp>
+    </p:spTree>
+    <p:extLst>
+      <p:ext uri="{BB962C8B-B14F-4D97-AF65-F5344CB8AC3E}">
+        <p14:creationId xmlns:p14="http://schemas.microsoft.com/office/powerpoint/2010/main" val="2669522208"/>
+      </p:ext>
+    </p:extLst>
+  </p:cSld>
+  <p:clrMapOvr>
+    <a:masterClrMapping/>
+  </p:clrMapOvr>
+</p:sld>
+</file>
+
+<file path=ppt/slides/slide19.xml><?xml version="1.0" encoding="utf-8"?>
+<p:sld xmlns:a="http://schemas.openxmlformats.org/drawingml/2006/main" xmlns:r="http://schemas.openxmlformats.org/officeDocument/2006/relationships" xmlns:p="http://schemas.openxmlformats.org/presentationml/2006/main">
+  <p:cSld>
+    <p:spTree>
+      <p:nvGrpSpPr>
+        <p:cNvPr id="1" name=""/>
+        <p:cNvGrpSpPr/>
+        <p:nvPr/>
+      </p:nvGrpSpPr>
+      <p:grpSpPr>
+        <a:xfrm>
+          <a:off x="0" y="0"/>
+          <a:ext cx="0" cy="0"/>
+          <a:chOff x="0" y="0"/>
+          <a:chExt cx="0" cy="0"/>
+        </a:xfrm>
+      </p:grpSpPr>
+      <p:sp>
+        <p:nvSpPr>
+          <p:cNvPr id="4" name="Title 3">
+            <a:extLst>
+              <a:ext uri="{FF2B5EF4-FFF2-40B4-BE49-F238E27FC236}">
+                <a16:creationId xmlns:a16="http://schemas.microsoft.com/office/drawing/2014/main" id="{C098B81F-5730-40A9-A64C-8183EEC2D07E}"/>
+              </a:ext>
+            </a:extLst>
+          </p:cNvPr>
+          <p:cNvSpPr>
+            <a:spLocks noGrp="1"/>
+          </p:cNvSpPr>
+          <p:nvPr>
+            <p:ph type="title"/>
+          </p:nvPr>
+        </p:nvSpPr>
+        <p:spPr>
+          <a:xfrm>
+            <a:off x="1563623" y="2094308"/>
+            <a:ext cx="9070848" cy="3212629"/>
+          </a:xfrm>
+        </p:spPr>
+        <p:txBody>
+          <a:bodyPr/>
+          <a:lstStyle/>
+          <a:p>
+            <a:r>
+              <a:rPr lang="en-CA" cap="none" dirty="0"/>
+              <a:t>Supplemental Slides</a:t>
+            </a:r>
+          </a:p>
+        </p:txBody>
+      </p:sp>
+    </p:spTree>
+    <p:extLst>
+      <p:ext uri="{BB962C8B-B14F-4D97-AF65-F5344CB8AC3E}">
+        <p14:creationId xmlns:p14="http://schemas.microsoft.com/office/powerpoint/2010/main" val="4085937056"/>
       </p:ext>
     </p:extLst>
   </p:cSld>
@@ -3569,10 +6167,10 @@
       </p:sp>
       <p:sp>
         <p:nvSpPr>
-          <p:cNvPr id="4" name="Content Placeholder 3">
+          <p:cNvPr id="6" name="Content Placeholder 5">
             <a:extLst>
               <a:ext uri="{FF2B5EF4-FFF2-40B4-BE49-F238E27FC236}">
-                <a16:creationId xmlns:a16="http://schemas.microsoft.com/office/drawing/2014/main" id="{86414E39-FEF8-48BD-BAE7-90D3BDF94B82}"/>
+                <a16:creationId xmlns:a16="http://schemas.microsoft.com/office/drawing/2014/main" id="{E650C647-FD4C-4B42-A43E-0CDFFD9DD9D0}"/>
               </a:ext>
             </a:extLst>
           </p:cNvPr>
@@ -3580,7 +6178,7 @@
             <a:spLocks noGrp="1"/>
           </p:cNvSpPr>
           <p:nvPr>
-            <p:ph idx="1"/>
+            <p:ph sz="half" idx="1"/>
           </p:nvPr>
         </p:nvSpPr>
         <p:spPr/>
@@ -3588,16 +6186,16 @@
           <a:bodyPr/>
           <a:lstStyle/>
           <a:p>
-            <a:endParaRPr lang="en-CA"/>
-          </a:p>
-        </p:txBody>
-      </p:sp>
-      <p:sp>
-        <p:nvSpPr>
-          <p:cNvPr id="5" name="Text Placeholder 4">
+            <a:endParaRPr lang="en-CA" dirty="0"/>
+          </a:p>
+        </p:txBody>
+      </p:sp>
+      <p:sp>
+        <p:nvSpPr>
+          <p:cNvPr id="7" name="Content Placeholder 6">
             <a:extLst>
               <a:ext uri="{FF2B5EF4-FFF2-40B4-BE49-F238E27FC236}">
-                <a16:creationId xmlns:a16="http://schemas.microsoft.com/office/drawing/2014/main" id="{2528F92B-2661-42EF-92A9-77096DC9769C}"/>
+                <a16:creationId xmlns:a16="http://schemas.microsoft.com/office/drawing/2014/main" id="{F33CD7B8-A603-4D2B-9164-B69A810AA541}"/>
               </a:ext>
             </a:extLst>
           </p:cNvPr>
@@ -3605,7 +6203,7 @@
             <a:spLocks noGrp="1"/>
           </p:cNvSpPr>
           <p:nvPr>
-            <p:ph type="body" sz="half" idx="2"/>
+            <p:ph sz="half" idx="2"/>
           </p:nvPr>
         </p:nvSpPr>
         <p:spPr/>
@@ -3621,6 +6219,379 @@
     <p:extLst>
       <p:ext uri="{BB962C8B-B14F-4D97-AF65-F5344CB8AC3E}">
         <p14:creationId xmlns:p14="http://schemas.microsoft.com/office/powerpoint/2010/main" val="652999632"/>
+      </p:ext>
+    </p:extLst>
+  </p:cSld>
+  <p:clrMapOvr>
+    <a:masterClrMapping/>
+  </p:clrMapOvr>
+</p:sld>
+</file>
+
+<file path=ppt/slides/slide20.xml><?xml version="1.0" encoding="utf-8"?>
+<p:sld xmlns:a="http://schemas.openxmlformats.org/drawingml/2006/main" xmlns:r="http://schemas.openxmlformats.org/officeDocument/2006/relationships" xmlns:p="http://schemas.openxmlformats.org/presentationml/2006/main">
+  <p:cSld>
+    <p:spTree>
+      <p:nvGrpSpPr>
+        <p:cNvPr id="1" name=""/>
+        <p:cNvGrpSpPr/>
+        <p:nvPr/>
+      </p:nvGrpSpPr>
+      <p:grpSpPr>
+        <a:xfrm>
+          <a:off x="0" y="0"/>
+          <a:ext cx="0" cy="0"/>
+          <a:chOff x="0" y="0"/>
+          <a:chExt cx="0" cy="0"/>
+        </a:xfrm>
+      </p:grpSpPr>
+      <p:sp>
+        <p:nvSpPr>
+          <p:cNvPr id="2" name="Title 1">
+            <a:extLst>
+              <a:ext uri="{FF2B5EF4-FFF2-40B4-BE49-F238E27FC236}">
+                <a16:creationId xmlns:a16="http://schemas.microsoft.com/office/drawing/2014/main" id="{FDF3CA0A-7A7E-4CA7-99B9-E0F3F0D42E2E}"/>
+              </a:ext>
+            </a:extLst>
+          </p:cNvPr>
+          <p:cNvSpPr>
+            <a:spLocks noGrp="1"/>
+          </p:cNvSpPr>
+          <p:nvPr>
+            <p:ph type="title"/>
+          </p:nvPr>
+        </p:nvSpPr>
+        <p:spPr/>
+        <p:txBody>
+          <a:bodyPr/>
+          <a:lstStyle/>
+          <a:p>
+            <a:r>
+              <a:rPr lang="en-CA" dirty="0"/>
+              <a:t>Total Unique Hotels by State</a:t>
+            </a:r>
+          </a:p>
+        </p:txBody>
+      </p:sp>
+      <p:pic>
+        <p:nvPicPr>
+          <p:cNvPr id="5" name="Picture 4">
+            <a:extLst>
+              <a:ext uri="{FF2B5EF4-FFF2-40B4-BE49-F238E27FC236}">
+                <a16:creationId xmlns:a16="http://schemas.microsoft.com/office/drawing/2014/main" id="{11152FB4-96C0-44EE-AD34-6CBB04222E1E}"/>
+              </a:ext>
+            </a:extLst>
+          </p:cNvPr>
+          <p:cNvPicPr>
+            <a:picLocks noChangeAspect="1"/>
+          </p:cNvPicPr>
+          <p:nvPr/>
+        </p:nvPicPr>
+        <p:blipFill>
+          <a:blip r:embed="rId2">
+            <a:extLst>
+              <a:ext uri="{28A0092B-C50C-407E-A947-70E740481C1C}">
+                <a14:useLocalDpi xmlns:a14="http://schemas.microsoft.com/office/drawing/2010/main" val="0"/>
+              </a:ext>
+            </a:extLst>
+          </a:blip>
+          <a:srcRect/>
+          <a:stretch/>
+        </p:blipFill>
+        <p:spPr>
+          <a:xfrm>
+            <a:off x="1495014" y="2096398"/>
+            <a:ext cx="9201971" cy="4259763"/>
+          </a:xfrm>
+          <a:prstGeom prst="rect">
+            <a:avLst/>
+          </a:prstGeom>
+        </p:spPr>
+      </p:pic>
+    </p:spTree>
+    <p:extLst>
+      <p:ext uri="{BB962C8B-B14F-4D97-AF65-F5344CB8AC3E}">
+        <p14:creationId xmlns:p14="http://schemas.microsoft.com/office/powerpoint/2010/main" val="77967551"/>
+      </p:ext>
+    </p:extLst>
+  </p:cSld>
+  <p:clrMapOvr>
+    <a:masterClrMapping/>
+  </p:clrMapOvr>
+</p:sld>
+</file>
+
+<file path=ppt/slides/slide21.xml><?xml version="1.0" encoding="utf-8"?>
+<p:sld xmlns:a="http://schemas.openxmlformats.org/drawingml/2006/main" xmlns:r="http://schemas.openxmlformats.org/officeDocument/2006/relationships" xmlns:p="http://schemas.openxmlformats.org/presentationml/2006/main">
+  <p:cSld>
+    <p:spTree>
+      <p:nvGrpSpPr>
+        <p:cNvPr id="1" name=""/>
+        <p:cNvGrpSpPr/>
+        <p:nvPr/>
+      </p:nvGrpSpPr>
+      <p:grpSpPr>
+        <a:xfrm>
+          <a:off x="0" y="0"/>
+          <a:ext cx="0" cy="0"/>
+          <a:chOff x="0" y="0"/>
+          <a:chExt cx="0" cy="0"/>
+        </a:xfrm>
+      </p:grpSpPr>
+      <p:sp>
+        <p:nvSpPr>
+          <p:cNvPr id="2" name="Title 1">
+            <a:extLst>
+              <a:ext uri="{FF2B5EF4-FFF2-40B4-BE49-F238E27FC236}">
+                <a16:creationId xmlns:a16="http://schemas.microsoft.com/office/drawing/2014/main" id="{D713F0FD-75B3-43C5-865C-0A77B35A4333}"/>
+              </a:ext>
+            </a:extLst>
+          </p:cNvPr>
+          <p:cNvSpPr>
+            <a:spLocks noGrp="1"/>
+          </p:cNvSpPr>
+          <p:nvPr>
+            <p:ph type="title"/>
+          </p:nvPr>
+        </p:nvSpPr>
+        <p:spPr/>
+        <p:txBody>
+          <a:bodyPr/>
+          <a:lstStyle/>
+          <a:p>
+            <a:r>
+              <a:rPr lang="en-CA" dirty="0"/>
+              <a:t>Total Unique Reviews by State</a:t>
+            </a:r>
+          </a:p>
+        </p:txBody>
+      </p:sp>
+      <p:pic>
+        <p:nvPicPr>
+          <p:cNvPr id="5" name="Picture 4">
+            <a:extLst>
+              <a:ext uri="{FF2B5EF4-FFF2-40B4-BE49-F238E27FC236}">
+                <a16:creationId xmlns:a16="http://schemas.microsoft.com/office/drawing/2014/main" id="{32BA9D98-2D41-4B1C-AD08-65D8D9C61DF9}"/>
+              </a:ext>
+            </a:extLst>
+          </p:cNvPr>
+          <p:cNvPicPr>
+            <a:picLocks noChangeAspect="1"/>
+          </p:cNvPicPr>
+          <p:nvPr/>
+        </p:nvPicPr>
+        <p:blipFill>
+          <a:blip r:embed="rId2">
+            <a:extLst>
+              <a:ext uri="{28A0092B-C50C-407E-A947-70E740481C1C}">
+                <a14:useLocalDpi xmlns:a14="http://schemas.microsoft.com/office/drawing/2010/main" val="0"/>
+              </a:ext>
+            </a:extLst>
+          </a:blip>
+          <a:srcRect/>
+          <a:stretch/>
+        </p:blipFill>
+        <p:spPr>
+          <a:xfrm>
+            <a:off x="1330848" y="2136448"/>
+            <a:ext cx="9530304" cy="4313716"/>
+          </a:xfrm>
+          <a:prstGeom prst="rect">
+            <a:avLst/>
+          </a:prstGeom>
+        </p:spPr>
+      </p:pic>
+    </p:spTree>
+    <p:extLst>
+      <p:ext uri="{BB962C8B-B14F-4D97-AF65-F5344CB8AC3E}">
+        <p14:creationId xmlns:p14="http://schemas.microsoft.com/office/powerpoint/2010/main" val="1661984071"/>
+      </p:ext>
+    </p:extLst>
+  </p:cSld>
+  <p:clrMapOvr>
+    <a:masterClrMapping/>
+  </p:clrMapOvr>
+</p:sld>
+</file>
+
+<file path=ppt/slides/slide22.xml><?xml version="1.0" encoding="utf-8"?>
+<p:sld xmlns:a="http://schemas.openxmlformats.org/drawingml/2006/main" xmlns:r="http://schemas.openxmlformats.org/officeDocument/2006/relationships" xmlns:p="http://schemas.openxmlformats.org/presentationml/2006/main">
+  <p:cSld>
+    <p:spTree>
+      <p:nvGrpSpPr>
+        <p:cNvPr id="1" name=""/>
+        <p:cNvGrpSpPr/>
+        <p:nvPr/>
+      </p:nvGrpSpPr>
+      <p:grpSpPr>
+        <a:xfrm>
+          <a:off x="0" y="0"/>
+          <a:ext cx="0" cy="0"/>
+          <a:chOff x="0" y="0"/>
+          <a:chExt cx="0" cy="0"/>
+        </a:xfrm>
+      </p:grpSpPr>
+      <p:sp>
+        <p:nvSpPr>
+          <p:cNvPr id="2" name="Title 1">
+            <a:extLst>
+              <a:ext uri="{FF2B5EF4-FFF2-40B4-BE49-F238E27FC236}">
+                <a16:creationId xmlns:a16="http://schemas.microsoft.com/office/drawing/2014/main" id="{A0B9E1A2-65D7-4B08-B2BD-89242F2E66AE}"/>
+              </a:ext>
+            </a:extLst>
+          </p:cNvPr>
+          <p:cNvSpPr>
+            <a:spLocks noGrp="1"/>
+          </p:cNvSpPr>
+          <p:nvPr>
+            <p:ph type="title"/>
+          </p:nvPr>
+        </p:nvSpPr>
+        <p:spPr/>
+        <p:txBody>
+          <a:bodyPr/>
+          <a:lstStyle/>
+          <a:p>
+            <a:r>
+              <a:rPr lang="en-CA" dirty="0"/>
+              <a:t>Mean Review by State with STD</a:t>
+            </a:r>
+          </a:p>
+        </p:txBody>
+      </p:sp>
+      <p:pic>
+        <p:nvPicPr>
+          <p:cNvPr id="9" name="Content Placeholder 8">
+            <a:extLst>
+              <a:ext uri="{FF2B5EF4-FFF2-40B4-BE49-F238E27FC236}">
+                <a16:creationId xmlns:a16="http://schemas.microsoft.com/office/drawing/2014/main" id="{631C054C-B8FD-4C41-982A-BC499CCD7A3B}"/>
+              </a:ext>
+            </a:extLst>
+          </p:cNvPr>
+          <p:cNvPicPr>
+            <a:picLocks noGrp="1" noChangeAspect="1"/>
+          </p:cNvPicPr>
+          <p:nvPr>
+            <p:ph idx="1"/>
+          </p:nvPr>
+        </p:nvPicPr>
+        <p:blipFill>
+          <a:blip r:embed="rId2">
+            <a:extLst>
+              <a:ext uri="{28A0092B-C50C-407E-A947-70E740481C1C}">
+                <a14:useLocalDpi xmlns:a14="http://schemas.microsoft.com/office/drawing/2010/main" val="0"/>
+              </a:ext>
+            </a:extLst>
+          </a:blip>
+          <a:srcRect/>
+          <a:stretch/>
+        </p:blipFill>
+        <p:spPr>
+          <a:xfrm>
+            <a:off x="1389431" y="2016900"/>
+            <a:ext cx="9413138" cy="4449223"/>
+          </a:xfrm>
+        </p:spPr>
+      </p:pic>
+    </p:spTree>
+    <p:extLst>
+      <p:ext uri="{BB962C8B-B14F-4D97-AF65-F5344CB8AC3E}">
+        <p14:creationId xmlns:p14="http://schemas.microsoft.com/office/powerpoint/2010/main" val="2005647364"/>
+      </p:ext>
+    </p:extLst>
+  </p:cSld>
+  <p:clrMapOvr>
+    <a:masterClrMapping/>
+  </p:clrMapOvr>
+</p:sld>
+</file>
+
+<file path=ppt/slides/slide23.xml><?xml version="1.0" encoding="utf-8"?>
+<p:sld xmlns:a="http://schemas.openxmlformats.org/drawingml/2006/main" xmlns:r="http://schemas.openxmlformats.org/officeDocument/2006/relationships" xmlns:p="http://schemas.openxmlformats.org/presentationml/2006/main">
+  <p:cSld>
+    <p:spTree>
+      <p:nvGrpSpPr>
+        <p:cNvPr id="1" name=""/>
+        <p:cNvGrpSpPr/>
+        <p:nvPr/>
+      </p:nvGrpSpPr>
+      <p:grpSpPr>
+        <a:xfrm>
+          <a:off x="0" y="0"/>
+          <a:ext cx="0" cy="0"/>
+          <a:chOff x="0" y="0"/>
+          <a:chExt cx="0" cy="0"/>
+        </a:xfrm>
+      </p:grpSpPr>
+      <p:sp>
+        <p:nvSpPr>
+          <p:cNvPr id="2" name="Title 1">
+            <a:extLst>
+              <a:ext uri="{FF2B5EF4-FFF2-40B4-BE49-F238E27FC236}">
+                <a16:creationId xmlns:a16="http://schemas.microsoft.com/office/drawing/2014/main" id="{DD2D5C23-7A5C-4C69-9402-6FE7974E40DF}"/>
+              </a:ext>
+            </a:extLst>
+          </p:cNvPr>
+          <p:cNvSpPr>
+            <a:spLocks noGrp="1"/>
+          </p:cNvSpPr>
+          <p:nvPr>
+            <p:ph type="title"/>
+          </p:nvPr>
+        </p:nvSpPr>
+        <p:spPr/>
+        <p:txBody>
+          <a:bodyPr>
+            <a:normAutofit fontScale="90000"/>
+          </a:bodyPr>
+          <a:lstStyle/>
+          <a:p>
+            <a:r>
+              <a:rPr lang="en-CA" dirty="0"/>
+              <a:t>Change in Reviews by State – Pre and during Pandemic</a:t>
+            </a:r>
+          </a:p>
+        </p:txBody>
+      </p:sp>
+      <p:pic>
+        <p:nvPicPr>
+          <p:cNvPr id="5" name="Picture 4">
+            <a:extLst>
+              <a:ext uri="{FF2B5EF4-FFF2-40B4-BE49-F238E27FC236}">
+                <a16:creationId xmlns:a16="http://schemas.microsoft.com/office/drawing/2014/main" id="{D97DD45C-07F3-43C1-AB14-CBA4645DCC56}"/>
+              </a:ext>
+            </a:extLst>
+          </p:cNvPr>
+          <p:cNvPicPr>
+            <a:picLocks noChangeAspect="1"/>
+          </p:cNvPicPr>
+          <p:nvPr/>
+        </p:nvPicPr>
+        <p:blipFill>
+          <a:blip r:embed="rId2">
+            <a:extLst>
+              <a:ext uri="{28A0092B-C50C-407E-A947-70E740481C1C}">
+                <a14:useLocalDpi xmlns:a14="http://schemas.microsoft.com/office/drawing/2010/main" val="0"/>
+              </a:ext>
+            </a:extLst>
+          </a:blip>
+          <a:srcRect/>
+          <a:stretch/>
+        </p:blipFill>
+        <p:spPr>
+          <a:xfrm>
+            <a:off x="380504" y="2285440"/>
+            <a:ext cx="11430991" cy="3602611"/>
+          </a:xfrm>
+          <a:prstGeom prst="rect">
+            <a:avLst/>
+          </a:prstGeom>
+        </p:spPr>
+      </p:pic>
+    </p:spTree>
+    <p:extLst>
+      <p:ext uri="{BB962C8B-B14F-4D97-AF65-F5344CB8AC3E}">
+        <p14:creationId xmlns:p14="http://schemas.microsoft.com/office/powerpoint/2010/main" val="419789384"/>
       </p:ext>
     </p:extLst>
   </p:cSld>
@@ -3675,45 +6646,6 @@
           </a:p>
         </p:txBody>
       </p:sp>
-      <p:sp>
-        <p:nvSpPr>
-          <p:cNvPr id="5" name="Content Placeholder 4">
-            <a:extLst>
-              <a:ext uri="{FF2B5EF4-FFF2-40B4-BE49-F238E27FC236}">
-                <a16:creationId xmlns:a16="http://schemas.microsoft.com/office/drawing/2014/main" id="{A572031E-6394-48B5-8AB1-3AEF88E17C54}"/>
-              </a:ext>
-            </a:extLst>
-          </p:cNvPr>
-          <p:cNvSpPr>
-            <a:spLocks noGrp="1"/>
-          </p:cNvSpPr>
-          <p:nvPr>
-            <p:ph sz="half" idx="2"/>
-          </p:nvPr>
-        </p:nvSpPr>
-        <p:spPr/>
-        <p:txBody>
-          <a:bodyPr>
-            <a:normAutofit fontScale="92500" lnSpcReduction="20000"/>
-          </a:bodyPr>
-          <a:lstStyle/>
-          <a:p>
-            <a:r>
-              <a:rPr lang="en-CA" dirty="0"/>
-              <a:t>The hotel industry, worth over 240 billion dollars globally*, was highly impacted by the Covid-19 pandemic. Due to both health concerns and travel restrictions, occupancy declined more than 11%, and 4.4% of hotels permanently closed in 2020**.</a:t>
-            </a:r>
-          </a:p>
-          <a:p>
-            <a:r>
-              <a:rPr lang="en-CA" dirty="0"/>
-              <a:t> Given the increased competition for limited customers, knowing what factors have the highest impact on a visitor’s experience is critical to maintaining high review scores, satisfaction and occupancy.</a:t>
-            </a:r>
-          </a:p>
-          <a:p>
-            <a:endParaRPr lang="en-CA" dirty="0"/>
-          </a:p>
-        </p:txBody>
-      </p:sp>
       <p:pic>
         <p:nvPicPr>
           <p:cNvPr id="1026" name="Picture 2" descr="20 of America&amp;#39;s most beautiful hotels | CNN Travel">
@@ -3745,7 +6677,7 @@
         </p:blipFill>
         <p:spPr bwMode="auto">
           <a:xfrm>
-            <a:off x="448000" y="2281727"/>
+            <a:off x="524200" y="2105256"/>
             <a:ext cx="5571800" cy="3214049"/>
           </a:xfrm>
           <a:prstGeom prst="rect">
@@ -3763,6 +6695,45 @@
           </a:extLst>
         </p:spPr>
       </p:pic>
+      <p:sp>
+        <p:nvSpPr>
+          <p:cNvPr id="5" name="Content Placeholder 4">
+            <a:extLst>
+              <a:ext uri="{FF2B5EF4-FFF2-40B4-BE49-F238E27FC236}">
+                <a16:creationId xmlns:a16="http://schemas.microsoft.com/office/drawing/2014/main" id="{A572031E-6394-48B5-8AB1-3AEF88E17C54}"/>
+              </a:ext>
+            </a:extLst>
+          </p:cNvPr>
+          <p:cNvSpPr>
+            <a:spLocks noGrp="1"/>
+          </p:cNvSpPr>
+          <p:nvPr>
+            <p:ph sz="half" idx="2"/>
+          </p:nvPr>
+        </p:nvSpPr>
+        <p:spPr/>
+        <p:txBody>
+          <a:bodyPr>
+            <a:normAutofit/>
+          </a:bodyPr>
+          <a:lstStyle/>
+          <a:p>
+            <a:r>
+              <a:rPr lang="en-CA" sz="2400" dirty="0"/>
+              <a:t>The hotel industry, worth over 240 billion dollars globally*, was highly impacted by the Covid-19 pandemic.</a:t>
+            </a:r>
+          </a:p>
+          <a:p>
+            <a:endParaRPr lang="en-CA" sz="2400" dirty="0"/>
+          </a:p>
+          <a:p>
+            <a:r>
+              <a:rPr lang="en-CA" sz="2400" dirty="0"/>
+              <a:t> Due to both health concerns and travel restrictions, occupancy declined more than 11%, and 4.4% of hotels permanently closed in 2020**.</a:t>
+            </a:r>
+          </a:p>
+        </p:txBody>
+      </p:sp>
     </p:spTree>
     <p:extLst>
       <p:ext uri="{BB962C8B-B14F-4D97-AF65-F5344CB8AC3E}">
@@ -3837,7 +6808,12 @@
             <p:ph idx="1"/>
           </p:nvPr>
         </p:nvSpPr>
-        <p:spPr/>
+        <p:spPr>
+          <a:xfrm>
+            <a:off x="1066800" y="2103119"/>
+            <a:ext cx="10058400" cy="4246405"/>
+          </a:xfrm>
+        </p:spPr>
         <p:txBody>
           <a:bodyPr>
             <a:normAutofit/>
@@ -3845,13 +6821,31 @@
           <a:lstStyle/>
           <a:p>
             <a:r>
-              <a:rPr lang="en-CA" dirty="0"/>
+              <a:rPr lang="en-CA" sz="2000" dirty="0"/>
+              <a:t> Given the hotel industry’s intense competition for limited customers, knowing what factors have the highest impact on a visitor’s experience is critical to maintaining high review scores, satisfaction and occupancy.</a:t>
+            </a:r>
+          </a:p>
+          <a:p>
+            <a:pPr marL="0" indent="0">
+              <a:buNone/>
+            </a:pPr>
+            <a:endParaRPr lang="en-CA" sz="2000" dirty="0"/>
+          </a:p>
+          <a:p>
+            <a:r>
+              <a:rPr lang="en-CA" sz="2000" dirty="0"/>
               <a:t>Discerning critical factors may be particularly important now, as customer expectations and requirements may have shifted during the pandemic. For example, sanitation practices are now on the forefront of customers’ minds, where previously they may have had less of an impact on reviews.</a:t>
             </a:r>
           </a:p>
           <a:p>
-            <a:r>
-              <a:rPr lang="en-CA" dirty="0"/>
+            <a:pPr marL="0" indent="0">
+              <a:buNone/>
+            </a:pPr>
+            <a:endParaRPr lang="en-CA" sz="2000" dirty="0"/>
+          </a:p>
+          <a:p>
+            <a:r>
+              <a:rPr lang="en-CA" sz="2000" dirty="0"/>
               <a:t>Factors will be compared from reviews written both before and during the pandemic, to discern if priorities have changed.</a:t>
             </a:r>
           </a:p>
@@ -3993,33 +6987,8 @@
           <a:p>
             <a:r>
               <a:rPr lang="en-CA" dirty="0"/>
-              <a:t>Dataset</a:t>
-            </a:r>
-          </a:p>
-        </p:txBody>
-      </p:sp>
-      <p:sp>
-        <p:nvSpPr>
-          <p:cNvPr id="5" name="Content Placeholder 4">
-            <a:extLst>
-              <a:ext uri="{FF2B5EF4-FFF2-40B4-BE49-F238E27FC236}">
-                <a16:creationId xmlns:a16="http://schemas.microsoft.com/office/drawing/2014/main" id="{E155A472-5A56-4DE9-ACA8-4BAE1707C66C}"/>
-              </a:ext>
-            </a:extLst>
-          </p:cNvPr>
-          <p:cNvSpPr>
-            <a:spLocks noGrp="1"/>
-          </p:cNvSpPr>
-          <p:nvPr>
-            <p:ph sz="half" idx="2"/>
-          </p:nvPr>
-        </p:nvSpPr>
-        <p:spPr/>
-        <p:txBody>
-          <a:bodyPr/>
-          <a:lstStyle/>
-          <a:p>
-            <a:endParaRPr lang="en-CA" dirty="0"/>
+              <a:t>Dataset - Cities</a:t>
+            </a:r>
           </a:p>
         </p:txBody>
       </p:sp>
@@ -4047,11 +7016,79 @@
         </p:blipFill>
         <p:spPr>
           <a:xfrm>
-            <a:off x="334862" y="1273323"/>
-            <a:ext cx="5555752" cy="5033473"/>
+            <a:off x="646062" y="1667238"/>
+            <a:ext cx="5100263" cy="4620803"/>
           </a:xfrm>
         </p:spPr>
       </p:pic>
+      <p:sp>
+        <p:nvSpPr>
+          <p:cNvPr id="5" name="Content Placeholder 4">
+            <a:extLst>
+              <a:ext uri="{FF2B5EF4-FFF2-40B4-BE49-F238E27FC236}">
+                <a16:creationId xmlns:a16="http://schemas.microsoft.com/office/drawing/2014/main" id="{E155A472-5A56-4DE9-ACA8-4BAE1707C66C}"/>
+              </a:ext>
+            </a:extLst>
+          </p:cNvPr>
+          <p:cNvSpPr>
+            <a:spLocks noGrp="1"/>
+          </p:cNvSpPr>
+          <p:nvPr>
+            <p:ph sz="half" idx="2"/>
+          </p:nvPr>
+        </p:nvSpPr>
+        <p:spPr/>
+        <p:txBody>
+          <a:bodyPr/>
+          <a:lstStyle/>
+          <a:p>
+            <a:r>
+              <a:rPr lang="en-CA" dirty="0"/>
+              <a:t>For each city,  capture the number of properties, and loop through all pages of listings.</a:t>
+            </a:r>
+          </a:p>
+          <a:p>
+            <a:r>
+              <a:rPr lang="en-CA" dirty="0"/>
+              <a:t>Hotel Listing</a:t>
+            </a:r>
+          </a:p>
+          <a:p>
+            <a:pPr lvl="1"/>
+            <a:r>
+              <a:rPr lang="en-CA" dirty="0"/>
+              <a:t>Collect link to hotel page if there are more than 50 reviews for the property</a:t>
+            </a:r>
+          </a:p>
+          <a:p>
+            <a:pPr lvl="2"/>
+            <a:r>
+              <a:rPr lang="en-CA" dirty="0"/>
+              <a:t>This saves time, especially as many small properties do not have any reviews.</a:t>
+            </a:r>
+          </a:p>
+          <a:p>
+            <a:r>
+              <a:rPr lang="en-CA" dirty="0"/>
+              <a:t>Page Sorting</a:t>
+            </a:r>
+          </a:p>
+          <a:p>
+            <a:pPr lvl="1"/>
+            <a:r>
+              <a:rPr lang="en-CA" dirty="0"/>
+              <a:t>The default sorting system weights for number of reviews, as well as star rating and cost</a:t>
+            </a:r>
+          </a:p>
+          <a:p>
+            <a:pPr lvl="2"/>
+            <a:r>
+              <a:rPr lang="en-CA" dirty="0"/>
+              <a:t>Once more than half of the page has less than 50 reviews, stop scraping for hotel links.</a:t>
+            </a:r>
+          </a:p>
+        </p:txBody>
+      </p:sp>
       <p:sp>
         <p:nvSpPr>
           <p:cNvPr id="11" name="Rectangle 10">
@@ -4066,7 +7103,7 @@
         </p:nvSpPr>
         <p:spPr>
           <a:xfrm>
-            <a:off x="4674124" y="3463184"/>
+            <a:off x="4597212" y="3671842"/>
             <a:ext cx="649905" cy="188006"/>
           </a:xfrm>
           <a:prstGeom prst="rect">
@@ -4118,7 +7155,7 @@
         </p:nvSpPr>
         <p:spPr>
           <a:xfrm>
-            <a:off x="2057687" y="3179748"/>
+            <a:off x="2210514" y="3429000"/>
             <a:ext cx="899158" cy="249251"/>
           </a:xfrm>
           <a:prstGeom prst="rect">
@@ -4170,7 +7207,7 @@
         </p:nvSpPr>
         <p:spPr>
           <a:xfrm>
-            <a:off x="4674124" y="5026708"/>
+            <a:off x="4597212" y="5096759"/>
             <a:ext cx="649905" cy="188006"/>
           </a:xfrm>
           <a:prstGeom prst="rect">
@@ -4222,8 +7259,164 @@
         </p:nvSpPr>
         <p:spPr>
           <a:xfrm>
-            <a:off x="2057687" y="4743272"/>
+            <a:off x="2210514" y="4902082"/>
             <a:ext cx="899158" cy="249251"/>
+          </a:xfrm>
+          <a:prstGeom prst="rect">
+            <a:avLst/>
+          </a:prstGeom>
+          <a:noFill/>
+          <a:ln w="57150">
+            <a:solidFill>
+              <a:srgbClr val="FF0000"/>
+            </a:solidFill>
+          </a:ln>
+        </p:spPr>
+        <p:style>
+          <a:lnRef idx="2">
+            <a:schemeClr val="accent1">
+              <a:shade val="50000"/>
+            </a:schemeClr>
+          </a:lnRef>
+          <a:fillRef idx="1">
+            <a:schemeClr val="accent1"/>
+          </a:fillRef>
+          <a:effectRef idx="0">
+            <a:schemeClr val="accent1"/>
+          </a:effectRef>
+          <a:fontRef idx="minor">
+            <a:schemeClr val="lt1"/>
+          </a:fontRef>
+        </p:style>
+        <p:txBody>
+          <a:bodyPr rtlCol="0" anchor="ctr"/>
+          <a:lstStyle/>
+          <a:p>
+            <a:pPr algn="ctr"/>
+            <a:endParaRPr lang="en-CA"/>
+          </a:p>
+        </p:txBody>
+      </p:sp>
+      <p:sp>
+        <p:nvSpPr>
+          <p:cNvPr id="9" name="Rectangle 8">
+            <a:extLst>
+              <a:ext uri="{FF2B5EF4-FFF2-40B4-BE49-F238E27FC236}">
+                <a16:creationId xmlns:a16="http://schemas.microsoft.com/office/drawing/2014/main" id="{06D593AD-400A-4F15-B2A0-E46A2FF18488}"/>
+              </a:ext>
+            </a:extLst>
+          </p:cNvPr>
+          <p:cNvSpPr/>
+          <p:nvPr/>
+        </p:nvSpPr>
+        <p:spPr>
+          <a:xfrm>
+            <a:off x="646062" y="1667238"/>
+            <a:ext cx="721265" cy="249251"/>
+          </a:xfrm>
+          <a:prstGeom prst="rect">
+            <a:avLst/>
+          </a:prstGeom>
+          <a:noFill/>
+          <a:ln w="57150">
+            <a:solidFill>
+              <a:srgbClr val="FF0000"/>
+            </a:solidFill>
+          </a:ln>
+        </p:spPr>
+        <p:style>
+          <a:lnRef idx="2">
+            <a:schemeClr val="accent1">
+              <a:shade val="50000"/>
+            </a:schemeClr>
+          </a:lnRef>
+          <a:fillRef idx="1">
+            <a:schemeClr val="accent1"/>
+          </a:fillRef>
+          <a:effectRef idx="0">
+            <a:schemeClr val="accent1"/>
+          </a:effectRef>
+          <a:fontRef idx="minor">
+            <a:schemeClr val="lt1"/>
+          </a:fontRef>
+        </p:style>
+        <p:txBody>
+          <a:bodyPr rtlCol="0" anchor="ctr"/>
+          <a:lstStyle/>
+          <a:p>
+            <a:pPr algn="ctr"/>
+            <a:endParaRPr lang="en-CA"/>
+          </a:p>
+        </p:txBody>
+      </p:sp>
+      <p:sp>
+        <p:nvSpPr>
+          <p:cNvPr id="12" name="Rectangle 11">
+            <a:extLst>
+              <a:ext uri="{FF2B5EF4-FFF2-40B4-BE49-F238E27FC236}">
+                <a16:creationId xmlns:a16="http://schemas.microsoft.com/office/drawing/2014/main" id="{02882763-962B-4BEA-80BC-1E8194B55018}"/>
+              </a:ext>
+            </a:extLst>
+          </p:cNvPr>
+          <p:cNvSpPr/>
+          <p:nvPr/>
+        </p:nvSpPr>
+        <p:spPr>
+          <a:xfrm>
+            <a:off x="4597212" y="2345962"/>
+            <a:ext cx="649905" cy="188006"/>
+          </a:xfrm>
+          <a:prstGeom prst="rect">
+            <a:avLst/>
+          </a:prstGeom>
+          <a:noFill/>
+          <a:ln w="57150">
+            <a:solidFill>
+              <a:srgbClr val="FF0000"/>
+            </a:solidFill>
+          </a:ln>
+        </p:spPr>
+        <p:style>
+          <a:lnRef idx="2">
+            <a:schemeClr val="accent1">
+              <a:shade val="50000"/>
+            </a:schemeClr>
+          </a:lnRef>
+          <a:fillRef idx="1">
+            <a:schemeClr val="accent1"/>
+          </a:fillRef>
+          <a:effectRef idx="0">
+            <a:schemeClr val="accent1"/>
+          </a:effectRef>
+          <a:fontRef idx="minor">
+            <a:schemeClr val="lt1"/>
+          </a:fontRef>
+        </p:style>
+        <p:txBody>
+          <a:bodyPr rtlCol="0" anchor="ctr"/>
+          <a:lstStyle/>
+          <a:p>
+            <a:pPr algn="ctr"/>
+            <a:endParaRPr lang="en-CA"/>
+          </a:p>
+        </p:txBody>
+      </p:sp>
+      <p:sp>
+        <p:nvSpPr>
+          <p:cNvPr id="13" name="Rectangle 12">
+            <a:extLst>
+              <a:ext uri="{FF2B5EF4-FFF2-40B4-BE49-F238E27FC236}">
+                <a16:creationId xmlns:a16="http://schemas.microsoft.com/office/drawing/2014/main" id="{25F91EA1-2603-4E4E-BC69-C9880467AD7D}"/>
+              </a:ext>
+            </a:extLst>
+          </p:cNvPr>
+          <p:cNvSpPr/>
+          <p:nvPr/>
+        </p:nvSpPr>
+        <p:spPr>
+          <a:xfrm>
+            <a:off x="2210513" y="1978494"/>
+            <a:ext cx="2062383" cy="249251"/>
           </a:xfrm>
           <a:prstGeom prst="rect">
             <a:avLst/>
@@ -4313,17 +7506,17 @@
           <a:p>
             <a:r>
               <a:rPr lang="en-CA" dirty="0"/>
-              <a:t>Dataset</a:t>
-            </a:r>
-          </a:p>
-        </p:txBody>
-      </p:sp>
-      <p:sp>
-        <p:nvSpPr>
-          <p:cNvPr id="5" name="Content Placeholder 4">
+              <a:t>Dataset - Hotel</a:t>
+            </a:r>
+          </a:p>
+        </p:txBody>
+      </p:sp>
+      <p:sp>
+        <p:nvSpPr>
+          <p:cNvPr id="9" name="Content Placeholder 8">
             <a:extLst>
               <a:ext uri="{FF2B5EF4-FFF2-40B4-BE49-F238E27FC236}">
-                <a16:creationId xmlns:a16="http://schemas.microsoft.com/office/drawing/2014/main" id="{E155A472-5A56-4DE9-ACA8-4BAE1707C66C}"/>
+                <a16:creationId xmlns:a16="http://schemas.microsoft.com/office/drawing/2014/main" id="{766C0530-1E74-42BA-AEE9-BE3333091E6D}"/>
               </a:ext>
             </a:extLst>
           </p:cNvPr>
@@ -4334,12 +7527,110 @@
             <p:ph sz="half" idx="2"/>
           </p:nvPr>
         </p:nvSpPr>
-        <p:spPr/>
-        <p:txBody>
-          <a:bodyPr/>
-          <a:lstStyle/>
-          <a:p>
-            <a:endParaRPr lang="en-CA"/>
+        <p:spPr>
+          <a:xfrm>
+            <a:off x="6370320" y="2103119"/>
+            <a:ext cx="4754880" cy="4319457"/>
+          </a:xfrm>
+        </p:spPr>
+        <p:txBody>
+          <a:bodyPr>
+            <a:normAutofit fontScale="92500" lnSpcReduction="10000"/>
+          </a:bodyPr>
+          <a:lstStyle/>
+          <a:p>
+            <a:r>
+              <a:rPr lang="en-CA" dirty="0"/>
+              <a:t>Hotel ID</a:t>
+            </a:r>
+          </a:p>
+          <a:p>
+            <a:pPr lvl="1"/>
+            <a:r>
+              <a:rPr lang="en-CA" dirty="0"/>
+              <a:t>Unique ID code combining the city and hotel ID</a:t>
+            </a:r>
+          </a:p>
+          <a:p>
+            <a:r>
+              <a:rPr lang="en-CA" dirty="0"/>
+              <a:t>Hotel Basic Information Section</a:t>
+            </a:r>
+          </a:p>
+          <a:p>
+            <a:pPr lvl="1"/>
+            <a:r>
+              <a:rPr lang="en-CA" dirty="0"/>
+              <a:t>Hotel name</a:t>
+            </a:r>
+          </a:p>
+          <a:p>
+            <a:pPr lvl="1"/>
+            <a:r>
+              <a:rPr lang="en-CA" dirty="0"/>
+              <a:t>Number of reviews</a:t>
+            </a:r>
+          </a:p>
+          <a:p>
+            <a:pPr lvl="1"/>
+            <a:r>
+              <a:rPr lang="en-CA" dirty="0"/>
+              <a:t>Hotel address</a:t>
+            </a:r>
+          </a:p>
+          <a:p>
+            <a:r>
+              <a:rPr lang="en-CA" dirty="0"/>
+              <a:t>About Section</a:t>
+            </a:r>
+          </a:p>
+          <a:p>
+            <a:pPr lvl="1"/>
+            <a:r>
+              <a:rPr lang="en-CA" dirty="0"/>
+              <a:t>Hotel blurb</a:t>
+            </a:r>
+          </a:p>
+          <a:p>
+            <a:pPr lvl="1"/>
+            <a:r>
+              <a:rPr lang="en-CA" dirty="0"/>
+              <a:t>Property amenities and Room features</a:t>
+            </a:r>
+          </a:p>
+          <a:p>
+            <a:pPr lvl="1"/>
+            <a:r>
+              <a:rPr lang="en-CA" dirty="0"/>
+              <a:t>Hotel star rating</a:t>
+            </a:r>
+          </a:p>
+          <a:p>
+            <a:r>
+              <a:rPr lang="en-CA" dirty="0"/>
+              <a:t>Location Section</a:t>
+            </a:r>
+          </a:p>
+          <a:p>
+            <a:pPr lvl="1"/>
+            <a:r>
+              <a:rPr lang="en-CA" dirty="0"/>
+              <a:t>Walkability score</a:t>
+            </a:r>
+          </a:p>
+          <a:p>
+            <a:pPr lvl="1"/>
+            <a:r>
+              <a:rPr lang="en-CA" dirty="0"/>
+              <a:t>Restaurants within distance</a:t>
+            </a:r>
+          </a:p>
+          <a:p>
+            <a:pPr lvl="1"/>
+            <a:r>
+              <a:rPr lang="en-CA" dirty="0"/>
+              <a:t>Attractions within distance</a:t>
+            </a:r>
           </a:p>
         </p:txBody>
       </p:sp>
@@ -4365,8 +7656,8 @@
         </p:blipFill>
         <p:spPr>
           <a:xfrm>
-            <a:off x="84876" y="1406737"/>
-            <a:ext cx="5290430" cy="885878"/>
+            <a:off x="504202" y="1586052"/>
+            <a:ext cx="4341845" cy="727038"/>
           </a:xfrm>
           <a:prstGeom prst="rect">
             <a:avLst/>
@@ -4394,8 +7685,8 @@
         </p:blipFill>
         <p:spPr>
           <a:xfrm>
-            <a:off x="350377" y="2289286"/>
-            <a:ext cx="3905429" cy="3926915"/>
+            <a:off x="504202" y="2375809"/>
+            <a:ext cx="3506505" cy="3525796"/>
           </a:xfrm>
           <a:prstGeom prst="rect">
             <a:avLst/>
@@ -4423,8 +7714,8 @@
         </p:blipFill>
         <p:spPr>
           <a:xfrm>
-            <a:off x="110514" y="6211147"/>
-            <a:ext cx="6238429" cy="532162"/>
+            <a:off x="504202" y="5989759"/>
+            <a:ext cx="5290431" cy="451294"/>
           </a:xfrm>
           <a:prstGeom prst="rect">
             <a:avLst/>
@@ -4445,14 +7736,616 @@
         </p:nvSpPr>
         <p:spPr>
           <a:xfrm>
-            <a:off x="194703" y="1598760"/>
-            <a:ext cx="4847315" cy="226865"/>
+            <a:off x="613448" y="1673621"/>
+            <a:ext cx="3924370" cy="298896"/>
           </a:xfrm>
           <a:prstGeom prst="rect">
             <a:avLst/>
           </a:prstGeom>
           <a:noFill/>
-          <a:ln w="57150">
+          <a:ln w="38100">
+            <a:solidFill>
+              <a:srgbClr val="FF0000"/>
+            </a:solidFill>
+          </a:ln>
+        </p:spPr>
+        <p:style>
+          <a:lnRef idx="2">
+            <a:schemeClr val="accent1">
+              <a:shade val="50000"/>
+            </a:schemeClr>
+          </a:lnRef>
+          <a:fillRef idx="1">
+            <a:schemeClr val="accent1"/>
+          </a:fillRef>
+          <a:effectRef idx="0">
+            <a:schemeClr val="accent1"/>
+          </a:effectRef>
+          <a:fontRef idx="minor">
+            <a:schemeClr val="lt1"/>
+          </a:fontRef>
+        </p:style>
+        <p:txBody>
+          <a:bodyPr rtlCol="0" anchor="ctr"/>
+          <a:lstStyle/>
+          <a:p>
+            <a:pPr algn="ctr"/>
+            <a:endParaRPr lang="en-CA"/>
+          </a:p>
+        </p:txBody>
+      </p:sp>
+      <p:sp>
+        <p:nvSpPr>
+          <p:cNvPr id="14" name="Rectangle 13">
+            <a:extLst>
+              <a:ext uri="{FF2B5EF4-FFF2-40B4-BE49-F238E27FC236}">
+                <a16:creationId xmlns:a16="http://schemas.microsoft.com/office/drawing/2014/main" id="{731E8A59-0696-4F2F-A5FA-676CA93D0B8D}"/>
+              </a:ext>
+            </a:extLst>
+          </p:cNvPr>
+          <p:cNvSpPr/>
+          <p:nvPr/>
+        </p:nvSpPr>
+        <p:spPr>
+          <a:xfrm>
+            <a:off x="752030" y="2102348"/>
+            <a:ext cx="1751888" cy="166273"/>
+          </a:xfrm>
+          <a:prstGeom prst="rect">
+            <a:avLst/>
+          </a:prstGeom>
+          <a:noFill/>
+          <a:ln w="38100">
+            <a:solidFill>
+              <a:srgbClr val="FF0000"/>
+            </a:solidFill>
+          </a:ln>
+        </p:spPr>
+        <p:style>
+          <a:lnRef idx="2">
+            <a:schemeClr val="accent1">
+              <a:shade val="50000"/>
+            </a:schemeClr>
+          </a:lnRef>
+          <a:fillRef idx="1">
+            <a:schemeClr val="accent1"/>
+          </a:fillRef>
+          <a:effectRef idx="0">
+            <a:schemeClr val="accent1"/>
+          </a:effectRef>
+          <a:fontRef idx="minor">
+            <a:schemeClr val="lt1"/>
+          </a:fontRef>
+        </p:style>
+        <p:txBody>
+          <a:bodyPr rtlCol="0" anchor="ctr"/>
+          <a:lstStyle/>
+          <a:p>
+            <a:pPr algn="ctr"/>
+            <a:endParaRPr lang="en-CA"/>
+          </a:p>
+        </p:txBody>
+      </p:sp>
+      <p:sp>
+        <p:nvSpPr>
+          <p:cNvPr id="15" name="Rectangle 14">
+            <a:extLst>
+              <a:ext uri="{FF2B5EF4-FFF2-40B4-BE49-F238E27FC236}">
+                <a16:creationId xmlns:a16="http://schemas.microsoft.com/office/drawing/2014/main" id="{42B258CE-BC63-46BB-B35F-4E315C708928}"/>
+              </a:ext>
+            </a:extLst>
+          </p:cNvPr>
+          <p:cNvSpPr/>
+          <p:nvPr/>
+        </p:nvSpPr>
+        <p:spPr>
+          <a:xfrm>
+            <a:off x="2575633" y="1974165"/>
+            <a:ext cx="723044" cy="136730"/>
+          </a:xfrm>
+          <a:prstGeom prst="rect">
+            <a:avLst/>
+          </a:prstGeom>
+          <a:noFill/>
+          <a:ln w="38100">
+            <a:solidFill>
+              <a:srgbClr val="FF0000"/>
+            </a:solidFill>
+          </a:ln>
+        </p:spPr>
+        <p:style>
+          <a:lnRef idx="2">
+            <a:schemeClr val="accent1">
+              <a:shade val="50000"/>
+            </a:schemeClr>
+          </a:lnRef>
+          <a:fillRef idx="1">
+            <a:schemeClr val="accent1"/>
+          </a:fillRef>
+          <a:effectRef idx="0">
+            <a:schemeClr val="accent1"/>
+          </a:effectRef>
+          <a:fontRef idx="minor">
+            <a:schemeClr val="lt1"/>
+          </a:fontRef>
+        </p:style>
+        <p:txBody>
+          <a:bodyPr rtlCol="0" anchor="ctr"/>
+          <a:lstStyle/>
+          <a:p>
+            <a:pPr algn="ctr"/>
+            <a:endParaRPr lang="en-CA"/>
+          </a:p>
+        </p:txBody>
+      </p:sp>
+      <p:sp>
+        <p:nvSpPr>
+          <p:cNvPr id="16" name="Rectangle 15">
+            <a:extLst>
+              <a:ext uri="{FF2B5EF4-FFF2-40B4-BE49-F238E27FC236}">
+                <a16:creationId xmlns:a16="http://schemas.microsoft.com/office/drawing/2014/main" id="{EC1346A2-14F9-42E8-B282-D4AE4084AAF3}"/>
+              </a:ext>
+            </a:extLst>
+          </p:cNvPr>
+          <p:cNvSpPr/>
+          <p:nvPr/>
+        </p:nvSpPr>
+        <p:spPr>
+          <a:xfrm>
+            <a:off x="504201" y="3865246"/>
+            <a:ext cx="1743283" cy="1057132"/>
+          </a:xfrm>
+          <a:prstGeom prst="rect">
+            <a:avLst/>
+          </a:prstGeom>
+          <a:noFill/>
+          <a:ln w="38100">
+            <a:solidFill>
+              <a:srgbClr val="FF0000"/>
+            </a:solidFill>
+          </a:ln>
+        </p:spPr>
+        <p:style>
+          <a:lnRef idx="2">
+            <a:schemeClr val="accent1">
+              <a:shade val="50000"/>
+            </a:schemeClr>
+          </a:lnRef>
+          <a:fillRef idx="1">
+            <a:schemeClr val="accent1"/>
+          </a:fillRef>
+          <a:effectRef idx="0">
+            <a:schemeClr val="accent1"/>
+          </a:effectRef>
+          <a:fontRef idx="minor">
+            <a:schemeClr val="lt1"/>
+          </a:fontRef>
+        </p:style>
+        <p:txBody>
+          <a:bodyPr rtlCol="0" anchor="ctr"/>
+          <a:lstStyle/>
+          <a:p>
+            <a:pPr algn="ctr"/>
+            <a:endParaRPr lang="en-CA"/>
+          </a:p>
+        </p:txBody>
+      </p:sp>
+      <p:sp>
+        <p:nvSpPr>
+          <p:cNvPr id="17" name="Rectangle 16">
+            <a:extLst>
+              <a:ext uri="{FF2B5EF4-FFF2-40B4-BE49-F238E27FC236}">
+                <a16:creationId xmlns:a16="http://schemas.microsoft.com/office/drawing/2014/main" id="{BA332739-7063-4B0A-8254-FBCD168DA1EA}"/>
+              </a:ext>
+            </a:extLst>
+          </p:cNvPr>
+          <p:cNvSpPr/>
+          <p:nvPr/>
+        </p:nvSpPr>
+        <p:spPr>
+          <a:xfrm>
+            <a:off x="2247483" y="2630236"/>
+            <a:ext cx="1675036" cy="1172291"/>
+          </a:xfrm>
+          <a:prstGeom prst="rect">
+            <a:avLst/>
+          </a:prstGeom>
+          <a:noFill/>
+          <a:ln w="38100">
+            <a:solidFill>
+              <a:srgbClr val="FF0000"/>
+            </a:solidFill>
+          </a:ln>
+        </p:spPr>
+        <p:style>
+          <a:lnRef idx="2">
+            <a:schemeClr val="accent1">
+              <a:shade val="50000"/>
+            </a:schemeClr>
+          </a:lnRef>
+          <a:fillRef idx="1">
+            <a:schemeClr val="accent1"/>
+          </a:fillRef>
+          <a:effectRef idx="0">
+            <a:schemeClr val="accent1"/>
+          </a:effectRef>
+          <a:fontRef idx="minor">
+            <a:schemeClr val="lt1"/>
+          </a:fontRef>
+        </p:style>
+        <p:txBody>
+          <a:bodyPr rtlCol="0" anchor="ctr"/>
+          <a:lstStyle/>
+          <a:p>
+            <a:pPr algn="ctr"/>
+            <a:endParaRPr lang="en-CA"/>
+          </a:p>
+        </p:txBody>
+      </p:sp>
+      <p:sp>
+        <p:nvSpPr>
+          <p:cNvPr id="18" name="Rectangle 17">
+            <a:extLst>
+              <a:ext uri="{FF2B5EF4-FFF2-40B4-BE49-F238E27FC236}">
+                <a16:creationId xmlns:a16="http://schemas.microsoft.com/office/drawing/2014/main" id="{6FE514A3-1824-49AB-B7F0-1208AAC440E0}"/>
+              </a:ext>
+            </a:extLst>
+          </p:cNvPr>
+          <p:cNvSpPr/>
+          <p:nvPr/>
+        </p:nvSpPr>
+        <p:spPr>
+          <a:xfrm>
+            <a:off x="2247484" y="3860852"/>
+            <a:ext cx="1675036" cy="1061525"/>
+          </a:xfrm>
+          <a:prstGeom prst="rect">
+            <a:avLst/>
+          </a:prstGeom>
+          <a:noFill/>
+          <a:ln w="38100">
+            <a:solidFill>
+              <a:srgbClr val="FF0000"/>
+            </a:solidFill>
+          </a:ln>
+        </p:spPr>
+        <p:style>
+          <a:lnRef idx="2">
+            <a:schemeClr val="accent1">
+              <a:shade val="50000"/>
+            </a:schemeClr>
+          </a:lnRef>
+          <a:fillRef idx="1">
+            <a:schemeClr val="accent1"/>
+          </a:fillRef>
+          <a:effectRef idx="0">
+            <a:schemeClr val="accent1"/>
+          </a:effectRef>
+          <a:fontRef idx="minor">
+            <a:schemeClr val="lt1"/>
+          </a:fontRef>
+        </p:style>
+        <p:txBody>
+          <a:bodyPr rtlCol="0" anchor="ctr"/>
+          <a:lstStyle/>
+          <a:p>
+            <a:pPr algn="ctr"/>
+            <a:endParaRPr lang="en-CA"/>
+          </a:p>
+        </p:txBody>
+      </p:sp>
+      <p:sp>
+        <p:nvSpPr>
+          <p:cNvPr id="20" name="Rectangle 19">
+            <a:extLst>
+              <a:ext uri="{FF2B5EF4-FFF2-40B4-BE49-F238E27FC236}">
+                <a16:creationId xmlns:a16="http://schemas.microsoft.com/office/drawing/2014/main" id="{21CA2EAE-B02A-4B5A-A706-A84CD79CF2C2}"/>
+              </a:ext>
+            </a:extLst>
+          </p:cNvPr>
+          <p:cNvSpPr/>
+          <p:nvPr/>
+        </p:nvSpPr>
+        <p:spPr>
+          <a:xfrm>
+            <a:off x="2292943" y="5649186"/>
+            <a:ext cx="458804" cy="202974"/>
+          </a:xfrm>
+          <a:prstGeom prst="rect">
+            <a:avLst/>
+          </a:prstGeom>
+          <a:noFill/>
+          <a:ln w="38100">
+            <a:solidFill>
+              <a:srgbClr val="FF0000"/>
+            </a:solidFill>
+          </a:ln>
+        </p:spPr>
+        <p:style>
+          <a:lnRef idx="2">
+            <a:schemeClr val="accent1">
+              <a:shade val="50000"/>
+            </a:schemeClr>
+          </a:lnRef>
+          <a:fillRef idx="1">
+            <a:schemeClr val="accent1"/>
+          </a:fillRef>
+          <a:effectRef idx="0">
+            <a:schemeClr val="accent1"/>
+          </a:effectRef>
+          <a:fontRef idx="minor">
+            <a:schemeClr val="lt1"/>
+          </a:fontRef>
+        </p:style>
+        <p:txBody>
+          <a:bodyPr rtlCol="0" anchor="ctr"/>
+          <a:lstStyle/>
+          <a:p>
+            <a:pPr algn="ctr"/>
+            <a:endParaRPr lang="en-CA"/>
+          </a:p>
+        </p:txBody>
+      </p:sp>
+      <p:sp>
+        <p:nvSpPr>
+          <p:cNvPr id="22" name="Rectangle 21">
+            <a:extLst>
+              <a:ext uri="{FF2B5EF4-FFF2-40B4-BE49-F238E27FC236}">
+                <a16:creationId xmlns:a16="http://schemas.microsoft.com/office/drawing/2014/main" id="{F28E421A-4DC3-414A-ABB8-CA58A98C95FD}"/>
+              </a:ext>
+            </a:extLst>
+          </p:cNvPr>
+          <p:cNvSpPr/>
+          <p:nvPr/>
+        </p:nvSpPr>
+        <p:spPr>
+          <a:xfrm>
+            <a:off x="504201" y="5989758"/>
+            <a:ext cx="562600" cy="432819"/>
+          </a:xfrm>
+          <a:prstGeom prst="rect">
+            <a:avLst/>
+          </a:prstGeom>
+          <a:noFill/>
+          <a:ln w="38100">
+            <a:solidFill>
+              <a:srgbClr val="FF0000"/>
+            </a:solidFill>
+          </a:ln>
+        </p:spPr>
+        <p:style>
+          <a:lnRef idx="2">
+            <a:schemeClr val="accent1">
+              <a:shade val="50000"/>
+            </a:schemeClr>
+          </a:lnRef>
+          <a:fillRef idx="1">
+            <a:schemeClr val="accent1"/>
+          </a:fillRef>
+          <a:effectRef idx="0">
+            <a:schemeClr val="accent1"/>
+          </a:effectRef>
+          <a:fontRef idx="minor">
+            <a:schemeClr val="lt1"/>
+          </a:fontRef>
+        </p:style>
+        <p:txBody>
+          <a:bodyPr rtlCol="0" anchor="ctr"/>
+          <a:lstStyle/>
+          <a:p>
+            <a:pPr algn="ctr"/>
+            <a:endParaRPr lang="en-CA"/>
+          </a:p>
+        </p:txBody>
+      </p:sp>
+      <p:sp>
+        <p:nvSpPr>
+          <p:cNvPr id="25" name="Rectangle 24">
+            <a:extLst>
+              <a:ext uri="{FF2B5EF4-FFF2-40B4-BE49-F238E27FC236}">
+                <a16:creationId xmlns:a16="http://schemas.microsoft.com/office/drawing/2014/main" id="{1D41DB29-A39C-496E-B1BC-D0B81C70C011}"/>
+              </a:ext>
+            </a:extLst>
+          </p:cNvPr>
+          <p:cNvSpPr/>
+          <p:nvPr/>
+        </p:nvSpPr>
+        <p:spPr>
+          <a:xfrm>
+            <a:off x="2374306" y="5989757"/>
+            <a:ext cx="1308932" cy="451294"/>
+          </a:xfrm>
+          <a:prstGeom prst="rect">
+            <a:avLst/>
+          </a:prstGeom>
+          <a:noFill/>
+          <a:ln w="38100">
+            <a:solidFill>
+              <a:srgbClr val="FF0000"/>
+            </a:solidFill>
+          </a:ln>
+        </p:spPr>
+        <p:style>
+          <a:lnRef idx="2">
+            <a:schemeClr val="accent1">
+              <a:shade val="50000"/>
+            </a:schemeClr>
+          </a:lnRef>
+          <a:fillRef idx="1">
+            <a:schemeClr val="accent1"/>
+          </a:fillRef>
+          <a:effectRef idx="0">
+            <a:schemeClr val="accent1"/>
+          </a:effectRef>
+          <a:fontRef idx="minor">
+            <a:schemeClr val="lt1"/>
+          </a:fontRef>
+        </p:style>
+        <p:txBody>
+          <a:bodyPr rtlCol="0" anchor="ctr"/>
+          <a:lstStyle/>
+          <a:p>
+            <a:pPr algn="ctr"/>
+            <a:endParaRPr lang="en-CA"/>
+          </a:p>
+        </p:txBody>
+      </p:sp>
+      <p:sp>
+        <p:nvSpPr>
+          <p:cNvPr id="26" name="Rectangle 25">
+            <a:extLst>
+              <a:ext uri="{FF2B5EF4-FFF2-40B4-BE49-F238E27FC236}">
+                <a16:creationId xmlns:a16="http://schemas.microsoft.com/office/drawing/2014/main" id="{B0EDB0B4-30F7-47FE-8AB5-E960BAF8B943}"/>
+              </a:ext>
+            </a:extLst>
+          </p:cNvPr>
+          <p:cNvSpPr/>
+          <p:nvPr/>
+        </p:nvSpPr>
+        <p:spPr>
+          <a:xfrm>
+            <a:off x="4272896" y="6005427"/>
+            <a:ext cx="1247861" cy="451294"/>
+          </a:xfrm>
+          <a:prstGeom prst="rect">
+            <a:avLst/>
+          </a:prstGeom>
+          <a:noFill/>
+          <a:ln w="38100">
+            <a:solidFill>
+              <a:srgbClr val="FF0000"/>
+            </a:solidFill>
+          </a:ln>
+        </p:spPr>
+        <p:style>
+          <a:lnRef idx="2">
+            <a:schemeClr val="accent1">
+              <a:shade val="50000"/>
+            </a:schemeClr>
+          </a:lnRef>
+          <a:fillRef idx="1">
+            <a:schemeClr val="accent1"/>
+          </a:fillRef>
+          <a:effectRef idx="0">
+            <a:schemeClr val="accent1"/>
+          </a:effectRef>
+          <a:fontRef idx="minor">
+            <a:schemeClr val="lt1"/>
+          </a:fontRef>
+        </p:style>
+        <p:txBody>
+          <a:bodyPr rtlCol="0" anchor="ctr"/>
+          <a:lstStyle/>
+          <a:p>
+            <a:pPr algn="ctr"/>
+            <a:endParaRPr lang="en-CA"/>
+          </a:p>
+        </p:txBody>
+      </p:sp>
+      <p:sp>
+        <p:nvSpPr>
+          <p:cNvPr id="27" name="Rectangle 26">
+            <a:extLst>
+              <a:ext uri="{FF2B5EF4-FFF2-40B4-BE49-F238E27FC236}">
+                <a16:creationId xmlns:a16="http://schemas.microsoft.com/office/drawing/2014/main" id="{E4DD49DB-1CA2-4F12-B26F-2F820F703EFC}"/>
+              </a:ext>
+            </a:extLst>
+          </p:cNvPr>
+          <p:cNvSpPr/>
+          <p:nvPr/>
+        </p:nvSpPr>
+        <p:spPr>
+          <a:xfrm>
+            <a:off x="1135667" y="1972517"/>
+            <a:ext cx="556400" cy="129831"/>
+          </a:xfrm>
+          <a:prstGeom prst="rect">
+            <a:avLst/>
+          </a:prstGeom>
+          <a:noFill/>
+          <a:ln w="38100">
+            <a:solidFill>
+              <a:srgbClr val="FF0000"/>
+            </a:solidFill>
+          </a:ln>
+        </p:spPr>
+        <p:style>
+          <a:lnRef idx="2">
+            <a:schemeClr val="accent1">
+              <a:shade val="50000"/>
+            </a:schemeClr>
+          </a:lnRef>
+          <a:fillRef idx="1">
+            <a:schemeClr val="accent1"/>
+          </a:fillRef>
+          <a:effectRef idx="0">
+            <a:schemeClr val="accent1"/>
+          </a:effectRef>
+          <a:fontRef idx="minor">
+            <a:schemeClr val="lt1"/>
+          </a:fontRef>
+        </p:style>
+        <p:txBody>
+          <a:bodyPr rtlCol="0" anchor="ctr"/>
+          <a:lstStyle/>
+          <a:p>
+            <a:pPr algn="ctr"/>
+            <a:endParaRPr lang="en-CA"/>
+          </a:p>
+        </p:txBody>
+      </p:sp>
+      <p:pic>
+        <p:nvPicPr>
+          <p:cNvPr id="13" name="Picture 12">
+            <a:extLst>
+              <a:ext uri="{FF2B5EF4-FFF2-40B4-BE49-F238E27FC236}">
+                <a16:creationId xmlns:a16="http://schemas.microsoft.com/office/drawing/2014/main" id="{2BADC600-C968-4855-BD16-A4EB10D56296}"/>
+              </a:ext>
+            </a:extLst>
+          </p:cNvPr>
+          <p:cNvPicPr>
+            <a:picLocks noChangeAspect="1"/>
+          </p:cNvPicPr>
+          <p:nvPr/>
+        </p:nvPicPr>
+        <p:blipFill>
+          <a:blip r:embed="rId5"/>
+          <a:stretch>
+            <a:fillRect/>
+          </a:stretch>
+        </p:blipFill>
+        <p:spPr>
+          <a:xfrm>
+            <a:off x="504201" y="562289"/>
+            <a:ext cx="9859751" cy="247685"/>
+          </a:xfrm>
+          <a:prstGeom prst="rect">
+            <a:avLst/>
+          </a:prstGeom>
+        </p:spPr>
+      </p:pic>
+      <p:sp>
+        <p:nvSpPr>
+          <p:cNvPr id="28" name="Rectangle 27">
+            <a:extLst>
+              <a:ext uri="{FF2B5EF4-FFF2-40B4-BE49-F238E27FC236}">
+                <a16:creationId xmlns:a16="http://schemas.microsoft.com/office/drawing/2014/main" id="{344D6B5E-8100-4A89-B900-EFF8E066C7C8}"/>
+              </a:ext>
+            </a:extLst>
+          </p:cNvPr>
+          <p:cNvSpPr/>
+          <p:nvPr/>
+        </p:nvSpPr>
+        <p:spPr>
+          <a:xfrm>
+            <a:off x="2292943" y="593149"/>
+            <a:ext cx="1227924" cy="216825"/>
+          </a:xfrm>
+          <a:prstGeom prst="rect">
+            <a:avLst/>
+          </a:prstGeom>
+          <a:noFill/>
+          <a:ln w="38100">
             <a:solidFill>
               <a:srgbClr val="FF0000"/>
             </a:solidFill>
@@ -4513,46 +8406,19 @@
           <a:chExt cx="0" cy="0"/>
         </a:xfrm>
       </p:grpSpPr>
-      <p:sp>
-        <p:nvSpPr>
-          <p:cNvPr id="2" name="Title 1">
+      <p:pic>
+        <p:nvPicPr>
+          <p:cNvPr id="11" name="Picture 10">
             <a:extLst>
               <a:ext uri="{FF2B5EF4-FFF2-40B4-BE49-F238E27FC236}">
-                <a16:creationId xmlns:a16="http://schemas.microsoft.com/office/drawing/2014/main" id="{FD9A82D1-A85E-4B3A-A920-523B8B20FA50}"/>
-              </a:ext>
-            </a:extLst>
-          </p:cNvPr>
-          <p:cNvSpPr>
-            <a:spLocks noGrp="1"/>
-          </p:cNvSpPr>
-          <p:nvPr>
-            <p:ph type="title"/>
-          </p:nvPr>
-        </p:nvSpPr>
-        <p:spPr/>
-        <p:txBody>
-          <a:bodyPr/>
-          <a:lstStyle/>
-          <a:p>
-            <a:endParaRPr lang="en-CA"/>
-          </a:p>
-        </p:txBody>
-      </p:sp>
-      <p:pic>
-        <p:nvPicPr>
-          <p:cNvPr id="6" name="Content Placeholder 5">
-            <a:extLst>
-              <a:ext uri="{FF2B5EF4-FFF2-40B4-BE49-F238E27FC236}">
-                <a16:creationId xmlns:a16="http://schemas.microsoft.com/office/drawing/2014/main" id="{E521C7C6-008C-48E7-8150-D38F5B4EC9E3}"/>
+                <a16:creationId xmlns:a16="http://schemas.microsoft.com/office/drawing/2014/main" id="{80630F61-FCDA-4A95-94FA-8E558AD18994}"/>
               </a:ext>
             </a:extLst>
           </p:cNvPr>
           <p:cNvPicPr>
-            <a:picLocks noGrp="1" noChangeAspect="1"/>
+            <a:picLocks noChangeAspect="1"/>
           </p:cNvPicPr>
-          <p:nvPr>
-            <p:ph sz="half" idx="1"/>
-          </p:nvPr>
+          <p:nvPr/>
         </p:nvPicPr>
         <p:blipFill>
           <a:blip r:embed="rId2"/>
@@ -4562,11 +8428,42 @@
         </p:blipFill>
         <p:spPr>
           <a:xfrm>
-            <a:off x="547643" y="2587206"/>
-            <a:ext cx="5181600" cy="2828176"/>
-          </a:xfrm>
+            <a:off x="536534" y="2412425"/>
+            <a:ext cx="5559466" cy="3130430"/>
+          </a:xfrm>
+          <a:prstGeom prst="rect">
+            <a:avLst/>
+          </a:prstGeom>
         </p:spPr>
       </p:pic>
+      <p:sp>
+        <p:nvSpPr>
+          <p:cNvPr id="2" name="Title 1">
+            <a:extLst>
+              <a:ext uri="{FF2B5EF4-FFF2-40B4-BE49-F238E27FC236}">
+                <a16:creationId xmlns:a16="http://schemas.microsoft.com/office/drawing/2014/main" id="{FD9A82D1-A85E-4B3A-A920-523B8B20FA50}"/>
+              </a:ext>
+            </a:extLst>
+          </p:cNvPr>
+          <p:cNvSpPr>
+            <a:spLocks noGrp="1"/>
+          </p:cNvSpPr>
+          <p:nvPr>
+            <p:ph type="title"/>
+          </p:nvPr>
+        </p:nvSpPr>
+        <p:spPr/>
+        <p:txBody>
+          <a:bodyPr/>
+          <a:lstStyle/>
+          <a:p>
+            <a:r>
+              <a:rPr lang="en-CA" dirty="0"/>
+              <a:t>Dataset - Review</a:t>
+            </a:r>
+          </a:p>
+        </p:txBody>
+      </p:sp>
       <p:sp>
         <p:nvSpPr>
           <p:cNvPr id="4" name="Content Placeholder 3">
@@ -4583,11 +8480,411 @@
             <p:ph sz="half" idx="2"/>
           </p:nvPr>
         </p:nvSpPr>
-        <p:spPr/>
-        <p:txBody>
-          <a:bodyPr/>
-          <a:lstStyle/>
-          <a:p>
+        <p:spPr>
+          <a:xfrm>
+            <a:off x="6370320" y="2103120"/>
+            <a:ext cx="4754880" cy="4280588"/>
+          </a:xfrm>
+        </p:spPr>
+        <p:txBody>
+          <a:bodyPr>
+            <a:normAutofit fontScale="92500"/>
+          </a:bodyPr>
+          <a:lstStyle/>
+          <a:p>
+            <a:r>
+              <a:rPr lang="en-CA" dirty="0"/>
+              <a:t>Hotel ID</a:t>
+            </a:r>
+          </a:p>
+          <a:p>
+            <a:r>
+              <a:rPr lang="en-CA" dirty="0"/>
+              <a:t>Review Information</a:t>
+            </a:r>
+          </a:p>
+          <a:p>
+            <a:pPr lvl="1"/>
+            <a:r>
+              <a:rPr lang="en-CA" dirty="0"/>
+              <a:t>Star rating</a:t>
+            </a:r>
+          </a:p>
+          <a:p>
+            <a:pPr lvl="1"/>
+            <a:r>
+              <a:rPr lang="en-CA" dirty="0"/>
+              <a:t>Title</a:t>
+            </a:r>
+          </a:p>
+          <a:p>
+            <a:pPr lvl="1"/>
+            <a:r>
+              <a:rPr lang="en-CA" dirty="0"/>
+              <a:t>Text of the actual review</a:t>
+            </a:r>
+          </a:p>
+          <a:p>
+            <a:pPr lvl="1"/>
+            <a:r>
+              <a:rPr lang="en-CA" dirty="0"/>
+              <a:t>Date of the stay</a:t>
+            </a:r>
+          </a:p>
+          <a:p>
+            <a:r>
+              <a:rPr lang="en-CA" dirty="0"/>
+              <a:t>Reviewer Information</a:t>
+            </a:r>
+          </a:p>
+          <a:p>
+            <a:pPr lvl="1"/>
+            <a:r>
+              <a:rPr lang="en-CA" dirty="0"/>
+              <a:t>Date review written</a:t>
+            </a:r>
+          </a:p>
+          <a:p>
+            <a:pPr lvl="1"/>
+            <a:r>
+              <a:rPr lang="en-CA" dirty="0"/>
+              <a:t>Reviewer home location</a:t>
+            </a:r>
+          </a:p>
+          <a:p>
+            <a:r>
+              <a:rPr lang="en-CA" dirty="0"/>
+              <a:t>Maximum of 4000 reviews per hotel</a:t>
+            </a:r>
+          </a:p>
+          <a:p>
+            <a:pPr lvl="1"/>
+            <a:r>
+              <a:rPr lang="en-CA" dirty="0"/>
+              <a:t>Necessary, as many large hotels have 30,000+ reviews, and reviews are displayed in increments of 5.</a:t>
+            </a:r>
+          </a:p>
+          <a:p>
+            <a:pPr lvl="1"/>
+            <a:r>
+              <a:rPr lang="en-CA" dirty="0"/>
+              <a:t>For most highly reviewed hotels, this puts us into reviews from 2017.</a:t>
+            </a:r>
+          </a:p>
+          <a:p>
+            <a:pPr lvl="1"/>
+            <a:endParaRPr lang="en-CA" dirty="0"/>
+          </a:p>
+        </p:txBody>
+      </p:sp>
+      <p:sp>
+        <p:nvSpPr>
+          <p:cNvPr id="5" name="Rectangle 4">
+            <a:extLst>
+              <a:ext uri="{FF2B5EF4-FFF2-40B4-BE49-F238E27FC236}">
+                <a16:creationId xmlns:a16="http://schemas.microsoft.com/office/drawing/2014/main" id="{C004B73F-12D0-4BD0-9503-D0333FD3B672}"/>
+              </a:ext>
+            </a:extLst>
+          </p:cNvPr>
+          <p:cNvSpPr/>
+          <p:nvPr/>
+        </p:nvSpPr>
+        <p:spPr>
+          <a:xfrm>
+            <a:off x="741634" y="3352088"/>
+            <a:ext cx="4932773" cy="458572"/>
+          </a:xfrm>
+          <a:prstGeom prst="rect">
+            <a:avLst/>
+          </a:prstGeom>
+          <a:noFill/>
+          <a:ln w="38100">
+            <a:solidFill>
+              <a:srgbClr val="FF0000"/>
+            </a:solidFill>
+          </a:ln>
+        </p:spPr>
+        <p:style>
+          <a:lnRef idx="2">
+            <a:schemeClr val="accent1">
+              <a:shade val="50000"/>
+            </a:schemeClr>
+          </a:lnRef>
+          <a:fillRef idx="1">
+            <a:schemeClr val="accent1"/>
+          </a:fillRef>
+          <a:effectRef idx="0">
+            <a:schemeClr val="accent1"/>
+          </a:effectRef>
+          <a:fontRef idx="minor">
+            <a:schemeClr val="lt1"/>
+          </a:fontRef>
+        </p:style>
+        <p:txBody>
+          <a:bodyPr rtlCol="0" anchor="ctr"/>
+          <a:lstStyle/>
+          <a:p>
+            <a:pPr algn="ctr"/>
+            <a:endParaRPr lang="en-CA"/>
+          </a:p>
+        </p:txBody>
+      </p:sp>
+      <p:sp>
+        <p:nvSpPr>
+          <p:cNvPr id="7" name="Rectangle 6">
+            <a:extLst>
+              <a:ext uri="{FF2B5EF4-FFF2-40B4-BE49-F238E27FC236}">
+                <a16:creationId xmlns:a16="http://schemas.microsoft.com/office/drawing/2014/main" id="{0A64FB64-936F-456C-93E5-140D6D1625B6}"/>
+              </a:ext>
+            </a:extLst>
+          </p:cNvPr>
+          <p:cNvSpPr/>
+          <p:nvPr/>
+        </p:nvSpPr>
+        <p:spPr>
+          <a:xfrm>
+            <a:off x="740209" y="3025209"/>
+            <a:ext cx="678393" cy="139921"/>
+          </a:xfrm>
+          <a:prstGeom prst="rect">
+            <a:avLst/>
+          </a:prstGeom>
+          <a:noFill/>
+          <a:ln w="38100">
+            <a:solidFill>
+              <a:srgbClr val="FF0000"/>
+            </a:solidFill>
+          </a:ln>
+        </p:spPr>
+        <p:style>
+          <a:lnRef idx="2">
+            <a:schemeClr val="accent1">
+              <a:shade val="50000"/>
+            </a:schemeClr>
+          </a:lnRef>
+          <a:fillRef idx="1">
+            <a:schemeClr val="accent1"/>
+          </a:fillRef>
+          <a:effectRef idx="0">
+            <a:schemeClr val="accent1"/>
+          </a:effectRef>
+          <a:fontRef idx="minor">
+            <a:schemeClr val="lt1"/>
+          </a:fontRef>
+        </p:style>
+        <p:txBody>
+          <a:bodyPr rtlCol="0" anchor="ctr"/>
+          <a:lstStyle/>
+          <a:p>
+            <a:pPr algn="ctr"/>
+            <a:endParaRPr lang="en-CA"/>
+          </a:p>
+        </p:txBody>
+      </p:sp>
+      <p:sp>
+        <p:nvSpPr>
+          <p:cNvPr id="8" name="Rectangle 7">
+            <a:extLst>
+              <a:ext uri="{FF2B5EF4-FFF2-40B4-BE49-F238E27FC236}">
+                <a16:creationId xmlns:a16="http://schemas.microsoft.com/office/drawing/2014/main" id="{F9983A16-4440-4BAF-A68E-1AA8169F6184}"/>
+              </a:ext>
+            </a:extLst>
+          </p:cNvPr>
+          <p:cNvSpPr/>
+          <p:nvPr/>
+        </p:nvSpPr>
+        <p:spPr>
+          <a:xfrm>
+            <a:off x="740209" y="3165130"/>
+            <a:ext cx="1242415" cy="186958"/>
+          </a:xfrm>
+          <a:prstGeom prst="rect">
+            <a:avLst/>
+          </a:prstGeom>
+          <a:noFill/>
+          <a:ln w="38100">
+            <a:solidFill>
+              <a:srgbClr val="FF0000"/>
+            </a:solidFill>
+          </a:ln>
+        </p:spPr>
+        <p:style>
+          <a:lnRef idx="2">
+            <a:schemeClr val="accent1">
+              <a:shade val="50000"/>
+            </a:schemeClr>
+          </a:lnRef>
+          <a:fillRef idx="1">
+            <a:schemeClr val="accent1"/>
+          </a:fillRef>
+          <a:effectRef idx="0">
+            <a:schemeClr val="accent1"/>
+          </a:effectRef>
+          <a:fontRef idx="minor">
+            <a:schemeClr val="lt1"/>
+          </a:fontRef>
+        </p:style>
+        <p:txBody>
+          <a:bodyPr rtlCol="0" anchor="ctr"/>
+          <a:lstStyle/>
+          <a:p>
+            <a:pPr algn="ctr"/>
+            <a:endParaRPr lang="en-CA"/>
+          </a:p>
+        </p:txBody>
+      </p:sp>
+      <p:sp>
+        <p:nvSpPr>
+          <p:cNvPr id="9" name="Rectangle 8">
+            <a:extLst>
+              <a:ext uri="{FF2B5EF4-FFF2-40B4-BE49-F238E27FC236}">
+                <a16:creationId xmlns:a16="http://schemas.microsoft.com/office/drawing/2014/main" id="{D737A98D-9221-4D1C-B1D8-9C54CA24525E}"/>
+              </a:ext>
+            </a:extLst>
+          </p:cNvPr>
+          <p:cNvSpPr/>
+          <p:nvPr/>
+        </p:nvSpPr>
+        <p:spPr>
+          <a:xfrm>
+            <a:off x="1304231" y="4116677"/>
+            <a:ext cx="678393" cy="139921"/>
+          </a:xfrm>
+          <a:prstGeom prst="rect">
+            <a:avLst/>
+          </a:prstGeom>
+          <a:noFill/>
+          <a:ln w="38100">
+            <a:solidFill>
+              <a:srgbClr val="FF0000"/>
+            </a:solidFill>
+          </a:ln>
+        </p:spPr>
+        <p:style>
+          <a:lnRef idx="2">
+            <a:schemeClr val="accent1">
+              <a:shade val="50000"/>
+            </a:schemeClr>
+          </a:lnRef>
+          <a:fillRef idx="1">
+            <a:schemeClr val="accent1"/>
+          </a:fillRef>
+          <a:effectRef idx="0">
+            <a:schemeClr val="accent1"/>
+          </a:effectRef>
+          <a:fontRef idx="minor">
+            <a:schemeClr val="lt1"/>
+          </a:fontRef>
+        </p:style>
+        <p:txBody>
+          <a:bodyPr rtlCol="0" anchor="ctr"/>
+          <a:lstStyle/>
+          <a:p>
+            <a:pPr algn="ctr"/>
+            <a:endParaRPr lang="en-CA"/>
+          </a:p>
+        </p:txBody>
+      </p:sp>
+      <p:sp>
+        <p:nvSpPr>
+          <p:cNvPr id="10" name="Rectangle 9">
+            <a:extLst>
+              <a:ext uri="{FF2B5EF4-FFF2-40B4-BE49-F238E27FC236}">
+                <a16:creationId xmlns:a16="http://schemas.microsoft.com/office/drawing/2014/main" id="{CE0B158A-A7B7-4239-AC5E-7D93A23B0B83}"/>
+              </a:ext>
+            </a:extLst>
+          </p:cNvPr>
+          <p:cNvSpPr/>
+          <p:nvPr/>
+        </p:nvSpPr>
+        <p:spPr>
+          <a:xfrm>
+            <a:off x="1965532" y="2519601"/>
+            <a:ext cx="512748" cy="186957"/>
+          </a:xfrm>
+          <a:prstGeom prst="rect">
+            <a:avLst/>
+          </a:prstGeom>
+          <a:noFill/>
+          <a:ln w="38100">
+            <a:solidFill>
+              <a:srgbClr val="FF0000"/>
+            </a:solidFill>
+          </a:ln>
+        </p:spPr>
+        <p:style>
+          <a:lnRef idx="2">
+            <a:schemeClr val="accent1">
+              <a:shade val="50000"/>
+            </a:schemeClr>
+          </a:lnRef>
+          <a:fillRef idx="1">
+            <a:schemeClr val="accent1"/>
+          </a:fillRef>
+          <a:effectRef idx="0">
+            <a:schemeClr val="accent1"/>
+          </a:effectRef>
+          <a:fontRef idx="minor">
+            <a:schemeClr val="lt1"/>
+          </a:fontRef>
+        </p:style>
+        <p:txBody>
+          <a:bodyPr rtlCol="0" anchor="ctr"/>
+          <a:lstStyle/>
+          <a:p>
+            <a:pPr algn="ctr"/>
+            <a:endParaRPr lang="en-CA"/>
+          </a:p>
+        </p:txBody>
+      </p:sp>
+      <p:sp>
+        <p:nvSpPr>
+          <p:cNvPr id="14" name="Rectangle 13">
+            <a:extLst>
+              <a:ext uri="{FF2B5EF4-FFF2-40B4-BE49-F238E27FC236}">
+                <a16:creationId xmlns:a16="http://schemas.microsoft.com/office/drawing/2014/main" id="{348E9716-C6E4-4A9E-BD59-56BA73E91BA0}"/>
+              </a:ext>
+            </a:extLst>
+          </p:cNvPr>
+          <p:cNvSpPr/>
+          <p:nvPr/>
+        </p:nvSpPr>
+        <p:spPr>
+          <a:xfrm>
+            <a:off x="1178463" y="2711936"/>
+            <a:ext cx="932347" cy="134544"/>
+          </a:xfrm>
+          <a:prstGeom prst="rect">
+            <a:avLst/>
+          </a:prstGeom>
+          <a:noFill/>
+          <a:ln w="38100">
+            <a:solidFill>
+              <a:srgbClr val="FF0000"/>
+            </a:solidFill>
+          </a:ln>
+        </p:spPr>
+        <p:style>
+          <a:lnRef idx="2">
+            <a:schemeClr val="accent1">
+              <a:shade val="50000"/>
+            </a:schemeClr>
+          </a:lnRef>
+          <a:fillRef idx="1">
+            <a:schemeClr val="accent1"/>
+          </a:fillRef>
+          <a:effectRef idx="0">
+            <a:schemeClr val="accent1"/>
+          </a:effectRef>
+          <a:fontRef idx="minor">
+            <a:schemeClr val="lt1"/>
+          </a:fontRef>
+        </p:style>
+        <p:txBody>
+          <a:bodyPr rtlCol="0" anchor="ctr"/>
+          <a:lstStyle/>
+          <a:p>
+            <a:pPr algn="ctr"/>
             <a:endParaRPr lang="en-CA"/>
           </a:p>
         </p:txBody>
@@ -4652,10 +8949,10 @@
       </p:sp>
       <p:sp>
         <p:nvSpPr>
-          <p:cNvPr id="3" name="Content Placeholder 2">
+          <p:cNvPr id="4" name="Text Placeholder 3">
             <a:extLst>
               <a:ext uri="{FF2B5EF4-FFF2-40B4-BE49-F238E27FC236}">
-                <a16:creationId xmlns:a16="http://schemas.microsoft.com/office/drawing/2014/main" id="{8EE15F2A-2185-44FB-97C0-5E3D6CF47290}"/>
+                <a16:creationId xmlns:a16="http://schemas.microsoft.com/office/drawing/2014/main" id="{EC073FB3-87CC-4FB7-A878-CD8F0B46DDE0}"/>
               </a:ext>
             </a:extLst>
           </p:cNvPr>
@@ -4663,7 +8960,7 @@
             <a:spLocks noGrp="1"/>
           </p:cNvSpPr>
           <p:nvPr>
-            <p:ph idx="1"/>
+            <p:ph type="body" idx="1"/>
           </p:nvPr>
         </p:nvSpPr>
         <p:spPr/>
@@ -4671,7 +8968,224 @@
           <a:bodyPr/>
           <a:lstStyle/>
           <a:p>
-            <a:endParaRPr lang="en-CA"/>
+            <a:r>
+              <a:rPr lang="en-CA" b="1" dirty="0">
+                <a:solidFill>
+                  <a:schemeClr val="tx1"/>
+                </a:solidFill>
+              </a:rPr>
+              <a:t>Hotel Database</a:t>
+            </a:r>
+          </a:p>
+        </p:txBody>
+      </p:sp>
+      <p:sp>
+        <p:nvSpPr>
+          <p:cNvPr id="5" name="Content Placeholder 4">
+            <a:extLst>
+              <a:ext uri="{FF2B5EF4-FFF2-40B4-BE49-F238E27FC236}">
+                <a16:creationId xmlns:a16="http://schemas.microsoft.com/office/drawing/2014/main" id="{7CD37B6E-5372-48AA-9297-8A9F53CA124B}"/>
+              </a:ext>
+            </a:extLst>
+          </p:cNvPr>
+          <p:cNvSpPr>
+            <a:spLocks noGrp="1"/>
+          </p:cNvSpPr>
+          <p:nvPr>
+            <p:ph sz="half" idx="2"/>
+          </p:nvPr>
+        </p:nvSpPr>
+        <p:spPr/>
+        <p:txBody>
+          <a:bodyPr>
+            <a:normAutofit lnSpcReduction="10000"/>
+          </a:bodyPr>
+          <a:lstStyle/>
+          <a:p>
+            <a:r>
+              <a:rPr lang="en-CA" dirty="0"/>
+              <a:t>Parse state from the hotel address</a:t>
+            </a:r>
+          </a:p>
+          <a:p>
+            <a:pPr lvl="1"/>
+            <a:r>
+              <a:rPr lang="en-CA" dirty="0"/>
+              <a:t>Some hotels served major cities, but were not technically within the city boundaries (</a:t>
+            </a:r>
+            <a:r>
+              <a:rPr lang="en-CA" dirty="0" err="1"/>
+              <a:t>eg</a:t>
+            </a:r>
+            <a:r>
+              <a:rPr lang="en-CA" dirty="0"/>
+              <a:t>, </a:t>
+            </a:r>
+            <a:r>
+              <a:rPr lang="en-CA" dirty="0" err="1"/>
+              <a:t>Paradise,NV</a:t>
+            </a:r>
+            <a:r>
+              <a:rPr lang="en-CA" dirty="0"/>
+              <a:t> and Las Vegas, NV)</a:t>
+            </a:r>
+          </a:p>
+          <a:p>
+            <a:r>
+              <a:rPr lang="en-CA" dirty="0"/>
+              <a:t>Calculate attraction density</a:t>
+            </a:r>
+          </a:p>
+          <a:p>
+            <a:pPr lvl="1"/>
+            <a:r>
+              <a:rPr lang="en-CA" dirty="0"/>
+              <a:t>The radius distance on </a:t>
+            </a:r>
+            <a:r>
+              <a:rPr lang="en-CA" dirty="0" err="1"/>
+              <a:t>Tripadvisor</a:t>
+            </a:r>
+            <a:r>
+              <a:rPr lang="en-CA" dirty="0"/>
+              <a:t> varies based on the number of attractions</a:t>
+            </a:r>
+          </a:p>
+        </p:txBody>
+      </p:sp>
+      <p:sp>
+        <p:nvSpPr>
+          <p:cNvPr id="6" name="Text Placeholder 5">
+            <a:extLst>
+              <a:ext uri="{FF2B5EF4-FFF2-40B4-BE49-F238E27FC236}">
+                <a16:creationId xmlns:a16="http://schemas.microsoft.com/office/drawing/2014/main" id="{6E856149-5C0E-4403-AC49-18B00839C82F}"/>
+              </a:ext>
+            </a:extLst>
+          </p:cNvPr>
+          <p:cNvSpPr>
+            <a:spLocks noGrp="1"/>
+          </p:cNvSpPr>
+          <p:nvPr>
+            <p:ph type="body" sz="quarter" idx="3"/>
+          </p:nvPr>
+        </p:nvSpPr>
+        <p:spPr/>
+        <p:txBody>
+          <a:bodyPr/>
+          <a:lstStyle/>
+          <a:p>
+            <a:r>
+              <a:rPr lang="en-CA" b="1" dirty="0">
+                <a:solidFill>
+                  <a:schemeClr val="tx1"/>
+                </a:solidFill>
+              </a:rPr>
+              <a:t>Reviews Database</a:t>
+            </a:r>
+          </a:p>
+        </p:txBody>
+      </p:sp>
+      <p:sp>
+        <p:nvSpPr>
+          <p:cNvPr id="7" name="Content Placeholder 6">
+            <a:extLst>
+              <a:ext uri="{FF2B5EF4-FFF2-40B4-BE49-F238E27FC236}">
+                <a16:creationId xmlns:a16="http://schemas.microsoft.com/office/drawing/2014/main" id="{2421D5DA-E7D2-4765-A94D-790E75C962E1}"/>
+              </a:ext>
+            </a:extLst>
+          </p:cNvPr>
+          <p:cNvSpPr>
+            <a:spLocks noGrp="1"/>
+          </p:cNvSpPr>
+          <p:nvPr>
+            <p:ph sz="quarter" idx="4"/>
+          </p:nvPr>
+        </p:nvSpPr>
+        <p:spPr/>
+        <p:txBody>
+          <a:bodyPr>
+            <a:normAutofit lnSpcReduction="10000"/>
+          </a:bodyPr>
+          <a:lstStyle/>
+          <a:p>
+            <a:r>
+              <a:rPr lang="en-CA" dirty="0"/>
+              <a:t>Text Processing</a:t>
+            </a:r>
+          </a:p>
+          <a:p>
+            <a:pPr lvl="1"/>
+            <a:r>
+              <a:rPr lang="en-CA" dirty="0"/>
+              <a:t>Title and review body combined</a:t>
+            </a:r>
+          </a:p>
+          <a:p>
+            <a:pPr lvl="1"/>
+            <a:r>
+              <a:rPr lang="en-CA" dirty="0"/>
+              <a:t>Tokenizing</a:t>
+            </a:r>
+          </a:p>
+          <a:p>
+            <a:pPr lvl="1"/>
+            <a:r>
+              <a:rPr lang="en-CA" dirty="0"/>
+              <a:t>Removing stop words</a:t>
+            </a:r>
+          </a:p>
+          <a:p>
+            <a:pPr lvl="1"/>
+            <a:r>
+              <a:rPr lang="en-CA" dirty="0"/>
+              <a:t>Lemmatizing</a:t>
+            </a:r>
+          </a:p>
+          <a:p>
+            <a:pPr lvl="1"/>
+            <a:r>
+              <a:rPr lang="en-CA" dirty="0"/>
+              <a:t>Removing punctuation, isolated numbers, </a:t>
+            </a:r>
+            <a:r>
+              <a:rPr lang="en-CA" dirty="0" err="1"/>
+              <a:t>etc</a:t>
+            </a:r>
+            <a:endParaRPr lang="en-CA" dirty="0"/>
+          </a:p>
+          <a:p>
+            <a:r>
+              <a:rPr lang="en-CA" dirty="0"/>
+              <a:t>Date Processing</a:t>
+            </a:r>
+          </a:p>
+          <a:p>
+            <a:pPr lvl="1"/>
+            <a:r>
+              <a:rPr lang="en-CA" dirty="0"/>
+              <a:t>Dates parsed into datetime</a:t>
+            </a:r>
+          </a:p>
+          <a:p>
+            <a:pPr lvl="1"/>
+            <a:r>
+              <a:rPr lang="en-CA" dirty="0"/>
+              <a:t>Binary columns: </a:t>
+            </a:r>
+          </a:p>
+          <a:p>
+            <a:pPr lvl="2"/>
+            <a:r>
+              <a:rPr lang="en-CA" dirty="0"/>
+              <a:t>Review Written Pre/During Pandemic</a:t>
+            </a:r>
+          </a:p>
+          <a:p>
+            <a:pPr lvl="2"/>
+            <a:r>
+              <a:rPr lang="en-CA" dirty="0"/>
+              <a:t>Visit Pre-During Pandemic</a:t>
+            </a:r>
           </a:p>
         </p:txBody>
       </p:sp>
@@ -4689,9 +9203,9 @@
 </file>
 
 <file path=ppt/theme/theme1.xml><?xml version="1.0" encoding="utf-8"?>
-<a:theme xmlns:a="http://schemas.openxmlformats.org/drawingml/2006/main" name="Office Theme">
+<a:theme xmlns:a="http://schemas.openxmlformats.org/drawingml/2006/main" name="Savon">
   <a:themeElements>
-    <a:clrScheme name="Office">
+    <a:clrScheme name="Savon">
       <a:dk1>
         <a:sysClr val="windowText" lastClr="000000"/>
       </a:dk1>
@@ -4699,100 +9213,48 @@
         <a:sysClr val="window" lastClr="FFFFFF"/>
       </a:lt1>
       <a:dk2>
-        <a:srgbClr val="44546A"/>
+        <a:srgbClr val="736059"/>
       </a:dk2>
       <a:lt2>
-        <a:srgbClr val="E7E6E6"/>
+        <a:srgbClr val="E7E0C7"/>
       </a:lt2>
       <a:accent1>
-        <a:srgbClr val="4472C4"/>
+        <a:srgbClr val="92B0C8"/>
       </a:accent1>
       <a:accent2>
-        <a:srgbClr val="ED7D31"/>
+        <a:srgbClr val="E37C3D"/>
       </a:accent2>
       <a:accent3>
-        <a:srgbClr val="A5A5A5"/>
+        <a:srgbClr val="A5AB81"/>
       </a:accent3>
       <a:accent4>
-        <a:srgbClr val="FFC000"/>
+        <a:srgbClr val="E9B635"/>
       </a:accent4>
       <a:accent5>
-        <a:srgbClr val="5B9BD5"/>
+        <a:srgbClr val="7BA79D"/>
       </a:accent5>
       <a:accent6>
-        <a:srgbClr val="70AD47"/>
+        <a:srgbClr val="968C8C"/>
       </a:accent6>
       <a:hlink>
-        <a:srgbClr val="0563C1"/>
+        <a:srgbClr val="F7A115"/>
       </a:hlink>
       <a:folHlink>
-        <a:srgbClr val="954F72"/>
+        <a:srgbClr val="969696"/>
       </a:folHlink>
     </a:clrScheme>
-    <a:fontScheme name="Office">
+    <a:fontScheme name="Savon">
       <a:majorFont>
-        <a:latin typeface="Calibri Light" panose="020F0302020204030204"/>
+        <a:latin typeface="Garamond" panose="02020404030301010803"/>
         <a:ea typeface=""/>
         <a:cs typeface=""/>
-        <a:font script="Jpan" typeface="游ゴシック Light"/>
+        <a:font script="Jpan" typeface="ＭＳ ゴシック"/>
         <a:font script="Hang" typeface="맑은 고딕"/>
-        <a:font script="Hans" typeface="等线 Light"/>
+        <a:font script="Hans" typeface="宋体"/>
         <a:font script="Hant" typeface="新細明體"/>
-        <a:font script="Arab" typeface="Times New Roman"/>
-        <a:font script="Hebr" typeface="Times New Roman"/>
-        <a:font script="Thai" typeface="Angsana New"/>
-        <a:font script="Ethi" typeface="Nyala"/>
-        <a:font script="Beng" typeface="Vrinda"/>
-        <a:font script="Gujr" typeface="Shruti"/>
-        <a:font script="Khmr" typeface="MoolBoran"/>
-        <a:font script="Knda" typeface="Tunga"/>
-        <a:font script="Guru" typeface="Raavi"/>
-        <a:font script="Cans" typeface="Euphemia"/>
-        <a:font script="Cher" typeface="Plantagenet Cherokee"/>
-        <a:font script="Yiii" typeface="Microsoft Yi Baiti"/>
-        <a:font script="Tibt" typeface="Microsoft Himalaya"/>
-        <a:font script="Thaa" typeface="MV Boli"/>
-        <a:font script="Deva" typeface="Mangal"/>
-        <a:font script="Telu" typeface="Gautami"/>
-        <a:font script="Taml" typeface="Latha"/>
-        <a:font script="Syrc" typeface="Estrangelo Edessa"/>
-        <a:font script="Orya" typeface="Kalinga"/>
-        <a:font script="Mlym" typeface="Kartika"/>
-        <a:font script="Laoo" typeface="DokChampa"/>
-        <a:font script="Sinh" typeface="Iskoola Pota"/>
-        <a:font script="Mong" typeface="Mongolian Baiti"/>
-        <a:font script="Viet" typeface="Times New Roman"/>
-        <a:font script="Uigh" typeface="Microsoft Uighur"/>
-        <a:font script="Geor" typeface="Sylfaen"/>
-        <a:font script="Armn" typeface="Arial"/>
-        <a:font script="Bugi" typeface="Leelawadee UI"/>
-        <a:font script="Bopo" typeface="Microsoft JhengHei"/>
-        <a:font script="Java" typeface="Javanese Text"/>
-        <a:font script="Lisu" typeface="Segoe UI"/>
-        <a:font script="Mymr" typeface="Myanmar Text"/>
-        <a:font script="Nkoo" typeface="Ebrima"/>
-        <a:font script="Olck" typeface="Nirmala UI"/>
-        <a:font script="Osma" typeface="Ebrima"/>
-        <a:font script="Phag" typeface="Phagspa"/>
-        <a:font script="Syrn" typeface="Estrangelo Edessa"/>
-        <a:font script="Syrj" typeface="Estrangelo Edessa"/>
-        <a:font script="Syre" typeface="Estrangelo Edessa"/>
-        <a:font script="Sora" typeface="Nirmala UI"/>
-        <a:font script="Tale" typeface="Microsoft Tai Le"/>
-        <a:font script="Talu" typeface="Microsoft New Tai Lue"/>
-        <a:font script="Tfng" typeface="Ebrima"/>
-      </a:majorFont>
-      <a:minorFont>
-        <a:latin typeface="Calibri" panose="020F0502020204030204"/>
-        <a:ea typeface=""/>
-        <a:cs typeface=""/>
-        <a:font script="Jpan" typeface="游ゴシック"/>
-        <a:font script="Hang" typeface="맑은 고딕"/>
-        <a:font script="Hans" typeface="等线"/>
-        <a:font script="Hant" typeface="新細明體"/>
-        <a:font script="Arab" typeface="Arial"/>
-        <a:font script="Hebr" typeface="Arial"/>
-        <a:font script="Thai" typeface="Cordia New"/>
+        <a:font script="Arab" typeface="Tahoma"/>
+        <a:font script="Hebr" typeface="Gisha"/>
+        <a:font script="Thai" typeface="DilleniaUPC"/>
         <a:font script="Ethi" typeface="Nyala"/>
         <a:font script="Beng" typeface="Vrinda"/>
         <a:font script="Gujr" typeface="Shruti"/>
@@ -4813,29 +9275,47 @@
         <a:font script="Laoo" typeface="DokChampa"/>
         <a:font script="Sinh" typeface="Iskoola Pota"/>
         <a:font script="Mong" typeface="Mongolian Baiti"/>
-        <a:font script="Viet" typeface="Arial"/>
+        <a:font script="Viet" typeface="Tahoma"/>
         <a:font script="Uigh" typeface="Microsoft Uighur"/>
         <a:font script="Geor" typeface="Sylfaen"/>
-        <a:font script="Armn" typeface="Arial"/>
-        <a:font script="Bugi" typeface="Leelawadee UI"/>
-        <a:font script="Bopo" typeface="Microsoft JhengHei"/>
-        <a:font script="Java" typeface="Javanese Text"/>
-        <a:font script="Lisu" typeface="Segoe UI"/>
-        <a:font script="Mymr" typeface="Myanmar Text"/>
-        <a:font script="Nkoo" typeface="Ebrima"/>
-        <a:font script="Olck" typeface="Nirmala UI"/>
-        <a:font script="Osma" typeface="Ebrima"/>
-        <a:font script="Phag" typeface="Phagspa"/>
-        <a:font script="Syrn" typeface="Estrangelo Edessa"/>
-        <a:font script="Syrj" typeface="Estrangelo Edessa"/>
-        <a:font script="Syre" typeface="Estrangelo Edessa"/>
-        <a:font script="Sora" typeface="Nirmala UI"/>
-        <a:font script="Tale" typeface="Microsoft Tai Le"/>
-        <a:font script="Talu" typeface="Microsoft New Tai Lue"/>
-        <a:font script="Tfng" typeface="Ebrima"/>
+      </a:majorFont>
+      <a:minorFont>
+        <a:latin typeface="Garamond" panose="02020404030301010803"/>
+        <a:ea typeface=""/>
+        <a:cs typeface=""/>
+        <a:font script="Jpan" typeface="ＭＳ ゴシック"/>
+        <a:font script="Hang" typeface="맑은 고딕"/>
+        <a:font script="Hans" typeface="宋体"/>
+        <a:font script="Hant" typeface="新細明體"/>
+        <a:font script="Arab" typeface="Tahoma"/>
+        <a:font script="Hebr" typeface="Gisha"/>
+        <a:font script="Thai" typeface="DilleniaUPC"/>
+        <a:font script="Ethi" typeface="Nyala"/>
+        <a:font script="Beng" typeface="Vrinda"/>
+        <a:font script="Gujr" typeface="Shruti"/>
+        <a:font script="Khmr" typeface="DaunPenh"/>
+        <a:font script="Knda" typeface="Tunga"/>
+        <a:font script="Guru" typeface="Raavi"/>
+        <a:font script="Cans" typeface="Euphemia"/>
+        <a:font script="Cher" typeface="Plantagenet Cherokee"/>
+        <a:font script="Yiii" typeface="Microsoft Yi Baiti"/>
+        <a:font script="Tibt" typeface="Microsoft Himalaya"/>
+        <a:font script="Thaa" typeface="MV Boli"/>
+        <a:font script="Deva" typeface="Mangal"/>
+        <a:font script="Telu" typeface="Gautami"/>
+        <a:font script="Taml" typeface="Latha"/>
+        <a:font script="Syrc" typeface="Estrangelo Edessa"/>
+        <a:font script="Orya" typeface="Kalinga"/>
+        <a:font script="Mlym" typeface="Kartika"/>
+        <a:font script="Laoo" typeface="DokChampa"/>
+        <a:font script="Sinh" typeface="Iskoola Pota"/>
+        <a:font script="Mong" typeface="Mongolian Baiti"/>
+        <a:font script="Viet" typeface="Verdana"/>
+        <a:font script="Uigh" typeface="Microsoft Uighur"/>
+        <a:font script="Geor" typeface="Sylfaen"/>
       </a:minorFont>
     </a:fontScheme>
-    <a:fmtScheme name="Office">
+    <a:fmtScheme name="Savon">
       <a:fillStyleLst>
         <a:solidFill>
           <a:schemeClr val="phClr"/>
@@ -4844,23 +9324,23 @@
           <a:gsLst>
             <a:gs pos="0">
               <a:schemeClr val="phClr">
-                <a:lumMod val="110000"/>
+                <a:tint val="60000"/>
                 <a:satMod val="105000"/>
-                <a:tint val="67000"/>
-              </a:schemeClr>
-            </a:gs>
-            <a:gs pos="50000">
-              <a:schemeClr val="phClr">
                 <a:lumMod val="105000"/>
-                <a:satMod val="103000"/>
-                <a:tint val="73000"/>
               </a:schemeClr>
             </a:gs>
             <a:gs pos="100000">
               <a:schemeClr val="phClr">
-                <a:lumMod val="105000"/>
-                <a:satMod val="109000"/>
-                <a:tint val="81000"/>
+                <a:tint val="65000"/>
+                <a:satMod val="100000"/>
+                <a:lumMod val="100000"/>
+              </a:schemeClr>
+            </a:gs>
+            <a:gs pos="100000">
+              <a:schemeClr val="phClr">
+                <a:tint val="70000"/>
+                <a:satMod val="100000"/>
+                <a:lumMod val="100000"/>
               </a:schemeClr>
             </a:gs>
           </a:gsLst>
@@ -4870,23 +9350,22 @@
           <a:gsLst>
             <a:gs pos="0">
               <a:schemeClr val="phClr">
-                <a:satMod val="103000"/>
-                <a:lumMod val="102000"/>
-                <a:tint val="94000"/>
+                <a:satMod val="100000"/>
+                <a:lumMod val="100000"/>
               </a:schemeClr>
             </a:gs>
             <a:gs pos="50000">
               <a:schemeClr val="phClr">
-                <a:satMod val="110000"/>
+                <a:shade val="99000"/>
+                <a:satMod val="105000"/>
                 <a:lumMod val="100000"/>
-                <a:shade val="100000"/>
               </a:schemeClr>
             </a:gs>
             <a:gs pos="100000">
               <a:schemeClr val="phClr">
-                <a:lumMod val="99000"/>
-                <a:satMod val="120000"/>
-                <a:shade val="78000"/>
+                <a:shade val="98000"/>
+                <a:satMod val="105000"/>
+                <a:lumMod val="100000"/>
               </a:schemeClr>
             </a:gs>
           </a:gsLst>
@@ -4899,21 +9378,18 @@
             <a:schemeClr val="phClr"/>
           </a:solidFill>
           <a:prstDash val="solid"/>
-          <a:miter lim="800000"/>
         </a:ln>
         <a:ln w="12700" cap="flat" cmpd="sng" algn="ctr">
           <a:solidFill>
             <a:schemeClr val="phClr"/>
           </a:solidFill>
           <a:prstDash val="solid"/>
-          <a:miter lim="800000"/>
         </a:ln>
         <a:ln w="19050" cap="flat" cmpd="sng" algn="ctr">
           <a:solidFill>
             <a:schemeClr val="phClr"/>
           </a:solidFill>
           <a:prstDash val="solid"/>
-          <a:miter lim="800000"/>
         </a:ln>
       </a:lnStyleLst>
       <a:effectStyleLst>
@@ -4921,7 +9397,13 @@
           <a:effectLst/>
         </a:effectStyle>
         <a:effectStyle>
-          <a:effectLst/>
+          <a:effectLst>
+            <a:outerShdw blurRad="38100" dist="12700" dir="5400000" algn="ctr" rotWithShape="0">
+              <a:srgbClr val="000000">
+                <a:alpha val="63000"/>
+              </a:srgbClr>
+            </a:outerShdw>
+          </a:effectLst>
         </a:effectStyle>
         <a:effectStyle>
           <a:effectLst>
@@ -4931,45 +9413,58 @@
               </a:srgbClr>
             </a:outerShdw>
           </a:effectLst>
+          <a:scene3d>
+            <a:camera prst="orthographicFront">
+              <a:rot lat="0" lon="0" rev="0"/>
+            </a:camera>
+            <a:lightRig rig="flat" dir="tl">
+              <a:rot lat="0" lon="0" rev="4200000"/>
+            </a:lightRig>
+          </a:scene3d>
+          <a:sp3d prstMaterial="flat">
+            <a:bevelT w="50800" h="63500" prst="riblet"/>
+          </a:sp3d>
         </a:effectStyle>
       </a:effectStyleLst>
       <a:bgFillStyleLst>
         <a:solidFill>
           <a:schemeClr val="phClr"/>
         </a:solidFill>
-        <a:solidFill>
-          <a:schemeClr val="phClr">
-            <a:tint val="95000"/>
-            <a:satMod val="170000"/>
-          </a:schemeClr>
-        </a:solidFill>
         <a:gradFill rotWithShape="1">
           <a:gsLst>
             <a:gs pos="0">
               <a:schemeClr val="phClr">
-                <a:tint val="93000"/>
-                <a:satMod val="150000"/>
-                <a:shade val="98000"/>
-                <a:lumMod val="102000"/>
-              </a:schemeClr>
-            </a:gs>
-            <a:gs pos="50000">
-              <a:schemeClr val="phClr">
-                <a:tint val="98000"/>
-                <a:satMod val="130000"/>
-                <a:shade val="90000"/>
-                <a:lumMod val="103000"/>
+                <a:tint val="80000"/>
+                <a:shade val="100000"/>
+                <a:satMod val="300000"/>
               </a:schemeClr>
             </a:gs>
             <a:gs pos="100000">
               <a:schemeClr val="phClr">
-                <a:shade val="63000"/>
-                <a:satMod val="120000"/>
+                <a:tint val="100000"/>
+                <a:shade val="30000"/>
+                <a:satMod val="200000"/>
               </a:schemeClr>
             </a:gs>
           </a:gsLst>
-          <a:lin ang="5400000" scaled="0"/>
+          <a:path path="circle">
+            <a:fillToRect l="50000" t="50000" r="50000" b="50000"/>
+          </a:path>
         </a:gradFill>
+        <a:blipFill rotWithShape="1">
+          <a:blip xmlns:r="http://schemas.openxmlformats.org/officeDocument/2006/relationships" r:embed="rId1">
+            <a:duotone>
+              <a:schemeClr val="phClr">
+                <a:tint val="95000"/>
+              </a:schemeClr>
+              <a:schemeClr val="phClr">
+                <a:shade val="92000"/>
+                <a:satMod val="115000"/>
+              </a:schemeClr>
+            </a:duotone>
+          </a:blip>
+          <a:tile tx="0" ty="0" sx="60000" sy="60000" flip="none" algn="tl"/>
+        </a:blipFill>
       </a:bgFillStyleLst>
     </a:fmtScheme>
   </a:themeElements>
@@ -4977,7 +9472,7 @@
   <a:extraClrSchemeLst/>
   <a:extLst>
     <a:ext uri="{05A4C25C-085E-4340-85A3-A5531E510DB2}">
-      <thm15:themeFamily xmlns:thm15="http://schemas.microsoft.com/office/thememl/2012/main" name="Office Theme" id="{62F939B6-93AF-4DB8-9C6B-D6C7DFDC589F}" vid="{4A3C46E8-61CC-4603-A589-7422A47A8E4A}"/>
+      <thm15:themeFamily xmlns:thm15="http://schemas.microsoft.com/office/thememl/2012/main" name="Savon" id="{1306E473-ED32-493B-A2D0-240A757EDD34}" vid="{3F20CFC1-E34F-405B-AA49-5BE0E194F1B3}"/>
     </a:ext>
   </a:extLst>
 </a:theme>

--- a/Capstone Presentation.pptx
+++ b/Capstone Presentation.pptx
@@ -20,14 +20,16 @@
     <p:sldId id="269" r:id="rId14"/>
     <p:sldId id="266" r:id="rId15"/>
     <p:sldId id="270" r:id="rId16"/>
-    <p:sldId id="271" r:id="rId17"/>
-    <p:sldId id="272" r:id="rId18"/>
-    <p:sldId id="274" r:id="rId19"/>
-    <p:sldId id="278" r:id="rId20"/>
-    <p:sldId id="276" r:id="rId21"/>
-    <p:sldId id="277" r:id="rId22"/>
-    <p:sldId id="273" r:id="rId23"/>
-    <p:sldId id="275" r:id="rId24"/>
+    <p:sldId id="279" r:id="rId17"/>
+    <p:sldId id="280" r:id="rId18"/>
+    <p:sldId id="271" r:id="rId19"/>
+    <p:sldId id="272" r:id="rId20"/>
+    <p:sldId id="274" r:id="rId21"/>
+    <p:sldId id="278" r:id="rId22"/>
+    <p:sldId id="276" r:id="rId23"/>
+    <p:sldId id="277" r:id="rId24"/>
+    <p:sldId id="273" r:id="rId25"/>
+    <p:sldId id="275" r:id="rId26"/>
   </p:sldIdLst>
   <p:sldSz cx="12192000" cy="6858000"/>
   <p:notesSz cx="6858000" cy="9144000"/>
@@ -5111,104 +5113,116 @@
             <p:ph idx="1"/>
           </p:nvPr>
         </p:nvSpPr>
-        <p:spPr/>
+        <p:spPr>
+          <a:xfrm>
+            <a:off x="1066800" y="2103119"/>
+            <a:ext cx="10058400" cy="4323317"/>
+          </a:xfrm>
+        </p:spPr>
         <p:txBody>
-          <a:bodyPr/>
+          <a:bodyPr>
+            <a:normAutofit/>
+          </a:bodyPr>
           <a:lstStyle/>
           <a:p>
             <a:r>
-              <a:rPr lang="en-CA" dirty="0" err="1"/>
+              <a:rPr lang="en-CA" sz="2000" dirty="0" err="1"/>
+              <a:t>TfidfVectorizer</a:t>
+            </a:r>
+            <a:endParaRPr lang="en-CA" sz="2000" dirty="0"/>
+          </a:p>
+          <a:p>
+            <a:pPr lvl="1"/>
+            <a:r>
+              <a:rPr lang="en-CA" sz="1800" dirty="0" err="1"/>
               <a:t>CountVectorizer</a:t>
             </a:r>
-            <a:endParaRPr lang="en-CA" dirty="0"/>
+            <a:endParaRPr lang="en-CA" sz="1800" dirty="0"/>
+          </a:p>
+          <a:p>
+            <a:pPr lvl="2"/>
+            <a:r>
+              <a:rPr lang="en-CA" sz="1600" dirty="0"/>
+              <a:t>Converts the cleaned tokens into a sparse matrix of token counts</a:t>
+            </a:r>
+          </a:p>
+          <a:p>
+            <a:pPr lvl="2"/>
+            <a:r>
+              <a:rPr lang="en-CA" sz="1600" dirty="0"/>
+              <a:t>Extract unigrams and bigrams</a:t>
+            </a:r>
+          </a:p>
+          <a:p>
+            <a:pPr lvl="3"/>
+            <a:r>
+              <a:rPr lang="en-CA" sz="1600" dirty="0"/>
+              <a:t>Individual words, and the individual word +1, captures relationships.</a:t>
+            </a:r>
+          </a:p>
+          <a:p>
+            <a:pPr lvl="2"/>
+            <a:r>
+              <a:rPr lang="en-CA" sz="1600" dirty="0"/>
+              <a:t>Maximum 10000 features</a:t>
+            </a:r>
+          </a:p>
+          <a:p>
+            <a:pPr lvl="3"/>
+            <a:r>
+              <a:rPr lang="en-CA" sz="1600" dirty="0"/>
+              <a:t>Ensures that uncommon words (typos, proper names) are not represented</a:t>
+            </a:r>
+          </a:p>
+          <a:p>
+            <a:pPr lvl="3"/>
+            <a:endParaRPr lang="en-CA" sz="1600" dirty="0"/>
           </a:p>
           <a:p>
             <a:pPr lvl="1"/>
             <a:r>
-              <a:rPr lang="en-CA" dirty="0"/>
-              <a:t>Converts the cleaned tokens into a sparse matrix of token counts</a:t>
-            </a:r>
-          </a:p>
-          <a:p>
-            <a:pPr lvl="1"/>
-            <a:r>
-              <a:rPr lang="en-CA" dirty="0"/>
-              <a:t>Extract unigrams and bigrams</a:t>
-            </a:r>
+              <a:rPr lang="en-CA" sz="1800" dirty="0" err="1"/>
+              <a:t>TfidfTransformer</a:t>
+            </a:r>
+            <a:endParaRPr lang="en-CA" sz="1800" dirty="0"/>
           </a:p>
           <a:p>
             <a:pPr lvl="2"/>
             <a:r>
-              <a:rPr lang="en-CA" dirty="0"/>
-              <a:t>Individual words, and the individual word +1, captures relationships.</a:t>
-            </a:r>
-          </a:p>
-          <a:p>
-            <a:pPr lvl="1"/>
-            <a:r>
-              <a:rPr lang="en-CA" dirty="0"/>
-              <a:t>Maximum 10000 features</a:t>
-            </a:r>
-          </a:p>
-          <a:p>
-            <a:pPr lvl="2"/>
-            <a:r>
-              <a:rPr lang="en-CA" dirty="0"/>
-              <a:t>Ensures that uncommon words (typos, proper names) are not represented</a:t>
-            </a:r>
-          </a:p>
-          <a:p>
-            <a:pPr lvl="2"/>
-            <a:endParaRPr lang="en-CA" dirty="0"/>
-          </a:p>
-          <a:p>
-            <a:r>
-              <a:rPr lang="en-CA" dirty="0" err="1"/>
-              <a:t>TfidfTransformer</a:t>
-            </a:r>
-            <a:endParaRPr lang="en-CA" dirty="0"/>
-          </a:p>
-          <a:p>
-            <a:pPr lvl="1"/>
-            <a:r>
-              <a:rPr lang="en-CA" dirty="0"/>
+              <a:rPr lang="en-CA" sz="1600" dirty="0"/>
               <a:t>Converts the sparse matrix from </a:t>
             </a:r>
             <a:r>
-              <a:rPr lang="en-CA" dirty="0" err="1"/>
-              <a:t>CountVectorisor</a:t>
-            </a:r>
-            <a:r>
-              <a:rPr lang="en-CA" dirty="0"/>
+              <a:rPr lang="en-CA" sz="1600" dirty="0" err="1"/>
+              <a:t>CountVectoriser</a:t>
+            </a:r>
+            <a:r>
+              <a:rPr lang="en-CA" sz="1600" dirty="0"/>
               <a:t> into </a:t>
             </a:r>
             <a:r>
-              <a:rPr lang="en-CA" dirty="0" err="1"/>
+              <a:rPr lang="en-CA" sz="1600" dirty="0" err="1"/>
               <a:t>tf-idf</a:t>
             </a:r>
-            <a:endParaRPr lang="en-CA" dirty="0"/>
-          </a:p>
-          <a:p>
-            <a:pPr lvl="2"/>
-            <a:r>
-              <a:rPr lang="en-CA" dirty="0" err="1"/>
+            <a:endParaRPr lang="en-CA" sz="1600" dirty="0"/>
+          </a:p>
+          <a:p>
+            <a:pPr lvl="3"/>
+            <a:r>
+              <a:rPr lang="en-CA" sz="1600" dirty="0" err="1"/>
               <a:t>Tf-idf</a:t>
             </a:r>
             <a:r>
-              <a:rPr lang="en-CA" dirty="0"/>
+              <a:rPr lang="en-CA" sz="1600" dirty="0"/>
               <a:t> : Term-frequency * Inverse Document Frequency</a:t>
             </a:r>
           </a:p>
           <a:p>
-            <a:pPr lvl="3"/>
-            <a:r>
-              <a:rPr lang="en-CA" dirty="0"/>
+            <a:pPr lvl="4"/>
+            <a:r>
+              <a:rPr lang="en-CA" sz="1600" dirty="0"/>
               <a:t> Scales down the impact of frequent tokens</a:t>
             </a:r>
-          </a:p>
-          <a:p>
-            <a:pPr lvl="1"/>
-            <a:endParaRPr lang="en-CA" dirty="0"/>
           </a:p>
         </p:txBody>
       </p:sp>
@@ -5270,31 +5284,2041 @@
           </a:p>
         </p:txBody>
       </p:sp>
-      <p:sp>
-        <p:nvSpPr>
-          <p:cNvPr id="3" name="Content Placeholder 2">
+      <p:graphicFrame>
+        <p:nvGraphicFramePr>
+          <p:cNvPr id="4" name="Table 4">
             <a:extLst>
               <a:ext uri="{FF2B5EF4-FFF2-40B4-BE49-F238E27FC236}">
-                <a16:creationId xmlns:a16="http://schemas.microsoft.com/office/drawing/2014/main" id="{1328E639-892E-4950-A980-07E3A41089FC}"/>
+                <a16:creationId xmlns:a16="http://schemas.microsoft.com/office/drawing/2014/main" id="{27106B8C-AFB7-409A-BE21-EBF9030DEFF4}"/>
               </a:ext>
             </a:extLst>
           </p:cNvPr>
-          <p:cNvSpPr>
-            <a:spLocks noGrp="1"/>
-          </p:cNvSpPr>
+          <p:cNvGraphicFramePr>
+            <a:graphicFrameLocks noGrp="1"/>
+          </p:cNvGraphicFramePr>
           <p:nvPr>
             <p:ph idx="1"/>
+            <p:extLst>
+              <p:ext uri="{D42A27DB-BD31-4B8C-83A1-F6EECF244321}">
+                <p14:modId xmlns:p14="http://schemas.microsoft.com/office/powerpoint/2010/main" val="3660226190"/>
+              </p:ext>
+            </p:extLst>
           </p:nvPr>
-        </p:nvSpPr>
-        <p:spPr/>
-        <p:txBody>
-          <a:bodyPr/>
-          <a:lstStyle/>
-          <a:p>
-            <a:endParaRPr lang="en-CA" dirty="0"/>
-          </a:p>
-        </p:txBody>
-      </p:sp>
+        </p:nvGraphicFramePr>
+        <p:xfrm>
+          <a:off x="1066800" y="1624873"/>
+          <a:ext cx="10162374" cy="4450080"/>
+        </p:xfrm>
+        <a:graphic>
+          <a:graphicData uri="http://schemas.openxmlformats.org/drawingml/2006/table">
+            <a:tbl>
+              <a:tblPr firstRow="1" bandRow="1">
+                <a:tableStyleId>{6E25E649-3F16-4E02-A733-19D2CDBF48F0}</a:tableStyleId>
+              </a:tblPr>
+              <a:tblGrid>
+                <a:gridCol w="1693729">
+                  <a:extLst>
+                    <a:ext uri="{9D8B030D-6E8A-4147-A177-3AD203B41FA5}">
+                      <a16:colId xmlns:a16="http://schemas.microsoft.com/office/drawing/2014/main" val="2857179037"/>
+                    </a:ext>
+                  </a:extLst>
+                </a:gridCol>
+                <a:gridCol w="1693729">
+                  <a:extLst>
+                    <a:ext uri="{9D8B030D-6E8A-4147-A177-3AD203B41FA5}">
+                      <a16:colId xmlns:a16="http://schemas.microsoft.com/office/drawing/2014/main" val="3727384194"/>
+                    </a:ext>
+                  </a:extLst>
+                </a:gridCol>
+                <a:gridCol w="1693729">
+                  <a:extLst>
+                    <a:ext uri="{9D8B030D-6E8A-4147-A177-3AD203B41FA5}">
+                      <a16:colId xmlns:a16="http://schemas.microsoft.com/office/drawing/2014/main" val="4143390719"/>
+                    </a:ext>
+                  </a:extLst>
+                </a:gridCol>
+                <a:gridCol w="1693729">
+                  <a:extLst>
+                    <a:ext uri="{9D8B030D-6E8A-4147-A177-3AD203B41FA5}">
+                      <a16:colId xmlns:a16="http://schemas.microsoft.com/office/drawing/2014/main" val="54577630"/>
+                    </a:ext>
+                  </a:extLst>
+                </a:gridCol>
+                <a:gridCol w="1693729">
+                  <a:extLst>
+                    <a:ext uri="{9D8B030D-6E8A-4147-A177-3AD203B41FA5}">
+                      <a16:colId xmlns:a16="http://schemas.microsoft.com/office/drawing/2014/main" val="2797672614"/>
+                    </a:ext>
+                  </a:extLst>
+                </a:gridCol>
+                <a:gridCol w="1693729">
+                  <a:extLst>
+                    <a:ext uri="{9D8B030D-6E8A-4147-A177-3AD203B41FA5}">
+                      <a16:colId xmlns:a16="http://schemas.microsoft.com/office/drawing/2014/main" val="3287181139"/>
+                    </a:ext>
+                  </a:extLst>
+                </a:gridCol>
+              </a:tblGrid>
+              <a:tr h="370840">
+                <a:tc>
+                  <a:txBody>
+                    <a:bodyPr/>
+                    <a:lstStyle/>
+                    <a:p>
+                      <a:pPr algn="ctr" fontAlgn="b"/>
+                      <a:r>
+                        <a:rPr lang="en-CA" sz="1800" b="1" u="none" strike="noStrike" dirty="0">
+                          <a:solidFill>
+                            <a:schemeClr val="bg1"/>
+                          </a:solidFill>
+                          <a:effectLst/>
+                        </a:rPr>
+                        <a:t>Ranking</a:t>
+                      </a:r>
+                      <a:endParaRPr lang="en-CA" sz="1800" b="1" i="0" u="none" strike="noStrike" dirty="0">
+                        <a:solidFill>
+                          <a:schemeClr val="bg1"/>
+                        </a:solidFill>
+                        <a:effectLst/>
+                        <a:latin typeface="+mn-lt"/>
+                      </a:endParaRPr>
+                    </a:p>
+                  </a:txBody>
+                  <a:tcPr marL="9525" marR="9525" marT="9525" marB="0" anchor="b"/>
+                </a:tc>
+                <a:tc>
+                  <a:txBody>
+                    <a:bodyPr/>
+                    <a:lstStyle/>
+                    <a:p>
+                      <a:pPr algn="ctr" fontAlgn="b"/>
+                      <a:r>
+                        <a:rPr lang="en-CA" sz="1800" b="1" u="none" strike="noStrike" dirty="0">
+                          <a:solidFill>
+                            <a:schemeClr val="bg1"/>
+                          </a:solidFill>
+                          <a:effectLst/>
+                        </a:rPr>
+                        <a:t>All</a:t>
+                      </a:r>
+                      <a:endParaRPr lang="en-CA" sz="1800" b="1" i="0" u="none" strike="noStrike" dirty="0">
+                        <a:solidFill>
+                          <a:schemeClr val="bg1"/>
+                        </a:solidFill>
+                        <a:effectLst/>
+                        <a:latin typeface="+mn-lt"/>
+                      </a:endParaRPr>
+                    </a:p>
+                  </a:txBody>
+                  <a:tcPr marL="9525" marR="9525" marT="9525" marB="0" anchor="b"/>
+                </a:tc>
+                <a:tc>
+                  <a:txBody>
+                    <a:bodyPr/>
+                    <a:lstStyle/>
+                    <a:p>
+                      <a:pPr algn="ctr" fontAlgn="b"/>
+                      <a:r>
+                        <a:rPr lang="en-CA" sz="1800" b="1" u="none" strike="noStrike" dirty="0">
+                          <a:solidFill>
+                            <a:schemeClr val="bg1"/>
+                          </a:solidFill>
+                          <a:effectLst/>
+                        </a:rPr>
+                        <a:t>Bad</a:t>
+                      </a:r>
+                      <a:endParaRPr lang="en-CA" sz="1800" b="1" i="0" u="none" strike="noStrike" dirty="0">
+                        <a:solidFill>
+                          <a:schemeClr val="bg1"/>
+                        </a:solidFill>
+                        <a:effectLst/>
+                        <a:latin typeface="+mn-lt"/>
+                      </a:endParaRPr>
+                    </a:p>
+                  </a:txBody>
+                  <a:tcPr marL="9525" marR="9525" marT="9525" marB="0" anchor="b"/>
+                </a:tc>
+                <a:tc>
+                  <a:txBody>
+                    <a:bodyPr/>
+                    <a:lstStyle/>
+                    <a:p>
+                      <a:pPr algn="ctr" fontAlgn="b"/>
+                      <a:r>
+                        <a:rPr lang="en-CA" sz="1800" b="1" u="none" strike="noStrike" dirty="0">
+                          <a:solidFill>
+                            <a:schemeClr val="bg1"/>
+                          </a:solidFill>
+                          <a:effectLst/>
+                        </a:rPr>
+                        <a:t>Good</a:t>
+                      </a:r>
+                      <a:endParaRPr lang="en-CA" sz="1800" b="1" i="0" u="none" strike="noStrike" dirty="0">
+                        <a:solidFill>
+                          <a:schemeClr val="bg1"/>
+                        </a:solidFill>
+                        <a:effectLst/>
+                        <a:latin typeface="+mn-lt"/>
+                      </a:endParaRPr>
+                    </a:p>
+                  </a:txBody>
+                  <a:tcPr marL="9525" marR="9525" marT="9525" marB="0" anchor="b"/>
+                </a:tc>
+                <a:tc>
+                  <a:txBody>
+                    <a:bodyPr/>
+                    <a:lstStyle/>
+                    <a:p>
+                      <a:pPr algn="ctr" fontAlgn="b"/>
+                      <a:r>
+                        <a:rPr lang="en-CA" sz="1800" b="1" u="none" strike="noStrike" dirty="0">
+                          <a:solidFill>
+                            <a:schemeClr val="bg1"/>
+                          </a:solidFill>
+                          <a:effectLst/>
+                        </a:rPr>
+                        <a:t>Pre-Pandemic</a:t>
+                      </a:r>
+                      <a:endParaRPr lang="en-CA" sz="1800" b="1" i="0" u="none" strike="noStrike" dirty="0">
+                        <a:solidFill>
+                          <a:schemeClr val="bg1"/>
+                        </a:solidFill>
+                        <a:effectLst/>
+                        <a:latin typeface="+mn-lt"/>
+                      </a:endParaRPr>
+                    </a:p>
+                  </a:txBody>
+                  <a:tcPr marL="9525" marR="9525" marT="9525" marB="0" anchor="b"/>
+                </a:tc>
+                <a:tc>
+                  <a:txBody>
+                    <a:bodyPr/>
+                    <a:lstStyle/>
+                    <a:p>
+                      <a:pPr algn="ctr" fontAlgn="b"/>
+                      <a:r>
+                        <a:rPr lang="en-CA" sz="1800" b="1" u="none" strike="noStrike" dirty="0">
+                          <a:solidFill>
+                            <a:schemeClr val="bg1"/>
+                          </a:solidFill>
+                          <a:effectLst/>
+                        </a:rPr>
+                        <a:t>Post-Pandemic</a:t>
+                      </a:r>
+                      <a:endParaRPr lang="en-CA" sz="1800" b="1" i="0" u="none" strike="noStrike" dirty="0">
+                        <a:solidFill>
+                          <a:schemeClr val="bg1"/>
+                        </a:solidFill>
+                        <a:effectLst/>
+                        <a:latin typeface="+mn-lt"/>
+                      </a:endParaRPr>
+                    </a:p>
+                  </a:txBody>
+                  <a:tcPr marL="9525" marR="9525" marT="9525" marB="0" anchor="b"/>
+                </a:tc>
+                <a:extLst>
+                  <a:ext uri="{0D108BD9-81ED-4DB2-BD59-A6C34878D82A}">
+                    <a16:rowId xmlns:a16="http://schemas.microsoft.com/office/drawing/2014/main" val="352827595"/>
+                  </a:ext>
+                </a:extLst>
+              </a:tr>
+              <a:tr h="370840">
+                <a:tc>
+                  <a:txBody>
+                    <a:bodyPr/>
+                    <a:lstStyle/>
+                    <a:p>
+                      <a:pPr algn="ctr" fontAlgn="b"/>
+                      <a:r>
+                        <a:rPr lang="en-CA" sz="1800" b="0" u="none" strike="noStrike" dirty="0">
+                          <a:solidFill>
+                            <a:srgbClr val="000000"/>
+                          </a:solidFill>
+                          <a:effectLst/>
+                        </a:rPr>
+                        <a:t>0</a:t>
+                      </a:r>
+                      <a:endParaRPr lang="en-CA" sz="1800" b="0" i="0" u="none" strike="noStrike" dirty="0">
+                        <a:solidFill>
+                          <a:srgbClr val="000000"/>
+                        </a:solidFill>
+                        <a:effectLst/>
+                        <a:latin typeface="+mn-lt"/>
+                      </a:endParaRPr>
+                    </a:p>
+                  </a:txBody>
+                  <a:tcPr marL="9525" marR="9525" marT="9525" marB="0" anchor="b"/>
+                </a:tc>
+                <a:tc>
+                  <a:txBody>
+                    <a:bodyPr/>
+                    <a:lstStyle/>
+                    <a:p>
+                      <a:pPr algn="ctr" fontAlgn="b"/>
+                      <a:r>
+                        <a:rPr lang="en-CA" sz="1800" b="0" u="none" strike="noStrike" dirty="0">
+                          <a:solidFill>
+                            <a:srgbClr val="000000"/>
+                          </a:solidFill>
+                          <a:effectLst/>
+                        </a:rPr>
+                        <a:t>hotel</a:t>
+                      </a:r>
+                      <a:endParaRPr lang="en-CA" sz="1800" b="0" i="0" u="none" strike="noStrike" dirty="0">
+                        <a:solidFill>
+                          <a:srgbClr val="000000"/>
+                        </a:solidFill>
+                        <a:effectLst/>
+                        <a:latin typeface="+mn-lt"/>
+                      </a:endParaRPr>
+                    </a:p>
+                  </a:txBody>
+                  <a:tcPr marL="9525" marR="9525" marT="9525" marB="0" anchor="b"/>
+                </a:tc>
+                <a:tc>
+                  <a:txBody>
+                    <a:bodyPr/>
+                    <a:lstStyle/>
+                    <a:p>
+                      <a:pPr algn="ctr" fontAlgn="b"/>
+                      <a:r>
+                        <a:rPr lang="en-CA" sz="1800" b="0" u="none" strike="noStrike" dirty="0">
+                          <a:solidFill>
+                            <a:srgbClr val="000000"/>
+                          </a:solidFill>
+                          <a:effectLst/>
+                        </a:rPr>
+                        <a:t>room</a:t>
+                      </a:r>
+                      <a:endParaRPr lang="en-CA" sz="1800" b="0" i="0" u="none" strike="noStrike" dirty="0">
+                        <a:solidFill>
+                          <a:srgbClr val="000000"/>
+                        </a:solidFill>
+                        <a:effectLst/>
+                        <a:latin typeface="+mn-lt"/>
+                      </a:endParaRPr>
+                    </a:p>
+                  </a:txBody>
+                  <a:tcPr marL="9525" marR="9525" marT="9525" marB="0" anchor="b"/>
+                </a:tc>
+                <a:tc>
+                  <a:txBody>
+                    <a:bodyPr/>
+                    <a:lstStyle/>
+                    <a:p>
+                      <a:pPr algn="ctr" fontAlgn="b"/>
+                      <a:r>
+                        <a:rPr lang="en-CA" sz="1800" b="0" u="none" strike="noStrike" dirty="0">
+                          <a:solidFill>
+                            <a:srgbClr val="000000"/>
+                          </a:solidFill>
+                          <a:effectLst/>
+                        </a:rPr>
+                        <a:t>hotel</a:t>
+                      </a:r>
+                      <a:endParaRPr lang="en-CA" sz="1800" b="0" i="0" u="none" strike="noStrike" dirty="0">
+                        <a:solidFill>
+                          <a:srgbClr val="000000"/>
+                        </a:solidFill>
+                        <a:effectLst/>
+                        <a:latin typeface="+mn-lt"/>
+                      </a:endParaRPr>
+                    </a:p>
+                  </a:txBody>
+                  <a:tcPr marL="9525" marR="9525" marT="9525" marB="0" anchor="b"/>
+                </a:tc>
+                <a:tc>
+                  <a:txBody>
+                    <a:bodyPr/>
+                    <a:lstStyle/>
+                    <a:p>
+                      <a:pPr algn="ctr" fontAlgn="b"/>
+                      <a:r>
+                        <a:rPr lang="en-CA" sz="1800" b="0" u="none" strike="noStrike">
+                          <a:solidFill>
+                            <a:srgbClr val="000000"/>
+                          </a:solidFill>
+                          <a:effectLst/>
+                        </a:rPr>
+                        <a:t>hotel</a:t>
+                      </a:r>
+                      <a:endParaRPr lang="en-CA" sz="1800" b="0" i="0" u="none" strike="noStrike">
+                        <a:solidFill>
+                          <a:srgbClr val="000000"/>
+                        </a:solidFill>
+                        <a:effectLst/>
+                        <a:latin typeface="+mn-lt"/>
+                      </a:endParaRPr>
+                    </a:p>
+                  </a:txBody>
+                  <a:tcPr marL="9525" marR="9525" marT="9525" marB="0" anchor="b"/>
+                </a:tc>
+                <a:tc>
+                  <a:txBody>
+                    <a:bodyPr/>
+                    <a:lstStyle/>
+                    <a:p>
+                      <a:pPr algn="ctr" fontAlgn="b"/>
+                      <a:r>
+                        <a:rPr lang="en-CA" sz="1800" b="0" u="none" strike="noStrike" dirty="0">
+                          <a:solidFill>
+                            <a:srgbClr val="000000"/>
+                          </a:solidFill>
+                          <a:effectLst/>
+                        </a:rPr>
+                        <a:t>room</a:t>
+                      </a:r>
+                      <a:endParaRPr lang="en-CA" sz="1800" b="0" i="0" u="none" strike="noStrike" dirty="0">
+                        <a:solidFill>
+                          <a:srgbClr val="000000"/>
+                        </a:solidFill>
+                        <a:effectLst/>
+                        <a:latin typeface="+mn-lt"/>
+                      </a:endParaRPr>
+                    </a:p>
+                  </a:txBody>
+                  <a:tcPr marL="9525" marR="9525" marT="9525" marB="0" anchor="b"/>
+                </a:tc>
+                <a:extLst>
+                  <a:ext uri="{0D108BD9-81ED-4DB2-BD59-A6C34878D82A}">
+                    <a16:rowId xmlns:a16="http://schemas.microsoft.com/office/drawing/2014/main" val="392404504"/>
+                  </a:ext>
+                </a:extLst>
+              </a:tr>
+              <a:tr h="370840">
+                <a:tc>
+                  <a:txBody>
+                    <a:bodyPr/>
+                    <a:lstStyle/>
+                    <a:p>
+                      <a:pPr algn="ctr" fontAlgn="b"/>
+                      <a:r>
+                        <a:rPr lang="en-CA" sz="1800" b="0" u="none" strike="noStrike" dirty="0">
+                          <a:solidFill>
+                            <a:srgbClr val="000000"/>
+                          </a:solidFill>
+                          <a:effectLst/>
+                        </a:rPr>
+                        <a:t>1</a:t>
+                      </a:r>
+                      <a:endParaRPr lang="en-CA" sz="1800" b="0" i="0" u="none" strike="noStrike" dirty="0">
+                        <a:solidFill>
+                          <a:srgbClr val="000000"/>
+                        </a:solidFill>
+                        <a:effectLst/>
+                        <a:latin typeface="+mn-lt"/>
+                      </a:endParaRPr>
+                    </a:p>
+                  </a:txBody>
+                  <a:tcPr marL="9525" marR="9525" marT="9525" marB="0" anchor="b"/>
+                </a:tc>
+                <a:tc>
+                  <a:txBody>
+                    <a:bodyPr/>
+                    <a:lstStyle/>
+                    <a:p>
+                      <a:pPr algn="ctr" fontAlgn="b"/>
+                      <a:r>
+                        <a:rPr lang="en-CA" sz="1800" b="0" u="none" strike="noStrike" dirty="0">
+                          <a:solidFill>
+                            <a:srgbClr val="000000"/>
+                          </a:solidFill>
+                          <a:effectLst/>
+                        </a:rPr>
+                        <a:t>room</a:t>
+                      </a:r>
+                      <a:endParaRPr lang="en-CA" sz="1800" b="0" i="0" u="none" strike="noStrike" dirty="0">
+                        <a:solidFill>
+                          <a:srgbClr val="000000"/>
+                        </a:solidFill>
+                        <a:effectLst/>
+                        <a:latin typeface="+mn-lt"/>
+                      </a:endParaRPr>
+                    </a:p>
+                  </a:txBody>
+                  <a:tcPr marL="9525" marR="9525" marT="9525" marB="0" anchor="b"/>
+                </a:tc>
+                <a:tc>
+                  <a:txBody>
+                    <a:bodyPr/>
+                    <a:lstStyle/>
+                    <a:p>
+                      <a:pPr algn="ctr" fontAlgn="b"/>
+                      <a:r>
+                        <a:rPr lang="en-CA" sz="1800" b="0" u="none" strike="noStrike" dirty="0">
+                          <a:solidFill>
+                            <a:srgbClr val="000000"/>
+                          </a:solidFill>
+                          <a:effectLst/>
+                        </a:rPr>
+                        <a:t>hotel</a:t>
+                      </a:r>
+                      <a:endParaRPr lang="en-CA" sz="1800" b="0" i="0" u="none" strike="noStrike" dirty="0">
+                        <a:solidFill>
+                          <a:srgbClr val="000000"/>
+                        </a:solidFill>
+                        <a:effectLst/>
+                        <a:latin typeface="+mn-lt"/>
+                      </a:endParaRPr>
+                    </a:p>
+                  </a:txBody>
+                  <a:tcPr marL="9525" marR="9525" marT="9525" marB="0" anchor="b"/>
+                </a:tc>
+                <a:tc>
+                  <a:txBody>
+                    <a:bodyPr/>
+                    <a:lstStyle/>
+                    <a:p>
+                      <a:pPr algn="ctr" fontAlgn="b"/>
+                      <a:r>
+                        <a:rPr lang="en-CA" sz="1800" b="0" u="none" strike="noStrike" dirty="0">
+                          <a:solidFill>
+                            <a:srgbClr val="000000"/>
+                          </a:solidFill>
+                          <a:effectLst/>
+                        </a:rPr>
+                        <a:t>room</a:t>
+                      </a:r>
+                      <a:endParaRPr lang="en-CA" sz="1800" b="0" i="0" u="none" strike="noStrike" dirty="0">
+                        <a:solidFill>
+                          <a:srgbClr val="000000"/>
+                        </a:solidFill>
+                        <a:effectLst/>
+                        <a:latin typeface="+mn-lt"/>
+                      </a:endParaRPr>
+                    </a:p>
+                  </a:txBody>
+                  <a:tcPr marL="9525" marR="9525" marT="9525" marB="0" anchor="b"/>
+                </a:tc>
+                <a:tc>
+                  <a:txBody>
+                    <a:bodyPr/>
+                    <a:lstStyle/>
+                    <a:p>
+                      <a:pPr algn="ctr" fontAlgn="b"/>
+                      <a:r>
+                        <a:rPr lang="en-CA" sz="1800" b="0" u="none" strike="noStrike" dirty="0">
+                          <a:solidFill>
+                            <a:srgbClr val="000000"/>
+                          </a:solidFill>
+                          <a:effectLst/>
+                        </a:rPr>
+                        <a:t>room</a:t>
+                      </a:r>
+                      <a:endParaRPr lang="en-CA" sz="1800" b="0" i="0" u="none" strike="noStrike" dirty="0">
+                        <a:solidFill>
+                          <a:srgbClr val="000000"/>
+                        </a:solidFill>
+                        <a:effectLst/>
+                        <a:latin typeface="+mn-lt"/>
+                      </a:endParaRPr>
+                    </a:p>
+                  </a:txBody>
+                  <a:tcPr marL="9525" marR="9525" marT="9525" marB="0" anchor="b"/>
+                </a:tc>
+                <a:tc>
+                  <a:txBody>
+                    <a:bodyPr/>
+                    <a:lstStyle/>
+                    <a:p>
+                      <a:pPr algn="ctr" fontAlgn="b"/>
+                      <a:r>
+                        <a:rPr lang="en-CA" sz="1800" b="0" u="none" strike="noStrike" dirty="0">
+                          <a:solidFill>
+                            <a:srgbClr val="000000"/>
+                          </a:solidFill>
+                          <a:effectLst/>
+                        </a:rPr>
+                        <a:t>hotel</a:t>
+                      </a:r>
+                      <a:endParaRPr lang="en-CA" sz="1800" b="0" i="0" u="none" strike="noStrike" dirty="0">
+                        <a:solidFill>
+                          <a:srgbClr val="000000"/>
+                        </a:solidFill>
+                        <a:effectLst/>
+                        <a:latin typeface="+mn-lt"/>
+                      </a:endParaRPr>
+                    </a:p>
+                  </a:txBody>
+                  <a:tcPr marL="9525" marR="9525" marT="9525" marB="0" anchor="b"/>
+                </a:tc>
+                <a:extLst>
+                  <a:ext uri="{0D108BD9-81ED-4DB2-BD59-A6C34878D82A}">
+                    <a16:rowId xmlns:a16="http://schemas.microsoft.com/office/drawing/2014/main" val="1615631518"/>
+                  </a:ext>
+                </a:extLst>
+              </a:tr>
+              <a:tr h="370840">
+                <a:tc>
+                  <a:txBody>
+                    <a:bodyPr/>
+                    <a:lstStyle/>
+                    <a:p>
+                      <a:pPr algn="ctr" fontAlgn="b"/>
+                      <a:r>
+                        <a:rPr lang="en-CA" sz="1800" b="0" u="none" strike="noStrike" dirty="0">
+                          <a:solidFill>
+                            <a:srgbClr val="000000"/>
+                          </a:solidFill>
+                          <a:effectLst/>
+                        </a:rPr>
+                        <a:t>2</a:t>
+                      </a:r>
+                      <a:endParaRPr lang="en-CA" sz="1800" b="0" i="0" u="none" strike="noStrike" dirty="0">
+                        <a:solidFill>
+                          <a:srgbClr val="000000"/>
+                        </a:solidFill>
+                        <a:effectLst/>
+                        <a:latin typeface="+mn-lt"/>
+                      </a:endParaRPr>
+                    </a:p>
+                  </a:txBody>
+                  <a:tcPr marL="9525" marR="9525" marT="9525" marB="0" anchor="b"/>
+                </a:tc>
+                <a:tc>
+                  <a:txBody>
+                    <a:bodyPr/>
+                    <a:lstStyle/>
+                    <a:p>
+                      <a:pPr algn="ctr" fontAlgn="b"/>
+                      <a:r>
+                        <a:rPr lang="en-CA" sz="1800" b="0" u="none" strike="noStrike" dirty="0">
+                          <a:solidFill>
+                            <a:srgbClr val="000000"/>
+                          </a:solidFill>
+                          <a:effectLst/>
+                        </a:rPr>
+                        <a:t>great</a:t>
+                      </a:r>
+                      <a:endParaRPr lang="en-CA" sz="1800" b="0" i="0" u="none" strike="noStrike" dirty="0">
+                        <a:solidFill>
+                          <a:srgbClr val="000000"/>
+                        </a:solidFill>
+                        <a:effectLst/>
+                        <a:latin typeface="+mn-lt"/>
+                      </a:endParaRPr>
+                    </a:p>
+                  </a:txBody>
+                  <a:tcPr marL="9525" marR="9525" marT="9525" marB="0" anchor="b"/>
+                </a:tc>
+                <a:tc>
+                  <a:txBody>
+                    <a:bodyPr/>
+                    <a:lstStyle/>
+                    <a:p>
+                      <a:pPr algn="ctr" fontAlgn="b"/>
+                      <a:r>
+                        <a:rPr lang="en-CA" sz="1800" b="0" u="none" strike="noStrike" dirty="0">
+                          <a:solidFill>
+                            <a:srgbClr val="000000"/>
+                          </a:solidFill>
+                          <a:effectLst/>
+                        </a:rPr>
+                        <a:t>stay</a:t>
+                      </a:r>
+                      <a:endParaRPr lang="en-CA" sz="1800" b="0" i="0" u="none" strike="noStrike" dirty="0">
+                        <a:solidFill>
+                          <a:srgbClr val="000000"/>
+                        </a:solidFill>
+                        <a:effectLst/>
+                        <a:latin typeface="+mn-lt"/>
+                      </a:endParaRPr>
+                    </a:p>
+                  </a:txBody>
+                  <a:tcPr marL="9525" marR="9525" marT="9525" marB="0" anchor="b"/>
+                </a:tc>
+                <a:tc>
+                  <a:txBody>
+                    <a:bodyPr/>
+                    <a:lstStyle/>
+                    <a:p>
+                      <a:pPr algn="ctr" fontAlgn="b"/>
+                      <a:r>
+                        <a:rPr lang="en-CA" sz="1800" b="0" u="none" strike="noStrike" dirty="0">
+                          <a:solidFill>
+                            <a:srgbClr val="000000"/>
+                          </a:solidFill>
+                          <a:effectLst/>
+                        </a:rPr>
+                        <a:t>great</a:t>
+                      </a:r>
+                      <a:endParaRPr lang="en-CA" sz="1800" b="0" i="0" u="none" strike="noStrike" dirty="0">
+                        <a:solidFill>
+                          <a:srgbClr val="000000"/>
+                        </a:solidFill>
+                        <a:effectLst/>
+                        <a:latin typeface="+mn-lt"/>
+                      </a:endParaRPr>
+                    </a:p>
+                  </a:txBody>
+                  <a:tcPr marL="9525" marR="9525" marT="9525" marB="0" anchor="b"/>
+                </a:tc>
+                <a:tc>
+                  <a:txBody>
+                    <a:bodyPr/>
+                    <a:lstStyle/>
+                    <a:p>
+                      <a:pPr algn="ctr" fontAlgn="b"/>
+                      <a:r>
+                        <a:rPr lang="en-CA" sz="1800" b="0" u="none" strike="noStrike">
+                          <a:solidFill>
+                            <a:srgbClr val="000000"/>
+                          </a:solidFill>
+                          <a:effectLst/>
+                        </a:rPr>
+                        <a:t>great</a:t>
+                      </a:r>
+                      <a:endParaRPr lang="en-CA" sz="1800" b="0" i="0" u="none" strike="noStrike">
+                        <a:solidFill>
+                          <a:srgbClr val="000000"/>
+                        </a:solidFill>
+                        <a:effectLst/>
+                        <a:latin typeface="+mn-lt"/>
+                      </a:endParaRPr>
+                    </a:p>
+                  </a:txBody>
+                  <a:tcPr marL="9525" marR="9525" marT="9525" marB="0" anchor="b"/>
+                </a:tc>
+                <a:tc>
+                  <a:txBody>
+                    <a:bodyPr/>
+                    <a:lstStyle/>
+                    <a:p>
+                      <a:pPr algn="ctr" fontAlgn="b"/>
+                      <a:r>
+                        <a:rPr lang="en-CA" sz="1800" b="0" u="none" strike="noStrike" dirty="0">
+                          <a:solidFill>
+                            <a:srgbClr val="000000"/>
+                          </a:solidFill>
+                          <a:effectLst/>
+                        </a:rPr>
+                        <a:t>great</a:t>
+                      </a:r>
+                      <a:endParaRPr lang="en-CA" sz="1800" b="0" i="0" u="none" strike="noStrike" dirty="0">
+                        <a:solidFill>
+                          <a:srgbClr val="000000"/>
+                        </a:solidFill>
+                        <a:effectLst/>
+                        <a:latin typeface="+mn-lt"/>
+                      </a:endParaRPr>
+                    </a:p>
+                  </a:txBody>
+                  <a:tcPr marL="9525" marR="9525" marT="9525" marB="0" anchor="b"/>
+                </a:tc>
+                <a:extLst>
+                  <a:ext uri="{0D108BD9-81ED-4DB2-BD59-A6C34878D82A}">
+                    <a16:rowId xmlns:a16="http://schemas.microsoft.com/office/drawing/2014/main" val="1698729985"/>
+                  </a:ext>
+                </a:extLst>
+              </a:tr>
+              <a:tr h="370840">
+                <a:tc>
+                  <a:txBody>
+                    <a:bodyPr/>
+                    <a:lstStyle/>
+                    <a:p>
+                      <a:pPr algn="ctr" fontAlgn="b"/>
+                      <a:r>
+                        <a:rPr lang="en-CA" sz="1800" b="0" u="none" strike="noStrike" dirty="0">
+                          <a:solidFill>
+                            <a:srgbClr val="000000"/>
+                          </a:solidFill>
+                          <a:effectLst/>
+                        </a:rPr>
+                        <a:t>3</a:t>
+                      </a:r>
+                      <a:endParaRPr lang="en-CA" sz="1800" b="0" i="0" u="none" strike="noStrike" dirty="0">
+                        <a:solidFill>
+                          <a:srgbClr val="000000"/>
+                        </a:solidFill>
+                        <a:effectLst/>
+                        <a:latin typeface="+mn-lt"/>
+                      </a:endParaRPr>
+                    </a:p>
+                  </a:txBody>
+                  <a:tcPr marL="9525" marR="9525" marT="9525" marB="0" anchor="b"/>
+                </a:tc>
+                <a:tc>
+                  <a:txBody>
+                    <a:bodyPr/>
+                    <a:lstStyle/>
+                    <a:p>
+                      <a:pPr algn="ctr" fontAlgn="b"/>
+                      <a:r>
+                        <a:rPr lang="en-CA" sz="1800" b="0" u="none" strike="noStrike">
+                          <a:solidFill>
+                            <a:srgbClr val="000000"/>
+                          </a:solidFill>
+                          <a:effectLst/>
+                        </a:rPr>
+                        <a:t>stay</a:t>
+                      </a:r>
+                      <a:endParaRPr lang="en-CA" sz="1800" b="0" i="0" u="none" strike="noStrike">
+                        <a:solidFill>
+                          <a:srgbClr val="000000"/>
+                        </a:solidFill>
+                        <a:effectLst/>
+                        <a:latin typeface="+mn-lt"/>
+                      </a:endParaRPr>
+                    </a:p>
+                  </a:txBody>
+                  <a:tcPr marL="9525" marR="9525" marT="9525" marB="0" anchor="b"/>
+                </a:tc>
+                <a:tc>
+                  <a:txBody>
+                    <a:bodyPr/>
+                    <a:lstStyle/>
+                    <a:p>
+                      <a:pPr algn="ctr" fontAlgn="b"/>
+                      <a:r>
+                        <a:rPr lang="en-CA" sz="1800" b="0" u="none" strike="noStrike" dirty="0">
+                          <a:solidFill>
+                            <a:srgbClr val="000000"/>
+                          </a:solidFill>
+                          <a:effectLst/>
+                        </a:rPr>
+                        <a:t>night</a:t>
+                      </a:r>
+                      <a:endParaRPr lang="en-CA" sz="1800" b="0" i="0" u="none" strike="noStrike" dirty="0">
+                        <a:solidFill>
+                          <a:srgbClr val="000000"/>
+                        </a:solidFill>
+                        <a:effectLst/>
+                        <a:latin typeface="+mn-lt"/>
+                      </a:endParaRPr>
+                    </a:p>
+                  </a:txBody>
+                  <a:tcPr marL="9525" marR="9525" marT="9525" marB="0" anchor="b"/>
+                </a:tc>
+                <a:tc>
+                  <a:txBody>
+                    <a:bodyPr/>
+                    <a:lstStyle/>
+                    <a:p>
+                      <a:pPr algn="ctr" fontAlgn="b"/>
+                      <a:r>
+                        <a:rPr lang="en-CA" sz="1800" b="0" u="none" strike="noStrike" dirty="0">
+                          <a:solidFill>
+                            <a:srgbClr val="000000"/>
+                          </a:solidFill>
+                          <a:effectLst/>
+                        </a:rPr>
+                        <a:t>stay</a:t>
+                      </a:r>
+                      <a:endParaRPr lang="en-CA" sz="1800" b="0" i="0" u="none" strike="noStrike" dirty="0">
+                        <a:solidFill>
+                          <a:srgbClr val="000000"/>
+                        </a:solidFill>
+                        <a:effectLst/>
+                        <a:latin typeface="+mn-lt"/>
+                      </a:endParaRPr>
+                    </a:p>
+                  </a:txBody>
+                  <a:tcPr marL="9525" marR="9525" marT="9525" marB="0" anchor="b"/>
+                </a:tc>
+                <a:tc>
+                  <a:txBody>
+                    <a:bodyPr/>
+                    <a:lstStyle/>
+                    <a:p>
+                      <a:pPr algn="ctr" fontAlgn="b"/>
+                      <a:r>
+                        <a:rPr lang="en-CA" sz="1800" b="0" u="none" strike="noStrike">
+                          <a:solidFill>
+                            <a:srgbClr val="000000"/>
+                          </a:solidFill>
+                          <a:effectLst/>
+                        </a:rPr>
+                        <a:t>stay</a:t>
+                      </a:r>
+                      <a:endParaRPr lang="en-CA" sz="1800" b="0" i="0" u="none" strike="noStrike">
+                        <a:solidFill>
+                          <a:srgbClr val="000000"/>
+                        </a:solidFill>
+                        <a:effectLst/>
+                        <a:latin typeface="+mn-lt"/>
+                      </a:endParaRPr>
+                    </a:p>
+                  </a:txBody>
+                  <a:tcPr marL="9525" marR="9525" marT="9525" marB="0" anchor="b"/>
+                </a:tc>
+                <a:tc>
+                  <a:txBody>
+                    <a:bodyPr/>
+                    <a:lstStyle/>
+                    <a:p>
+                      <a:pPr algn="ctr" fontAlgn="b"/>
+                      <a:r>
+                        <a:rPr lang="en-CA" sz="1800" b="0" u="none" strike="noStrike" dirty="0">
+                          <a:solidFill>
+                            <a:srgbClr val="000000"/>
+                          </a:solidFill>
+                          <a:effectLst/>
+                        </a:rPr>
+                        <a:t>stay</a:t>
+                      </a:r>
+                      <a:endParaRPr lang="en-CA" sz="1800" b="0" i="0" u="none" strike="noStrike" dirty="0">
+                        <a:solidFill>
+                          <a:srgbClr val="000000"/>
+                        </a:solidFill>
+                        <a:effectLst/>
+                        <a:latin typeface="+mn-lt"/>
+                      </a:endParaRPr>
+                    </a:p>
+                  </a:txBody>
+                  <a:tcPr marL="9525" marR="9525" marT="9525" marB="0" anchor="b"/>
+                </a:tc>
+                <a:extLst>
+                  <a:ext uri="{0D108BD9-81ED-4DB2-BD59-A6C34878D82A}">
+                    <a16:rowId xmlns:a16="http://schemas.microsoft.com/office/drawing/2014/main" val="689028486"/>
+                  </a:ext>
+                </a:extLst>
+              </a:tr>
+              <a:tr h="370840">
+                <a:tc>
+                  <a:txBody>
+                    <a:bodyPr/>
+                    <a:lstStyle/>
+                    <a:p>
+                      <a:pPr algn="ctr" fontAlgn="b"/>
+                      <a:r>
+                        <a:rPr lang="en-CA" sz="1800" b="0" u="none" strike="noStrike" dirty="0">
+                          <a:solidFill>
+                            <a:srgbClr val="000000"/>
+                          </a:solidFill>
+                          <a:effectLst/>
+                        </a:rPr>
+                        <a:t>4</a:t>
+                      </a:r>
+                      <a:endParaRPr lang="en-CA" sz="1800" b="0" i="0" u="none" strike="noStrike" dirty="0">
+                        <a:solidFill>
+                          <a:srgbClr val="000000"/>
+                        </a:solidFill>
+                        <a:effectLst/>
+                        <a:latin typeface="+mn-lt"/>
+                      </a:endParaRPr>
+                    </a:p>
+                  </a:txBody>
+                  <a:tcPr marL="9525" marR="9525" marT="9525" marB="0" anchor="b"/>
+                </a:tc>
+                <a:tc>
+                  <a:txBody>
+                    <a:bodyPr/>
+                    <a:lstStyle/>
+                    <a:p>
+                      <a:pPr algn="ctr" fontAlgn="b"/>
+                      <a:r>
+                        <a:rPr lang="en-CA" sz="1800" b="0" u="none" strike="noStrike">
+                          <a:solidFill>
+                            <a:srgbClr val="000000"/>
+                          </a:solidFill>
+                          <a:effectLst/>
+                        </a:rPr>
+                        <a:t>staff</a:t>
+                      </a:r>
+                      <a:endParaRPr lang="en-CA" sz="1800" b="0" i="0" u="none" strike="noStrike">
+                        <a:solidFill>
+                          <a:srgbClr val="000000"/>
+                        </a:solidFill>
+                        <a:effectLst/>
+                        <a:latin typeface="+mn-lt"/>
+                      </a:endParaRPr>
+                    </a:p>
+                  </a:txBody>
+                  <a:tcPr marL="9525" marR="9525" marT="9525" marB="0" anchor="b"/>
+                </a:tc>
+                <a:tc>
+                  <a:txBody>
+                    <a:bodyPr/>
+                    <a:lstStyle/>
+                    <a:p>
+                      <a:pPr algn="ctr" fontAlgn="b"/>
+                      <a:r>
+                        <a:rPr lang="en-CA" sz="1800" b="0" u="none" strike="noStrike">
+                          <a:solidFill>
+                            <a:srgbClr val="000000"/>
+                          </a:solidFill>
+                          <a:effectLst/>
+                        </a:rPr>
+                        <a:t>would</a:t>
+                      </a:r>
+                      <a:endParaRPr lang="en-CA" sz="1800" b="0" i="0" u="none" strike="noStrike">
+                        <a:solidFill>
+                          <a:srgbClr val="000000"/>
+                        </a:solidFill>
+                        <a:effectLst/>
+                        <a:latin typeface="+mn-lt"/>
+                      </a:endParaRPr>
+                    </a:p>
+                  </a:txBody>
+                  <a:tcPr marL="9525" marR="9525" marT="9525" marB="0" anchor="b"/>
+                </a:tc>
+                <a:tc>
+                  <a:txBody>
+                    <a:bodyPr/>
+                    <a:lstStyle/>
+                    <a:p>
+                      <a:pPr algn="ctr" fontAlgn="b"/>
+                      <a:r>
+                        <a:rPr lang="en-CA" sz="1800" b="0" u="none" strike="noStrike" dirty="0">
+                          <a:solidFill>
+                            <a:srgbClr val="000000"/>
+                          </a:solidFill>
+                          <a:effectLst/>
+                        </a:rPr>
+                        <a:t>staff</a:t>
+                      </a:r>
+                      <a:endParaRPr lang="en-CA" sz="1800" b="0" i="0" u="none" strike="noStrike" dirty="0">
+                        <a:solidFill>
+                          <a:srgbClr val="000000"/>
+                        </a:solidFill>
+                        <a:effectLst/>
+                        <a:latin typeface="+mn-lt"/>
+                      </a:endParaRPr>
+                    </a:p>
+                  </a:txBody>
+                  <a:tcPr marL="9525" marR="9525" marT="9525" marB="0" anchor="b"/>
+                </a:tc>
+                <a:tc>
+                  <a:txBody>
+                    <a:bodyPr/>
+                    <a:lstStyle/>
+                    <a:p>
+                      <a:pPr algn="ctr" fontAlgn="b"/>
+                      <a:r>
+                        <a:rPr lang="en-CA" sz="1800" b="0" u="none" strike="noStrike">
+                          <a:solidFill>
+                            <a:srgbClr val="000000"/>
+                          </a:solidFill>
+                          <a:effectLst/>
+                        </a:rPr>
+                        <a:t>staff</a:t>
+                      </a:r>
+                      <a:endParaRPr lang="en-CA" sz="1800" b="0" i="0" u="none" strike="noStrike">
+                        <a:solidFill>
+                          <a:srgbClr val="000000"/>
+                        </a:solidFill>
+                        <a:effectLst/>
+                        <a:latin typeface="+mn-lt"/>
+                      </a:endParaRPr>
+                    </a:p>
+                  </a:txBody>
+                  <a:tcPr marL="9525" marR="9525" marT="9525" marB="0" anchor="b"/>
+                </a:tc>
+                <a:tc>
+                  <a:txBody>
+                    <a:bodyPr/>
+                    <a:lstStyle/>
+                    <a:p>
+                      <a:pPr algn="ctr" fontAlgn="b"/>
+                      <a:r>
+                        <a:rPr lang="en-CA" sz="1800" b="0" u="none" strike="noStrike" dirty="0">
+                          <a:solidFill>
+                            <a:srgbClr val="000000"/>
+                          </a:solidFill>
+                          <a:effectLst/>
+                        </a:rPr>
+                        <a:t>staff</a:t>
+                      </a:r>
+                      <a:endParaRPr lang="en-CA" sz="1800" b="0" i="0" u="none" strike="noStrike" dirty="0">
+                        <a:solidFill>
+                          <a:srgbClr val="000000"/>
+                        </a:solidFill>
+                        <a:effectLst/>
+                        <a:latin typeface="+mn-lt"/>
+                      </a:endParaRPr>
+                    </a:p>
+                  </a:txBody>
+                  <a:tcPr marL="9525" marR="9525" marT="9525" marB="0" anchor="b"/>
+                </a:tc>
+                <a:extLst>
+                  <a:ext uri="{0D108BD9-81ED-4DB2-BD59-A6C34878D82A}">
+                    <a16:rowId xmlns:a16="http://schemas.microsoft.com/office/drawing/2014/main" val="966234708"/>
+                  </a:ext>
+                </a:extLst>
+              </a:tr>
+              <a:tr h="370840">
+                <a:tc>
+                  <a:txBody>
+                    <a:bodyPr/>
+                    <a:lstStyle/>
+                    <a:p>
+                      <a:pPr algn="ctr" fontAlgn="b"/>
+                      <a:r>
+                        <a:rPr lang="en-CA" sz="1800" b="0" u="none" strike="noStrike">
+                          <a:solidFill>
+                            <a:srgbClr val="000000"/>
+                          </a:solidFill>
+                          <a:effectLst/>
+                        </a:rPr>
+                        <a:t>5</a:t>
+                      </a:r>
+                      <a:endParaRPr lang="en-CA" sz="1800" b="0" i="0" u="none" strike="noStrike">
+                        <a:solidFill>
+                          <a:srgbClr val="000000"/>
+                        </a:solidFill>
+                        <a:effectLst/>
+                        <a:latin typeface="+mn-lt"/>
+                      </a:endParaRPr>
+                    </a:p>
+                  </a:txBody>
+                  <a:tcPr marL="9525" marR="9525" marT="9525" marB="0" anchor="b"/>
+                </a:tc>
+                <a:tc>
+                  <a:txBody>
+                    <a:bodyPr/>
+                    <a:lstStyle/>
+                    <a:p>
+                      <a:pPr algn="ctr" fontAlgn="b"/>
+                      <a:r>
+                        <a:rPr lang="en-CA" sz="1800" b="0" u="none" strike="noStrike" dirty="0">
+                          <a:solidFill>
+                            <a:srgbClr val="000000"/>
+                          </a:solidFill>
+                          <a:effectLst/>
+                        </a:rPr>
+                        <a:t>nice</a:t>
+                      </a:r>
+                      <a:endParaRPr lang="en-CA" sz="1800" b="0" i="0" u="none" strike="noStrike" dirty="0">
+                        <a:solidFill>
+                          <a:srgbClr val="000000"/>
+                        </a:solidFill>
+                        <a:effectLst/>
+                        <a:latin typeface="+mn-lt"/>
+                      </a:endParaRPr>
+                    </a:p>
+                  </a:txBody>
+                  <a:tcPr marL="9525" marR="9525" marT="9525" marB="0" anchor="b"/>
+                </a:tc>
+                <a:tc>
+                  <a:txBody>
+                    <a:bodyPr/>
+                    <a:lstStyle/>
+                    <a:p>
+                      <a:pPr algn="ctr" fontAlgn="b"/>
+                      <a:r>
+                        <a:rPr lang="en-CA" sz="1800" b="0" u="none" strike="noStrike">
+                          <a:solidFill>
+                            <a:srgbClr val="000000"/>
+                          </a:solidFill>
+                          <a:effectLst/>
+                        </a:rPr>
+                        <a:t>one</a:t>
+                      </a:r>
+                      <a:endParaRPr lang="en-CA" sz="1800" b="0" i="0" u="none" strike="noStrike">
+                        <a:solidFill>
+                          <a:srgbClr val="000000"/>
+                        </a:solidFill>
+                        <a:effectLst/>
+                        <a:latin typeface="+mn-lt"/>
+                      </a:endParaRPr>
+                    </a:p>
+                  </a:txBody>
+                  <a:tcPr marL="9525" marR="9525" marT="9525" marB="0" anchor="b"/>
+                </a:tc>
+                <a:tc>
+                  <a:txBody>
+                    <a:bodyPr/>
+                    <a:lstStyle/>
+                    <a:p>
+                      <a:pPr algn="ctr" fontAlgn="b"/>
+                      <a:r>
+                        <a:rPr lang="en-CA" sz="1800" b="0" u="none" strike="noStrike" dirty="0">
+                          <a:solidFill>
+                            <a:srgbClr val="000000"/>
+                          </a:solidFill>
+                          <a:effectLst/>
+                        </a:rPr>
+                        <a:t>nice</a:t>
+                      </a:r>
+                      <a:endParaRPr lang="en-CA" sz="1800" b="0" i="0" u="none" strike="noStrike" dirty="0">
+                        <a:solidFill>
+                          <a:srgbClr val="000000"/>
+                        </a:solidFill>
+                        <a:effectLst/>
+                        <a:latin typeface="+mn-lt"/>
+                      </a:endParaRPr>
+                    </a:p>
+                  </a:txBody>
+                  <a:tcPr marL="9525" marR="9525" marT="9525" marB="0" anchor="b"/>
+                </a:tc>
+                <a:tc>
+                  <a:txBody>
+                    <a:bodyPr/>
+                    <a:lstStyle/>
+                    <a:p>
+                      <a:pPr algn="ctr" fontAlgn="b"/>
+                      <a:r>
+                        <a:rPr lang="en-CA" sz="1800" b="0" u="none" strike="noStrike" dirty="0">
+                          <a:solidFill>
+                            <a:srgbClr val="000000"/>
+                          </a:solidFill>
+                          <a:effectLst/>
+                        </a:rPr>
+                        <a:t>nice</a:t>
+                      </a:r>
+                      <a:endParaRPr lang="en-CA" sz="1800" b="0" i="0" u="none" strike="noStrike" dirty="0">
+                        <a:solidFill>
+                          <a:srgbClr val="000000"/>
+                        </a:solidFill>
+                        <a:effectLst/>
+                        <a:latin typeface="+mn-lt"/>
+                      </a:endParaRPr>
+                    </a:p>
+                  </a:txBody>
+                  <a:tcPr marL="9525" marR="9525" marT="9525" marB="0" anchor="b"/>
+                </a:tc>
+                <a:tc>
+                  <a:txBody>
+                    <a:bodyPr/>
+                    <a:lstStyle/>
+                    <a:p>
+                      <a:pPr algn="ctr" fontAlgn="b"/>
+                      <a:r>
+                        <a:rPr lang="en-CA" sz="1800" b="0" u="none" strike="noStrike" dirty="0">
+                          <a:solidFill>
+                            <a:srgbClr val="000000"/>
+                          </a:solidFill>
+                          <a:effectLst/>
+                        </a:rPr>
+                        <a:t>clean</a:t>
+                      </a:r>
+                      <a:endParaRPr lang="en-CA" sz="1800" b="0" i="0" u="none" strike="noStrike" dirty="0">
+                        <a:solidFill>
+                          <a:srgbClr val="000000"/>
+                        </a:solidFill>
+                        <a:effectLst/>
+                        <a:latin typeface="+mn-lt"/>
+                      </a:endParaRPr>
+                    </a:p>
+                  </a:txBody>
+                  <a:tcPr marL="9525" marR="9525" marT="9525" marB="0" anchor="b"/>
+                </a:tc>
+                <a:extLst>
+                  <a:ext uri="{0D108BD9-81ED-4DB2-BD59-A6C34878D82A}">
+                    <a16:rowId xmlns:a16="http://schemas.microsoft.com/office/drawing/2014/main" val="3131120491"/>
+                  </a:ext>
+                </a:extLst>
+              </a:tr>
+              <a:tr h="370840">
+                <a:tc>
+                  <a:txBody>
+                    <a:bodyPr/>
+                    <a:lstStyle/>
+                    <a:p>
+                      <a:pPr algn="ctr" fontAlgn="b"/>
+                      <a:r>
+                        <a:rPr lang="en-CA" sz="1800" b="0" u="none" strike="noStrike" dirty="0">
+                          <a:solidFill>
+                            <a:srgbClr val="000000"/>
+                          </a:solidFill>
+                          <a:effectLst/>
+                        </a:rPr>
+                        <a:t>6</a:t>
+                      </a:r>
+                      <a:endParaRPr lang="en-CA" sz="1800" b="0" i="0" u="none" strike="noStrike" dirty="0">
+                        <a:solidFill>
+                          <a:srgbClr val="000000"/>
+                        </a:solidFill>
+                        <a:effectLst/>
+                        <a:latin typeface="+mn-lt"/>
+                      </a:endParaRPr>
+                    </a:p>
+                  </a:txBody>
+                  <a:tcPr marL="9525" marR="9525" marT="9525" marB="0" anchor="b"/>
+                </a:tc>
+                <a:tc>
+                  <a:txBody>
+                    <a:bodyPr/>
+                    <a:lstStyle/>
+                    <a:p>
+                      <a:pPr algn="ctr" fontAlgn="b"/>
+                      <a:r>
+                        <a:rPr lang="en-CA" sz="1800" b="0" u="none" strike="noStrike">
+                          <a:solidFill>
+                            <a:srgbClr val="000000"/>
+                          </a:solidFill>
+                          <a:effectLst/>
+                        </a:rPr>
+                        <a:t>location</a:t>
+                      </a:r>
+                      <a:endParaRPr lang="en-CA" sz="1800" b="0" i="0" u="none" strike="noStrike">
+                        <a:solidFill>
+                          <a:srgbClr val="000000"/>
+                        </a:solidFill>
+                        <a:effectLst/>
+                        <a:latin typeface="+mn-lt"/>
+                      </a:endParaRPr>
+                    </a:p>
+                  </a:txBody>
+                  <a:tcPr marL="9525" marR="9525" marT="9525" marB="0" anchor="b"/>
+                </a:tc>
+                <a:tc>
+                  <a:txBody>
+                    <a:bodyPr/>
+                    <a:lstStyle/>
+                    <a:p>
+                      <a:pPr algn="ctr" fontAlgn="b"/>
+                      <a:r>
+                        <a:rPr lang="en-CA" sz="1800" b="0" u="none" strike="noStrike">
+                          <a:solidFill>
+                            <a:srgbClr val="000000"/>
+                          </a:solidFill>
+                          <a:effectLst/>
+                        </a:rPr>
+                        <a:t>staff</a:t>
+                      </a:r>
+                      <a:endParaRPr lang="en-CA" sz="1800" b="0" i="0" u="none" strike="noStrike">
+                        <a:solidFill>
+                          <a:srgbClr val="000000"/>
+                        </a:solidFill>
+                        <a:effectLst/>
+                        <a:latin typeface="+mn-lt"/>
+                      </a:endParaRPr>
+                    </a:p>
+                  </a:txBody>
+                  <a:tcPr marL="9525" marR="9525" marT="9525" marB="0" anchor="b"/>
+                </a:tc>
+                <a:tc>
+                  <a:txBody>
+                    <a:bodyPr/>
+                    <a:lstStyle/>
+                    <a:p>
+                      <a:pPr algn="ctr" fontAlgn="b"/>
+                      <a:r>
+                        <a:rPr lang="en-CA" sz="1800" b="0" u="none" strike="noStrike" dirty="0">
+                          <a:solidFill>
+                            <a:srgbClr val="000000"/>
+                          </a:solidFill>
+                          <a:effectLst/>
+                        </a:rPr>
+                        <a:t>location</a:t>
+                      </a:r>
+                      <a:endParaRPr lang="en-CA" sz="1800" b="0" i="0" u="none" strike="noStrike" dirty="0">
+                        <a:solidFill>
+                          <a:srgbClr val="000000"/>
+                        </a:solidFill>
+                        <a:effectLst/>
+                        <a:latin typeface="+mn-lt"/>
+                      </a:endParaRPr>
+                    </a:p>
+                  </a:txBody>
+                  <a:tcPr marL="9525" marR="9525" marT="9525" marB="0" anchor="b"/>
+                </a:tc>
+                <a:tc>
+                  <a:txBody>
+                    <a:bodyPr/>
+                    <a:lstStyle/>
+                    <a:p>
+                      <a:pPr algn="ctr" fontAlgn="b"/>
+                      <a:r>
+                        <a:rPr lang="en-CA" sz="1800" b="0" u="none" strike="noStrike" dirty="0">
+                          <a:solidFill>
+                            <a:srgbClr val="000000"/>
+                          </a:solidFill>
+                          <a:effectLst/>
+                        </a:rPr>
+                        <a:t>location</a:t>
+                      </a:r>
+                      <a:endParaRPr lang="en-CA" sz="1800" b="0" i="0" u="none" strike="noStrike" dirty="0">
+                        <a:solidFill>
+                          <a:srgbClr val="000000"/>
+                        </a:solidFill>
+                        <a:effectLst/>
+                        <a:latin typeface="+mn-lt"/>
+                      </a:endParaRPr>
+                    </a:p>
+                  </a:txBody>
+                  <a:tcPr marL="9525" marR="9525" marT="9525" marB="0" anchor="b"/>
+                </a:tc>
+                <a:tc>
+                  <a:txBody>
+                    <a:bodyPr/>
+                    <a:lstStyle/>
+                    <a:p>
+                      <a:pPr algn="ctr" fontAlgn="b"/>
+                      <a:r>
+                        <a:rPr lang="en-CA" sz="1800" b="0" u="none" strike="noStrike" dirty="0">
+                          <a:solidFill>
+                            <a:srgbClr val="000000"/>
+                          </a:solidFill>
+                          <a:effectLst/>
+                        </a:rPr>
+                        <a:t>nice</a:t>
+                      </a:r>
+                      <a:endParaRPr lang="en-CA" sz="1800" b="0" i="0" u="none" strike="noStrike" dirty="0">
+                        <a:solidFill>
+                          <a:srgbClr val="000000"/>
+                        </a:solidFill>
+                        <a:effectLst/>
+                        <a:latin typeface="+mn-lt"/>
+                      </a:endParaRPr>
+                    </a:p>
+                  </a:txBody>
+                  <a:tcPr marL="9525" marR="9525" marT="9525" marB="0" anchor="b"/>
+                </a:tc>
+                <a:extLst>
+                  <a:ext uri="{0D108BD9-81ED-4DB2-BD59-A6C34878D82A}">
+                    <a16:rowId xmlns:a16="http://schemas.microsoft.com/office/drawing/2014/main" val="1585213908"/>
+                  </a:ext>
+                </a:extLst>
+              </a:tr>
+              <a:tr h="370840">
+                <a:tc>
+                  <a:txBody>
+                    <a:bodyPr/>
+                    <a:lstStyle/>
+                    <a:p>
+                      <a:pPr algn="ctr" fontAlgn="b"/>
+                      <a:r>
+                        <a:rPr lang="en-CA" sz="1800" b="0" u="none" strike="noStrike" dirty="0">
+                          <a:solidFill>
+                            <a:srgbClr val="000000"/>
+                          </a:solidFill>
+                          <a:effectLst/>
+                        </a:rPr>
+                        <a:t>7</a:t>
+                      </a:r>
+                      <a:endParaRPr lang="en-CA" sz="1800" b="0" i="0" u="none" strike="noStrike" dirty="0">
+                        <a:solidFill>
+                          <a:srgbClr val="000000"/>
+                        </a:solidFill>
+                        <a:effectLst/>
+                        <a:latin typeface="+mn-lt"/>
+                      </a:endParaRPr>
+                    </a:p>
+                  </a:txBody>
+                  <a:tcPr marL="9525" marR="9525" marT="9525" marB="0" anchor="b"/>
+                </a:tc>
+                <a:tc>
+                  <a:txBody>
+                    <a:bodyPr/>
+                    <a:lstStyle/>
+                    <a:p>
+                      <a:pPr algn="ctr" fontAlgn="b"/>
+                      <a:r>
+                        <a:rPr lang="en-CA" sz="1800" b="0" u="none" strike="noStrike">
+                          <a:solidFill>
+                            <a:srgbClr val="000000"/>
+                          </a:solidFill>
+                          <a:effectLst/>
+                        </a:rPr>
+                        <a:t>good</a:t>
+                      </a:r>
+                      <a:endParaRPr lang="en-CA" sz="1800" b="0" i="0" u="none" strike="noStrike">
+                        <a:solidFill>
+                          <a:srgbClr val="000000"/>
+                        </a:solidFill>
+                        <a:effectLst/>
+                        <a:latin typeface="+mn-lt"/>
+                      </a:endParaRPr>
+                    </a:p>
+                  </a:txBody>
+                  <a:tcPr marL="9525" marR="9525" marT="9525" marB="0" anchor="b"/>
+                </a:tc>
+                <a:tc>
+                  <a:txBody>
+                    <a:bodyPr/>
+                    <a:lstStyle/>
+                    <a:p>
+                      <a:pPr algn="ctr" fontAlgn="b"/>
+                      <a:r>
+                        <a:rPr lang="en-CA" sz="1800" b="0" u="none" strike="noStrike">
+                          <a:solidFill>
+                            <a:srgbClr val="000000"/>
+                          </a:solidFill>
+                          <a:effectLst/>
+                        </a:rPr>
+                        <a:t>desk</a:t>
+                      </a:r>
+                      <a:endParaRPr lang="en-CA" sz="1800" b="0" i="0" u="none" strike="noStrike">
+                        <a:solidFill>
+                          <a:srgbClr val="000000"/>
+                        </a:solidFill>
+                        <a:effectLst/>
+                        <a:latin typeface="+mn-lt"/>
+                      </a:endParaRPr>
+                    </a:p>
+                  </a:txBody>
+                  <a:tcPr marL="9525" marR="9525" marT="9525" marB="0" anchor="b"/>
+                </a:tc>
+                <a:tc>
+                  <a:txBody>
+                    <a:bodyPr/>
+                    <a:lstStyle/>
+                    <a:p>
+                      <a:pPr algn="ctr" fontAlgn="b"/>
+                      <a:r>
+                        <a:rPr lang="en-CA" sz="1800" b="0" u="none" strike="noStrike">
+                          <a:solidFill>
+                            <a:srgbClr val="000000"/>
+                          </a:solidFill>
+                          <a:effectLst/>
+                        </a:rPr>
+                        <a:t>clean</a:t>
+                      </a:r>
+                      <a:endParaRPr lang="en-CA" sz="1800" b="0" i="0" u="none" strike="noStrike">
+                        <a:solidFill>
+                          <a:srgbClr val="000000"/>
+                        </a:solidFill>
+                        <a:effectLst/>
+                        <a:latin typeface="+mn-lt"/>
+                      </a:endParaRPr>
+                    </a:p>
+                  </a:txBody>
+                  <a:tcPr marL="9525" marR="9525" marT="9525" marB="0" anchor="b"/>
+                </a:tc>
+                <a:tc>
+                  <a:txBody>
+                    <a:bodyPr/>
+                    <a:lstStyle/>
+                    <a:p>
+                      <a:pPr algn="ctr" fontAlgn="b"/>
+                      <a:r>
+                        <a:rPr lang="en-CA" sz="1800" b="0" u="none" strike="noStrike" dirty="0">
+                          <a:solidFill>
+                            <a:srgbClr val="000000"/>
+                          </a:solidFill>
+                          <a:effectLst/>
+                        </a:rPr>
+                        <a:t>good</a:t>
+                      </a:r>
+                      <a:endParaRPr lang="en-CA" sz="1800" b="0" i="0" u="none" strike="noStrike" dirty="0">
+                        <a:solidFill>
+                          <a:srgbClr val="000000"/>
+                        </a:solidFill>
+                        <a:effectLst/>
+                        <a:latin typeface="+mn-lt"/>
+                      </a:endParaRPr>
+                    </a:p>
+                  </a:txBody>
+                  <a:tcPr marL="9525" marR="9525" marT="9525" marB="0" anchor="b"/>
+                </a:tc>
+                <a:tc>
+                  <a:txBody>
+                    <a:bodyPr/>
+                    <a:lstStyle/>
+                    <a:p>
+                      <a:pPr algn="ctr" fontAlgn="b"/>
+                      <a:r>
+                        <a:rPr lang="en-CA" sz="1800" b="0" u="none" strike="noStrike" dirty="0">
+                          <a:solidFill>
+                            <a:srgbClr val="000000"/>
+                          </a:solidFill>
+                          <a:effectLst/>
+                        </a:rPr>
+                        <a:t>service</a:t>
+                      </a:r>
+                      <a:endParaRPr lang="en-CA" sz="1800" b="0" i="0" u="none" strike="noStrike" dirty="0">
+                        <a:solidFill>
+                          <a:srgbClr val="000000"/>
+                        </a:solidFill>
+                        <a:effectLst/>
+                        <a:latin typeface="+mn-lt"/>
+                      </a:endParaRPr>
+                    </a:p>
+                  </a:txBody>
+                  <a:tcPr marL="9525" marR="9525" marT="9525" marB="0" anchor="b"/>
+                </a:tc>
+                <a:extLst>
+                  <a:ext uri="{0D108BD9-81ED-4DB2-BD59-A6C34878D82A}">
+                    <a16:rowId xmlns:a16="http://schemas.microsoft.com/office/drawing/2014/main" val="3620469889"/>
+                  </a:ext>
+                </a:extLst>
+              </a:tr>
+              <a:tr h="370840">
+                <a:tc>
+                  <a:txBody>
+                    <a:bodyPr/>
+                    <a:lstStyle/>
+                    <a:p>
+                      <a:pPr algn="ctr" fontAlgn="b"/>
+                      <a:r>
+                        <a:rPr lang="en-CA" sz="1800" b="0" u="none" strike="noStrike" dirty="0">
+                          <a:solidFill>
+                            <a:srgbClr val="000000"/>
+                          </a:solidFill>
+                          <a:effectLst/>
+                        </a:rPr>
+                        <a:t>8</a:t>
+                      </a:r>
+                      <a:endParaRPr lang="en-CA" sz="1800" b="0" i="0" u="none" strike="noStrike" dirty="0">
+                        <a:solidFill>
+                          <a:srgbClr val="000000"/>
+                        </a:solidFill>
+                        <a:effectLst/>
+                        <a:latin typeface="+mn-lt"/>
+                      </a:endParaRPr>
+                    </a:p>
+                  </a:txBody>
+                  <a:tcPr marL="9525" marR="9525" marT="9525" marB="0" anchor="b"/>
+                </a:tc>
+                <a:tc>
+                  <a:txBody>
+                    <a:bodyPr/>
+                    <a:lstStyle/>
+                    <a:p>
+                      <a:pPr algn="ctr" fontAlgn="b"/>
+                      <a:r>
+                        <a:rPr lang="en-CA" sz="1800" b="0" u="none" strike="noStrike">
+                          <a:solidFill>
+                            <a:srgbClr val="000000"/>
+                          </a:solidFill>
+                          <a:effectLst/>
+                        </a:rPr>
+                        <a:t>clean</a:t>
+                      </a:r>
+                      <a:endParaRPr lang="en-CA" sz="1800" b="0" i="0" u="none" strike="noStrike">
+                        <a:solidFill>
+                          <a:srgbClr val="000000"/>
+                        </a:solidFill>
+                        <a:effectLst/>
+                        <a:latin typeface="+mn-lt"/>
+                      </a:endParaRPr>
+                    </a:p>
+                  </a:txBody>
+                  <a:tcPr marL="9525" marR="9525" marT="9525" marB="0" anchor="b"/>
+                </a:tc>
+                <a:tc>
+                  <a:txBody>
+                    <a:bodyPr/>
+                    <a:lstStyle/>
+                    <a:p>
+                      <a:pPr algn="ctr" fontAlgn="b"/>
+                      <a:r>
+                        <a:rPr lang="en-CA" sz="1800" b="0" u="none" strike="noStrike">
+                          <a:solidFill>
+                            <a:srgbClr val="000000"/>
+                          </a:solidFill>
+                          <a:effectLst/>
+                        </a:rPr>
+                        <a:t>service</a:t>
+                      </a:r>
+                      <a:endParaRPr lang="en-CA" sz="1800" b="0" i="0" u="none" strike="noStrike">
+                        <a:solidFill>
+                          <a:srgbClr val="000000"/>
+                        </a:solidFill>
+                        <a:effectLst/>
+                        <a:latin typeface="+mn-lt"/>
+                      </a:endParaRPr>
+                    </a:p>
+                  </a:txBody>
+                  <a:tcPr marL="9525" marR="9525" marT="9525" marB="0" anchor="b"/>
+                </a:tc>
+                <a:tc>
+                  <a:txBody>
+                    <a:bodyPr/>
+                    <a:lstStyle/>
+                    <a:p>
+                      <a:pPr algn="ctr" fontAlgn="b"/>
+                      <a:r>
+                        <a:rPr lang="en-CA" sz="1800" b="0" u="none" strike="noStrike">
+                          <a:solidFill>
+                            <a:srgbClr val="000000"/>
+                          </a:solidFill>
+                          <a:effectLst/>
+                        </a:rPr>
+                        <a:t>good</a:t>
+                      </a:r>
+                      <a:endParaRPr lang="en-CA" sz="1800" b="0" i="0" u="none" strike="noStrike">
+                        <a:solidFill>
+                          <a:srgbClr val="000000"/>
+                        </a:solidFill>
+                        <a:effectLst/>
+                        <a:latin typeface="+mn-lt"/>
+                      </a:endParaRPr>
+                    </a:p>
+                  </a:txBody>
+                  <a:tcPr marL="9525" marR="9525" marT="9525" marB="0" anchor="b"/>
+                </a:tc>
+                <a:tc>
+                  <a:txBody>
+                    <a:bodyPr/>
+                    <a:lstStyle/>
+                    <a:p>
+                      <a:pPr algn="ctr" fontAlgn="b"/>
+                      <a:r>
+                        <a:rPr lang="en-CA" sz="1800" b="0" u="none" strike="noStrike" dirty="0">
+                          <a:solidFill>
+                            <a:srgbClr val="000000"/>
+                          </a:solidFill>
+                          <a:effectLst/>
+                        </a:rPr>
+                        <a:t>clean</a:t>
+                      </a:r>
+                      <a:endParaRPr lang="en-CA" sz="1800" b="0" i="0" u="none" strike="noStrike" dirty="0">
+                        <a:solidFill>
+                          <a:srgbClr val="000000"/>
+                        </a:solidFill>
+                        <a:effectLst/>
+                        <a:latin typeface="+mn-lt"/>
+                      </a:endParaRPr>
+                    </a:p>
+                  </a:txBody>
+                  <a:tcPr marL="9525" marR="9525" marT="9525" marB="0" anchor="b"/>
+                </a:tc>
+                <a:tc>
+                  <a:txBody>
+                    <a:bodyPr/>
+                    <a:lstStyle/>
+                    <a:p>
+                      <a:pPr algn="ctr" fontAlgn="b"/>
+                      <a:r>
+                        <a:rPr lang="en-CA" sz="1800" b="0" u="none" strike="noStrike" dirty="0">
+                          <a:solidFill>
+                            <a:srgbClr val="000000"/>
+                          </a:solidFill>
+                          <a:effectLst/>
+                        </a:rPr>
+                        <a:t>location</a:t>
+                      </a:r>
+                      <a:endParaRPr lang="en-CA" sz="1800" b="0" i="0" u="none" strike="noStrike" dirty="0">
+                        <a:solidFill>
+                          <a:srgbClr val="000000"/>
+                        </a:solidFill>
+                        <a:effectLst/>
+                        <a:latin typeface="+mn-lt"/>
+                      </a:endParaRPr>
+                    </a:p>
+                  </a:txBody>
+                  <a:tcPr marL="9525" marR="9525" marT="9525" marB="0" anchor="b"/>
+                </a:tc>
+                <a:extLst>
+                  <a:ext uri="{0D108BD9-81ED-4DB2-BD59-A6C34878D82A}">
+                    <a16:rowId xmlns:a16="http://schemas.microsoft.com/office/drawing/2014/main" val="495499042"/>
+                  </a:ext>
+                </a:extLst>
+              </a:tr>
+              <a:tr h="370840">
+                <a:tc>
+                  <a:txBody>
+                    <a:bodyPr/>
+                    <a:lstStyle/>
+                    <a:p>
+                      <a:pPr algn="ctr" fontAlgn="b"/>
+                      <a:r>
+                        <a:rPr lang="en-CA" sz="1800" b="0" u="none" strike="noStrike" dirty="0">
+                          <a:solidFill>
+                            <a:srgbClr val="000000"/>
+                          </a:solidFill>
+                          <a:effectLst/>
+                        </a:rPr>
+                        <a:t>9</a:t>
+                      </a:r>
+                      <a:endParaRPr lang="en-CA" sz="1800" b="0" i="0" u="none" strike="noStrike" dirty="0">
+                        <a:solidFill>
+                          <a:srgbClr val="000000"/>
+                        </a:solidFill>
+                        <a:effectLst/>
+                        <a:latin typeface="+mn-lt"/>
+                      </a:endParaRPr>
+                    </a:p>
+                  </a:txBody>
+                  <a:tcPr marL="9525" marR="9525" marT="9525" marB="0" anchor="b"/>
+                </a:tc>
+                <a:tc>
+                  <a:txBody>
+                    <a:bodyPr/>
+                    <a:lstStyle/>
+                    <a:p>
+                      <a:pPr algn="ctr" fontAlgn="b"/>
+                      <a:r>
+                        <a:rPr lang="en-CA" sz="1800" b="0" u="none" strike="noStrike">
+                          <a:solidFill>
+                            <a:srgbClr val="000000"/>
+                          </a:solidFill>
+                          <a:effectLst/>
+                        </a:rPr>
+                        <a:t>service</a:t>
+                      </a:r>
+                      <a:endParaRPr lang="en-CA" sz="1800" b="0" i="0" u="none" strike="noStrike">
+                        <a:solidFill>
+                          <a:srgbClr val="000000"/>
+                        </a:solidFill>
+                        <a:effectLst/>
+                        <a:latin typeface="+mn-lt"/>
+                      </a:endParaRPr>
+                    </a:p>
+                  </a:txBody>
+                  <a:tcPr marL="9525" marR="9525" marT="9525" marB="0" anchor="b"/>
+                </a:tc>
+                <a:tc>
+                  <a:txBody>
+                    <a:bodyPr/>
+                    <a:lstStyle/>
+                    <a:p>
+                      <a:pPr algn="ctr" fontAlgn="b"/>
+                      <a:r>
+                        <a:rPr lang="en-CA" sz="1800" b="0" u="none" strike="noStrike">
+                          <a:solidFill>
+                            <a:srgbClr val="000000"/>
+                          </a:solidFill>
+                          <a:effectLst/>
+                        </a:rPr>
+                        <a:t>bed</a:t>
+                      </a:r>
+                      <a:endParaRPr lang="en-CA" sz="1800" b="0" i="0" u="none" strike="noStrike">
+                        <a:solidFill>
+                          <a:srgbClr val="000000"/>
+                        </a:solidFill>
+                        <a:effectLst/>
+                        <a:latin typeface="+mn-lt"/>
+                      </a:endParaRPr>
+                    </a:p>
+                  </a:txBody>
+                  <a:tcPr marL="9525" marR="9525" marT="9525" marB="0" anchor="b"/>
+                </a:tc>
+                <a:tc>
+                  <a:txBody>
+                    <a:bodyPr/>
+                    <a:lstStyle/>
+                    <a:p>
+                      <a:pPr algn="ctr" fontAlgn="b"/>
+                      <a:r>
+                        <a:rPr lang="en-CA" sz="1800" b="0" u="none" strike="noStrike">
+                          <a:solidFill>
+                            <a:srgbClr val="000000"/>
+                          </a:solidFill>
+                          <a:effectLst/>
+                        </a:rPr>
+                        <a:t>breakfast</a:t>
+                      </a:r>
+                      <a:endParaRPr lang="en-CA" sz="1800" b="0" i="0" u="none" strike="noStrike">
+                        <a:solidFill>
+                          <a:srgbClr val="000000"/>
+                        </a:solidFill>
+                        <a:effectLst/>
+                        <a:latin typeface="+mn-lt"/>
+                      </a:endParaRPr>
+                    </a:p>
+                  </a:txBody>
+                  <a:tcPr marL="9525" marR="9525" marT="9525" marB="0" anchor="b"/>
+                </a:tc>
+                <a:tc>
+                  <a:txBody>
+                    <a:bodyPr/>
+                    <a:lstStyle/>
+                    <a:p>
+                      <a:pPr algn="ctr" fontAlgn="b"/>
+                      <a:r>
+                        <a:rPr lang="en-CA" sz="1800" b="0" u="none" strike="noStrike" dirty="0">
+                          <a:solidFill>
+                            <a:srgbClr val="000000"/>
+                          </a:solidFill>
+                          <a:effectLst/>
+                        </a:rPr>
+                        <a:t>breakfast</a:t>
+                      </a:r>
+                      <a:endParaRPr lang="en-CA" sz="1800" b="0" i="0" u="none" strike="noStrike" dirty="0">
+                        <a:solidFill>
+                          <a:srgbClr val="000000"/>
+                        </a:solidFill>
+                        <a:effectLst/>
+                        <a:latin typeface="+mn-lt"/>
+                      </a:endParaRPr>
+                    </a:p>
+                  </a:txBody>
+                  <a:tcPr marL="9525" marR="9525" marT="9525" marB="0" anchor="b"/>
+                </a:tc>
+                <a:tc>
+                  <a:txBody>
+                    <a:bodyPr/>
+                    <a:lstStyle/>
+                    <a:p>
+                      <a:pPr algn="ctr" fontAlgn="b"/>
+                      <a:r>
+                        <a:rPr lang="en-CA" sz="1800" b="0" u="none" strike="noStrike" dirty="0">
+                          <a:solidFill>
+                            <a:srgbClr val="000000"/>
+                          </a:solidFill>
+                          <a:effectLst/>
+                        </a:rPr>
+                        <a:t>time</a:t>
+                      </a:r>
+                      <a:endParaRPr lang="en-CA" sz="1800" b="0" i="0" u="none" strike="noStrike" dirty="0">
+                        <a:solidFill>
+                          <a:srgbClr val="000000"/>
+                        </a:solidFill>
+                        <a:effectLst/>
+                        <a:latin typeface="+mn-lt"/>
+                      </a:endParaRPr>
+                    </a:p>
+                  </a:txBody>
+                  <a:tcPr marL="9525" marR="9525" marT="9525" marB="0" anchor="b"/>
+                </a:tc>
+                <a:extLst>
+                  <a:ext uri="{0D108BD9-81ED-4DB2-BD59-A6C34878D82A}">
+                    <a16:rowId xmlns:a16="http://schemas.microsoft.com/office/drawing/2014/main" val="4058368772"/>
+                  </a:ext>
+                </a:extLst>
+              </a:tr>
+              <a:tr h="370840">
+                <a:tc>
+                  <a:txBody>
+                    <a:bodyPr/>
+                    <a:lstStyle/>
+                    <a:p>
+                      <a:pPr algn="ctr" fontAlgn="b"/>
+                      <a:r>
+                        <a:rPr lang="en-CA" sz="1800" b="0" u="none" strike="noStrike" dirty="0">
+                          <a:solidFill>
+                            <a:srgbClr val="000000"/>
+                          </a:solidFill>
+                          <a:effectLst/>
+                        </a:rPr>
+                        <a:t>10</a:t>
+                      </a:r>
+                      <a:endParaRPr lang="en-CA" sz="1800" b="0" i="0" u="none" strike="noStrike" dirty="0">
+                        <a:solidFill>
+                          <a:srgbClr val="000000"/>
+                        </a:solidFill>
+                        <a:effectLst/>
+                        <a:latin typeface="+mn-lt"/>
+                      </a:endParaRPr>
+                    </a:p>
+                  </a:txBody>
+                  <a:tcPr marL="9525" marR="9525" marT="9525" marB="0" anchor="b"/>
+                </a:tc>
+                <a:tc>
+                  <a:txBody>
+                    <a:bodyPr/>
+                    <a:lstStyle/>
+                    <a:p>
+                      <a:pPr algn="ctr" fontAlgn="b"/>
+                      <a:r>
+                        <a:rPr lang="en-CA" sz="1800" b="0" u="none" strike="noStrike">
+                          <a:solidFill>
+                            <a:srgbClr val="000000"/>
+                          </a:solidFill>
+                          <a:effectLst/>
+                        </a:rPr>
+                        <a:t>breakfast</a:t>
+                      </a:r>
+                      <a:endParaRPr lang="en-CA" sz="1800" b="0" i="0" u="none" strike="noStrike">
+                        <a:solidFill>
+                          <a:srgbClr val="000000"/>
+                        </a:solidFill>
+                        <a:effectLst/>
+                        <a:latin typeface="+mn-lt"/>
+                      </a:endParaRPr>
+                    </a:p>
+                  </a:txBody>
+                  <a:tcPr marL="9525" marR="9525" marT="9525" marB="0" anchor="b"/>
+                </a:tc>
+                <a:tc>
+                  <a:txBody>
+                    <a:bodyPr/>
+                    <a:lstStyle/>
+                    <a:p>
+                      <a:pPr algn="ctr" fontAlgn="b"/>
+                      <a:r>
+                        <a:rPr lang="en-CA" sz="1800" b="0" u="none" strike="noStrike">
+                          <a:solidFill>
+                            <a:srgbClr val="000000"/>
+                          </a:solidFill>
+                          <a:effectLst/>
+                        </a:rPr>
+                        <a:t>front</a:t>
+                      </a:r>
+                      <a:endParaRPr lang="en-CA" sz="1800" b="0" i="0" u="none" strike="noStrike">
+                        <a:solidFill>
+                          <a:srgbClr val="000000"/>
+                        </a:solidFill>
+                        <a:effectLst/>
+                        <a:latin typeface="+mn-lt"/>
+                      </a:endParaRPr>
+                    </a:p>
+                  </a:txBody>
+                  <a:tcPr marL="9525" marR="9525" marT="9525" marB="0" anchor="b"/>
+                </a:tc>
+                <a:tc>
+                  <a:txBody>
+                    <a:bodyPr/>
+                    <a:lstStyle/>
+                    <a:p>
+                      <a:pPr algn="ctr" fontAlgn="b"/>
+                      <a:r>
+                        <a:rPr lang="en-CA" sz="1800" b="0" u="none" strike="noStrike">
+                          <a:solidFill>
+                            <a:srgbClr val="000000"/>
+                          </a:solidFill>
+                          <a:effectLst/>
+                        </a:rPr>
+                        <a:t>friendly</a:t>
+                      </a:r>
+                      <a:endParaRPr lang="en-CA" sz="1800" b="0" i="0" u="none" strike="noStrike">
+                        <a:solidFill>
+                          <a:srgbClr val="000000"/>
+                        </a:solidFill>
+                        <a:effectLst/>
+                        <a:latin typeface="+mn-lt"/>
+                      </a:endParaRPr>
+                    </a:p>
+                  </a:txBody>
+                  <a:tcPr marL="9525" marR="9525" marT="9525" marB="0" anchor="b"/>
+                </a:tc>
+                <a:tc>
+                  <a:txBody>
+                    <a:bodyPr/>
+                    <a:lstStyle/>
+                    <a:p>
+                      <a:pPr algn="ctr" fontAlgn="b"/>
+                      <a:r>
+                        <a:rPr lang="en-CA" sz="1800" b="0" u="none" strike="noStrike" dirty="0">
+                          <a:solidFill>
+                            <a:srgbClr val="000000"/>
+                          </a:solidFill>
+                          <a:effectLst/>
+                        </a:rPr>
+                        <a:t>service</a:t>
+                      </a:r>
+                      <a:endParaRPr lang="en-CA" sz="1800" b="0" i="0" u="none" strike="noStrike" dirty="0">
+                        <a:solidFill>
+                          <a:srgbClr val="000000"/>
+                        </a:solidFill>
+                        <a:effectLst/>
+                        <a:latin typeface="+mn-lt"/>
+                      </a:endParaRPr>
+                    </a:p>
+                  </a:txBody>
+                  <a:tcPr marL="9525" marR="9525" marT="9525" marB="0" anchor="b"/>
+                </a:tc>
+                <a:tc>
+                  <a:txBody>
+                    <a:bodyPr/>
+                    <a:lstStyle/>
+                    <a:p>
+                      <a:pPr algn="ctr" fontAlgn="b"/>
+                      <a:r>
+                        <a:rPr lang="en-CA" sz="1800" b="0" u="none" strike="noStrike" dirty="0">
+                          <a:solidFill>
+                            <a:srgbClr val="000000"/>
+                          </a:solidFill>
+                          <a:effectLst/>
+                        </a:rPr>
+                        <a:t>good</a:t>
+                      </a:r>
+                      <a:endParaRPr lang="en-CA" sz="1800" b="0" i="0" u="none" strike="noStrike" dirty="0">
+                        <a:solidFill>
+                          <a:srgbClr val="000000"/>
+                        </a:solidFill>
+                        <a:effectLst/>
+                        <a:latin typeface="+mn-lt"/>
+                      </a:endParaRPr>
+                    </a:p>
+                  </a:txBody>
+                  <a:tcPr marL="9525" marR="9525" marT="9525" marB="0" anchor="b"/>
+                </a:tc>
+                <a:extLst>
+                  <a:ext uri="{0D108BD9-81ED-4DB2-BD59-A6C34878D82A}">
+                    <a16:rowId xmlns:a16="http://schemas.microsoft.com/office/drawing/2014/main" val="1678407815"/>
+                  </a:ext>
+                </a:extLst>
+              </a:tr>
+            </a:tbl>
+          </a:graphicData>
+        </a:graphic>
+      </p:graphicFrame>
     </p:spTree>
     <p:extLst>
       <p:ext uri="{BB962C8B-B14F-4D97-AF65-F5344CB8AC3E}">
@@ -5309,6 +7333,4241 @@
 </file>
 
 <file path=ppt/slides/slide16.xml><?xml version="1.0" encoding="utf-8"?>
+<p:sld xmlns:a="http://schemas.openxmlformats.org/drawingml/2006/main" xmlns:r="http://schemas.openxmlformats.org/officeDocument/2006/relationships" xmlns:p="http://schemas.openxmlformats.org/presentationml/2006/main">
+  <p:cSld>
+    <p:spTree>
+      <p:nvGrpSpPr>
+        <p:cNvPr id="1" name=""/>
+        <p:cNvGrpSpPr/>
+        <p:nvPr/>
+      </p:nvGrpSpPr>
+      <p:grpSpPr>
+        <a:xfrm>
+          <a:off x="0" y="0"/>
+          <a:ext cx="0" cy="0"/>
+          <a:chOff x="0" y="0"/>
+          <a:chExt cx="0" cy="0"/>
+        </a:xfrm>
+      </p:grpSpPr>
+      <p:sp>
+        <p:nvSpPr>
+          <p:cNvPr id="2" name="Title 1">
+            <a:extLst>
+              <a:ext uri="{FF2B5EF4-FFF2-40B4-BE49-F238E27FC236}">
+                <a16:creationId xmlns:a16="http://schemas.microsoft.com/office/drawing/2014/main" id="{9A27B76D-4305-40E9-85D2-672DA985417E}"/>
+              </a:ext>
+            </a:extLst>
+          </p:cNvPr>
+          <p:cNvSpPr>
+            <a:spLocks noGrp="1"/>
+          </p:cNvSpPr>
+          <p:nvPr>
+            <p:ph type="title"/>
+          </p:nvPr>
+        </p:nvSpPr>
+        <p:spPr/>
+        <p:txBody>
+          <a:bodyPr/>
+          <a:lstStyle/>
+          <a:p>
+            <a:r>
+              <a:rPr lang="en-CA" dirty="0"/>
+              <a:t>Feature Extraction</a:t>
+            </a:r>
+          </a:p>
+        </p:txBody>
+      </p:sp>
+      <p:graphicFrame>
+        <p:nvGraphicFramePr>
+          <p:cNvPr id="4" name="Table 4">
+            <a:extLst>
+              <a:ext uri="{FF2B5EF4-FFF2-40B4-BE49-F238E27FC236}">
+                <a16:creationId xmlns:a16="http://schemas.microsoft.com/office/drawing/2014/main" id="{27106B8C-AFB7-409A-BE21-EBF9030DEFF4}"/>
+              </a:ext>
+            </a:extLst>
+          </p:cNvPr>
+          <p:cNvGraphicFramePr>
+            <a:graphicFrameLocks noGrp="1"/>
+          </p:cNvGraphicFramePr>
+          <p:nvPr>
+            <p:ph idx="1"/>
+            <p:extLst>
+              <p:ext uri="{D42A27DB-BD31-4B8C-83A1-F6EECF244321}">
+                <p14:modId xmlns:p14="http://schemas.microsoft.com/office/powerpoint/2010/main" val="3941378227"/>
+              </p:ext>
+            </p:extLst>
+          </p:nvPr>
+        </p:nvGraphicFramePr>
+        <p:xfrm>
+          <a:off x="1066800" y="1624872"/>
+          <a:ext cx="10162374" cy="4450080"/>
+        </p:xfrm>
+        <a:graphic>
+          <a:graphicData uri="http://schemas.openxmlformats.org/drawingml/2006/table">
+            <a:tbl>
+              <a:tblPr firstRow="1" bandRow="1">
+                <a:tableStyleId>{6E25E649-3F16-4E02-A733-19D2CDBF48F0}</a:tableStyleId>
+              </a:tblPr>
+              <a:tblGrid>
+                <a:gridCol w="1693729">
+                  <a:extLst>
+                    <a:ext uri="{9D8B030D-6E8A-4147-A177-3AD203B41FA5}">
+                      <a16:colId xmlns:a16="http://schemas.microsoft.com/office/drawing/2014/main" val="2857179037"/>
+                    </a:ext>
+                  </a:extLst>
+                </a:gridCol>
+                <a:gridCol w="1693729">
+                  <a:extLst>
+                    <a:ext uri="{9D8B030D-6E8A-4147-A177-3AD203B41FA5}">
+                      <a16:colId xmlns:a16="http://schemas.microsoft.com/office/drawing/2014/main" val="3727384194"/>
+                    </a:ext>
+                  </a:extLst>
+                </a:gridCol>
+                <a:gridCol w="1693729">
+                  <a:extLst>
+                    <a:ext uri="{9D8B030D-6E8A-4147-A177-3AD203B41FA5}">
+                      <a16:colId xmlns:a16="http://schemas.microsoft.com/office/drawing/2014/main" val="4143390719"/>
+                    </a:ext>
+                  </a:extLst>
+                </a:gridCol>
+                <a:gridCol w="1693729">
+                  <a:extLst>
+                    <a:ext uri="{9D8B030D-6E8A-4147-A177-3AD203B41FA5}">
+                      <a16:colId xmlns:a16="http://schemas.microsoft.com/office/drawing/2014/main" val="54577630"/>
+                    </a:ext>
+                  </a:extLst>
+                </a:gridCol>
+                <a:gridCol w="1693729">
+                  <a:extLst>
+                    <a:ext uri="{9D8B030D-6E8A-4147-A177-3AD203B41FA5}">
+                      <a16:colId xmlns:a16="http://schemas.microsoft.com/office/drawing/2014/main" val="2797672614"/>
+                    </a:ext>
+                  </a:extLst>
+                </a:gridCol>
+                <a:gridCol w="1693729">
+                  <a:extLst>
+                    <a:ext uri="{9D8B030D-6E8A-4147-A177-3AD203B41FA5}">
+                      <a16:colId xmlns:a16="http://schemas.microsoft.com/office/drawing/2014/main" val="3287181139"/>
+                    </a:ext>
+                  </a:extLst>
+                </a:gridCol>
+              </a:tblGrid>
+              <a:tr h="370840">
+                <a:tc>
+                  <a:txBody>
+                    <a:bodyPr/>
+                    <a:lstStyle/>
+                    <a:p>
+                      <a:pPr algn="ctr" fontAlgn="b"/>
+                      <a:r>
+                        <a:rPr lang="en-CA" sz="1800" b="1" u="none" strike="noStrike" dirty="0">
+                          <a:solidFill>
+                            <a:schemeClr val="bg1"/>
+                          </a:solidFill>
+                          <a:effectLst/>
+                        </a:rPr>
+                        <a:t>Ranking</a:t>
+                      </a:r>
+                      <a:endParaRPr lang="en-CA" sz="1800" b="1" i="0" u="none" strike="noStrike" dirty="0">
+                        <a:solidFill>
+                          <a:schemeClr val="bg1"/>
+                        </a:solidFill>
+                        <a:effectLst/>
+                        <a:latin typeface="+mn-lt"/>
+                      </a:endParaRPr>
+                    </a:p>
+                  </a:txBody>
+                  <a:tcPr marL="9525" marR="9525" marT="9525" marB="0" anchor="b"/>
+                </a:tc>
+                <a:tc>
+                  <a:txBody>
+                    <a:bodyPr/>
+                    <a:lstStyle/>
+                    <a:p>
+                      <a:pPr algn="ctr" fontAlgn="b"/>
+                      <a:r>
+                        <a:rPr lang="en-CA" sz="1800" b="1" u="none" strike="noStrike" dirty="0">
+                          <a:solidFill>
+                            <a:schemeClr val="bg1"/>
+                          </a:solidFill>
+                          <a:effectLst/>
+                        </a:rPr>
+                        <a:t>All</a:t>
+                      </a:r>
+                      <a:endParaRPr lang="en-CA" sz="1800" b="1" i="0" u="none" strike="noStrike" dirty="0">
+                        <a:solidFill>
+                          <a:schemeClr val="bg1"/>
+                        </a:solidFill>
+                        <a:effectLst/>
+                        <a:latin typeface="+mn-lt"/>
+                      </a:endParaRPr>
+                    </a:p>
+                  </a:txBody>
+                  <a:tcPr marL="9525" marR="9525" marT="9525" marB="0" anchor="b"/>
+                </a:tc>
+                <a:tc>
+                  <a:txBody>
+                    <a:bodyPr/>
+                    <a:lstStyle/>
+                    <a:p>
+                      <a:pPr algn="ctr" fontAlgn="b"/>
+                      <a:r>
+                        <a:rPr lang="en-CA" sz="1800" b="1" u="none" strike="noStrike" dirty="0">
+                          <a:solidFill>
+                            <a:schemeClr val="bg1"/>
+                          </a:solidFill>
+                          <a:effectLst/>
+                        </a:rPr>
+                        <a:t>Bad</a:t>
+                      </a:r>
+                      <a:endParaRPr lang="en-CA" sz="1800" b="1" i="0" u="none" strike="noStrike" dirty="0">
+                        <a:solidFill>
+                          <a:schemeClr val="bg1"/>
+                        </a:solidFill>
+                        <a:effectLst/>
+                        <a:latin typeface="+mn-lt"/>
+                      </a:endParaRPr>
+                    </a:p>
+                  </a:txBody>
+                  <a:tcPr marL="9525" marR="9525" marT="9525" marB="0" anchor="b"/>
+                </a:tc>
+                <a:tc>
+                  <a:txBody>
+                    <a:bodyPr/>
+                    <a:lstStyle/>
+                    <a:p>
+                      <a:pPr algn="ctr" fontAlgn="b"/>
+                      <a:r>
+                        <a:rPr lang="en-CA" sz="1800" b="1" u="none" strike="noStrike" dirty="0">
+                          <a:solidFill>
+                            <a:schemeClr val="bg1"/>
+                          </a:solidFill>
+                          <a:effectLst/>
+                        </a:rPr>
+                        <a:t>Good</a:t>
+                      </a:r>
+                      <a:endParaRPr lang="en-CA" sz="1800" b="1" i="0" u="none" strike="noStrike" dirty="0">
+                        <a:solidFill>
+                          <a:schemeClr val="bg1"/>
+                        </a:solidFill>
+                        <a:effectLst/>
+                        <a:latin typeface="+mn-lt"/>
+                      </a:endParaRPr>
+                    </a:p>
+                  </a:txBody>
+                  <a:tcPr marL="9525" marR="9525" marT="9525" marB="0" anchor="b"/>
+                </a:tc>
+                <a:tc>
+                  <a:txBody>
+                    <a:bodyPr/>
+                    <a:lstStyle/>
+                    <a:p>
+                      <a:pPr algn="ctr" fontAlgn="b"/>
+                      <a:r>
+                        <a:rPr lang="en-CA" sz="1800" b="1" u="none" strike="noStrike" dirty="0">
+                          <a:solidFill>
+                            <a:schemeClr val="bg1"/>
+                          </a:solidFill>
+                          <a:effectLst/>
+                        </a:rPr>
+                        <a:t>Pre-Pandemic</a:t>
+                      </a:r>
+                      <a:endParaRPr lang="en-CA" sz="1800" b="1" i="0" u="none" strike="noStrike" dirty="0">
+                        <a:solidFill>
+                          <a:schemeClr val="bg1"/>
+                        </a:solidFill>
+                        <a:effectLst/>
+                        <a:latin typeface="+mn-lt"/>
+                      </a:endParaRPr>
+                    </a:p>
+                  </a:txBody>
+                  <a:tcPr marL="9525" marR="9525" marT="9525" marB="0" anchor="b"/>
+                </a:tc>
+                <a:tc>
+                  <a:txBody>
+                    <a:bodyPr/>
+                    <a:lstStyle/>
+                    <a:p>
+                      <a:pPr algn="ctr" fontAlgn="b"/>
+                      <a:r>
+                        <a:rPr lang="en-CA" sz="1800" b="1" u="none" strike="noStrike" dirty="0">
+                          <a:solidFill>
+                            <a:schemeClr val="bg1"/>
+                          </a:solidFill>
+                          <a:effectLst/>
+                        </a:rPr>
+                        <a:t>Post-Pandemic</a:t>
+                      </a:r>
+                      <a:endParaRPr lang="en-CA" sz="1800" b="1" i="0" u="none" strike="noStrike" dirty="0">
+                        <a:solidFill>
+                          <a:schemeClr val="bg1"/>
+                        </a:solidFill>
+                        <a:effectLst/>
+                        <a:latin typeface="+mn-lt"/>
+                      </a:endParaRPr>
+                    </a:p>
+                  </a:txBody>
+                  <a:tcPr marL="9525" marR="9525" marT="9525" marB="0" anchor="b"/>
+                </a:tc>
+                <a:extLst>
+                  <a:ext uri="{0D108BD9-81ED-4DB2-BD59-A6C34878D82A}">
+                    <a16:rowId xmlns:a16="http://schemas.microsoft.com/office/drawing/2014/main" val="352827595"/>
+                  </a:ext>
+                </a:extLst>
+              </a:tr>
+              <a:tr h="370840">
+                <a:tc>
+                  <a:txBody>
+                    <a:bodyPr/>
+                    <a:lstStyle/>
+                    <a:p>
+                      <a:pPr algn="ctr" fontAlgn="b"/>
+                      <a:r>
+                        <a:rPr lang="en-CA" sz="1800" b="0" u="none" strike="noStrike" dirty="0">
+                          <a:solidFill>
+                            <a:srgbClr val="000000"/>
+                          </a:solidFill>
+                          <a:effectLst/>
+                        </a:rPr>
+                        <a:t>0</a:t>
+                      </a:r>
+                      <a:endParaRPr lang="en-CA" sz="1800" b="0" i="0" u="none" strike="noStrike" dirty="0">
+                        <a:solidFill>
+                          <a:srgbClr val="000000"/>
+                        </a:solidFill>
+                        <a:effectLst/>
+                        <a:latin typeface="+mn-lt"/>
+                      </a:endParaRPr>
+                    </a:p>
+                  </a:txBody>
+                  <a:tcPr marL="9525" marR="9525" marT="9525" marB="0" anchor="b"/>
+                </a:tc>
+                <a:tc>
+                  <a:txBody>
+                    <a:bodyPr/>
+                    <a:lstStyle/>
+                    <a:p>
+                      <a:pPr algn="ctr" fontAlgn="b"/>
+                      <a:r>
+                        <a:rPr lang="en-CA" sz="1800" b="0" u="none" strike="noStrike" dirty="0">
+                          <a:solidFill>
+                            <a:srgbClr val="000000"/>
+                          </a:solidFill>
+                          <a:effectLst/>
+                        </a:rPr>
+                        <a:t>hotel</a:t>
+                      </a:r>
+                      <a:endParaRPr lang="en-CA" sz="1800" b="0" i="0" u="none" strike="noStrike" dirty="0">
+                        <a:solidFill>
+                          <a:srgbClr val="000000"/>
+                        </a:solidFill>
+                        <a:effectLst/>
+                        <a:latin typeface="+mn-lt"/>
+                      </a:endParaRPr>
+                    </a:p>
+                  </a:txBody>
+                  <a:tcPr marL="9525" marR="9525" marT="9525" marB="0" anchor="b"/>
+                </a:tc>
+                <a:tc>
+                  <a:txBody>
+                    <a:bodyPr/>
+                    <a:lstStyle/>
+                    <a:p>
+                      <a:pPr algn="ctr" fontAlgn="b"/>
+                      <a:r>
+                        <a:rPr lang="en-CA" sz="1800" b="0" u="none" strike="noStrike" dirty="0">
+                          <a:solidFill>
+                            <a:srgbClr val="000000"/>
+                          </a:solidFill>
+                          <a:effectLst/>
+                        </a:rPr>
+                        <a:t>room</a:t>
+                      </a:r>
+                      <a:endParaRPr lang="en-CA" sz="1800" b="0" i="0" u="none" strike="noStrike" dirty="0">
+                        <a:solidFill>
+                          <a:srgbClr val="000000"/>
+                        </a:solidFill>
+                        <a:effectLst/>
+                        <a:latin typeface="+mn-lt"/>
+                      </a:endParaRPr>
+                    </a:p>
+                  </a:txBody>
+                  <a:tcPr marL="9525" marR="9525" marT="9525" marB="0" anchor="b"/>
+                </a:tc>
+                <a:tc>
+                  <a:txBody>
+                    <a:bodyPr/>
+                    <a:lstStyle/>
+                    <a:p>
+                      <a:pPr algn="ctr" fontAlgn="b"/>
+                      <a:r>
+                        <a:rPr lang="en-CA" sz="1800" b="0" u="none" strike="noStrike" dirty="0">
+                          <a:solidFill>
+                            <a:srgbClr val="000000"/>
+                          </a:solidFill>
+                          <a:effectLst/>
+                        </a:rPr>
+                        <a:t>hotel</a:t>
+                      </a:r>
+                      <a:endParaRPr lang="en-CA" sz="1800" b="0" i="0" u="none" strike="noStrike" dirty="0">
+                        <a:solidFill>
+                          <a:srgbClr val="000000"/>
+                        </a:solidFill>
+                        <a:effectLst/>
+                        <a:latin typeface="+mn-lt"/>
+                      </a:endParaRPr>
+                    </a:p>
+                  </a:txBody>
+                  <a:tcPr marL="9525" marR="9525" marT="9525" marB="0" anchor="b"/>
+                </a:tc>
+                <a:tc>
+                  <a:txBody>
+                    <a:bodyPr/>
+                    <a:lstStyle/>
+                    <a:p>
+                      <a:pPr algn="ctr" fontAlgn="b"/>
+                      <a:r>
+                        <a:rPr lang="en-CA" sz="1800" b="0" u="none" strike="noStrike">
+                          <a:solidFill>
+                            <a:srgbClr val="000000"/>
+                          </a:solidFill>
+                          <a:effectLst/>
+                        </a:rPr>
+                        <a:t>hotel</a:t>
+                      </a:r>
+                      <a:endParaRPr lang="en-CA" sz="1800" b="0" i="0" u="none" strike="noStrike">
+                        <a:solidFill>
+                          <a:srgbClr val="000000"/>
+                        </a:solidFill>
+                        <a:effectLst/>
+                        <a:latin typeface="+mn-lt"/>
+                      </a:endParaRPr>
+                    </a:p>
+                  </a:txBody>
+                  <a:tcPr marL="9525" marR="9525" marT="9525" marB="0" anchor="b"/>
+                </a:tc>
+                <a:tc>
+                  <a:txBody>
+                    <a:bodyPr/>
+                    <a:lstStyle/>
+                    <a:p>
+                      <a:pPr algn="ctr" fontAlgn="b"/>
+                      <a:r>
+                        <a:rPr lang="en-CA" sz="1800" b="0" u="none" strike="noStrike" dirty="0">
+                          <a:solidFill>
+                            <a:srgbClr val="000000"/>
+                          </a:solidFill>
+                          <a:effectLst/>
+                        </a:rPr>
+                        <a:t>room</a:t>
+                      </a:r>
+                      <a:endParaRPr lang="en-CA" sz="1800" b="0" i="0" u="none" strike="noStrike" dirty="0">
+                        <a:solidFill>
+                          <a:srgbClr val="000000"/>
+                        </a:solidFill>
+                        <a:effectLst/>
+                        <a:latin typeface="+mn-lt"/>
+                      </a:endParaRPr>
+                    </a:p>
+                  </a:txBody>
+                  <a:tcPr marL="9525" marR="9525" marT="9525" marB="0" anchor="b"/>
+                </a:tc>
+                <a:extLst>
+                  <a:ext uri="{0D108BD9-81ED-4DB2-BD59-A6C34878D82A}">
+                    <a16:rowId xmlns:a16="http://schemas.microsoft.com/office/drawing/2014/main" val="392404504"/>
+                  </a:ext>
+                </a:extLst>
+              </a:tr>
+              <a:tr h="370840">
+                <a:tc>
+                  <a:txBody>
+                    <a:bodyPr/>
+                    <a:lstStyle/>
+                    <a:p>
+                      <a:pPr algn="ctr" fontAlgn="b"/>
+                      <a:r>
+                        <a:rPr lang="en-CA" sz="1800" b="0" u="none" strike="noStrike" dirty="0">
+                          <a:solidFill>
+                            <a:srgbClr val="000000"/>
+                          </a:solidFill>
+                          <a:effectLst/>
+                        </a:rPr>
+                        <a:t>1</a:t>
+                      </a:r>
+                      <a:endParaRPr lang="en-CA" sz="1800" b="0" i="0" u="none" strike="noStrike" dirty="0">
+                        <a:solidFill>
+                          <a:srgbClr val="000000"/>
+                        </a:solidFill>
+                        <a:effectLst/>
+                        <a:latin typeface="+mn-lt"/>
+                      </a:endParaRPr>
+                    </a:p>
+                  </a:txBody>
+                  <a:tcPr marL="9525" marR="9525" marT="9525" marB="0" anchor="b"/>
+                </a:tc>
+                <a:tc>
+                  <a:txBody>
+                    <a:bodyPr/>
+                    <a:lstStyle/>
+                    <a:p>
+                      <a:pPr algn="ctr" fontAlgn="b"/>
+                      <a:r>
+                        <a:rPr lang="en-CA" sz="1800" b="0" u="none" strike="noStrike" dirty="0">
+                          <a:solidFill>
+                            <a:srgbClr val="000000"/>
+                          </a:solidFill>
+                          <a:effectLst/>
+                        </a:rPr>
+                        <a:t>room</a:t>
+                      </a:r>
+                      <a:endParaRPr lang="en-CA" sz="1800" b="0" i="0" u="none" strike="noStrike" dirty="0">
+                        <a:solidFill>
+                          <a:srgbClr val="000000"/>
+                        </a:solidFill>
+                        <a:effectLst/>
+                        <a:latin typeface="+mn-lt"/>
+                      </a:endParaRPr>
+                    </a:p>
+                  </a:txBody>
+                  <a:tcPr marL="9525" marR="9525" marT="9525" marB="0" anchor="b"/>
+                </a:tc>
+                <a:tc>
+                  <a:txBody>
+                    <a:bodyPr/>
+                    <a:lstStyle/>
+                    <a:p>
+                      <a:pPr algn="ctr" fontAlgn="b"/>
+                      <a:r>
+                        <a:rPr lang="en-CA" sz="1800" b="0" u="none" strike="noStrike" dirty="0">
+                          <a:solidFill>
+                            <a:srgbClr val="000000"/>
+                          </a:solidFill>
+                          <a:effectLst/>
+                        </a:rPr>
+                        <a:t>hotel</a:t>
+                      </a:r>
+                      <a:endParaRPr lang="en-CA" sz="1800" b="0" i="0" u="none" strike="noStrike" dirty="0">
+                        <a:solidFill>
+                          <a:srgbClr val="000000"/>
+                        </a:solidFill>
+                        <a:effectLst/>
+                        <a:latin typeface="+mn-lt"/>
+                      </a:endParaRPr>
+                    </a:p>
+                  </a:txBody>
+                  <a:tcPr marL="9525" marR="9525" marT="9525" marB="0" anchor="b"/>
+                </a:tc>
+                <a:tc>
+                  <a:txBody>
+                    <a:bodyPr/>
+                    <a:lstStyle/>
+                    <a:p>
+                      <a:pPr algn="ctr" fontAlgn="b"/>
+                      <a:r>
+                        <a:rPr lang="en-CA" sz="1800" b="0" u="none" strike="noStrike" dirty="0">
+                          <a:solidFill>
+                            <a:srgbClr val="000000"/>
+                          </a:solidFill>
+                          <a:effectLst/>
+                        </a:rPr>
+                        <a:t>room</a:t>
+                      </a:r>
+                      <a:endParaRPr lang="en-CA" sz="1800" b="0" i="0" u="none" strike="noStrike" dirty="0">
+                        <a:solidFill>
+                          <a:srgbClr val="000000"/>
+                        </a:solidFill>
+                        <a:effectLst/>
+                        <a:latin typeface="+mn-lt"/>
+                      </a:endParaRPr>
+                    </a:p>
+                  </a:txBody>
+                  <a:tcPr marL="9525" marR="9525" marT="9525" marB="0" anchor="b"/>
+                </a:tc>
+                <a:tc>
+                  <a:txBody>
+                    <a:bodyPr/>
+                    <a:lstStyle/>
+                    <a:p>
+                      <a:pPr algn="ctr" fontAlgn="b"/>
+                      <a:r>
+                        <a:rPr lang="en-CA" sz="1800" b="0" u="none" strike="noStrike" dirty="0">
+                          <a:solidFill>
+                            <a:srgbClr val="000000"/>
+                          </a:solidFill>
+                          <a:effectLst/>
+                        </a:rPr>
+                        <a:t>room</a:t>
+                      </a:r>
+                      <a:endParaRPr lang="en-CA" sz="1800" b="0" i="0" u="none" strike="noStrike" dirty="0">
+                        <a:solidFill>
+                          <a:srgbClr val="000000"/>
+                        </a:solidFill>
+                        <a:effectLst/>
+                        <a:latin typeface="+mn-lt"/>
+                      </a:endParaRPr>
+                    </a:p>
+                  </a:txBody>
+                  <a:tcPr marL="9525" marR="9525" marT="9525" marB="0" anchor="b"/>
+                </a:tc>
+                <a:tc>
+                  <a:txBody>
+                    <a:bodyPr/>
+                    <a:lstStyle/>
+                    <a:p>
+                      <a:pPr algn="ctr" fontAlgn="b"/>
+                      <a:r>
+                        <a:rPr lang="en-CA" sz="1800" b="0" u="none" strike="noStrike" dirty="0">
+                          <a:solidFill>
+                            <a:srgbClr val="000000"/>
+                          </a:solidFill>
+                          <a:effectLst/>
+                        </a:rPr>
+                        <a:t>hotel</a:t>
+                      </a:r>
+                      <a:endParaRPr lang="en-CA" sz="1800" b="0" i="0" u="none" strike="noStrike" dirty="0">
+                        <a:solidFill>
+                          <a:srgbClr val="000000"/>
+                        </a:solidFill>
+                        <a:effectLst/>
+                        <a:latin typeface="+mn-lt"/>
+                      </a:endParaRPr>
+                    </a:p>
+                  </a:txBody>
+                  <a:tcPr marL="9525" marR="9525" marT="9525" marB="0" anchor="b"/>
+                </a:tc>
+                <a:extLst>
+                  <a:ext uri="{0D108BD9-81ED-4DB2-BD59-A6C34878D82A}">
+                    <a16:rowId xmlns:a16="http://schemas.microsoft.com/office/drawing/2014/main" val="1615631518"/>
+                  </a:ext>
+                </a:extLst>
+              </a:tr>
+              <a:tr h="370840">
+                <a:tc>
+                  <a:txBody>
+                    <a:bodyPr/>
+                    <a:lstStyle/>
+                    <a:p>
+                      <a:pPr algn="ctr" fontAlgn="b"/>
+                      <a:r>
+                        <a:rPr lang="en-CA" sz="1800" b="0" u="none" strike="noStrike" dirty="0">
+                          <a:solidFill>
+                            <a:srgbClr val="000000"/>
+                          </a:solidFill>
+                          <a:effectLst/>
+                        </a:rPr>
+                        <a:t>2</a:t>
+                      </a:r>
+                      <a:endParaRPr lang="en-CA" sz="1800" b="0" i="0" u="none" strike="noStrike" dirty="0">
+                        <a:solidFill>
+                          <a:srgbClr val="000000"/>
+                        </a:solidFill>
+                        <a:effectLst/>
+                        <a:latin typeface="+mn-lt"/>
+                      </a:endParaRPr>
+                    </a:p>
+                  </a:txBody>
+                  <a:tcPr marL="9525" marR="9525" marT="9525" marB="0" anchor="b"/>
+                </a:tc>
+                <a:tc>
+                  <a:txBody>
+                    <a:bodyPr/>
+                    <a:lstStyle/>
+                    <a:p>
+                      <a:pPr algn="ctr" fontAlgn="b"/>
+                      <a:r>
+                        <a:rPr lang="en-CA" sz="1800" b="0" u="none" strike="noStrike" dirty="0">
+                          <a:solidFill>
+                            <a:srgbClr val="000000"/>
+                          </a:solidFill>
+                          <a:effectLst/>
+                        </a:rPr>
+                        <a:t>great</a:t>
+                      </a:r>
+                      <a:endParaRPr lang="en-CA" sz="1800" b="0" i="0" u="none" strike="noStrike" dirty="0">
+                        <a:solidFill>
+                          <a:srgbClr val="000000"/>
+                        </a:solidFill>
+                        <a:effectLst/>
+                        <a:latin typeface="+mn-lt"/>
+                      </a:endParaRPr>
+                    </a:p>
+                  </a:txBody>
+                  <a:tcPr marL="9525" marR="9525" marT="9525" marB="0" anchor="b"/>
+                </a:tc>
+                <a:tc>
+                  <a:txBody>
+                    <a:bodyPr/>
+                    <a:lstStyle/>
+                    <a:p>
+                      <a:pPr algn="ctr" fontAlgn="b"/>
+                      <a:r>
+                        <a:rPr lang="en-CA" sz="1800" b="0" u="none" strike="noStrike" dirty="0">
+                          <a:solidFill>
+                            <a:srgbClr val="000000"/>
+                          </a:solidFill>
+                          <a:effectLst/>
+                        </a:rPr>
+                        <a:t>stay</a:t>
+                      </a:r>
+                      <a:endParaRPr lang="en-CA" sz="1800" b="0" i="0" u="none" strike="noStrike" dirty="0">
+                        <a:solidFill>
+                          <a:srgbClr val="000000"/>
+                        </a:solidFill>
+                        <a:effectLst/>
+                        <a:latin typeface="+mn-lt"/>
+                      </a:endParaRPr>
+                    </a:p>
+                  </a:txBody>
+                  <a:tcPr marL="9525" marR="9525" marT="9525" marB="0" anchor="b"/>
+                </a:tc>
+                <a:tc>
+                  <a:txBody>
+                    <a:bodyPr/>
+                    <a:lstStyle/>
+                    <a:p>
+                      <a:pPr algn="ctr" fontAlgn="b"/>
+                      <a:r>
+                        <a:rPr lang="en-CA" sz="1800" b="0" u="none" strike="noStrike" dirty="0">
+                          <a:solidFill>
+                            <a:srgbClr val="000000"/>
+                          </a:solidFill>
+                          <a:effectLst/>
+                        </a:rPr>
+                        <a:t>great</a:t>
+                      </a:r>
+                      <a:endParaRPr lang="en-CA" sz="1800" b="0" i="0" u="none" strike="noStrike" dirty="0">
+                        <a:solidFill>
+                          <a:srgbClr val="000000"/>
+                        </a:solidFill>
+                        <a:effectLst/>
+                        <a:latin typeface="+mn-lt"/>
+                      </a:endParaRPr>
+                    </a:p>
+                  </a:txBody>
+                  <a:tcPr marL="9525" marR="9525" marT="9525" marB="0" anchor="b"/>
+                </a:tc>
+                <a:tc>
+                  <a:txBody>
+                    <a:bodyPr/>
+                    <a:lstStyle/>
+                    <a:p>
+                      <a:pPr algn="ctr" fontAlgn="b"/>
+                      <a:r>
+                        <a:rPr lang="en-CA" sz="1800" b="0" u="none" strike="noStrike">
+                          <a:solidFill>
+                            <a:srgbClr val="000000"/>
+                          </a:solidFill>
+                          <a:effectLst/>
+                        </a:rPr>
+                        <a:t>great</a:t>
+                      </a:r>
+                      <a:endParaRPr lang="en-CA" sz="1800" b="0" i="0" u="none" strike="noStrike">
+                        <a:solidFill>
+                          <a:srgbClr val="000000"/>
+                        </a:solidFill>
+                        <a:effectLst/>
+                        <a:latin typeface="+mn-lt"/>
+                      </a:endParaRPr>
+                    </a:p>
+                  </a:txBody>
+                  <a:tcPr marL="9525" marR="9525" marT="9525" marB="0" anchor="b"/>
+                </a:tc>
+                <a:tc>
+                  <a:txBody>
+                    <a:bodyPr/>
+                    <a:lstStyle/>
+                    <a:p>
+                      <a:pPr algn="ctr" fontAlgn="b"/>
+                      <a:r>
+                        <a:rPr lang="en-CA" sz="1800" b="0" u="none" strike="noStrike" dirty="0">
+                          <a:solidFill>
+                            <a:srgbClr val="000000"/>
+                          </a:solidFill>
+                          <a:effectLst/>
+                        </a:rPr>
+                        <a:t>great</a:t>
+                      </a:r>
+                      <a:endParaRPr lang="en-CA" sz="1800" b="0" i="0" u="none" strike="noStrike" dirty="0">
+                        <a:solidFill>
+                          <a:srgbClr val="000000"/>
+                        </a:solidFill>
+                        <a:effectLst/>
+                        <a:latin typeface="+mn-lt"/>
+                      </a:endParaRPr>
+                    </a:p>
+                  </a:txBody>
+                  <a:tcPr marL="9525" marR="9525" marT="9525" marB="0" anchor="b"/>
+                </a:tc>
+                <a:extLst>
+                  <a:ext uri="{0D108BD9-81ED-4DB2-BD59-A6C34878D82A}">
+                    <a16:rowId xmlns:a16="http://schemas.microsoft.com/office/drawing/2014/main" val="1698729985"/>
+                  </a:ext>
+                </a:extLst>
+              </a:tr>
+              <a:tr h="370840">
+                <a:tc>
+                  <a:txBody>
+                    <a:bodyPr/>
+                    <a:lstStyle/>
+                    <a:p>
+                      <a:pPr algn="ctr" fontAlgn="b"/>
+                      <a:r>
+                        <a:rPr lang="en-CA" sz="1800" b="0" u="none" strike="noStrike" dirty="0">
+                          <a:solidFill>
+                            <a:srgbClr val="000000"/>
+                          </a:solidFill>
+                          <a:effectLst/>
+                        </a:rPr>
+                        <a:t>3</a:t>
+                      </a:r>
+                      <a:endParaRPr lang="en-CA" sz="1800" b="0" i="0" u="none" strike="noStrike" dirty="0">
+                        <a:solidFill>
+                          <a:srgbClr val="000000"/>
+                        </a:solidFill>
+                        <a:effectLst/>
+                        <a:latin typeface="+mn-lt"/>
+                      </a:endParaRPr>
+                    </a:p>
+                  </a:txBody>
+                  <a:tcPr marL="9525" marR="9525" marT="9525" marB="0" anchor="b"/>
+                </a:tc>
+                <a:tc>
+                  <a:txBody>
+                    <a:bodyPr/>
+                    <a:lstStyle/>
+                    <a:p>
+                      <a:pPr algn="ctr" fontAlgn="b"/>
+                      <a:r>
+                        <a:rPr lang="en-CA" sz="1800" b="0" u="none" strike="noStrike" dirty="0">
+                          <a:solidFill>
+                            <a:srgbClr val="000000"/>
+                          </a:solidFill>
+                          <a:effectLst/>
+                        </a:rPr>
+                        <a:t>stay</a:t>
+                      </a:r>
+                      <a:endParaRPr lang="en-CA" sz="1800" b="0" i="0" u="none" strike="noStrike" dirty="0">
+                        <a:solidFill>
+                          <a:srgbClr val="000000"/>
+                        </a:solidFill>
+                        <a:effectLst/>
+                        <a:latin typeface="+mn-lt"/>
+                      </a:endParaRPr>
+                    </a:p>
+                  </a:txBody>
+                  <a:tcPr marL="9525" marR="9525" marT="9525" marB="0" anchor="b"/>
+                </a:tc>
+                <a:tc>
+                  <a:txBody>
+                    <a:bodyPr/>
+                    <a:lstStyle/>
+                    <a:p>
+                      <a:pPr algn="ctr" fontAlgn="b"/>
+                      <a:r>
+                        <a:rPr lang="en-CA" sz="1800" b="0" u="none" strike="noStrike" dirty="0">
+                          <a:solidFill>
+                            <a:srgbClr val="000000"/>
+                          </a:solidFill>
+                          <a:effectLst/>
+                        </a:rPr>
+                        <a:t>night</a:t>
+                      </a:r>
+                      <a:endParaRPr lang="en-CA" sz="1800" b="0" i="0" u="none" strike="noStrike" dirty="0">
+                        <a:solidFill>
+                          <a:srgbClr val="000000"/>
+                        </a:solidFill>
+                        <a:effectLst/>
+                        <a:latin typeface="+mn-lt"/>
+                      </a:endParaRPr>
+                    </a:p>
+                  </a:txBody>
+                  <a:tcPr marL="9525" marR="9525" marT="9525" marB="0" anchor="b"/>
+                </a:tc>
+                <a:tc>
+                  <a:txBody>
+                    <a:bodyPr/>
+                    <a:lstStyle/>
+                    <a:p>
+                      <a:pPr algn="ctr" fontAlgn="b"/>
+                      <a:r>
+                        <a:rPr lang="en-CA" sz="1800" b="0" u="none" strike="noStrike" dirty="0">
+                          <a:solidFill>
+                            <a:srgbClr val="000000"/>
+                          </a:solidFill>
+                          <a:effectLst/>
+                        </a:rPr>
+                        <a:t>stay</a:t>
+                      </a:r>
+                      <a:endParaRPr lang="en-CA" sz="1800" b="0" i="0" u="none" strike="noStrike" dirty="0">
+                        <a:solidFill>
+                          <a:srgbClr val="000000"/>
+                        </a:solidFill>
+                        <a:effectLst/>
+                        <a:latin typeface="+mn-lt"/>
+                      </a:endParaRPr>
+                    </a:p>
+                  </a:txBody>
+                  <a:tcPr marL="9525" marR="9525" marT="9525" marB="0" anchor="b"/>
+                </a:tc>
+                <a:tc>
+                  <a:txBody>
+                    <a:bodyPr/>
+                    <a:lstStyle/>
+                    <a:p>
+                      <a:pPr algn="ctr" fontAlgn="b"/>
+                      <a:r>
+                        <a:rPr lang="en-CA" sz="1800" b="0" u="none" strike="noStrike">
+                          <a:solidFill>
+                            <a:srgbClr val="000000"/>
+                          </a:solidFill>
+                          <a:effectLst/>
+                        </a:rPr>
+                        <a:t>stay</a:t>
+                      </a:r>
+                      <a:endParaRPr lang="en-CA" sz="1800" b="0" i="0" u="none" strike="noStrike">
+                        <a:solidFill>
+                          <a:srgbClr val="000000"/>
+                        </a:solidFill>
+                        <a:effectLst/>
+                        <a:latin typeface="+mn-lt"/>
+                      </a:endParaRPr>
+                    </a:p>
+                  </a:txBody>
+                  <a:tcPr marL="9525" marR="9525" marT="9525" marB="0" anchor="b"/>
+                </a:tc>
+                <a:tc>
+                  <a:txBody>
+                    <a:bodyPr/>
+                    <a:lstStyle/>
+                    <a:p>
+                      <a:pPr algn="ctr" fontAlgn="b"/>
+                      <a:r>
+                        <a:rPr lang="en-CA" sz="1800" b="0" u="none" strike="noStrike" dirty="0">
+                          <a:solidFill>
+                            <a:srgbClr val="000000"/>
+                          </a:solidFill>
+                          <a:effectLst/>
+                        </a:rPr>
+                        <a:t>stay</a:t>
+                      </a:r>
+                      <a:endParaRPr lang="en-CA" sz="1800" b="0" i="0" u="none" strike="noStrike" dirty="0">
+                        <a:solidFill>
+                          <a:srgbClr val="000000"/>
+                        </a:solidFill>
+                        <a:effectLst/>
+                        <a:latin typeface="+mn-lt"/>
+                      </a:endParaRPr>
+                    </a:p>
+                  </a:txBody>
+                  <a:tcPr marL="9525" marR="9525" marT="9525" marB="0" anchor="b"/>
+                </a:tc>
+                <a:extLst>
+                  <a:ext uri="{0D108BD9-81ED-4DB2-BD59-A6C34878D82A}">
+                    <a16:rowId xmlns:a16="http://schemas.microsoft.com/office/drawing/2014/main" val="689028486"/>
+                  </a:ext>
+                </a:extLst>
+              </a:tr>
+              <a:tr h="370840">
+                <a:tc>
+                  <a:txBody>
+                    <a:bodyPr/>
+                    <a:lstStyle/>
+                    <a:p>
+                      <a:pPr algn="ctr" fontAlgn="b"/>
+                      <a:r>
+                        <a:rPr lang="en-CA" sz="1800" b="0" u="none" strike="noStrike" dirty="0">
+                          <a:solidFill>
+                            <a:srgbClr val="000000"/>
+                          </a:solidFill>
+                          <a:effectLst/>
+                        </a:rPr>
+                        <a:t>4</a:t>
+                      </a:r>
+                      <a:endParaRPr lang="en-CA" sz="1800" b="0" i="0" u="none" strike="noStrike" dirty="0">
+                        <a:solidFill>
+                          <a:srgbClr val="000000"/>
+                        </a:solidFill>
+                        <a:effectLst/>
+                        <a:latin typeface="+mn-lt"/>
+                      </a:endParaRPr>
+                    </a:p>
+                  </a:txBody>
+                  <a:tcPr marL="9525" marR="9525" marT="9525" marB="0" anchor="b"/>
+                </a:tc>
+                <a:tc>
+                  <a:txBody>
+                    <a:bodyPr/>
+                    <a:lstStyle/>
+                    <a:p>
+                      <a:pPr algn="ctr" fontAlgn="b"/>
+                      <a:r>
+                        <a:rPr lang="en-CA" sz="1800" b="0" u="none" strike="noStrike" dirty="0">
+                          <a:solidFill>
+                            <a:srgbClr val="000000"/>
+                          </a:solidFill>
+                          <a:effectLst/>
+                        </a:rPr>
+                        <a:t>staff</a:t>
+                      </a:r>
+                      <a:endParaRPr lang="en-CA" sz="1800" b="0" i="0" u="none" strike="noStrike" dirty="0">
+                        <a:solidFill>
+                          <a:srgbClr val="000000"/>
+                        </a:solidFill>
+                        <a:effectLst/>
+                        <a:latin typeface="+mn-lt"/>
+                      </a:endParaRPr>
+                    </a:p>
+                  </a:txBody>
+                  <a:tcPr marL="9525" marR="9525" marT="9525" marB="0" anchor="b"/>
+                </a:tc>
+                <a:tc>
+                  <a:txBody>
+                    <a:bodyPr/>
+                    <a:lstStyle/>
+                    <a:p>
+                      <a:pPr algn="ctr" fontAlgn="b"/>
+                      <a:r>
+                        <a:rPr lang="en-CA" sz="1800" b="0" u="none" strike="noStrike">
+                          <a:solidFill>
+                            <a:srgbClr val="000000"/>
+                          </a:solidFill>
+                          <a:effectLst/>
+                        </a:rPr>
+                        <a:t>would</a:t>
+                      </a:r>
+                      <a:endParaRPr lang="en-CA" sz="1800" b="0" i="0" u="none" strike="noStrike">
+                        <a:solidFill>
+                          <a:srgbClr val="000000"/>
+                        </a:solidFill>
+                        <a:effectLst/>
+                        <a:latin typeface="+mn-lt"/>
+                      </a:endParaRPr>
+                    </a:p>
+                  </a:txBody>
+                  <a:tcPr marL="9525" marR="9525" marT="9525" marB="0" anchor="b"/>
+                </a:tc>
+                <a:tc>
+                  <a:txBody>
+                    <a:bodyPr/>
+                    <a:lstStyle/>
+                    <a:p>
+                      <a:pPr algn="ctr" fontAlgn="b"/>
+                      <a:r>
+                        <a:rPr lang="en-CA" sz="1800" b="0" u="none" strike="noStrike" dirty="0">
+                          <a:solidFill>
+                            <a:srgbClr val="000000"/>
+                          </a:solidFill>
+                          <a:effectLst/>
+                        </a:rPr>
+                        <a:t>staff</a:t>
+                      </a:r>
+                      <a:endParaRPr lang="en-CA" sz="1800" b="0" i="0" u="none" strike="noStrike" dirty="0">
+                        <a:solidFill>
+                          <a:srgbClr val="000000"/>
+                        </a:solidFill>
+                        <a:effectLst/>
+                        <a:latin typeface="+mn-lt"/>
+                      </a:endParaRPr>
+                    </a:p>
+                  </a:txBody>
+                  <a:tcPr marL="9525" marR="9525" marT="9525" marB="0" anchor="b"/>
+                </a:tc>
+                <a:tc>
+                  <a:txBody>
+                    <a:bodyPr/>
+                    <a:lstStyle/>
+                    <a:p>
+                      <a:pPr algn="ctr" fontAlgn="b"/>
+                      <a:r>
+                        <a:rPr lang="en-CA" sz="1800" b="0" u="none" strike="noStrike">
+                          <a:solidFill>
+                            <a:srgbClr val="000000"/>
+                          </a:solidFill>
+                          <a:effectLst/>
+                        </a:rPr>
+                        <a:t>staff</a:t>
+                      </a:r>
+                      <a:endParaRPr lang="en-CA" sz="1800" b="0" i="0" u="none" strike="noStrike">
+                        <a:solidFill>
+                          <a:srgbClr val="000000"/>
+                        </a:solidFill>
+                        <a:effectLst/>
+                        <a:latin typeface="+mn-lt"/>
+                      </a:endParaRPr>
+                    </a:p>
+                  </a:txBody>
+                  <a:tcPr marL="9525" marR="9525" marT="9525" marB="0" anchor="b"/>
+                </a:tc>
+                <a:tc>
+                  <a:txBody>
+                    <a:bodyPr/>
+                    <a:lstStyle/>
+                    <a:p>
+                      <a:pPr algn="ctr" fontAlgn="b"/>
+                      <a:r>
+                        <a:rPr lang="en-CA" sz="1800" b="0" u="none" strike="noStrike" dirty="0">
+                          <a:solidFill>
+                            <a:srgbClr val="000000"/>
+                          </a:solidFill>
+                          <a:effectLst/>
+                        </a:rPr>
+                        <a:t>staff</a:t>
+                      </a:r>
+                      <a:endParaRPr lang="en-CA" sz="1800" b="0" i="0" u="none" strike="noStrike" dirty="0">
+                        <a:solidFill>
+                          <a:srgbClr val="000000"/>
+                        </a:solidFill>
+                        <a:effectLst/>
+                        <a:latin typeface="+mn-lt"/>
+                      </a:endParaRPr>
+                    </a:p>
+                  </a:txBody>
+                  <a:tcPr marL="9525" marR="9525" marT="9525" marB="0" anchor="b"/>
+                </a:tc>
+                <a:extLst>
+                  <a:ext uri="{0D108BD9-81ED-4DB2-BD59-A6C34878D82A}">
+                    <a16:rowId xmlns:a16="http://schemas.microsoft.com/office/drawing/2014/main" val="966234708"/>
+                  </a:ext>
+                </a:extLst>
+              </a:tr>
+              <a:tr h="370840">
+                <a:tc>
+                  <a:txBody>
+                    <a:bodyPr/>
+                    <a:lstStyle/>
+                    <a:p>
+                      <a:pPr algn="ctr" fontAlgn="b"/>
+                      <a:r>
+                        <a:rPr lang="en-CA" sz="1800" b="0" u="none" strike="noStrike">
+                          <a:solidFill>
+                            <a:srgbClr val="000000"/>
+                          </a:solidFill>
+                          <a:effectLst/>
+                        </a:rPr>
+                        <a:t>5</a:t>
+                      </a:r>
+                      <a:endParaRPr lang="en-CA" sz="1800" b="0" i="0" u="none" strike="noStrike">
+                        <a:solidFill>
+                          <a:srgbClr val="000000"/>
+                        </a:solidFill>
+                        <a:effectLst/>
+                        <a:latin typeface="+mn-lt"/>
+                      </a:endParaRPr>
+                    </a:p>
+                  </a:txBody>
+                  <a:tcPr marL="9525" marR="9525" marT="9525" marB="0" anchor="b"/>
+                </a:tc>
+                <a:tc>
+                  <a:txBody>
+                    <a:bodyPr/>
+                    <a:lstStyle/>
+                    <a:p>
+                      <a:pPr algn="ctr" fontAlgn="b"/>
+                      <a:r>
+                        <a:rPr lang="en-CA" sz="1800" b="0" u="none" strike="noStrike">
+                          <a:solidFill>
+                            <a:srgbClr val="000000"/>
+                          </a:solidFill>
+                          <a:effectLst/>
+                        </a:rPr>
+                        <a:t>nice</a:t>
+                      </a:r>
+                      <a:endParaRPr lang="en-CA" sz="1800" b="0" i="0" u="none" strike="noStrike">
+                        <a:solidFill>
+                          <a:srgbClr val="000000"/>
+                        </a:solidFill>
+                        <a:effectLst/>
+                        <a:latin typeface="+mn-lt"/>
+                      </a:endParaRPr>
+                    </a:p>
+                  </a:txBody>
+                  <a:tcPr marL="9525" marR="9525" marT="9525" marB="0" anchor="b"/>
+                </a:tc>
+                <a:tc>
+                  <a:txBody>
+                    <a:bodyPr/>
+                    <a:lstStyle/>
+                    <a:p>
+                      <a:pPr algn="ctr" fontAlgn="b"/>
+                      <a:r>
+                        <a:rPr lang="en-CA" sz="1800" b="0" u="none" strike="noStrike">
+                          <a:solidFill>
+                            <a:srgbClr val="000000"/>
+                          </a:solidFill>
+                          <a:effectLst/>
+                        </a:rPr>
+                        <a:t>one</a:t>
+                      </a:r>
+                      <a:endParaRPr lang="en-CA" sz="1800" b="0" i="0" u="none" strike="noStrike">
+                        <a:solidFill>
+                          <a:srgbClr val="000000"/>
+                        </a:solidFill>
+                        <a:effectLst/>
+                        <a:latin typeface="+mn-lt"/>
+                      </a:endParaRPr>
+                    </a:p>
+                  </a:txBody>
+                  <a:tcPr marL="9525" marR="9525" marT="9525" marB="0" anchor="b"/>
+                </a:tc>
+                <a:tc>
+                  <a:txBody>
+                    <a:bodyPr/>
+                    <a:lstStyle/>
+                    <a:p>
+                      <a:pPr algn="ctr" fontAlgn="b"/>
+                      <a:r>
+                        <a:rPr lang="en-CA" sz="1800" b="0" u="none" strike="noStrike" dirty="0">
+                          <a:solidFill>
+                            <a:srgbClr val="000000"/>
+                          </a:solidFill>
+                          <a:effectLst/>
+                        </a:rPr>
+                        <a:t>nice</a:t>
+                      </a:r>
+                      <a:endParaRPr lang="en-CA" sz="1800" b="0" i="0" u="none" strike="noStrike" dirty="0">
+                        <a:solidFill>
+                          <a:srgbClr val="000000"/>
+                        </a:solidFill>
+                        <a:effectLst/>
+                        <a:latin typeface="+mn-lt"/>
+                      </a:endParaRPr>
+                    </a:p>
+                  </a:txBody>
+                  <a:tcPr marL="9525" marR="9525" marT="9525" marB="0" anchor="b"/>
+                </a:tc>
+                <a:tc>
+                  <a:txBody>
+                    <a:bodyPr/>
+                    <a:lstStyle/>
+                    <a:p>
+                      <a:pPr algn="ctr" fontAlgn="b"/>
+                      <a:r>
+                        <a:rPr lang="en-CA" sz="1800" b="0" u="none" strike="noStrike" dirty="0">
+                          <a:solidFill>
+                            <a:srgbClr val="000000"/>
+                          </a:solidFill>
+                          <a:effectLst/>
+                        </a:rPr>
+                        <a:t>nice</a:t>
+                      </a:r>
+                      <a:endParaRPr lang="en-CA" sz="1800" b="0" i="0" u="none" strike="noStrike" dirty="0">
+                        <a:solidFill>
+                          <a:srgbClr val="000000"/>
+                        </a:solidFill>
+                        <a:effectLst/>
+                        <a:latin typeface="+mn-lt"/>
+                      </a:endParaRPr>
+                    </a:p>
+                  </a:txBody>
+                  <a:tcPr marL="9525" marR="9525" marT="9525" marB="0" anchor="b"/>
+                </a:tc>
+                <a:tc>
+                  <a:txBody>
+                    <a:bodyPr/>
+                    <a:lstStyle/>
+                    <a:p>
+                      <a:pPr algn="ctr" fontAlgn="b"/>
+                      <a:r>
+                        <a:rPr lang="en-CA" sz="2000" b="1" u="none" strike="noStrike" kern="1200" dirty="0">
+                          <a:solidFill>
+                            <a:srgbClr val="00B0F0"/>
+                          </a:solidFill>
+                          <a:effectLst/>
+                          <a:latin typeface="+mn-lt"/>
+                          <a:ea typeface="+mn-ea"/>
+                          <a:cs typeface="+mn-cs"/>
+                        </a:rPr>
+                        <a:t>clean</a:t>
+                      </a:r>
+                    </a:p>
+                  </a:txBody>
+                  <a:tcPr marL="9525" marR="9525" marT="9525" marB="0" anchor="b"/>
+                </a:tc>
+                <a:extLst>
+                  <a:ext uri="{0D108BD9-81ED-4DB2-BD59-A6C34878D82A}">
+                    <a16:rowId xmlns:a16="http://schemas.microsoft.com/office/drawing/2014/main" val="3131120491"/>
+                  </a:ext>
+                </a:extLst>
+              </a:tr>
+              <a:tr h="370840">
+                <a:tc>
+                  <a:txBody>
+                    <a:bodyPr/>
+                    <a:lstStyle/>
+                    <a:p>
+                      <a:pPr algn="ctr" fontAlgn="b"/>
+                      <a:r>
+                        <a:rPr lang="en-CA" sz="1800" b="0" u="none" strike="noStrike" dirty="0">
+                          <a:solidFill>
+                            <a:srgbClr val="000000"/>
+                          </a:solidFill>
+                          <a:effectLst/>
+                        </a:rPr>
+                        <a:t>6</a:t>
+                      </a:r>
+                      <a:endParaRPr lang="en-CA" sz="1800" b="0" i="0" u="none" strike="noStrike" dirty="0">
+                        <a:solidFill>
+                          <a:srgbClr val="000000"/>
+                        </a:solidFill>
+                        <a:effectLst/>
+                        <a:latin typeface="+mn-lt"/>
+                      </a:endParaRPr>
+                    </a:p>
+                  </a:txBody>
+                  <a:tcPr marL="9525" marR="9525" marT="9525" marB="0" anchor="b"/>
+                </a:tc>
+                <a:tc>
+                  <a:txBody>
+                    <a:bodyPr/>
+                    <a:lstStyle/>
+                    <a:p>
+                      <a:pPr algn="ctr" fontAlgn="b"/>
+                      <a:r>
+                        <a:rPr lang="en-CA" sz="1800" b="0" u="none" strike="noStrike">
+                          <a:solidFill>
+                            <a:srgbClr val="000000"/>
+                          </a:solidFill>
+                          <a:effectLst/>
+                        </a:rPr>
+                        <a:t>location</a:t>
+                      </a:r>
+                      <a:endParaRPr lang="en-CA" sz="1800" b="0" i="0" u="none" strike="noStrike">
+                        <a:solidFill>
+                          <a:srgbClr val="000000"/>
+                        </a:solidFill>
+                        <a:effectLst/>
+                        <a:latin typeface="+mn-lt"/>
+                      </a:endParaRPr>
+                    </a:p>
+                  </a:txBody>
+                  <a:tcPr marL="9525" marR="9525" marT="9525" marB="0" anchor="b"/>
+                </a:tc>
+                <a:tc>
+                  <a:txBody>
+                    <a:bodyPr/>
+                    <a:lstStyle/>
+                    <a:p>
+                      <a:pPr algn="ctr" fontAlgn="b"/>
+                      <a:r>
+                        <a:rPr lang="en-CA" sz="1800" b="0" u="none" strike="noStrike">
+                          <a:solidFill>
+                            <a:srgbClr val="000000"/>
+                          </a:solidFill>
+                          <a:effectLst/>
+                        </a:rPr>
+                        <a:t>staff</a:t>
+                      </a:r>
+                      <a:endParaRPr lang="en-CA" sz="1800" b="0" i="0" u="none" strike="noStrike">
+                        <a:solidFill>
+                          <a:srgbClr val="000000"/>
+                        </a:solidFill>
+                        <a:effectLst/>
+                        <a:latin typeface="+mn-lt"/>
+                      </a:endParaRPr>
+                    </a:p>
+                  </a:txBody>
+                  <a:tcPr marL="9525" marR="9525" marT="9525" marB="0" anchor="b"/>
+                </a:tc>
+                <a:tc>
+                  <a:txBody>
+                    <a:bodyPr/>
+                    <a:lstStyle/>
+                    <a:p>
+                      <a:pPr algn="ctr" fontAlgn="b"/>
+                      <a:r>
+                        <a:rPr lang="en-CA" sz="1800" b="0" u="none" strike="noStrike" dirty="0">
+                          <a:solidFill>
+                            <a:srgbClr val="000000"/>
+                          </a:solidFill>
+                          <a:effectLst/>
+                        </a:rPr>
+                        <a:t>location</a:t>
+                      </a:r>
+                      <a:endParaRPr lang="en-CA" sz="1800" b="0" i="0" u="none" strike="noStrike" dirty="0">
+                        <a:solidFill>
+                          <a:srgbClr val="000000"/>
+                        </a:solidFill>
+                        <a:effectLst/>
+                        <a:latin typeface="+mn-lt"/>
+                      </a:endParaRPr>
+                    </a:p>
+                  </a:txBody>
+                  <a:tcPr marL="9525" marR="9525" marT="9525" marB="0" anchor="b"/>
+                </a:tc>
+                <a:tc>
+                  <a:txBody>
+                    <a:bodyPr/>
+                    <a:lstStyle/>
+                    <a:p>
+                      <a:pPr algn="ctr" fontAlgn="b"/>
+                      <a:r>
+                        <a:rPr lang="en-CA" sz="1800" b="0" u="none" strike="noStrike" dirty="0">
+                          <a:solidFill>
+                            <a:srgbClr val="000000"/>
+                          </a:solidFill>
+                          <a:effectLst/>
+                        </a:rPr>
+                        <a:t>location</a:t>
+                      </a:r>
+                      <a:endParaRPr lang="en-CA" sz="1800" b="0" i="0" u="none" strike="noStrike" dirty="0">
+                        <a:solidFill>
+                          <a:srgbClr val="000000"/>
+                        </a:solidFill>
+                        <a:effectLst/>
+                        <a:latin typeface="+mn-lt"/>
+                      </a:endParaRPr>
+                    </a:p>
+                  </a:txBody>
+                  <a:tcPr marL="9525" marR="9525" marT="9525" marB="0" anchor="b"/>
+                </a:tc>
+                <a:tc>
+                  <a:txBody>
+                    <a:bodyPr/>
+                    <a:lstStyle/>
+                    <a:p>
+                      <a:pPr algn="ctr" fontAlgn="b"/>
+                      <a:r>
+                        <a:rPr lang="en-CA" sz="1800" b="0" u="none" strike="noStrike" dirty="0">
+                          <a:solidFill>
+                            <a:srgbClr val="000000"/>
+                          </a:solidFill>
+                          <a:effectLst/>
+                        </a:rPr>
+                        <a:t>nice</a:t>
+                      </a:r>
+                      <a:endParaRPr lang="en-CA" sz="1800" b="0" i="0" u="none" strike="noStrike" dirty="0">
+                        <a:solidFill>
+                          <a:srgbClr val="000000"/>
+                        </a:solidFill>
+                        <a:effectLst/>
+                        <a:latin typeface="+mn-lt"/>
+                      </a:endParaRPr>
+                    </a:p>
+                  </a:txBody>
+                  <a:tcPr marL="9525" marR="9525" marT="9525" marB="0" anchor="b"/>
+                </a:tc>
+                <a:extLst>
+                  <a:ext uri="{0D108BD9-81ED-4DB2-BD59-A6C34878D82A}">
+                    <a16:rowId xmlns:a16="http://schemas.microsoft.com/office/drawing/2014/main" val="1585213908"/>
+                  </a:ext>
+                </a:extLst>
+              </a:tr>
+              <a:tr h="370840">
+                <a:tc>
+                  <a:txBody>
+                    <a:bodyPr/>
+                    <a:lstStyle/>
+                    <a:p>
+                      <a:pPr algn="ctr" fontAlgn="b"/>
+                      <a:r>
+                        <a:rPr lang="en-CA" sz="1800" b="0" u="none" strike="noStrike" dirty="0">
+                          <a:solidFill>
+                            <a:srgbClr val="000000"/>
+                          </a:solidFill>
+                          <a:effectLst/>
+                        </a:rPr>
+                        <a:t>7</a:t>
+                      </a:r>
+                      <a:endParaRPr lang="en-CA" sz="1800" b="0" i="0" u="none" strike="noStrike" dirty="0">
+                        <a:solidFill>
+                          <a:srgbClr val="000000"/>
+                        </a:solidFill>
+                        <a:effectLst/>
+                        <a:latin typeface="+mn-lt"/>
+                      </a:endParaRPr>
+                    </a:p>
+                  </a:txBody>
+                  <a:tcPr marL="9525" marR="9525" marT="9525" marB="0" anchor="b"/>
+                </a:tc>
+                <a:tc>
+                  <a:txBody>
+                    <a:bodyPr/>
+                    <a:lstStyle/>
+                    <a:p>
+                      <a:pPr algn="ctr" fontAlgn="b"/>
+                      <a:r>
+                        <a:rPr lang="en-CA" sz="1800" b="0" u="none" strike="noStrike">
+                          <a:solidFill>
+                            <a:srgbClr val="000000"/>
+                          </a:solidFill>
+                          <a:effectLst/>
+                        </a:rPr>
+                        <a:t>good</a:t>
+                      </a:r>
+                      <a:endParaRPr lang="en-CA" sz="1800" b="0" i="0" u="none" strike="noStrike">
+                        <a:solidFill>
+                          <a:srgbClr val="000000"/>
+                        </a:solidFill>
+                        <a:effectLst/>
+                        <a:latin typeface="+mn-lt"/>
+                      </a:endParaRPr>
+                    </a:p>
+                  </a:txBody>
+                  <a:tcPr marL="9525" marR="9525" marT="9525" marB="0" anchor="b"/>
+                </a:tc>
+                <a:tc>
+                  <a:txBody>
+                    <a:bodyPr/>
+                    <a:lstStyle/>
+                    <a:p>
+                      <a:pPr algn="ctr" fontAlgn="b"/>
+                      <a:r>
+                        <a:rPr lang="en-CA" sz="1800" b="0" u="none" strike="noStrike">
+                          <a:solidFill>
+                            <a:srgbClr val="000000"/>
+                          </a:solidFill>
+                          <a:effectLst/>
+                        </a:rPr>
+                        <a:t>desk</a:t>
+                      </a:r>
+                      <a:endParaRPr lang="en-CA" sz="1800" b="0" i="0" u="none" strike="noStrike">
+                        <a:solidFill>
+                          <a:srgbClr val="000000"/>
+                        </a:solidFill>
+                        <a:effectLst/>
+                        <a:latin typeface="+mn-lt"/>
+                      </a:endParaRPr>
+                    </a:p>
+                  </a:txBody>
+                  <a:tcPr marL="9525" marR="9525" marT="9525" marB="0" anchor="b"/>
+                </a:tc>
+                <a:tc>
+                  <a:txBody>
+                    <a:bodyPr/>
+                    <a:lstStyle/>
+                    <a:p>
+                      <a:pPr algn="ctr" fontAlgn="b"/>
+                      <a:r>
+                        <a:rPr lang="en-CA" sz="2000" b="1" u="none" strike="noStrike" kern="1200" dirty="0">
+                          <a:solidFill>
+                            <a:srgbClr val="00B0F0"/>
+                          </a:solidFill>
+                          <a:effectLst/>
+                          <a:latin typeface="+mn-lt"/>
+                          <a:ea typeface="+mn-ea"/>
+                          <a:cs typeface="+mn-cs"/>
+                        </a:rPr>
+                        <a:t>clean</a:t>
+                      </a:r>
+                    </a:p>
+                  </a:txBody>
+                  <a:tcPr marL="9525" marR="9525" marT="9525" marB="0" anchor="b"/>
+                </a:tc>
+                <a:tc>
+                  <a:txBody>
+                    <a:bodyPr/>
+                    <a:lstStyle/>
+                    <a:p>
+                      <a:pPr algn="ctr" fontAlgn="b"/>
+                      <a:r>
+                        <a:rPr lang="en-CA" sz="1800" b="0" u="none" strike="noStrike" dirty="0">
+                          <a:solidFill>
+                            <a:srgbClr val="000000"/>
+                          </a:solidFill>
+                          <a:effectLst/>
+                        </a:rPr>
+                        <a:t>good</a:t>
+                      </a:r>
+                      <a:endParaRPr lang="en-CA" sz="1800" b="0" i="0" u="none" strike="noStrike" dirty="0">
+                        <a:solidFill>
+                          <a:srgbClr val="000000"/>
+                        </a:solidFill>
+                        <a:effectLst/>
+                        <a:latin typeface="+mn-lt"/>
+                      </a:endParaRPr>
+                    </a:p>
+                  </a:txBody>
+                  <a:tcPr marL="9525" marR="9525" marT="9525" marB="0" anchor="b"/>
+                </a:tc>
+                <a:tc>
+                  <a:txBody>
+                    <a:bodyPr/>
+                    <a:lstStyle/>
+                    <a:p>
+                      <a:pPr algn="ctr" fontAlgn="b"/>
+                      <a:r>
+                        <a:rPr lang="en-CA" sz="1800" b="0" u="none" strike="noStrike" dirty="0">
+                          <a:solidFill>
+                            <a:srgbClr val="000000"/>
+                          </a:solidFill>
+                          <a:effectLst/>
+                        </a:rPr>
+                        <a:t>service</a:t>
+                      </a:r>
+                      <a:endParaRPr lang="en-CA" sz="1800" b="0" i="0" u="none" strike="noStrike" dirty="0">
+                        <a:solidFill>
+                          <a:srgbClr val="000000"/>
+                        </a:solidFill>
+                        <a:effectLst/>
+                        <a:latin typeface="+mn-lt"/>
+                      </a:endParaRPr>
+                    </a:p>
+                  </a:txBody>
+                  <a:tcPr marL="9525" marR="9525" marT="9525" marB="0" anchor="b"/>
+                </a:tc>
+                <a:extLst>
+                  <a:ext uri="{0D108BD9-81ED-4DB2-BD59-A6C34878D82A}">
+                    <a16:rowId xmlns:a16="http://schemas.microsoft.com/office/drawing/2014/main" val="3620469889"/>
+                  </a:ext>
+                </a:extLst>
+              </a:tr>
+              <a:tr h="370840">
+                <a:tc>
+                  <a:txBody>
+                    <a:bodyPr/>
+                    <a:lstStyle/>
+                    <a:p>
+                      <a:pPr algn="ctr" fontAlgn="b"/>
+                      <a:r>
+                        <a:rPr lang="en-CA" sz="1800" b="0" u="none" strike="noStrike" dirty="0">
+                          <a:solidFill>
+                            <a:srgbClr val="000000"/>
+                          </a:solidFill>
+                          <a:effectLst/>
+                        </a:rPr>
+                        <a:t>8</a:t>
+                      </a:r>
+                      <a:endParaRPr lang="en-CA" sz="1800" b="0" i="0" u="none" strike="noStrike" dirty="0">
+                        <a:solidFill>
+                          <a:srgbClr val="000000"/>
+                        </a:solidFill>
+                        <a:effectLst/>
+                        <a:latin typeface="+mn-lt"/>
+                      </a:endParaRPr>
+                    </a:p>
+                  </a:txBody>
+                  <a:tcPr marL="9525" marR="9525" marT="9525" marB="0" anchor="b"/>
+                </a:tc>
+                <a:tc>
+                  <a:txBody>
+                    <a:bodyPr/>
+                    <a:lstStyle/>
+                    <a:p>
+                      <a:pPr algn="ctr" fontAlgn="b"/>
+                      <a:r>
+                        <a:rPr lang="en-CA" sz="2000" b="1" u="none" strike="noStrike" dirty="0">
+                          <a:solidFill>
+                            <a:srgbClr val="00B0F0"/>
+                          </a:solidFill>
+                          <a:effectLst/>
+                        </a:rPr>
+                        <a:t>clean</a:t>
+                      </a:r>
+                      <a:endParaRPr lang="en-CA" sz="2000" b="1" i="0" u="none" strike="noStrike" dirty="0">
+                        <a:solidFill>
+                          <a:srgbClr val="00B0F0"/>
+                        </a:solidFill>
+                        <a:effectLst/>
+                        <a:latin typeface="+mn-lt"/>
+                      </a:endParaRPr>
+                    </a:p>
+                  </a:txBody>
+                  <a:tcPr marL="9525" marR="9525" marT="9525" marB="0" anchor="b"/>
+                </a:tc>
+                <a:tc>
+                  <a:txBody>
+                    <a:bodyPr/>
+                    <a:lstStyle/>
+                    <a:p>
+                      <a:pPr algn="ctr" fontAlgn="b"/>
+                      <a:r>
+                        <a:rPr lang="en-CA" sz="1800" b="0" u="none" strike="noStrike">
+                          <a:solidFill>
+                            <a:srgbClr val="000000"/>
+                          </a:solidFill>
+                          <a:effectLst/>
+                        </a:rPr>
+                        <a:t>service</a:t>
+                      </a:r>
+                      <a:endParaRPr lang="en-CA" sz="1800" b="0" i="0" u="none" strike="noStrike">
+                        <a:solidFill>
+                          <a:srgbClr val="000000"/>
+                        </a:solidFill>
+                        <a:effectLst/>
+                        <a:latin typeface="+mn-lt"/>
+                      </a:endParaRPr>
+                    </a:p>
+                  </a:txBody>
+                  <a:tcPr marL="9525" marR="9525" marT="9525" marB="0" anchor="b"/>
+                </a:tc>
+                <a:tc>
+                  <a:txBody>
+                    <a:bodyPr/>
+                    <a:lstStyle/>
+                    <a:p>
+                      <a:pPr algn="ctr" fontAlgn="b"/>
+                      <a:r>
+                        <a:rPr lang="en-CA" sz="1800" b="0" u="none" strike="noStrike">
+                          <a:solidFill>
+                            <a:srgbClr val="000000"/>
+                          </a:solidFill>
+                          <a:effectLst/>
+                        </a:rPr>
+                        <a:t>good</a:t>
+                      </a:r>
+                      <a:endParaRPr lang="en-CA" sz="1800" b="0" i="0" u="none" strike="noStrike">
+                        <a:solidFill>
+                          <a:srgbClr val="000000"/>
+                        </a:solidFill>
+                        <a:effectLst/>
+                        <a:latin typeface="+mn-lt"/>
+                      </a:endParaRPr>
+                    </a:p>
+                  </a:txBody>
+                  <a:tcPr marL="9525" marR="9525" marT="9525" marB="0" anchor="b"/>
+                </a:tc>
+                <a:tc>
+                  <a:txBody>
+                    <a:bodyPr/>
+                    <a:lstStyle/>
+                    <a:p>
+                      <a:pPr algn="ctr" fontAlgn="b"/>
+                      <a:r>
+                        <a:rPr lang="en-CA" sz="2000" b="1" u="none" strike="noStrike" kern="1200" dirty="0">
+                          <a:solidFill>
+                            <a:srgbClr val="00B0F0"/>
+                          </a:solidFill>
+                          <a:effectLst/>
+                          <a:latin typeface="+mn-lt"/>
+                          <a:ea typeface="+mn-ea"/>
+                          <a:cs typeface="+mn-cs"/>
+                        </a:rPr>
+                        <a:t>clean</a:t>
+                      </a:r>
+                    </a:p>
+                  </a:txBody>
+                  <a:tcPr marL="9525" marR="9525" marT="9525" marB="0" anchor="b"/>
+                </a:tc>
+                <a:tc>
+                  <a:txBody>
+                    <a:bodyPr/>
+                    <a:lstStyle/>
+                    <a:p>
+                      <a:pPr algn="ctr" fontAlgn="b"/>
+                      <a:r>
+                        <a:rPr lang="en-CA" sz="1800" b="0" u="none" strike="noStrike" dirty="0">
+                          <a:solidFill>
+                            <a:srgbClr val="000000"/>
+                          </a:solidFill>
+                          <a:effectLst/>
+                        </a:rPr>
+                        <a:t>location</a:t>
+                      </a:r>
+                      <a:endParaRPr lang="en-CA" sz="1800" b="0" i="0" u="none" strike="noStrike" dirty="0">
+                        <a:solidFill>
+                          <a:srgbClr val="000000"/>
+                        </a:solidFill>
+                        <a:effectLst/>
+                        <a:latin typeface="+mn-lt"/>
+                      </a:endParaRPr>
+                    </a:p>
+                  </a:txBody>
+                  <a:tcPr marL="9525" marR="9525" marT="9525" marB="0" anchor="b"/>
+                </a:tc>
+                <a:extLst>
+                  <a:ext uri="{0D108BD9-81ED-4DB2-BD59-A6C34878D82A}">
+                    <a16:rowId xmlns:a16="http://schemas.microsoft.com/office/drawing/2014/main" val="495499042"/>
+                  </a:ext>
+                </a:extLst>
+              </a:tr>
+              <a:tr h="370840">
+                <a:tc>
+                  <a:txBody>
+                    <a:bodyPr/>
+                    <a:lstStyle/>
+                    <a:p>
+                      <a:pPr algn="ctr" fontAlgn="b"/>
+                      <a:r>
+                        <a:rPr lang="en-CA" sz="1800" b="0" u="none" strike="noStrike" dirty="0">
+                          <a:solidFill>
+                            <a:srgbClr val="000000"/>
+                          </a:solidFill>
+                          <a:effectLst/>
+                        </a:rPr>
+                        <a:t>9</a:t>
+                      </a:r>
+                      <a:endParaRPr lang="en-CA" sz="1800" b="0" i="0" u="none" strike="noStrike" dirty="0">
+                        <a:solidFill>
+                          <a:srgbClr val="000000"/>
+                        </a:solidFill>
+                        <a:effectLst/>
+                        <a:latin typeface="+mn-lt"/>
+                      </a:endParaRPr>
+                    </a:p>
+                  </a:txBody>
+                  <a:tcPr marL="9525" marR="9525" marT="9525" marB="0" anchor="b"/>
+                </a:tc>
+                <a:tc>
+                  <a:txBody>
+                    <a:bodyPr/>
+                    <a:lstStyle/>
+                    <a:p>
+                      <a:pPr algn="ctr" fontAlgn="b"/>
+                      <a:r>
+                        <a:rPr lang="en-CA" sz="1800" b="0" u="none" strike="noStrike">
+                          <a:solidFill>
+                            <a:srgbClr val="000000"/>
+                          </a:solidFill>
+                          <a:effectLst/>
+                        </a:rPr>
+                        <a:t>service</a:t>
+                      </a:r>
+                      <a:endParaRPr lang="en-CA" sz="1800" b="0" i="0" u="none" strike="noStrike">
+                        <a:solidFill>
+                          <a:srgbClr val="000000"/>
+                        </a:solidFill>
+                        <a:effectLst/>
+                        <a:latin typeface="+mn-lt"/>
+                      </a:endParaRPr>
+                    </a:p>
+                  </a:txBody>
+                  <a:tcPr marL="9525" marR="9525" marT="9525" marB="0" anchor="b"/>
+                </a:tc>
+                <a:tc>
+                  <a:txBody>
+                    <a:bodyPr/>
+                    <a:lstStyle/>
+                    <a:p>
+                      <a:pPr algn="ctr" fontAlgn="b"/>
+                      <a:r>
+                        <a:rPr lang="en-CA" sz="1800" b="0" u="none" strike="noStrike">
+                          <a:solidFill>
+                            <a:srgbClr val="000000"/>
+                          </a:solidFill>
+                          <a:effectLst/>
+                        </a:rPr>
+                        <a:t>bed</a:t>
+                      </a:r>
+                      <a:endParaRPr lang="en-CA" sz="1800" b="0" i="0" u="none" strike="noStrike">
+                        <a:solidFill>
+                          <a:srgbClr val="000000"/>
+                        </a:solidFill>
+                        <a:effectLst/>
+                        <a:latin typeface="+mn-lt"/>
+                      </a:endParaRPr>
+                    </a:p>
+                  </a:txBody>
+                  <a:tcPr marL="9525" marR="9525" marT="9525" marB="0" anchor="b"/>
+                </a:tc>
+                <a:tc>
+                  <a:txBody>
+                    <a:bodyPr/>
+                    <a:lstStyle/>
+                    <a:p>
+                      <a:pPr algn="ctr" fontAlgn="b"/>
+                      <a:r>
+                        <a:rPr lang="en-CA" sz="1800" b="0" u="none" strike="noStrike">
+                          <a:solidFill>
+                            <a:srgbClr val="000000"/>
+                          </a:solidFill>
+                          <a:effectLst/>
+                        </a:rPr>
+                        <a:t>breakfast</a:t>
+                      </a:r>
+                      <a:endParaRPr lang="en-CA" sz="1800" b="0" i="0" u="none" strike="noStrike">
+                        <a:solidFill>
+                          <a:srgbClr val="000000"/>
+                        </a:solidFill>
+                        <a:effectLst/>
+                        <a:latin typeface="+mn-lt"/>
+                      </a:endParaRPr>
+                    </a:p>
+                  </a:txBody>
+                  <a:tcPr marL="9525" marR="9525" marT="9525" marB="0" anchor="b"/>
+                </a:tc>
+                <a:tc>
+                  <a:txBody>
+                    <a:bodyPr/>
+                    <a:lstStyle/>
+                    <a:p>
+                      <a:pPr algn="ctr" fontAlgn="b"/>
+                      <a:r>
+                        <a:rPr lang="en-CA" sz="1800" b="0" u="none" strike="noStrike" dirty="0">
+                          <a:solidFill>
+                            <a:srgbClr val="000000"/>
+                          </a:solidFill>
+                          <a:effectLst/>
+                        </a:rPr>
+                        <a:t>breakfast</a:t>
+                      </a:r>
+                      <a:endParaRPr lang="en-CA" sz="1800" b="0" i="0" u="none" strike="noStrike" dirty="0">
+                        <a:solidFill>
+                          <a:srgbClr val="000000"/>
+                        </a:solidFill>
+                        <a:effectLst/>
+                        <a:latin typeface="+mn-lt"/>
+                      </a:endParaRPr>
+                    </a:p>
+                  </a:txBody>
+                  <a:tcPr marL="9525" marR="9525" marT="9525" marB="0" anchor="b"/>
+                </a:tc>
+                <a:tc>
+                  <a:txBody>
+                    <a:bodyPr/>
+                    <a:lstStyle/>
+                    <a:p>
+                      <a:pPr algn="ctr" fontAlgn="b"/>
+                      <a:r>
+                        <a:rPr lang="en-CA" sz="1800" b="0" u="none" strike="noStrike" dirty="0">
+                          <a:solidFill>
+                            <a:srgbClr val="000000"/>
+                          </a:solidFill>
+                          <a:effectLst/>
+                        </a:rPr>
+                        <a:t>time</a:t>
+                      </a:r>
+                      <a:endParaRPr lang="en-CA" sz="1800" b="0" i="0" u="none" strike="noStrike" dirty="0">
+                        <a:solidFill>
+                          <a:srgbClr val="000000"/>
+                        </a:solidFill>
+                        <a:effectLst/>
+                        <a:latin typeface="+mn-lt"/>
+                      </a:endParaRPr>
+                    </a:p>
+                  </a:txBody>
+                  <a:tcPr marL="9525" marR="9525" marT="9525" marB="0" anchor="b"/>
+                </a:tc>
+                <a:extLst>
+                  <a:ext uri="{0D108BD9-81ED-4DB2-BD59-A6C34878D82A}">
+                    <a16:rowId xmlns:a16="http://schemas.microsoft.com/office/drawing/2014/main" val="4058368772"/>
+                  </a:ext>
+                </a:extLst>
+              </a:tr>
+              <a:tr h="370840">
+                <a:tc>
+                  <a:txBody>
+                    <a:bodyPr/>
+                    <a:lstStyle/>
+                    <a:p>
+                      <a:pPr algn="ctr" fontAlgn="b"/>
+                      <a:r>
+                        <a:rPr lang="en-CA" sz="1800" b="0" u="none" strike="noStrike" dirty="0">
+                          <a:solidFill>
+                            <a:srgbClr val="000000"/>
+                          </a:solidFill>
+                          <a:effectLst/>
+                        </a:rPr>
+                        <a:t>10</a:t>
+                      </a:r>
+                      <a:endParaRPr lang="en-CA" sz="1800" b="0" i="0" u="none" strike="noStrike" dirty="0">
+                        <a:solidFill>
+                          <a:srgbClr val="000000"/>
+                        </a:solidFill>
+                        <a:effectLst/>
+                        <a:latin typeface="+mn-lt"/>
+                      </a:endParaRPr>
+                    </a:p>
+                  </a:txBody>
+                  <a:tcPr marL="9525" marR="9525" marT="9525" marB="0" anchor="b"/>
+                </a:tc>
+                <a:tc>
+                  <a:txBody>
+                    <a:bodyPr/>
+                    <a:lstStyle/>
+                    <a:p>
+                      <a:pPr algn="ctr" fontAlgn="b"/>
+                      <a:r>
+                        <a:rPr lang="en-CA" sz="1800" b="0" u="none" strike="noStrike">
+                          <a:solidFill>
+                            <a:srgbClr val="000000"/>
+                          </a:solidFill>
+                          <a:effectLst/>
+                        </a:rPr>
+                        <a:t>breakfast</a:t>
+                      </a:r>
+                      <a:endParaRPr lang="en-CA" sz="1800" b="0" i="0" u="none" strike="noStrike">
+                        <a:solidFill>
+                          <a:srgbClr val="000000"/>
+                        </a:solidFill>
+                        <a:effectLst/>
+                        <a:latin typeface="+mn-lt"/>
+                      </a:endParaRPr>
+                    </a:p>
+                  </a:txBody>
+                  <a:tcPr marL="9525" marR="9525" marT="9525" marB="0" anchor="b"/>
+                </a:tc>
+                <a:tc>
+                  <a:txBody>
+                    <a:bodyPr/>
+                    <a:lstStyle/>
+                    <a:p>
+                      <a:pPr algn="ctr" fontAlgn="b"/>
+                      <a:r>
+                        <a:rPr lang="en-CA" sz="1800" b="0" u="none" strike="noStrike">
+                          <a:solidFill>
+                            <a:srgbClr val="000000"/>
+                          </a:solidFill>
+                          <a:effectLst/>
+                        </a:rPr>
+                        <a:t>front</a:t>
+                      </a:r>
+                      <a:endParaRPr lang="en-CA" sz="1800" b="0" i="0" u="none" strike="noStrike">
+                        <a:solidFill>
+                          <a:srgbClr val="000000"/>
+                        </a:solidFill>
+                        <a:effectLst/>
+                        <a:latin typeface="+mn-lt"/>
+                      </a:endParaRPr>
+                    </a:p>
+                  </a:txBody>
+                  <a:tcPr marL="9525" marR="9525" marT="9525" marB="0" anchor="b"/>
+                </a:tc>
+                <a:tc>
+                  <a:txBody>
+                    <a:bodyPr/>
+                    <a:lstStyle/>
+                    <a:p>
+                      <a:pPr algn="ctr" fontAlgn="b"/>
+                      <a:r>
+                        <a:rPr lang="en-CA" sz="1800" b="0" u="none" strike="noStrike">
+                          <a:solidFill>
+                            <a:srgbClr val="000000"/>
+                          </a:solidFill>
+                          <a:effectLst/>
+                        </a:rPr>
+                        <a:t>friendly</a:t>
+                      </a:r>
+                      <a:endParaRPr lang="en-CA" sz="1800" b="0" i="0" u="none" strike="noStrike">
+                        <a:solidFill>
+                          <a:srgbClr val="000000"/>
+                        </a:solidFill>
+                        <a:effectLst/>
+                        <a:latin typeface="+mn-lt"/>
+                      </a:endParaRPr>
+                    </a:p>
+                  </a:txBody>
+                  <a:tcPr marL="9525" marR="9525" marT="9525" marB="0" anchor="b"/>
+                </a:tc>
+                <a:tc>
+                  <a:txBody>
+                    <a:bodyPr/>
+                    <a:lstStyle/>
+                    <a:p>
+                      <a:pPr algn="ctr" fontAlgn="b"/>
+                      <a:r>
+                        <a:rPr lang="en-CA" sz="1800" b="0" u="none" strike="noStrike" dirty="0">
+                          <a:solidFill>
+                            <a:srgbClr val="000000"/>
+                          </a:solidFill>
+                          <a:effectLst/>
+                        </a:rPr>
+                        <a:t>service</a:t>
+                      </a:r>
+                      <a:endParaRPr lang="en-CA" sz="1800" b="0" i="0" u="none" strike="noStrike" dirty="0">
+                        <a:solidFill>
+                          <a:srgbClr val="000000"/>
+                        </a:solidFill>
+                        <a:effectLst/>
+                        <a:latin typeface="+mn-lt"/>
+                      </a:endParaRPr>
+                    </a:p>
+                  </a:txBody>
+                  <a:tcPr marL="9525" marR="9525" marT="9525" marB="0" anchor="b"/>
+                </a:tc>
+                <a:tc>
+                  <a:txBody>
+                    <a:bodyPr/>
+                    <a:lstStyle/>
+                    <a:p>
+                      <a:pPr algn="ctr" fontAlgn="b"/>
+                      <a:r>
+                        <a:rPr lang="en-CA" sz="1800" b="0" u="none" strike="noStrike" dirty="0">
+                          <a:solidFill>
+                            <a:srgbClr val="000000"/>
+                          </a:solidFill>
+                          <a:effectLst/>
+                        </a:rPr>
+                        <a:t>good</a:t>
+                      </a:r>
+                      <a:endParaRPr lang="en-CA" sz="1800" b="0" i="0" u="none" strike="noStrike" dirty="0">
+                        <a:solidFill>
+                          <a:srgbClr val="000000"/>
+                        </a:solidFill>
+                        <a:effectLst/>
+                        <a:latin typeface="+mn-lt"/>
+                      </a:endParaRPr>
+                    </a:p>
+                  </a:txBody>
+                  <a:tcPr marL="9525" marR="9525" marT="9525" marB="0" anchor="b"/>
+                </a:tc>
+                <a:extLst>
+                  <a:ext uri="{0D108BD9-81ED-4DB2-BD59-A6C34878D82A}">
+                    <a16:rowId xmlns:a16="http://schemas.microsoft.com/office/drawing/2014/main" val="1678407815"/>
+                  </a:ext>
+                </a:extLst>
+              </a:tr>
+            </a:tbl>
+          </a:graphicData>
+        </a:graphic>
+      </p:graphicFrame>
+      <p:sp>
+        <p:nvSpPr>
+          <p:cNvPr id="3" name="TextBox 2">
+            <a:extLst>
+              <a:ext uri="{FF2B5EF4-FFF2-40B4-BE49-F238E27FC236}">
+                <a16:creationId xmlns:a16="http://schemas.microsoft.com/office/drawing/2014/main" id="{04C14B80-D00B-4367-BB11-30960910A340}"/>
+              </a:ext>
+            </a:extLst>
+          </p:cNvPr>
+          <p:cNvSpPr txBox="1"/>
+          <p:nvPr/>
+        </p:nvSpPr>
+        <p:spPr>
+          <a:xfrm>
+            <a:off x="4717278" y="6074952"/>
+            <a:ext cx="1572426" cy="400110"/>
+          </a:xfrm>
+          <a:prstGeom prst="rect">
+            <a:avLst/>
+          </a:prstGeom>
+          <a:noFill/>
+        </p:spPr>
+        <p:txBody>
+          <a:bodyPr wrap="square" rtlCol="0">
+            <a:spAutoFit/>
+          </a:bodyPr>
+          <a:lstStyle/>
+          <a:p>
+            <a:r>
+              <a:rPr lang="en-CA" sz="2000" b="1" dirty="0">
+                <a:solidFill>
+                  <a:srgbClr val="00B0F0"/>
+                </a:solidFill>
+              </a:rPr>
+              <a:t>Clean</a:t>
+            </a:r>
+            <a:r>
+              <a:rPr lang="en-CA" dirty="0"/>
+              <a:t> = 28</a:t>
+            </a:r>
+          </a:p>
+        </p:txBody>
+      </p:sp>
+    </p:spTree>
+    <p:extLst>
+      <p:ext uri="{BB962C8B-B14F-4D97-AF65-F5344CB8AC3E}">
+        <p14:creationId xmlns:p14="http://schemas.microsoft.com/office/powerpoint/2010/main" val="765372676"/>
+      </p:ext>
+    </p:extLst>
+  </p:cSld>
+  <p:clrMapOvr>
+    <a:masterClrMapping/>
+  </p:clrMapOvr>
+</p:sld>
+</file>
+
+<file path=ppt/slides/slide17.xml><?xml version="1.0" encoding="utf-8"?>
+<p:sld xmlns:a="http://schemas.openxmlformats.org/drawingml/2006/main" xmlns:r="http://schemas.openxmlformats.org/officeDocument/2006/relationships" xmlns:p="http://schemas.openxmlformats.org/presentationml/2006/main">
+  <p:cSld>
+    <p:spTree>
+      <p:nvGrpSpPr>
+        <p:cNvPr id="1" name=""/>
+        <p:cNvGrpSpPr/>
+        <p:nvPr/>
+      </p:nvGrpSpPr>
+      <p:grpSpPr>
+        <a:xfrm>
+          <a:off x="0" y="0"/>
+          <a:ext cx="0" cy="0"/>
+          <a:chOff x="0" y="0"/>
+          <a:chExt cx="0" cy="0"/>
+        </a:xfrm>
+      </p:grpSpPr>
+      <p:sp>
+        <p:nvSpPr>
+          <p:cNvPr id="2" name="Title 1">
+            <a:extLst>
+              <a:ext uri="{FF2B5EF4-FFF2-40B4-BE49-F238E27FC236}">
+                <a16:creationId xmlns:a16="http://schemas.microsoft.com/office/drawing/2014/main" id="{9A27B76D-4305-40E9-85D2-672DA985417E}"/>
+              </a:ext>
+            </a:extLst>
+          </p:cNvPr>
+          <p:cNvSpPr>
+            <a:spLocks noGrp="1"/>
+          </p:cNvSpPr>
+          <p:nvPr>
+            <p:ph type="title"/>
+          </p:nvPr>
+        </p:nvSpPr>
+        <p:spPr/>
+        <p:txBody>
+          <a:bodyPr/>
+          <a:lstStyle/>
+          <a:p>
+            <a:r>
+              <a:rPr lang="en-CA" dirty="0"/>
+              <a:t>Feature Extraction</a:t>
+            </a:r>
+          </a:p>
+        </p:txBody>
+      </p:sp>
+      <p:graphicFrame>
+        <p:nvGraphicFramePr>
+          <p:cNvPr id="4" name="Table 4">
+            <a:extLst>
+              <a:ext uri="{FF2B5EF4-FFF2-40B4-BE49-F238E27FC236}">
+                <a16:creationId xmlns:a16="http://schemas.microsoft.com/office/drawing/2014/main" id="{27106B8C-AFB7-409A-BE21-EBF9030DEFF4}"/>
+              </a:ext>
+            </a:extLst>
+          </p:cNvPr>
+          <p:cNvGraphicFramePr>
+            <a:graphicFrameLocks noGrp="1"/>
+          </p:cNvGraphicFramePr>
+          <p:nvPr>
+            <p:ph idx="1"/>
+            <p:extLst>
+              <p:ext uri="{D42A27DB-BD31-4B8C-83A1-F6EECF244321}">
+                <p14:modId xmlns:p14="http://schemas.microsoft.com/office/powerpoint/2010/main" val="1519188279"/>
+              </p:ext>
+            </p:extLst>
+          </p:nvPr>
+        </p:nvGraphicFramePr>
+        <p:xfrm>
+          <a:off x="1066800" y="1624872"/>
+          <a:ext cx="10162374" cy="4450080"/>
+        </p:xfrm>
+        <a:graphic>
+          <a:graphicData uri="http://schemas.openxmlformats.org/drawingml/2006/table">
+            <a:tbl>
+              <a:tblPr firstRow="1" bandRow="1">
+                <a:tableStyleId>{6E25E649-3F16-4E02-A733-19D2CDBF48F0}</a:tableStyleId>
+              </a:tblPr>
+              <a:tblGrid>
+                <a:gridCol w="1693729">
+                  <a:extLst>
+                    <a:ext uri="{9D8B030D-6E8A-4147-A177-3AD203B41FA5}">
+                      <a16:colId xmlns:a16="http://schemas.microsoft.com/office/drawing/2014/main" val="2857179037"/>
+                    </a:ext>
+                  </a:extLst>
+                </a:gridCol>
+                <a:gridCol w="1693729">
+                  <a:extLst>
+                    <a:ext uri="{9D8B030D-6E8A-4147-A177-3AD203B41FA5}">
+                      <a16:colId xmlns:a16="http://schemas.microsoft.com/office/drawing/2014/main" val="3727384194"/>
+                    </a:ext>
+                  </a:extLst>
+                </a:gridCol>
+                <a:gridCol w="1693729">
+                  <a:extLst>
+                    <a:ext uri="{9D8B030D-6E8A-4147-A177-3AD203B41FA5}">
+                      <a16:colId xmlns:a16="http://schemas.microsoft.com/office/drawing/2014/main" val="4143390719"/>
+                    </a:ext>
+                  </a:extLst>
+                </a:gridCol>
+                <a:gridCol w="1693729">
+                  <a:extLst>
+                    <a:ext uri="{9D8B030D-6E8A-4147-A177-3AD203B41FA5}">
+                      <a16:colId xmlns:a16="http://schemas.microsoft.com/office/drawing/2014/main" val="54577630"/>
+                    </a:ext>
+                  </a:extLst>
+                </a:gridCol>
+                <a:gridCol w="1693729">
+                  <a:extLst>
+                    <a:ext uri="{9D8B030D-6E8A-4147-A177-3AD203B41FA5}">
+                      <a16:colId xmlns:a16="http://schemas.microsoft.com/office/drawing/2014/main" val="2797672614"/>
+                    </a:ext>
+                  </a:extLst>
+                </a:gridCol>
+                <a:gridCol w="1693729">
+                  <a:extLst>
+                    <a:ext uri="{9D8B030D-6E8A-4147-A177-3AD203B41FA5}">
+                      <a16:colId xmlns:a16="http://schemas.microsoft.com/office/drawing/2014/main" val="3287181139"/>
+                    </a:ext>
+                  </a:extLst>
+                </a:gridCol>
+              </a:tblGrid>
+              <a:tr h="370840">
+                <a:tc>
+                  <a:txBody>
+                    <a:bodyPr/>
+                    <a:lstStyle/>
+                    <a:p>
+                      <a:pPr algn="ctr" fontAlgn="b"/>
+                      <a:r>
+                        <a:rPr lang="en-CA" sz="1800" b="1" u="none" strike="noStrike" dirty="0">
+                          <a:solidFill>
+                            <a:schemeClr val="bg1"/>
+                          </a:solidFill>
+                          <a:effectLst/>
+                        </a:rPr>
+                        <a:t>Ranking</a:t>
+                      </a:r>
+                      <a:endParaRPr lang="en-CA" sz="1800" b="1" i="0" u="none" strike="noStrike" dirty="0">
+                        <a:solidFill>
+                          <a:schemeClr val="bg1"/>
+                        </a:solidFill>
+                        <a:effectLst/>
+                        <a:latin typeface="+mn-lt"/>
+                      </a:endParaRPr>
+                    </a:p>
+                  </a:txBody>
+                  <a:tcPr marL="9525" marR="9525" marT="9525" marB="0" anchor="b"/>
+                </a:tc>
+                <a:tc>
+                  <a:txBody>
+                    <a:bodyPr/>
+                    <a:lstStyle/>
+                    <a:p>
+                      <a:pPr algn="ctr" fontAlgn="b"/>
+                      <a:r>
+                        <a:rPr lang="en-CA" sz="1800" b="1" u="none" strike="noStrike" dirty="0">
+                          <a:solidFill>
+                            <a:schemeClr val="bg1"/>
+                          </a:solidFill>
+                          <a:effectLst/>
+                        </a:rPr>
+                        <a:t>All</a:t>
+                      </a:r>
+                      <a:endParaRPr lang="en-CA" sz="1800" b="1" i="0" u="none" strike="noStrike" dirty="0">
+                        <a:solidFill>
+                          <a:schemeClr val="bg1"/>
+                        </a:solidFill>
+                        <a:effectLst/>
+                        <a:latin typeface="+mn-lt"/>
+                      </a:endParaRPr>
+                    </a:p>
+                  </a:txBody>
+                  <a:tcPr marL="9525" marR="9525" marT="9525" marB="0" anchor="b"/>
+                </a:tc>
+                <a:tc>
+                  <a:txBody>
+                    <a:bodyPr/>
+                    <a:lstStyle/>
+                    <a:p>
+                      <a:pPr algn="ctr" fontAlgn="b"/>
+                      <a:r>
+                        <a:rPr lang="en-CA" sz="1800" b="1" u="none" strike="noStrike" dirty="0">
+                          <a:solidFill>
+                            <a:schemeClr val="bg1"/>
+                          </a:solidFill>
+                          <a:effectLst/>
+                        </a:rPr>
+                        <a:t>Bad</a:t>
+                      </a:r>
+                      <a:endParaRPr lang="en-CA" sz="1800" b="1" i="0" u="none" strike="noStrike" dirty="0">
+                        <a:solidFill>
+                          <a:schemeClr val="bg1"/>
+                        </a:solidFill>
+                        <a:effectLst/>
+                        <a:latin typeface="+mn-lt"/>
+                      </a:endParaRPr>
+                    </a:p>
+                  </a:txBody>
+                  <a:tcPr marL="9525" marR="9525" marT="9525" marB="0" anchor="b"/>
+                </a:tc>
+                <a:tc>
+                  <a:txBody>
+                    <a:bodyPr/>
+                    <a:lstStyle/>
+                    <a:p>
+                      <a:pPr algn="ctr" fontAlgn="b"/>
+                      <a:r>
+                        <a:rPr lang="en-CA" sz="1800" b="1" u="none" strike="noStrike" dirty="0">
+                          <a:solidFill>
+                            <a:schemeClr val="bg1"/>
+                          </a:solidFill>
+                          <a:effectLst/>
+                        </a:rPr>
+                        <a:t>Good</a:t>
+                      </a:r>
+                      <a:endParaRPr lang="en-CA" sz="1800" b="1" i="0" u="none" strike="noStrike" dirty="0">
+                        <a:solidFill>
+                          <a:schemeClr val="bg1"/>
+                        </a:solidFill>
+                        <a:effectLst/>
+                        <a:latin typeface="+mn-lt"/>
+                      </a:endParaRPr>
+                    </a:p>
+                  </a:txBody>
+                  <a:tcPr marL="9525" marR="9525" marT="9525" marB="0" anchor="b"/>
+                </a:tc>
+                <a:tc>
+                  <a:txBody>
+                    <a:bodyPr/>
+                    <a:lstStyle/>
+                    <a:p>
+                      <a:pPr algn="ctr" fontAlgn="b"/>
+                      <a:r>
+                        <a:rPr lang="en-CA" sz="1800" b="1" u="none" strike="noStrike" dirty="0">
+                          <a:solidFill>
+                            <a:schemeClr val="bg1"/>
+                          </a:solidFill>
+                          <a:effectLst/>
+                        </a:rPr>
+                        <a:t>Pre-Pandemic</a:t>
+                      </a:r>
+                      <a:endParaRPr lang="en-CA" sz="1800" b="1" i="0" u="none" strike="noStrike" dirty="0">
+                        <a:solidFill>
+                          <a:schemeClr val="bg1"/>
+                        </a:solidFill>
+                        <a:effectLst/>
+                        <a:latin typeface="+mn-lt"/>
+                      </a:endParaRPr>
+                    </a:p>
+                  </a:txBody>
+                  <a:tcPr marL="9525" marR="9525" marT="9525" marB="0" anchor="b"/>
+                </a:tc>
+                <a:tc>
+                  <a:txBody>
+                    <a:bodyPr/>
+                    <a:lstStyle/>
+                    <a:p>
+                      <a:pPr algn="ctr" fontAlgn="b"/>
+                      <a:r>
+                        <a:rPr lang="en-CA" sz="1800" b="1" u="none" strike="noStrike" dirty="0">
+                          <a:solidFill>
+                            <a:schemeClr val="bg1"/>
+                          </a:solidFill>
+                          <a:effectLst/>
+                        </a:rPr>
+                        <a:t>Post-Pandemic</a:t>
+                      </a:r>
+                      <a:endParaRPr lang="en-CA" sz="1800" b="1" i="0" u="none" strike="noStrike" dirty="0">
+                        <a:solidFill>
+                          <a:schemeClr val="bg1"/>
+                        </a:solidFill>
+                        <a:effectLst/>
+                        <a:latin typeface="+mn-lt"/>
+                      </a:endParaRPr>
+                    </a:p>
+                  </a:txBody>
+                  <a:tcPr marL="9525" marR="9525" marT="9525" marB="0" anchor="b"/>
+                </a:tc>
+                <a:extLst>
+                  <a:ext uri="{0D108BD9-81ED-4DB2-BD59-A6C34878D82A}">
+                    <a16:rowId xmlns:a16="http://schemas.microsoft.com/office/drawing/2014/main" val="352827595"/>
+                  </a:ext>
+                </a:extLst>
+              </a:tr>
+              <a:tr h="370840">
+                <a:tc>
+                  <a:txBody>
+                    <a:bodyPr/>
+                    <a:lstStyle/>
+                    <a:p>
+                      <a:pPr algn="ctr" fontAlgn="b"/>
+                      <a:r>
+                        <a:rPr lang="en-CA" sz="1800" b="0" u="none" strike="noStrike" dirty="0">
+                          <a:solidFill>
+                            <a:srgbClr val="000000"/>
+                          </a:solidFill>
+                          <a:effectLst/>
+                        </a:rPr>
+                        <a:t>0</a:t>
+                      </a:r>
+                      <a:endParaRPr lang="en-CA" sz="1800" b="0" i="0" u="none" strike="noStrike" dirty="0">
+                        <a:solidFill>
+                          <a:srgbClr val="000000"/>
+                        </a:solidFill>
+                        <a:effectLst/>
+                        <a:latin typeface="+mn-lt"/>
+                      </a:endParaRPr>
+                    </a:p>
+                  </a:txBody>
+                  <a:tcPr marL="9525" marR="9525" marT="9525" marB="0" anchor="b"/>
+                </a:tc>
+                <a:tc>
+                  <a:txBody>
+                    <a:bodyPr/>
+                    <a:lstStyle/>
+                    <a:p>
+                      <a:pPr algn="ctr" fontAlgn="b"/>
+                      <a:r>
+                        <a:rPr lang="en-CA" sz="1800" b="0" u="none" strike="noStrike" dirty="0">
+                          <a:solidFill>
+                            <a:srgbClr val="000000"/>
+                          </a:solidFill>
+                          <a:effectLst/>
+                        </a:rPr>
+                        <a:t>hotel</a:t>
+                      </a:r>
+                      <a:endParaRPr lang="en-CA" sz="1800" b="0" i="0" u="none" strike="noStrike" dirty="0">
+                        <a:solidFill>
+                          <a:srgbClr val="000000"/>
+                        </a:solidFill>
+                        <a:effectLst/>
+                        <a:latin typeface="+mn-lt"/>
+                      </a:endParaRPr>
+                    </a:p>
+                  </a:txBody>
+                  <a:tcPr marL="9525" marR="9525" marT="9525" marB="0" anchor="b"/>
+                </a:tc>
+                <a:tc>
+                  <a:txBody>
+                    <a:bodyPr/>
+                    <a:lstStyle/>
+                    <a:p>
+                      <a:pPr algn="ctr" fontAlgn="b"/>
+                      <a:r>
+                        <a:rPr lang="en-CA" sz="1800" b="0" u="none" strike="noStrike" dirty="0">
+                          <a:solidFill>
+                            <a:srgbClr val="000000"/>
+                          </a:solidFill>
+                          <a:effectLst/>
+                        </a:rPr>
+                        <a:t>room</a:t>
+                      </a:r>
+                      <a:endParaRPr lang="en-CA" sz="1800" b="0" i="0" u="none" strike="noStrike" dirty="0">
+                        <a:solidFill>
+                          <a:srgbClr val="000000"/>
+                        </a:solidFill>
+                        <a:effectLst/>
+                        <a:latin typeface="+mn-lt"/>
+                      </a:endParaRPr>
+                    </a:p>
+                  </a:txBody>
+                  <a:tcPr marL="9525" marR="9525" marT="9525" marB="0" anchor="b"/>
+                </a:tc>
+                <a:tc>
+                  <a:txBody>
+                    <a:bodyPr/>
+                    <a:lstStyle/>
+                    <a:p>
+                      <a:pPr algn="ctr" fontAlgn="b"/>
+                      <a:r>
+                        <a:rPr lang="en-CA" sz="1800" b="0" u="none" strike="noStrike" dirty="0">
+                          <a:solidFill>
+                            <a:srgbClr val="000000"/>
+                          </a:solidFill>
+                          <a:effectLst/>
+                        </a:rPr>
+                        <a:t>hotel</a:t>
+                      </a:r>
+                      <a:endParaRPr lang="en-CA" sz="1800" b="0" i="0" u="none" strike="noStrike" dirty="0">
+                        <a:solidFill>
+                          <a:srgbClr val="000000"/>
+                        </a:solidFill>
+                        <a:effectLst/>
+                        <a:latin typeface="+mn-lt"/>
+                      </a:endParaRPr>
+                    </a:p>
+                  </a:txBody>
+                  <a:tcPr marL="9525" marR="9525" marT="9525" marB="0" anchor="b"/>
+                </a:tc>
+                <a:tc>
+                  <a:txBody>
+                    <a:bodyPr/>
+                    <a:lstStyle/>
+                    <a:p>
+                      <a:pPr algn="ctr" fontAlgn="b"/>
+                      <a:r>
+                        <a:rPr lang="en-CA" sz="1800" b="0" u="none" strike="noStrike">
+                          <a:solidFill>
+                            <a:srgbClr val="000000"/>
+                          </a:solidFill>
+                          <a:effectLst/>
+                        </a:rPr>
+                        <a:t>hotel</a:t>
+                      </a:r>
+                      <a:endParaRPr lang="en-CA" sz="1800" b="0" i="0" u="none" strike="noStrike">
+                        <a:solidFill>
+                          <a:srgbClr val="000000"/>
+                        </a:solidFill>
+                        <a:effectLst/>
+                        <a:latin typeface="+mn-lt"/>
+                      </a:endParaRPr>
+                    </a:p>
+                  </a:txBody>
+                  <a:tcPr marL="9525" marR="9525" marT="9525" marB="0" anchor="b"/>
+                </a:tc>
+                <a:tc>
+                  <a:txBody>
+                    <a:bodyPr/>
+                    <a:lstStyle/>
+                    <a:p>
+                      <a:pPr algn="ctr" fontAlgn="b"/>
+                      <a:r>
+                        <a:rPr lang="en-CA" sz="1800" b="0" u="none" strike="noStrike" dirty="0">
+                          <a:solidFill>
+                            <a:srgbClr val="000000"/>
+                          </a:solidFill>
+                          <a:effectLst/>
+                        </a:rPr>
+                        <a:t>room</a:t>
+                      </a:r>
+                      <a:endParaRPr lang="en-CA" sz="1800" b="0" i="0" u="none" strike="noStrike" dirty="0">
+                        <a:solidFill>
+                          <a:srgbClr val="000000"/>
+                        </a:solidFill>
+                        <a:effectLst/>
+                        <a:latin typeface="+mn-lt"/>
+                      </a:endParaRPr>
+                    </a:p>
+                  </a:txBody>
+                  <a:tcPr marL="9525" marR="9525" marT="9525" marB="0" anchor="b"/>
+                </a:tc>
+                <a:extLst>
+                  <a:ext uri="{0D108BD9-81ED-4DB2-BD59-A6C34878D82A}">
+                    <a16:rowId xmlns:a16="http://schemas.microsoft.com/office/drawing/2014/main" val="392404504"/>
+                  </a:ext>
+                </a:extLst>
+              </a:tr>
+              <a:tr h="370840">
+                <a:tc>
+                  <a:txBody>
+                    <a:bodyPr/>
+                    <a:lstStyle/>
+                    <a:p>
+                      <a:pPr algn="ctr" fontAlgn="b"/>
+                      <a:r>
+                        <a:rPr lang="en-CA" sz="1800" b="0" u="none" strike="noStrike" dirty="0">
+                          <a:solidFill>
+                            <a:srgbClr val="000000"/>
+                          </a:solidFill>
+                          <a:effectLst/>
+                        </a:rPr>
+                        <a:t>1</a:t>
+                      </a:r>
+                      <a:endParaRPr lang="en-CA" sz="1800" b="0" i="0" u="none" strike="noStrike" dirty="0">
+                        <a:solidFill>
+                          <a:srgbClr val="000000"/>
+                        </a:solidFill>
+                        <a:effectLst/>
+                        <a:latin typeface="+mn-lt"/>
+                      </a:endParaRPr>
+                    </a:p>
+                  </a:txBody>
+                  <a:tcPr marL="9525" marR="9525" marT="9525" marB="0" anchor="b"/>
+                </a:tc>
+                <a:tc>
+                  <a:txBody>
+                    <a:bodyPr/>
+                    <a:lstStyle/>
+                    <a:p>
+                      <a:pPr algn="ctr" fontAlgn="b"/>
+                      <a:r>
+                        <a:rPr lang="en-CA" sz="1800" b="0" u="none" strike="noStrike" dirty="0">
+                          <a:solidFill>
+                            <a:srgbClr val="000000"/>
+                          </a:solidFill>
+                          <a:effectLst/>
+                        </a:rPr>
+                        <a:t>room</a:t>
+                      </a:r>
+                      <a:endParaRPr lang="en-CA" sz="1800" b="0" i="0" u="none" strike="noStrike" dirty="0">
+                        <a:solidFill>
+                          <a:srgbClr val="000000"/>
+                        </a:solidFill>
+                        <a:effectLst/>
+                        <a:latin typeface="+mn-lt"/>
+                      </a:endParaRPr>
+                    </a:p>
+                  </a:txBody>
+                  <a:tcPr marL="9525" marR="9525" marT="9525" marB="0" anchor="b"/>
+                </a:tc>
+                <a:tc>
+                  <a:txBody>
+                    <a:bodyPr/>
+                    <a:lstStyle/>
+                    <a:p>
+                      <a:pPr algn="ctr" fontAlgn="b"/>
+                      <a:r>
+                        <a:rPr lang="en-CA" sz="1800" b="0" u="none" strike="noStrike" dirty="0">
+                          <a:solidFill>
+                            <a:srgbClr val="000000"/>
+                          </a:solidFill>
+                          <a:effectLst/>
+                        </a:rPr>
+                        <a:t>hotel</a:t>
+                      </a:r>
+                      <a:endParaRPr lang="en-CA" sz="1800" b="0" i="0" u="none" strike="noStrike" dirty="0">
+                        <a:solidFill>
+                          <a:srgbClr val="000000"/>
+                        </a:solidFill>
+                        <a:effectLst/>
+                        <a:latin typeface="+mn-lt"/>
+                      </a:endParaRPr>
+                    </a:p>
+                  </a:txBody>
+                  <a:tcPr marL="9525" marR="9525" marT="9525" marB="0" anchor="b"/>
+                </a:tc>
+                <a:tc>
+                  <a:txBody>
+                    <a:bodyPr/>
+                    <a:lstStyle/>
+                    <a:p>
+                      <a:pPr algn="ctr" fontAlgn="b"/>
+                      <a:r>
+                        <a:rPr lang="en-CA" sz="1800" b="0" u="none" strike="noStrike" dirty="0">
+                          <a:solidFill>
+                            <a:srgbClr val="000000"/>
+                          </a:solidFill>
+                          <a:effectLst/>
+                        </a:rPr>
+                        <a:t>room</a:t>
+                      </a:r>
+                      <a:endParaRPr lang="en-CA" sz="1800" b="0" i="0" u="none" strike="noStrike" dirty="0">
+                        <a:solidFill>
+                          <a:srgbClr val="000000"/>
+                        </a:solidFill>
+                        <a:effectLst/>
+                        <a:latin typeface="+mn-lt"/>
+                      </a:endParaRPr>
+                    </a:p>
+                  </a:txBody>
+                  <a:tcPr marL="9525" marR="9525" marT="9525" marB="0" anchor="b"/>
+                </a:tc>
+                <a:tc>
+                  <a:txBody>
+                    <a:bodyPr/>
+                    <a:lstStyle/>
+                    <a:p>
+                      <a:pPr algn="ctr" fontAlgn="b"/>
+                      <a:r>
+                        <a:rPr lang="en-CA" sz="1800" b="0" u="none" strike="noStrike" dirty="0">
+                          <a:solidFill>
+                            <a:srgbClr val="000000"/>
+                          </a:solidFill>
+                          <a:effectLst/>
+                        </a:rPr>
+                        <a:t>room</a:t>
+                      </a:r>
+                      <a:endParaRPr lang="en-CA" sz="1800" b="0" i="0" u="none" strike="noStrike" dirty="0">
+                        <a:solidFill>
+                          <a:srgbClr val="000000"/>
+                        </a:solidFill>
+                        <a:effectLst/>
+                        <a:latin typeface="+mn-lt"/>
+                      </a:endParaRPr>
+                    </a:p>
+                  </a:txBody>
+                  <a:tcPr marL="9525" marR="9525" marT="9525" marB="0" anchor="b"/>
+                </a:tc>
+                <a:tc>
+                  <a:txBody>
+                    <a:bodyPr/>
+                    <a:lstStyle/>
+                    <a:p>
+                      <a:pPr algn="ctr" fontAlgn="b"/>
+                      <a:r>
+                        <a:rPr lang="en-CA" sz="1800" b="0" u="none" strike="noStrike" dirty="0">
+                          <a:solidFill>
+                            <a:srgbClr val="000000"/>
+                          </a:solidFill>
+                          <a:effectLst/>
+                        </a:rPr>
+                        <a:t>hotel</a:t>
+                      </a:r>
+                      <a:endParaRPr lang="en-CA" sz="1800" b="0" i="0" u="none" strike="noStrike" dirty="0">
+                        <a:solidFill>
+                          <a:srgbClr val="000000"/>
+                        </a:solidFill>
+                        <a:effectLst/>
+                        <a:latin typeface="+mn-lt"/>
+                      </a:endParaRPr>
+                    </a:p>
+                  </a:txBody>
+                  <a:tcPr marL="9525" marR="9525" marT="9525" marB="0" anchor="b"/>
+                </a:tc>
+                <a:extLst>
+                  <a:ext uri="{0D108BD9-81ED-4DB2-BD59-A6C34878D82A}">
+                    <a16:rowId xmlns:a16="http://schemas.microsoft.com/office/drawing/2014/main" val="1615631518"/>
+                  </a:ext>
+                </a:extLst>
+              </a:tr>
+              <a:tr h="370840">
+                <a:tc>
+                  <a:txBody>
+                    <a:bodyPr/>
+                    <a:lstStyle/>
+                    <a:p>
+                      <a:pPr algn="ctr" fontAlgn="b"/>
+                      <a:r>
+                        <a:rPr lang="en-CA" sz="1800" b="0" u="none" strike="noStrike" dirty="0">
+                          <a:solidFill>
+                            <a:srgbClr val="000000"/>
+                          </a:solidFill>
+                          <a:effectLst/>
+                        </a:rPr>
+                        <a:t>2</a:t>
+                      </a:r>
+                      <a:endParaRPr lang="en-CA" sz="1800" b="0" i="0" u="none" strike="noStrike" dirty="0">
+                        <a:solidFill>
+                          <a:srgbClr val="000000"/>
+                        </a:solidFill>
+                        <a:effectLst/>
+                        <a:latin typeface="+mn-lt"/>
+                      </a:endParaRPr>
+                    </a:p>
+                  </a:txBody>
+                  <a:tcPr marL="9525" marR="9525" marT="9525" marB="0" anchor="b"/>
+                </a:tc>
+                <a:tc>
+                  <a:txBody>
+                    <a:bodyPr/>
+                    <a:lstStyle/>
+                    <a:p>
+                      <a:pPr algn="ctr" fontAlgn="b"/>
+                      <a:r>
+                        <a:rPr lang="en-CA" sz="1800" b="0" u="none" strike="noStrike" dirty="0">
+                          <a:solidFill>
+                            <a:srgbClr val="000000"/>
+                          </a:solidFill>
+                          <a:effectLst/>
+                        </a:rPr>
+                        <a:t>great</a:t>
+                      </a:r>
+                      <a:endParaRPr lang="en-CA" sz="1800" b="0" i="0" u="none" strike="noStrike" dirty="0">
+                        <a:solidFill>
+                          <a:srgbClr val="000000"/>
+                        </a:solidFill>
+                        <a:effectLst/>
+                        <a:latin typeface="+mn-lt"/>
+                      </a:endParaRPr>
+                    </a:p>
+                  </a:txBody>
+                  <a:tcPr marL="9525" marR="9525" marT="9525" marB="0" anchor="b"/>
+                </a:tc>
+                <a:tc>
+                  <a:txBody>
+                    <a:bodyPr/>
+                    <a:lstStyle/>
+                    <a:p>
+                      <a:pPr algn="ctr" fontAlgn="b"/>
+                      <a:r>
+                        <a:rPr lang="en-CA" sz="1800" b="0" u="none" strike="noStrike" dirty="0">
+                          <a:solidFill>
+                            <a:srgbClr val="000000"/>
+                          </a:solidFill>
+                          <a:effectLst/>
+                        </a:rPr>
+                        <a:t>stay</a:t>
+                      </a:r>
+                      <a:endParaRPr lang="en-CA" sz="1800" b="0" i="0" u="none" strike="noStrike" dirty="0">
+                        <a:solidFill>
+                          <a:srgbClr val="000000"/>
+                        </a:solidFill>
+                        <a:effectLst/>
+                        <a:latin typeface="+mn-lt"/>
+                      </a:endParaRPr>
+                    </a:p>
+                  </a:txBody>
+                  <a:tcPr marL="9525" marR="9525" marT="9525" marB="0" anchor="b"/>
+                </a:tc>
+                <a:tc>
+                  <a:txBody>
+                    <a:bodyPr/>
+                    <a:lstStyle/>
+                    <a:p>
+                      <a:pPr algn="ctr" fontAlgn="b"/>
+                      <a:r>
+                        <a:rPr lang="en-CA" sz="1800" b="0" u="none" strike="noStrike" dirty="0">
+                          <a:solidFill>
+                            <a:srgbClr val="000000"/>
+                          </a:solidFill>
+                          <a:effectLst/>
+                        </a:rPr>
+                        <a:t>great</a:t>
+                      </a:r>
+                      <a:endParaRPr lang="en-CA" sz="1800" b="0" i="0" u="none" strike="noStrike" dirty="0">
+                        <a:solidFill>
+                          <a:srgbClr val="000000"/>
+                        </a:solidFill>
+                        <a:effectLst/>
+                        <a:latin typeface="+mn-lt"/>
+                      </a:endParaRPr>
+                    </a:p>
+                  </a:txBody>
+                  <a:tcPr marL="9525" marR="9525" marT="9525" marB="0" anchor="b"/>
+                </a:tc>
+                <a:tc>
+                  <a:txBody>
+                    <a:bodyPr/>
+                    <a:lstStyle/>
+                    <a:p>
+                      <a:pPr algn="ctr" fontAlgn="b"/>
+                      <a:r>
+                        <a:rPr lang="en-CA" sz="1800" b="0" u="none" strike="noStrike">
+                          <a:solidFill>
+                            <a:srgbClr val="000000"/>
+                          </a:solidFill>
+                          <a:effectLst/>
+                        </a:rPr>
+                        <a:t>great</a:t>
+                      </a:r>
+                      <a:endParaRPr lang="en-CA" sz="1800" b="0" i="0" u="none" strike="noStrike">
+                        <a:solidFill>
+                          <a:srgbClr val="000000"/>
+                        </a:solidFill>
+                        <a:effectLst/>
+                        <a:latin typeface="+mn-lt"/>
+                      </a:endParaRPr>
+                    </a:p>
+                  </a:txBody>
+                  <a:tcPr marL="9525" marR="9525" marT="9525" marB="0" anchor="b"/>
+                </a:tc>
+                <a:tc>
+                  <a:txBody>
+                    <a:bodyPr/>
+                    <a:lstStyle/>
+                    <a:p>
+                      <a:pPr algn="ctr" fontAlgn="b"/>
+                      <a:r>
+                        <a:rPr lang="en-CA" sz="1800" b="0" u="none" strike="noStrike" dirty="0">
+                          <a:solidFill>
+                            <a:srgbClr val="000000"/>
+                          </a:solidFill>
+                          <a:effectLst/>
+                        </a:rPr>
+                        <a:t>great</a:t>
+                      </a:r>
+                      <a:endParaRPr lang="en-CA" sz="1800" b="0" i="0" u="none" strike="noStrike" dirty="0">
+                        <a:solidFill>
+                          <a:srgbClr val="000000"/>
+                        </a:solidFill>
+                        <a:effectLst/>
+                        <a:latin typeface="+mn-lt"/>
+                      </a:endParaRPr>
+                    </a:p>
+                  </a:txBody>
+                  <a:tcPr marL="9525" marR="9525" marT="9525" marB="0" anchor="b"/>
+                </a:tc>
+                <a:extLst>
+                  <a:ext uri="{0D108BD9-81ED-4DB2-BD59-A6C34878D82A}">
+                    <a16:rowId xmlns:a16="http://schemas.microsoft.com/office/drawing/2014/main" val="1698729985"/>
+                  </a:ext>
+                </a:extLst>
+              </a:tr>
+              <a:tr h="370840">
+                <a:tc>
+                  <a:txBody>
+                    <a:bodyPr/>
+                    <a:lstStyle/>
+                    <a:p>
+                      <a:pPr algn="ctr" fontAlgn="b"/>
+                      <a:r>
+                        <a:rPr lang="en-CA" sz="1800" b="0" u="none" strike="noStrike" dirty="0">
+                          <a:solidFill>
+                            <a:srgbClr val="000000"/>
+                          </a:solidFill>
+                          <a:effectLst/>
+                        </a:rPr>
+                        <a:t>3</a:t>
+                      </a:r>
+                      <a:endParaRPr lang="en-CA" sz="1800" b="0" i="0" u="none" strike="noStrike" dirty="0">
+                        <a:solidFill>
+                          <a:srgbClr val="000000"/>
+                        </a:solidFill>
+                        <a:effectLst/>
+                        <a:latin typeface="+mn-lt"/>
+                      </a:endParaRPr>
+                    </a:p>
+                  </a:txBody>
+                  <a:tcPr marL="9525" marR="9525" marT="9525" marB="0" anchor="b"/>
+                </a:tc>
+                <a:tc>
+                  <a:txBody>
+                    <a:bodyPr/>
+                    <a:lstStyle/>
+                    <a:p>
+                      <a:pPr algn="ctr" fontAlgn="b"/>
+                      <a:r>
+                        <a:rPr lang="en-CA" sz="1800" b="0" u="none" strike="noStrike" dirty="0">
+                          <a:solidFill>
+                            <a:srgbClr val="000000"/>
+                          </a:solidFill>
+                          <a:effectLst/>
+                        </a:rPr>
+                        <a:t>stay</a:t>
+                      </a:r>
+                      <a:endParaRPr lang="en-CA" sz="1800" b="0" i="0" u="none" strike="noStrike" dirty="0">
+                        <a:solidFill>
+                          <a:srgbClr val="000000"/>
+                        </a:solidFill>
+                        <a:effectLst/>
+                        <a:latin typeface="+mn-lt"/>
+                      </a:endParaRPr>
+                    </a:p>
+                  </a:txBody>
+                  <a:tcPr marL="9525" marR="9525" marT="9525" marB="0" anchor="b"/>
+                </a:tc>
+                <a:tc>
+                  <a:txBody>
+                    <a:bodyPr/>
+                    <a:lstStyle/>
+                    <a:p>
+                      <a:pPr algn="ctr" fontAlgn="b"/>
+                      <a:r>
+                        <a:rPr lang="en-CA" sz="1800" b="0" u="none" strike="noStrike" dirty="0">
+                          <a:solidFill>
+                            <a:srgbClr val="000000"/>
+                          </a:solidFill>
+                          <a:effectLst/>
+                        </a:rPr>
+                        <a:t>night</a:t>
+                      </a:r>
+                      <a:endParaRPr lang="en-CA" sz="1800" b="0" i="0" u="none" strike="noStrike" dirty="0">
+                        <a:solidFill>
+                          <a:srgbClr val="000000"/>
+                        </a:solidFill>
+                        <a:effectLst/>
+                        <a:latin typeface="+mn-lt"/>
+                      </a:endParaRPr>
+                    </a:p>
+                  </a:txBody>
+                  <a:tcPr marL="9525" marR="9525" marT="9525" marB="0" anchor="b"/>
+                </a:tc>
+                <a:tc>
+                  <a:txBody>
+                    <a:bodyPr/>
+                    <a:lstStyle/>
+                    <a:p>
+                      <a:pPr algn="ctr" fontAlgn="b"/>
+                      <a:r>
+                        <a:rPr lang="en-CA" sz="1800" b="0" u="none" strike="noStrike" dirty="0">
+                          <a:solidFill>
+                            <a:srgbClr val="000000"/>
+                          </a:solidFill>
+                          <a:effectLst/>
+                        </a:rPr>
+                        <a:t>stay</a:t>
+                      </a:r>
+                      <a:endParaRPr lang="en-CA" sz="1800" b="0" i="0" u="none" strike="noStrike" dirty="0">
+                        <a:solidFill>
+                          <a:srgbClr val="000000"/>
+                        </a:solidFill>
+                        <a:effectLst/>
+                        <a:latin typeface="+mn-lt"/>
+                      </a:endParaRPr>
+                    </a:p>
+                  </a:txBody>
+                  <a:tcPr marL="9525" marR="9525" marT="9525" marB="0" anchor="b"/>
+                </a:tc>
+                <a:tc>
+                  <a:txBody>
+                    <a:bodyPr/>
+                    <a:lstStyle/>
+                    <a:p>
+                      <a:pPr algn="ctr" fontAlgn="b"/>
+                      <a:r>
+                        <a:rPr lang="en-CA" sz="1800" b="0" u="none" strike="noStrike">
+                          <a:solidFill>
+                            <a:srgbClr val="000000"/>
+                          </a:solidFill>
+                          <a:effectLst/>
+                        </a:rPr>
+                        <a:t>stay</a:t>
+                      </a:r>
+                      <a:endParaRPr lang="en-CA" sz="1800" b="0" i="0" u="none" strike="noStrike">
+                        <a:solidFill>
+                          <a:srgbClr val="000000"/>
+                        </a:solidFill>
+                        <a:effectLst/>
+                        <a:latin typeface="+mn-lt"/>
+                      </a:endParaRPr>
+                    </a:p>
+                  </a:txBody>
+                  <a:tcPr marL="9525" marR="9525" marT="9525" marB="0" anchor="b"/>
+                </a:tc>
+                <a:tc>
+                  <a:txBody>
+                    <a:bodyPr/>
+                    <a:lstStyle/>
+                    <a:p>
+                      <a:pPr algn="ctr" fontAlgn="b"/>
+                      <a:r>
+                        <a:rPr lang="en-CA" sz="1800" b="0" u="none" strike="noStrike" dirty="0">
+                          <a:solidFill>
+                            <a:srgbClr val="000000"/>
+                          </a:solidFill>
+                          <a:effectLst/>
+                        </a:rPr>
+                        <a:t>stay</a:t>
+                      </a:r>
+                      <a:endParaRPr lang="en-CA" sz="1800" b="0" i="0" u="none" strike="noStrike" dirty="0">
+                        <a:solidFill>
+                          <a:srgbClr val="000000"/>
+                        </a:solidFill>
+                        <a:effectLst/>
+                        <a:latin typeface="+mn-lt"/>
+                      </a:endParaRPr>
+                    </a:p>
+                  </a:txBody>
+                  <a:tcPr marL="9525" marR="9525" marT="9525" marB="0" anchor="b"/>
+                </a:tc>
+                <a:extLst>
+                  <a:ext uri="{0D108BD9-81ED-4DB2-BD59-A6C34878D82A}">
+                    <a16:rowId xmlns:a16="http://schemas.microsoft.com/office/drawing/2014/main" val="689028486"/>
+                  </a:ext>
+                </a:extLst>
+              </a:tr>
+              <a:tr h="370840">
+                <a:tc>
+                  <a:txBody>
+                    <a:bodyPr/>
+                    <a:lstStyle/>
+                    <a:p>
+                      <a:pPr algn="ctr" fontAlgn="b"/>
+                      <a:r>
+                        <a:rPr lang="en-CA" sz="1800" b="0" u="none" strike="noStrike" dirty="0">
+                          <a:solidFill>
+                            <a:srgbClr val="000000"/>
+                          </a:solidFill>
+                          <a:effectLst/>
+                        </a:rPr>
+                        <a:t>4</a:t>
+                      </a:r>
+                      <a:endParaRPr lang="en-CA" sz="1800" b="0" i="0" u="none" strike="noStrike" dirty="0">
+                        <a:solidFill>
+                          <a:srgbClr val="000000"/>
+                        </a:solidFill>
+                        <a:effectLst/>
+                        <a:latin typeface="+mn-lt"/>
+                      </a:endParaRPr>
+                    </a:p>
+                  </a:txBody>
+                  <a:tcPr marL="9525" marR="9525" marT="9525" marB="0" anchor="b"/>
+                </a:tc>
+                <a:tc>
+                  <a:txBody>
+                    <a:bodyPr/>
+                    <a:lstStyle/>
+                    <a:p>
+                      <a:pPr algn="ctr" fontAlgn="b"/>
+                      <a:r>
+                        <a:rPr lang="en-CA" sz="1800" b="0" u="none" strike="noStrike" dirty="0">
+                          <a:solidFill>
+                            <a:srgbClr val="000000"/>
+                          </a:solidFill>
+                          <a:effectLst/>
+                        </a:rPr>
+                        <a:t>staff</a:t>
+                      </a:r>
+                      <a:endParaRPr lang="en-CA" sz="1800" b="0" i="0" u="none" strike="noStrike" dirty="0">
+                        <a:solidFill>
+                          <a:srgbClr val="000000"/>
+                        </a:solidFill>
+                        <a:effectLst/>
+                        <a:latin typeface="+mn-lt"/>
+                      </a:endParaRPr>
+                    </a:p>
+                  </a:txBody>
+                  <a:tcPr marL="9525" marR="9525" marT="9525" marB="0" anchor="b"/>
+                </a:tc>
+                <a:tc>
+                  <a:txBody>
+                    <a:bodyPr/>
+                    <a:lstStyle/>
+                    <a:p>
+                      <a:pPr algn="ctr" fontAlgn="b"/>
+                      <a:r>
+                        <a:rPr lang="en-CA" sz="1800" b="0" u="none" strike="noStrike">
+                          <a:solidFill>
+                            <a:srgbClr val="000000"/>
+                          </a:solidFill>
+                          <a:effectLst/>
+                        </a:rPr>
+                        <a:t>would</a:t>
+                      </a:r>
+                      <a:endParaRPr lang="en-CA" sz="1800" b="0" i="0" u="none" strike="noStrike">
+                        <a:solidFill>
+                          <a:srgbClr val="000000"/>
+                        </a:solidFill>
+                        <a:effectLst/>
+                        <a:latin typeface="+mn-lt"/>
+                      </a:endParaRPr>
+                    </a:p>
+                  </a:txBody>
+                  <a:tcPr marL="9525" marR="9525" marT="9525" marB="0" anchor="b"/>
+                </a:tc>
+                <a:tc>
+                  <a:txBody>
+                    <a:bodyPr/>
+                    <a:lstStyle/>
+                    <a:p>
+                      <a:pPr algn="ctr" fontAlgn="b"/>
+                      <a:r>
+                        <a:rPr lang="en-CA" sz="1800" b="0" u="none" strike="noStrike" dirty="0">
+                          <a:solidFill>
+                            <a:srgbClr val="000000"/>
+                          </a:solidFill>
+                          <a:effectLst/>
+                        </a:rPr>
+                        <a:t>staff</a:t>
+                      </a:r>
+                      <a:endParaRPr lang="en-CA" sz="1800" b="0" i="0" u="none" strike="noStrike" dirty="0">
+                        <a:solidFill>
+                          <a:srgbClr val="000000"/>
+                        </a:solidFill>
+                        <a:effectLst/>
+                        <a:latin typeface="+mn-lt"/>
+                      </a:endParaRPr>
+                    </a:p>
+                  </a:txBody>
+                  <a:tcPr marL="9525" marR="9525" marT="9525" marB="0" anchor="b"/>
+                </a:tc>
+                <a:tc>
+                  <a:txBody>
+                    <a:bodyPr/>
+                    <a:lstStyle/>
+                    <a:p>
+                      <a:pPr algn="ctr" fontAlgn="b"/>
+                      <a:r>
+                        <a:rPr lang="en-CA" sz="1800" b="0" u="none" strike="noStrike">
+                          <a:solidFill>
+                            <a:srgbClr val="000000"/>
+                          </a:solidFill>
+                          <a:effectLst/>
+                        </a:rPr>
+                        <a:t>staff</a:t>
+                      </a:r>
+                      <a:endParaRPr lang="en-CA" sz="1800" b="0" i="0" u="none" strike="noStrike">
+                        <a:solidFill>
+                          <a:srgbClr val="000000"/>
+                        </a:solidFill>
+                        <a:effectLst/>
+                        <a:latin typeface="+mn-lt"/>
+                      </a:endParaRPr>
+                    </a:p>
+                  </a:txBody>
+                  <a:tcPr marL="9525" marR="9525" marT="9525" marB="0" anchor="b"/>
+                </a:tc>
+                <a:tc>
+                  <a:txBody>
+                    <a:bodyPr/>
+                    <a:lstStyle/>
+                    <a:p>
+                      <a:pPr algn="ctr" fontAlgn="b"/>
+                      <a:r>
+                        <a:rPr lang="en-CA" sz="1800" b="0" u="none" strike="noStrike" dirty="0">
+                          <a:solidFill>
+                            <a:srgbClr val="000000"/>
+                          </a:solidFill>
+                          <a:effectLst/>
+                        </a:rPr>
+                        <a:t>staff</a:t>
+                      </a:r>
+                      <a:endParaRPr lang="en-CA" sz="1800" b="0" i="0" u="none" strike="noStrike" dirty="0">
+                        <a:solidFill>
+                          <a:srgbClr val="000000"/>
+                        </a:solidFill>
+                        <a:effectLst/>
+                        <a:latin typeface="+mn-lt"/>
+                      </a:endParaRPr>
+                    </a:p>
+                  </a:txBody>
+                  <a:tcPr marL="9525" marR="9525" marT="9525" marB="0" anchor="b"/>
+                </a:tc>
+                <a:extLst>
+                  <a:ext uri="{0D108BD9-81ED-4DB2-BD59-A6C34878D82A}">
+                    <a16:rowId xmlns:a16="http://schemas.microsoft.com/office/drawing/2014/main" val="966234708"/>
+                  </a:ext>
+                </a:extLst>
+              </a:tr>
+              <a:tr h="370840">
+                <a:tc>
+                  <a:txBody>
+                    <a:bodyPr/>
+                    <a:lstStyle/>
+                    <a:p>
+                      <a:pPr algn="ctr" fontAlgn="b"/>
+                      <a:r>
+                        <a:rPr lang="en-CA" sz="1800" b="0" u="none" strike="noStrike">
+                          <a:solidFill>
+                            <a:srgbClr val="000000"/>
+                          </a:solidFill>
+                          <a:effectLst/>
+                        </a:rPr>
+                        <a:t>5</a:t>
+                      </a:r>
+                      <a:endParaRPr lang="en-CA" sz="1800" b="0" i="0" u="none" strike="noStrike">
+                        <a:solidFill>
+                          <a:srgbClr val="000000"/>
+                        </a:solidFill>
+                        <a:effectLst/>
+                        <a:latin typeface="+mn-lt"/>
+                      </a:endParaRPr>
+                    </a:p>
+                  </a:txBody>
+                  <a:tcPr marL="9525" marR="9525" marT="9525" marB="0" anchor="b"/>
+                </a:tc>
+                <a:tc>
+                  <a:txBody>
+                    <a:bodyPr/>
+                    <a:lstStyle/>
+                    <a:p>
+                      <a:pPr algn="ctr" fontAlgn="b"/>
+                      <a:r>
+                        <a:rPr lang="en-CA" sz="1800" b="0" u="none" strike="noStrike" kern="1200">
+                          <a:solidFill>
+                            <a:srgbClr val="000000"/>
+                          </a:solidFill>
+                          <a:effectLst/>
+                          <a:latin typeface="+mn-lt"/>
+                          <a:ea typeface="+mn-ea"/>
+                          <a:cs typeface="+mn-cs"/>
+                        </a:rPr>
+                        <a:t>nice</a:t>
+                      </a:r>
+                    </a:p>
+                  </a:txBody>
+                  <a:tcPr marL="9525" marR="9525" marT="9525" marB="0" anchor="b"/>
+                </a:tc>
+                <a:tc>
+                  <a:txBody>
+                    <a:bodyPr/>
+                    <a:lstStyle/>
+                    <a:p>
+                      <a:pPr algn="ctr" fontAlgn="b"/>
+                      <a:r>
+                        <a:rPr lang="en-CA" sz="1800" b="0" u="none" strike="noStrike" kern="1200">
+                          <a:solidFill>
+                            <a:srgbClr val="000000"/>
+                          </a:solidFill>
+                          <a:effectLst/>
+                          <a:latin typeface="+mn-lt"/>
+                          <a:ea typeface="+mn-ea"/>
+                          <a:cs typeface="+mn-cs"/>
+                        </a:rPr>
+                        <a:t>one</a:t>
+                      </a:r>
+                    </a:p>
+                  </a:txBody>
+                  <a:tcPr marL="9525" marR="9525" marT="9525" marB="0" anchor="b"/>
+                </a:tc>
+                <a:tc>
+                  <a:txBody>
+                    <a:bodyPr/>
+                    <a:lstStyle/>
+                    <a:p>
+                      <a:pPr algn="ctr" fontAlgn="b"/>
+                      <a:r>
+                        <a:rPr lang="en-CA" sz="1800" b="0" u="none" strike="noStrike" kern="1200" dirty="0">
+                          <a:solidFill>
+                            <a:srgbClr val="000000"/>
+                          </a:solidFill>
+                          <a:effectLst/>
+                          <a:latin typeface="+mn-lt"/>
+                          <a:ea typeface="+mn-ea"/>
+                          <a:cs typeface="+mn-cs"/>
+                        </a:rPr>
+                        <a:t>nice</a:t>
+                      </a:r>
+                    </a:p>
+                  </a:txBody>
+                  <a:tcPr marL="9525" marR="9525" marT="9525" marB="0" anchor="b"/>
+                </a:tc>
+                <a:tc>
+                  <a:txBody>
+                    <a:bodyPr/>
+                    <a:lstStyle/>
+                    <a:p>
+                      <a:pPr algn="ctr" fontAlgn="b"/>
+                      <a:r>
+                        <a:rPr lang="en-CA" sz="1800" b="0" u="none" strike="noStrike" kern="1200" dirty="0">
+                          <a:solidFill>
+                            <a:srgbClr val="000000"/>
+                          </a:solidFill>
+                          <a:effectLst/>
+                          <a:latin typeface="+mn-lt"/>
+                          <a:ea typeface="+mn-ea"/>
+                          <a:cs typeface="+mn-cs"/>
+                        </a:rPr>
+                        <a:t>nice</a:t>
+                      </a:r>
+                    </a:p>
+                  </a:txBody>
+                  <a:tcPr marL="9525" marR="9525" marT="9525" marB="0" anchor="b"/>
+                </a:tc>
+                <a:tc>
+                  <a:txBody>
+                    <a:bodyPr/>
+                    <a:lstStyle/>
+                    <a:p>
+                      <a:pPr algn="ctr" fontAlgn="b"/>
+                      <a:r>
+                        <a:rPr lang="en-CA" sz="1800" b="0" u="none" strike="noStrike" kern="1200" dirty="0">
+                          <a:solidFill>
+                            <a:srgbClr val="000000"/>
+                          </a:solidFill>
+                          <a:effectLst/>
+                          <a:latin typeface="+mn-lt"/>
+                          <a:ea typeface="+mn-ea"/>
+                          <a:cs typeface="+mn-cs"/>
+                        </a:rPr>
+                        <a:t>clean</a:t>
+                      </a:r>
+                    </a:p>
+                  </a:txBody>
+                  <a:tcPr marL="9525" marR="9525" marT="9525" marB="0" anchor="b"/>
+                </a:tc>
+                <a:extLst>
+                  <a:ext uri="{0D108BD9-81ED-4DB2-BD59-A6C34878D82A}">
+                    <a16:rowId xmlns:a16="http://schemas.microsoft.com/office/drawing/2014/main" val="3131120491"/>
+                  </a:ext>
+                </a:extLst>
+              </a:tr>
+              <a:tr h="370840">
+                <a:tc>
+                  <a:txBody>
+                    <a:bodyPr/>
+                    <a:lstStyle/>
+                    <a:p>
+                      <a:pPr algn="ctr" fontAlgn="b"/>
+                      <a:r>
+                        <a:rPr lang="en-CA" sz="1800" b="0" u="none" strike="noStrike" dirty="0">
+                          <a:solidFill>
+                            <a:srgbClr val="000000"/>
+                          </a:solidFill>
+                          <a:effectLst/>
+                        </a:rPr>
+                        <a:t>6</a:t>
+                      </a:r>
+                      <a:endParaRPr lang="en-CA" sz="1800" b="0" i="0" u="none" strike="noStrike" dirty="0">
+                        <a:solidFill>
+                          <a:srgbClr val="000000"/>
+                        </a:solidFill>
+                        <a:effectLst/>
+                        <a:latin typeface="+mn-lt"/>
+                      </a:endParaRPr>
+                    </a:p>
+                  </a:txBody>
+                  <a:tcPr marL="9525" marR="9525" marT="9525" marB="0" anchor="b"/>
+                </a:tc>
+                <a:tc>
+                  <a:txBody>
+                    <a:bodyPr/>
+                    <a:lstStyle/>
+                    <a:p>
+                      <a:pPr algn="ctr" fontAlgn="b"/>
+                      <a:r>
+                        <a:rPr lang="en-CA" sz="1800" b="0" u="none" strike="noStrike" kern="1200" dirty="0">
+                          <a:solidFill>
+                            <a:srgbClr val="000000"/>
+                          </a:solidFill>
+                          <a:effectLst/>
+                          <a:latin typeface="+mn-lt"/>
+                          <a:ea typeface="+mn-ea"/>
+                          <a:cs typeface="+mn-cs"/>
+                        </a:rPr>
+                        <a:t>location</a:t>
+                      </a:r>
+                    </a:p>
+                  </a:txBody>
+                  <a:tcPr marL="9525" marR="9525" marT="9525" marB="0" anchor="b"/>
+                </a:tc>
+                <a:tc>
+                  <a:txBody>
+                    <a:bodyPr/>
+                    <a:lstStyle/>
+                    <a:p>
+                      <a:pPr algn="ctr" fontAlgn="b"/>
+                      <a:r>
+                        <a:rPr lang="en-CA" sz="1800" b="0" u="none" strike="noStrike" kern="1200">
+                          <a:solidFill>
+                            <a:srgbClr val="000000"/>
+                          </a:solidFill>
+                          <a:effectLst/>
+                          <a:latin typeface="+mn-lt"/>
+                          <a:ea typeface="+mn-ea"/>
+                          <a:cs typeface="+mn-cs"/>
+                        </a:rPr>
+                        <a:t>staff</a:t>
+                      </a:r>
+                    </a:p>
+                  </a:txBody>
+                  <a:tcPr marL="9525" marR="9525" marT="9525" marB="0" anchor="b"/>
+                </a:tc>
+                <a:tc>
+                  <a:txBody>
+                    <a:bodyPr/>
+                    <a:lstStyle/>
+                    <a:p>
+                      <a:pPr algn="ctr" fontAlgn="b"/>
+                      <a:r>
+                        <a:rPr lang="en-CA" sz="1800" b="0" u="none" strike="noStrike" kern="1200" dirty="0">
+                          <a:solidFill>
+                            <a:srgbClr val="000000"/>
+                          </a:solidFill>
+                          <a:effectLst/>
+                          <a:latin typeface="+mn-lt"/>
+                          <a:ea typeface="+mn-ea"/>
+                          <a:cs typeface="+mn-cs"/>
+                        </a:rPr>
+                        <a:t>location</a:t>
+                      </a:r>
+                    </a:p>
+                  </a:txBody>
+                  <a:tcPr marL="9525" marR="9525" marT="9525" marB="0" anchor="b"/>
+                </a:tc>
+                <a:tc>
+                  <a:txBody>
+                    <a:bodyPr/>
+                    <a:lstStyle/>
+                    <a:p>
+                      <a:pPr algn="ctr" fontAlgn="b"/>
+                      <a:r>
+                        <a:rPr lang="en-CA" sz="1800" b="0" u="none" strike="noStrike" kern="1200" dirty="0">
+                          <a:solidFill>
+                            <a:srgbClr val="000000"/>
+                          </a:solidFill>
+                          <a:effectLst/>
+                          <a:latin typeface="+mn-lt"/>
+                          <a:ea typeface="+mn-ea"/>
+                          <a:cs typeface="+mn-cs"/>
+                        </a:rPr>
+                        <a:t>location</a:t>
+                      </a:r>
+                    </a:p>
+                  </a:txBody>
+                  <a:tcPr marL="9525" marR="9525" marT="9525" marB="0" anchor="b"/>
+                </a:tc>
+                <a:tc>
+                  <a:txBody>
+                    <a:bodyPr/>
+                    <a:lstStyle/>
+                    <a:p>
+                      <a:pPr algn="ctr" fontAlgn="b"/>
+                      <a:r>
+                        <a:rPr lang="en-CA" sz="1800" b="0" u="none" strike="noStrike" kern="1200" dirty="0">
+                          <a:solidFill>
+                            <a:srgbClr val="000000"/>
+                          </a:solidFill>
+                          <a:effectLst/>
+                          <a:latin typeface="+mn-lt"/>
+                          <a:ea typeface="+mn-ea"/>
+                          <a:cs typeface="+mn-cs"/>
+                        </a:rPr>
+                        <a:t>nice</a:t>
+                      </a:r>
+                    </a:p>
+                  </a:txBody>
+                  <a:tcPr marL="9525" marR="9525" marT="9525" marB="0" anchor="b"/>
+                </a:tc>
+                <a:extLst>
+                  <a:ext uri="{0D108BD9-81ED-4DB2-BD59-A6C34878D82A}">
+                    <a16:rowId xmlns:a16="http://schemas.microsoft.com/office/drawing/2014/main" val="1585213908"/>
+                  </a:ext>
+                </a:extLst>
+              </a:tr>
+              <a:tr h="370840">
+                <a:tc>
+                  <a:txBody>
+                    <a:bodyPr/>
+                    <a:lstStyle/>
+                    <a:p>
+                      <a:pPr algn="ctr" fontAlgn="b"/>
+                      <a:r>
+                        <a:rPr lang="en-CA" sz="1800" b="0" u="none" strike="noStrike" dirty="0">
+                          <a:solidFill>
+                            <a:srgbClr val="000000"/>
+                          </a:solidFill>
+                          <a:effectLst/>
+                        </a:rPr>
+                        <a:t>7</a:t>
+                      </a:r>
+                      <a:endParaRPr lang="en-CA" sz="1800" b="0" i="0" u="none" strike="noStrike" dirty="0">
+                        <a:solidFill>
+                          <a:srgbClr val="000000"/>
+                        </a:solidFill>
+                        <a:effectLst/>
+                        <a:latin typeface="+mn-lt"/>
+                      </a:endParaRPr>
+                    </a:p>
+                  </a:txBody>
+                  <a:tcPr marL="9525" marR="9525" marT="9525" marB="0" anchor="b"/>
+                </a:tc>
+                <a:tc>
+                  <a:txBody>
+                    <a:bodyPr/>
+                    <a:lstStyle/>
+                    <a:p>
+                      <a:pPr algn="ctr" fontAlgn="b"/>
+                      <a:r>
+                        <a:rPr lang="en-CA" sz="1800" b="0" u="none" strike="noStrike" kern="1200">
+                          <a:solidFill>
+                            <a:srgbClr val="000000"/>
+                          </a:solidFill>
+                          <a:effectLst/>
+                          <a:latin typeface="+mn-lt"/>
+                          <a:ea typeface="+mn-ea"/>
+                          <a:cs typeface="+mn-cs"/>
+                        </a:rPr>
+                        <a:t>good</a:t>
+                      </a:r>
+                    </a:p>
+                  </a:txBody>
+                  <a:tcPr marL="9525" marR="9525" marT="9525" marB="0" anchor="b"/>
+                </a:tc>
+                <a:tc>
+                  <a:txBody>
+                    <a:bodyPr/>
+                    <a:lstStyle/>
+                    <a:p>
+                      <a:pPr algn="ctr" fontAlgn="b"/>
+                      <a:r>
+                        <a:rPr lang="en-CA" sz="1800" b="0" u="none" strike="noStrike" kern="1200">
+                          <a:solidFill>
+                            <a:srgbClr val="000000"/>
+                          </a:solidFill>
+                          <a:effectLst/>
+                          <a:latin typeface="+mn-lt"/>
+                          <a:ea typeface="+mn-ea"/>
+                          <a:cs typeface="+mn-cs"/>
+                        </a:rPr>
+                        <a:t>desk</a:t>
+                      </a:r>
+                    </a:p>
+                  </a:txBody>
+                  <a:tcPr marL="9525" marR="9525" marT="9525" marB="0" anchor="b"/>
+                </a:tc>
+                <a:tc>
+                  <a:txBody>
+                    <a:bodyPr/>
+                    <a:lstStyle/>
+                    <a:p>
+                      <a:pPr algn="ctr" fontAlgn="b"/>
+                      <a:r>
+                        <a:rPr lang="en-CA" sz="1800" b="0" u="none" strike="noStrike" kern="1200" dirty="0">
+                          <a:solidFill>
+                            <a:srgbClr val="000000"/>
+                          </a:solidFill>
+                          <a:effectLst/>
+                          <a:latin typeface="+mn-lt"/>
+                          <a:ea typeface="+mn-ea"/>
+                          <a:cs typeface="+mn-cs"/>
+                        </a:rPr>
+                        <a:t>clean</a:t>
+                      </a:r>
+                    </a:p>
+                  </a:txBody>
+                  <a:tcPr marL="9525" marR="9525" marT="9525" marB="0" anchor="b"/>
+                </a:tc>
+                <a:tc>
+                  <a:txBody>
+                    <a:bodyPr/>
+                    <a:lstStyle/>
+                    <a:p>
+                      <a:pPr algn="ctr" fontAlgn="b"/>
+                      <a:r>
+                        <a:rPr lang="en-CA" sz="1800" b="0" u="none" strike="noStrike" kern="1200" dirty="0">
+                          <a:solidFill>
+                            <a:srgbClr val="000000"/>
+                          </a:solidFill>
+                          <a:effectLst/>
+                          <a:latin typeface="+mn-lt"/>
+                          <a:ea typeface="+mn-ea"/>
+                          <a:cs typeface="+mn-cs"/>
+                        </a:rPr>
+                        <a:t>good</a:t>
+                      </a:r>
+                    </a:p>
+                  </a:txBody>
+                  <a:tcPr marL="9525" marR="9525" marT="9525" marB="0" anchor="b"/>
+                </a:tc>
+                <a:tc>
+                  <a:txBody>
+                    <a:bodyPr/>
+                    <a:lstStyle/>
+                    <a:p>
+                      <a:pPr algn="ctr" fontAlgn="b"/>
+                      <a:r>
+                        <a:rPr lang="en-CA" sz="1800" b="0" u="none" strike="noStrike" kern="1200" dirty="0">
+                          <a:solidFill>
+                            <a:srgbClr val="000000"/>
+                          </a:solidFill>
+                          <a:effectLst/>
+                          <a:latin typeface="+mn-lt"/>
+                          <a:ea typeface="+mn-ea"/>
+                          <a:cs typeface="+mn-cs"/>
+                        </a:rPr>
+                        <a:t>service</a:t>
+                      </a:r>
+                    </a:p>
+                  </a:txBody>
+                  <a:tcPr marL="9525" marR="9525" marT="9525" marB="0" anchor="b"/>
+                </a:tc>
+                <a:extLst>
+                  <a:ext uri="{0D108BD9-81ED-4DB2-BD59-A6C34878D82A}">
+                    <a16:rowId xmlns:a16="http://schemas.microsoft.com/office/drawing/2014/main" val="3620469889"/>
+                  </a:ext>
+                </a:extLst>
+              </a:tr>
+              <a:tr h="370840">
+                <a:tc>
+                  <a:txBody>
+                    <a:bodyPr/>
+                    <a:lstStyle/>
+                    <a:p>
+                      <a:pPr algn="ctr" fontAlgn="b"/>
+                      <a:r>
+                        <a:rPr lang="en-CA" sz="1800" b="0" u="none" strike="noStrike" dirty="0">
+                          <a:solidFill>
+                            <a:srgbClr val="000000"/>
+                          </a:solidFill>
+                          <a:effectLst/>
+                        </a:rPr>
+                        <a:t>8</a:t>
+                      </a:r>
+                      <a:endParaRPr lang="en-CA" sz="1800" b="0" i="0" u="none" strike="noStrike" dirty="0">
+                        <a:solidFill>
+                          <a:srgbClr val="000000"/>
+                        </a:solidFill>
+                        <a:effectLst/>
+                        <a:latin typeface="+mn-lt"/>
+                      </a:endParaRPr>
+                    </a:p>
+                  </a:txBody>
+                  <a:tcPr marL="9525" marR="9525" marT="9525" marB="0" anchor="b"/>
+                </a:tc>
+                <a:tc>
+                  <a:txBody>
+                    <a:bodyPr/>
+                    <a:lstStyle/>
+                    <a:p>
+                      <a:pPr algn="ctr" fontAlgn="b"/>
+                      <a:r>
+                        <a:rPr lang="en-CA" sz="1800" b="0" u="none" strike="noStrike" kern="1200" dirty="0">
+                          <a:solidFill>
+                            <a:srgbClr val="000000"/>
+                          </a:solidFill>
+                          <a:effectLst/>
+                          <a:latin typeface="+mn-lt"/>
+                          <a:ea typeface="+mn-ea"/>
+                          <a:cs typeface="+mn-cs"/>
+                        </a:rPr>
+                        <a:t>clean</a:t>
+                      </a:r>
+                    </a:p>
+                  </a:txBody>
+                  <a:tcPr marL="9525" marR="9525" marT="9525" marB="0" anchor="b"/>
+                </a:tc>
+                <a:tc>
+                  <a:txBody>
+                    <a:bodyPr/>
+                    <a:lstStyle/>
+                    <a:p>
+                      <a:pPr algn="ctr" fontAlgn="b"/>
+                      <a:r>
+                        <a:rPr lang="en-CA" sz="1800" b="0" u="none" strike="noStrike" kern="1200" dirty="0">
+                          <a:solidFill>
+                            <a:srgbClr val="000000"/>
+                          </a:solidFill>
+                          <a:effectLst/>
+                          <a:latin typeface="+mn-lt"/>
+                          <a:ea typeface="+mn-ea"/>
+                          <a:cs typeface="+mn-cs"/>
+                        </a:rPr>
+                        <a:t>service</a:t>
+                      </a:r>
+                    </a:p>
+                  </a:txBody>
+                  <a:tcPr marL="9525" marR="9525" marT="9525" marB="0" anchor="b"/>
+                </a:tc>
+                <a:tc>
+                  <a:txBody>
+                    <a:bodyPr/>
+                    <a:lstStyle/>
+                    <a:p>
+                      <a:pPr algn="ctr" fontAlgn="b"/>
+                      <a:r>
+                        <a:rPr lang="en-CA" sz="1800" b="0" u="none" strike="noStrike" kern="1200" dirty="0">
+                          <a:solidFill>
+                            <a:srgbClr val="000000"/>
+                          </a:solidFill>
+                          <a:effectLst/>
+                          <a:latin typeface="+mn-lt"/>
+                          <a:ea typeface="+mn-ea"/>
+                          <a:cs typeface="+mn-cs"/>
+                        </a:rPr>
+                        <a:t>good</a:t>
+                      </a:r>
+                    </a:p>
+                  </a:txBody>
+                  <a:tcPr marL="9525" marR="9525" marT="9525" marB="0" anchor="b"/>
+                </a:tc>
+                <a:tc>
+                  <a:txBody>
+                    <a:bodyPr/>
+                    <a:lstStyle/>
+                    <a:p>
+                      <a:pPr algn="ctr" fontAlgn="b"/>
+                      <a:r>
+                        <a:rPr lang="en-CA" sz="1800" b="0" u="none" strike="noStrike" kern="1200" dirty="0">
+                          <a:solidFill>
+                            <a:srgbClr val="000000"/>
+                          </a:solidFill>
+                          <a:effectLst/>
+                          <a:latin typeface="+mn-lt"/>
+                          <a:ea typeface="+mn-ea"/>
+                          <a:cs typeface="+mn-cs"/>
+                        </a:rPr>
+                        <a:t>clean</a:t>
+                      </a:r>
+                    </a:p>
+                  </a:txBody>
+                  <a:tcPr marL="9525" marR="9525" marT="9525" marB="0" anchor="b"/>
+                </a:tc>
+                <a:tc>
+                  <a:txBody>
+                    <a:bodyPr/>
+                    <a:lstStyle/>
+                    <a:p>
+                      <a:pPr algn="ctr" fontAlgn="b"/>
+                      <a:r>
+                        <a:rPr lang="en-CA" sz="1800" b="0" u="none" strike="noStrike" kern="1200" dirty="0">
+                          <a:solidFill>
+                            <a:srgbClr val="000000"/>
+                          </a:solidFill>
+                          <a:effectLst/>
+                          <a:latin typeface="+mn-lt"/>
+                          <a:ea typeface="+mn-ea"/>
+                          <a:cs typeface="+mn-cs"/>
+                        </a:rPr>
+                        <a:t>location</a:t>
+                      </a:r>
+                    </a:p>
+                  </a:txBody>
+                  <a:tcPr marL="9525" marR="9525" marT="9525" marB="0" anchor="b"/>
+                </a:tc>
+                <a:extLst>
+                  <a:ext uri="{0D108BD9-81ED-4DB2-BD59-A6C34878D82A}">
+                    <a16:rowId xmlns:a16="http://schemas.microsoft.com/office/drawing/2014/main" val="495499042"/>
+                  </a:ext>
+                </a:extLst>
+              </a:tr>
+              <a:tr h="370840">
+                <a:tc>
+                  <a:txBody>
+                    <a:bodyPr/>
+                    <a:lstStyle/>
+                    <a:p>
+                      <a:pPr algn="ctr" fontAlgn="b"/>
+                      <a:r>
+                        <a:rPr lang="en-CA" sz="1800" b="0" u="none" strike="noStrike" dirty="0">
+                          <a:solidFill>
+                            <a:srgbClr val="000000"/>
+                          </a:solidFill>
+                          <a:effectLst/>
+                        </a:rPr>
+                        <a:t>9</a:t>
+                      </a:r>
+                      <a:endParaRPr lang="en-CA" sz="1800" b="0" i="0" u="none" strike="noStrike" dirty="0">
+                        <a:solidFill>
+                          <a:srgbClr val="000000"/>
+                        </a:solidFill>
+                        <a:effectLst/>
+                        <a:latin typeface="+mn-lt"/>
+                      </a:endParaRPr>
+                    </a:p>
+                  </a:txBody>
+                  <a:tcPr marL="9525" marR="9525" marT="9525" marB="0" anchor="b"/>
+                </a:tc>
+                <a:tc>
+                  <a:txBody>
+                    <a:bodyPr/>
+                    <a:lstStyle/>
+                    <a:p>
+                      <a:pPr algn="ctr" fontAlgn="b"/>
+                      <a:r>
+                        <a:rPr lang="en-CA" sz="1800" b="0" u="none" strike="noStrike">
+                          <a:solidFill>
+                            <a:srgbClr val="000000"/>
+                          </a:solidFill>
+                          <a:effectLst/>
+                        </a:rPr>
+                        <a:t>service</a:t>
+                      </a:r>
+                      <a:endParaRPr lang="en-CA" sz="1800" b="0" i="0" u="none" strike="noStrike">
+                        <a:solidFill>
+                          <a:srgbClr val="000000"/>
+                        </a:solidFill>
+                        <a:effectLst/>
+                        <a:latin typeface="+mn-lt"/>
+                      </a:endParaRPr>
+                    </a:p>
+                  </a:txBody>
+                  <a:tcPr marL="9525" marR="9525" marT="9525" marB="0" anchor="b"/>
+                </a:tc>
+                <a:tc>
+                  <a:txBody>
+                    <a:bodyPr/>
+                    <a:lstStyle/>
+                    <a:p>
+                      <a:pPr algn="ctr" fontAlgn="b"/>
+                      <a:r>
+                        <a:rPr lang="en-CA" sz="1800" b="0" u="none" strike="noStrike">
+                          <a:solidFill>
+                            <a:srgbClr val="000000"/>
+                          </a:solidFill>
+                          <a:effectLst/>
+                        </a:rPr>
+                        <a:t>bed</a:t>
+                      </a:r>
+                      <a:endParaRPr lang="en-CA" sz="1800" b="0" i="0" u="none" strike="noStrike">
+                        <a:solidFill>
+                          <a:srgbClr val="000000"/>
+                        </a:solidFill>
+                        <a:effectLst/>
+                        <a:latin typeface="+mn-lt"/>
+                      </a:endParaRPr>
+                    </a:p>
+                  </a:txBody>
+                  <a:tcPr marL="9525" marR="9525" marT="9525" marB="0" anchor="b"/>
+                </a:tc>
+                <a:tc>
+                  <a:txBody>
+                    <a:bodyPr/>
+                    <a:lstStyle/>
+                    <a:p>
+                      <a:pPr algn="ctr" fontAlgn="b"/>
+                      <a:r>
+                        <a:rPr lang="en-CA" sz="2000" b="1" u="none" strike="noStrike" kern="1200" dirty="0">
+                          <a:solidFill>
+                            <a:schemeClr val="accent2">
+                              <a:lumMod val="75000"/>
+                            </a:schemeClr>
+                          </a:solidFill>
+                          <a:effectLst/>
+                          <a:latin typeface="+mn-lt"/>
+                          <a:ea typeface="+mn-ea"/>
+                          <a:cs typeface="+mn-cs"/>
+                        </a:rPr>
+                        <a:t>breakfast</a:t>
+                      </a:r>
+                    </a:p>
+                  </a:txBody>
+                  <a:tcPr marL="9525" marR="9525" marT="9525" marB="0" anchor="b"/>
+                </a:tc>
+                <a:tc>
+                  <a:txBody>
+                    <a:bodyPr/>
+                    <a:lstStyle/>
+                    <a:p>
+                      <a:pPr algn="ctr" fontAlgn="b"/>
+                      <a:r>
+                        <a:rPr lang="en-CA" sz="2000" b="1" u="none" strike="noStrike" kern="1200" dirty="0">
+                          <a:solidFill>
+                            <a:schemeClr val="accent2">
+                              <a:lumMod val="75000"/>
+                            </a:schemeClr>
+                          </a:solidFill>
+                          <a:effectLst/>
+                          <a:latin typeface="+mn-lt"/>
+                          <a:ea typeface="+mn-ea"/>
+                          <a:cs typeface="+mn-cs"/>
+                        </a:rPr>
+                        <a:t>breakfast</a:t>
+                      </a:r>
+                    </a:p>
+                  </a:txBody>
+                  <a:tcPr marL="9525" marR="9525" marT="9525" marB="0" anchor="b"/>
+                </a:tc>
+                <a:tc>
+                  <a:txBody>
+                    <a:bodyPr/>
+                    <a:lstStyle/>
+                    <a:p>
+                      <a:pPr algn="ctr" fontAlgn="b"/>
+                      <a:r>
+                        <a:rPr lang="en-CA" sz="1800" b="0" u="none" strike="noStrike" dirty="0">
+                          <a:solidFill>
+                            <a:srgbClr val="000000"/>
+                          </a:solidFill>
+                          <a:effectLst/>
+                        </a:rPr>
+                        <a:t>time</a:t>
+                      </a:r>
+                      <a:endParaRPr lang="en-CA" sz="1800" b="0" i="0" u="none" strike="noStrike" dirty="0">
+                        <a:solidFill>
+                          <a:srgbClr val="000000"/>
+                        </a:solidFill>
+                        <a:effectLst/>
+                        <a:latin typeface="+mn-lt"/>
+                      </a:endParaRPr>
+                    </a:p>
+                  </a:txBody>
+                  <a:tcPr marL="9525" marR="9525" marT="9525" marB="0" anchor="b"/>
+                </a:tc>
+                <a:extLst>
+                  <a:ext uri="{0D108BD9-81ED-4DB2-BD59-A6C34878D82A}">
+                    <a16:rowId xmlns:a16="http://schemas.microsoft.com/office/drawing/2014/main" val="4058368772"/>
+                  </a:ext>
+                </a:extLst>
+              </a:tr>
+              <a:tr h="370840">
+                <a:tc>
+                  <a:txBody>
+                    <a:bodyPr/>
+                    <a:lstStyle/>
+                    <a:p>
+                      <a:pPr algn="ctr" fontAlgn="b"/>
+                      <a:r>
+                        <a:rPr lang="en-CA" sz="1800" b="0" u="none" strike="noStrike" dirty="0">
+                          <a:solidFill>
+                            <a:srgbClr val="000000"/>
+                          </a:solidFill>
+                          <a:effectLst/>
+                        </a:rPr>
+                        <a:t>10</a:t>
+                      </a:r>
+                      <a:endParaRPr lang="en-CA" sz="1800" b="0" i="0" u="none" strike="noStrike" dirty="0">
+                        <a:solidFill>
+                          <a:srgbClr val="000000"/>
+                        </a:solidFill>
+                        <a:effectLst/>
+                        <a:latin typeface="+mn-lt"/>
+                      </a:endParaRPr>
+                    </a:p>
+                  </a:txBody>
+                  <a:tcPr marL="9525" marR="9525" marT="9525" marB="0" anchor="b"/>
+                </a:tc>
+                <a:tc>
+                  <a:txBody>
+                    <a:bodyPr/>
+                    <a:lstStyle/>
+                    <a:p>
+                      <a:pPr algn="ctr" fontAlgn="b"/>
+                      <a:r>
+                        <a:rPr lang="en-CA" sz="2000" b="1" u="none" strike="noStrike" dirty="0">
+                          <a:solidFill>
+                            <a:schemeClr val="accent2">
+                              <a:lumMod val="75000"/>
+                            </a:schemeClr>
+                          </a:solidFill>
+                          <a:effectLst/>
+                        </a:rPr>
+                        <a:t>breakfast</a:t>
+                      </a:r>
+                      <a:endParaRPr lang="en-CA" sz="1800" b="1" i="0" u="none" strike="noStrike" dirty="0">
+                        <a:solidFill>
+                          <a:schemeClr val="accent2">
+                            <a:lumMod val="75000"/>
+                          </a:schemeClr>
+                        </a:solidFill>
+                        <a:effectLst/>
+                        <a:latin typeface="+mn-lt"/>
+                      </a:endParaRPr>
+                    </a:p>
+                  </a:txBody>
+                  <a:tcPr marL="9525" marR="9525" marT="9525" marB="0" anchor="b"/>
+                </a:tc>
+                <a:tc>
+                  <a:txBody>
+                    <a:bodyPr/>
+                    <a:lstStyle/>
+                    <a:p>
+                      <a:pPr algn="ctr" fontAlgn="b"/>
+                      <a:r>
+                        <a:rPr lang="en-CA" sz="1800" b="0" u="none" strike="noStrike">
+                          <a:solidFill>
+                            <a:srgbClr val="000000"/>
+                          </a:solidFill>
+                          <a:effectLst/>
+                        </a:rPr>
+                        <a:t>front</a:t>
+                      </a:r>
+                      <a:endParaRPr lang="en-CA" sz="1800" b="0" i="0" u="none" strike="noStrike">
+                        <a:solidFill>
+                          <a:srgbClr val="000000"/>
+                        </a:solidFill>
+                        <a:effectLst/>
+                        <a:latin typeface="+mn-lt"/>
+                      </a:endParaRPr>
+                    </a:p>
+                  </a:txBody>
+                  <a:tcPr marL="9525" marR="9525" marT="9525" marB="0" anchor="b"/>
+                </a:tc>
+                <a:tc>
+                  <a:txBody>
+                    <a:bodyPr/>
+                    <a:lstStyle/>
+                    <a:p>
+                      <a:pPr algn="ctr" fontAlgn="b"/>
+                      <a:r>
+                        <a:rPr lang="en-CA" sz="1800" b="0" u="none" strike="noStrike">
+                          <a:solidFill>
+                            <a:srgbClr val="000000"/>
+                          </a:solidFill>
+                          <a:effectLst/>
+                        </a:rPr>
+                        <a:t>friendly</a:t>
+                      </a:r>
+                      <a:endParaRPr lang="en-CA" sz="1800" b="0" i="0" u="none" strike="noStrike">
+                        <a:solidFill>
+                          <a:srgbClr val="000000"/>
+                        </a:solidFill>
+                        <a:effectLst/>
+                        <a:latin typeface="+mn-lt"/>
+                      </a:endParaRPr>
+                    </a:p>
+                  </a:txBody>
+                  <a:tcPr marL="9525" marR="9525" marT="9525" marB="0" anchor="b"/>
+                </a:tc>
+                <a:tc>
+                  <a:txBody>
+                    <a:bodyPr/>
+                    <a:lstStyle/>
+                    <a:p>
+                      <a:pPr algn="ctr" fontAlgn="b"/>
+                      <a:r>
+                        <a:rPr lang="en-CA" sz="1800" b="0" u="none" strike="noStrike" dirty="0">
+                          <a:solidFill>
+                            <a:srgbClr val="000000"/>
+                          </a:solidFill>
+                          <a:effectLst/>
+                        </a:rPr>
+                        <a:t>service</a:t>
+                      </a:r>
+                      <a:endParaRPr lang="en-CA" sz="1800" b="0" i="0" u="none" strike="noStrike" dirty="0">
+                        <a:solidFill>
+                          <a:srgbClr val="000000"/>
+                        </a:solidFill>
+                        <a:effectLst/>
+                        <a:latin typeface="+mn-lt"/>
+                      </a:endParaRPr>
+                    </a:p>
+                  </a:txBody>
+                  <a:tcPr marL="9525" marR="9525" marT="9525" marB="0" anchor="b"/>
+                </a:tc>
+                <a:tc>
+                  <a:txBody>
+                    <a:bodyPr/>
+                    <a:lstStyle/>
+                    <a:p>
+                      <a:pPr algn="ctr" fontAlgn="b"/>
+                      <a:r>
+                        <a:rPr lang="en-CA" sz="1800" b="0" u="none" strike="noStrike" dirty="0">
+                          <a:solidFill>
+                            <a:srgbClr val="000000"/>
+                          </a:solidFill>
+                          <a:effectLst/>
+                        </a:rPr>
+                        <a:t>good</a:t>
+                      </a:r>
+                      <a:endParaRPr lang="en-CA" sz="1800" b="0" i="0" u="none" strike="noStrike" dirty="0">
+                        <a:solidFill>
+                          <a:srgbClr val="000000"/>
+                        </a:solidFill>
+                        <a:effectLst/>
+                        <a:latin typeface="+mn-lt"/>
+                      </a:endParaRPr>
+                    </a:p>
+                  </a:txBody>
+                  <a:tcPr marL="9525" marR="9525" marT="9525" marB="0" anchor="b"/>
+                </a:tc>
+                <a:extLst>
+                  <a:ext uri="{0D108BD9-81ED-4DB2-BD59-A6C34878D82A}">
+                    <a16:rowId xmlns:a16="http://schemas.microsoft.com/office/drawing/2014/main" val="1678407815"/>
+                  </a:ext>
+                </a:extLst>
+              </a:tr>
+            </a:tbl>
+          </a:graphicData>
+        </a:graphic>
+      </p:graphicFrame>
+      <p:sp>
+        <p:nvSpPr>
+          <p:cNvPr id="3" name="TextBox 2">
+            <a:extLst>
+              <a:ext uri="{FF2B5EF4-FFF2-40B4-BE49-F238E27FC236}">
+                <a16:creationId xmlns:a16="http://schemas.microsoft.com/office/drawing/2014/main" id="{04C14B80-D00B-4367-BB11-30960910A340}"/>
+              </a:ext>
+            </a:extLst>
+          </p:cNvPr>
+          <p:cNvSpPr txBox="1"/>
+          <p:nvPr/>
+        </p:nvSpPr>
+        <p:spPr>
+          <a:xfrm>
+            <a:off x="4546363" y="6074952"/>
+            <a:ext cx="1743341" cy="400110"/>
+          </a:xfrm>
+          <a:prstGeom prst="rect">
+            <a:avLst/>
+          </a:prstGeom>
+          <a:noFill/>
+        </p:spPr>
+        <p:txBody>
+          <a:bodyPr wrap="square" rtlCol="0">
+            <a:spAutoFit/>
+          </a:bodyPr>
+          <a:lstStyle/>
+          <a:p>
+            <a:r>
+              <a:rPr lang="en-CA" sz="2000" b="1" u="none" strike="noStrike" kern="1200" dirty="0">
+                <a:solidFill>
+                  <a:schemeClr val="accent2">
+                    <a:lumMod val="75000"/>
+                  </a:schemeClr>
+                </a:solidFill>
+                <a:effectLst/>
+                <a:latin typeface="+mn-lt"/>
+                <a:ea typeface="+mn-ea"/>
+                <a:cs typeface="+mn-cs"/>
+              </a:rPr>
+              <a:t>Breakfast</a:t>
+            </a:r>
+            <a:r>
+              <a:rPr lang="en-CA" dirty="0"/>
+              <a:t> = 22</a:t>
+            </a:r>
+          </a:p>
+        </p:txBody>
+      </p:sp>
+      <p:sp>
+        <p:nvSpPr>
+          <p:cNvPr id="5" name="TextBox 4">
+            <a:extLst>
+              <a:ext uri="{FF2B5EF4-FFF2-40B4-BE49-F238E27FC236}">
+                <a16:creationId xmlns:a16="http://schemas.microsoft.com/office/drawing/2014/main" id="{A97332E0-A748-4995-A0DD-6ADC801CDD3B}"/>
+              </a:ext>
+            </a:extLst>
+          </p:cNvPr>
+          <p:cNvSpPr txBox="1"/>
+          <p:nvPr/>
+        </p:nvSpPr>
+        <p:spPr>
+          <a:xfrm>
+            <a:off x="9663871" y="6074952"/>
+            <a:ext cx="1743341" cy="400110"/>
+          </a:xfrm>
+          <a:prstGeom prst="rect">
+            <a:avLst/>
+          </a:prstGeom>
+          <a:noFill/>
+        </p:spPr>
+        <p:txBody>
+          <a:bodyPr wrap="square" rtlCol="0">
+            <a:spAutoFit/>
+          </a:bodyPr>
+          <a:lstStyle/>
+          <a:p>
+            <a:r>
+              <a:rPr lang="en-CA" sz="2000" b="1" u="none" strike="noStrike" kern="1200" dirty="0">
+                <a:solidFill>
+                  <a:schemeClr val="accent2">
+                    <a:lumMod val="75000"/>
+                  </a:schemeClr>
+                </a:solidFill>
+                <a:effectLst/>
+                <a:latin typeface="+mn-lt"/>
+                <a:ea typeface="+mn-ea"/>
+                <a:cs typeface="+mn-cs"/>
+              </a:rPr>
+              <a:t>Breakfast</a:t>
+            </a:r>
+            <a:r>
+              <a:rPr lang="en-CA" dirty="0"/>
+              <a:t> = 14</a:t>
+            </a:r>
+          </a:p>
+        </p:txBody>
+      </p:sp>
+    </p:spTree>
+    <p:extLst>
+      <p:ext uri="{BB962C8B-B14F-4D97-AF65-F5344CB8AC3E}">
+        <p14:creationId xmlns:p14="http://schemas.microsoft.com/office/powerpoint/2010/main" val="2270942252"/>
+      </p:ext>
+    </p:extLst>
+  </p:cSld>
+  <p:clrMapOvr>
+    <a:masterClrMapping/>
+  </p:clrMapOvr>
+</p:sld>
+</file>
+
+<file path=ppt/slides/slide18.xml><?xml version="1.0" encoding="utf-8"?>
 <p:sld xmlns:a="http://schemas.openxmlformats.org/drawingml/2006/main" xmlns:r="http://schemas.openxmlformats.org/officeDocument/2006/relationships" xmlns:p="http://schemas.openxmlformats.org/presentationml/2006/main">
   <p:cSld>
     <p:spTree>
@@ -5842,7 +12101,7 @@
 </p:sld>
 </file>
 
-<file path=ppt/slides/slide17.xml><?xml version="1.0" encoding="utf-8"?>
+<file path=ppt/slides/slide19.xml><?xml version="1.0" encoding="utf-8"?>
 <p:sld xmlns:a="http://schemas.openxmlformats.org/drawingml/2006/main" xmlns:r="http://schemas.openxmlformats.org/officeDocument/2006/relationships" xmlns:p="http://schemas.openxmlformats.org/presentationml/2006/main">
   <p:cSld>
     <p:spTree>
@@ -5943,6 +12202,13 @@
             </a:r>
           </a:p>
           <a:p>
+            <a:pPr lvl="1"/>
+            <a:r>
+              <a:rPr lang="en-CA" sz="1800" dirty="0"/>
+              <a:t>By Region</a:t>
+            </a:r>
+          </a:p>
+          <a:p>
             <a:r>
               <a:rPr lang="en-CA" sz="2000" dirty="0"/>
               <a:t>Create a website to display findings</a:t>
@@ -5954,163 +12220,6 @@
     <p:extLst>
       <p:ext uri="{BB962C8B-B14F-4D97-AF65-F5344CB8AC3E}">
         <p14:creationId xmlns:p14="http://schemas.microsoft.com/office/powerpoint/2010/main" val="267638088"/>
-      </p:ext>
-    </p:extLst>
-  </p:cSld>
-  <p:clrMapOvr>
-    <a:masterClrMapping/>
-  </p:clrMapOvr>
-</p:sld>
-</file>
-
-<file path=ppt/slides/slide18.xml><?xml version="1.0" encoding="utf-8"?>
-<p:sld xmlns:a="http://schemas.openxmlformats.org/drawingml/2006/main" xmlns:r="http://schemas.openxmlformats.org/officeDocument/2006/relationships" xmlns:p="http://schemas.openxmlformats.org/presentationml/2006/main">
-  <p:cSld>
-    <p:spTree>
-      <p:nvGrpSpPr>
-        <p:cNvPr id="1" name=""/>
-        <p:cNvGrpSpPr/>
-        <p:nvPr/>
-      </p:nvGrpSpPr>
-      <p:grpSpPr>
-        <a:xfrm>
-          <a:off x="0" y="0"/>
-          <a:ext cx="0" cy="0"/>
-          <a:chOff x="0" y="0"/>
-          <a:chExt cx="0" cy="0"/>
-        </a:xfrm>
-      </p:grpSpPr>
-      <p:sp>
-        <p:nvSpPr>
-          <p:cNvPr id="8" name="Title 7">
-            <a:extLst>
-              <a:ext uri="{FF2B5EF4-FFF2-40B4-BE49-F238E27FC236}">
-                <a16:creationId xmlns:a16="http://schemas.microsoft.com/office/drawing/2014/main" id="{1A6C1932-3BDC-4BCB-AA55-AB0A41A99B5B}"/>
-              </a:ext>
-            </a:extLst>
-          </p:cNvPr>
-          <p:cNvSpPr>
-            <a:spLocks noGrp="1"/>
-          </p:cNvSpPr>
-          <p:nvPr>
-            <p:ph type="ctrTitle"/>
-          </p:nvPr>
-        </p:nvSpPr>
-        <p:spPr/>
-        <p:txBody>
-          <a:bodyPr/>
-          <a:lstStyle/>
-          <a:p>
-            <a:r>
-              <a:rPr lang="en-CA" cap="none" dirty="0"/>
-              <a:t>Thank you for listening.</a:t>
-            </a:r>
-            <a:endParaRPr lang="en-CA" dirty="0"/>
-          </a:p>
-        </p:txBody>
-      </p:sp>
-      <p:sp>
-        <p:nvSpPr>
-          <p:cNvPr id="9" name="Subtitle 8">
-            <a:extLst>
-              <a:ext uri="{FF2B5EF4-FFF2-40B4-BE49-F238E27FC236}">
-                <a16:creationId xmlns:a16="http://schemas.microsoft.com/office/drawing/2014/main" id="{98E6B59B-C65C-46B4-A665-2C65F036135E}"/>
-              </a:ext>
-            </a:extLst>
-          </p:cNvPr>
-          <p:cNvSpPr>
-            <a:spLocks noGrp="1"/>
-          </p:cNvSpPr>
-          <p:nvPr>
-            <p:ph type="subTitle" idx="1"/>
-          </p:nvPr>
-        </p:nvSpPr>
-        <p:spPr>
-          <a:xfrm>
-            <a:off x="1562100" y="4033616"/>
-            <a:ext cx="9070848" cy="1105648"/>
-          </a:xfrm>
-        </p:spPr>
-        <p:txBody>
-          <a:bodyPr>
-            <a:normAutofit/>
-          </a:bodyPr>
-          <a:lstStyle/>
-          <a:p>
-            <a:r>
-              <a:rPr lang="en-CA" sz="5400" dirty="0"/>
-              <a:t>Any Questions?</a:t>
-            </a:r>
-          </a:p>
-        </p:txBody>
-      </p:sp>
-    </p:spTree>
-    <p:extLst>
-      <p:ext uri="{BB962C8B-B14F-4D97-AF65-F5344CB8AC3E}">
-        <p14:creationId xmlns:p14="http://schemas.microsoft.com/office/powerpoint/2010/main" val="2669522208"/>
-      </p:ext>
-    </p:extLst>
-  </p:cSld>
-  <p:clrMapOvr>
-    <a:masterClrMapping/>
-  </p:clrMapOvr>
-</p:sld>
-</file>
-
-<file path=ppt/slides/slide19.xml><?xml version="1.0" encoding="utf-8"?>
-<p:sld xmlns:a="http://schemas.openxmlformats.org/drawingml/2006/main" xmlns:r="http://schemas.openxmlformats.org/officeDocument/2006/relationships" xmlns:p="http://schemas.openxmlformats.org/presentationml/2006/main">
-  <p:cSld>
-    <p:spTree>
-      <p:nvGrpSpPr>
-        <p:cNvPr id="1" name=""/>
-        <p:cNvGrpSpPr/>
-        <p:nvPr/>
-      </p:nvGrpSpPr>
-      <p:grpSpPr>
-        <a:xfrm>
-          <a:off x="0" y="0"/>
-          <a:ext cx="0" cy="0"/>
-          <a:chOff x="0" y="0"/>
-          <a:chExt cx="0" cy="0"/>
-        </a:xfrm>
-      </p:grpSpPr>
-      <p:sp>
-        <p:nvSpPr>
-          <p:cNvPr id="4" name="Title 3">
-            <a:extLst>
-              <a:ext uri="{FF2B5EF4-FFF2-40B4-BE49-F238E27FC236}">
-                <a16:creationId xmlns:a16="http://schemas.microsoft.com/office/drawing/2014/main" id="{C098B81F-5730-40A9-A64C-8183EEC2D07E}"/>
-              </a:ext>
-            </a:extLst>
-          </p:cNvPr>
-          <p:cNvSpPr>
-            <a:spLocks noGrp="1"/>
-          </p:cNvSpPr>
-          <p:nvPr>
-            <p:ph type="title"/>
-          </p:nvPr>
-        </p:nvSpPr>
-        <p:spPr>
-          <a:xfrm>
-            <a:off x="1563623" y="2094308"/>
-            <a:ext cx="9070848" cy="3212629"/>
-          </a:xfrm>
-        </p:spPr>
-        <p:txBody>
-          <a:bodyPr/>
-          <a:lstStyle/>
-          <a:p>
-            <a:r>
-              <a:rPr lang="en-CA" cap="none" dirty="0"/>
-              <a:t>Supplemental Slides</a:t>
-            </a:r>
-          </a:p>
-        </p:txBody>
-      </p:sp>
-    </p:spTree>
-    <p:extLst>
-      <p:ext uri="{BB962C8B-B14F-4D97-AF65-F5344CB8AC3E}">
-        <p14:creationId xmlns:p14="http://schemas.microsoft.com/office/powerpoint/2010/main" val="4085937056"/>
       </p:ext>
     </p:extLst>
   </p:cSld>
@@ -6229,6 +12338,163 @@
 </file>
 
 <file path=ppt/slides/slide20.xml><?xml version="1.0" encoding="utf-8"?>
+<p:sld xmlns:a="http://schemas.openxmlformats.org/drawingml/2006/main" xmlns:r="http://schemas.openxmlformats.org/officeDocument/2006/relationships" xmlns:p="http://schemas.openxmlformats.org/presentationml/2006/main">
+  <p:cSld>
+    <p:spTree>
+      <p:nvGrpSpPr>
+        <p:cNvPr id="1" name=""/>
+        <p:cNvGrpSpPr/>
+        <p:nvPr/>
+      </p:nvGrpSpPr>
+      <p:grpSpPr>
+        <a:xfrm>
+          <a:off x="0" y="0"/>
+          <a:ext cx="0" cy="0"/>
+          <a:chOff x="0" y="0"/>
+          <a:chExt cx="0" cy="0"/>
+        </a:xfrm>
+      </p:grpSpPr>
+      <p:sp>
+        <p:nvSpPr>
+          <p:cNvPr id="8" name="Title 7">
+            <a:extLst>
+              <a:ext uri="{FF2B5EF4-FFF2-40B4-BE49-F238E27FC236}">
+                <a16:creationId xmlns:a16="http://schemas.microsoft.com/office/drawing/2014/main" id="{1A6C1932-3BDC-4BCB-AA55-AB0A41A99B5B}"/>
+              </a:ext>
+            </a:extLst>
+          </p:cNvPr>
+          <p:cNvSpPr>
+            <a:spLocks noGrp="1"/>
+          </p:cNvSpPr>
+          <p:nvPr>
+            <p:ph type="ctrTitle"/>
+          </p:nvPr>
+        </p:nvSpPr>
+        <p:spPr/>
+        <p:txBody>
+          <a:bodyPr/>
+          <a:lstStyle/>
+          <a:p>
+            <a:r>
+              <a:rPr lang="en-CA" cap="none" dirty="0"/>
+              <a:t>Thank you for listening.</a:t>
+            </a:r>
+            <a:endParaRPr lang="en-CA" dirty="0"/>
+          </a:p>
+        </p:txBody>
+      </p:sp>
+      <p:sp>
+        <p:nvSpPr>
+          <p:cNvPr id="9" name="Subtitle 8">
+            <a:extLst>
+              <a:ext uri="{FF2B5EF4-FFF2-40B4-BE49-F238E27FC236}">
+                <a16:creationId xmlns:a16="http://schemas.microsoft.com/office/drawing/2014/main" id="{98E6B59B-C65C-46B4-A665-2C65F036135E}"/>
+              </a:ext>
+            </a:extLst>
+          </p:cNvPr>
+          <p:cNvSpPr>
+            <a:spLocks noGrp="1"/>
+          </p:cNvSpPr>
+          <p:nvPr>
+            <p:ph type="subTitle" idx="1"/>
+          </p:nvPr>
+        </p:nvSpPr>
+        <p:spPr>
+          <a:xfrm>
+            <a:off x="1562100" y="4033616"/>
+            <a:ext cx="9070848" cy="1105648"/>
+          </a:xfrm>
+        </p:spPr>
+        <p:txBody>
+          <a:bodyPr>
+            <a:normAutofit/>
+          </a:bodyPr>
+          <a:lstStyle/>
+          <a:p>
+            <a:r>
+              <a:rPr lang="en-CA" sz="5400" dirty="0"/>
+              <a:t>Any Questions?</a:t>
+            </a:r>
+          </a:p>
+        </p:txBody>
+      </p:sp>
+    </p:spTree>
+    <p:extLst>
+      <p:ext uri="{BB962C8B-B14F-4D97-AF65-F5344CB8AC3E}">
+        <p14:creationId xmlns:p14="http://schemas.microsoft.com/office/powerpoint/2010/main" val="2669522208"/>
+      </p:ext>
+    </p:extLst>
+  </p:cSld>
+  <p:clrMapOvr>
+    <a:masterClrMapping/>
+  </p:clrMapOvr>
+</p:sld>
+</file>
+
+<file path=ppt/slides/slide21.xml><?xml version="1.0" encoding="utf-8"?>
+<p:sld xmlns:a="http://schemas.openxmlformats.org/drawingml/2006/main" xmlns:r="http://schemas.openxmlformats.org/officeDocument/2006/relationships" xmlns:p="http://schemas.openxmlformats.org/presentationml/2006/main">
+  <p:cSld>
+    <p:spTree>
+      <p:nvGrpSpPr>
+        <p:cNvPr id="1" name=""/>
+        <p:cNvGrpSpPr/>
+        <p:nvPr/>
+      </p:nvGrpSpPr>
+      <p:grpSpPr>
+        <a:xfrm>
+          <a:off x="0" y="0"/>
+          <a:ext cx="0" cy="0"/>
+          <a:chOff x="0" y="0"/>
+          <a:chExt cx="0" cy="0"/>
+        </a:xfrm>
+      </p:grpSpPr>
+      <p:sp>
+        <p:nvSpPr>
+          <p:cNvPr id="4" name="Title 3">
+            <a:extLst>
+              <a:ext uri="{FF2B5EF4-FFF2-40B4-BE49-F238E27FC236}">
+                <a16:creationId xmlns:a16="http://schemas.microsoft.com/office/drawing/2014/main" id="{C098B81F-5730-40A9-A64C-8183EEC2D07E}"/>
+              </a:ext>
+            </a:extLst>
+          </p:cNvPr>
+          <p:cNvSpPr>
+            <a:spLocks noGrp="1"/>
+          </p:cNvSpPr>
+          <p:nvPr>
+            <p:ph type="title"/>
+          </p:nvPr>
+        </p:nvSpPr>
+        <p:spPr>
+          <a:xfrm>
+            <a:off x="1563623" y="2094308"/>
+            <a:ext cx="9070848" cy="3212629"/>
+          </a:xfrm>
+        </p:spPr>
+        <p:txBody>
+          <a:bodyPr/>
+          <a:lstStyle/>
+          <a:p>
+            <a:r>
+              <a:rPr lang="en-CA" cap="none" dirty="0"/>
+              <a:t>Supplemental Slides</a:t>
+            </a:r>
+          </a:p>
+        </p:txBody>
+      </p:sp>
+    </p:spTree>
+    <p:extLst>
+      <p:ext uri="{BB962C8B-B14F-4D97-AF65-F5344CB8AC3E}">
+        <p14:creationId xmlns:p14="http://schemas.microsoft.com/office/powerpoint/2010/main" val="4085937056"/>
+      </p:ext>
+    </p:extLst>
+  </p:cSld>
+  <p:clrMapOvr>
+    <a:masterClrMapping/>
+  </p:clrMapOvr>
+</p:sld>
+</file>
+
+<file path=ppt/slides/slide22.xml><?xml version="1.0" encoding="utf-8"?>
 <p:sld xmlns:a="http://schemas.openxmlformats.org/drawingml/2006/main" xmlns:r="http://schemas.openxmlformats.org/officeDocument/2006/relationships" xmlns:p="http://schemas.openxmlformats.org/presentationml/2006/main">
   <p:cSld>
     <p:spTree>
@@ -6321,7 +12587,7 @@
 </p:sld>
 </file>
 
-<file path=ppt/slides/slide21.xml><?xml version="1.0" encoding="utf-8"?>
+<file path=ppt/slides/slide23.xml><?xml version="1.0" encoding="utf-8"?>
 <p:sld xmlns:a="http://schemas.openxmlformats.org/drawingml/2006/main" xmlns:r="http://schemas.openxmlformats.org/officeDocument/2006/relationships" xmlns:p="http://schemas.openxmlformats.org/presentationml/2006/main">
   <p:cSld>
     <p:spTree>
@@ -6414,7 +12680,7 @@
 </p:sld>
 </file>
 
-<file path=ppt/slides/slide22.xml><?xml version="1.0" encoding="utf-8"?>
+<file path=ppt/slides/slide24.xml><?xml version="1.0" encoding="utf-8"?>
 <p:sld xmlns:a="http://schemas.openxmlformats.org/drawingml/2006/main" xmlns:r="http://schemas.openxmlformats.org/officeDocument/2006/relationships" xmlns:p="http://schemas.openxmlformats.org/presentationml/2006/main">
   <p:cSld>
     <p:spTree>
@@ -6506,7 +12772,7 @@
 </p:sld>
 </file>
 
-<file path=ppt/slides/slide23.xml><?xml version="1.0" encoding="utf-8"?>
+<file path=ppt/slides/slide25.xml><?xml version="1.0" encoding="utf-8"?>
 <p:sld xmlns:a="http://schemas.openxmlformats.org/drawingml/2006/main" xmlns:r="http://schemas.openxmlformats.org/officeDocument/2006/relationships" xmlns:p="http://schemas.openxmlformats.org/presentationml/2006/main">
   <p:cSld>
     <p:spTree>
@@ -6677,13 +12943,42 @@
         </p:blipFill>
         <p:spPr bwMode="auto">
           <a:xfrm>
-            <a:off x="524200" y="2105256"/>
+            <a:off x="575476" y="2105256"/>
             <a:ext cx="5571800" cy="3214049"/>
           </a:xfrm>
           <a:prstGeom prst="rect">
             <a:avLst/>
           </a:prstGeom>
-          <a:noFill/>
+          <a:solidFill>
+            <a:srgbClr val="FFFFFF">
+              <a:shade val="85000"/>
+            </a:srgbClr>
+          </a:solidFill>
+          <a:ln w="88900" cap="sq">
+            <a:solidFill>
+              <a:srgbClr val="FFFFFF"/>
+            </a:solidFill>
+            <a:miter lim="800000"/>
+          </a:ln>
+          <a:effectLst>
+            <a:outerShdw blurRad="55000" dist="18000" dir="5400000" algn="tl" rotWithShape="0">
+              <a:srgbClr val="000000">
+                <a:alpha val="40000"/>
+              </a:srgbClr>
+            </a:outerShdw>
+          </a:effectLst>
+          <a:scene3d>
+            <a:camera prst="orthographicFront"/>
+            <a:lightRig rig="twoPt" dir="t">
+              <a:rot lat="0" lon="0" rev="7200000"/>
+            </a:lightRig>
+          </a:scene3d>
+          <a:sp3d>
+            <a:bevelT w="25400" h="19050"/>
+            <a:contourClr>
+              <a:srgbClr val="FFFFFF"/>
+            </a:contourClr>
+          </a:sp3d>
           <a:extLst>
             <a:ext uri="{909E8E84-426E-40DD-AFC4-6F175D3DCCD1}">
               <a14:hiddenFill xmlns:a14="http://schemas.microsoft.com/office/drawing/2010/main">
@@ -6731,6 +13026,300 @@
               <a:rPr lang="en-CA" sz="2400" dirty="0"/>
               <a:t> Due to both health concerns and travel restrictions, occupancy declined more than 11%, and 4.4% of hotels permanently closed in 2020**.</a:t>
             </a:r>
+          </a:p>
+        </p:txBody>
+      </p:sp>
+      <p:sp>
+        <p:nvSpPr>
+          <p:cNvPr id="6" name="Content Placeholder 4">
+            <a:extLst>
+              <a:ext uri="{FF2B5EF4-FFF2-40B4-BE49-F238E27FC236}">
+                <a16:creationId xmlns:a16="http://schemas.microsoft.com/office/drawing/2014/main" id="{C6938C3B-02EC-42B5-94CF-52956BB15654}"/>
+              </a:ext>
+            </a:extLst>
+          </p:cNvPr>
+          <p:cNvSpPr txBox="1">
+            <a:spLocks/>
+          </p:cNvSpPr>
+          <p:nvPr/>
+        </p:nvSpPr>
+        <p:spPr>
+          <a:xfrm>
+            <a:off x="575476" y="5941086"/>
+            <a:ext cx="11260448" cy="502444"/>
+          </a:xfrm>
+          <a:prstGeom prst="rect">
+            <a:avLst/>
+          </a:prstGeom>
+        </p:spPr>
+        <p:txBody>
+          <a:bodyPr vert="horz" lIns="91440" tIns="45720" rIns="91440" bIns="45720" rtlCol="0">
+            <a:normAutofit fontScale="92500" lnSpcReduction="10000"/>
+          </a:bodyPr>
+          <a:lstStyle>
+            <a:lvl1pPr marL="182880" indent="-182880" algn="l" defTabSz="914400" rtl="0" eaLnBrk="1" latinLnBrk="0" hangingPunct="1">
+              <a:lnSpc>
+                <a:spcPct val="100000"/>
+              </a:lnSpc>
+              <a:spcBef>
+                <a:spcPts val="900"/>
+              </a:spcBef>
+              <a:spcAft>
+                <a:spcPts val="0"/>
+              </a:spcAft>
+              <a:buClr>
+                <a:schemeClr val="tx1">
+                  <a:lumMod val="85000"/>
+                  <a:lumOff val="15000"/>
+                </a:schemeClr>
+              </a:buClr>
+              <a:buFont typeface="Garamond" pitchFamily="18" charset="0"/>
+              <a:buChar char="◦"/>
+              <a:defRPr sz="1800" kern="1200">
+                <a:solidFill>
+                  <a:schemeClr val="tx1"/>
+                </a:solidFill>
+                <a:latin typeface="+mn-lt"/>
+                <a:ea typeface="+mn-ea"/>
+                <a:cs typeface="+mn-cs"/>
+              </a:defRPr>
+            </a:lvl1pPr>
+            <a:lvl2pPr marL="457200" indent="-182880" algn="l" defTabSz="914400" rtl="0" eaLnBrk="1" latinLnBrk="0" hangingPunct="1">
+              <a:lnSpc>
+                <a:spcPct val="100000"/>
+              </a:lnSpc>
+              <a:spcBef>
+                <a:spcPts val="500"/>
+              </a:spcBef>
+              <a:buClr>
+                <a:schemeClr val="tx1">
+                  <a:lumMod val="85000"/>
+                  <a:lumOff val="15000"/>
+                </a:schemeClr>
+              </a:buClr>
+              <a:buFont typeface="Garamond" pitchFamily="18" charset="0"/>
+              <a:buChar char="◦"/>
+              <a:defRPr sz="1600" kern="1200">
+                <a:solidFill>
+                  <a:schemeClr val="tx1"/>
+                </a:solidFill>
+                <a:latin typeface="+mn-lt"/>
+                <a:ea typeface="+mn-ea"/>
+                <a:cs typeface="+mn-cs"/>
+              </a:defRPr>
+            </a:lvl2pPr>
+            <a:lvl3pPr marL="731520" indent="-182880" algn="l" defTabSz="914400" rtl="0" eaLnBrk="1" latinLnBrk="0" hangingPunct="1">
+              <a:lnSpc>
+                <a:spcPct val="100000"/>
+              </a:lnSpc>
+              <a:spcBef>
+                <a:spcPts val="500"/>
+              </a:spcBef>
+              <a:buClr>
+                <a:schemeClr val="tx1">
+                  <a:lumMod val="85000"/>
+                  <a:lumOff val="15000"/>
+                </a:schemeClr>
+              </a:buClr>
+              <a:buFont typeface="Garamond" pitchFamily="18" charset="0"/>
+              <a:buChar char="◦"/>
+              <a:defRPr sz="1400" kern="1200">
+                <a:solidFill>
+                  <a:schemeClr val="tx1"/>
+                </a:solidFill>
+                <a:latin typeface="+mn-lt"/>
+                <a:ea typeface="+mn-ea"/>
+                <a:cs typeface="+mn-cs"/>
+              </a:defRPr>
+            </a:lvl3pPr>
+            <a:lvl4pPr marL="1005840" indent="-182880" algn="l" defTabSz="914400" rtl="0" eaLnBrk="1" latinLnBrk="0" hangingPunct="1">
+              <a:lnSpc>
+                <a:spcPct val="100000"/>
+              </a:lnSpc>
+              <a:spcBef>
+                <a:spcPts val="500"/>
+              </a:spcBef>
+              <a:buClr>
+                <a:schemeClr val="tx1">
+                  <a:lumMod val="85000"/>
+                  <a:lumOff val="15000"/>
+                </a:schemeClr>
+              </a:buClr>
+              <a:buFont typeface="Garamond" pitchFamily="18" charset="0"/>
+              <a:buChar char="◦"/>
+              <a:defRPr sz="1400" kern="1200">
+                <a:solidFill>
+                  <a:schemeClr val="tx1"/>
+                </a:solidFill>
+                <a:latin typeface="+mn-lt"/>
+                <a:ea typeface="+mn-ea"/>
+                <a:cs typeface="+mn-cs"/>
+              </a:defRPr>
+            </a:lvl4pPr>
+            <a:lvl5pPr marL="1280160" indent="-182880" algn="l" defTabSz="914400" rtl="0" eaLnBrk="1" latinLnBrk="0" hangingPunct="1">
+              <a:lnSpc>
+                <a:spcPct val="100000"/>
+              </a:lnSpc>
+              <a:spcBef>
+                <a:spcPts val="500"/>
+              </a:spcBef>
+              <a:buClr>
+                <a:schemeClr val="tx1">
+                  <a:lumMod val="85000"/>
+                  <a:lumOff val="15000"/>
+                </a:schemeClr>
+              </a:buClr>
+              <a:buFont typeface="Garamond" pitchFamily="18" charset="0"/>
+              <a:buChar char="◦"/>
+              <a:defRPr sz="1400" kern="1200">
+                <a:solidFill>
+                  <a:schemeClr val="tx1"/>
+                </a:solidFill>
+                <a:latin typeface="+mn-lt"/>
+                <a:ea typeface="+mn-ea"/>
+                <a:cs typeface="+mn-cs"/>
+              </a:defRPr>
+            </a:lvl5pPr>
+            <a:lvl6pPr marL="1600000" indent="-228600" algn="l" defTabSz="914400" rtl="0" eaLnBrk="1" latinLnBrk="0" hangingPunct="1">
+              <a:lnSpc>
+                <a:spcPct val="100000"/>
+              </a:lnSpc>
+              <a:spcBef>
+                <a:spcPts val="500"/>
+              </a:spcBef>
+              <a:buClr>
+                <a:schemeClr val="tx1">
+                  <a:lumMod val="85000"/>
+                  <a:lumOff val="15000"/>
+                </a:schemeClr>
+              </a:buClr>
+              <a:buFont typeface="Garamond" pitchFamily="18" charset="0"/>
+              <a:buChar char="◦"/>
+              <a:defRPr sz="1400" kern="1200">
+                <a:solidFill>
+                  <a:schemeClr val="tx1"/>
+                </a:solidFill>
+                <a:latin typeface="+mn-lt"/>
+                <a:ea typeface="+mn-ea"/>
+                <a:cs typeface="+mn-cs"/>
+              </a:defRPr>
+            </a:lvl6pPr>
+            <a:lvl7pPr marL="1900000" indent="-228600" algn="l" defTabSz="914400" rtl="0" eaLnBrk="1" latinLnBrk="0" hangingPunct="1">
+              <a:lnSpc>
+                <a:spcPct val="100000"/>
+              </a:lnSpc>
+              <a:spcBef>
+                <a:spcPts val="500"/>
+              </a:spcBef>
+              <a:buClr>
+                <a:schemeClr val="tx1">
+                  <a:lumMod val="85000"/>
+                  <a:lumOff val="15000"/>
+                </a:schemeClr>
+              </a:buClr>
+              <a:buFont typeface="Garamond" pitchFamily="18" charset="0"/>
+              <a:buChar char="◦"/>
+              <a:defRPr sz="1400" kern="1200">
+                <a:solidFill>
+                  <a:schemeClr val="tx1"/>
+                </a:solidFill>
+                <a:latin typeface="+mn-lt"/>
+                <a:ea typeface="+mn-ea"/>
+                <a:cs typeface="+mn-cs"/>
+              </a:defRPr>
+            </a:lvl7pPr>
+            <a:lvl8pPr marL="2200000" indent="-228600" algn="l" defTabSz="914400" rtl="0" eaLnBrk="1" latinLnBrk="0" hangingPunct="1">
+              <a:lnSpc>
+                <a:spcPct val="100000"/>
+              </a:lnSpc>
+              <a:spcBef>
+                <a:spcPts val="500"/>
+              </a:spcBef>
+              <a:buClr>
+                <a:schemeClr val="tx1">
+                  <a:lumMod val="85000"/>
+                  <a:lumOff val="15000"/>
+                </a:schemeClr>
+              </a:buClr>
+              <a:buFont typeface="Garamond" pitchFamily="18" charset="0"/>
+              <a:buChar char="◦"/>
+              <a:defRPr sz="1400" kern="1200">
+                <a:solidFill>
+                  <a:schemeClr val="tx1"/>
+                </a:solidFill>
+                <a:latin typeface="+mn-lt"/>
+                <a:ea typeface="+mn-ea"/>
+                <a:cs typeface="+mn-cs"/>
+              </a:defRPr>
+            </a:lvl8pPr>
+            <a:lvl9pPr marL="2500000" indent="-228600" algn="l" defTabSz="914400" rtl="0" eaLnBrk="1" latinLnBrk="0" hangingPunct="1">
+              <a:lnSpc>
+                <a:spcPct val="100000"/>
+              </a:lnSpc>
+              <a:spcBef>
+                <a:spcPts val="500"/>
+              </a:spcBef>
+              <a:buClr>
+                <a:schemeClr val="tx1">
+                  <a:lumMod val="85000"/>
+                  <a:lumOff val="15000"/>
+                </a:schemeClr>
+              </a:buClr>
+              <a:buFont typeface="Garamond" pitchFamily="18" charset="0"/>
+              <a:buChar char="◦"/>
+              <a:defRPr sz="1400" kern="1200">
+                <a:solidFill>
+                  <a:schemeClr val="tx1"/>
+                </a:solidFill>
+                <a:latin typeface="+mn-lt"/>
+                <a:ea typeface="+mn-ea"/>
+                <a:cs typeface="+mn-cs"/>
+              </a:defRPr>
+            </a:lvl9pPr>
+          </a:lstStyle>
+          <a:p>
+            <a:pPr marL="0" indent="0">
+              <a:buNone/>
+            </a:pPr>
+            <a:r>
+              <a:rPr lang="en-CA" sz="1100" dirty="0">
+                <a:solidFill>
+                  <a:schemeClr val="tx2">
+                    <a:lumMod val="50000"/>
+                  </a:schemeClr>
+                </a:solidFill>
+              </a:rPr>
+              <a:t>*Strategic Report - Industry Overview 2020. IHG Hotels and Resorts - Annual reports. (2020).</a:t>
+            </a:r>
+            <a:endParaRPr lang="en-CA" sz="1000" dirty="0">
+              <a:solidFill>
+                <a:schemeClr val="tx2">
+                  <a:lumMod val="50000"/>
+                </a:schemeClr>
+              </a:solidFill>
+            </a:endParaRPr>
+          </a:p>
+          <a:p>
+            <a:pPr marL="0" indent="0">
+              <a:buNone/>
+            </a:pPr>
+            <a:r>
+              <a:rPr lang="en-CA" sz="1100" dirty="0">
+                <a:solidFill>
+                  <a:schemeClr val="tx2">
+                    <a:lumMod val="50000"/>
+                  </a:schemeClr>
+                </a:solidFill>
+              </a:rPr>
+              <a:t>**Q3 2021 US Hotel Figures. CBREUS Insights and Research. (2021).</a:t>
+            </a:r>
+            <a:endParaRPr lang="en-CA" sz="1000" dirty="0">
+              <a:solidFill>
+                <a:schemeClr val="tx2">
+                  <a:lumMod val="50000"/>
+                </a:schemeClr>
+              </a:solidFill>
+            </a:endParaRPr>
           </a:p>
         </p:txBody>
       </p:sp>

--- a/Capstone Presentation.pptx
+++ b/Capstone Presentation.pptx
@@ -5,7 +5,7 @@
     <p:sldMasterId id="2147483774" r:id="rId1"/>
   </p:sldMasterIdLst>
   <p:notesMasterIdLst>
-    <p:notesMasterId r:id="rId58"/>
+    <p:notesMasterId r:id="rId60"/>
   </p:notesMasterIdLst>
   <p:sldIdLst>
     <p:sldId id="256" r:id="rId2"/>
@@ -29,41 +29,43 @@
     <p:sldId id="268" r:id="rId20"/>
     <p:sldId id="270" r:id="rId21"/>
     <p:sldId id="298" r:id="rId22"/>
-    <p:sldId id="291" r:id="rId23"/>
-    <p:sldId id="304" r:id="rId24"/>
-    <p:sldId id="315" r:id="rId25"/>
-    <p:sldId id="292" r:id="rId26"/>
-    <p:sldId id="320" r:id="rId27"/>
-    <p:sldId id="319" r:id="rId28"/>
-    <p:sldId id="300" r:id="rId29"/>
-    <p:sldId id="309" r:id="rId30"/>
-    <p:sldId id="311" r:id="rId31"/>
-    <p:sldId id="306" r:id="rId32"/>
-    <p:sldId id="310" r:id="rId33"/>
-    <p:sldId id="307" r:id="rId34"/>
-    <p:sldId id="308" r:id="rId35"/>
-    <p:sldId id="312" r:id="rId36"/>
-    <p:sldId id="318" r:id="rId37"/>
-    <p:sldId id="317" r:id="rId38"/>
-    <p:sldId id="287" r:id="rId39"/>
-    <p:sldId id="321" r:id="rId40"/>
-    <p:sldId id="274" r:id="rId41"/>
-    <p:sldId id="278" r:id="rId42"/>
-    <p:sldId id="264" r:id="rId43"/>
-    <p:sldId id="284" r:id="rId44"/>
-    <p:sldId id="285" r:id="rId45"/>
-    <p:sldId id="281" r:id="rId46"/>
-    <p:sldId id="269" r:id="rId47"/>
-    <p:sldId id="263" r:id="rId48"/>
-    <p:sldId id="283" r:id="rId49"/>
-    <p:sldId id="276" r:id="rId50"/>
-    <p:sldId id="277" r:id="rId51"/>
-    <p:sldId id="273" r:id="rId52"/>
-    <p:sldId id="275" r:id="rId53"/>
-    <p:sldId id="295" r:id="rId54"/>
-    <p:sldId id="296" r:id="rId55"/>
-    <p:sldId id="297" r:id="rId56"/>
-    <p:sldId id="305" r:id="rId57"/>
+    <p:sldId id="315" r:id="rId23"/>
+    <p:sldId id="320" r:id="rId24"/>
+    <p:sldId id="300" r:id="rId25"/>
+    <p:sldId id="324" r:id="rId26"/>
+    <p:sldId id="325" r:id="rId27"/>
+    <p:sldId id="322" r:id="rId28"/>
+    <p:sldId id="323" r:id="rId29"/>
+    <p:sldId id="326" r:id="rId30"/>
+    <p:sldId id="327" r:id="rId31"/>
+    <p:sldId id="328" r:id="rId32"/>
+    <p:sldId id="329" r:id="rId33"/>
+    <p:sldId id="330" r:id="rId34"/>
+    <p:sldId id="312" r:id="rId35"/>
+    <p:sldId id="318" r:id="rId36"/>
+    <p:sldId id="317" r:id="rId37"/>
+    <p:sldId id="287" r:id="rId38"/>
+    <p:sldId id="321" r:id="rId39"/>
+    <p:sldId id="274" r:id="rId40"/>
+    <p:sldId id="278" r:id="rId41"/>
+    <p:sldId id="264" r:id="rId42"/>
+    <p:sldId id="284" r:id="rId43"/>
+    <p:sldId id="285" r:id="rId44"/>
+    <p:sldId id="281" r:id="rId45"/>
+    <p:sldId id="269" r:id="rId46"/>
+    <p:sldId id="263" r:id="rId47"/>
+    <p:sldId id="283" r:id="rId48"/>
+    <p:sldId id="276" r:id="rId49"/>
+    <p:sldId id="277" r:id="rId50"/>
+    <p:sldId id="273" r:id="rId51"/>
+    <p:sldId id="275" r:id="rId52"/>
+    <p:sldId id="295" r:id="rId53"/>
+    <p:sldId id="296" r:id="rId54"/>
+    <p:sldId id="297" r:id="rId55"/>
+    <p:sldId id="305" r:id="rId56"/>
+    <p:sldId id="304" r:id="rId57"/>
+    <p:sldId id="292" r:id="rId58"/>
+    <p:sldId id="319" r:id="rId59"/>
   </p:sldIdLst>
   <p:sldSz cx="12192000" cy="6858000"/>
   <p:notesSz cx="6858000" cy="9144000"/>
@@ -252,7 +254,7 @@
           <a:p>
             <a:fld id="{34006138-FD90-411C-97C8-B6BD58717ED6}" type="datetimeFigureOut">
               <a:rPr lang="en-CA" smtClean="0"/>
-              <a:t>2022-04-10</a:t>
+              <a:t>2022-04-11</a:t>
             </a:fld>
             <a:endParaRPr lang="en-CA"/>
           </a:p>
@@ -607,267 +609,6 @@
 </p:notes>
 </file>
 
-<file path=ppt/notesSlides/notesSlide10.xml><?xml version="1.0" encoding="utf-8"?>
-<p:notes xmlns:a="http://schemas.openxmlformats.org/drawingml/2006/main" xmlns:r="http://schemas.openxmlformats.org/officeDocument/2006/relationships" xmlns:p="http://schemas.openxmlformats.org/presentationml/2006/main">
-  <p:cSld>
-    <p:spTree>
-      <p:nvGrpSpPr>
-        <p:cNvPr id="1" name=""/>
-        <p:cNvGrpSpPr/>
-        <p:nvPr/>
-      </p:nvGrpSpPr>
-      <p:grpSpPr>
-        <a:xfrm>
-          <a:off x="0" y="0"/>
-          <a:ext cx="0" cy="0"/>
-          <a:chOff x="0" y="0"/>
-          <a:chExt cx="0" cy="0"/>
-        </a:xfrm>
-      </p:grpSpPr>
-      <p:sp>
-        <p:nvSpPr>
-          <p:cNvPr id="2" name="Slide Image Placeholder 1"/>
-          <p:cNvSpPr>
-            <a:spLocks noGrp="1" noRot="1" noChangeAspect="1"/>
-          </p:cNvSpPr>
-          <p:nvPr>
-            <p:ph type="sldImg"/>
-          </p:nvPr>
-        </p:nvSpPr>
-        <p:spPr/>
-      </p:sp>
-      <p:sp>
-        <p:nvSpPr>
-          <p:cNvPr id="3" name="Notes Placeholder 2"/>
-          <p:cNvSpPr>
-            <a:spLocks noGrp="1"/>
-          </p:cNvSpPr>
-          <p:nvPr>
-            <p:ph type="body" idx="1"/>
-          </p:nvPr>
-        </p:nvSpPr>
-        <p:spPr/>
-        <p:txBody>
-          <a:bodyPr/>
-          <a:lstStyle/>
-          <a:p>
-            <a:r>
-              <a:rPr lang="en-CA" dirty="0"/>
-              <a:t>E.g. “Not new”, “Awful new”, “Terrible new”  - So likely reflecting a dislike of a changed feature</a:t>
-            </a:r>
-          </a:p>
-        </p:txBody>
-      </p:sp>
-      <p:sp>
-        <p:nvSpPr>
-          <p:cNvPr id="4" name="Slide Number Placeholder 3"/>
-          <p:cNvSpPr>
-            <a:spLocks noGrp="1"/>
-          </p:cNvSpPr>
-          <p:nvPr>
-            <p:ph type="sldNum" sz="quarter" idx="5"/>
-          </p:nvPr>
-        </p:nvSpPr>
-        <p:spPr/>
-        <p:txBody>
-          <a:bodyPr/>
-          <a:lstStyle/>
-          <a:p>
-            <a:fld id="{B3E64CFB-5C4E-48C0-A566-5BA5A8BD4DE2}" type="slidenum">
-              <a:rPr lang="en-CA" smtClean="0"/>
-              <a:t>33</a:t>
-            </a:fld>
-            <a:endParaRPr lang="en-CA"/>
-          </a:p>
-        </p:txBody>
-      </p:sp>
-    </p:spTree>
-    <p:extLst>
-      <p:ext uri="{BB962C8B-B14F-4D97-AF65-F5344CB8AC3E}">
-        <p14:creationId xmlns:p14="http://schemas.microsoft.com/office/powerpoint/2010/main" val="3014217921"/>
-      </p:ext>
-    </p:extLst>
-  </p:cSld>
-  <p:clrMapOvr>
-    <a:masterClrMapping/>
-  </p:clrMapOvr>
-</p:notes>
-</file>
-
-<file path=ppt/notesSlides/notesSlide11.xml><?xml version="1.0" encoding="utf-8"?>
-<p:notes xmlns:a="http://schemas.openxmlformats.org/drawingml/2006/main" xmlns:r="http://schemas.openxmlformats.org/officeDocument/2006/relationships" xmlns:p="http://schemas.openxmlformats.org/presentationml/2006/main">
-  <p:cSld>
-    <p:spTree>
-      <p:nvGrpSpPr>
-        <p:cNvPr id="1" name=""/>
-        <p:cNvGrpSpPr/>
-        <p:nvPr/>
-      </p:nvGrpSpPr>
-      <p:grpSpPr>
-        <a:xfrm>
-          <a:off x="0" y="0"/>
-          <a:ext cx="0" cy="0"/>
-          <a:chOff x="0" y="0"/>
-          <a:chExt cx="0" cy="0"/>
-        </a:xfrm>
-      </p:grpSpPr>
-      <p:sp>
-        <p:nvSpPr>
-          <p:cNvPr id="2" name="Slide Image Placeholder 1"/>
-          <p:cNvSpPr>
-            <a:spLocks noGrp="1" noRot="1" noChangeAspect="1"/>
-          </p:cNvSpPr>
-          <p:nvPr>
-            <p:ph type="sldImg"/>
-          </p:nvPr>
-        </p:nvSpPr>
-        <p:spPr/>
-      </p:sp>
-      <p:sp>
-        <p:nvSpPr>
-          <p:cNvPr id="3" name="Notes Placeholder 2"/>
-          <p:cNvSpPr>
-            <a:spLocks noGrp="1"/>
-          </p:cNvSpPr>
-          <p:nvPr>
-            <p:ph type="body" idx="1"/>
-          </p:nvPr>
-        </p:nvSpPr>
-        <p:spPr/>
-        <p:txBody>
-          <a:bodyPr/>
-          <a:lstStyle/>
-          <a:p>
-            <a:r>
-              <a:rPr lang="en-CA" dirty="0"/>
-              <a:t>Min value: RI with 16 hotels, max Texas with 218</a:t>
-            </a:r>
-          </a:p>
-        </p:txBody>
-      </p:sp>
-      <p:sp>
-        <p:nvSpPr>
-          <p:cNvPr id="4" name="Slide Number Placeholder 3"/>
-          <p:cNvSpPr>
-            <a:spLocks noGrp="1"/>
-          </p:cNvSpPr>
-          <p:nvPr>
-            <p:ph type="sldNum" sz="quarter" idx="5"/>
-          </p:nvPr>
-        </p:nvSpPr>
-        <p:spPr/>
-        <p:txBody>
-          <a:bodyPr/>
-          <a:lstStyle/>
-          <a:p>
-            <a:fld id="{B3E64CFB-5C4E-48C0-A566-5BA5A8BD4DE2}" type="slidenum">
-              <a:rPr lang="en-CA" smtClean="0"/>
-              <a:t>47</a:t>
-            </a:fld>
-            <a:endParaRPr lang="en-CA"/>
-          </a:p>
-        </p:txBody>
-      </p:sp>
-    </p:spTree>
-    <p:extLst>
-      <p:ext uri="{BB962C8B-B14F-4D97-AF65-F5344CB8AC3E}">
-        <p14:creationId xmlns:p14="http://schemas.microsoft.com/office/powerpoint/2010/main" val="3065207321"/>
-      </p:ext>
-    </p:extLst>
-  </p:cSld>
-  <p:clrMapOvr>
-    <a:masterClrMapping/>
-  </p:clrMapOvr>
-</p:notes>
-</file>
-
-<file path=ppt/notesSlides/notesSlide12.xml><?xml version="1.0" encoding="utf-8"?>
-<p:notes xmlns:a="http://schemas.openxmlformats.org/drawingml/2006/main" xmlns:r="http://schemas.openxmlformats.org/officeDocument/2006/relationships" xmlns:p="http://schemas.openxmlformats.org/presentationml/2006/main">
-  <p:cSld>
-    <p:spTree>
-      <p:nvGrpSpPr>
-        <p:cNvPr id="1" name=""/>
-        <p:cNvGrpSpPr/>
-        <p:nvPr/>
-      </p:nvGrpSpPr>
-      <p:grpSpPr>
-        <a:xfrm>
-          <a:off x="0" y="0"/>
-          <a:ext cx="0" cy="0"/>
-          <a:chOff x="0" y="0"/>
-          <a:chExt cx="0" cy="0"/>
-        </a:xfrm>
-      </p:grpSpPr>
-      <p:sp>
-        <p:nvSpPr>
-          <p:cNvPr id="2" name="Slide Image Placeholder 1"/>
-          <p:cNvSpPr>
-            <a:spLocks noGrp="1" noRot="1" noChangeAspect="1"/>
-          </p:cNvSpPr>
-          <p:nvPr>
-            <p:ph type="sldImg"/>
-          </p:nvPr>
-        </p:nvSpPr>
-        <p:spPr/>
-      </p:sp>
-      <p:sp>
-        <p:nvSpPr>
-          <p:cNvPr id="3" name="Notes Placeholder 2"/>
-          <p:cNvSpPr>
-            <a:spLocks noGrp="1"/>
-          </p:cNvSpPr>
-          <p:nvPr>
-            <p:ph type="body" idx="1"/>
-          </p:nvPr>
-        </p:nvSpPr>
-        <p:spPr/>
-        <p:txBody>
-          <a:bodyPr/>
-          <a:lstStyle/>
-          <a:p>
-            <a:r>
-              <a:rPr lang="en-CA" dirty="0"/>
-              <a:t>Note: for Bad, Dirty is #19.</a:t>
-            </a:r>
-          </a:p>
-        </p:txBody>
-      </p:sp>
-      <p:sp>
-        <p:nvSpPr>
-          <p:cNvPr id="4" name="Slide Number Placeholder 3"/>
-          <p:cNvSpPr>
-            <a:spLocks noGrp="1"/>
-          </p:cNvSpPr>
-          <p:nvPr>
-            <p:ph type="sldNum" sz="quarter" idx="5"/>
-          </p:nvPr>
-        </p:nvSpPr>
-        <p:spPr/>
-        <p:txBody>
-          <a:bodyPr/>
-          <a:lstStyle/>
-          <a:p>
-            <a:fld id="{B3E64CFB-5C4E-48C0-A566-5BA5A8BD4DE2}" type="slidenum">
-              <a:rPr lang="en-CA" smtClean="0"/>
-              <a:t>54</a:t>
-            </a:fld>
-            <a:endParaRPr lang="en-CA"/>
-          </a:p>
-        </p:txBody>
-      </p:sp>
-    </p:spTree>
-    <p:extLst>
-      <p:ext uri="{BB962C8B-B14F-4D97-AF65-F5344CB8AC3E}">
-        <p14:creationId xmlns:p14="http://schemas.microsoft.com/office/powerpoint/2010/main" val="2636305845"/>
-      </p:ext>
-    </p:extLst>
-  </p:cSld>
-  <p:clrMapOvr>
-    <a:masterClrMapping/>
-  </p:clrMapOvr>
-</p:notes>
-</file>
-
 <file path=ppt/notesSlides/notesSlide2.xml><?xml version="1.0" encoding="utf-8"?>
 <p:notes xmlns:a="http://schemas.openxmlformats.org/drawingml/2006/main" xmlns:r="http://schemas.openxmlformats.org/officeDocument/2006/relationships" xmlns:p="http://schemas.openxmlformats.org/presentationml/2006/main">
   <p:cSld>
@@ -1217,7 +958,7 @@
           <a:p>
             <a:fld id="{B3E64CFB-5C4E-48C0-A566-5BA5A8BD4DE2}" type="slidenum">
               <a:rPr lang="en-CA" smtClean="0"/>
-              <a:t>25</a:t>
+              <a:t>23</a:t>
             </a:fld>
             <a:endParaRPr lang="en-CA"/>
           </a:p>
@@ -1226,7 +967,7 @@
     </p:spTree>
     <p:extLst>
       <p:ext uri="{BB962C8B-B14F-4D97-AF65-F5344CB8AC3E}">
-        <p14:creationId xmlns:p14="http://schemas.microsoft.com/office/powerpoint/2010/main" val="2633322321"/>
+        <p14:creationId xmlns:p14="http://schemas.microsoft.com/office/powerpoint/2010/main" val="1143827476"/>
       </p:ext>
     </p:extLst>
   </p:cSld>
@@ -1282,7 +1023,7 @@
           <a:p>
             <a:r>
               <a:rPr lang="en-CA" dirty="0"/>
-              <a:t>Part of what makes the results very similar, and the ensemble less effective than expected is that they often made errors on the same test cases. These were often reviews that had discordant review ratings and text, or ones with edits that change the rating dramatically, but are short in length. </a:t>
+              <a:t>Min value: RI with 16 hotels, max Texas with 218</a:t>
             </a:r>
           </a:p>
         </p:txBody>
@@ -1304,7 +1045,7 @@
           <a:p>
             <a:fld id="{B3E64CFB-5C4E-48C0-A566-5BA5A8BD4DE2}" type="slidenum">
               <a:rPr lang="en-CA" smtClean="0"/>
-              <a:t>26</a:t>
+              <a:t>46</a:t>
             </a:fld>
             <a:endParaRPr lang="en-CA"/>
           </a:p>
@@ -1313,7 +1054,7 @@
     </p:spTree>
     <p:extLst>
       <p:ext uri="{BB962C8B-B14F-4D97-AF65-F5344CB8AC3E}">
-        <p14:creationId xmlns:p14="http://schemas.microsoft.com/office/powerpoint/2010/main" val="1143827476"/>
+        <p14:creationId xmlns:p14="http://schemas.microsoft.com/office/powerpoint/2010/main" val="3065207321"/>
       </p:ext>
     </p:extLst>
   </p:cSld>
@@ -1369,7 +1110,7 @@
           <a:p>
             <a:r>
               <a:rPr lang="en-CA" dirty="0"/>
-              <a:t>Part of what makes the results very similar, and the ensemble less effective than expected is that they often made errors on the same test cases. These were often reviews that had discordant review ratings and text, or ones with edits that change the rating dramatically, but are short in length. </a:t>
+              <a:t>Note: for Bad, Dirty is #19.</a:t>
             </a:r>
           </a:p>
         </p:txBody>
@@ -1391,7 +1132,7 @@
           <a:p>
             <a:fld id="{B3E64CFB-5C4E-48C0-A566-5BA5A8BD4DE2}" type="slidenum">
               <a:rPr lang="en-CA" smtClean="0"/>
-              <a:t>27</a:t>
+              <a:t>53</a:t>
             </a:fld>
             <a:endParaRPr lang="en-CA"/>
           </a:p>
@@ -1400,7 +1141,7 @@
     </p:spTree>
     <p:extLst>
       <p:ext uri="{BB962C8B-B14F-4D97-AF65-F5344CB8AC3E}">
-        <p14:creationId xmlns:p14="http://schemas.microsoft.com/office/powerpoint/2010/main" val="3484928280"/>
+        <p14:creationId xmlns:p14="http://schemas.microsoft.com/office/powerpoint/2010/main" val="2636305845"/>
       </p:ext>
     </p:extLst>
   </p:cSld>
@@ -1456,7 +1197,7 @@
           <a:p>
             <a:r>
               <a:rPr lang="en-CA" dirty="0"/>
-              <a:t>No text, only dots</a:t>
+              <a:t>Part of what makes the results very similar, and the ensemble less effective than expected is that they often made errors on the same test cases. These were often reviews that had discordant review ratings and text, or ones with edits that change the rating dramatically, but are short in length. </a:t>
             </a:r>
           </a:p>
         </p:txBody>
@@ -1478,7 +1219,7 @@
           <a:p>
             <a:fld id="{B3E64CFB-5C4E-48C0-A566-5BA5A8BD4DE2}" type="slidenum">
               <a:rPr lang="en-CA" smtClean="0"/>
-              <a:t>29</a:t>
+              <a:t>57</a:t>
             </a:fld>
             <a:endParaRPr lang="en-CA"/>
           </a:p>
@@ -1487,7 +1228,7 @@
     </p:spTree>
     <p:extLst>
       <p:ext uri="{BB962C8B-B14F-4D97-AF65-F5344CB8AC3E}">
-        <p14:creationId xmlns:p14="http://schemas.microsoft.com/office/powerpoint/2010/main" val="1433164820"/>
+        <p14:creationId xmlns:p14="http://schemas.microsoft.com/office/powerpoint/2010/main" val="2633322321"/>
       </p:ext>
     </p:extLst>
   </p:cSld>
@@ -1543,21 +1284,7 @@
           <a:p>
             <a:r>
               <a:rPr lang="en-CA" dirty="0"/>
-              <a:t>Make size of dot </a:t>
-            </a:r>
-            <a:r>
-              <a:rPr lang="en-CA" dirty="0" err="1"/>
-              <a:t>tfidf</a:t>
-            </a:r>
-            <a:r>
-              <a:rPr lang="en-CA" dirty="0"/>
-              <a:t> importance</a:t>
-            </a:r>
-          </a:p>
-          <a:p>
-            <a:r>
-              <a:rPr lang="en-CA" dirty="0"/>
-              <a:t>Maybe less dots</a:t>
+              <a:t>Part of what makes the results very similar, and the ensemble less effective than expected is that they often made errors on the same test cases. These were often reviews that had discordant review ratings and text, or ones with edits that change the rating dramatically, but are short in length. </a:t>
             </a:r>
           </a:p>
         </p:txBody>
@@ -1579,7 +1306,7 @@
           <a:p>
             <a:fld id="{B3E64CFB-5C4E-48C0-A566-5BA5A8BD4DE2}" type="slidenum">
               <a:rPr lang="en-CA" smtClean="0"/>
-              <a:t>30</a:t>
+              <a:t>58</a:t>
             </a:fld>
             <a:endParaRPr lang="en-CA"/>
           </a:p>
@@ -1588,7 +1315,7 @@
     </p:spTree>
     <p:extLst>
       <p:ext uri="{BB962C8B-B14F-4D97-AF65-F5344CB8AC3E}">
-        <p14:creationId xmlns:p14="http://schemas.microsoft.com/office/powerpoint/2010/main" val="2135750160"/>
+        <p14:creationId xmlns:p14="http://schemas.microsoft.com/office/powerpoint/2010/main" val="3484928280"/>
       </p:ext>
     </p:extLst>
   </p:cSld>
@@ -2071,7 +1798,7 @@
           <a:p>
             <a:fld id="{BD75A58E-DA16-45F6-88E4-DFEBDA6A48D5}" type="datetimeFigureOut">
               <a:rPr lang="en-CA" smtClean="0"/>
-              <a:t>2022-04-10</a:t>
+              <a:t>2022-04-11</a:t>
             </a:fld>
             <a:endParaRPr lang="en-CA"/>
           </a:p>
@@ -2273,7 +2000,7 @@
           <a:p>
             <a:fld id="{BD75A58E-DA16-45F6-88E4-DFEBDA6A48D5}" type="datetimeFigureOut">
               <a:rPr lang="en-CA" smtClean="0"/>
-              <a:t>2022-04-10</a:t>
+              <a:t>2022-04-11</a:t>
             </a:fld>
             <a:endParaRPr lang="en-CA"/>
           </a:p>
@@ -2453,7 +2180,7 @@
           <a:p>
             <a:fld id="{BD75A58E-DA16-45F6-88E4-DFEBDA6A48D5}" type="datetimeFigureOut">
               <a:rPr lang="en-CA" smtClean="0"/>
-              <a:t>2022-04-10</a:t>
+              <a:t>2022-04-11</a:t>
             </a:fld>
             <a:endParaRPr lang="en-CA"/>
           </a:p>
@@ -2623,7 +2350,7 @@
           <a:p>
             <a:fld id="{BD75A58E-DA16-45F6-88E4-DFEBDA6A48D5}" type="datetimeFigureOut">
               <a:rPr lang="en-CA" smtClean="0"/>
-              <a:t>2022-04-10</a:t>
+              <a:t>2022-04-11</a:t>
             </a:fld>
             <a:endParaRPr lang="en-CA"/>
           </a:p>
@@ -3203,7 +2930,7 @@
           <a:p>
             <a:fld id="{BD75A58E-DA16-45F6-88E4-DFEBDA6A48D5}" type="datetimeFigureOut">
               <a:rPr lang="en-CA" smtClean="0"/>
-              <a:t>2022-04-10</a:t>
+              <a:t>2022-04-11</a:t>
             </a:fld>
             <a:endParaRPr lang="en-CA"/>
           </a:p>
@@ -3505,7 +3232,7 @@
           <a:p>
             <a:fld id="{BD75A58E-DA16-45F6-88E4-DFEBDA6A48D5}" type="datetimeFigureOut">
               <a:rPr lang="en-CA" smtClean="0"/>
-              <a:t>2022-04-10</a:t>
+              <a:t>2022-04-11</a:t>
             </a:fld>
             <a:endParaRPr lang="en-CA"/>
           </a:p>
@@ -3942,7 +3669,7 @@
           <a:p>
             <a:fld id="{BD75A58E-DA16-45F6-88E4-DFEBDA6A48D5}" type="datetimeFigureOut">
               <a:rPr lang="en-CA" smtClean="0"/>
-              <a:t>2022-04-10</a:t>
+              <a:t>2022-04-11</a:t>
             </a:fld>
             <a:endParaRPr lang="en-CA"/>
           </a:p>
@@ -4060,7 +3787,7 @@
           <a:p>
             <a:fld id="{BD75A58E-DA16-45F6-88E4-DFEBDA6A48D5}" type="datetimeFigureOut">
               <a:rPr lang="en-CA" smtClean="0"/>
-              <a:t>2022-04-10</a:t>
+              <a:t>2022-04-11</a:t>
             </a:fld>
             <a:endParaRPr lang="en-CA"/>
           </a:p>
@@ -4155,7 +3882,7 @@
           <a:p>
             <a:fld id="{BD75A58E-DA16-45F6-88E4-DFEBDA6A48D5}" type="datetimeFigureOut">
               <a:rPr lang="en-CA" smtClean="0"/>
-              <a:t>2022-04-10</a:t>
+              <a:t>2022-04-11</a:t>
             </a:fld>
             <a:endParaRPr lang="en-CA"/>
           </a:p>
@@ -4499,7 +4226,7 @@
           <a:p>
             <a:fld id="{BD75A58E-DA16-45F6-88E4-DFEBDA6A48D5}" type="datetimeFigureOut">
               <a:rPr lang="en-CA" smtClean="0"/>
-              <a:t>2022-04-10</a:t>
+              <a:t>2022-04-11</a:t>
             </a:fld>
             <a:endParaRPr lang="en-CA"/>
           </a:p>
@@ -4888,7 +4615,7 @@
           <a:p>
             <a:fld id="{BD75A58E-DA16-45F6-88E4-DFEBDA6A48D5}" type="datetimeFigureOut">
               <a:rPr lang="en-CA" smtClean="0"/>
-              <a:t>2022-04-10</a:t>
+              <a:t>2022-04-11</a:t>
             </a:fld>
             <a:endParaRPr lang="en-CA"/>
           </a:p>
@@ -5196,7 +4923,7 @@
           <a:p>
             <a:fld id="{BD75A58E-DA16-45F6-88E4-DFEBDA6A48D5}" type="datetimeFigureOut">
               <a:rPr lang="en-CA" smtClean="0"/>
-              <a:t>2022-04-10</a:t>
+              <a:t>2022-04-11</a:t>
             </a:fld>
             <a:endParaRPr lang="en-CA"/>
           </a:p>
@@ -5965,14 +5692,9 @@
             </a:r>
           </a:p>
           <a:p>
-            <a:pPr lvl="2"/>
-            <a:r>
-              <a:rPr lang="en-CA" sz="1600" dirty="0"/>
-              <a:t>Used 60/20/20 train/test/validation split</a:t>
-            </a:r>
-          </a:p>
-          <a:p>
-            <a:pPr lvl="1"/>
+            <a:pPr marL="274320" lvl="1" indent="0">
+              <a:buNone/>
+            </a:pPr>
             <a:endParaRPr lang="en-CA" dirty="0"/>
           </a:p>
         </p:txBody>
@@ -6064,167 +5786,99 @@
           <a:lstStyle/>
           <a:p>
             <a:r>
-              <a:rPr lang="en-CA" b="1" dirty="0">
-                <a:solidFill>
-                  <a:srgbClr val="0070C0"/>
-                </a:solidFill>
-              </a:rPr>
+              <a:rPr lang="en-CA" b="1" dirty="0"/>
               <a:t>ELECTRA</a:t>
             </a:r>
           </a:p>
           <a:p>
             <a:pPr lvl="1"/>
             <a:r>
-              <a:rPr lang="en-CA" dirty="0">
-                <a:solidFill>
-                  <a:srgbClr val="0070C0"/>
-                </a:solidFill>
-              </a:rPr>
+              <a:rPr lang="en-CA" dirty="0"/>
               <a:t>Very lightweight model (110M parameters)</a:t>
             </a:r>
           </a:p>
           <a:p>
             <a:pPr lvl="1"/>
             <a:r>
-              <a:rPr lang="en-CA" dirty="0">
-                <a:solidFill>
-                  <a:srgbClr val="0070C0"/>
-                </a:solidFill>
-              </a:rPr>
+              <a:rPr lang="en-CA" dirty="0"/>
               <a:t>Uses replaced token detection, similar to a GAN network, rather than missing tokens</a:t>
             </a:r>
           </a:p>
           <a:p>
             <a:pPr lvl="1"/>
             <a:r>
-              <a:rPr lang="en-CA" dirty="0">
-                <a:solidFill>
-                  <a:srgbClr val="0070C0"/>
-                </a:solidFill>
-              </a:rPr>
+              <a:rPr lang="en-CA" dirty="0"/>
               <a:t>Performance exceeds human baselines (rank 21)</a:t>
             </a:r>
           </a:p>
           <a:p>
             <a:r>
-              <a:rPr lang="en-CA" b="1" dirty="0">
-                <a:solidFill>
-                  <a:srgbClr val="0070C0"/>
-                </a:solidFill>
-              </a:rPr>
+              <a:rPr lang="en-CA" b="1" dirty="0"/>
               <a:t>ERNIE 2.0 </a:t>
             </a:r>
           </a:p>
           <a:p>
             <a:pPr lvl="1"/>
             <a:r>
-              <a:rPr lang="en-CA" dirty="0">
-                <a:solidFill>
-                  <a:srgbClr val="0070C0"/>
-                </a:solidFill>
-              </a:rPr>
+              <a:rPr lang="en-CA" dirty="0"/>
               <a:t>3</a:t>
             </a:r>
             <a:r>
-              <a:rPr lang="en-CA" baseline="30000" dirty="0">
-                <a:solidFill>
-                  <a:srgbClr val="0070C0"/>
-                </a:solidFill>
-              </a:rPr>
+              <a:rPr lang="en-CA" baseline="30000" dirty="0"/>
               <a:t>rd</a:t>
             </a:r>
             <a:r>
-              <a:rPr lang="en-CA" dirty="0">
-                <a:solidFill>
-                  <a:srgbClr val="0070C0"/>
-                </a:solidFill>
-              </a:rPr>
+              <a:rPr lang="en-CA" dirty="0"/>
               <a:t> ranked on the leaderboard</a:t>
             </a:r>
           </a:p>
           <a:p>
             <a:pPr lvl="1"/>
             <a:r>
-              <a:rPr lang="en-CA" dirty="0">
-                <a:solidFill>
-                  <a:srgbClr val="0070C0"/>
-                </a:solidFill>
-              </a:rPr>
-              <a:t>Much larger model than Electra (100M parameters)</a:t>
+              <a:rPr lang="en-CA" dirty="0"/>
+              <a:t>Much larger model than Electra (340M parameters)</a:t>
             </a:r>
           </a:p>
           <a:p>
             <a:pPr lvl="1"/>
             <a:r>
-              <a:rPr lang="en-CA" dirty="0">
-                <a:solidFill>
-                  <a:srgbClr val="0070C0"/>
-                </a:solidFill>
-              </a:rPr>
+              <a:rPr lang="en-CA" dirty="0"/>
               <a:t>Available as a transformer model</a:t>
             </a:r>
           </a:p>
           <a:p>
             <a:r>
-              <a:rPr lang="en-CA" b="1" dirty="0" err="1">
-                <a:solidFill>
-                  <a:srgbClr val="0070C0"/>
-                </a:solidFill>
-              </a:rPr>
+              <a:rPr lang="en-CA" b="1" dirty="0" err="1"/>
               <a:t>DeBERTa</a:t>
             </a:r>
-            <a:endParaRPr lang="en-CA" b="1" dirty="0">
-              <a:solidFill>
-                <a:srgbClr val="0070C0"/>
-              </a:solidFill>
-            </a:endParaRPr>
+            <a:endParaRPr lang="en-CA" b="1" dirty="0"/>
           </a:p>
           <a:p>
             <a:pPr lvl="1"/>
             <a:r>
-              <a:rPr lang="en-CA" sz="1500" dirty="0">
-                <a:solidFill>
-                  <a:srgbClr val="0070C0"/>
-                </a:solidFill>
-              </a:rPr>
+              <a:rPr lang="en-CA" sz="1500" dirty="0"/>
               <a:t>4</a:t>
             </a:r>
             <a:r>
-              <a:rPr lang="en-CA" baseline="30000" dirty="0">
-                <a:solidFill>
-                  <a:srgbClr val="0070C0"/>
-                </a:solidFill>
-              </a:rPr>
+              <a:rPr lang="en-CA" baseline="30000" dirty="0"/>
               <a:t>th</a:t>
             </a:r>
             <a:r>
-              <a:rPr lang="en-CA" dirty="0">
-                <a:solidFill>
-                  <a:srgbClr val="0070C0"/>
-                </a:solidFill>
-              </a:rPr>
+              <a:rPr lang="en-CA" dirty="0"/>
               <a:t> ranked on the leaderboard (1.5B parameters)</a:t>
             </a:r>
           </a:p>
           <a:p>
             <a:pPr lvl="1"/>
             <a:r>
-              <a:rPr lang="en-CA" dirty="0">
-                <a:solidFill>
-                  <a:srgbClr val="0070C0"/>
-                </a:solidFill>
-              </a:rPr>
+              <a:rPr lang="en-CA" dirty="0"/>
               <a:t>BERT-based model – different base framework than ERNIE</a:t>
             </a:r>
           </a:p>
           <a:p>
             <a:pPr lvl="1"/>
             <a:r>
-              <a:rPr lang="en-CA" dirty="0">
-                <a:solidFill>
-                  <a:srgbClr val="0070C0"/>
-                </a:solidFill>
-              </a:rPr>
+              <a:rPr lang="en-CA" dirty="0"/>
               <a:t>Available as a transformer model</a:t>
             </a:r>
           </a:p>
@@ -6615,162 +6269,6 @@
           </a:p>
         </p:txBody>
       </p:sp>
-      <p:sp>
-        <p:nvSpPr>
-          <p:cNvPr id="3" name="Rectangle 2">
-            <a:extLst>
-              <a:ext uri="{FF2B5EF4-FFF2-40B4-BE49-F238E27FC236}">
-                <a16:creationId xmlns:a16="http://schemas.microsoft.com/office/drawing/2014/main" id="{ABEE7526-D15B-4D1A-9E89-15D5C3D1F755}"/>
-              </a:ext>
-            </a:extLst>
-          </p:cNvPr>
-          <p:cNvSpPr/>
-          <p:nvPr/>
-        </p:nvSpPr>
-        <p:spPr>
-          <a:xfrm>
-            <a:off x="2879002" y="3419947"/>
-            <a:ext cx="669956" cy="219547"/>
-          </a:xfrm>
-          <a:prstGeom prst="rect">
-            <a:avLst/>
-          </a:prstGeom>
-          <a:noFill/>
-          <a:ln w="38100">
-            <a:solidFill>
-              <a:srgbClr val="0070C0"/>
-            </a:solidFill>
-          </a:ln>
-        </p:spPr>
-        <p:style>
-          <a:lnRef idx="2">
-            <a:schemeClr val="accent1">
-              <a:shade val="50000"/>
-            </a:schemeClr>
-          </a:lnRef>
-          <a:fillRef idx="1">
-            <a:schemeClr val="accent1"/>
-          </a:fillRef>
-          <a:effectRef idx="0">
-            <a:schemeClr val="accent1"/>
-          </a:effectRef>
-          <a:fontRef idx="minor">
-            <a:schemeClr val="lt1"/>
-          </a:fontRef>
-        </p:style>
-        <p:txBody>
-          <a:bodyPr rtlCol="0" anchor="ctr"/>
-          <a:lstStyle/>
-          <a:p>
-            <a:pPr algn="ctr"/>
-            <a:endParaRPr lang="en-CA"/>
-          </a:p>
-        </p:txBody>
-      </p:sp>
-      <p:sp>
-        <p:nvSpPr>
-          <p:cNvPr id="9" name="Rectangle 8">
-            <a:extLst>
-              <a:ext uri="{FF2B5EF4-FFF2-40B4-BE49-F238E27FC236}">
-                <a16:creationId xmlns:a16="http://schemas.microsoft.com/office/drawing/2014/main" id="{13CD6311-FA50-4428-9741-9D263020BC01}"/>
-              </a:ext>
-            </a:extLst>
-          </p:cNvPr>
-          <p:cNvSpPr/>
-          <p:nvPr/>
-        </p:nvSpPr>
-        <p:spPr>
-          <a:xfrm>
-            <a:off x="2879002" y="3747124"/>
-            <a:ext cx="1267485" cy="219547"/>
-          </a:xfrm>
-          <a:prstGeom prst="rect">
-            <a:avLst/>
-          </a:prstGeom>
-          <a:noFill/>
-          <a:ln w="38100">
-            <a:solidFill>
-              <a:srgbClr val="0070C0"/>
-            </a:solidFill>
-          </a:ln>
-        </p:spPr>
-        <p:style>
-          <a:lnRef idx="2">
-            <a:schemeClr val="accent1">
-              <a:shade val="50000"/>
-            </a:schemeClr>
-          </a:lnRef>
-          <a:fillRef idx="1">
-            <a:schemeClr val="accent1"/>
-          </a:fillRef>
-          <a:effectRef idx="0">
-            <a:schemeClr val="accent1"/>
-          </a:effectRef>
-          <a:fontRef idx="minor">
-            <a:schemeClr val="lt1"/>
-          </a:fontRef>
-        </p:style>
-        <p:txBody>
-          <a:bodyPr rtlCol="0" anchor="ctr"/>
-          <a:lstStyle/>
-          <a:p>
-            <a:pPr algn="ctr"/>
-            <a:endParaRPr lang="en-CA"/>
-          </a:p>
-        </p:txBody>
-      </p:sp>
-      <p:sp>
-        <p:nvSpPr>
-          <p:cNvPr id="13" name="Rectangle 12">
-            <a:extLst>
-              <a:ext uri="{FF2B5EF4-FFF2-40B4-BE49-F238E27FC236}">
-                <a16:creationId xmlns:a16="http://schemas.microsoft.com/office/drawing/2014/main" id="{1692D527-826B-4824-9AFA-4E1C8D033F4A}"/>
-              </a:ext>
-            </a:extLst>
-          </p:cNvPr>
-          <p:cNvSpPr/>
-          <p:nvPr/>
-        </p:nvSpPr>
-        <p:spPr>
-          <a:xfrm>
-            <a:off x="2892581" y="5724451"/>
-            <a:ext cx="1797113" cy="219547"/>
-          </a:xfrm>
-          <a:prstGeom prst="rect">
-            <a:avLst/>
-          </a:prstGeom>
-          <a:noFill/>
-          <a:ln w="38100">
-            <a:solidFill>
-              <a:srgbClr val="0070C0"/>
-            </a:solidFill>
-          </a:ln>
-        </p:spPr>
-        <p:style>
-          <a:lnRef idx="2">
-            <a:schemeClr val="accent1">
-              <a:shade val="50000"/>
-            </a:schemeClr>
-          </a:lnRef>
-          <a:fillRef idx="1">
-            <a:schemeClr val="accent1"/>
-          </a:fillRef>
-          <a:effectRef idx="0">
-            <a:schemeClr val="accent1"/>
-          </a:effectRef>
-          <a:fontRef idx="minor">
-            <a:schemeClr val="lt1"/>
-          </a:fontRef>
-        </p:style>
-        <p:txBody>
-          <a:bodyPr rtlCol="0" anchor="ctr"/>
-          <a:lstStyle/>
-          <a:p>
-            <a:pPr algn="ctr"/>
-            <a:endParaRPr lang="en-CA"/>
-          </a:p>
-        </p:txBody>
-      </p:sp>
     </p:spTree>
     <p:extLst>
       <p:ext uri="{BB962C8B-B14F-4D97-AF65-F5344CB8AC3E}">
@@ -6944,7 +6442,7 @@
                   <a:srgbClr val="0070C0"/>
                 </a:solidFill>
               </a:rPr>
-              <a:t>Much larger model than Electra (100M parameters)</a:t>
+              <a:t>Much larger model than Electra (340M parameters)</a:t>
             </a:r>
           </a:p>
           <a:p>
@@ -9312,7 +8810,7 @@
           <a:p>
             <a:r>
               <a:rPr lang="en-CA" dirty="0"/>
-              <a:t>For each feature added, an ELECTRA model was trained and tested on a small sample and compared against a baseline trained on review only.</a:t>
+              <a:t>For each feature added, an ERNIE model was trained and tested on a small sample and compared against a baseline trained on review only.</a:t>
             </a:r>
           </a:p>
           <a:p>
@@ -10866,12 +10364,22 @@
         </p:nvSpPr>
         <p:spPr/>
         <p:txBody>
-          <a:bodyPr/>
+          <a:bodyPr>
+            <a:normAutofit fontScale="90000"/>
+          </a:bodyPr>
           <a:lstStyle/>
           <a:p>
             <a:r>
               <a:rPr lang="en-CA" dirty="0"/>
-              <a:t>Results &amp; Analysis – Feature Extraction</a:t>
+              <a:t>Results &amp; Analysis – </a:t>
+            </a:r>
+            <a:r>
+              <a:rPr lang="en-CA" dirty="0" err="1"/>
+              <a:t>Tfidf</a:t>
+            </a:r>
+            <a:r>
+              <a:rPr lang="en-CA" dirty="0"/>
+              <a:t> Feature Extraction</a:t>
             </a:r>
           </a:p>
         </p:txBody>
@@ -12189,12 +11697,22 @@
         </p:nvSpPr>
         <p:spPr/>
         <p:txBody>
-          <a:bodyPr/>
+          <a:bodyPr>
+            <a:normAutofit fontScale="90000"/>
+          </a:bodyPr>
           <a:lstStyle/>
           <a:p>
             <a:r>
               <a:rPr lang="en-CA" dirty="0"/>
-              <a:t>Results &amp; Analysis – Feature Extraction</a:t>
+              <a:t>Results &amp; Analysis – </a:t>
+            </a:r>
+            <a:r>
+              <a:rPr lang="en-CA" dirty="0" err="1"/>
+              <a:t>Tfidf</a:t>
+            </a:r>
+            <a:r>
+              <a:rPr lang="en-CA" dirty="0"/>
+              <a:t> Feature Extraction</a:t>
             </a:r>
           </a:p>
         </p:txBody>
@@ -13487,6 +13005,10 @@
               <a:rPr lang="en-CA" dirty="0"/>
               <a:t>Results &amp; Analysis – Model Feature Engineering</a:t>
             </a:r>
+            <a:br>
+              <a:rPr lang="en-CA" dirty="0"/>
+            </a:br>
+            <a:endParaRPr lang="en-CA" dirty="0"/>
           </a:p>
         </p:txBody>
       </p:sp>
@@ -13506,1592 +13028,13 @@
             <p:ph idx="1"/>
             <p:extLst>
               <p:ext uri="{D42A27DB-BD31-4B8C-83A1-F6EECF244321}">
-                <p14:modId xmlns:p14="http://schemas.microsoft.com/office/powerpoint/2010/main" val="2862917690"/>
+                <p14:modId xmlns:p14="http://schemas.microsoft.com/office/powerpoint/2010/main" val="1209497685"/>
               </p:ext>
             </p:extLst>
           </p:nvPr>
         </p:nvGraphicFramePr>
         <p:xfrm>
-          <a:off x="1899719" y="2086621"/>
-          <a:ext cx="8392562" cy="3606800"/>
-        </p:xfrm>
-        <a:graphic>
-          <a:graphicData uri="http://schemas.openxmlformats.org/drawingml/2006/table">
-            <a:tbl>
-              <a:tblPr firstRow="1" bandRow="1">
-                <a:tableStyleId>{6E25E649-3F16-4E02-A733-19D2CDBF48F0}</a:tableStyleId>
-              </a:tblPr>
-              <a:tblGrid>
-                <a:gridCol w="4834550">
-                  <a:extLst>
-                    <a:ext uri="{9D8B030D-6E8A-4147-A177-3AD203B41FA5}">
-                      <a16:colId xmlns:a16="http://schemas.microsoft.com/office/drawing/2014/main" val="2857179037"/>
-                    </a:ext>
-                  </a:extLst>
-                </a:gridCol>
-                <a:gridCol w="1774480">
-                  <a:extLst>
-                    <a:ext uri="{9D8B030D-6E8A-4147-A177-3AD203B41FA5}">
-                      <a16:colId xmlns:a16="http://schemas.microsoft.com/office/drawing/2014/main" val="3727384194"/>
-                    </a:ext>
-                  </a:extLst>
-                </a:gridCol>
-                <a:gridCol w="1783532">
-                  <a:extLst>
-                    <a:ext uri="{9D8B030D-6E8A-4147-A177-3AD203B41FA5}">
-                      <a16:colId xmlns:a16="http://schemas.microsoft.com/office/drawing/2014/main" val="4143390719"/>
-                    </a:ext>
-                  </a:extLst>
-                </a:gridCol>
-              </a:tblGrid>
-              <a:tr h="370840">
-                <a:tc>
-                  <a:txBody>
-                    <a:bodyPr/>
-                    <a:lstStyle/>
-                    <a:p>
-                      <a:pPr algn="ctr" fontAlgn="b"/>
-                      <a:r>
-                        <a:rPr lang="en-CA" sz="1800" b="1" u="none" strike="noStrike" kern="1200" dirty="0">
-                          <a:solidFill>
-                            <a:schemeClr val="bg1"/>
-                          </a:solidFill>
-                          <a:effectLst/>
-                          <a:latin typeface="+mn-lt"/>
-                          <a:ea typeface="+mn-ea"/>
-                          <a:cs typeface="+mn-cs"/>
-                        </a:rPr>
-                        <a:t>Features</a:t>
-                      </a:r>
-                    </a:p>
-                  </a:txBody>
-                  <a:tcPr marL="9525" marR="9525" marT="9525" marB="0" anchor="b"/>
-                </a:tc>
-                <a:tc>
-                  <a:txBody>
-                    <a:bodyPr/>
-                    <a:lstStyle/>
-                    <a:p>
-                      <a:pPr algn="ctr" fontAlgn="b"/>
-                      <a:r>
-                        <a:rPr lang="en-CA" sz="1800" dirty="0">
-                          <a:effectLst/>
-                        </a:rPr>
-                        <a:t>Accuracy</a:t>
-                      </a:r>
-                      <a:endParaRPr lang="en-CA" sz="1800" b="1" u="none" strike="noStrike" kern="1200" dirty="0">
-                        <a:solidFill>
-                          <a:schemeClr val="bg1"/>
-                        </a:solidFill>
-                        <a:effectLst/>
-                        <a:latin typeface="+mn-lt"/>
-                        <a:ea typeface="+mn-ea"/>
-                        <a:cs typeface="+mn-cs"/>
-                      </a:endParaRPr>
-                    </a:p>
-                  </a:txBody>
-                  <a:tcPr marL="9525" marR="9525" marT="9525" marB="0" anchor="b"/>
-                </a:tc>
-                <a:tc>
-                  <a:txBody>
-                    <a:bodyPr/>
-                    <a:lstStyle/>
-                    <a:p>
-                      <a:pPr algn="ctr" fontAlgn="b"/>
-                      <a:r>
-                        <a:rPr lang="en-CA" sz="1800" dirty="0">
-                          <a:effectLst/>
-                        </a:rPr>
-                        <a:t>MSE</a:t>
-                      </a:r>
-                      <a:endParaRPr lang="en-CA" sz="1800" b="1" u="none" strike="noStrike" kern="1200" dirty="0">
-                        <a:solidFill>
-                          <a:schemeClr val="bg1"/>
-                        </a:solidFill>
-                        <a:effectLst/>
-                        <a:latin typeface="+mn-lt"/>
-                        <a:ea typeface="+mn-ea"/>
-                        <a:cs typeface="+mn-cs"/>
-                      </a:endParaRPr>
-                    </a:p>
-                  </a:txBody>
-                  <a:tcPr marL="9525" marR="9525" marT="9525" marB="0" anchor="b"/>
-                </a:tc>
-                <a:extLst>
-                  <a:ext uri="{0D108BD9-81ED-4DB2-BD59-A6C34878D82A}">
-                    <a16:rowId xmlns:a16="http://schemas.microsoft.com/office/drawing/2014/main" val="352827595"/>
-                  </a:ext>
-                </a:extLst>
-              </a:tr>
-              <a:tr h="370840">
-                <a:tc>
-                  <a:txBody>
-                    <a:bodyPr/>
-                    <a:lstStyle/>
-                    <a:p>
-                      <a:pPr algn="l"/>
-                      <a:r>
-                        <a:rPr lang="en-CA" sz="1800" b="0" u="none" strike="noStrike" kern="1200" dirty="0">
-                          <a:solidFill>
-                            <a:srgbClr val="000000"/>
-                          </a:solidFill>
-                          <a:effectLst/>
-                          <a:latin typeface="+mn-lt"/>
-                          <a:ea typeface="+mn-ea"/>
-                          <a:cs typeface="+mn-cs"/>
-                        </a:rPr>
-                        <a:t>Predict most frequent rating</a:t>
-                      </a:r>
-                    </a:p>
-                  </a:txBody>
-                  <a:tcPr/>
-                </a:tc>
-                <a:tc>
-                  <a:txBody>
-                    <a:bodyPr/>
-                    <a:lstStyle/>
-                    <a:p>
-                      <a:pPr algn="ctr"/>
-                      <a:r>
-                        <a:rPr lang="en-CA" sz="1800" b="0" u="none" strike="noStrike" kern="1200" dirty="0">
-                          <a:solidFill>
-                            <a:srgbClr val="000000"/>
-                          </a:solidFill>
-                          <a:effectLst/>
-                          <a:latin typeface="+mn-lt"/>
-                          <a:ea typeface="+mn-ea"/>
-                          <a:cs typeface="+mn-cs"/>
-                        </a:rPr>
-                        <a:t>0.4739</a:t>
-                      </a:r>
-                    </a:p>
-                  </a:txBody>
-                  <a:tcPr/>
-                </a:tc>
-                <a:tc>
-                  <a:txBody>
-                    <a:bodyPr/>
-                    <a:lstStyle/>
-                    <a:p>
-                      <a:pPr algn="ctr"/>
-                      <a:r>
-                        <a:rPr lang="en-CA" sz="1800" b="0" u="none" strike="noStrike" kern="1200" dirty="0">
-                          <a:solidFill>
-                            <a:srgbClr val="000000"/>
-                          </a:solidFill>
-                          <a:effectLst/>
-                          <a:latin typeface="+mn-lt"/>
-                          <a:ea typeface="+mn-ea"/>
-                          <a:cs typeface="+mn-cs"/>
-                        </a:rPr>
-                        <a:t>2.467</a:t>
-                      </a:r>
-                    </a:p>
-                  </a:txBody>
-                  <a:tcPr marL="0" marR="0" marT="0" marB="0"/>
-                </a:tc>
-                <a:extLst>
-                  <a:ext uri="{0D108BD9-81ED-4DB2-BD59-A6C34878D82A}">
-                    <a16:rowId xmlns:a16="http://schemas.microsoft.com/office/drawing/2014/main" val="392404504"/>
-                  </a:ext>
-                </a:extLst>
-              </a:tr>
-              <a:tr h="370840">
-                <a:tc>
-                  <a:txBody>
-                    <a:bodyPr/>
-                    <a:lstStyle/>
-                    <a:p>
-                      <a:pPr algn="l"/>
-                      <a:r>
-                        <a:rPr lang="en-CA" sz="1800" b="0" u="none" strike="noStrike" kern="1200" dirty="0">
-                          <a:solidFill>
-                            <a:srgbClr val="000000"/>
-                          </a:solidFill>
-                          <a:effectLst/>
-                          <a:latin typeface="+mn-lt"/>
-                          <a:ea typeface="+mn-ea"/>
-                          <a:cs typeface="+mn-cs"/>
-                        </a:rPr>
-                        <a:t>Review body only</a:t>
-                      </a:r>
-                    </a:p>
-                  </a:txBody>
-                  <a:tcPr/>
-                </a:tc>
-                <a:tc>
-                  <a:txBody>
-                    <a:bodyPr/>
-                    <a:lstStyle/>
-                    <a:p>
-                      <a:pPr algn="ctr"/>
-                      <a:r>
-                        <a:rPr lang="en-CA" sz="1800" b="0" u="none" strike="noStrike" kern="1200" dirty="0">
-                          <a:solidFill>
-                            <a:srgbClr val="000000"/>
-                          </a:solidFill>
-                          <a:effectLst/>
-                          <a:latin typeface="+mn-lt"/>
-                          <a:ea typeface="+mn-ea"/>
-                          <a:cs typeface="+mn-cs"/>
-                        </a:rPr>
-                        <a:t>0.6993</a:t>
-                      </a:r>
-                    </a:p>
-                  </a:txBody>
-                  <a:tcPr/>
-                </a:tc>
-                <a:tc>
-                  <a:txBody>
-                    <a:bodyPr/>
-                    <a:lstStyle/>
-                    <a:p>
-                      <a:pPr algn="ctr"/>
-                      <a:r>
-                        <a:rPr lang="en-CA" sz="1800" b="0" u="none" strike="noStrike" kern="1200" dirty="0">
-                          <a:solidFill>
-                            <a:srgbClr val="000000"/>
-                          </a:solidFill>
-                          <a:effectLst/>
-                          <a:latin typeface="+mn-lt"/>
-                          <a:ea typeface="+mn-ea"/>
-                          <a:cs typeface="+mn-cs"/>
-                        </a:rPr>
-                        <a:t>0.402</a:t>
-                      </a:r>
-                    </a:p>
-                  </a:txBody>
-                  <a:tcPr marL="0" marR="0" marT="0" marB="0"/>
-                </a:tc>
-                <a:extLst>
-                  <a:ext uri="{0D108BD9-81ED-4DB2-BD59-A6C34878D82A}">
-                    <a16:rowId xmlns:a16="http://schemas.microsoft.com/office/drawing/2014/main" val="1615631518"/>
-                  </a:ext>
-                </a:extLst>
-              </a:tr>
-              <a:tr h="370840">
-                <a:tc>
-                  <a:txBody>
-                    <a:bodyPr/>
-                    <a:lstStyle/>
-                    <a:p>
-                      <a:pPr algn="l"/>
-                      <a:r>
-                        <a:rPr lang="en-CA" sz="1800" b="0" u="none" strike="noStrike" kern="1200" dirty="0">
-                          <a:solidFill>
-                            <a:srgbClr val="000000"/>
-                          </a:solidFill>
-                          <a:effectLst/>
-                          <a:latin typeface="+mn-lt"/>
-                          <a:ea typeface="+mn-ea"/>
-                          <a:cs typeface="+mn-cs"/>
-                        </a:rPr>
-                        <a:t>Review body + Pandemic Timing</a:t>
-                      </a:r>
-                    </a:p>
-                  </a:txBody>
-                  <a:tcPr/>
-                </a:tc>
-                <a:tc>
-                  <a:txBody>
-                    <a:bodyPr/>
-                    <a:lstStyle/>
-                    <a:p>
-                      <a:pPr algn="ctr"/>
-                      <a:r>
-                        <a:rPr lang="en-CA" sz="1800" b="0" u="none" strike="noStrike" kern="1200" dirty="0">
-                          <a:solidFill>
-                            <a:srgbClr val="000000"/>
-                          </a:solidFill>
-                          <a:effectLst/>
-                          <a:latin typeface="+mn-lt"/>
-                          <a:ea typeface="+mn-ea"/>
-                          <a:cs typeface="+mn-cs"/>
-                        </a:rPr>
-                        <a:t>0.6814</a:t>
-                      </a:r>
-                    </a:p>
-                  </a:txBody>
-                  <a:tcPr/>
-                </a:tc>
-                <a:tc>
-                  <a:txBody>
-                    <a:bodyPr/>
-                    <a:lstStyle/>
-                    <a:p>
-                      <a:pPr algn="ctr"/>
-                      <a:r>
-                        <a:rPr lang="en-CA" sz="1800" b="0" u="none" strike="noStrike" kern="1200" dirty="0">
-                          <a:solidFill>
-                            <a:srgbClr val="000000"/>
-                          </a:solidFill>
-                          <a:effectLst/>
-                          <a:latin typeface="+mn-lt"/>
-                          <a:ea typeface="+mn-ea"/>
-                          <a:cs typeface="+mn-cs"/>
-                        </a:rPr>
-                        <a:t>0.400</a:t>
-                      </a:r>
-                    </a:p>
-                  </a:txBody>
-                  <a:tcPr marL="0" marR="0" marT="0" marB="0"/>
-                </a:tc>
-                <a:extLst>
-                  <a:ext uri="{0D108BD9-81ED-4DB2-BD59-A6C34878D82A}">
-                    <a16:rowId xmlns:a16="http://schemas.microsoft.com/office/drawing/2014/main" val="1698729985"/>
-                  </a:ext>
-                </a:extLst>
-              </a:tr>
-              <a:tr h="370840">
-                <a:tc>
-                  <a:txBody>
-                    <a:bodyPr/>
-                    <a:lstStyle/>
-                    <a:p>
-                      <a:pPr algn="l"/>
-                      <a:r>
-                        <a:rPr lang="en-CA" sz="1800" b="0" u="none" strike="noStrike" kern="1200" dirty="0">
-                          <a:solidFill>
-                            <a:srgbClr val="000000"/>
-                          </a:solidFill>
-                          <a:effectLst/>
-                          <a:latin typeface="+mn-lt"/>
-                          <a:ea typeface="+mn-ea"/>
-                          <a:cs typeface="+mn-cs"/>
-                        </a:rPr>
-                        <a:t>Review body + Pandemic Timing + State</a:t>
-                      </a:r>
-                    </a:p>
-                  </a:txBody>
-                  <a:tcPr/>
-                </a:tc>
-                <a:tc>
-                  <a:txBody>
-                    <a:bodyPr/>
-                    <a:lstStyle/>
-                    <a:p>
-                      <a:pPr algn="ctr"/>
-                      <a:r>
-                        <a:rPr lang="en-CA" sz="1800" b="0" u="none" strike="noStrike" kern="1200">
-                          <a:solidFill>
-                            <a:srgbClr val="000000"/>
-                          </a:solidFill>
-                          <a:effectLst/>
-                          <a:latin typeface="+mn-lt"/>
-                          <a:ea typeface="+mn-ea"/>
-                          <a:cs typeface="+mn-cs"/>
-                        </a:rPr>
-                        <a:t>0.6895</a:t>
-                      </a:r>
-                    </a:p>
-                  </a:txBody>
-                  <a:tcPr/>
-                </a:tc>
-                <a:tc>
-                  <a:txBody>
-                    <a:bodyPr/>
-                    <a:lstStyle/>
-                    <a:p>
-                      <a:pPr algn="ctr"/>
-                      <a:r>
-                        <a:rPr lang="en-CA" sz="1800" b="0" u="none" strike="noStrike" kern="1200" dirty="0">
-                          <a:solidFill>
-                            <a:srgbClr val="000000"/>
-                          </a:solidFill>
-                          <a:effectLst/>
-                          <a:latin typeface="+mn-lt"/>
-                          <a:ea typeface="+mn-ea"/>
-                          <a:cs typeface="+mn-cs"/>
-                        </a:rPr>
-                        <a:t>0.410</a:t>
-                      </a:r>
-                    </a:p>
-                  </a:txBody>
-                  <a:tcPr marL="0" marR="0" marT="0" marB="0"/>
-                </a:tc>
-                <a:extLst>
-                  <a:ext uri="{0D108BD9-81ED-4DB2-BD59-A6C34878D82A}">
-                    <a16:rowId xmlns:a16="http://schemas.microsoft.com/office/drawing/2014/main" val="689028486"/>
-                  </a:ext>
-                </a:extLst>
-              </a:tr>
-              <a:tr h="370840">
-                <a:tc>
-                  <a:txBody>
-                    <a:bodyPr/>
-                    <a:lstStyle/>
-                    <a:p>
-                      <a:pPr algn="l"/>
-                      <a:r>
-                        <a:rPr lang="en-CA" sz="1800" b="0" u="none" strike="noStrike" kern="1200" dirty="0">
-                          <a:solidFill>
-                            <a:srgbClr val="000000"/>
-                          </a:solidFill>
-                          <a:effectLst/>
-                          <a:latin typeface="+mn-lt"/>
-                          <a:ea typeface="+mn-ea"/>
-                          <a:cs typeface="+mn-cs"/>
-                        </a:rPr>
-                        <a:t>Review body + Pandemic Timing + State + Walkability</a:t>
-                      </a:r>
-                    </a:p>
-                  </a:txBody>
-                  <a:tcPr/>
-                </a:tc>
-                <a:tc>
-                  <a:txBody>
-                    <a:bodyPr/>
-                    <a:lstStyle/>
-                    <a:p>
-                      <a:pPr algn="ctr"/>
-                      <a:r>
-                        <a:rPr lang="en-CA" sz="1800" b="0" u="none" strike="noStrike" kern="1200" dirty="0">
-                          <a:solidFill>
-                            <a:srgbClr val="000000"/>
-                          </a:solidFill>
-                          <a:effectLst/>
-                          <a:latin typeface="+mn-lt"/>
-                          <a:ea typeface="+mn-ea"/>
-                          <a:cs typeface="+mn-cs"/>
-                        </a:rPr>
-                        <a:t>0.64215</a:t>
-                      </a:r>
-                    </a:p>
-                  </a:txBody>
-                  <a:tcPr/>
-                </a:tc>
-                <a:tc>
-                  <a:txBody>
-                    <a:bodyPr/>
-                    <a:lstStyle/>
-                    <a:p>
-                      <a:pPr algn="ctr"/>
-                      <a:r>
-                        <a:rPr lang="en-CA" sz="1800" b="0" u="none" strike="noStrike" kern="1200" dirty="0">
-                          <a:solidFill>
-                            <a:srgbClr val="000000"/>
-                          </a:solidFill>
-                          <a:effectLst/>
-                          <a:latin typeface="+mn-lt"/>
-                          <a:ea typeface="+mn-ea"/>
-                          <a:cs typeface="+mn-cs"/>
-                        </a:rPr>
-                        <a:t>0.542</a:t>
-                      </a:r>
-                    </a:p>
-                  </a:txBody>
-                  <a:tcPr marL="0" marR="0" marT="0" marB="0"/>
-                </a:tc>
-                <a:extLst>
-                  <a:ext uri="{0D108BD9-81ED-4DB2-BD59-A6C34878D82A}">
-                    <a16:rowId xmlns:a16="http://schemas.microsoft.com/office/drawing/2014/main" val="966234708"/>
-                  </a:ext>
-                </a:extLst>
-              </a:tr>
-              <a:tr h="370840">
-                <a:tc>
-                  <a:txBody>
-                    <a:bodyPr/>
-                    <a:lstStyle/>
-                    <a:p>
-                      <a:pPr algn="l"/>
-                      <a:r>
-                        <a:rPr lang="en-CA" sz="1800" b="0" u="none" strike="noStrike" kern="1200" dirty="0">
-                          <a:solidFill>
-                            <a:srgbClr val="000000"/>
-                          </a:solidFill>
-                          <a:effectLst/>
-                          <a:latin typeface="+mn-lt"/>
-                          <a:ea typeface="+mn-ea"/>
-                          <a:cs typeface="+mn-cs"/>
-                        </a:rPr>
-                        <a:t>Review body + Walkability</a:t>
-                      </a:r>
-                    </a:p>
-                  </a:txBody>
-                  <a:tcPr/>
-                </a:tc>
-                <a:tc>
-                  <a:txBody>
-                    <a:bodyPr/>
-                    <a:lstStyle/>
-                    <a:p>
-                      <a:pPr algn="ctr"/>
-                      <a:r>
-                        <a:rPr lang="en-CA" sz="1800" b="0" u="none" strike="noStrike" kern="1200" dirty="0">
-                          <a:solidFill>
-                            <a:srgbClr val="000000"/>
-                          </a:solidFill>
-                          <a:effectLst/>
-                          <a:latin typeface="+mn-lt"/>
-                          <a:ea typeface="+mn-ea"/>
-                          <a:cs typeface="+mn-cs"/>
-                        </a:rPr>
-                        <a:t>0.68627</a:t>
-                      </a:r>
-                    </a:p>
-                  </a:txBody>
-                  <a:tcPr/>
-                </a:tc>
-                <a:tc>
-                  <a:txBody>
-                    <a:bodyPr/>
-                    <a:lstStyle/>
-                    <a:p>
-                      <a:pPr algn="ctr"/>
-                      <a:r>
-                        <a:rPr lang="en-CA" sz="1800" b="0" u="none" strike="noStrike" kern="1200" dirty="0">
-                          <a:solidFill>
-                            <a:srgbClr val="000000"/>
-                          </a:solidFill>
-                          <a:effectLst/>
-                          <a:latin typeface="+mn-lt"/>
-                          <a:ea typeface="+mn-ea"/>
-                          <a:cs typeface="+mn-cs"/>
-                        </a:rPr>
-                        <a:t>0.423</a:t>
-                      </a:r>
-                    </a:p>
-                  </a:txBody>
-                  <a:tcPr marL="0" marR="0" marT="0" marB="0"/>
-                </a:tc>
-                <a:extLst>
-                  <a:ext uri="{0D108BD9-81ED-4DB2-BD59-A6C34878D82A}">
-                    <a16:rowId xmlns:a16="http://schemas.microsoft.com/office/drawing/2014/main" val="3131120491"/>
-                  </a:ext>
-                </a:extLst>
-              </a:tr>
-              <a:tr h="370840">
-                <a:tc>
-                  <a:txBody>
-                    <a:bodyPr/>
-                    <a:lstStyle/>
-                    <a:p>
-                      <a:pPr algn="l"/>
-                      <a:r>
-                        <a:rPr lang="en-CA" sz="1800" b="0" u="none" strike="noStrike" kern="1200">
-                          <a:solidFill>
-                            <a:srgbClr val="000000"/>
-                          </a:solidFill>
-                          <a:effectLst/>
-                          <a:latin typeface="+mn-lt"/>
-                          <a:ea typeface="+mn-ea"/>
-                          <a:cs typeface="+mn-cs"/>
-                        </a:rPr>
-                        <a:t>Review body + State</a:t>
-                      </a:r>
-                    </a:p>
-                  </a:txBody>
-                  <a:tcPr/>
-                </a:tc>
-                <a:tc>
-                  <a:txBody>
-                    <a:bodyPr/>
-                    <a:lstStyle/>
-                    <a:p>
-                      <a:pPr algn="ctr"/>
-                      <a:r>
-                        <a:rPr lang="en-CA" sz="1800" b="0" u="none" strike="noStrike" kern="1200" dirty="0">
-                          <a:solidFill>
-                            <a:srgbClr val="000000"/>
-                          </a:solidFill>
-                          <a:effectLst/>
-                          <a:latin typeface="+mn-lt"/>
-                          <a:ea typeface="+mn-ea"/>
-                          <a:cs typeface="+mn-cs"/>
-                        </a:rPr>
-                        <a:t>0.6732</a:t>
-                      </a:r>
-                    </a:p>
-                  </a:txBody>
-                  <a:tcPr/>
-                </a:tc>
-                <a:tc>
-                  <a:txBody>
-                    <a:bodyPr/>
-                    <a:lstStyle/>
-                    <a:p>
-                      <a:pPr algn="ctr"/>
-                      <a:r>
-                        <a:rPr lang="en-CA" sz="1800" b="0" u="none" strike="noStrike" kern="1200" dirty="0">
-                          <a:solidFill>
-                            <a:srgbClr val="000000"/>
-                          </a:solidFill>
-                          <a:effectLst/>
-                          <a:latin typeface="+mn-lt"/>
-                          <a:ea typeface="+mn-ea"/>
-                          <a:cs typeface="+mn-cs"/>
-                        </a:rPr>
-                        <a:t>0.4722</a:t>
-                      </a:r>
-                    </a:p>
-                  </a:txBody>
-                  <a:tcPr marL="0" marR="0" marT="0" marB="0"/>
-                </a:tc>
-                <a:extLst>
-                  <a:ext uri="{0D108BD9-81ED-4DB2-BD59-A6C34878D82A}">
-                    <a16:rowId xmlns:a16="http://schemas.microsoft.com/office/drawing/2014/main" val="1585213908"/>
-                  </a:ext>
-                </a:extLst>
-              </a:tr>
-              <a:tr h="370840">
-                <a:tc>
-                  <a:txBody>
-                    <a:bodyPr/>
-                    <a:lstStyle/>
-                    <a:p>
-                      <a:pPr algn="l"/>
-                      <a:r>
-                        <a:rPr lang="en-CA" sz="1800" b="0" u="none" strike="noStrike" kern="1200" dirty="0">
-                          <a:solidFill>
-                            <a:srgbClr val="000000"/>
-                          </a:solidFill>
-                          <a:effectLst/>
-                          <a:latin typeface="+mn-lt"/>
-                          <a:ea typeface="+mn-ea"/>
-                          <a:cs typeface="+mn-cs"/>
-                        </a:rPr>
-                        <a:t>Review body + State + Walkability</a:t>
-                      </a:r>
-                    </a:p>
-                  </a:txBody>
-                  <a:tcPr/>
-                </a:tc>
-                <a:tc>
-                  <a:txBody>
-                    <a:bodyPr/>
-                    <a:lstStyle/>
-                    <a:p>
-                      <a:pPr algn="ctr"/>
-                      <a:r>
-                        <a:rPr lang="en-CA" sz="1800" b="0" u="none" strike="noStrike" kern="1200" dirty="0">
-                          <a:solidFill>
-                            <a:srgbClr val="000000"/>
-                          </a:solidFill>
-                          <a:effectLst/>
-                          <a:latin typeface="+mn-lt"/>
-                          <a:ea typeface="+mn-ea"/>
-                          <a:cs typeface="+mn-cs"/>
-                        </a:rPr>
-                        <a:t>0.6797</a:t>
-                      </a:r>
-                    </a:p>
-                  </a:txBody>
-                  <a:tcPr/>
-                </a:tc>
-                <a:tc>
-                  <a:txBody>
-                    <a:bodyPr/>
-                    <a:lstStyle/>
-                    <a:p>
-                      <a:pPr algn="ctr"/>
-                      <a:r>
-                        <a:rPr lang="en-CA" sz="1800" b="0" u="none" strike="noStrike" kern="1200" dirty="0">
-                          <a:solidFill>
-                            <a:srgbClr val="000000"/>
-                          </a:solidFill>
-                          <a:effectLst/>
-                          <a:latin typeface="+mn-lt"/>
-                          <a:ea typeface="+mn-ea"/>
-                          <a:cs typeface="+mn-cs"/>
-                        </a:rPr>
-                        <a:t>0.435</a:t>
-                      </a:r>
-                    </a:p>
-                  </a:txBody>
-                  <a:tcPr marL="0" marR="0" marT="0" marB="0"/>
-                </a:tc>
-                <a:extLst>
-                  <a:ext uri="{0D108BD9-81ED-4DB2-BD59-A6C34878D82A}">
-                    <a16:rowId xmlns:a16="http://schemas.microsoft.com/office/drawing/2014/main" val="3620469889"/>
-                  </a:ext>
-                </a:extLst>
-              </a:tr>
-            </a:tbl>
-          </a:graphicData>
-        </a:graphic>
-      </p:graphicFrame>
-    </p:spTree>
-    <p:extLst>
-      <p:ext uri="{BB962C8B-B14F-4D97-AF65-F5344CB8AC3E}">
-        <p14:creationId xmlns:p14="http://schemas.microsoft.com/office/powerpoint/2010/main" val="2754003255"/>
-      </p:ext>
-    </p:extLst>
-  </p:cSld>
-  <p:clrMapOvr>
-    <a:masterClrMapping/>
-  </p:clrMapOvr>
-</p:sld>
-</file>
-
-<file path=ppt/slides/slide23.xml><?xml version="1.0" encoding="utf-8"?>
-<p:sld xmlns:a="http://schemas.openxmlformats.org/drawingml/2006/main" xmlns:r="http://schemas.openxmlformats.org/officeDocument/2006/relationships" xmlns:p="http://schemas.openxmlformats.org/presentationml/2006/main">
-  <p:cSld>
-    <p:spTree>
-      <p:nvGrpSpPr>
-        <p:cNvPr id="1" name=""/>
-        <p:cNvGrpSpPr/>
-        <p:nvPr/>
-      </p:nvGrpSpPr>
-      <p:grpSpPr>
-        <a:xfrm>
-          <a:off x="0" y="0"/>
-          <a:ext cx="0" cy="0"/>
-          <a:chOff x="0" y="0"/>
-          <a:chExt cx="0" cy="0"/>
-        </a:xfrm>
-      </p:grpSpPr>
-      <p:sp>
-        <p:nvSpPr>
-          <p:cNvPr id="2" name="Title 1">
-            <a:extLst>
-              <a:ext uri="{FF2B5EF4-FFF2-40B4-BE49-F238E27FC236}">
-                <a16:creationId xmlns:a16="http://schemas.microsoft.com/office/drawing/2014/main" id="{9A27B76D-4305-40E9-85D2-672DA985417E}"/>
-              </a:ext>
-            </a:extLst>
-          </p:cNvPr>
-          <p:cNvSpPr>
-            <a:spLocks noGrp="1"/>
-          </p:cNvSpPr>
-          <p:nvPr>
-            <p:ph type="title"/>
-          </p:nvPr>
-        </p:nvSpPr>
-        <p:spPr>
-          <a:xfrm>
-            <a:off x="1066799" y="642594"/>
-            <a:ext cx="10539743" cy="1371600"/>
-          </a:xfrm>
-        </p:spPr>
-        <p:txBody>
-          <a:bodyPr>
-            <a:normAutofit fontScale="90000"/>
-          </a:bodyPr>
-          <a:lstStyle/>
-          <a:p>
-            <a:r>
-              <a:rPr lang="en-CA" dirty="0"/>
-              <a:t>Results &amp; Analysis – Model Feature Engineering</a:t>
-            </a:r>
-          </a:p>
-        </p:txBody>
-      </p:sp>
-      <p:graphicFrame>
-        <p:nvGraphicFramePr>
-          <p:cNvPr id="4" name="Table 4">
-            <a:extLst>
-              <a:ext uri="{FF2B5EF4-FFF2-40B4-BE49-F238E27FC236}">
-                <a16:creationId xmlns:a16="http://schemas.microsoft.com/office/drawing/2014/main" id="{27106B8C-AFB7-409A-BE21-EBF9030DEFF4}"/>
-              </a:ext>
-            </a:extLst>
-          </p:cNvPr>
-          <p:cNvGraphicFramePr>
-            <a:graphicFrameLocks noGrp="1"/>
-          </p:cNvGraphicFramePr>
-          <p:nvPr>
-            <p:ph idx="1"/>
-            <p:extLst>
-              <p:ext uri="{D42A27DB-BD31-4B8C-83A1-F6EECF244321}">
-                <p14:modId xmlns:p14="http://schemas.microsoft.com/office/powerpoint/2010/main" val="447180914"/>
-              </p:ext>
-            </p:extLst>
-          </p:nvPr>
-        </p:nvGraphicFramePr>
-        <p:xfrm>
-          <a:off x="1899719" y="2086621"/>
-          <a:ext cx="8392562" cy="3606800"/>
-        </p:xfrm>
-        <a:graphic>
-          <a:graphicData uri="http://schemas.openxmlformats.org/drawingml/2006/table">
-            <a:tbl>
-              <a:tblPr firstRow="1" bandRow="1">
-                <a:tableStyleId>{6E25E649-3F16-4E02-A733-19D2CDBF48F0}</a:tableStyleId>
-              </a:tblPr>
-              <a:tblGrid>
-                <a:gridCol w="4834550">
-                  <a:extLst>
-                    <a:ext uri="{9D8B030D-6E8A-4147-A177-3AD203B41FA5}">
-                      <a16:colId xmlns:a16="http://schemas.microsoft.com/office/drawing/2014/main" val="2857179037"/>
-                    </a:ext>
-                  </a:extLst>
-                </a:gridCol>
-                <a:gridCol w="1774480">
-                  <a:extLst>
-                    <a:ext uri="{9D8B030D-6E8A-4147-A177-3AD203B41FA5}">
-                      <a16:colId xmlns:a16="http://schemas.microsoft.com/office/drawing/2014/main" val="3727384194"/>
-                    </a:ext>
-                  </a:extLst>
-                </a:gridCol>
-                <a:gridCol w="1783532">
-                  <a:extLst>
-                    <a:ext uri="{9D8B030D-6E8A-4147-A177-3AD203B41FA5}">
-                      <a16:colId xmlns:a16="http://schemas.microsoft.com/office/drawing/2014/main" val="4143390719"/>
-                    </a:ext>
-                  </a:extLst>
-                </a:gridCol>
-              </a:tblGrid>
-              <a:tr h="370840">
-                <a:tc>
-                  <a:txBody>
-                    <a:bodyPr/>
-                    <a:lstStyle/>
-                    <a:p>
-                      <a:pPr algn="ctr" fontAlgn="b"/>
-                      <a:r>
-                        <a:rPr lang="en-CA" sz="1800" b="1" u="none" strike="noStrike" kern="1200" dirty="0">
-                          <a:solidFill>
-                            <a:schemeClr val="bg1"/>
-                          </a:solidFill>
-                          <a:effectLst/>
-                          <a:latin typeface="+mn-lt"/>
-                          <a:ea typeface="+mn-ea"/>
-                          <a:cs typeface="+mn-cs"/>
-                        </a:rPr>
-                        <a:t>Features</a:t>
-                      </a:r>
-                    </a:p>
-                  </a:txBody>
-                  <a:tcPr marL="9525" marR="9525" marT="9525" marB="0" anchor="b"/>
-                </a:tc>
-                <a:tc>
-                  <a:txBody>
-                    <a:bodyPr/>
-                    <a:lstStyle/>
-                    <a:p>
-                      <a:pPr algn="ctr" fontAlgn="b"/>
-                      <a:r>
-                        <a:rPr lang="en-CA" sz="1800" dirty="0">
-                          <a:effectLst/>
-                        </a:rPr>
-                        <a:t>Accuracy</a:t>
-                      </a:r>
-                      <a:endParaRPr lang="en-CA" sz="1800" b="1" u="none" strike="noStrike" kern="1200" dirty="0">
-                        <a:solidFill>
-                          <a:schemeClr val="bg1"/>
-                        </a:solidFill>
-                        <a:effectLst/>
-                        <a:latin typeface="+mn-lt"/>
-                        <a:ea typeface="+mn-ea"/>
-                        <a:cs typeface="+mn-cs"/>
-                      </a:endParaRPr>
-                    </a:p>
-                  </a:txBody>
-                  <a:tcPr marL="9525" marR="9525" marT="9525" marB="0" anchor="b"/>
-                </a:tc>
-                <a:tc>
-                  <a:txBody>
-                    <a:bodyPr/>
-                    <a:lstStyle/>
-                    <a:p>
-                      <a:pPr algn="ctr" fontAlgn="b"/>
-                      <a:r>
-                        <a:rPr lang="en-CA" sz="1800" dirty="0">
-                          <a:effectLst/>
-                        </a:rPr>
-                        <a:t>MSE</a:t>
-                      </a:r>
-                      <a:endParaRPr lang="en-CA" sz="1800" b="1" u="none" strike="noStrike" kern="1200" dirty="0">
-                        <a:solidFill>
-                          <a:schemeClr val="bg1"/>
-                        </a:solidFill>
-                        <a:effectLst/>
-                        <a:latin typeface="+mn-lt"/>
-                        <a:ea typeface="+mn-ea"/>
-                        <a:cs typeface="+mn-cs"/>
-                      </a:endParaRPr>
-                    </a:p>
-                  </a:txBody>
-                  <a:tcPr marL="9525" marR="9525" marT="9525" marB="0" anchor="b"/>
-                </a:tc>
-                <a:extLst>
-                  <a:ext uri="{0D108BD9-81ED-4DB2-BD59-A6C34878D82A}">
-                    <a16:rowId xmlns:a16="http://schemas.microsoft.com/office/drawing/2014/main" val="352827595"/>
-                  </a:ext>
-                </a:extLst>
-              </a:tr>
-              <a:tr h="370840">
-                <a:tc>
-                  <a:txBody>
-                    <a:bodyPr/>
-                    <a:lstStyle/>
-                    <a:p>
-                      <a:pPr algn="l"/>
-                      <a:r>
-                        <a:rPr lang="en-CA" sz="1800" b="0" u="none" strike="noStrike" kern="1200" dirty="0">
-                          <a:solidFill>
-                            <a:srgbClr val="000000"/>
-                          </a:solidFill>
-                          <a:effectLst/>
-                          <a:latin typeface="+mn-lt"/>
-                          <a:ea typeface="+mn-ea"/>
-                          <a:cs typeface="+mn-cs"/>
-                        </a:rPr>
-                        <a:t>Predict most frequent rating</a:t>
-                      </a:r>
-                    </a:p>
-                  </a:txBody>
-                  <a:tcPr/>
-                </a:tc>
-                <a:tc>
-                  <a:txBody>
-                    <a:bodyPr/>
-                    <a:lstStyle/>
-                    <a:p>
-                      <a:pPr algn="ctr"/>
-                      <a:r>
-                        <a:rPr lang="en-CA" sz="1800" b="0" u="none" strike="noStrike" kern="1200" dirty="0">
-                          <a:solidFill>
-                            <a:srgbClr val="000000"/>
-                          </a:solidFill>
-                          <a:effectLst/>
-                          <a:latin typeface="+mn-lt"/>
-                          <a:ea typeface="+mn-ea"/>
-                          <a:cs typeface="+mn-cs"/>
-                        </a:rPr>
-                        <a:t>0.4739</a:t>
-                      </a:r>
-                    </a:p>
-                  </a:txBody>
-                  <a:tcPr/>
-                </a:tc>
-                <a:tc>
-                  <a:txBody>
-                    <a:bodyPr/>
-                    <a:lstStyle/>
-                    <a:p>
-                      <a:pPr algn="ctr"/>
-                      <a:r>
-                        <a:rPr lang="en-CA" sz="1800" b="0" u="none" strike="noStrike" kern="1200" dirty="0">
-                          <a:solidFill>
-                            <a:srgbClr val="000000"/>
-                          </a:solidFill>
-                          <a:effectLst/>
-                          <a:latin typeface="+mn-lt"/>
-                          <a:ea typeface="+mn-ea"/>
-                          <a:cs typeface="+mn-cs"/>
-                        </a:rPr>
-                        <a:t>2.467</a:t>
-                      </a:r>
-                    </a:p>
-                  </a:txBody>
-                  <a:tcPr marL="0" marR="0" marT="0" marB="0"/>
-                </a:tc>
-                <a:extLst>
-                  <a:ext uri="{0D108BD9-81ED-4DB2-BD59-A6C34878D82A}">
-                    <a16:rowId xmlns:a16="http://schemas.microsoft.com/office/drawing/2014/main" val="392404504"/>
-                  </a:ext>
-                </a:extLst>
-              </a:tr>
-              <a:tr h="370840">
-                <a:tc>
-                  <a:txBody>
-                    <a:bodyPr/>
-                    <a:lstStyle/>
-                    <a:p>
-                      <a:pPr algn="l"/>
-                      <a:r>
-                        <a:rPr lang="en-CA" sz="1800" b="0" u="none" strike="noStrike" kern="1200" dirty="0">
-                          <a:solidFill>
-                            <a:srgbClr val="000000"/>
-                          </a:solidFill>
-                          <a:effectLst/>
-                          <a:latin typeface="+mn-lt"/>
-                          <a:ea typeface="+mn-ea"/>
-                          <a:cs typeface="+mn-cs"/>
-                        </a:rPr>
-                        <a:t>Review body only</a:t>
-                      </a:r>
-                    </a:p>
-                  </a:txBody>
-                  <a:tcPr/>
-                </a:tc>
-                <a:tc>
-                  <a:txBody>
-                    <a:bodyPr/>
-                    <a:lstStyle/>
-                    <a:p>
-                      <a:pPr algn="ctr"/>
-                      <a:r>
-                        <a:rPr lang="en-CA" sz="1800" b="0" u="none" strike="noStrike" kern="1200" dirty="0">
-                          <a:solidFill>
-                            <a:srgbClr val="000000"/>
-                          </a:solidFill>
-                          <a:effectLst/>
-                          <a:latin typeface="+mn-lt"/>
-                          <a:ea typeface="+mn-ea"/>
-                          <a:cs typeface="+mn-cs"/>
-                        </a:rPr>
-                        <a:t>0.6993</a:t>
-                      </a:r>
-                    </a:p>
-                  </a:txBody>
-                  <a:tcPr/>
-                </a:tc>
-                <a:tc>
-                  <a:txBody>
-                    <a:bodyPr/>
-                    <a:lstStyle/>
-                    <a:p>
-                      <a:pPr algn="ctr"/>
-                      <a:r>
-                        <a:rPr lang="en-CA" sz="1800" b="0" u="none" strike="noStrike" kern="1200" dirty="0">
-                          <a:solidFill>
-                            <a:srgbClr val="000000"/>
-                          </a:solidFill>
-                          <a:effectLst/>
-                          <a:latin typeface="+mn-lt"/>
-                          <a:ea typeface="+mn-ea"/>
-                          <a:cs typeface="+mn-cs"/>
-                        </a:rPr>
-                        <a:t>0.402</a:t>
-                      </a:r>
-                    </a:p>
-                  </a:txBody>
-                  <a:tcPr marL="0" marR="0" marT="0" marB="0"/>
-                </a:tc>
-                <a:extLst>
-                  <a:ext uri="{0D108BD9-81ED-4DB2-BD59-A6C34878D82A}">
-                    <a16:rowId xmlns:a16="http://schemas.microsoft.com/office/drawing/2014/main" val="1615631518"/>
-                  </a:ext>
-                </a:extLst>
-              </a:tr>
-              <a:tr h="370840">
-                <a:tc>
-                  <a:txBody>
-                    <a:bodyPr/>
-                    <a:lstStyle/>
-                    <a:p>
-                      <a:pPr algn="l"/>
-                      <a:r>
-                        <a:rPr lang="en-CA" sz="1800" b="0" u="none" strike="noStrike" kern="1200" dirty="0">
-                          <a:solidFill>
-                            <a:srgbClr val="000000"/>
-                          </a:solidFill>
-                          <a:effectLst/>
-                          <a:latin typeface="+mn-lt"/>
-                          <a:ea typeface="+mn-ea"/>
-                          <a:cs typeface="+mn-cs"/>
-                        </a:rPr>
-                        <a:t>Review body + Pandemic Timing</a:t>
-                      </a:r>
-                    </a:p>
-                  </a:txBody>
-                  <a:tcPr/>
-                </a:tc>
-                <a:tc>
-                  <a:txBody>
-                    <a:bodyPr/>
-                    <a:lstStyle/>
-                    <a:p>
-                      <a:pPr algn="ctr"/>
-                      <a:r>
-                        <a:rPr lang="en-CA" sz="1800" b="0" u="none" strike="noStrike" kern="1200" dirty="0">
-                          <a:solidFill>
-                            <a:srgbClr val="000000"/>
-                          </a:solidFill>
-                          <a:effectLst/>
-                          <a:latin typeface="+mn-lt"/>
-                          <a:ea typeface="+mn-ea"/>
-                          <a:cs typeface="+mn-cs"/>
-                        </a:rPr>
-                        <a:t>0.6814</a:t>
-                      </a:r>
-                    </a:p>
-                  </a:txBody>
-                  <a:tcPr/>
-                </a:tc>
-                <a:tc>
-                  <a:txBody>
-                    <a:bodyPr/>
-                    <a:lstStyle/>
-                    <a:p>
-                      <a:pPr algn="ctr"/>
-                      <a:r>
-                        <a:rPr lang="en-CA" sz="1800" b="0" u="none" strike="noStrike" kern="1200" dirty="0">
-                          <a:solidFill>
-                            <a:srgbClr val="000000"/>
-                          </a:solidFill>
-                          <a:effectLst/>
-                          <a:latin typeface="+mn-lt"/>
-                          <a:ea typeface="+mn-ea"/>
-                          <a:cs typeface="+mn-cs"/>
-                        </a:rPr>
-                        <a:t>0.400</a:t>
-                      </a:r>
-                    </a:p>
-                  </a:txBody>
-                  <a:tcPr marL="0" marR="0" marT="0" marB="0"/>
-                </a:tc>
-                <a:extLst>
-                  <a:ext uri="{0D108BD9-81ED-4DB2-BD59-A6C34878D82A}">
-                    <a16:rowId xmlns:a16="http://schemas.microsoft.com/office/drawing/2014/main" val="1698729985"/>
-                  </a:ext>
-                </a:extLst>
-              </a:tr>
-              <a:tr h="370840">
-                <a:tc>
-                  <a:txBody>
-                    <a:bodyPr/>
-                    <a:lstStyle/>
-                    <a:p>
-                      <a:pPr algn="l"/>
-                      <a:r>
-                        <a:rPr lang="en-CA" sz="1800" b="1" u="none" strike="noStrike" kern="1200" dirty="0">
-                          <a:solidFill>
-                            <a:srgbClr val="000000"/>
-                          </a:solidFill>
-                          <a:effectLst/>
-                          <a:latin typeface="+mn-lt"/>
-                          <a:ea typeface="+mn-ea"/>
-                          <a:cs typeface="+mn-cs"/>
-                        </a:rPr>
-                        <a:t>Review body + Pandemic Timing + State</a:t>
-                      </a:r>
-                    </a:p>
-                  </a:txBody>
-                  <a:tcPr/>
-                </a:tc>
-                <a:tc>
-                  <a:txBody>
-                    <a:bodyPr/>
-                    <a:lstStyle/>
-                    <a:p>
-                      <a:pPr algn="ctr"/>
-                      <a:r>
-                        <a:rPr lang="en-CA" sz="1800" b="1" u="none" strike="noStrike" kern="1200" dirty="0">
-                          <a:solidFill>
-                            <a:srgbClr val="000000"/>
-                          </a:solidFill>
-                          <a:effectLst/>
-                          <a:latin typeface="+mn-lt"/>
-                          <a:ea typeface="+mn-ea"/>
-                          <a:cs typeface="+mn-cs"/>
-                        </a:rPr>
-                        <a:t>0.6895</a:t>
-                      </a:r>
-                    </a:p>
-                  </a:txBody>
-                  <a:tcPr/>
-                </a:tc>
-                <a:tc>
-                  <a:txBody>
-                    <a:bodyPr/>
-                    <a:lstStyle/>
-                    <a:p>
-                      <a:pPr algn="ctr"/>
-                      <a:r>
-                        <a:rPr lang="en-CA" sz="1800" b="1" u="none" strike="noStrike" kern="1200" dirty="0">
-                          <a:solidFill>
-                            <a:srgbClr val="000000"/>
-                          </a:solidFill>
-                          <a:effectLst/>
-                          <a:latin typeface="+mn-lt"/>
-                          <a:ea typeface="+mn-ea"/>
-                          <a:cs typeface="+mn-cs"/>
-                        </a:rPr>
-                        <a:t>0.410</a:t>
-                      </a:r>
-                    </a:p>
-                  </a:txBody>
-                  <a:tcPr marL="0" marR="0" marT="0" marB="0"/>
-                </a:tc>
-                <a:extLst>
-                  <a:ext uri="{0D108BD9-81ED-4DB2-BD59-A6C34878D82A}">
-                    <a16:rowId xmlns:a16="http://schemas.microsoft.com/office/drawing/2014/main" val="689028486"/>
-                  </a:ext>
-                </a:extLst>
-              </a:tr>
-              <a:tr h="370840">
-                <a:tc>
-                  <a:txBody>
-                    <a:bodyPr/>
-                    <a:lstStyle/>
-                    <a:p>
-                      <a:pPr algn="l"/>
-                      <a:r>
-                        <a:rPr lang="en-CA" sz="1800" b="0" u="none" strike="noStrike" kern="1200" dirty="0">
-                          <a:solidFill>
-                            <a:srgbClr val="000000"/>
-                          </a:solidFill>
-                          <a:effectLst/>
-                          <a:latin typeface="+mn-lt"/>
-                          <a:ea typeface="+mn-ea"/>
-                          <a:cs typeface="+mn-cs"/>
-                        </a:rPr>
-                        <a:t>Review body + Pandemic Timing + State + Walkability</a:t>
-                      </a:r>
-                    </a:p>
-                  </a:txBody>
-                  <a:tcPr/>
-                </a:tc>
-                <a:tc>
-                  <a:txBody>
-                    <a:bodyPr/>
-                    <a:lstStyle/>
-                    <a:p>
-                      <a:pPr algn="ctr"/>
-                      <a:r>
-                        <a:rPr lang="en-CA" sz="1800" b="0" u="none" strike="noStrike" kern="1200" dirty="0">
-                          <a:solidFill>
-                            <a:srgbClr val="000000"/>
-                          </a:solidFill>
-                          <a:effectLst/>
-                          <a:latin typeface="+mn-lt"/>
-                          <a:ea typeface="+mn-ea"/>
-                          <a:cs typeface="+mn-cs"/>
-                        </a:rPr>
-                        <a:t>0.64215</a:t>
-                      </a:r>
-                    </a:p>
-                  </a:txBody>
-                  <a:tcPr/>
-                </a:tc>
-                <a:tc>
-                  <a:txBody>
-                    <a:bodyPr/>
-                    <a:lstStyle/>
-                    <a:p>
-                      <a:pPr algn="ctr"/>
-                      <a:r>
-                        <a:rPr lang="en-CA" sz="1800" b="0" u="none" strike="noStrike" kern="1200" dirty="0">
-                          <a:solidFill>
-                            <a:srgbClr val="000000"/>
-                          </a:solidFill>
-                          <a:effectLst/>
-                          <a:latin typeface="+mn-lt"/>
-                          <a:ea typeface="+mn-ea"/>
-                          <a:cs typeface="+mn-cs"/>
-                        </a:rPr>
-                        <a:t>0.542</a:t>
-                      </a:r>
-                    </a:p>
-                  </a:txBody>
-                  <a:tcPr marL="0" marR="0" marT="0" marB="0"/>
-                </a:tc>
-                <a:extLst>
-                  <a:ext uri="{0D108BD9-81ED-4DB2-BD59-A6C34878D82A}">
-                    <a16:rowId xmlns:a16="http://schemas.microsoft.com/office/drawing/2014/main" val="966234708"/>
-                  </a:ext>
-                </a:extLst>
-              </a:tr>
-              <a:tr h="370840">
-                <a:tc>
-                  <a:txBody>
-                    <a:bodyPr/>
-                    <a:lstStyle/>
-                    <a:p>
-                      <a:pPr algn="l"/>
-                      <a:r>
-                        <a:rPr lang="en-CA" sz="1800" b="0" u="none" strike="noStrike" kern="1200" dirty="0">
-                          <a:solidFill>
-                            <a:srgbClr val="000000"/>
-                          </a:solidFill>
-                          <a:effectLst/>
-                          <a:latin typeface="+mn-lt"/>
-                          <a:ea typeface="+mn-ea"/>
-                          <a:cs typeface="+mn-cs"/>
-                        </a:rPr>
-                        <a:t>Review body + Walkability</a:t>
-                      </a:r>
-                    </a:p>
-                  </a:txBody>
-                  <a:tcPr/>
-                </a:tc>
-                <a:tc>
-                  <a:txBody>
-                    <a:bodyPr/>
-                    <a:lstStyle/>
-                    <a:p>
-                      <a:pPr algn="ctr"/>
-                      <a:r>
-                        <a:rPr lang="en-CA" sz="1800" b="0" u="none" strike="noStrike" kern="1200" dirty="0">
-                          <a:solidFill>
-                            <a:srgbClr val="000000"/>
-                          </a:solidFill>
-                          <a:effectLst/>
-                          <a:latin typeface="+mn-lt"/>
-                          <a:ea typeface="+mn-ea"/>
-                          <a:cs typeface="+mn-cs"/>
-                        </a:rPr>
-                        <a:t>0.68627</a:t>
-                      </a:r>
-                    </a:p>
-                  </a:txBody>
-                  <a:tcPr/>
-                </a:tc>
-                <a:tc>
-                  <a:txBody>
-                    <a:bodyPr/>
-                    <a:lstStyle/>
-                    <a:p>
-                      <a:pPr algn="ctr"/>
-                      <a:r>
-                        <a:rPr lang="en-CA" sz="1800" b="0" u="none" strike="noStrike" kern="1200" dirty="0">
-                          <a:solidFill>
-                            <a:srgbClr val="000000"/>
-                          </a:solidFill>
-                          <a:effectLst/>
-                          <a:latin typeface="+mn-lt"/>
-                          <a:ea typeface="+mn-ea"/>
-                          <a:cs typeface="+mn-cs"/>
-                        </a:rPr>
-                        <a:t>0.423</a:t>
-                      </a:r>
-                    </a:p>
-                  </a:txBody>
-                  <a:tcPr marL="0" marR="0" marT="0" marB="0"/>
-                </a:tc>
-                <a:extLst>
-                  <a:ext uri="{0D108BD9-81ED-4DB2-BD59-A6C34878D82A}">
-                    <a16:rowId xmlns:a16="http://schemas.microsoft.com/office/drawing/2014/main" val="3131120491"/>
-                  </a:ext>
-                </a:extLst>
-              </a:tr>
-              <a:tr h="370840">
-                <a:tc>
-                  <a:txBody>
-                    <a:bodyPr/>
-                    <a:lstStyle/>
-                    <a:p>
-                      <a:pPr algn="l"/>
-                      <a:r>
-                        <a:rPr lang="en-CA" sz="1800" b="0" u="none" strike="noStrike" kern="1200">
-                          <a:solidFill>
-                            <a:srgbClr val="000000"/>
-                          </a:solidFill>
-                          <a:effectLst/>
-                          <a:latin typeface="+mn-lt"/>
-                          <a:ea typeface="+mn-ea"/>
-                          <a:cs typeface="+mn-cs"/>
-                        </a:rPr>
-                        <a:t>Review body + State</a:t>
-                      </a:r>
-                    </a:p>
-                  </a:txBody>
-                  <a:tcPr/>
-                </a:tc>
-                <a:tc>
-                  <a:txBody>
-                    <a:bodyPr/>
-                    <a:lstStyle/>
-                    <a:p>
-                      <a:pPr algn="ctr"/>
-                      <a:r>
-                        <a:rPr lang="en-CA" sz="1800" b="0" u="none" strike="noStrike" kern="1200" dirty="0">
-                          <a:solidFill>
-                            <a:srgbClr val="000000"/>
-                          </a:solidFill>
-                          <a:effectLst/>
-                          <a:latin typeface="+mn-lt"/>
-                          <a:ea typeface="+mn-ea"/>
-                          <a:cs typeface="+mn-cs"/>
-                        </a:rPr>
-                        <a:t>0.6732</a:t>
-                      </a:r>
-                    </a:p>
-                  </a:txBody>
-                  <a:tcPr/>
-                </a:tc>
-                <a:tc>
-                  <a:txBody>
-                    <a:bodyPr/>
-                    <a:lstStyle/>
-                    <a:p>
-                      <a:pPr algn="ctr"/>
-                      <a:r>
-                        <a:rPr lang="en-CA" sz="1800" b="0" u="none" strike="noStrike" kern="1200" dirty="0">
-                          <a:solidFill>
-                            <a:srgbClr val="000000"/>
-                          </a:solidFill>
-                          <a:effectLst/>
-                          <a:latin typeface="+mn-lt"/>
-                          <a:ea typeface="+mn-ea"/>
-                          <a:cs typeface="+mn-cs"/>
-                        </a:rPr>
-                        <a:t>0.4722</a:t>
-                      </a:r>
-                    </a:p>
-                  </a:txBody>
-                  <a:tcPr marL="0" marR="0" marT="0" marB="0"/>
-                </a:tc>
-                <a:extLst>
-                  <a:ext uri="{0D108BD9-81ED-4DB2-BD59-A6C34878D82A}">
-                    <a16:rowId xmlns:a16="http://schemas.microsoft.com/office/drawing/2014/main" val="1585213908"/>
-                  </a:ext>
-                </a:extLst>
-              </a:tr>
-              <a:tr h="370840">
-                <a:tc>
-                  <a:txBody>
-                    <a:bodyPr/>
-                    <a:lstStyle/>
-                    <a:p>
-                      <a:pPr algn="l"/>
-                      <a:r>
-                        <a:rPr lang="en-CA" sz="1800" b="0" u="none" strike="noStrike" kern="1200" dirty="0">
-                          <a:solidFill>
-                            <a:srgbClr val="000000"/>
-                          </a:solidFill>
-                          <a:effectLst/>
-                          <a:latin typeface="+mn-lt"/>
-                          <a:ea typeface="+mn-ea"/>
-                          <a:cs typeface="+mn-cs"/>
-                        </a:rPr>
-                        <a:t>Review body + State + Walkability</a:t>
-                      </a:r>
-                    </a:p>
-                  </a:txBody>
-                  <a:tcPr/>
-                </a:tc>
-                <a:tc>
-                  <a:txBody>
-                    <a:bodyPr/>
-                    <a:lstStyle/>
-                    <a:p>
-                      <a:pPr algn="ctr"/>
-                      <a:r>
-                        <a:rPr lang="en-CA" sz="1800" b="0" u="none" strike="noStrike" kern="1200" dirty="0">
-                          <a:solidFill>
-                            <a:srgbClr val="000000"/>
-                          </a:solidFill>
-                          <a:effectLst/>
-                          <a:latin typeface="+mn-lt"/>
-                          <a:ea typeface="+mn-ea"/>
-                          <a:cs typeface="+mn-cs"/>
-                        </a:rPr>
-                        <a:t>0.6797</a:t>
-                      </a:r>
-                    </a:p>
-                  </a:txBody>
-                  <a:tcPr/>
-                </a:tc>
-                <a:tc>
-                  <a:txBody>
-                    <a:bodyPr/>
-                    <a:lstStyle/>
-                    <a:p>
-                      <a:pPr algn="ctr"/>
-                      <a:r>
-                        <a:rPr lang="en-CA" sz="1800" b="0" u="none" strike="noStrike" kern="1200" dirty="0">
-                          <a:solidFill>
-                            <a:srgbClr val="000000"/>
-                          </a:solidFill>
-                          <a:effectLst/>
-                          <a:latin typeface="+mn-lt"/>
-                          <a:ea typeface="+mn-ea"/>
-                          <a:cs typeface="+mn-cs"/>
-                        </a:rPr>
-                        <a:t>0.435</a:t>
-                      </a:r>
-                    </a:p>
-                  </a:txBody>
-                  <a:tcPr marL="0" marR="0" marT="0" marB="0"/>
-                </a:tc>
-                <a:extLst>
-                  <a:ext uri="{0D108BD9-81ED-4DB2-BD59-A6C34878D82A}">
-                    <a16:rowId xmlns:a16="http://schemas.microsoft.com/office/drawing/2014/main" val="3620469889"/>
-                  </a:ext>
-                </a:extLst>
-              </a:tr>
-            </a:tbl>
-          </a:graphicData>
-        </a:graphic>
-      </p:graphicFrame>
-    </p:spTree>
-    <p:extLst>
-      <p:ext uri="{BB962C8B-B14F-4D97-AF65-F5344CB8AC3E}">
-        <p14:creationId xmlns:p14="http://schemas.microsoft.com/office/powerpoint/2010/main" val="389437488"/>
-      </p:ext>
-    </p:extLst>
-  </p:cSld>
-  <p:clrMapOvr>
-    <a:masterClrMapping/>
-  </p:clrMapOvr>
-</p:sld>
-</file>
-
-<file path=ppt/slides/slide24.xml><?xml version="1.0" encoding="utf-8"?>
-<p:sld xmlns:a="http://schemas.openxmlformats.org/drawingml/2006/main" xmlns:r="http://schemas.openxmlformats.org/officeDocument/2006/relationships" xmlns:p="http://schemas.openxmlformats.org/presentationml/2006/main">
-  <p:cSld>
-    <p:spTree>
-      <p:nvGrpSpPr>
-        <p:cNvPr id="1" name=""/>
-        <p:cNvGrpSpPr/>
-        <p:nvPr/>
-      </p:nvGrpSpPr>
-      <p:grpSpPr>
-        <a:xfrm>
-          <a:off x="0" y="0"/>
-          <a:ext cx="0" cy="0"/>
-          <a:chOff x="0" y="0"/>
-          <a:chExt cx="0" cy="0"/>
-        </a:xfrm>
-      </p:grpSpPr>
-      <p:sp>
-        <p:nvSpPr>
-          <p:cNvPr id="2" name="Title 1">
-            <a:extLst>
-              <a:ext uri="{FF2B5EF4-FFF2-40B4-BE49-F238E27FC236}">
-                <a16:creationId xmlns:a16="http://schemas.microsoft.com/office/drawing/2014/main" id="{9A27B76D-4305-40E9-85D2-672DA985417E}"/>
-              </a:ext>
-            </a:extLst>
-          </p:cNvPr>
-          <p:cNvSpPr>
-            <a:spLocks noGrp="1"/>
-          </p:cNvSpPr>
-          <p:nvPr>
-            <p:ph type="title"/>
-          </p:nvPr>
-        </p:nvSpPr>
-        <p:spPr>
-          <a:xfrm>
-            <a:off x="1066799" y="642594"/>
-            <a:ext cx="10539743" cy="1371600"/>
-          </a:xfrm>
-        </p:spPr>
-        <p:txBody>
-          <a:bodyPr>
-            <a:normAutofit fontScale="90000"/>
-          </a:bodyPr>
-          <a:lstStyle/>
-          <a:p>
-            <a:r>
-              <a:rPr lang="en-CA" dirty="0"/>
-              <a:t>Results &amp; Analysis – Model Feature Engineering</a:t>
-            </a:r>
-            <a:br>
-              <a:rPr lang="en-CA" dirty="0"/>
-            </a:br>
-            <a:r>
-              <a:rPr lang="en-CA" dirty="0"/>
-              <a:t>New Baselines</a:t>
-            </a:r>
-          </a:p>
-        </p:txBody>
-      </p:sp>
-      <p:graphicFrame>
-        <p:nvGraphicFramePr>
-          <p:cNvPr id="4" name="Table 4">
-            <a:extLst>
-              <a:ext uri="{FF2B5EF4-FFF2-40B4-BE49-F238E27FC236}">
-                <a16:creationId xmlns:a16="http://schemas.microsoft.com/office/drawing/2014/main" id="{27106B8C-AFB7-409A-BE21-EBF9030DEFF4}"/>
-              </a:ext>
-            </a:extLst>
-          </p:cNvPr>
-          <p:cNvGraphicFramePr>
-            <a:graphicFrameLocks noGrp="1"/>
-          </p:cNvGraphicFramePr>
-          <p:nvPr>
-            <p:ph idx="1"/>
-            <p:extLst>
-              <p:ext uri="{D42A27DB-BD31-4B8C-83A1-F6EECF244321}">
-                <p14:modId xmlns:p14="http://schemas.microsoft.com/office/powerpoint/2010/main" val="3400375135"/>
-              </p:ext>
-            </p:extLst>
-          </p:nvPr>
-        </p:nvGraphicFramePr>
-        <p:xfrm>
-          <a:off x="823865" y="3109662"/>
+          <a:off x="1066799" y="2883325"/>
           <a:ext cx="9287347" cy="2225040"/>
         </p:xfrm>
         <a:graphic>
@@ -15101,14 +13044,14 @@
                 <a:tableStyleId>{6E25E649-3F16-4E02-A733-19D2CDBF48F0}</a:tableStyleId>
               </a:tblPr>
               <a:tblGrid>
-                <a:gridCol w="5349992">
+                <a:gridCol w="5569391">
                   <a:extLst>
                     <a:ext uri="{9D8B030D-6E8A-4147-A177-3AD203B41FA5}">
                       <a16:colId xmlns:a16="http://schemas.microsoft.com/office/drawing/2014/main" val="2857179037"/>
                     </a:ext>
                   </a:extLst>
                 </a:gridCol>
-                <a:gridCol w="1963669">
+                <a:gridCol w="1744270">
                   <a:extLst>
                     <a:ext uri="{9D8B030D-6E8A-4147-A177-3AD203B41FA5}">
                       <a16:colId xmlns:a16="http://schemas.microsoft.com/office/drawing/2014/main" val="3727384194"/>
@@ -15556,7 +13499,7 @@
                     <a:p>
                       <a:pPr algn="l"/>
                       <a:r>
-                        <a:rPr lang="en-CA" sz="1800" b="0" u="none" strike="noStrike" kern="1200" dirty="0">
+                        <a:rPr lang="en-CA" sz="1800" b="1" u="none" strike="noStrike" kern="1200" dirty="0">
                           <a:solidFill>
                             <a:srgbClr val="000000"/>
                           </a:solidFill>
@@ -15656,7 +13599,7 @@
 </p:sld>
 </file>
 
-<file path=ppt/slides/slide25.xml><?xml version="1.0" encoding="utf-8"?>
+<file path=ppt/slides/slide23.xml><?xml version="1.0" encoding="utf-8"?>
 <p:sld xmlns:a="http://schemas.openxmlformats.org/drawingml/2006/main" xmlns:r="http://schemas.openxmlformats.org/officeDocument/2006/relationships" xmlns:p="http://schemas.openxmlformats.org/presentationml/2006/main">
   <p:cSld>
     <p:spTree>
@@ -15691,7 +13634,9 @@
         </p:nvSpPr>
         <p:spPr/>
         <p:txBody>
-          <a:bodyPr/>
+          <a:bodyPr>
+            <a:normAutofit/>
+          </a:bodyPr>
           <a:lstStyle/>
           <a:p>
             <a:r>
@@ -15716,7 +13661,7 @@
           <p:nvPr>
             <p:extLst>
               <p:ext uri="{D42A27DB-BD31-4B8C-83A1-F6EECF244321}">
-                <p14:modId xmlns:p14="http://schemas.microsoft.com/office/powerpoint/2010/main" val="3604958611"/>
+                <p14:modId xmlns:p14="http://schemas.microsoft.com/office/powerpoint/2010/main" val="1212116233"/>
               </p:ext>
             </p:extLst>
           </p:nvPr>
@@ -15863,140 +13808,16 @@
                     <a:p>
                       <a:pPr algn="ctr"/>
                       <a:r>
-                        <a:rPr lang="en-CA" sz="1800" b="0" u="none" strike="noStrike" kern="1200" dirty="0">
-                          <a:solidFill>
-                            <a:srgbClr val="000000"/>
-                          </a:solidFill>
-                          <a:effectLst/>
-                          <a:latin typeface="+mn-lt"/>
-                          <a:ea typeface="+mn-ea"/>
-                          <a:cs typeface="+mn-cs"/>
-                        </a:rPr>
-                        <a:t>0.729</a:t>
-                      </a:r>
-                    </a:p>
-                  </a:txBody>
-                  <a:tcPr/>
-                </a:tc>
-                <a:tc>
-                  <a:txBody>
-                    <a:bodyPr/>
-                    <a:lstStyle/>
-                    <a:p>
-                      <a:pPr algn="ctr"/>
-                      <a:r>
-                        <a:rPr lang="en-CA" sz="1800" b="0" u="none" strike="noStrike" kern="1200">
-                          <a:solidFill>
-                            <a:srgbClr val="000000"/>
-                          </a:solidFill>
-                          <a:effectLst/>
-                          <a:latin typeface="+mn-lt"/>
-                          <a:ea typeface="+mn-ea"/>
-                          <a:cs typeface="+mn-cs"/>
-                        </a:rPr>
-                        <a:t>0.317</a:t>
-                      </a:r>
-                    </a:p>
-                  </a:txBody>
-                  <a:tcPr marL="0" marR="0" marT="0" marB="0"/>
-                </a:tc>
-                <a:extLst>
-                  <a:ext uri="{0D108BD9-81ED-4DB2-BD59-A6C34878D82A}">
-                    <a16:rowId xmlns:a16="http://schemas.microsoft.com/office/drawing/2014/main" val="392404504"/>
-                  </a:ext>
-                </a:extLst>
-              </a:tr>
-              <a:tr h="370840">
-                <a:tc>
-                  <a:txBody>
-                    <a:bodyPr/>
-                    <a:lstStyle/>
-                    <a:p>
-                      <a:pPr algn="l"/>
-                      <a:r>
-                        <a:rPr lang="en-CA" sz="1800" b="0" u="none" strike="noStrike" kern="1200" dirty="0">
-                          <a:solidFill>
-                            <a:srgbClr val="000000"/>
-                          </a:solidFill>
-                          <a:effectLst/>
-                          <a:latin typeface="+mn-lt"/>
-                          <a:ea typeface="+mn-ea"/>
-                          <a:cs typeface="+mn-cs"/>
-                        </a:rPr>
-                        <a:t>Ernie</a:t>
-                      </a:r>
-                    </a:p>
-                  </a:txBody>
-                  <a:tcPr/>
-                </a:tc>
-                <a:tc>
-                  <a:txBody>
-                    <a:bodyPr/>
-                    <a:lstStyle/>
-                    <a:p>
-                      <a:pPr algn="ctr"/>
-                      <a:r>
-                        <a:rPr lang="en-CA" sz="1800" b="0" u="none" strike="noStrike" kern="1200" dirty="0">
-                          <a:solidFill>
-                            <a:srgbClr val="000000"/>
-                          </a:solidFill>
-                          <a:effectLst/>
-                          <a:latin typeface="+mn-lt"/>
-                          <a:ea typeface="+mn-ea"/>
-                          <a:cs typeface="+mn-cs"/>
-                        </a:rPr>
-                        <a:t>0.729</a:t>
-                      </a:r>
-                    </a:p>
-                  </a:txBody>
-                  <a:tcPr/>
-                </a:tc>
-                <a:tc>
-                  <a:txBody>
-                    <a:bodyPr/>
-                    <a:lstStyle/>
-                    <a:p>
-                      <a:pPr algn="ctr"/>
-                      <a:r>
-                        <a:rPr lang="en-CA" sz="1800" b="0" u="none" strike="noStrike" kern="1200">
-                          <a:solidFill>
-                            <a:srgbClr val="000000"/>
-                          </a:solidFill>
-                          <a:effectLst/>
-                          <a:latin typeface="+mn-lt"/>
-                          <a:ea typeface="+mn-ea"/>
-                          <a:cs typeface="+mn-cs"/>
-                        </a:rPr>
-                        <a:t>0.331</a:t>
-                      </a:r>
-                    </a:p>
-                  </a:txBody>
-                  <a:tcPr marL="0" marR="0" marT="0" marB="0"/>
-                </a:tc>
-                <a:extLst>
-                  <a:ext uri="{0D108BD9-81ED-4DB2-BD59-A6C34878D82A}">
-                    <a16:rowId xmlns:a16="http://schemas.microsoft.com/office/drawing/2014/main" val="1615631518"/>
-                  </a:ext>
-                </a:extLst>
-              </a:tr>
-              <a:tr h="370840">
-                <a:tc>
-                  <a:txBody>
-                    <a:bodyPr/>
-                    <a:lstStyle/>
-                    <a:p>
-                      <a:pPr algn="l"/>
-                      <a:r>
-                        <a:rPr lang="en-CA" sz="1800" b="0" u="none" strike="noStrike" kern="1200" dirty="0" err="1">
-                          <a:solidFill>
-                            <a:srgbClr val="000000"/>
-                          </a:solidFill>
-                          <a:effectLst/>
-                          <a:latin typeface="+mn-lt"/>
-                          <a:ea typeface="+mn-ea"/>
-                          <a:cs typeface="+mn-cs"/>
-                        </a:rPr>
-                        <a:t>DeBERTa</a:t>
+                        <a:rPr lang="en-CA" sz="1800" b="0" i="0" kern="1200" dirty="0">
+                          <a:solidFill>
+                            <a:schemeClr val="dk1"/>
+                          </a:solidFill>
+                          <a:effectLst/>
+                          <a:latin typeface="+mn-lt"/>
+                          <a:ea typeface="+mn-ea"/>
+                          <a:cs typeface="+mn-cs"/>
+                        </a:rPr>
+                        <a:t>0.735</a:t>
                       </a:r>
                       <a:endParaRPr lang="en-CA" sz="1800" b="0" u="none" strike="noStrike" kern="1200" dirty="0">
                         <a:solidFill>
@@ -16018,79 +13839,16 @@
                     <a:p>
                       <a:pPr algn="ctr"/>
                       <a:r>
-                        <a:rPr lang="en-CA" sz="1800" b="0" u="none" strike="noStrike" kern="1200" dirty="0">
-                          <a:solidFill>
-                            <a:srgbClr val="000000"/>
-                          </a:solidFill>
-                          <a:effectLst/>
-                          <a:latin typeface="+mn-lt"/>
-                          <a:ea typeface="+mn-ea"/>
-                          <a:cs typeface="+mn-cs"/>
-                        </a:rPr>
-                        <a:t>0.717</a:t>
-                      </a:r>
-                    </a:p>
-                  </a:txBody>
-                  <a:tcPr/>
-                </a:tc>
-                <a:tc>
-                  <a:txBody>
-                    <a:bodyPr/>
-                    <a:lstStyle/>
-                    <a:p>
-                      <a:pPr algn="ctr"/>
-                      <a:r>
-                        <a:rPr lang="en-CA" sz="1800" b="0" u="none" strike="noStrike" kern="1200" dirty="0">
-                          <a:solidFill>
-                            <a:srgbClr val="000000"/>
-                          </a:solidFill>
-                          <a:effectLst/>
-                          <a:latin typeface="+mn-lt"/>
-                          <a:ea typeface="+mn-ea"/>
-                          <a:cs typeface="+mn-cs"/>
-                        </a:rPr>
-                        <a:t>0.352</a:t>
-                      </a:r>
-                    </a:p>
-                  </a:txBody>
-                  <a:tcPr marL="0" marR="0" marT="0" marB="0"/>
-                </a:tc>
-                <a:extLst>
-                  <a:ext uri="{0D108BD9-81ED-4DB2-BD59-A6C34878D82A}">
-                    <a16:rowId xmlns:a16="http://schemas.microsoft.com/office/drawing/2014/main" val="1698729985"/>
-                  </a:ext>
-                </a:extLst>
-              </a:tr>
-              <a:tr h="370840">
-                <a:tc>
-                  <a:txBody>
-                    <a:bodyPr/>
-                    <a:lstStyle/>
-                    <a:p>
-                      <a:pPr algn="l"/>
-                      <a:r>
-                        <a:rPr lang="en-CA" sz="1800" b="0" u="none" strike="noStrike" kern="1200" dirty="0">
-                          <a:solidFill>
-                            <a:srgbClr val="000000"/>
-                          </a:solidFill>
-                          <a:effectLst/>
-                          <a:latin typeface="+mn-lt"/>
-                          <a:ea typeface="+mn-ea"/>
-                          <a:cs typeface="+mn-cs"/>
-                        </a:rPr>
-                        <a:t>Electra + Ernie + </a:t>
-                      </a:r>
-                      <a:r>
-                        <a:rPr lang="en-CA" sz="1800" b="0" u="none" strike="noStrike" kern="1200" dirty="0" err="1">
-                          <a:solidFill>
-                            <a:srgbClr val="000000"/>
-                          </a:solidFill>
-                          <a:effectLst/>
-                          <a:latin typeface="+mn-lt"/>
-                          <a:ea typeface="+mn-ea"/>
-                          <a:cs typeface="+mn-cs"/>
-                        </a:rPr>
-                        <a:t>DeBERTa</a:t>
+                        <a:rPr lang="en-CA" sz="1800" b="0" i="0" kern="1200" dirty="0">
+                          <a:solidFill>
+                            <a:schemeClr val="dk1"/>
+                          </a:solidFill>
+                          <a:effectLst/>
+                          <a:latin typeface="+mn-lt"/>
+                          <a:ea typeface="+mn-ea"/>
+                          <a:cs typeface="+mn-cs"/>
+                        </a:rPr>
+                        <a:t>0.312</a:t>
                       </a:r>
                       <a:endParaRPr lang="en-CA" sz="1800" b="0" u="none" strike="noStrike" kern="1200" dirty="0">
                         <a:solidFill>
@@ -16102,291 +13860,12 @@
                         <a:cs typeface="+mn-cs"/>
                       </a:endParaRPr>
                     </a:p>
-                    <a:p>
-                      <a:pPr algn="l"/>
-                      <a:r>
-                        <a:rPr lang="en-CA" sz="1800" b="0" u="none" strike="noStrike" kern="1200" dirty="0">
-                          <a:solidFill>
-                            <a:srgbClr val="000000"/>
-                          </a:solidFill>
-                          <a:effectLst/>
-                          <a:latin typeface="+mn-lt"/>
-                          <a:ea typeface="+mn-ea"/>
-                          <a:cs typeface="+mn-cs"/>
-                        </a:rPr>
-                        <a:t> </a:t>
-                      </a:r>
-                      <a:r>
-                        <a:rPr lang="en-CA" sz="1800" b="0" u="none" strike="noStrike" kern="1200" dirty="0" err="1">
-                          <a:solidFill>
-                            <a:srgbClr val="000000"/>
-                          </a:solidFill>
-                          <a:effectLst/>
-                          <a:latin typeface="+mn-lt"/>
-                          <a:ea typeface="+mn-ea"/>
-                          <a:cs typeface="+mn-cs"/>
-                        </a:rPr>
-                        <a:t>GradBoost</a:t>
-                      </a:r>
-                      <a:r>
-                        <a:rPr lang="en-CA" sz="1800" b="0" u="none" strike="noStrike" kern="1200" dirty="0">
-                          <a:solidFill>
-                            <a:srgbClr val="000000"/>
-                          </a:solidFill>
-                          <a:effectLst/>
-                          <a:latin typeface="+mn-lt"/>
-                          <a:ea typeface="+mn-ea"/>
-                          <a:cs typeface="+mn-cs"/>
-                        </a:rPr>
-                        <a:t> Ensemble</a:t>
-                      </a:r>
-                    </a:p>
-                  </a:txBody>
-                  <a:tcPr/>
-                </a:tc>
-                <a:tc>
-                  <a:txBody>
-                    <a:bodyPr/>
-                    <a:lstStyle/>
-                    <a:p>
-                      <a:pPr algn="ctr"/>
-                      <a:r>
-                        <a:rPr lang="en-CA" sz="1800" b="1" u="none" strike="noStrike" kern="1200" dirty="0">
-                          <a:solidFill>
-                            <a:srgbClr val="000000"/>
-                          </a:solidFill>
-                          <a:effectLst/>
-                          <a:latin typeface="+mn-lt"/>
-                          <a:ea typeface="+mn-ea"/>
-                          <a:cs typeface="+mn-cs"/>
-                        </a:rPr>
-                        <a:t>0.734</a:t>
-                      </a:r>
-                    </a:p>
-                  </a:txBody>
-                  <a:tcPr/>
-                </a:tc>
-                <a:tc>
-                  <a:txBody>
-                    <a:bodyPr/>
-                    <a:lstStyle/>
-                    <a:p>
-                      <a:pPr algn="ctr"/>
-                      <a:r>
-                        <a:rPr lang="en-CA" sz="1800" b="1" u="none" strike="noStrike" kern="1200" dirty="0">
-                          <a:solidFill>
-                            <a:srgbClr val="000000"/>
-                          </a:solidFill>
-                          <a:effectLst/>
-                          <a:latin typeface="+mn-lt"/>
-                          <a:ea typeface="+mn-ea"/>
-                          <a:cs typeface="+mn-cs"/>
-                        </a:rPr>
-                        <a:t>0.316</a:t>
-                      </a:r>
-                    </a:p>
                   </a:txBody>
                   <a:tcPr marL="0" marR="0" marT="0" marB="0"/>
                 </a:tc>
                 <a:extLst>
                   <a:ext uri="{0D108BD9-81ED-4DB2-BD59-A6C34878D82A}">
-                    <a16:rowId xmlns:a16="http://schemas.microsoft.com/office/drawing/2014/main" val="689028486"/>
-                  </a:ext>
-                </a:extLst>
-              </a:tr>
-            </a:tbl>
-          </a:graphicData>
-        </a:graphic>
-      </p:graphicFrame>
-    </p:spTree>
-    <p:extLst>
-      <p:ext uri="{BB962C8B-B14F-4D97-AF65-F5344CB8AC3E}">
-        <p14:creationId xmlns:p14="http://schemas.microsoft.com/office/powerpoint/2010/main" val="3114719053"/>
-      </p:ext>
-    </p:extLst>
-  </p:cSld>
-  <p:clrMapOvr>
-    <a:masterClrMapping/>
-  </p:clrMapOvr>
-</p:sld>
-</file>
-
-<file path=ppt/slides/slide26.xml><?xml version="1.0" encoding="utf-8"?>
-<p:sld xmlns:a="http://schemas.openxmlformats.org/drawingml/2006/main" xmlns:r="http://schemas.openxmlformats.org/officeDocument/2006/relationships" xmlns:p="http://schemas.openxmlformats.org/presentationml/2006/main">
-  <p:cSld>
-    <p:spTree>
-      <p:nvGrpSpPr>
-        <p:cNvPr id="1" name=""/>
-        <p:cNvGrpSpPr/>
-        <p:nvPr/>
-      </p:nvGrpSpPr>
-      <p:grpSpPr>
-        <a:xfrm>
-          <a:off x="0" y="0"/>
-          <a:ext cx="0" cy="0"/>
-          <a:chOff x="0" y="0"/>
-          <a:chExt cx="0" cy="0"/>
-        </a:xfrm>
-      </p:grpSpPr>
-      <p:sp>
-        <p:nvSpPr>
-          <p:cNvPr id="2" name="Title 1">
-            <a:extLst>
-              <a:ext uri="{FF2B5EF4-FFF2-40B4-BE49-F238E27FC236}">
-                <a16:creationId xmlns:a16="http://schemas.microsoft.com/office/drawing/2014/main" id="{D71DB77B-F543-4246-A7D8-173DD47B5848}"/>
-              </a:ext>
-            </a:extLst>
-          </p:cNvPr>
-          <p:cNvSpPr>
-            <a:spLocks noGrp="1"/>
-          </p:cNvSpPr>
-          <p:nvPr>
-            <p:ph type="title"/>
-          </p:nvPr>
-        </p:nvSpPr>
-        <p:spPr/>
-        <p:txBody>
-          <a:bodyPr>
-            <a:normAutofit fontScale="90000"/>
-          </a:bodyPr>
-          <a:lstStyle/>
-          <a:p>
-            <a:r>
-              <a:rPr lang="en-CA" dirty="0"/>
-              <a:t>Results &amp; Analysis –  New Ensemble Results</a:t>
-            </a:r>
-          </a:p>
-        </p:txBody>
-      </p:sp>
-      <p:graphicFrame>
-        <p:nvGraphicFramePr>
-          <p:cNvPr id="5" name="Table 4">
-            <a:extLst>
-              <a:ext uri="{FF2B5EF4-FFF2-40B4-BE49-F238E27FC236}">
-                <a16:creationId xmlns:a16="http://schemas.microsoft.com/office/drawing/2014/main" id="{FF3CD053-EF8D-488B-898F-473783234378}"/>
-              </a:ext>
-            </a:extLst>
-          </p:cNvPr>
-          <p:cNvGraphicFramePr>
-            <a:graphicFrameLocks/>
-          </p:cNvGraphicFramePr>
-          <p:nvPr>
-            <p:extLst>
-              <p:ext uri="{D42A27DB-BD31-4B8C-83A1-F6EECF244321}">
-                <p14:modId xmlns:p14="http://schemas.microsoft.com/office/powerpoint/2010/main" val="614939252"/>
-              </p:ext>
-            </p:extLst>
-          </p:nvPr>
-        </p:nvGraphicFramePr>
-        <p:xfrm>
-          <a:off x="1365565" y="2864111"/>
-          <a:ext cx="8392562" cy="2123440"/>
-        </p:xfrm>
-        <a:graphic>
-          <a:graphicData uri="http://schemas.openxmlformats.org/drawingml/2006/table">
-            <a:tbl>
-              <a:tblPr firstRow="1" bandRow="1">
-                <a:tableStyleId>{6E25E649-3F16-4E02-A733-19D2CDBF48F0}</a:tableStyleId>
-              </a:tblPr>
-              <a:tblGrid>
-                <a:gridCol w="4834550">
-                  <a:extLst>
-                    <a:ext uri="{9D8B030D-6E8A-4147-A177-3AD203B41FA5}">
-                      <a16:colId xmlns:a16="http://schemas.microsoft.com/office/drawing/2014/main" val="2857179037"/>
-                    </a:ext>
-                  </a:extLst>
-                </a:gridCol>
-                <a:gridCol w="1774480">
-                  <a:extLst>
-                    <a:ext uri="{9D8B030D-6E8A-4147-A177-3AD203B41FA5}">
-                      <a16:colId xmlns:a16="http://schemas.microsoft.com/office/drawing/2014/main" val="3727384194"/>
-                    </a:ext>
-                  </a:extLst>
-                </a:gridCol>
-                <a:gridCol w="1783532">
-                  <a:extLst>
-                    <a:ext uri="{9D8B030D-6E8A-4147-A177-3AD203B41FA5}">
-                      <a16:colId xmlns:a16="http://schemas.microsoft.com/office/drawing/2014/main" val="4143390719"/>
-                    </a:ext>
-                  </a:extLst>
-                </a:gridCol>
-              </a:tblGrid>
-              <a:tr h="370840">
-                <a:tc>
-                  <a:txBody>
-                    <a:bodyPr/>
-                    <a:lstStyle/>
-                    <a:p>
-                      <a:pPr marL="0" algn="ctr" defTabSz="914400" rtl="0" eaLnBrk="1" fontAlgn="b" latinLnBrk="0" hangingPunct="1"/>
-                      <a:r>
-                        <a:rPr lang="en-CA" sz="1800" b="1" u="none" strike="noStrike" kern="1200" dirty="0">
-                          <a:solidFill>
-                            <a:schemeClr val="bg1"/>
-                          </a:solidFill>
-                          <a:effectLst/>
-                          <a:latin typeface="+mn-lt"/>
-                          <a:ea typeface="+mn-ea"/>
-                          <a:cs typeface="+mn-cs"/>
-                        </a:rPr>
-                        <a:t>Baseline</a:t>
-                      </a:r>
-                    </a:p>
-                  </a:txBody>
-                  <a:tcPr/>
-                </a:tc>
-                <a:tc>
-                  <a:txBody>
-                    <a:bodyPr/>
-                    <a:lstStyle/>
-                    <a:p>
-                      <a:pPr algn="ctr" fontAlgn="b"/>
-                      <a:r>
-                        <a:rPr lang="en-CA" sz="1800" dirty="0">
-                          <a:effectLst/>
-                        </a:rPr>
-                        <a:t>Accuracy</a:t>
-                      </a:r>
-                      <a:endParaRPr lang="en-CA" sz="1800" b="1" u="none" strike="noStrike" kern="1200" dirty="0">
-                        <a:solidFill>
-                          <a:schemeClr val="bg1"/>
-                        </a:solidFill>
-                        <a:effectLst/>
-                        <a:latin typeface="+mn-lt"/>
-                        <a:ea typeface="+mn-ea"/>
-                        <a:cs typeface="+mn-cs"/>
-                      </a:endParaRPr>
-                    </a:p>
-                  </a:txBody>
-                  <a:tcPr marL="9525" marR="9525" marT="9525" marB="0" anchor="b"/>
-                </a:tc>
-                <a:tc>
-                  <a:txBody>
-                    <a:bodyPr/>
-                    <a:lstStyle/>
-                    <a:p>
-                      <a:pPr algn="ctr" fontAlgn="b"/>
-                      <a:r>
-                        <a:rPr lang="en-CA" sz="1800" dirty="0">
-                          <a:effectLst/>
-                        </a:rPr>
-                        <a:t>MSE</a:t>
-                      </a:r>
-                      <a:endParaRPr lang="en-CA" sz="1800" b="1" u="none" strike="noStrike" kern="1200" dirty="0">
-                        <a:solidFill>
-                          <a:schemeClr val="bg1"/>
-                        </a:solidFill>
-                        <a:effectLst/>
-                        <a:latin typeface="+mn-lt"/>
-                        <a:ea typeface="+mn-ea"/>
-                        <a:cs typeface="+mn-cs"/>
-                      </a:endParaRPr>
-                    </a:p>
-                  </a:txBody>
-                  <a:tcPr marL="9525" marR="9525" marT="9525" marB="0" anchor="b"/>
-                </a:tc>
-                <a:extLst>
-                  <a:ext uri="{0D108BD9-81ED-4DB2-BD59-A6C34878D82A}">
-                    <a16:rowId xmlns:a16="http://schemas.microsoft.com/office/drawing/2014/main" val="352827595"/>
+                    <a16:rowId xmlns:a16="http://schemas.microsoft.com/office/drawing/2014/main" val="392404504"/>
                   </a:ext>
                 </a:extLst>
               </a:tr>
@@ -16407,7 +13886,7 @@
                           <a:ea typeface="+mn-ea"/>
                           <a:cs typeface="+mn-cs"/>
                         </a:rPr>
-                        <a:t>Electra</a:t>
+                        <a:t>Ernie</a:t>
                       </a:r>
                     </a:p>
                   </a:txBody>
@@ -16429,7 +13908,7 @@
                           <a:ea typeface="+mn-ea"/>
                           <a:cs typeface="+mn-cs"/>
                         </a:rPr>
-                        <a:t>0.735</a:t>
+                        <a:t>0.729</a:t>
                       </a:r>
                       <a:endParaRPr lang="en-CA" sz="1800" b="0" u="none" strike="noStrike" kern="1200" dirty="0">
                         <a:solidFill>
@@ -16460,7 +13939,7 @@
                           <a:ea typeface="+mn-ea"/>
                           <a:cs typeface="+mn-cs"/>
                         </a:rPr>
-                        <a:t>0.312</a:t>
+                        <a:t>0.328</a:t>
                       </a:r>
                       <a:endParaRPr lang="en-CA" sz="1800" b="0" u="none" strike="noStrike" kern="1200" dirty="0">
                         <a:solidFill>
@@ -16477,7 +13956,7 @@
                 </a:tc>
                 <a:extLst>
                   <a:ext uri="{0D108BD9-81ED-4DB2-BD59-A6C34878D82A}">
-                    <a16:rowId xmlns:a16="http://schemas.microsoft.com/office/drawing/2014/main" val="392404504"/>
+                    <a16:rowId xmlns:a16="http://schemas.microsoft.com/office/drawing/2014/main" val="1615631518"/>
                   </a:ext>
                 </a:extLst>
               </a:tr>
@@ -16489,38 +13968,16 @@
                     <a:p>
                       <a:pPr algn="l"/>
                       <a:r>
-                        <a:rPr lang="en-CA" sz="1800" b="0" u="none" strike="noStrike" kern="1200" dirty="0">
-                          <a:solidFill>
-                            <a:srgbClr val="000000"/>
-                          </a:solidFill>
-                          <a:effectLst/>
-                          <a:latin typeface="+mn-lt"/>
-                          <a:ea typeface="+mn-ea"/>
-                          <a:cs typeface="+mn-cs"/>
-                        </a:rPr>
-                        <a:t>Ernie</a:t>
-                      </a:r>
-                    </a:p>
-                  </a:txBody>
-                  <a:tcPr/>
-                </a:tc>
-                <a:tc>
-                  <a:txBody>
-                    <a:bodyPr/>
-                    <a:lstStyle/>
-                    <a:p>
-                      <a:pPr algn="ctr"/>
-                      <a:r>
-                        <a:rPr lang="en-CA" sz="1800" b="0" i="0" kern="1200" dirty="0">
-                          <a:solidFill>
-                            <a:schemeClr val="dk1"/>
-                          </a:solidFill>
-                          <a:effectLst/>
-                          <a:latin typeface="+mn-lt"/>
-                          <a:ea typeface="+mn-ea"/>
-                          <a:cs typeface="+mn-cs"/>
-                        </a:rPr>
-                        <a:t>0.729</a:t>
+                        <a:rPr lang="en-CA" sz="1800" b="0" u="none" strike="noStrike" kern="1200" dirty="0" err="1">
+                          <a:solidFill>
+                            <a:srgbClr val="000000"/>
+                          </a:solidFill>
+                          <a:effectLst/>
+                          <a:latin typeface="+mn-lt"/>
+                          <a:ea typeface="+mn-ea"/>
+                          <a:cs typeface="+mn-cs"/>
+                        </a:rPr>
+                        <a:t>DeBERTa</a:t>
                       </a:r>
                       <a:endParaRPr lang="en-CA" sz="1800" b="0" u="none" strike="noStrike" kern="1200" dirty="0">
                         <a:solidFill>
@@ -16551,7 +14008,7 @@
                           <a:ea typeface="+mn-ea"/>
                           <a:cs typeface="+mn-cs"/>
                         </a:rPr>
-                        <a:t>0.328</a:t>
+                        <a:t>0.731</a:t>
                       </a:r>
                       <a:endParaRPr lang="en-CA" sz="1800" b="0" u="none" strike="noStrike" kern="1200" dirty="0">
                         <a:solidFill>
@@ -16564,32 +14021,25 @@
                       </a:endParaRPr>
                     </a:p>
                   </a:txBody>
-                  <a:tcPr marL="0" marR="0" marT="0" marB="0"/>
-                </a:tc>
-                <a:extLst>
-                  <a:ext uri="{0D108BD9-81ED-4DB2-BD59-A6C34878D82A}">
-                    <a16:rowId xmlns:a16="http://schemas.microsoft.com/office/drawing/2014/main" val="1615631518"/>
-                  </a:ext>
-                </a:extLst>
-              </a:tr>
-              <a:tr h="370840">
-                <a:tc>
-                  <a:txBody>
-                    <a:bodyPr/>
-                    <a:lstStyle/>
-                    <a:p>
-                      <a:pPr algn="l"/>
-                      <a:r>
-                        <a:rPr lang="en-CA" sz="1800" b="0" u="none" strike="noStrike" kern="1200" dirty="0" err="1">
-                          <a:solidFill>
-                            <a:srgbClr val="000000"/>
-                          </a:solidFill>
-                          <a:effectLst/>
-                          <a:latin typeface="+mn-lt"/>
-                          <a:ea typeface="+mn-ea"/>
-                          <a:cs typeface="+mn-cs"/>
-                        </a:rPr>
-                        <a:t>DeBERTa</a:t>
+                  <a:tcPr/>
+                </a:tc>
+                <a:tc>
+                  <a:txBody>
+                    <a:bodyPr/>
+                    <a:lstStyle/>
+                    <a:p>
+                      <a:pPr algn="ctr"/>
+                      <a:r>
+                        <a:rPr lang="en-CA" sz="1800" b="0" i="0" kern="1200" dirty="0">
+                          <a:solidFill>
+                            <a:schemeClr val="dk1"/>
+                          </a:solidFill>
+                          <a:effectLst/>
+                          <a:latin typeface="+mn-lt"/>
+                          <a:ea typeface="+mn-ea"/>
+                          <a:cs typeface="+mn-cs"/>
+                        </a:rPr>
+                        <a:t>0.320</a:t>
                       </a:r>
                       <a:endParaRPr lang="en-CA" sz="1800" b="0" u="none" strike="noStrike" kern="1200" dirty="0">
                         <a:solidFill>
@@ -16602,27 +14052,46 @@
                       </a:endParaRPr>
                     </a:p>
                   </a:txBody>
-                  <a:tcPr/>
-                </a:tc>
-                <a:tc>
-                  <a:txBody>
-                    <a:bodyPr/>
-                    <a:lstStyle/>
-                    <a:p>
-                      <a:pPr algn="ctr"/>
-                      <a:r>
-                        <a:rPr lang="en-CA" sz="1800" b="0" i="0" kern="1200" dirty="0">
-                          <a:solidFill>
-                            <a:schemeClr val="dk1"/>
-                          </a:solidFill>
-                          <a:effectLst/>
-                          <a:latin typeface="+mn-lt"/>
-                          <a:ea typeface="+mn-ea"/>
-                          <a:cs typeface="+mn-cs"/>
-                        </a:rPr>
-                        <a:t>0.731</a:t>
-                      </a:r>
-                      <a:endParaRPr lang="en-CA" sz="1800" b="0" u="none" strike="noStrike" kern="1200" dirty="0">
+                  <a:tcPr marL="0" marR="0" marT="0" marB="0"/>
+                </a:tc>
+                <a:extLst>
+                  <a:ext uri="{0D108BD9-81ED-4DB2-BD59-A6C34878D82A}">
+                    <a16:rowId xmlns:a16="http://schemas.microsoft.com/office/drawing/2014/main" val="1698729985"/>
+                  </a:ext>
+                </a:extLst>
+              </a:tr>
+              <a:tr h="370840">
+                <a:tc>
+                  <a:txBody>
+                    <a:bodyPr/>
+                    <a:lstStyle/>
+                    <a:p>
+                      <a:pPr algn="l"/>
+                      <a:r>
+                        <a:rPr lang="en-CA" sz="1800" b="1" u="none" strike="noStrike" kern="1200" dirty="0">
+                          <a:solidFill>
+                            <a:srgbClr val="000000"/>
+                          </a:solidFill>
+                          <a:effectLst/>
+                          <a:latin typeface="+mn-lt"/>
+                          <a:ea typeface="+mn-ea"/>
+                          <a:cs typeface="+mn-cs"/>
+                        </a:rPr>
+                        <a:t>Electra + Ernie + </a:t>
+                      </a:r>
+                      <a:r>
+                        <a:rPr lang="en-CA" sz="1800" b="1" u="none" strike="noStrike" kern="1200" dirty="0" err="1">
+                          <a:solidFill>
+                            <a:srgbClr val="000000"/>
+                          </a:solidFill>
+                          <a:effectLst/>
+                          <a:latin typeface="+mn-lt"/>
+                          <a:ea typeface="+mn-ea"/>
+                          <a:cs typeface="+mn-cs"/>
+                        </a:rPr>
+                        <a:t>DeBERTa</a:t>
+                      </a:r>
+                      <a:endParaRPr lang="en-CA" sz="1800" b="1" u="none" strike="noStrike" kern="1200" dirty="0">
                         <a:solidFill>
                           <a:srgbClr val="000000"/>
                         </a:solidFill>
@@ -16632,91 +14101,10 @@
                         <a:cs typeface="+mn-cs"/>
                       </a:endParaRPr>
                     </a:p>
-                  </a:txBody>
-                  <a:tcPr/>
-                </a:tc>
-                <a:tc>
-                  <a:txBody>
-                    <a:bodyPr/>
-                    <a:lstStyle/>
-                    <a:p>
-                      <a:pPr algn="ctr"/>
-                      <a:r>
-                        <a:rPr lang="en-CA" sz="1800" b="0" i="0" kern="1200" dirty="0">
-                          <a:solidFill>
-                            <a:schemeClr val="dk1"/>
-                          </a:solidFill>
-                          <a:effectLst/>
-                          <a:latin typeface="+mn-lt"/>
-                          <a:ea typeface="+mn-ea"/>
-                          <a:cs typeface="+mn-cs"/>
-                        </a:rPr>
-                        <a:t>0.320</a:t>
-                      </a:r>
-                      <a:endParaRPr lang="en-CA" sz="1800" b="0" u="none" strike="noStrike" kern="1200" dirty="0">
-                        <a:solidFill>
-                          <a:srgbClr val="000000"/>
-                        </a:solidFill>
-                        <a:effectLst/>
-                        <a:latin typeface="+mn-lt"/>
-                        <a:ea typeface="+mn-ea"/>
-                        <a:cs typeface="+mn-cs"/>
-                      </a:endParaRPr>
-                    </a:p>
-                  </a:txBody>
-                  <a:tcPr marL="0" marR="0" marT="0" marB="0"/>
-                </a:tc>
-                <a:extLst>
-                  <a:ext uri="{0D108BD9-81ED-4DB2-BD59-A6C34878D82A}">
-                    <a16:rowId xmlns:a16="http://schemas.microsoft.com/office/drawing/2014/main" val="1698729985"/>
-                  </a:ext>
-                </a:extLst>
-              </a:tr>
-              <a:tr h="370840">
-                <a:tc>
-                  <a:txBody>
-                    <a:bodyPr/>
-                    <a:lstStyle/>
                     <a:p>
                       <a:pPr algn="l"/>
                       <a:r>
-                        <a:rPr lang="en-CA" sz="1800" b="0" u="none" strike="noStrike" kern="1200" dirty="0">
-                          <a:solidFill>
-                            <a:srgbClr val="000000"/>
-                          </a:solidFill>
-                          <a:effectLst/>
-                          <a:latin typeface="+mn-lt"/>
-                          <a:ea typeface="+mn-ea"/>
-                          <a:cs typeface="+mn-cs"/>
-                        </a:rPr>
-                        <a:t>Electra + Ernie + </a:t>
-                      </a:r>
-                      <a:r>
-                        <a:rPr lang="en-CA" sz="1800" b="0" u="none" strike="noStrike" kern="1200" dirty="0" err="1">
-                          <a:solidFill>
-                            <a:srgbClr val="000000"/>
-                          </a:solidFill>
-                          <a:effectLst/>
-                          <a:latin typeface="+mn-lt"/>
-                          <a:ea typeface="+mn-ea"/>
-                          <a:cs typeface="+mn-cs"/>
-                        </a:rPr>
-                        <a:t>DeBERTa</a:t>
-                      </a:r>
-                      <a:endParaRPr lang="en-CA" sz="1800" b="0" u="none" strike="noStrike" kern="1200" dirty="0">
-                        <a:solidFill>
-                          <a:srgbClr val="000000"/>
-                        </a:solidFill>
-                        <a:effectLst/>
-                        <a:latin typeface="+mn-lt"/>
-                        <a:ea typeface="+mn-ea"/>
-                        <a:cs typeface="+mn-cs"/>
-                      </a:endParaRPr>
-                    </a:p>
-                    <a:p>
-                      <a:pPr algn="l"/>
-                      <a:r>
-                        <a:rPr lang="en-CA" sz="1800" b="0" u="none" strike="noStrike" kern="1200" dirty="0">
+                        <a:rPr lang="en-CA" sz="1800" b="1" u="none" strike="noStrike" kern="1200" dirty="0">
                           <a:solidFill>
                             <a:srgbClr val="000000"/>
                           </a:solidFill>
@@ -16728,19 +14116,19 @@
                         <a:t> </a:t>
                       </a:r>
                       <a:r>
-                        <a:rPr lang="en-CA" sz="1800" b="0" u="none" strike="noStrike" kern="1200" dirty="0" err="1">
-                          <a:solidFill>
-                            <a:srgbClr val="000000"/>
-                          </a:solidFill>
-                          <a:effectLst/>
-                          <a:latin typeface="+mn-lt"/>
-                          <a:ea typeface="+mn-ea"/>
-                          <a:cs typeface="+mn-cs"/>
-                        </a:rPr>
-                        <a:t>GradBoost</a:t>
-                      </a:r>
-                      <a:r>
-                        <a:rPr lang="en-CA" sz="1800" b="0" u="none" strike="noStrike" kern="1200" dirty="0">
+                        <a:rPr lang="en-CA" sz="1800" b="1" u="none" strike="noStrike" kern="1200" dirty="0" err="1">
+                          <a:solidFill>
+                            <a:srgbClr val="000000"/>
+                          </a:solidFill>
+                          <a:effectLst/>
+                          <a:latin typeface="+mn-lt"/>
+                          <a:ea typeface="+mn-ea"/>
+                          <a:cs typeface="+mn-cs"/>
+                        </a:rPr>
+                        <a:t>GradientBoost</a:t>
+                      </a:r>
+                      <a:r>
+                        <a:rPr lang="en-CA" sz="1800" b="1" u="none" strike="noStrike" kern="1200" dirty="0">
                           <a:solidFill>
                             <a:srgbClr val="000000"/>
                           </a:solidFill>
@@ -16840,636 +14228,7 @@
 </p:sld>
 </file>
 
-<file path=ppt/slides/slide27.xml><?xml version="1.0" encoding="utf-8"?>
-<p:sld xmlns:a="http://schemas.openxmlformats.org/drawingml/2006/main" xmlns:r="http://schemas.openxmlformats.org/officeDocument/2006/relationships" xmlns:p="http://schemas.openxmlformats.org/presentationml/2006/main">
-  <p:cSld>
-    <p:spTree>
-      <p:nvGrpSpPr>
-        <p:cNvPr id="1" name=""/>
-        <p:cNvGrpSpPr/>
-        <p:nvPr/>
-      </p:nvGrpSpPr>
-      <p:grpSpPr>
-        <a:xfrm>
-          <a:off x="0" y="0"/>
-          <a:ext cx="0" cy="0"/>
-          <a:chOff x="0" y="0"/>
-          <a:chExt cx="0" cy="0"/>
-        </a:xfrm>
-      </p:grpSpPr>
-      <p:sp>
-        <p:nvSpPr>
-          <p:cNvPr id="2" name="Title 1">
-            <a:extLst>
-              <a:ext uri="{FF2B5EF4-FFF2-40B4-BE49-F238E27FC236}">
-                <a16:creationId xmlns:a16="http://schemas.microsoft.com/office/drawing/2014/main" id="{D71DB77B-F543-4246-A7D8-173DD47B5848}"/>
-              </a:ext>
-            </a:extLst>
-          </p:cNvPr>
-          <p:cNvSpPr>
-            <a:spLocks noGrp="1"/>
-          </p:cNvSpPr>
-          <p:nvPr>
-            <p:ph type="title"/>
-          </p:nvPr>
-        </p:nvSpPr>
-        <p:spPr/>
-        <p:txBody>
-          <a:bodyPr>
-            <a:normAutofit fontScale="90000"/>
-          </a:bodyPr>
-          <a:lstStyle/>
-          <a:p>
-            <a:r>
-              <a:rPr lang="en-CA" dirty="0"/>
-              <a:t>Results &amp; Analysis –  New Ensemble Results</a:t>
-            </a:r>
-          </a:p>
-        </p:txBody>
-      </p:sp>
-      <p:graphicFrame>
-        <p:nvGraphicFramePr>
-          <p:cNvPr id="5" name="Table 4">
-            <a:extLst>
-              <a:ext uri="{FF2B5EF4-FFF2-40B4-BE49-F238E27FC236}">
-                <a16:creationId xmlns:a16="http://schemas.microsoft.com/office/drawing/2014/main" id="{FF3CD053-EF8D-488B-898F-473783234378}"/>
-              </a:ext>
-            </a:extLst>
-          </p:cNvPr>
-          <p:cNvGraphicFramePr>
-            <a:graphicFrameLocks/>
-          </p:cNvGraphicFramePr>
-          <p:nvPr>
-            <p:extLst>
-              <p:ext uri="{D42A27DB-BD31-4B8C-83A1-F6EECF244321}">
-                <p14:modId xmlns:p14="http://schemas.microsoft.com/office/powerpoint/2010/main" val="1811151919"/>
-              </p:ext>
-            </p:extLst>
-          </p:nvPr>
-        </p:nvGraphicFramePr>
-        <p:xfrm>
-          <a:off x="1365565" y="2864111"/>
-          <a:ext cx="8392562" cy="2123440"/>
-        </p:xfrm>
-        <a:graphic>
-          <a:graphicData uri="http://schemas.openxmlformats.org/drawingml/2006/table">
-            <a:tbl>
-              <a:tblPr firstRow="1" bandRow="1">
-                <a:tableStyleId>{6E25E649-3F16-4E02-A733-19D2CDBF48F0}</a:tableStyleId>
-              </a:tblPr>
-              <a:tblGrid>
-                <a:gridCol w="4834550">
-                  <a:extLst>
-                    <a:ext uri="{9D8B030D-6E8A-4147-A177-3AD203B41FA5}">
-                      <a16:colId xmlns:a16="http://schemas.microsoft.com/office/drawing/2014/main" val="2857179037"/>
-                    </a:ext>
-                  </a:extLst>
-                </a:gridCol>
-                <a:gridCol w="1774480">
-                  <a:extLst>
-                    <a:ext uri="{9D8B030D-6E8A-4147-A177-3AD203B41FA5}">
-                      <a16:colId xmlns:a16="http://schemas.microsoft.com/office/drawing/2014/main" val="3727384194"/>
-                    </a:ext>
-                  </a:extLst>
-                </a:gridCol>
-                <a:gridCol w="1783532">
-                  <a:extLst>
-                    <a:ext uri="{9D8B030D-6E8A-4147-A177-3AD203B41FA5}">
-                      <a16:colId xmlns:a16="http://schemas.microsoft.com/office/drawing/2014/main" val="4143390719"/>
-                    </a:ext>
-                  </a:extLst>
-                </a:gridCol>
-              </a:tblGrid>
-              <a:tr h="370840">
-                <a:tc>
-                  <a:txBody>
-                    <a:bodyPr/>
-                    <a:lstStyle/>
-                    <a:p>
-                      <a:pPr marL="0" algn="ctr" defTabSz="914400" rtl="0" eaLnBrk="1" fontAlgn="b" latinLnBrk="0" hangingPunct="1"/>
-                      <a:r>
-                        <a:rPr lang="en-CA" sz="1800" b="1" u="none" strike="noStrike" kern="1200" dirty="0">
-                          <a:solidFill>
-                            <a:schemeClr val="bg1"/>
-                          </a:solidFill>
-                          <a:effectLst/>
-                          <a:latin typeface="+mn-lt"/>
-                          <a:ea typeface="+mn-ea"/>
-                          <a:cs typeface="+mn-cs"/>
-                        </a:rPr>
-                        <a:t>Baseline</a:t>
-                      </a:r>
-                    </a:p>
-                  </a:txBody>
-                  <a:tcPr/>
-                </a:tc>
-                <a:tc>
-                  <a:txBody>
-                    <a:bodyPr/>
-                    <a:lstStyle/>
-                    <a:p>
-                      <a:pPr algn="ctr" fontAlgn="b"/>
-                      <a:r>
-                        <a:rPr lang="en-CA" sz="1800" dirty="0">
-                          <a:effectLst/>
-                        </a:rPr>
-                        <a:t>Accuracy</a:t>
-                      </a:r>
-                      <a:endParaRPr lang="en-CA" sz="1800" b="1" u="none" strike="noStrike" kern="1200" dirty="0">
-                        <a:solidFill>
-                          <a:schemeClr val="bg1"/>
-                        </a:solidFill>
-                        <a:effectLst/>
-                        <a:latin typeface="+mn-lt"/>
-                        <a:ea typeface="+mn-ea"/>
-                        <a:cs typeface="+mn-cs"/>
-                      </a:endParaRPr>
-                    </a:p>
-                  </a:txBody>
-                  <a:tcPr marL="9525" marR="9525" marT="9525" marB="0" anchor="b"/>
-                </a:tc>
-                <a:tc>
-                  <a:txBody>
-                    <a:bodyPr/>
-                    <a:lstStyle/>
-                    <a:p>
-                      <a:pPr algn="ctr" fontAlgn="b"/>
-                      <a:r>
-                        <a:rPr lang="en-CA" sz="1800" dirty="0">
-                          <a:effectLst/>
-                        </a:rPr>
-                        <a:t>MSE</a:t>
-                      </a:r>
-                      <a:endParaRPr lang="en-CA" sz="1800" b="1" u="none" strike="noStrike" kern="1200" dirty="0">
-                        <a:solidFill>
-                          <a:schemeClr val="bg1"/>
-                        </a:solidFill>
-                        <a:effectLst/>
-                        <a:latin typeface="+mn-lt"/>
-                        <a:ea typeface="+mn-ea"/>
-                        <a:cs typeface="+mn-cs"/>
-                      </a:endParaRPr>
-                    </a:p>
-                  </a:txBody>
-                  <a:tcPr marL="9525" marR="9525" marT="9525" marB="0" anchor="b"/>
-                </a:tc>
-                <a:extLst>
-                  <a:ext uri="{0D108BD9-81ED-4DB2-BD59-A6C34878D82A}">
-                    <a16:rowId xmlns:a16="http://schemas.microsoft.com/office/drawing/2014/main" val="352827595"/>
-                  </a:ext>
-                </a:extLst>
-              </a:tr>
-              <a:tr h="370840">
-                <a:tc>
-                  <a:txBody>
-                    <a:bodyPr/>
-                    <a:lstStyle/>
-                    <a:p>
-                      <a:pPr algn="l"/>
-                      <a:r>
-                        <a:rPr lang="en-CA" sz="1800" b="0" u="none" strike="noStrike" kern="1200" dirty="0">
-                          <a:solidFill>
-                            <a:srgbClr val="000000"/>
-                          </a:solidFill>
-                          <a:effectLst/>
-                          <a:latin typeface="+mn-lt"/>
-                          <a:ea typeface="+mn-ea"/>
-                          <a:cs typeface="+mn-cs"/>
-                        </a:rPr>
-                        <a:t>Electra</a:t>
-                      </a:r>
-                    </a:p>
-                  </a:txBody>
-                  <a:tcPr/>
-                </a:tc>
-                <a:tc>
-                  <a:txBody>
-                    <a:bodyPr/>
-                    <a:lstStyle/>
-                    <a:p>
-                      <a:pPr algn="ctr"/>
-                      <a:r>
-                        <a:rPr lang="en-CA" sz="1800" b="0" i="0" kern="1200" dirty="0">
-                          <a:solidFill>
-                            <a:schemeClr val="dk1"/>
-                          </a:solidFill>
-                          <a:effectLst/>
-                          <a:latin typeface="+mn-lt"/>
-                          <a:ea typeface="+mn-ea"/>
-                          <a:cs typeface="+mn-cs"/>
-                        </a:rPr>
-                        <a:t>0.7353594</a:t>
-                      </a:r>
-                      <a:endParaRPr lang="en-CA" sz="1800" b="0" u="none" strike="noStrike" kern="1200" dirty="0">
-                        <a:solidFill>
-                          <a:srgbClr val="000000"/>
-                        </a:solidFill>
-                        <a:effectLst/>
-                        <a:latin typeface="+mn-lt"/>
-                        <a:ea typeface="+mn-ea"/>
-                        <a:cs typeface="+mn-cs"/>
-                      </a:endParaRPr>
-                    </a:p>
-                  </a:txBody>
-                  <a:tcPr/>
-                </a:tc>
-                <a:tc>
-                  <a:txBody>
-                    <a:bodyPr/>
-                    <a:lstStyle/>
-                    <a:p>
-                      <a:pPr algn="ctr"/>
-                      <a:r>
-                        <a:rPr lang="en-CA" sz="1800" b="0" i="0" kern="1200" dirty="0">
-                          <a:solidFill>
-                            <a:schemeClr val="dk1"/>
-                          </a:solidFill>
-                          <a:effectLst/>
-                          <a:latin typeface="+mn-lt"/>
-                          <a:ea typeface="+mn-ea"/>
-                          <a:cs typeface="+mn-cs"/>
-                        </a:rPr>
-                        <a:t>0.3116013</a:t>
-                      </a:r>
-                      <a:endParaRPr lang="en-CA" sz="1800" b="0" u="none" strike="noStrike" kern="1200" dirty="0">
-                        <a:solidFill>
-                          <a:srgbClr val="000000"/>
-                        </a:solidFill>
-                        <a:effectLst/>
-                        <a:latin typeface="+mn-lt"/>
-                        <a:ea typeface="+mn-ea"/>
-                        <a:cs typeface="+mn-cs"/>
-                      </a:endParaRPr>
-                    </a:p>
-                  </a:txBody>
-                  <a:tcPr marL="0" marR="0" marT="0" marB="0"/>
-                </a:tc>
-                <a:extLst>
-                  <a:ext uri="{0D108BD9-81ED-4DB2-BD59-A6C34878D82A}">
-                    <a16:rowId xmlns:a16="http://schemas.microsoft.com/office/drawing/2014/main" val="392404504"/>
-                  </a:ext>
-                </a:extLst>
-              </a:tr>
-              <a:tr h="370840">
-                <a:tc>
-                  <a:txBody>
-                    <a:bodyPr/>
-                    <a:lstStyle/>
-                    <a:p>
-                      <a:pPr algn="l"/>
-                      <a:r>
-                        <a:rPr lang="en-CA" sz="1800" b="0" u="none" strike="noStrike" kern="1200" dirty="0">
-                          <a:solidFill>
-                            <a:srgbClr val="000000"/>
-                          </a:solidFill>
-                          <a:effectLst/>
-                          <a:latin typeface="+mn-lt"/>
-                          <a:ea typeface="+mn-ea"/>
-                          <a:cs typeface="+mn-cs"/>
-                        </a:rPr>
-                        <a:t>Ernie</a:t>
-                      </a:r>
-                    </a:p>
-                  </a:txBody>
-                  <a:tcPr/>
-                </a:tc>
-                <a:tc>
-                  <a:txBody>
-                    <a:bodyPr/>
-                    <a:lstStyle/>
-                    <a:p>
-                      <a:pPr algn="ctr"/>
-                      <a:r>
-                        <a:rPr lang="en-CA" sz="1800" b="0" i="0" kern="1200" dirty="0">
-                          <a:solidFill>
-                            <a:schemeClr val="dk1"/>
-                          </a:solidFill>
-                          <a:effectLst/>
-                          <a:latin typeface="+mn-lt"/>
-                          <a:ea typeface="+mn-ea"/>
-                          <a:cs typeface="+mn-cs"/>
-                        </a:rPr>
-                        <a:t>0.729150</a:t>
-                      </a:r>
-                      <a:endParaRPr lang="en-CA" sz="1800" b="0" u="none" strike="noStrike" kern="1200" dirty="0">
-                        <a:solidFill>
-                          <a:srgbClr val="000000"/>
-                        </a:solidFill>
-                        <a:effectLst/>
-                        <a:latin typeface="+mn-lt"/>
-                        <a:ea typeface="+mn-ea"/>
-                        <a:cs typeface="+mn-cs"/>
-                      </a:endParaRPr>
-                    </a:p>
-                  </a:txBody>
-                  <a:tcPr/>
-                </a:tc>
-                <a:tc>
-                  <a:txBody>
-                    <a:bodyPr/>
-                    <a:lstStyle/>
-                    <a:p>
-                      <a:pPr algn="ctr"/>
-                      <a:r>
-                        <a:rPr lang="en-CA" sz="1800" b="0" i="0" kern="1200" dirty="0">
-                          <a:solidFill>
-                            <a:schemeClr val="dk1"/>
-                          </a:solidFill>
-                          <a:effectLst/>
-                          <a:latin typeface="+mn-lt"/>
-                          <a:ea typeface="+mn-ea"/>
-                          <a:cs typeface="+mn-cs"/>
-                        </a:rPr>
-                        <a:t>0.327549</a:t>
-                      </a:r>
-                      <a:endParaRPr lang="en-CA" sz="1800" b="0" u="none" strike="noStrike" kern="1200" dirty="0">
-                        <a:solidFill>
-                          <a:srgbClr val="000000"/>
-                        </a:solidFill>
-                        <a:effectLst/>
-                        <a:latin typeface="+mn-lt"/>
-                        <a:ea typeface="+mn-ea"/>
-                        <a:cs typeface="+mn-cs"/>
-                      </a:endParaRPr>
-                    </a:p>
-                  </a:txBody>
-                  <a:tcPr marL="0" marR="0" marT="0" marB="0"/>
-                </a:tc>
-                <a:extLst>
-                  <a:ext uri="{0D108BD9-81ED-4DB2-BD59-A6C34878D82A}">
-                    <a16:rowId xmlns:a16="http://schemas.microsoft.com/office/drawing/2014/main" val="1615631518"/>
-                  </a:ext>
-                </a:extLst>
-              </a:tr>
-              <a:tr h="370840">
-                <a:tc>
-                  <a:txBody>
-                    <a:bodyPr/>
-                    <a:lstStyle/>
-                    <a:p>
-                      <a:pPr algn="l"/>
-                      <a:r>
-                        <a:rPr lang="en-CA" sz="1800" b="0" u="none" strike="noStrike" kern="1200" dirty="0" err="1">
-                          <a:solidFill>
-                            <a:srgbClr val="000000"/>
-                          </a:solidFill>
-                          <a:effectLst/>
-                          <a:latin typeface="+mn-lt"/>
-                          <a:ea typeface="+mn-ea"/>
-                          <a:cs typeface="+mn-cs"/>
-                        </a:rPr>
-                        <a:t>DeBERTa</a:t>
-                      </a:r>
-                      <a:endParaRPr lang="en-CA" sz="1800" b="0" u="none" strike="noStrike" kern="1200" dirty="0">
-                        <a:solidFill>
-                          <a:srgbClr val="000000"/>
-                        </a:solidFill>
-                        <a:effectLst/>
-                        <a:latin typeface="+mn-lt"/>
-                        <a:ea typeface="+mn-ea"/>
-                        <a:cs typeface="+mn-cs"/>
-                      </a:endParaRPr>
-                    </a:p>
-                  </a:txBody>
-                  <a:tcPr/>
-                </a:tc>
-                <a:tc>
-                  <a:txBody>
-                    <a:bodyPr/>
-                    <a:lstStyle/>
-                    <a:p>
-                      <a:pPr algn="ctr"/>
-                      <a:r>
-                        <a:rPr lang="en-CA" sz="1800" b="0" i="0" kern="1200" dirty="0">
-                          <a:solidFill>
-                            <a:schemeClr val="dk1"/>
-                          </a:solidFill>
-                          <a:effectLst/>
-                          <a:latin typeface="+mn-lt"/>
-                          <a:ea typeface="+mn-ea"/>
-                          <a:cs typeface="+mn-cs"/>
-                        </a:rPr>
-                        <a:t>0.731307</a:t>
-                      </a:r>
-                      <a:endParaRPr lang="en-CA" sz="1800" b="0" u="none" strike="noStrike" kern="1200" dirty="0">
-                        <a:solidFill>
-                          <a:srgbClr val="000000"/>
-                        </a:solidFill>
-                        <a:effectLst/>
-                        <a:latin typeface="+mn-lt"/>
-                        <a:ea typeface="+mn-ea"/>
-                        <a:cs typeface="+mn-cs"/>
-                      </a:endParaRPr>
-                    </a:p>
-                  </a:txBody>
-                  <a:tcPr/>
-                </a:tc>
-                <a:tc>
-                  <a:txBody>
-                    <a:bodyPr/>
-                    <a:lstStyle/>
-                    <a:p>
-                      <a:pPr algn="ctr"/>
-                      <a:r>
-                        <a:rPr lang="en-CA" sz="1800" b="0" i="0" kern="1200" dirty="0">
-                          <a:solidFill>
-                            <a:schemeClr val="dk1"/>
-                          </a:solidFill>
-                          <a:effectLst/>
-                          <a:latin typeface="+mn-lt"/>
-                          <a:ea typeface="+mn-ea"/>
-                          <a:cs typeface="+mn-cs"/>
-                        </a:rPr>
-                        <a:t>0.319771</a:t>
-                      </a:r>
-                      <a:endParaRPr lang="en-CA" sz="1800" b="0" u="none" strike="noStrike" kern="1200" dirty="0">
-                        <a:solidFill>
-                          <a:srgbClr val="000000"/>
-                        </a:solidFill>
-                        <a:effectLst/>
-                        <a:latin typeface="+mn-lt"/>
-                        <a:ea typeface="+mn-ea"/>
-                        <a:cs typeface="+mn-cs"/>
-                      </a:endParaRPr>
-                    </a:p>
-                  </a:txBody>
-                  <a:tcPr marL="0" marR="0" marT="0" marB="0"/>
-                </a:tc>
-                <a:extLst>
-                  <a:ext uri="{0D108BD9-81ED-4DB2-BD59-A6C34878D82A}">
-                    <a16:rowId xmlns:a16="http://schemas.microsoft.com/office/drawing/2014/main" val="1698729985"/>
-                  </a:ext>
-                </a:extLst>
-              </a:tr>
-              <a:tr h="370840">
-                <a:tc>
-                  <a:txBody>
-                    <a:bodyPr/>
-                    <a:lstStyle/>
-                    <a:p>
-                      <a:pPr algn="l"/>
-                      <a:r>
-                        <a:rPr lang="en-CA" sz="1800" b="0" u="none" strike="noStrike" kern="1200" dirty="0">
-                          <a:solidFill>
-                            <a:srgbClr val="000000"/>
-                          </a:solidFill>
-                          <a:effectLst/>
-                          <a:latin typeface="+mn-lt"/>
-                          <a:ea typeface="+mn-ea"/>
-                          <a:cs typeface="+mn-cs"/>
-                        </a:rPr>
-                        <a:t>Electra + Ernie + </a:t>
-                      </a:r>
-                      <a:r>
-                        <a:rPr lang="en-CA" sz="1800" b="0" u="none" strike="noStrike" kern="1200" dirty="0" err="1">
-                          <a:solidFill>
-                            <a:srgbClr val="000000"/>
-                          </a:solidFill>
-                          <a:effectLst/>
-                          <a:latin typeface="+mn-lt"/>
-                          <a:ea typeface="+mn-ea"/>
-                          <a:cs typeface="+mn-cs"/>
-                        </a:rPr>
-                        <a:t>DeBERTa</a:t>
-                      </a:r>
-                      <a:endParaRPr lang="en-CA" sz="1800" b="0" u="none" strike="noStrike" kern="1200" dirty="0">
-                        <a:solidFill>
-                          <a:srgbClr val="000000"/>
-                        </a:solidFill>
-                        <a:effectLst/>
-                        <a:latin typeface="+mn-lt"/>
-                        <a:ea typeface="+mn-ea"/>
-                        <a:cs typeface="+mn-cs"/>
-                      </a:endParaRPr>
-                    </a:p>
-                    <a:p>
-                      <a:pPr algn="l"/>
-                      <a:r>
-                        <a:rPr lang="en-CA" sz="1800" b="0" u="none" strike="noStrike" kern="1200" dirty="0">
-                          <a:solidFill>
-                            <a:srgbClr val="000000"/>
-                          </a:solidFill>
-                          <a:effectLst/>
-                          <a:latin typeface="+mn-lt"/>
-                          <a:ea typeface="+mn-ea"/>
-                          <a:cs typeface="+mn-cs"/>
-                        </a:rPr>
-                        <a:t> </a:t>
-                      </a:r>
-                      <a:r>
-                        <a:rPr lang="en-CA" sz="1800" b="0" u="none" strike="noStrike" kern="1200" dirty="0" err="1">
-                          <a:solidFill>
-                            <a:srgbClr val="000000"/>
-                          </a:solidFill>
-                          <a:effectLst/>
-                          <a:latin typeface="+mn-lt"/>
-                          <a:ea typeface="+mn-ea"/>
-                          <a:cs typeface="+mn-cs"/>
-                        </a:rPr>
-                        <a:t>GradBoost</a:t>
-                      </a:r>
-                      <a:r>
-                        <a:rPr lang="en-CA" sz="1800" b="0" u="none" strike="noStrike" kern="1200" dirty="0">
-                          <a:solidFill>
-                            <a:srgbClr val="000000"/>
-                          </a:solidFill>
-                          <a:effectLst/>
-                          <a:latin typeface="+mn-lt"/>
-                          <a:ea typeface="+mn-ea"/>
-                          <a:cs typeface="+mn-cs"/>
-                        </a:rPr>
-                        <a:t> Ensemble</a:t>
-                      </a:r>
-                    </a:p>
-                  </a:txBody>
-                  <a:tcPr/>
-                </a:tc>
-                <a:tc>
-                  <a:txBody>
-                    <a:bodyPr/>
-                    <a:lstStyle/>
-                    <a:p>
-                      <a:pPr algn="ctr"/>
-                      <a:r>
-                        <a:rPr lang="en-CA" sz="1800" b="1" i="0" kern="1200" dirty="0">
-                          <a:solidFill>
-                            <a:schemeClr val="dk1"/>
-                          </a:solidFill>
-                          <a:effectLst/>
-                          <a:latin typeface="+mn-lt"/>
-                          <a:ea typeface="+mn-ea"/>
-                          <a:cs typeface="+mn-cs"/>
-                        </a:rPr>
-                        <a:t>0.739673</a:t>
-                      </a:r>
-                      <a:endParaRPr lang="en-CA" sz="1800" b="1" u="none" strike="noStrike" kern="1200" dirty="0">
-                        <a:solidFill>
-                          <a:srgbClr val="000000"/>
-                        </a:solidFill>
-                        <a:effectLst/>
-                        <a:latin typeface="+mn-lt"/>
-                        <a:ea typeface="+mn-ea"/>
-                        <a:cs typeface="+mn-cs"/>
-                      </a:endParaRPr>
-                    </a:p>
-                  </a:txBody>
-                  <a:tcPr/>
-                </a:tc>
-                <a:tc>
-                  <a:txBody>
-                    <a:bodyPr/>
-                    <a:lstStyle/>
-                    <a:p>
-                      <a:pPr algn="ctr"/>
-                      <a:r>
-                        <a:rPr lang="en-CA" sz="1800" b="1" i="0" kern="1200" dirty="0">
-                          <a:solidFill>
-                            <a:schemeClr val="dk1"/>
-                          </a:solidFill>
-                          <a:effectLst/>
-                          <a:latin typeface="+mn-lt"/>
-                          <a:ea typeface="+mn-ea"/>
-                          <a:cs typeface="+mn-cs"/>
-                        </a:rPr>
-                        <a:t>0.305392</a:t>
-                      </a:r>
-                      <a:endParaRPr lang="en-CA" sz="1800" b="1" u="none" strike="noStrike" kern="1200" dirty="0">
-                        <a:solidFill>
-                          <a:srgbClr val="000000"/>
-                        </a:solidFill>
-                        <a:effectLst/>
-                        <a:latin typeface="+mn-lt"/>
-                        <a:ea typeface="+mn-ea"/>
-                        <a:cs typeface="+mn-cs"/>
-                      </a:endParaRPr>
-                    </a:p>
-                  </a:txBody>
-                  <a:tcPr marL="0" marR="0" marT="0" marB="0"/>
-                </a:tc>
-                <a:extLst>
-                  <a:ext uri="{0D108BD9-81ED-4DB2-BD59-A6C34878D82A}">
-                    <a16:rowId xmlns:a16="http://schemas.microsoft.com/office/drawing/2014/main" val="689028486"/>
-                  </a:ext>
-                </a:extLst>
-              </a:tr>
-            </a:tbl>
-          </a:graphicData>
-        </a:graphic>
-      </p:graphicFrame>
-    </p:spTree>
-    <p:extLst>
-      <p:ext uri="{BB962C8B-B14F-4D97-AF65-F5344CB8AC3E}">
-        <p14:creationId xmlns:p14="http://schemas.microsoft.com/office/powerpoint/2010/main" val="3708931268"/>
-      </p:ext>
-    </p:extLst>
-  </p:cSld>
-  <p:clrMapOvr>
-    <a:masterClrMapping/>
-  </p:clrMapOvr>
-</p:sld>
-</file>
-
-<file path=ppt/slides/slide28.xml><?xml version="1.0" encoding="utf-8"?>
+<file path=ppt/slides/slide24.xml><?xml version="1.0" encoding="utf-8"?>
 <p:sld xmlns:a="http://schemas.openxmlformats.org/drawingml/2006/main" xmlns:r="http://schemas.openxmlformats.org/officeDocument/2006/relationships" xmlns:p="http://schemas.openxmlformats.org/presentationml/2006/main">
   <p:cSld>
     <p:spTree>
@@ -17504,12 +14263,22 @@
         </p:nvSpPr>
         <p:spPr/>
         <p:txBody>
-          <a:bodyPr/>
+          <a:bodyPr>
+            <a:normAutofit fontScale="90000"/>
+          </a:bodyPr>
           <a:lstStyle/>
           <a:p>
             <a:r>
               <a:rPr lang="en-CA" dirty="0"/>
-              <a:t>Results &amp; Analysis – Feature Sampling</a:t>
+              <a:t>Results &amp; Analysis – </a:t>
+            </a:r>
+            <a:r>
+              <a:rPr lang="en-CA" dirty="0" err="1"/>
+              <a:t>Tfidf</a:t>
+            </a:r>
+            <a:r>
+              <a:rPr lang="en-CA" dirty="0"/>
+              <a:t> Feature Sampling</a:t>
             </a:r>
           </a:p>
         </p:txBody>
@@ -17529,15 +14298,20 @@
           <p:nvPr/>
         </p:nvPicPr>
         <p:blipFill>
-          <a:blip r:embed="rId2"/>
-          <a:stretch>
-            <a:fillRect/>
-          </a:stretch>
+          <a:blip r:embed="rId2">
+            <a:extLst>
+              <a:ext uri="{28A0092B-C50C-407E-A947-70E740481C1C}">
+                <a14:useLocalDpi xmlns:a14="http://schemas.microsoft.com/office/drawing/2010/main" val="0"/>
+              </a:ext>
+            </a:extLst>
+          </a:blip>
+          <a:srcRect/>
+          <a:stretch/>
         </p:blipFill>
         <p:spPr>
           <a:xfrm>
-            <a:off x="986818" y="2344847"/>
-            <a:ext cx="10218363" cy="3213981"/>
+            <a:off x="933158" y="2417276"/>
+            <a:ext cx="10325684" cy="3444847"/>
           </a:xfrm>
           <a:prstGeom prst="rect">
             <a:avLst/>
@@ -17557,7 +14331,7 @@
 </p:sld>
 </file>
 
-<file path=ppt/slides/slide29.xml><?xml version="1.0" encoding="utf-8"?>
+<file path=ppt/slides/slide25.xml><?xml version="1.0" encoding="utf-8"?>
 <p:sld xmlns:a="http://schemas.openxmlformats.org/drawingml/2006/main" xmlns:r="http://schemas.openxmlformats.org/officeDocument/2006/relationships" xmlns:p="http://schemas.openxmlformats.org/presentationml/2006/main">
   <p:cSld>
     <p:spTree>
@@ -17592,12 +14366,22 @@
         </p:nvSpPr>
         <p:spPr/>
         <p:txBody>
-          <a:bodyPr/>
+          <a:bodyPr>
+            <a:normAutofit fontScale="90000"/>
+          </a:bodyPr>
           <a:lstStyle/>
           <a:p>
             <a:r>
               <a:rPr lang="en-CA" dirty="0"/>
-              <a:t>Results &amp; Analysis – Feature Sampling</a:t>
+              <a:t>Results &amp; Analysis – </a:t>
+            </a:r>
+            <a:r>
+              <a:rPr lang="en-CA" dirty="0" err="1"/>
+              <a:t>Tfidf</a:t>
+            </a:r>
+            <a:r>
+              <a:rPr lang="en-CA" dirty="0"/>
+              <a:t> Feature Sampling</a:t>
             </a:r>
           </a:p>
         </p:txBody>
@@ -17617,7 +14401,7 @@
           <p:nvPr/>
         </p:nvPicPr>
         <p:blipFill>
-          <a:blip r:embed="rId3">
+          <a:blip r:embed="rId2">
             <a:extLst>
               <a:ext uri="{28A0092B-C50C-407E-A947-70E740481C1C}">
                 <a14:useLocalDpi xmlns:a14="http://schemas.microsoft.com/office/drawing/2010/main" val="0"/>
@@ -17629,8 +14413,8 @@
         </p:blipFill>
         <p:spPr>
           <a:xfrm>
-            <a:off x="2130012" y="2252734"/>
-            <a:ext cx="7169305" cy="3687915"/>
+            <a:off x="1554961" y="1928388"/>
+            <a:ext cx="8487414" cy="4173647"/>
           </a:xfrm>
           <a:prstGeom prst="rect">
             <a:avLst/>
@@ -17640,7 +14424,630 @@
     </p:spTree>
     <p:extLst>
       <p:ext uri="{BB962C8B-B14F-4D97-AF65-F5344CB8AC3E}">
-        <p14:creationId xmlns:p14="http://schemas.microsoft.com/office/powerpoint/2010/main" val="1211533684"/>
+        <p14:creationId xmlns:p14="http://schemas.microsoft.com/office/powerpoint/2010/main" val="2793264322"/>
+      </p:ext>
+    </p:extLst>
+  </p:cSld>
+  <p:clrMapOvr>
+    <a:masterClrMapping/>
+  </p:clrMapOvr>
+</p:sld>
+</file>
+
+<file path=ppt/slides/slide26.xml><?xml version="1.0" encoding="utf-8"?>
+<p:sld xmlns:a="http://schemas.openxmlformats.org/drawingml/2006/main" xmlns:r="http://schemas.openxmlformats.org/officeDocument/2006/relationships" xmlns:p="http://schemas.openxmlformats.org/presentationml/2006/main">
+  <p:cSld>
+    <p:spTree>
+      <p:nvGrpSpPr>
+        <p:cNvPr id="1" name=""/>
+        <p:cNvGrpSpPr/>
+        <p:nvPr/>
+      </p:nvGrpSpPr>
+      <p:grpSpPr>
+        <a:xfrm>
+          <a:off x="0" y="0"/>
+          <a:ext cx="0" cy="0"/>
+          <a:chOff x="0" y="0"/>
+          <a:chExt cx="0" cy="0"/>
+        </a:xfrm>
+      </p:grpSpPr>
+      <p:sp>
+        <p:nvSpPr>
+          <p:cNvPr id="2" name="Title 1">
+            <a:extLst>
+              <a:ext uri="{FF2B5EF4-FFF2-40B4-BE49-F238E27FC236}">
+                <a16:creationId xmlns:a16="http://schemas.microsoft.com/office/drawing/2014/main" id="{169A7E02-9318-4A56-9546-323233C699A6}"/>
+              </a:ext>
+            </a:extLst>
+          </p:cNvPr>
+          <p:cNvSpPr>
+            <a:spLocks noGrp="1"/>
+          </p:cNvSpPr>
+          <p:nvPr>
+            <p:ph type="title"/>
+          </p:nvPr>
+        </p:nvSpPr>
+        <p:spPr/>
+        <p:txBody>
+          <a:bodyPr>
+            <a:normAutofit fontScale="90000"/>
+          </a:bodyPr>
+          <a:lstStyle/>
+          <a:p>
+            <a:r>
+              <a:rPr lang="en-CA" dirty="0"/>
+              <a:t>Results &amp; Analysis – </a:t>
+            </a:r>
+            <a:r>
+              <a:rPr lang="en-CA" dirty="0" err="1"/>
+              <a:t>Tfidf</a:t>
+            </a:r>
+            <a:r>
+              <a:rPr lang="en-CA" dirty="0"/>
+              <a:t> Feature Sampling</a:t>
+            </a:r>
+          </a:p>
+        </p:txBody>
+      </p:sp>
+      <p:pic>
+        <p:nvPicPr>
+          <p:cNvPr id="5" name="Picture 4">
+            <a:extLst>
+              <a:ext uri="{FF2B5EF4-FFF2-40B4-BE49-F238E27FC236}">
+                <a16:creationId xmlns:a16="http://schemas.microsoft.com/office/drawing/2014/main" id="{E6AEA65C-42BA-448E-9C58-478C3C2E0EEA}"/>
+              </a:ext>
+            </a:extLst>
+          </p:cNvPr>
+          <p:cNvPicPr>
+            <a:picLocks noChangeAspect="1"/>
+          </p:cNvPicPr>
+          <p:nvPr/>
+        </p:nvPicPr>
+        <p:blipFill>
+          <a:blip r:embed="rId2">
+            <a:extLst>
+              <a:ext uri="{28A0092B-C50C-407E-A947-70E740481C1C}">
+                <a14:useLocalDpi xmlns:a14="http://schemas.microsoft.com/office/drawing/2010/main" val="0"/>
+              </a:ext>
+            </a:extLst>
+          </a:blip>
+          <a:srcRect/>
+          <a:stretch/>
+        </p:blipFill>
+        <p:spPr>
+          <a:xfrm>
+            <a:off x="1300349" y="1878392"/>
+            <a:ext cx="8960332" cy="4459034"/>
+          </a:xfrm>
+          <a:prstGeom prst="rect">
+            <a:avLst/>
+          </a:prstGeom>
+        </p:spPr>
+      </p:pic>
+      <p:sp>
+        <p:nvSpPr>
+          <p:cNvPr id="6" name="Rectangle 5">
+            <a:extLst>
+              <a:ext uri="{FF2B5EF4-FFF2-40B4-BE49-F238E27FC236}">
+                <a16:creationId xmlns:a16="http://schemas.microsoft.com/office/drawing/2014/main" id="{0D0EF9D6-5C81-419B-B731-6A56E245BDF4}"/>
+              </a:ext>
+            </a:extLst>
+          </p:cNvPr>
+          <p:cNvSpPr/>
+          <p:nvPr/>
+        </p:nvSpPr>
+        <p:spPr>
+          <a:xfrm>
+            <a:off x="2254313" y="1878393"/>
+            <a:ext cx="585451" cy="258226"/>
+          </a:xfrm>
+          <a:prstGeom prst="rect">
+            <a:avLst/>
+          </a:prstGeom>
+          <a:solidFill>
+            <a:schemeClr val="bg1"/>
+          </a:solidFill>
+          <a:ln>
+            <a:noFill/>
+          </a:ln>
+        </p:spPr>
+        <p:style>
+          <a:lnRef idx="2">
+            <a:schemeClr val="accent1">
+              <a:shade val="50000"/>
+            </a:schemeClr>
+          </a:lnRef>
+          <a:fillRef idx="1">
+            <a:schemeClr val="accent1"/>
+          </a:fillRef>
+          <a:effectRef idx="0">
+            <a:schemeClr val="accent1"/>
+          </a:effectRef>
+          <a:fontRef idx="minor">
+            <a:schemeClr val="lt1"/>
+          </a:fontRef>
+        </p:style>
+        <p:txBody>
+          <a:bodyPr rtlCol="0" anchor="ctr"/>
+          <a:lstStyle/>
+          <a:p>
+            <a:pPr algn="ctr"/>
+            <a:endParaRPr lang="en-CA"/>
+          </a:p>
+        </p:txBody>
+      </p:sp>
+    </p:spTree>
+    <p:extLst>
+      <p:ext uri="{BB962C8B-B14F-4D97-AF65-F5344CB8AC3E}">
+        <p14:creationId xmlns:p14="http://schemas.microsoft.com/office/powerpoint/2010/main" val="3541682753"/>
+      </p:ext>
+    </p:extLst>
+  </p:cSld>
+  <p:clrMapOvr>
+    <a:masterClrMapping/>
+  </p:clrMapOvr>
+</p:sld>
+</file>
+
+<file path=ppt/slides/slide27.xml><?xml version="1.0" encoding="utf-8"?>
+<p:sld xmlns:a="http://schemas.openxmlformats.org/drawingml/2006/main" xmlns:r="http://schemas.openxmlformats.org/officeDocument/2006/relationships" xmlns:p="http://schemas.openxmlformats.org/presentationml/2006/main">
+  <p:cSld>
+    <p:spTree>
+      <p:nvGrpSpPr>
+        <p:cNvPr id="1" name=""/>
+        <p:cNvGrpSpPr/>
+        <p:nvPr/>
+      </p:nvGrpSpPr>
+      <p:grpSpPr>
+        <a:xfrm>
+          <a:off x="0" y="0"/>
+          <a:ext cx="0" cy="0"/>
+          <a:chOff x="0" y="0"/>
+          <a:chExt cx="0" cy="0"/>
+        </a:xfrm>
+      </p:grpSpPr>
+      <p:sp>
+        <p:nvSpPr>
+          <p:cNvPr id="6" name="Rectangle 5">
+            <a:extLst>
+              <a:ext uri="{FF2B5EF4-FFF2-40B4-BE49-F238E27FC236}">
+                <a16:creationId xmlns:a16="http://schemas.microsoft.com/office/drawing/2014/main" id="{7048056E-20F0-4494-B3C1-20C3E45259C6}"/>
+              </a:ext>
+            </a:extLst>
+          </p:cNvPr>
+          <p:cNvSpPr/>
+          <p:nvPr/>
+        </p:nvSpPr>
+        <p:spPr>
+          <a:xfrm>
+            <a:off x="1865779" y="1905552"/>
+            <a:ext cx="7531717" cy="4401289"/>
+          </a:xfrm>
+          <a:prstGeom prst="rect">
+            <a:avLst/>
+          </a:prstGeom>
+          <a:effectLst>
+            <a:outerShdw blurRad="63500" sx="102000" sy="102000" algn="ctr" rotWithShape="0">
+              <a:prstClr val="black">
+                <a:alpha val="40000"/>
+              </a:prstClr>
+            </a:outerShdw>
+          </a:effectLst>
+        </p:spPr>
+        <p:style>
+          <a:lnRef idx="2">
+            <a:schemeClr val="accent1">
+              <a:shade val="50000"/>
+            </a:schemeClr>
+          </a:lnRef>
+          <a:fillRef idx="1">
+            <a:schemeClr val="accent1"/>
+          </a:fillRef>
+          <a:effectRef idx="0">
+            <a:schemeClr val="accent1"/>
+          </a:effectRef>
+          <a:fontRef idx="minor">
+            <a:schemeClr val="lt1"/>
+          </a:fontRef>
+        </p:style>
+        <p:txBody>
+          <a:bodyPr rtlCol="0" anchor="ctr"/>
+          <a:lstStyle/>
+          <a:p>
+            <a:pPr algn="ctr"/>
+            <a:endParaRPr lang="en-CA"/>
+          </a:p>
+        </p:txBody>
+      </p:sp>
+      <p:sp>
+        <p:nvSpPr>
+          <p:cNvPr id="2" name="Title 1">
+            <a:extLst>
+              <a:ext uri="{FF2B5EF4-FFF2-40B4-BE49-F238E27FC236}">
+                <a16:creationId xmlns:a16="http://schemas.microsoft.com/office/drawing/2014/main" id="{1F14E353-A0C7-448C-A3F4-595FED5C3DA5}"/>
+              </a:ext>
+            </a:extLst>
+          </p:cNvPr>
+          <p:cNvSpPr>
+            <a:spLocks noGrp="1"/>
+          </p:cNvSpPr>
+          <p:nvPr>
+            <p:ph type="title"/>
+          </p:nvPr>
+        </p:nvSpPr>
+        <p:spPr/>
+        <p:txBody>
+          <a:bodyPr>
+            <a:normAutofit fontScale="90000"/>
+          </a:bodyPr>
+          <a:lstStyle/>
+          <a:p>
+            <a:r>
+              <a:rPr lang="en-CA" dirty="0"/>
+              <a:t>Results &amp; Analysis – </a:t>
+            </a:r>
+            <a:r>
+              <a:rPr lang="en-CA" dirty="0" err="1"/>
+              <a:t>Tfidf</a:t>
+            </a:r>
+            <a:r>
+              <a:rPr lang="en-CA" dirty="0"/>
+              <a:t> Feature Sampling</a:t>
+            </a:r>
+          </a:p>
+        </p:txBody>
+      </p:sp>
+      <p:pic>
+        <p:nvPicPr>
+          <p:cNvPr id="5" name="Picture 4">
+            <a:extLst>
+              <a:ext uri="{FF2B5EF4-FFF2-40B4-BE49-F238E27FC236}">
+                <a16:creationId xmlns:a16="http://schemas.microsoft.com/office/drawing/2014/main" id="{AD42947F-3B20-43AD-AA96-053B01BFB8CF}"/>
+              </a:ext>
+            </a:extLst>
+          </p:cNvPr>
+          <p:cNvPicPr>
+            <a:picLocks noChangeAspect="1"/>
+          </p:cNvPicPr>
+          <p:nvPr/>
+        </p:nvPicPr>
+        <p:blipFill>
+          <a:blip r:embed="rId2">
+            <a:extLst>
+              <a:ext uri="{28A0092B-C50C-407E-A947-70E740481C1C}">
+                <a14:useLocalDpi xmlns:a14="http://schemas.microsoft.com/office/drawing/2010/main" val="0"/>
+              </a:ext>
+            </a:extLst>
+          </a:blip>
+          <a:srcRect/>
+          <a:stretch/>
+        </p:blipFill>
+        <p:spPr>
+          <a:xfrm>
+            <a:off x="1865780" y="1905552"/>
+            <a:ext cx="7531715" cy="4401288"/>
+          </a:xfrm>
+          <a:prstGeom prst="rect">
+            <a:avLst/>
+          </a:prstGeom>
+        </p:spPr>
+      </p:pic>
+    </p:spTree>
+    <p:extLst>
+      <p:ext uri="{BB962C8B-B14F-4D97-AF65-F5344CB8AC3E}">
+        <p14:creationId xmlns:p14="http://schemas.microsoft.com/office/powerpoint/2010/main" val="138051120"/>
+      </p:ext>
+    </p:extLst>
+  </p:cSld>
+  <p:clrMapOvr>
+    <a:masterClrMapping/>
+  </p:clrMapOvr>
+</p:sld>
+</file>
+
+<file path=ppt/slides/slide28.xml><?xml version="1.0" encoding="utf-8"?>
+<p:sld xmlns:a="http://schemas.openxmlformats.org/drawingml/2006/main" xmlns:r="http://schemas.openxmlformats.org/officeDocument/2006/relationships" xmlns:p="http://schemas.openxmlformats.org/presentationml/2006/main">
+  <p:cSld>
+    <p:spTree>
+      <p:nvGrpSpPr>
+        <p:cNvPr id="1" name=""/>
+        <p:cNvGrpSpPr/>
+        <p:nvPr/>
+      </p:nvGrpSpPr>
+      <p:grpSpPr>
+        <a:xfrm>
+          <a:off x="0" y="0"/>
+          <a:ext cx="0" cy="0"/>
+          <a:chOff x="0" y="0"/>
+          <a:chExt cx="0" cy="0"/>
+        </a:xfrm>
+      </p:grpSpPr>
+      <p:sp>
+        <p:nvSpPr>
+          <p:cNvPr id="6" name="Rectangle 5">
+            <a:extLst>
+              <a:ext uri="{FF2B5EF4-FFF2-40B4-BE49-F238E27FC236}">
+                <a16:creationId xmlns:a16="http://schemas.microsoft.com/office/drawing/2014/main" id="{7048056E-20F0-4494-B3C1-20C3E45259C6}"/>
+              </a:ext>
+            </a:extLst>
+          </p:cNvPr>
+          <p:cNvSpPr/>
+          <p:nvPr/>
+        </p:nvSpPr>
+        <p:spPr>
+          <a:xfrm>
+            <a:off x="1865779" y="1905552"/>
+            <a:ext cx="7531717" cy="4401289"/>
+          </a:xfrm>
+          <a:prstGeom prst="rect">
+            <a:avLst/>
+          </a:prstGeom>
+          <a:effectLst>
+            <a:outerShdw blurRad="63500" sx="102000" sy="102000" algn="ctr" rotWithShape="0">
+              <a:prstClr val="black">
+                <a:alpha val="40000"/>
+              </a:prstClr>
+            </a:outerShdw>
+          </a:effectLst>
+        </p:spPr>
+        <p:style>
+          <a:lnRef idx="2">
+            <a:schemeClr val="accent1">
+              <a:shade val="50000"/>
+            </a:schemeClr>
+          </a:lnRef>
+          <a:fillRef idx="1">
+            <a:schemeClr val="accent1"/>
+          </a:fillRef>
+          <a:effectRef idx="0">
+            <a:schemeClr val="accent1"/>
+          </a:effectRef>
+          <a:fontRef idx="minor">
+            <a:schemeClr val="lt1"/>
+          </a:fontRef>
+        </p:style>
+        <p:txBody>
+          <a:bodyPr rtlCol="0" anchor="ctr"/>
+          <a:lstStyle/>
+          <a:p>
+            <a:pPr algn="ctr"/>
+            <a:endParaRPr lang="en-CA"/>
+          </a:p>
+        </p:txBody>
+      </p:sp>
+      <p:sp>
+        <p:nvSpPr>
+          <p:cNvPr id="2" name="Title 1">
+            <a:extLst>
+              <a:ext uri="{FF2B5EF4-FFF2-40B4-BE49-F238E27FC236}">
+                <a16:creationId xmlns:a16="http://schemas.microsoft.com/office/drawing/2014/main" id="{1F14E353-A0C7-448C-A3F4-595FED5C3DA5}"/>
+              </a:ext>
+            </a:extLst>
+          </p:cNvPr>
+          <p:cNvSpPr>
+            <a:spLocks noGrp="1"/>
+          </p:cNvSpPr>
+          <p:nvPr>
+            <p:ph type="title"/>
+          </p:nvPr>
+        </p:nvSpPr>
+        <p:spPr/>
+        <p:txBody>
+          <a:bodyPr>
+            <a:normAutofit fontScale="90000"/>
+          </a:bodyPr>
+          <a:lstStyle/>
+          <a:p>
+            <a:r>
+              <a:rPr lang="en-CA" dirty="0"/>
+              <a:t>Results &amp; Analysis – </a:t>
+            </a:r>
+            <a:r>
+              <a:rPr lang="en-CA" dirty="0" err="1"/>
+              <a:t>Tfidf</a:t>
+            </a:r>
+            <a:r>
+              <a:rPr lang="en-CA" dirty="0"/>
+              <a:t> Feature Sampling</a:t>
+            </a:r>
+          </a:p>
+        </p:txBody>
+      </p:sp>
+      <p:pic>
+        <p:nvPicPr>
+          <p:cNvPr id="5" name="Picture 4">
+            <a:extLst>
+              <a:ext uri="{FF2B5EF4-FFF2-40B4-BE49-F238E27FC236}">
+                <a16:creationId xmlns:a16="http://schemas.microsoft.com/office/drawing/2014/main" id="{AD42947F-3B20-43AD-AA96-053B01BFB8CF}"/>
+              </a:ext>
+            </a:extLst>
+          </p:cNvPr>
+          <p:cNvPicPr>
+            <a:picLocks noChangeAspect="1"/>
+          </p:cNvPicPr>
+          <p:nvPr/>
+        </p:nvPicPr>
+        <p:blipFill>
+          <a:blip r:embed="rId2">
+            <a:extLst>
+              <a:ext uri="{28A0092B-C50C-407E-A947-70E740481C1C}">
+                <a14:useLocalDpi xmlns:a14="http://schemas.microsoft.com/office/drawing/2010/main" val="0"/>
+              </a:ext>
+            </a:extLst>
+          </a:blip>
+          <a:srcRect/>
+          <a:stretch/>
+        </p:blipFill>
+        <p:spPr>
+          <a:xfrm>
+            <a:off x="1865780" y="1905552"/>
+            <a:ext cx="7531715" cy="4401287"/>
+          </a:xfrm>
+          <a:prstGeom prst="rect">
+            <a:avLst/>
+          </a:prstGeom>
+        </p:spPr>
+      </p:pic>
+    </p:spTree>
+    <p:extLst>
+      <p:ext uri="{BB962C8B-B14F-4D97-AF65-F5344CB8AC3E}">
+        <p14:creationId xmlns:p14="http://schemas.microsoft.com/office/powerpoint/2010/main" val="3528169028"/>
+      </p:ext>
+    </p:extLst>
+  </p:cSld>
+  <p:clrMapOvr>
+    <a:masterClrMapping/>
+  </p:clrMapOvr>
+</p:sld>
+</file>
+
+<file path=ppt/slides/slide29.xml><?xml version="1.0" encoding="utf-8"?>
+<p:sld xmlns:a="http://schemas.openxmlformats.org/drawingml/2006/main" xmlns:r="http://schemas.openxmlformats.org/officeDocument/2006/relationships" xmlns:p="http://schemas.openxmlformats.org/presentationml/2006/main">
+  <p:cSld>
+    <p:spTree>
+      <p:nvGrpSpPr>
+        <p:cNvPr id="1" name=""/>
+        <p:cNvGrpSpPr/>
+        <p:nvPr/>
+      </p:nvGrpSpPr>
+      <p:grpSpPr>
+        <a:xfrm>
+          <a:off x="0" y="0"/>
+          <a:ext cx="0" cy="0"/>
+          <a:chOff x="0" y="0"/>
+          <a:chExt cx="0" cy="0"/>
+        </a:xfrm>
+      </p:grpSpPr>
+      <p:sp>
+        <p:nvSpPr>
+          <p:cNvPr id="6" name="Rectangle 5">
+            <a:extLst>
+              <a:ext uri="{FF2B5EF4-FFF2-40B4-BE49-F238E27FC236}">
+                <a16:creationId xmlns:a16="http://schemas.microsoft.com/office/drawing/2014/main" id="{7048056E-20F0-4494-B3C1-20C3E45259C6}"/>
+              </a:ext>
+            </a:extLst>
+          </p:cNvPr>
+          <p:cNvSpPr/>
+          <p:nvPr/>
+        </p:nvSpPr>
+        <p:spPr>
+          <a:xfrm>
+            <a:off x="1865779" y="1905552"/>
+            <a:ext cx="7531717" cy="4401289"/>
+          </a:xfrm>
+          <a:prstGeom prst="rect">
+            <a:avLst/>
+          </a:prstGeom>
+          <a:effectLst>
+            <a:outerShdw blurRad="63500" sx="102000" sy="102000" algn="ctr" rotWithShape="0">
+              <a:prstClr val="black">
+                <a:alpha val="40000"/>
+              </a:prstClr>
+            </a:outerShdw>
+          </a:effectLst>
+        </p:spPr>
+        <p:style>
+          <a:lnRef idx="2">
+            <a:schemeClr val="accent1">
+              <a:shade val="50000"/>
+            </a:schemeClr>
+          </a:lnRef>
+          <a:fillRef idx="1">
+            <a:schemeClr val="accent1"/>
+          </a:fillRef>
+          <a:effectRef idx="0">
+            <a:schemeClr val="accent1"/>
+          </a:effectRef>
+          <a:fontRef idx="minor">
+            <a:schemeClr val="lt1"/>
+          </a:fontRef>
+        </p:style>
+        <p:txBody>
+          <a:bodyPr rtlCol="0" anchor="ctr"/>
+          <a:lstStyle/>
+          <a:p>
+            <a:pPr algn="ctr"/>
+            <a:endParaRPr lang="en-CA"/>
+          </a:p>
+        </p:txBody>
+      </p:sp>
+      <p:sp>
+        <p:nvSpPr>
+          <p:cNvPr id="2" name="Title 1">
+            <a:extLst>
+              <a:ext uri="{FF2B5EF4-FFF2-40B4-BE49-F238E27FC236}">
+                <a16:creationId xmlns:a16="http://schemas.microsoft.com/office/drawing/2014/main" id="{1F14E353-A0C7-448C-A3F4-595FED5C3DA5}"/>
+              </a:ext>
+            </a:extLst>
+          </p:cNvPr>
+          <p:cNvSpPr>
+            <a:spLocks noGrp="1"/>
+          </p:cNvSpPr>
+          <p:nvPr>
+            <p:ph type="title"/>
+          </p:nvPr>
+        </p:nvSpPr>
+        <p:spPr/>
+        <p:txBody>
+          <a:bodyPr>
+            <a:normAutofit fontScale="90000"/>
+          </a:bodyPr>
+          <a:lstStyle/>
+          <a:p>
+            <a:r>
+              <a:rPr lang="en-CA" dirty="0"/>
+              <a:t>Results &amp; Analysis – </a:t>
+            </a:r>
+            <a:r>
+              <a:rPr lang="en-CA" dirty="0" err="1"/>
+              <a:t>Tfidf</a:t>
+            </a:r>
+            <a:r>
+              <a:rPr lang="en-CA" dirty="0"/>
+              <a:t> Feature Sampling</a:t>
+            </a:r>
+          </a:p>
+        </p:txBody>
+      </p:sp>
+      <p:pic>
+        <p:nvPicPr>
+          <p:cNvPr id="5" name="Picture 4">
+            <a:extLst>
+              <a:ext uri="{FF2B5EF4-FFF2-40B4-BE49-F238E27FC236}">
+                <a16:creationId xmlns:a16="http://schemas.microsoft.com/office/drawing/2014/main" id="{AD42947F-3B20-43AD-AA96-053B01BFB8CF}"/>
+              </a:ext>
+            </a:extLst>
+          </p:cNvPr>
+          <p:cNvPicPr>
+            <a:picLocks noChangeAspect="1"/>
+          </p:cNvPicPr>
+          <p:nvPr/>
+        </p:nvPicPr>
+        <p:blipFill>
+          <a:blip r:embed="rId2">
+            <a:extLst>
+              <a:ext uri="{28A0092B-C50C-407E-A947-70E740481C1C}">
+                <a14:useLocalDpi xmlns:a14="http://schemas.microsoft.com/office/drawing/2010/main" val="0"/>
+              </a:ext>
+            </a:extLst>
+          </a:blip>
+          <a:srcRect/>
+          <a:stretch/>
+        </p:blipFill>
+        <p:spPr>
+          <a:xfrm>
+            <a:off x="1865780" y="1905552"/>
+            <a:ext cx="7531715" cy="4401287"/>
+          </a:xfrm>
+          <a:prstGeom prst="rect">
+            <a:avLst/>
+          </a:prstGeom>
+        </p:spPr>
+      </p:pic>
+    </p:spTree>
+    <p:extLst>
+      <p:ext uri="{BB962C8B-B14F-4D97-AF65-F5344CB8AC3E}">
+        <p14:creationId xmlns:p14="http://schemas.microsoft.com/office/powerpoint/2010/main" val="1530624503"/>
       </p:ext>
     </p:extLst>
   </p:cSld>
@@ -18129,10 +15536,63 @@
       </p:grpSpPr>
       <p:sp>
         <p:nvSpPr>
+          <p:cNvPr id="6" name="Rectangle 5">
+            <a:extLst>
+              <a:ext uri="{FF2B5EF4-FFF2-40B4-BE49-F238E27FC236}">
+                <a16:creationId xmlns:a16="http://schemas.microsoft.com/office/drawing/2014/main" id="{7048056E-20F0-4494-B3C1-20C3E45259C6}"/>
+              </a:ext>
+            </a:extLst>
+          </p:cNvPr>
+          <p:cNvSpPr/>
+          <p:nvPr/>
+        </p:nvSpPr>
+        <p:spPr>
+          <a:xfrm>
+            <a:off x="1865779" y="1905552"/>
+            <a:ext cx="7531717" cy="4401289"/>
+          </a:xfrm>
+          <a:prstGeom prst="rect">
+            <a:avLst/>
+          </a:prstGeom>
+          <a:effectLst>
+            <a:outerShdw blurRad="63500" sx="102000" sy="102000" algn="ctr" rotWithShape="0">
+              <a:prstClr val="black">
+                <a:alpha val="40000"/>
+              </a:prstClr>
+            </a:outerShdw>
+          </a:effectLst>
+        </p:spPr>
+        <p:style>
+          <a:lnRef idx="2">
+            <a:schemeClr val="accent1">
+              <a:shade val="50000"/>
+            </a:schemeClr>
+          </a:lnRef>
+          <a:fillRef idx="1">
+            <a:schemeClr val="accent1"/>
+          </a:fillRef>
+          <a:effectRef idx="0">
+            <a:schemeClr val="accent1"/>
+          </a:effectRef>
+          <a:fontRef idx="minor">
+            <a:schemeClr val="lt1"/>
+          </a:fontRef>
+        </p:style>
+        <p:txBody>
+          <a:bodyPr rtlCol="0" anchor="ctr"/>
+          <a:lstStyle/>
+          <a:p>
+            <a:pPr algn="ctr"/>
+            <a:endParaRPr lang="en-CA"/>
+          </a:p>
+        </p:txBody>
+      </p:sp>
+      <p:sp>
+        <p:nvSpPr>
           <p:cNvPr id="2" name="Title 1">
             <a:extLst>
               <a:ext uri="{FF2B5EF4-FFF2-40B4-BE49-F238E27FC236}">
-                <a16:creationId xmlns:a16="http://schemas.microsoft.com/office/drawing/2014/main" id="{2A1D3F87-0B50-4013-B5EB-2556507AF9C1}"/>
+                <a16:creationId xmlns:a16="http://schemas.microsoft.com/office/drawing/2014/main" id="{1F14E353-A0C7-448C-A3F4-595FED5C3DA5}"/>
               </a:ext>
             </a:extLst>
           </p:cNvPr>
@@ -18145,12 +15605,22 @@
         </p:nvSpPr>
         <p:spPr/>
         <p:txBody>
-          <a:bodyPr/>
+          <a:bodyPr>
+            <a:normAutofit fontScale="90000"/>
+          </a:bodyPr>
           <a:lstStyle/>
           <a:p>
             <a:r>
               <a:rPr lang="en-CA" dirty="0"/>
-              <a:t>Results &amp; Analysis – Feature Sampling</a:t>
+              <a:t>Results &amp; Analysis – </a:t>
+            </a:r>
+            <a:r>
+              <a:rPr lang="en-CA" dirty="0" err="1"/>
+              <a:t>Tfidf</a:t>
+            </a:r>
+            <a:r>
+              <a:rPr lang="en-CA" dirty="0"/>
+              <a:t> Feature Sampling</a:t>
             </a:r>
           </a:p>
         </p:txBody>
@@ -18160,7 +15630,7 @@
           <p:cNvPr id="5" name="Picture 4">
             <a:extLst>
               <a:ext uri="{FF2B5EF4-FFF2-40B4-BE49-F238E27FC236}">
-                <a16:creationId xmlns:a16="http://schemas.microsoft.com/office/drawing/2014/main" id="{939CECFC-0825-4D59-B897-6E2A998E8BAA}"/>
+                <a16:creationId xmlns:a16="http://schemas.microsoft.com/office/drawing/2014/main" id="{AD42947F-3B20-43AD-AA96-053B01BFB8CF}"/>
               </a:ext>
             </a:extLst>
           </p:cNvPr>
@@ -18170,7 +15640,7 @@
           <p:nvPr/>
         </p:nvPicPr>
         <p:blipFill>
-          <a:blip r:embed="rId3">
+          <a:blip r:embed="rId2">
             <a:extLst>
               <a:ext uri="{28A0092B-C50C-407E-A947-70E740481C1C}">
                 <a14:useLocalDpi xmlns:a14="http://schemas.microsoft.com/office/drawing/2010/main" val="0"/>
@@ -18182,8 +15652,8 @@
         </p:blipFill>
         <p:spPr>
           <a:xfrm>
-            <a:off x="2134929" y="2252734"/>
-            <a:ext cx="7159471" cy="3687915"/>
+            <a:off x="1865780" y="1905552"/>
+            <a:ext cx="7531714" cy="4401287"/>
           </a:xfrm>
           <a:prstGeom prst="rect">
             <a:avLst/>
@@ -18193,7 +15663,7 @@
     </p:spTree>
     <p:extLst>
       <p:ext uri="{BB962C8B-B14F-4D97-AF65-F5344CB8AC3E}">
-        <p14:creationId xmlns:p14="http://schemas.microsoft.com/office/powerpoint/2010/main" val="2809880217"/>
+        <p14:creationId xmlns:p14="http://schemas.microsoft.com/office/powerpoint/2010/main" val="480242556"/>
       </p:ext>
     </p:extLst>
   </p:cSld>
@@ -18204,182 +15674,6 @@
 </file>
 
 <file path=ppt/slides/slide31.xml><?xml version="1.0" encoding="utf-8"?>
-<p:sld xmlns:a="http://schemas.openxmlformats.org/drawingml/2006/main" xmlns:r="http://schemas.openxmlformats.org/officeDocument/2006/relationships" xmlns:p="http://schemas.openxmlformats.org/presentationml/2006/main">
-  <p:cSld>
-    <p:spTree>
-      <p:nvGrpSpPr>
-        <p:cNvPr id="1" name=""/>
-        <p:cNvGrpSpPr/>
-        <p:nvPr/>
-      </p:nvGrpSpPr>
-      <p:grpSpPr>
-        <a:xfrm>
-          <a:off x="0" y="0"/>
-          <a:ext cx="0" cy="0"/>
-          <a:chOff x="0" y="0"/>
-          <a:chExt cx="0" cy="0"/>
-        </a:xfrm>
-      </p:grpSpPr>
-      <p:sp>
-        <p:nvSpPr>
-          <p:cNvPr id="2" name="Title 1">
-            <a:extLst>
-              <a:ext uri="{FF2B5EF4-FFF2-40B4-BE49-F238E27FC236}">
-                <a16:creationId xmlns:a16="http://schemas.microsoft.com/office/drawing/2014/main" id="{2A1D3F87-0B50-4013-B5EB-2556507AF9C1}"/>
-              </a:ext>
-            </a:extLst>
-          </p:cNvPr>
-          <p:cNvSpPr>
-            <a:spLocks noGrp="1"/>
-          </p:cNvSpPr>
-          <p:nvPr>
-            <p:ph type="title"/>
-          </p:nvPr>
-        </p:nvSpPr>
-        <p:spPr/>
-        <p:txBody>
-          <a:bodyPr/>
-          <a:lstStyle/>
-          <a:p>
-            <a:r>
-              <a:rPr lang="en-CA" dirty="0"/>
-              <a:t>Results &amp; Analysis – Feature Sampling</a:t>
-            </a:r>
-          </a:p>
-        </p:txBody>
-      </p:sp>
-      <p:pic>
-        <p:nvPicPr>
-          <p:cNvPr id="4" name="Picture 3">
-            <a:extLst>
-              <a:ext uri="{FF2B5EF4-FFF2-40B4-BE49-F238E27FC236}">
-                <a16:creationId xmlns:a16="http://schemas.microsoft.com/office/drawing/2014/main" id="{C8C576BA-6039-48CF-8720-6CBCBF9D6BB1}"/>
-              </a:ext>
-            </a:extLst>
-          </p:cNvPr>
-          <p:cNvPicPr>
-            <a:picLocks noChangeAspect="1"/>
-          </p:cNvPicPr>
-          <p:nvPr/>
-        </p:nvPicPr>
-        <p:blipFill>
-          <a:blip r:embed="rId2"/>
-          <a:stretch>
-            <a:fillRect/>
-          </a:stretch>
-        </p:blipFill>
-        <p:spPr>
-          <a:xfrm>
-            <a:off x="1334535" y="2397760"/>
-            <a:ext cx="9790665" cy="3124854"/>
-          </a:xfrm>
-          <a:prstGeom prst="rect">
-            <a:avLst/>
-          </a:prstGeom>
-        </p:spPr>
-      </p:pic>
-    </p:spTree>
-    <p:extLst>
-      <p:ext uri="{BB962C8B-B14F-4D97-AF65-F5344CB8AC3E}">
-        <p14:creationId xmlns:p14="http://schemas.microsoft.com/office/powerpoint/2010/main" val="3052807999"/>
-      </p:ext>
-    </p:extLst>
-  </p:cSld>
-  <p:clrMapOvr>
-    <a:masterClrMapping/>
-  </p:clrMapOvr>
-</p:sld>
-</file>
-
-<file path=ppt/slides/slide32.xml><?xml version="1.0" encoding="utf-8"?>
-<p:sld xmlns:a="http://schemas.openxmlformats.org/drawingml/2006/main" xmlns:r="http://schemas.openxmlformats.org/officeDocument/2006/relationships" xmlns:p="http://schemas.openxmlformats.org/presentationml/2006/main">
-  <p:cSld>
-    <p:spTree>
-      <p:nvGrpSpPr>
-        <p:cNvPr id="1" name=""/>
-        <p:cNvGrpSpPr/>
-        <p:nvPr/>
-      </p:nvGrpSpPr>
-      <p:grpSpPr>
-        <a:xfrm>
-          <a:off x="0" y="0"/>
-          <a:ext cx="0" cy="0"/>
-          <a:chOff x="0" y="0"/>
-          <a:chExt cx="0" cy="0"/>
-        </a:xfrm>
-      </p:grpSpPr>
-      <p:sp>
-        <p:nvSpPr>
-          <p:cNvPr id="2" name="Title 1">
-            <a:extLst>
-              <a:ext uri="{FF2B5EF4-FFF2-40B4-BE49-F238E27FC236}">
-                <a16:creationId xmlns:a16="http://schemas.microsoft.com/office/drawing/2014/main" id="{2A1D3F87-0B50-4013-B5EB-2556507AF9C1}"/>
-              </a:ext>
-            </a:extLst>
-          </p:cNvPr>
-          <p:cNvSpPr>
-            <a:spLocks noGrp="1"/>
-          </p:cNvSpPr>
-          <p:nvPr>
-            <p:ph type="title"/>
-          </p:nvPr>
-        </p:nvSpPr>
-        <p:spPr/>
-        <p:txBody>
-          <a:bodyPr/>
-          <a:lstStyle/>
-          <a:p>
-            <a:r>
-              <a:rPr lang="en-CA" dirty="0"/>
-              <a:t>Results &amp; Analysis – Feature Sampling</a:t>
-            </a:r>
-          </a:p>
-        </p:txBody>
-      </p:sp>
-      <p:pic>
-        <p:nvPicPr>
-          <p:cNvPr id="5" name="Picture 4">
-            <a:extLst>
-              <a:ext uri="{FF2B5EF4-FFF2-40B4-BE49-F238E27FC236}">
-                <a16:creationId xmlns:a16="http://schemas.microsoft.com/office/drawing/2014/main" id="{939CECFC-0825-4D59-B897-6E2A998E8BAA}"/>
-              </a:ext>
-            </a:extLst>
-          </p:cNvPr>
-          <p:cNvPicPr>
-            <a:picLocks noChangeAspect="1"/>
-          </p:cNvPicPr>
-          <p:nvPr/>
-        </p:nvPicPr>
-        <p:blipFill>
-          <a:blip r:embed="rId2"/>
-          <a:stretch>
-            <a:fillRect/>
-          </a:stretch>
-        </p:blipFill>
-        <p:spPr>
-          <a:xfrm>
-            <a:off x="1848613" y="2252734"/>
-            <a:ext cx="7732104" cy="3687915"/>
-          </a:xfrm>
-          <a:prstGeom prst="rect">
-            <a:avLst/>
-          </a:prstGeom>
-        </p:spPr>
-      </p:pic>
-    </p:spTree>
-    <p:extLst>
-      <p:ext uri="{BB962C8B-B14F-4D97-AF65-F5344CB8AC3E}">
-        <p14:creationId xmlns:p14="http://schemas.microsoft.com/office/powerpoint/2010/main" val="249648726"/>
-      </p:ext>
-    </p:extLst>
-  </p:cSld>
-  <p:clrMapOvr>
-    <a:masterClrMapping/>
-  </p:clrMapOvr>
-</p:sld>
-</file>
-
-<file path=ppt/slides/slide33.xml><?xml version="1.0" encoding="utf-8"?>
 <p:sld xmlns:a="http://schemas.openxmlformats.org/drawingml/2006/main" xmlns:r="http://schemas.openxmlformats.org/officeDocument/2006/relationships" xmlns:p="http://schemas.openxmlformats.org/presentationml/2006/main">
   <p:cSld>
     <p:spTree>
@@ -18467,12 +15761,22 @@
         </p:nvSpPr>
         <p:spPr/>
         <p:txBody>
-          <a:bodyPr/>
+          <a:bodyPr>
+            <a:normAutofit fontScale="90000"/>
+          </a:bodyPr>
           <a:lstStyle/>
           <a:p>
             <a:r>
               <a:rPr lang="en-CA" dirty="0"/>
-              <a:t>Results &amp; Analysis – Feature Sampling</a:t>
+              <a:t>Results &amp; Analysis – </a:t>
+            </a:r>
+            <a:r>
+              <a:rPr lang="en-CA" dirty="0" err="1"/>
+              <a:t>Tfidf</a:t>
+            </a:r>
+            <a:r>
+              <a:rPr lang="en-CA" dirty="0"/>
+              <a:t> Feature Sampling</a:t>
             </a:r>
           </a:p>
         </p:txBody>
@@ -18492,7 +15796,7 @@
           <p:nvPr/>
         </p:nvPicPr>
         <p:blipFill>
-          <a:blip r:embed="rId3">
+          <a:blip r:embed="rId2">
             <a:extLst>
               <a:ext uri="{28A0092B-C50C-407E-A947-70E740481C1C}">
                 <a14:useLocalDpi xmlns:a14="http://schemas.microsoft.com/office/drawing/2010/main" val="0"/>
@@ -18504,8 +15808,8 @@
         </p:blipFill>
         <p:spPr>
           <a:xfrm>
-            <a:off x="1865779" y="1905552"/>
-            <a:ext cx="7531717" cy="4401289"/>
+            <a:off x="1865780" y="1905552"/>
+            <a:ext cx="7531714" cy="4401287"/>
           </a:xfrm>
           <a:prstGeom prst="rect">
             <a:avLst/>
@@ -18515,7 +15819,7 @@
     </p:spTree>
     <p:extLst>
       <p:ext uri="{BB962C8B-B14F-4D97-AF65-F5344CB8AC3E}">
-        <p14:creationId xmlns:p14="http://schemas.microsoft.com/office/powerpoint/2010/main" val="2276377243"/>
+        <p14:creationId xmlns:p14="http://schemas.microsoft.com/office/powerpoint/2010/main" val="676950087"/>
       </p:ext>
     </p:extLst>
   </p:cSld>
@@ -18525,7 +15829,7 @@
 </p:sld>
 </file>
 
-<file path=ppt/slides/slide34.xml><?xml version="1.0" encoding="utf-8"?>
+<file path=ppt/slides/slide32.xml><?xml version="1.0" encoding="utf-8"?>
 <p:sld xmlns:a="http://schemas.openxmlformats.org/drawingml/2006/main" xmlns:r="http://schemas.openxmlformats.org/officeDocument/2006/relationships" xmlns:p="http://schemas.openxmlformats.org/presentationml/2006/main">
   <p:cSld>
     <p:spTree>
@@ -18613,12 +15917,22 @@
         </p:nvSpPr>
         <p:spPr/>
         <p:txBody>
-          <a:bodyPr/>
+          <a:bodyPr>
+            <a:normAutofit fontScale="90000"/>
+          </a:bodyPr>
           <a:lstStyle/>
           <a:p>
             <a:r>
               <a:rPr lang="en-CA" dirty="0"/>
-              <a:t>Results &amp; Analysis – Feature Sampling</a:t>
+              <a:t>Results &amp; Analysis – </a:t>
+            </a:r>
+            <a:r>
+              <a:rPr lang="en-CA" dirty="0" err="1"/>
+              <a:t>Tfidf</a:t>
+            </a:r>
+            <a:r>
+              <a:rPr lang="en-CA" dirty="0"/>
+              <a:t> Feature Sampling</a:t>
             </a:r>
           </a:p>
         </p:txBody>
@@ -18650,8 +15964,8 @@
         </p:blipFill>
         <p:spPr>
           <a:xfrm>
-            <a:off x="1865779" y="1905552"/>
-            <a:ext cx="7531717" cy="4401288"/>
+            <a:off x="1865780" y="1905552"/>
+            <a:ext cx="7531714" cy="4401286"/>
           </a:xfrm>
           <a:prstGeom prst="rect">
             <a:avLst/>
@@ -18661,7 +15975,7 @@
     </p:spTree>
     <p:extLst>
       <p:ext uri="{BB962C8B-B14F-4D97-AF65-F5344CB8AC3E}">
-        <p14:creationId xmlns:p14="http://schemas.microsoft.com/office/powerpoint/2010/main" val="3536917587"/>
+        <p14:creationId xmlns:p14="http://schemas.microsoft.com/office/powerpoint/2010/main" val="3515217568"/>
       </p:ext>
     </p:extLst>
   </p:cSld>
@@ -18671,7 +15985,214 @@
 </p:sld>
 </file>
 
-<file path=ppt/slides/slide35.xml><?xml version="1.0" encoding="utf-8"?>
+<file path=ppt/slides/slide33.xml><?xml version="1.0" encoding="utf-8"?>
+<p:sld xmlns:a="http://schemas.openxmlformats.org/drawingml/2006/main" xmlns:r="http://schemas.openxmlformats.org/officeDocument/2006/relationships" xmlns:p="http://schemas.openxmlformats.org/presentationml/2006/main">
+  <p:cSld>
+    <p:spTree>
+      <p:nvGrpSpPr>
+        <p:cNvPr id="1" name=""/>
+        <p:cNvGrpSpPr/>
+        <p:nvPr/>
+      </p:nvGrpSpPr>
+      <p:grpSpPr>
+        <a:xfrm>
+          <a:off x="0" y="0"/>
+          <a:ext cx="0" cy="0"/>
+          <a:chOff x="0" y="0"/>
+          <a:chExt cx="0" cy="0"/>
+        </a:xfrm>
+      </p:grpSpPr>
+      <p:sp>
+        <p:nvSpPr>
+          <p:cNvPr id="6" name="Rectangle 5">
+            <a:extLst>
+              <a:ext uri="{FF2B5EF4-FFF2-40B4-BE49-F238E27FC236}">
+                <a16:creationId xmlns:a16="http://schemas.microsoft.com/office/drawing/2014/main" id="{7048056E-20F0-4494-B3C1-20C3E45259C6}"/>
+              </a:ext>
+            </a:extLst>
+          </p:cNvPr>
+          <p:cNvSpPr/>
+          <p:nvPr/>
+        </p:nvSpPr>
+        <p:spPr>
+          <a:xfrm>
+            <a:off x="643561" y="1814120"/>
+            <a:ext cx="7531717" cy="4401289"/>
+          </a:xfrm>
+          <a:prstGeom prst="rect">
+            <a:avLst/>
+          </a:prstGeom>
+          <a:effectLst>
+            <a:outerShdw blurRad="63500" sx="102000" sy="102000" algn="ctr" rotWithShape="0">
+              <a:prstClr val="black">
+                <a:alpha val="40000"/>
+              </a:prstClr>
+            </a:outerShdw>
+          </a:effectLst>
+        </p:spPr>
+        <p:style>
+          <a:lnRef idx="2">
+            <a:schemeClr val="accent1">
+              <a:shade val="50000"/>
+            </a:schemeClr>
+          </a:lnRef>
+          <a:fillRef idx="1">
+            <a:schemeClr val="accent1"/>
+          </a:fillRef>
+          <a:effectRef idx="0">
+            <a:schemeClr val="accent1"/>
+          </a:effectRef>
+          <a:fontRef idx="minor">
+            <a:schemeClr val="lt1"/>
+          </a:fontRef>
+        </p:style>
+        <p:txBody>
+          <a:bodyPr rtlCol="0" anchor="ctr"/>
+          <a:lstStyle/>
+          <a:p>
+            <a:pPr algn="ctr"/>
+            <a:endParaRPr lang="en-CA"/>
+          </a:p>
+        </p:txBody>
+      </p:sp>
+      <p:sp>
+        <p:nvSpPr>
+          <p:cNvPr id="2" name="Title 1">
+            <a:extLst>
+              <a:ext uri="{FF2B5EF4-FFF2-40B4-BE49-F238E27FC236}">
+                <a16:creationId xmlns:a16="http://schemas.microsoft.com/office/drawing/2014/main" id="{1F14E353-A0C7-448C-A3F4-595FED5C3DA5}"/>
+              </a:ext>
+            </a:extLst>
+          </p:cNvPr>
+          <p:cNvSpPr>
+            <a:spLocks noGrp="1"/>
+          </p:cNvSpPr>
+          <p:nvPr>
+            <p:ph type="title"/>
+          </p:nvPr>
+        </p:nvSpPr>
+        <p:spPr/>
+        <p:txBody>
+          <a:bodyPr>
+            <a:normAutofit/>
+          </a:bodyPr>
+          <a:lstStyle/>
+          <a:p>
+            <a:r>
+              <a:rPr lang="en-CA" dirty="0"/>
+              <a:t>Results &amp; Analysis – Walkability</a:t>
+            </a:r>
+          </a:p>
+        </p:txBody>
+      </p:sp>
+      <p:pic>
+        <p:nvPicPr>
+          <p:cNvPr id="5" name="Picture 4">
+            <a:extLst>
+              <a:ext uri="{FF2B5EF4-FFF2-40B4-BE49-F238E27FC236}">
+                <a16:creationId xmlns:a16="http://schemas.microsoft.com/office/drawing/2014/main" id="{AD42947F-3B20-43AD-AA96-053B01BFB8CF}"/>
+              </a:ext>
+            </a:extLst>
+          </p:cNvPr>
+          <p:cNvPicPr>
+            <a:picLocks noChangeAspect="1"/>
+          </p:cNvPicPr>
+          <p:nvPr/>
+        </p:nvPicPr>
+        <p:blipFill>
+          <a:blip r:embed="rId2">
+            <a:extLst>
+              <a:ext uri="{28A0092B-C50C-407E-A947-70E740481C1C}">
+                <a14:useLocalDpi xmlns:a14="http://schemas.microsoft.com/office/drawing/2010/main" val="0"/>
+              </a:ext>
+            </a:extLst>
+          </a:blip>
+          <a:srcRect/>
+          <a:stretch/>
+        </p:blipFill>
+        <p:spPr>
+          <a:xfrm>
+            <a:off x="643563" y="1814120"/>
+            <a:ext cx="7531712" cy="4401286"/>
+          </a:xfrm>
+          <a:prstGeom prst="rect">
+            <a:avLst/>
+          </a:prstGeom>
+        </p:spPr>
+      </p:pic>
+      <p:sp>
+        <p:nvSpPr>
+          <p:cNvPr id="3" name="TextBox 2">
+            <a:extLst>
+              <a:ext uri="{FF2B5EF4-FFF2-40B4-BE49-F238E27FC236}">
+                <a16:creationId xmlns:a16="http://schemas.microsoft.com/office/drawing/2014/main" id="{B233C690-4469-45F7-9832-6D5898FBB7F0}"/>
+              </a:ext>
+            </a:extLst>
+          </p:cNvPr>
+          <p:cNvSpPr txBox="1"/>
+          <p:nvPr/>
+        </p:nvSpPr>
+        <p:spPr>
+          <a:xfrm>
+            <a:off x="8573632" y="2131889"/>
+            <a:ext cx="2974806" cy="2031325"/>
+          </a:xfrm>
+          <a:prstGeom prst="rect">
+            <a:avLst/>
+          </a:prstGeom>
+          <a:noFill/>
+        </p:spPr>
+        <p:txBody>
+          <a:bodyPr wrap="square" rtlCol="0">
+            <a:spAutoFit/>
+          </a:bodyPr>
+          <a:lstStyle/>
+          <a:p>
+            <a:r>
+              <a:rPr lang="en-CA" dirty="0"/>
+              <a:t>Walkability and Review Score</a:t>
+            </a:r>
+          </a:p>
+          <a:p>
+            <a:r>
+              <a:rPr lang="en-CA" dirty="0"/>
+              <a:t>Pearson’s Correlation: 0.122</a:t>
+            </a:r>
+          </a:p>
+          <a:p>
+            <a:endParaRPr lang="en-CA" dirty="0"/>
+          </a:p>
+          <a:p>
+            <a:endParaRPr lang="en-CA" dirty="0"/>
+          </a:p>
+          <a:p>
+            <a:r>
+              <a:rPr lang="en-CA" dirty="0"/>
+              <a:t>Frequency of High Walkability and Review Score</a:t>
+            </a:r>
+          </a:p>
+          <a:p>
+            <a:r>
+              <a:rPr lang="en-CA" dirty="0"/>
+              <a:t>Pearson’s Correlation: 0.463</a:t>
+            </a:r>
+          </a:p>
+        </p:txBody>
+      </p:sp>
+    </p:spTree>
+    <p:extLst>
+      <p:ext uri="{BB962C8B-B14F-4D97-AF65-F5344CB8AC3E}">
+        <p14:creationId xmlns:p14="http://schemas.microsoft.com/office/powerpoint/2010/main" val="459984074"/>
+      </p:ext>
+    </p:extLst>
+  </p:cSld>
+  <p:clrMapOvr>
+    <a:masterClrMapping/>
+  </p:clrMapOvr>
+</p:sld>
+</file>
+
+<file path=ppt/slides/slide34.xml><?xml version="1.0" encoding="utf-8"?>
 <p:sld xmlns:a="http://schemas.openxmlformats.org/drawingml/2006/main" xmlns:r="http://schemas.openxmlformats.org/officeDocument/2006/relationships" xmlns:p="http://schemas.openxmlformats.org/presentationml/2006/main">
   <p:cSld>
     <p:spTree>
@@ -19518,7 +17039,7 @@
 </p:sld>
 </file>
 
-<file path=ppt/slides/slide36.xml><?xml version="1.0" encoding="utf-8"?>
+<file path=ppt/slides/slide35.xml><?xml version="1.0" encoding="utf-8"?>
 <p:sld xmlns:a="http://schemas.openxmlformats.org/drawingml/2006/main" xmlns:r="http://schemas.openxmlformats.org/officeDocument/2006/relationships" xmlns:p="http://schemas.openxmlformats.org/presentationml/2006/main">
   <p:cSld>
     <p:spTree>
@@ -19722,7 +17243,7 @@
 </p:sld>
 </file>
 
-<file path=ppt/slides/slide37.xml><?xml version="1.0" encoding="utf-8"?>
+<file path=ppt/slides/slide36.xml><?xml version="1.0" encoding="utf-8"?>
 <p:sld xmlns:a="http://schemas.openxmlformats.org/drawingml/2006/main" xmlns:r="http://schemas.openxmlformats.org/officeDocument/2006/relationships" xmlns:p="http://schemas.openxmlformats.org/presentationml/2006/main">
   <p:cSld>
     <p:spTree>
@@ -20357,7 +17878,7 @@
 </p:sld>
 </file>
 
-<file path=ppt/slides/slide38.xml><?xml version="1.0" encoding="utf-8"?>
+<file path=ppt/slides/slide37.xml><?xml version="1.0" encoding="utf-8"?>
 <p:sld xmlns:a="http://schemas.openxmlformats.org/drawingml/2006/main" xmlns:r="http://schemas.openxmlformats.org/officeDocument/2006/relationships" xmlns:p="http://schemas.openxmlformats.org/presentationml/2006/main">
   <p:cSld>
     <p:spTree>
@@ -20513,7 +18034,7 @@
 </p:sld>
 </file>
 
-<file path=ppt/slides/slide39.xml><?xml version="1.0" encoding="utf-8"?>
+<file path=ppt/slides/slide38.xml><?xml version="1.0" encoding="utf-8"?>
 <p:sld xmlns:a="http://schemas.openxmlformats.org/drawingml/2006/main" xmlns:r="http://schemas.openxmlformats.org/officeDocument/2006/relationships" xmlns:p="http://schemas.openxmlformats.org/presentationml/2006/main">
   <p:cSld>
     <p:spTree>
@@ -21694,6 +19215,100 @@
     <p:extLst>
       <p:ext uri="{BB962C8B-B14F-4D97-AF65-F5344CB8AC3E}">
         <p14:creationId xmlns:p14="http://schemas.microsoft.com/office/powerpoint/2010/main" val="3931050002"/>
+      </p:ext>
+    </p:extLst>
+  </p:cSld>
+  <p:clrMapOvr>
+    <a:masterClrMapping/>
+  </p:clrMapOvr>
+</p:sld>
+</file>
+
+<file path=ppt/slides/slide39.xml><?xml version="1.0" encoding="utf-8"?>
+<p:sld xmlns:a="http://schemas.openxmlformats.org/drawingml/2006/main" xmlns:r="http://schemas.openxmlformats.org/officeDocument/2006/relationships" xmlns:p="http://schemas.openxmlformats.org/presentationml/2006/main">
+  <p:cSld>
+    <p:spTree>
+      <p:nvGrpSpPr>
+        <p:cNvPr id="1" name=""/>
+        <p:cNvGrpSpPr/>
+        <p:nvPr/>
+      </p:nvGrpSpPr>
+      <p:grpSpPr>
+        <a:xfrm>
+          <a:off x="0" y="0"/>
+          <a:ext cx="0" cy="0"/>
+          <a:chOff x="0" y="0"/>
+          <a:chExt cx="0" cy="0"/>
+        </a:xfrm>
+      </p:grpSpPr>
+      <p:sp>
+        <p:nvSpPr>
+          <p:cNvPr id="8" name="Title 7">
+            <a:extLst>
+              <a:ext uri="{FF2B5EF4-FFF2-40B4-BE49-F238E27FC236}">
+                <a16:creationId xmlns:a16="http://schemas.microsoft.com/office/drawing/2014/main" id="{1A6C1932-3BDC-4BCB-AA55-AB0A41A99B5B}"/>
+              </a:ext>
+            </a:extLst>
+          </p:cNvPr>
+          <p:cNvSpPr>
+            <a:spLocks noGrp="1"/>
+          </p:cNvSpPr>
+          <p:nvPr>
+            <p:ph type="ctrTitle"/>
+          </p:nvPr>
+        </p:nvSpPr>
+        <p:spPr/>
+        <p:txBody>
+          <a:bodyPr/>
+          <a:lstStyle/>
+          <a:p>
+            <a:r>
+              <a:rPr lang="en-CA" cap="none" dirty="0"/>
+              <a:t>Thank you for Listening</a:t>
+            </a:r>
+            <a:endParaRPr lang="en-CA" dirty="0"/>
+          </a:p>
+        </p:txBody>
+      </p:sp>
+      <p:sp>
+        <p:nvSpPr>
+          <p:cNvPr id="9" name="Subtitle 8">
+            <a:extLst>
+              <a:ext uri="{FF2B5EF4-FFF2-40B4-BE49-F238E27FC236}">
+                <a16:creationId xmlns:a16="http://schemas.microsoft.com/office/drawing/2014/main" id="{98E6B59B-C65C-46B4-A665-2C65F036135E}"/>
+              </a:ext>
+            </a:extLst>
+          </p:cNvPr>
+          <p:cNvSpPr>
+            <a:spLocks noGrp="1"/>
+          </p:cNvSpPr>
+          <p:nvPr>
+            <p:ph type="subTitle" idx="1"/>
+          </p:nvPr>
+        </p:nvSpPr>
+        <p:spPr>
+          <a:xfrm>
+            <a:off x="1562100" y="4033616"/>
+            <a:ext cx="9070848" cy="1105648"/>
+          </a:xfrm>
+        </p:spPr>
+        <p:txBody>
+          <a:bodyPr>
+            <a:normAutofit/>
+          </a:bodyPr>
+          <a:lstStyle/>
+          <a:p>
+            <a:r>
+              <a:rPr lang="en-CA" sz="5400" dirty="0"/>
+              <a:t>Any Questions?</a:t>
+            </a:r>
+          </a:p>
+        </p:txBody>
+      </p:sp>
+    </p:spTree>
+    <p:extLst>
+      <p:ext uri="{BB962C8B-B14F-4D97-AF65-F5344CB8AC3E}">
+        <p14:creationId xmlns:p14="http://schemas.microsoft.com/office/powerpoint/2010/main" val="2669522208"/>
       </p:ext>
     </p:extLst>
   </p:cSld>
@@ -21839,100 +19454,6 @@
       </p:grpSpPr>
       <p:sp>
         <p:nvSpPr>
-          <p:cNvPr id="8" name="Title 7">
-            <a:extLst>
-              <a:ext uri="{FF2B5EF4-FFF2-40B4-BE49-F238E27FC236}">
-                <a16:creationId xmlns:a16="http://schemas.microsoft.com/office/drawing/2014/main" id="{1A6C1932-3BDC-4BCB-AA55-AB0A41A99B5B}"/>
-              </a:ext>
-            </a:extLst>
-          </p:cNvPr>
-          <p:cNvSpPr>
-            <a:spLocks noGrp="1"/>
-          </p:cNvSpPr>
-          <p:nvPr>
-            <p:ph type="ctrTitle"/>
-          </p:nvPr>
-        </p:nvSpPr>
-        <p:spPr/>
-        <p:txBody>
-          <a:bodyPr/>
-          <a:lstStyle/>
-          <a:p>
-            <a:r>
-              <a:rPr lang="en-CA" cap="none" dirty="0"/>
-              <a:t>Thank you for Listening</a:t>
-            </a:r>
-            <a:endParaRPr lang="en-CA" dirty="0"/>
-          </a:p>
-        </p:txBody>
-      </p:sp>
-      <p:sp>
-        <p:nvSpPr>
-          <p:cNvPr id="9" name="Subtitle 8">
-            <a:extLst>
-              <a:ext uri="{FF2B5EF4-FFF2-40B4-BE49-F238E27FC236}">
-                <a16:creationId xmlns:a16="http://schemas.microsoft.com/office/drawing/2014/main" id="{98E6B59B-C65C-46B4-A665-2C65F036135E}"/>
-              </a:ext>
-            </a:extLst>
-          </p:cNvPr>
-          <p:cNvSpPr>
-            <a:spLocks noGrp="1"/>
-          </p:cNvSpPr>
-          <p:nvPr>
-            <p:ph type="subTitle" idx="1"/>
-          </p:nvPr>
-        </p:nvSpPr>
-        <p:spPr>
-          <a:xfrm>
-            <a:off x="1562100" y="4033616"/>
-            <a:ext cx="9070848" cy="1105648"/>
-          </a:xfrm>
-        </p:spPr>
-        <p:txBody>
-          <a:bodyPr>
-            <a:normAutofit/>
-          </a:bodyPr>
-          <a:lstStyle/>
-          <a:p>
-            <a:r>
-              <a:rPr lang="en-CA" sz="5400" dirty="0"/>
-              <a:t>Any Questions?</a:t>
-            </a:r>
-          </a:p>
-        </p:txBody>
-      </p:sp>
-    </p:spTree>
-    <p:extLst>
-      <p:ext uri="{BB962C8B-B14F-4D97-AF65-F5344CB8AC3E}">
-        <p14:creationId xmlns:p14="http://schemas.microsoft.com/office/powerpoint/2010/main" val="2669522208"/>
-      </p:ext>
-    </p:extLst>
-  </p:cSld>
-  <p:clrMapOvr>
-    <a:masterClrMapping/>
-  </p:clrMapOvr>
-</p:sld>
-</file>
-
-<file path=ppt/slides/slide41.xml><?xml version="1.0" encoding="utf-8"?>
-<p:sld xmlns:a="http://schemas.openxmlformats.org/drawingml/2006/main" xmlns:r="http://schemas.openxmlformats.org/officeDocument/2006/relationships" xmlns:p="http://schemas.openxmlformats.org/presentationml/2006/main">
-  <p:cSld>
-    <p:spTree>
-      <p:nvGrpSpPr>
-        <p:cNvPr id="1" name=""/>
-        <p:cNvGrpSpPr/>
-        <p:nvPr/>
-      </p:nvGrpSpPr>
-      <p:grpSpPr>
-        <a:xfrm>
-          <a:off x="0" y="0"/>
-          <a:ext cx="0" cy="0"/>
-          <a:chOff x="0" y="0"/>
-          <a:chExt cx="0" cy="0"/>
-        </a:xfrm>
-      </p:grpSpPr>
-      <p:sp>
-        <p:nvSpPr>
           <p:cNvPr id="4" name="Title 3">
             <a:extLst>
               <a:ext uri="{FF2B5EF4-FFF2-40B4-BE49-F238E27FC236}">
@@ -21977,7 +19498,7 @@
 </p:sld>
 </file>
 
-<file path=ppt/slides/slide42.xml><?xml version="1.0" encoding="utf-8"?>
+<file path=ppt/slides/slide41.xml><?xml version="1.0" encoding="utf-8"?>
 <p:sld xmlns:a="http://schemas.openxmlformats.org/drawingml/2006/main" xmlns:r="http://schemas.openxmlformats.org/officeDocument/2006/relationships" xmlns:p="http://schemas.openxmlformats.org/presentationml/2006/main">
   <p:cSld>
     <p:spTree>
@@ -22814,7 +20335,7 @@
 </p:sld>
 </file>
 
-<file path=ppt/slides/slide43.xml><?xml version="1.0" encoding="utf-8"?>
+<file path=ppt/slides/slide42.xml><?xml version="1.0" encoding="utf-8"?>
 <p:sld xmlns:a="http://schemas.openxmlformats.org/drawingml/2006/main" xmlns:r="http://schemas.openxmlformats.org/officeDocument/2006/relationships" xmlns:p="http://schemas.openxmlformats.org/presentationml/2006/main">
   <p:cSld>
     <p:spTree>
@@ -24193,7 +21714,7 @@
 </p:sld>
 </file>
 
-<file path=ppt/slides/slide44.xml><?xml version="1.0" encoding="utf-8"?>
+<file path=ppt/slides/slide43.xml><?xml version="1.0" encoding="utf-8"?>
 <p:sld xmlns:a="http://schemas.openxmlformats.org/drawingml/2006/main" xmlns:r="http://schemas.openxmlformats.org/officeDocument/2006/relationships" xmlns:p="http://schemas.openxmlformats.org/presentationml/2006/main">
   <p:cSld>
     <p:spTree>
@@ -24960,7 +22481,7 @@
 </p:sld>
 </file>
 
-<file path=ppt/slides/slide45.xml><?xml version="1.0" encoding="utf-8"?>
+<file path=ppt/slides/slide44.xml><?xml version="1.0" encoding="utf-8"?>
 <p:sld xmlns:a="http://schemas.openxmlformats.org/drawingml/2006/main" xmlns:r="http://schemas.openxmlformats.org/officeDocument/2006/relationships" xmlns:p="http://schemas.openxmlformats.org/presentationml/2006/main">
   <p:cSld>
     <p:spTree>
@@ -25133,7 +22654,7 @@
 </p:sld>
 </file>
 
-<file path=ppt/slides/slide46.xml><?xml version="1.0" encoding="utf-8"?>
+<file path=ppt/slides/slide45.xml><?xml version="1.0" encoding="utf-8"?>
 <p:sld xmlns:a="http://schemas.openxmlformats.org/drawingml/2006/main" xmlns:r="http://schemas.openxmlformats.org/officeDocument/2006/relationships" xmlns:p="http://schemas.openxmlformats.org/presentationml/2006/main">
   <p:cSld>
     <p:spTree>
@@ -25260,7 +22781,7 @@
 </p:sld>
 </file>
 
-<file path=ppt/slides/slide47.xml><?xml version="1.0" encoding="utf-8"?>
+<file path=ppt/slides/slide46.xml><?xml version="1.0" encoding="utf-8"?>
 <p:sld xmlns:a="http://schemas.openxmlformats.org/drawingml/2006/main" xmlns:r="http://schemas.openxmlformats.org/officeDocument/2006/relationships" xmlns:p="http://schemas.openxmlformats.org/presentationml/2006/main">
   <p:cSld>
     <p:spTree>
@@ -25385,7 +22906,7 @@
 </p:sld>
 </file>
 
-<file path=ppt/slides/slide48.xml><?xml version="1.0" encoding="utf-8"?>
+<file path=ppt/slides/slide47.xml><?xml version="1.0" encoding="utf-8"?>
 <p:sld xmlns:a="http://schemas.openxmlformats.org/drawingml/2006/main" xmlns:r="http://schemas.openxmlformats.org/officeDocument/2006/relationships" xmlns:p="http://schemas.openxmlformats.org/presentationml/2006/main">
   <p:cSld>
     <p:spTree>
@@ -25512,7 +23033,7 @@
 </p:sld>
 </file>
 
-<file path=ppt/slides/slide49.xml><?xml version="1.0" encoding="utf-8"?>
+<file path=ppt/slides/slide48.xml><?xml version="1.0" encoding="utf-8"?>
 <p:sld xmlns:a="http://schemas.openxmlformats.org/drawingml/2006/main" xmlns:r="http://schemas.openxmlformats.org/officeDocument/2006/relationships" xmlns:p="http://schemas.openxmlformats.org/presentationml/2006/main">
   <p:cSld>
     <p:spTree>
@@ -25596,6 +23117,99 @@
     <p:extLst>
       <p:ext uri="{BB962C8B-B14F-4D97-AF65-F5344CB8AC3E}">
         <p14:creationId xmlns:p14="http://schemas.microsoft.com/office/powerpoint/2010/main" val="77967551"/>
+      </p:ext>
+    </p:extLst>
+  </p:cSld>
+  <p:clrMapOvr>
+    <a:masterClrMapping/>
+  </p:clrMapOvr>
+</p:sld>
+</file>
+
+<file path=ppt/slides/slide49.xml><?xml version="1.0" encoding="utf-8"?>
+<p:sld xmlns:a="http://schemas.openxmlformats.org/drawingml/2006/main" xmlns:r="http://schemas.openxmlformats.org/officeDocument/2006/relationships" xmlns:p="http://schemas.openxmlformats.org/presentationml/2006/main">
+  <p:cSld>
+    <p:spTree>
+      <p:nvGrpSpPr>
+        <p:cNvPr id="1" name=""/>
+        <p:cNvGrpSpPr/>
+        <p:nvPr/>
+      </p:nvGrpSpPr>
+      <p:grpSpPr>
+        <a:xfrm>
+          <a:off x="0" y="0"/>
+          <a:ext cx="0" cy="0"/>
+          <a:chOff x="0" y="0"/>
+          <a:chExt cx="0" cy="0"/>
+        </a:xfrm>
+      </p:grpSpPr>
+      <p:sp>
+        <p:nvSpPr>
+          <p:cNvPr id="2" name="Title 1">
+            <a:extLst>
+              <a:ext uri="{FF2B5EF4-FFF2-40B4-BE49-F238E27FC236}">
+                <a16:creationId xmlns:a16="http://schemas.microsoft.com/office/drawing/2014/main" id="{D713F0FD-75B3-43C5-865C-0A77B35A4333}"/>
+              </a:ext>
+            </a:extLst>
+          </p:cNvPr>
+          <p:cNvSpPr>
+            <a:spLocks noGrp="1"/>
+          </p:cNvSpPr>
+          <p:nvPr>
+            <p:ph type="title"/>
+          </p:nvPr>
+        </p:nvSpPr>
+        <p:spPr/>
+        <p:txBody>
+          <a:bodyPr/>
+          <a:lstStyle/>
+          <a:p>
+            <a:r>
+              <a:rPr lang="en-CA" dirty="0"/>
+              <a:t>Total Unique Reviews by State</a:t>
+            </a:r>
+          </a:p>
+        </p:txBody>
+      </p:sp>
+      <p:pic>
+        <p:nvPicPr>
+          <p:cNvPr id="5" name="Picture 4">
+            <a:extLst>
+              <a:ext uri="{FF2B5EF4-FFF2-40B4-BE49-F238E27FC236}">
+                <a16:creationId xmlns:a16="http://schemas.microsoft.com/office/drawing/2014/main" id="{32BA9D98-2D41-4B1C-AD08-65D8D9C61DF9}"/>
+              </a:ext>
+            </a:extLst>
+          </p:cNvPr>
+          <p:cNvPicPr>
+            <a:picLocks noChangeAspect="1"/>
+          </p:cNvPicPr>
+          <p:nvPr/>
+        </p:nvPicPr>
+        <p:blipFill>
+          <a:blip r:embed="rId2">
+            <a:extLst>
+              <a:ext uri="{28A0092B-C50C-407E-A947-70E740481C1C}">
+                <a14:useLocalDpi xmlns:a14="http://schemas.microsoft.com/office/drawing/2010/main" val="0"/>
+              </a:ext>
+            </a:extLst>
+          </a:blip>
+          <a:srcRect/>
+          <a:stretch/>
+        </p:blipFill>
+        <p:spPr>
+          <a:xfrm>
+            <a:off x="1330848" y="2138968"/>
+            <a:ext cx="9530304" cy="4308676"/>
+          </a:xfrm>
+          <a:prstGeom prst="rect">
+            <a:avLst/>
+          </a:prstGeom>
+        </p:spPr>
+      </p:pic>
+    </p:spTree>
+    <p:extLst>
+      <p:ext uri="{BB962C8B-B14F-4D97-AF65-F5344CB8AC3E}">
+        <p14:creationId xmlns:p14="http://schemas.microsoft.com/office/powerpoint/2010/main" val="1661984071"/>
       </p:ext>
     </p:extLst>
   </p:cSld>
@@ -26492,99 +24106,6 @@
           <p:cNvPr id="2" name="Title 1">
             <a:extLst>
               <a:ext uri="{FF2B5EF4-FFF2-40B4-BE49-F238E27FC236}">
-                <a16:creationId xmlns:a16="http://schemas.microsoft.com/office/drawing/2014/main" id="{D713F0FD-75B3-43C5-865C-0A77B35A4333}"/>
-              </a:ext>
-            </a:extLst>
-          </p:cNvPr>
-          <p:cNvSpPr>
-            <a:spLocks noGrp="1"/>
-          </p:cNvSpPr>
-          <p:nvPr>
-            <p:ph type="title"/>
-          </p:nvPr>
-        </p:nvSpPr>
-        <p:spPr/>
-        <p:txBody>
-          <a:bodyPr/>
-          <a:lstStyle/>
-          <a:p>
-            <a:r>
-              <a:rPr lang="en-CA" dirty="0"/>
-              <a:t>Total Unique Reviews by State</a:t>
-            </a:r>
-          </a:p>
-        </p:txBody>
-      </p:sp>
-      <p:pic>
-        <p:nvPicPr>
-          <p:cNvPr id="5" name="Picture 4">
-            <a:extLst>
-              <a:ext uri="{FF2B5EF4-FFF2-40B4-BE49-F238E27FC236}">
-                <a16:creationId xmlns:a16="http://schemas.microsoft.com/office/drawing/2014/main" id="{32BA9D98-2D41-4B1C-AD08-65D8D9C61DF9}"/>
-              </a:ext>
-            </a:extLst>
-          </p:cNvPr>
-          <p:cNvPicPr>
-            <a:picLocks noChangeAspect="1"/>
-          </p:cNvPicPr>
-          <p:nvPr/>
-        </p:nvPicPr>
-        <p:blipFill>
-          <a:blip r:embed="rId2">
-            <a:extLst>
-              <a:ext uri="{28A0092B-C50C-407E-A947-70E740481C1C}">
-                <a14:useLocalDpi xmlns:a14="http://schemas.microsoft.com/office/drawing/2010/main" val="0"/>
-              </a:ext>
-            </a:extLst>
-          </a:blip>
-          <a:srcRect/>
-          <a:stretch/>
-        </p:blipFill>
-        <p:spPr>
-          <a:xfrm>
-            <a:off x="1330848" y="2138968"/>
-            <a:ext cx="9530304" cy="4308676"/>
-          </a:xfrm>
-          <a:prstGeom prst="rect">
-            <a:avLst/>
-          </a:prstGeom>
-        </p:spPr>
-      </p:pic>
-    </p:spTree>
-    <p:extLst>
-      <p:ext uri="{BB962C8B-B14F-4D97-AF65-F5344CB8AC3E}">
-        <p14:creationId xmlns:p14="http://schemas.microsoft.com/office/powerpoint/2010/main" val="1661984071"/>
-      </p:ext>
-    </p:extLst>
-  </p:cSld>
-  <p:clrMapOvr>
-    <a:masterClrMapping/>
-  </p:clrMapOvr>
-</p:sld>
-</file>
-
-<file path=ppt/slides/slide51.xml><?xml version="1.0" encoding="utf-8"?>
-<p:sld xmlns:a="http://schemas.openxmlformats.org/drawingml/2006/main" xmlns:r="http://schemas.openxmlformats.org/officeDocument/2006/relationships" xmlns:p="http://schemas.openxmlformats.org/presentationml/2006/main">
-  <p:cSld>
-    <p:spTree>
-      <p:nvGrpSpPr>
-        <p:cNvPr id="1" name=""/>
-        <p:cNvGrpSpPr/>
-        <p:nvPr/>
-      </p:nvGrpSpPr>
-      <p:grpSpPr>
-        <a:xfrm>
-          <a:off x="0" y="0"/>
-          <a:ext cx="0" cy="0"/>
-          <a:chOff x="0" y="0"/>
-          <a:chExt cx="0" cy="0"/>
-        </a:xfrm>
-      </p:grpSpPr>
-      <p:sp>
-        <p:nvSpPr>
-          <p:cNvPr id="2" name="Title 1">
-            <a:extLst>
-              <a:ext uri="{FF2B5EF4-FFF2-40B4-BE49-F238E27FC236}">
                 <a16:creationId xmlns:a16="http://schemas.microsoft.com/office/drawing/2014/main" id="{A0B9E1A2-65D7-4B08-B2BD-89242F2E66AE}"/>
               </a:ext>
             </a:extLst>
@@ -26655,7 +24176,7 @@
 </p:sld>
 </file>
 
-<file path=ppt/slides/slide52.xml><?xml version="1.0" encoding="utf-8"?>
+<file path=ppt/slides/slide51.xml><?xml version="1.0" encoding="utf-8"?>
 <p:sld xmlns:a="http://schemas.openxmlformats.org/drawingml/2006/main" xmlns:r="http://schemas.openxmlformats.org/officeDocument/2006/relationships" xmlns:p="http://schemas.openxmlformats.org/presentationml/2006/main">
   <p:cSld>
     <p:spTree>
@@ -26750,7 +24271,7 @@
 </p:sld>
 </file>
 
-<file path=ppt/slides/slide53.xml><?xml version="1.0" encoding="utf-8"?>
+<file path=ppt/slides/slide52.xml><?xml version="1.0" encoding="utf-8"?>
 <p:sld xmlns:a="http://schemas.openxmlformats.org/drawingml/2006/main" xmlns:r="http://schemas.openxmlformats.org/officeDocument/2006/relationships" xmlns:p="http://schemas.openxmlformats.org/presentationml/2006/main">
   <p:cSld>
     <p:spTree>
@@ -28618,7 +26139,7 @@
 </p:sld>
 </file>
 
-<file path=ppt/slides/slide54.xml><?xml version="1.0" encoding="utf-8"?>
+<file path=ppt/slides/slide53.xml><?xml version="1.0" encoding="utf-8"?>
 <p:sld xmlns:a="http://schemas.openxmlformats.org/drawingml/2006/main" xmlns:r="http://schemas.openxmlformats.org/officeDocument/2006/relationships" xmlns:p="http://schemas.openxmlformats.org/presentationml/2006/main">
   <p:cSld>
     <p:spTree>
@@ -30525,7 +28046,7 @@
 </p:sld>
 </file>
 
-<file path=ppt/slides/slide55.xml><?xml version="1.0" encoding="utf-8"?>
+<file path=ppt/slides/slide54.xml><?xml version="1.0" encoding="utf-8"?>
 <p:sld xmlns:a="http://schemas.openxmlformats.org/drawingml/2006/main" xmlns:r="http://schemas.openxmlformats.org/officeDocument/2006/relationships" xmlns:p="http://schemas.openxmlformats.org/presentationml/2006/main">
   <p:cSld>
     <p:spTree>
@@ -32497,7 +30018,7 @@
 </p:sld>
 </file>
 
-<file path=ppt/slides/slide56.xml><?xml version="1.0" encoding="utf-8"?>
+<file path=ppt/slides/slide55.xml><?xml version="1.0" encoding="utf-8"?>
 <p:sld xmlns:a="http://schemas.openxmlformats.org/drawingml/2006/main" xmlns:r="http://schemas.openxmlformats.org/officeDocument/2006/relationships" xmlns:p="http://schemas.openxmlformats.org/presentationml/2006/main">
   <p:cSld>
     <p:spTree>
@@ -33094,6 +30615,1985 @@
     <p:extLst>
       <p:ext uri="{BB962C8B-B14F-4D97-AF65-F5344CB8AC3E}">
         <p14:creationId xmlns:p14="http://schemas.microsoft.com/office/powerpoint/2010/main" val="1451065763"/>
+      </p:ext>
+    </p:extLst>
+  </p:cSld>
+  <p:clrMapOvr>
+    <a:masterClrMapping/>
+  </p:clrMapOvr>
+</p:sld>
+</file>
+
+<file path=ppt/slides/slide56.xml><?xml version="1.0" encoding="utf-8"?>
+<p:sld xmlns:a="http://schemas.openxmlformats.org/drawingml/2006/main" xmlns:r="http://schemas.openxmlformats.org/officeDocument/2006/relationships" xmlns:p="http://schemas.openxmlformats.org/presentationml/2006/main">
+  <p:cSld>
+    <p:spTree>
+      <p:nvGrpSpPr>
+        <p:cNvPr id="1" name=""/>
+        <p:cNvGrpSpPr/>
+        <p:nvPr/>
+      </p:nvGrpSpPr>
+      <p:grpSpPr>
+        <a:xfrm>
+          <a:off x="0" y="0"/>
+          <a:ext cx="0" cy="0"/>
+          <a:chOff x="0" y="0"/>
+          <a:chExt cx="0" cy="0"/>
+        </a:xfrm>
+      </p:grpSpPr>
+      <p:sp>
+        <p:nvSpPr>
+          <p:cNvPr id="2" name="Title 1">
+            <a:extLst>
+              <a:ext uri="{FF2B5EF4-FFF2-40B4-BE49-F238E27FC236}">
+                <a16:creationId xmlns:a16="http://schemas.microsoft.com/office/drawing/2014/main" id="{9A27B76D-4305-40E9-85D2-672DA985417E}"/>
+              </a:ext>
+            </a:extLst>
+          </p:cNvPr>
+          <p:cNvSpPr>
+            <a:spLocks noGrp="1"/>
+          </p:cNvSpPr>
+          <p:nvPr>
+            <p:ph type="title"/>
+          </p:nvPr>
+        </p:nvSpPr>
+        <p:spPr>
+          <a:xfrm>
+            <a:off x="1066799" y="642594"/>
+            <a:ext cx="10539743" cy="1371600"/>
+          </a:xfrm>
+        </p:spPr>
+        <p:txBody>
+          <a:bodyPr>
+            <a:normAutofit fontScale="90000"/>
+          </a:bodyPr>
+          <a:lstStyle/>
+          <a:p>
+            <a:r>
+              <a:rPr lang="en-CA" dirty="0"/>
+              <a:t>Results &amp; Analysis – Old Model Feature Engineering</a:t>
+            </a:r>
+          </a:p>
+        </p:txBody>
+      </p:sp>
+      <p:graphicFrame>
+        <p:nvGraphicFramePr>
+          <p:cNvPr id="4" name="Table 4">
+            <a:extLst>
+              <a:ext uri="{FF2B5EF4-FFF2-40B4-BE49-F238E27FC236}">
+                <a16:creationId xmlns:a16="http://schemas.microsoft.com/office/drawing/2014/main" id="{27106B8C-AFB7-409A-BE21-EBF9030DEFF4}"/>
+              </a:ext>
+            </a:extLst>
+          </p:cNvPr>
+          <p:cNvGraphicFramePr>
+            <a:graphicFrameLocks noGrp="1"/>
+          </p:cNvGraphicFramePr>
+          <p:nvPr>
+            <p:ph idx="1"/>
+            <p:extLst>
+              <p:ext uri="{D42A27DB-BD31-4B8C-83A1-F6EECF244321}">
+                <p14:modId xmlns:p14="http://schemas.microsoft.com/office/powerpoint/2010/main" val="447180914"/>
+              </p:ext>
+            </p:extLst>
+          </p:nvPr>
+        </p:nvGraphicFramePr>
+        <p:xfrm>
+          <a:off x="1899719" y="2086621"/>
+          <a:ext cx="8392562" cy="3606800"/>
+        </p:xfrm>
+        <a:graphic>
+          <a:graphicData uri="http://schemas.openxmlformats.org/drawingml/2006/table">
+            <a:tbl>
+              <a:tblPr firstRow="1" bandRow="1">
+                <a:tableStyleId>{6E25E649-3F16-4E02-A733-19D2CDBF48F0}</a:tableStyleId>
+              </a:tblPr>
+              <a:tblGrid>
+                <a:gridCol w="4834550">
+                  <a:extLst>
+                    <a:ext uri="{9D8B030D-6E8A-4147-A177-3AD203B41FA5}">
+                      <a16:colId xmlns:a16="http://schemas.microsoft.com/office/drawing/2014/main" val="2857179037"/>
+                    </a:ext>
+                  </a:extLst>
+                </a:gridCol>
+                <a:gridCol w="1774480">
+                  <a:extLst>
+                    <a:ext uri="{9D8B030D-6E8A-4147-A177-3AD203B41FA5}">
+                      <a16:colId xmlns:a16="http://schemas.microsoft.com/office/drawing/2014/main" val="3727384194"/>
+                    </a:ext>
+                  </a:extLst>
+                </a:gridCol>
+                <a:gridCol w="1783532">
+                  <a:extLst>
+                    <a:ext uri="{9D8B030D-6E8A-4147-A177-3AD203B41FA5}">
+                      <a16:colId xmlns:a16="http://schemas.microsoft.com/office/drawing/2014/main" val="4143390719"/>
+                    </a:ext>
+                  </a:extLst>
+                </a:gridCol>
+              </a:tblGrid>
+              <a:tr h="370840">
+                <a:tc>
+                  <a:txBody>
+                    <a:bodyPr/>
+                    <a:lstStyle/>
+                    <a:p>
+                      <a:pPr algn="ctr" fontAlgn="b"/>
+                      <a:r>
+                        <a:rPr lang="en-CA" sz="1800" b="1" u="none" strike="noStrike" kern="1200" dirty="0">
+                          <a:solidFill>
+                            <a:schemeClr val="bg1"/>
+                          </a:solidFill>
+                          <a:effectLst/>
+                          <a:latin typeface="+mn-lt"/>
+                          <a:ea typeface="+mn-ea"/>
+                          <a:cs typeface="+mn-cs"/>
+                        </a:rPr>
+                        <a:t>Features</a:t>
+                      </a:r>
+                    </a:p>
+                  </a:txBody>
+                  <a:tcPr marL="9525" marR="9525" marT="9525" marB="0" anchor="b"/>
+                </a:tc>
+                <a:tc>
+                  <a:txBody>
+                    <a:bodyPr/>
+                    <a:lstStyle/>
+                    <a:p>
+                      <a:pPr algn="ctr" fontAlgn="b"/>
+                      <a:r>
+                        <a:rPr lang="en-CA" sz="1800" dirty="0">
+                          <a:effectLst/>
+                        </a:rPr>
+                        <a:t>Accuracy</a:t>
+                      </a:r>
+                      <a:endParaRPr lang="en-CA" sz="1800" b="1" u="none" strike="noStrike" kern="1200" dirty="0">
+                        <a:solidFill>
+                          <a:schemeClr val="bg1"/>
+                        </a:solidFill>
+                        <a:effectLst/>
+                        <a:latin typeface="+mn-lt"/>
+                        <a:ea typeface="+mn-ea"/>
+                        <a:cs typeface="+mn-cs"/>
+                      </a:endParaRPr>
+                    </a:p>
+                  </a:txBody>
+                  <a:tcPr marL="9525" marR="9525" marT="9525" marB="0" anchor="b"/>
+                </a:tc>
+                <a:tc>
+                  <a:txBody>
+                    <a:bodyPr/>
+                    <a:lstStyle/>
+                    <a:p>
+                      <a:pPr algn="ctr" fontAlgn="b"/>
+                      <a:r>
+                        <a:rPr lang="en-CA" sz="1800" dirty="0">
+                          <a:effectLst/>
+                        </a:rPr>
+                        <a:t>MSE</a:t>
+                      </a:r>
+                      <a:endParaRPr lang="en-CA" sz="1800" b="1" u="none" strike="noStrike" kern="1200" dirty="0">
+                        <a:solidFill>
+                          <a:schemeClr val="bg1"/>
+                        </a:solidFill>
+                        <a:effectLst/>
+                        <a:latin typeface="+mn-lt"/>
+                        <a:ea typeface="+mn-ea"/>
+                        <a:cs typeface="+mn-cs"/>
+                      </a:endParaRPr>
+                    </a:p>
+                  </a:txBody>
+                  <a:tcPr marL="9525" marR="9525" marT="9525" marB="0" anchor="b"/>
+                </a:tc>
+                <a:extLst>
+                  <a:ext uri="{0D108BD9-81ED-4DB2-BD59-A6C34878D82A}">
+                    <a16:rowId xmlns:a16="http://schemas.microsoft.com/office/drawing/2014/main" val="352827595"/>
+                  </a:ext>
+                </a:extLst>
+              </a:tr>
+              <a:tr h="370840">
+                <a:tc>
+                  <a:txBody>
+                    <a:bodyPr/>
+                    <a:lstStyle/>
+                    <a:p>
+                      <a:pPr algn="l"/>
+                      <a:r>
+                        <a:rPr lang="en-CA" sz="1800" b="0" u="none" strike="noStrike" kern="1200" dirty="0">
+                          <a:solidFill>
+                            <a:srgbClr val="000000"/>
+                          </a:solidFill>
+                          <a:effectLst/>
+                          <a:latin typeface="+mn-lt"/>
+                          <a:ea typeface="+mn-ea"/>
+                          <a:cs typeface="+mn-cs"/>
+                        </a:rPr>
+                        <a:t>Predict most frequent rating</a:t>
+                      </a:r>
+                    </a:p>
+                  </a:txBody>
+                  <a:tcPr/>
+                </a:tc>
+                <a:tc>
+                  <a:txBody>
+                    <a:bodyPr/>
+                    <a:lstStyle/>
+                    <a:p>
+                      <a:pPr algn="ctr"/>
+                      <a:r>
+                        <a:rPr lang="en-CA" sz="1800" b="0" u="none" strike="noStrike" kern="1200" dirty="0">
+                          <a:solidFill>
+                            <a:srgbClr val="000000"/>
+                          </a:solidFill>
+                          <a:effectLst/>
+                          <a:latin typeface="+mn-lt"/>
+                          <a:ea typeface="+mn-ea"/>
+                          <a:cs typeface="+mn-cs"/>
+                        </a:rPr>
+                        <a:t>0.4739</a:t>
+                      </a:r>
+                    </a:p>
+                  </a:txBody>
+                  <a:tcPr/>
+                </a:tc>
+                <a:tc>
+                  <a:txBody>
+                    <a:bodyPr/>
+                    <a:lstStyle/>
+                    <a:p>
+                      <a:pPr algn="ctr"/>
+                      <a:r>
+                        <a:rPr lang="en-CA" sz="1800" b="0" u="none" strike="noStrike" kern="1200" dirty="0">
+                          <a:solidFill>
+                            <a:srgbClr val="000000"/>
+                          </a:solidFill>
+                          <a:effectLst/>
+                          <a:latin typeface="+mn-lt"/>
+                          <a:ea typeface="+mn-ea"/>
+                          <a:cs typeface="+mn-cs"/>
+                        </a:rPr>
+                        <a:t>2.467</a:t>
+                      </a:r>
+                    </a:p>
+                  </a:txBody>
+                  <a:tcPr marL="0" marR="0" marT="0" marB="0"/>
+                </a:tc>
+                <a:extLst>
+                  <a:ext uri="{0D108BD9-81ED-4DB2-BD59-A6C34878D82A}">
+                    <a16:rowId xmlns:a16="http://schemas.microsoft.com/office/drawing/2014/main" val="392404504"/>
+                  </a:ext>
+                </a:extLst>
+              </a:tr>
+              <a:tr h="370840">
+                <a:tc>
+                  <a:txBody>
+                    <a:bodyPr/>
+                    <a:lstStyle/>
+                    <a:p>
+                      <a:pPr algn="l"/>
+                      <a:r>
+                        <a:rPr lang="en-CA" sz="1800" b="0" u="none" strike="noStrike" kern="1200" dirty="0">
+                          <a:solidFill>
+                            <a:srgbClr val="000000"/>
+                          </a:solidFill>
+                          <a:effectLst/>
+                          <a:latin typeface="+mn-lt"/>
+                          <a:ea typeface="+mn-ea"/>
+                          <a:cs typeface="+mn-cs"/>
+                        </a:rPr>
+                        <a:t>Review body only</a:t>
+                      </a:r>
+                    </a:p>
+                  </a:txBody>
+                  <a:tcPr/>
+                </a:tc>
+                <a:tc>
+                  <a:txBody>
+                    <a:bodyPr/>
+                    <a:lstStyle/>
+                    <a:p>
+                      <a:pPr algn="ctr"/>
+                      <a:r>
+                        <a:rPr lang="en-CA" sz="1800" b="0" u="none" strike="noStrike" kern="1200" dirty="0">
+                          <a:solidFill>
+                            <a:srgbClr val="000000"/>
+                          </a:solidFill>
+                          <a:effectLst/>
+                          <a:latin typeface="+mn-lt"/>
+                          <a:ea typeface="+mn-ea"/>
+                          <a:cs typeface="+mn-cs"/>
+                        </a:rPr>
+                        <a:t>0.6993</a:t>
+                      </a:r>
+                    </a:p>
+                  </a:txBody>
+                  <a:tcPr/>
+                </a:tc>
+                <a:tc>
+                  <a:txBody>
+                    <a:bodyPr/>
+                    <a:lstStyle/>
+                    <a:p>
+                      <a:pPr algn="ctr"/>
+                      <a:r>
+                        <a:rPr lang="en-CA" sz="1800" b="0" u="none" strike="noStrike" kern="1200" dirty="0">
+                          <a:solidFill>
+                            <a:srgbClr val="000000"/>
+                          </a:solidFill>
+                          <a:effectLst/>
+                          <a:latin typeface="+mn-lt"/>
+                          <a:ea typeface="+mn-ea"/>
+                          <a:cs typeface="+mn-cs"/>
+                        </a:rPr>
+                        <a:t>0.402</a:t>
+                      </a:r>
+                    </a:p>
+                  </a:txBody>
+                  <a:tcPr marL="0" marR="0" marT="0" marB="0"/>
+                </a:tc>
+                <a:extLst>
+                  <a:ext uri="{0D108BD9-81ED-4DB2-BD59-A6C34878D82A}">
+                    <a16:rowId xmlns:a16="http://schemas.microsoft.com/office/drawing/2014/main" val="1615631518"/>
+                  </a:ext>
+                </a:extLst>
+              </a:tr>
+              <a:tr h="370840">
+                <a:tc>
+                  <a:txBody>
+                    <a:bodyPr/>
+                    <a:lstStyle/>
+                    <a:p>
+                      <a:pPr algn="l"/>
+                      <a:r>
+                        <a:rPr lang="en-CA" sz="1800" b="0" u="none" strike="noStrike" kern="1200" dirty="0">
+                          <a:solidFill>
+                            <a:srgbClr val="000000"/>
+                          </a:solidFill>
+                          <a:effectLst/>
+                          <a:latin typeface="+mn-lt"/>
+                          <a:ea typeface="+mn-ea"/>
+                          <a:cs typeface="+mn-cs"/>
+                        </a:rPr>
+                        <a:t>Review body + Pandemic Timing</a:t>
+                      </a:r>
+                    </a:p>
+                  </a:txBody>
+                  <a:tcPr/>
+                </a:tc>
+                <a:tc>
+                  <a:txBody>
+                    <a:bodyPr/>
+                    <a:lstStyle/>
+                    <a:p>
+                      <a:pPr algn="ctr"/>
+                      <a:r>
+                        <a:rPr lang="en-CA" sz="1800" b="0" u="none" strike="noStrike" kern="1200" dirty="0">
+                          <a:solidFill>
+                            <a:srgbClr val="000000"/>
+                          </a:solidFill>
+                          <a:effectLst/>
+                          <a:latin typeface="+mn-lt"/>
+                          <a:ea typeface="+mn-ea"/>
+                          <a:cs typeface="+mn-cs"/>
+                        </a:rPr>
+                        <a:t>0.6814</a:t>
+                      </a:r>
+                    </a:p>
+                  </a:txBody>
+                  <a:tcPr/>
+                </a:tc>
+                <a:tc>
+                  <a:txBody>
+                    <a:bodyPr/>
+                    <a:lstStyle/>
+                    <a:p>
+                      <a:pPr algn="ctr"/>
+                      <a:r>
+                        <a:rPr lang="en-CA" sz="1800" b="0" u="none" strike="noStrike" kern="1200" dirty="0">
+                          <a:solidFill>
+                            <a:srgbClr val="000000"/>
+                          </a:solidFill>
+                          <a:effectLst/>
+                          <a:latin typeface="+mn-lt"/>
+                          <a:ea typeface="+mn-ea"/>
+                          <a:cs typeface="+mn-cs"/>
+                        </a:rPr>
+                        <a:t>0.400</a:t>
+                      </a:r>
+                    </a:p>
+                  </a:txBody>
+                  <a:tcPr marL="0" marR="0" marT="0" marB="0"/>
+                </a:tc>
+                <a:extLst>
+                  <a:ext uri="{0D108BD9-81ED-4DB2-BD59-A6C34878D82A}">
+                    <a16:rowId xmlns:a16="http://schemas.microsoft.com/office/drawing/2014/main" val="1698729985"/>
+                  </a:ext>
+                </a:extLst>
+              </a:tr>
+              <a:tr h="370840">
+                <a:tc>
+                  <a:txBody>
+                    <a:bodyPr/>
+                    <a:lstStyle/>
+                    <a:p>
+                      <a:pPr algn="l"/>
+                      <a:r>
+                        <a:rPr lang="en-CA" sz="1800" b="1" u="none" strike="noStrike" kern="1200" dirty="0">
+                          <a:solidFill>
+                            <a:srgbClr val="000000"/>
+                          </a:solidFill>
+                          <a:effectLst/>
+                          <a:latin typeface="+mn-lt"/>
+                          <a:ea typeface="+mn-ea"/>
+                          <a:cs typeface="+mn-cs"/>
+                        </a:rPr>
+                        <a:t>Review body + Pandemic Timing + State</a:t>
+                      </a:r>
+                    </a:p>
+                  </a:txBody>
+                  <a:tcPr/>
+                </a:tc>
+                <a:tc>
+                  <a:txBody>
+                    <a:bodyPr/>
+                    <a:lstStyle/>
+                    <a:p>
+                      <a:pPr algn="ctr"/>
+                      <a:r>
+                        <a:rPr lang="en-CA" sz="1800" b="1" u="none" strike="noStrike" kern="1200" dirty="0">
+                          <a:solidFill>
+                            <a:srgbClr val="000000"/>
+                          </a:solidFill>
+                          <a:effectLst/>
+                          <a:latin typeface="+mn-lt"/>
+                          <a:ea typeface="+mn-ea"/>
+                          <a:cs typeface="+mn-cs"/>
+                        </a:rPr>
+                        <a:t>0.6895</a:t>
+                      </a:r>
+                    </a:p>
+                  </a:txBody>
+                  <a:tcPr/>
+                </a:tc>
+                <a:tc>
+                  <a:txBody>
+                    <a:bodyPr/>
+                    <a:lstStyle/>
+                    <a:p>
+                      <a:pPr algn="ctr"/>
+                      <a:r>
+                        <a:rPr lang="en-CA" sz="1800" b="1" u="none" strike="noStrike" kern="1200" dirty="0">
+                          <a:solidFill>
+                            <a:srgbClr val="000000"/>
+                          </a:solidFill>
+                          <a:effectLst/>
+                          <a:latin typeface="+mn-lt"/>
+                          <a:ea typeface="+mn-ea"/>
+                          <a:cs typeface="+mn-cs"/>
+                        </a:rPr>
+                        <a:t>0.410</a:t>
+                      </a:r>
+                    </a:p>
+                  </a:txBody>
+                  <a:tcPr marL="0" marR="0" marT="0" marB="0"/>
+                </a:tc>
+                <a:extLst>
+                  <a:ext uri="{0D108BD9-81ED-4DB2-BD59-A6C34878D82A}">
+                    <a16:rowId xmlns:a16="http://schemas.microsoft.com/office/drawing/2014/main" val="689028486"/>
+                  </a:ext>
+                </a:extLst>
+              </a:tr>
+              <a:tr h="370840">
+                <a:tc>
+                  <a:txBody>
+                    <a:bodyPr/>
+                    <a:lstStyle/>
+                    <a:p>
+                      <a:pPr algn="l"/>
+                      <a:r>
+                        <a:rPr lang="en-CA" sz="1800" b="0" u="none" strike="noStrike" kern="1200" dirty="0">
+                          <a:solidFill>
+                            <a:srgbClr val="000000"/>
+                          </a:solidFill>
+                          <a:effectLst/>
+                          <a:latin typeface="+mn-lt"/>
+                          <a:ea typeface="+mn-ea"/>
+                          <a:cs typeface="+mn-cs"/>
+                        </a:rPr>
+                        <a:t>Review body + Pandemic Timing + State + Walkability</a:t>
+                      </a:r>
+                    </a:p>
+                  </a:txBody>
+                  <a:tcPr/>
+                </a:tc>
+                <a:tc>
+                  <a:txBody>
+                    <a:bodyPr/>
+                    <a:lstStyle/>
+                    <a:p>
+                      <a:pPr algn="ctr"/>
+                      <a:r>
+                        <a:rPr lang="en-CA" sz="1800" b="0" u="none" strike="noStrike" kern="1200" dirty="0">
+                          <a:solidFill>
+                            <a:srgbClr val="000000"/>
+                          </a:solidFill>
+                          <a:effectLst/>
+                          <a:latin typeface="+mn-lt"/>
+                          <a:ea typeface="+mn-ea"/>
+                          <a:cs typeface="+mn-cs"/>
+                        </a:rPr>
+                        <a:t>0.64215</a:t>
+                      </a:r>
+                    </a:p>
+                  </a:txBody>
+                  <a:tcPr/>
+                </a:tc>
+                <a:tc>
+                  <a:txBody>
+                    <a:bodyPr/>
+                    <a:lstStyle/>
+                    <a:p>
+                      <a:pPr algn="ctr"/>
+                      <a:r>
+                        <a:rPr lang="en-CA" sz="1800" b="0" u="none" strike="noStrike" kern="1200" dirty="0">
+                          <a:solidFill>
+                            <a:srgbClr val="000000"/>
+                          </a:solidFill>
+                          <a:effectLst/>
+                          <a:latin typeface="+mn-lt"/>
+                          <a:ea typeface="+mn-ea"/>
+                          <a:cs typeface="+mn-cs"/>
+                        </a:rPr>
+                        <a:t>0.542</a:t>
+                      </a:r>
+                    </a:p>
+                  </a:txBody>
+                  <a:tcPr marL="0" marR="0" marT="0" marB="0"/>
+                </a:tc>
+                <a:extLst>
+                  <a:ext uri="{0D108BD9-81ED-4DB2-BD59-A6C34878D82A}">
+                    <a16:rowId xmlns:a16="http://schemas.microsoft.com/office/drawing/2014/main" val="966234708"/>
+                  </a:ext>
+                </a:extLst>
+              </a:tr>
+              <a:tr h="370840">
+                <a:tc>
+                  <a:txBody>
+                    <a:bodyPr/>
+                    <a:lstStyle/>
+                    <a:p>
+                      <a:pPr algn="l"/>
+                      <a:r>
+                        <a:rPr lang="en-CA" sz="1800" b="0" u="none" strike="noStrike" kern="1200" dirty="0">
+                          <a:solidFill>
+                            <a:srgbClr val="000000"/>
+                          </a:solidFill>
+                          <a:effectLst/>
+                          <a:latin typeface="+mn-lt"/>
+                          <a:ea typeface="+mn-ea"/>
+                          <a:cs typeface="+mn-cs"/>
+                        </a:rPr>
+                        <a:t>Review body + Walkability</a:t>
+                      </a:r>
+                    </a:p>
+                  </a:txBody>
+                  <a:tcPr/>
+                </a:tc>
+                <a:tc>
+                  <a:txBody>
+                    <a:bodyPr/>
+                    <a:lstStyle/>
+                    <a:p>
+                      <a:pPr algn="ctr"/>
+                      <a:r>
+                        <a:rPr lang="en-CA" sz="1800" b="0" u="none" strike="noStrike" kern="1200" dirty="0">
+                          <a:solidFill>
+                            <a:srgbClr val="000000"/>
+                          </a:solidFill>
+                          <a:effectLst/>
+                          <a:latin typeface="+mn-lt"/>
+                          <a:ea typeface="+mn-ea"/>
+                          <a:cs typeface="+mn-cs"/>
+                        </a:rPr>
+                        <a:t>0.68627</a:t>
+                      </a:r>
+                    </a:p>
+                  </a:txBody>
+                  <a:tcPr/>
+                </a:tc>
+                <a:tc>
+                  <a:txBody>
+                    <a:bodyPr/>
+                    <a:lstStyle/>
+                    <a:p>
+                      <a:pPr algn="ctr"/>
+                      <a:r>
+                        <a:rPr lang="en-CA" sz="1800" b="0" u="none" strike="noStrike" kern="1200" dirty="0">
+                          <a:solidFill>
+                            <a:srgbClr val="000000"/>
+                          </a:solidFill>
+                          <a:effectLst/>
+                          <a:latin typeface="+mn-lt"/>
+                          <a:ea typeface="+mn-ea"/>
+                          <a:cs typeface="+mn-cs"/>
+                        </a:rPr>
+                        <a:t>0.423</a:t>
+                      </a:r>
+                    </a:p>
+                  </a:txBody>
+                  <a:tcPr marL="0" marR="0" marT="0" marB="0"/>
+                </a:tc>
+                <a:extLst>
+                  <a:ext uri="{0D108BD9-81ED-4DB2-BD59-A6C34878D82A}">
+                    <a16:rowId xmlns:a16="http://schemas.microsoft.com/office/drawing/2014/main" val="3131120491"/>
+                  </a:ext>
+                </a:extLst>
+              </a:tr>
+              <a:tr h="370840">
+                <a:tc>
+                  <a:txBody>
+                    <a:bodyPr/>
+                    <a:lstStyle/>
+                    <a:p>
+                      <a:pPr algn="l"/>
+                      <a:r>
+                        <a:rPr lang="en-CA" sz="1800" b="0" u="none" strike="noStrike" kern="1200">
+                          <a:solidFill>
+                            <a:srgbClr val="000000"/>
+                          </a:solidFill>
+                          <a:effectLst/>
+                          <a:latin typeface="+mn-lt"/>
+                          <a:ea typeface="+mn-ea"/>
+                          <a:cs typeface="+mn-cs"/>
+                        </a:rPr>
+                        <a:t>Review body + State</a:t>
+                      </a:r>
+                    </a:p>
+                  </a:txBody>
+                  <a:tcPr/>
+                </a:tc>
+                <a:tc>
+                  <a:txBody>
+                    <a:bodyPr/>
+                    <a:lstStyle/>
+                    <a:p>
+                      <a:pPr algn="ctr"/>
+                      <a:r>
+                        <a:rPr lang="en-CA" sz="1800" b="0" u="none" strike="noStrike" kern="1200" dirty="0">
+                          <a:solidFill>
+                            <a:srgbClr val="000000"/>
+                          </a:solidFill>
+                          <a:effectLst/>
+                          <a:latin typeface="+mn-lt"/>
+                          <a:ea typeface="+mn-ea"/>
+                          <a:cs typeface="+mn-cs"/>
+                        </a:rPr>
+                        <a:t>0.6732</a:t>
+                      </a:r>
+                    </a:p>
+                  </a:txBody>
+                  <a:tcPr/>
+                </a:tc>
+                <a:tc>
+                  <a:txBody>
+                    <a:bodyPr/>
+                    <a:lstStyle/>
+                    <a:p>
+                      <a:pPr algn="ctr"/>
+                      <a:r>
+                        <a:rPr lang="en-CA" sz="1800" b="0" u="none" strike="noStrike" kern="1200" dirty="0">
+                          <a:solidFill>
+                            <a:srgbClr val="000000"/>
+                          </a:solidFill>
+                          <a:effectLst/>
+                          <a:latin typeface="+mn-lt"/>
+                          <a:ea typeface="+mn-ea"/>
+                          <a:cs typeface="+mn-cs"/>
+                        </a:rPr>
+                        <a:t>0.4722</a:t>
+                      </a:r>
+                    </a:p>
+                  </a:txBody>
+                  <a:tcPr marL="0" marR="0" marT="0" marB="0"/>
+                </a:tc>
+                <a:extLst>
+                  <a:ext uri="{0D108BD9-81ED-4DB2-BD59-A6C34878D82A}">
+                    <a16:rowId xmlns:a16="http://schemas.microsoft.com/office/drawing/2014/main" val="1585213908"/>
+                  </a:ext>
+                </a:extLst>
+              </a:tr>
+              <a:tr h="370840">
+                <a:tc>
+                  <a:txBody>
+                    <a:bodyPr/>
+                    <a:lstStyle/>
+                    <a:p>
+                      <a:pPr algn="l"/>
+                      <a:r>
+                        <a:rPr lang="en-CA" sz="1800" b="0" u="none" strike="noStrike" kern="1200" dirty="0">
+                          <a:solidFill>
+                            <a:srgbClr val="000000"/>
+                          </a:solidFill>
+                          <a:effectLst/>
+                          <a:latin typeface="+mn-lt"/>
+                          <a:ea typeface="+mn-ea"/>
+                          <a:cs typeface="+mn-cs"/>
+                        </a:rPr>
+                        <a:t>Review body + State + Walkability</a:t>
+                      </a:r>
+                    </a:p>
+                  </a:txBody>
+                  <a:tcPr/>
+                </a:tc>
+                <a:tc>
+                  <a:txBody>
+                    <a:bodyPr/>
+                    <a:lstStyle/>
+                    <a:p>
+                      <a:pPr algn="ctr"/>
+                      <a:r>
+                        <a:rPr lang="en-CA" sz="1800" b="0" u="none" strike="noStrike" kern="1200" dirty="0">
+                          <a:solidFill>
+                            <a:srgbClr val="000000"/>
+                          </a:solidFill>
+                          <a:effectLst/>
+                          <a:latin typeface="+mn-lt"/>
+                          <a:ea typeface="+mn-ea"/>
+                          <a:cs typeface="+mn-cs"/>
+                        </a:rPr>
+                        <a:t>0.6797</a:t>
+                      </a:r>
+                    </a:p>
+                  </a:txBody>
+                  <a:tcPr/>
+                </a:tc>
+                <a:tc>
+                  <a:txBody>
+                    <a:bodyPr/>
+                    <a:lstStyle/>
+                    <a:p>
+                      <a:pPr algn="ctr"/>
+                      <a:r>
+                        <a:rPr lang="en-CA" sz="1800" b="0" u="none" strike="noStrike" kern="1200" dirty="0">
+                          <a:solidFill>
+                            <a:srgbClr val="000000"/>
+                          </a:solidFill>
+                          <a:effectLst/>
+                          <a:latin typeface="+mn-lt"/>
+                          <a:ea typeface="+mn-ea"/>
+                          <a:cs typeface="+mn-cs"/>
+                        </a:rPr>
+                        <a:t>0.435</a:t>
+                      </a:r>
+                    </a:p>
+                  </a:txBody>
+                  <a:tcPr marL="0" marR="0" marT="0" marB="0"/>
+                </a:tc>
+                <a:extLst>
+                  <a:ext uri="{0D108BD9-81ED-4DB2-BD59-A6C34878D82A}">
+                    <a16:rowId xmlns:a16="http://schemas.microsoft.com/office/drawing/2014/main" val="3620469889"/>
+                  </a:ext>
+                </a:extLst>
+              </a:tr>
+            </a:tbl>
+          </a:graphicData>
+        </a:graphic>
+      </p:graphicFrame>
+    </p:spTree>
+    <p:extLst>
+      <p:ext uri="{BB962C8B-B14F-4D97-AF65-F5344CB8AC3E}">
+        <p14:creationId xmlns:p14="http://schemas.microsoft.com/office/powerpoint/2010/main" val="389437488"/>
+      </p:ext>
+    </p:extLst>
+  </p:cSld>
+  <p:clrMapOvr>
+    <a:masterClrMapping/>
+  </p:clrMapOvr>
+</p:sld>
+</file>
+
+<file path=ppt/slides/slide57.xml><?xml version="1.0" encoding="utf-8"?>
+<p:sld xmlns:a="http://schemas.openxmlformats.org/drawingml/2006/main" xmlns:r="http://schemas.openxmlformats.org/officeDocument/2006/relationships" xmlns:p="http://schemas.openxmlformats.org/presentationml/2006/main">
+  <p:cSld>
+    <p:spTree>
+      <p:nvGrpSpPr>
+        <p:cNvPr id="1" name=""/>
+        <p:cNvGrpSpPr/>
+        <p:nvPr/>
+      </p:nvGrpSpPr>
+      <p:grpSpPr>
+        <a:xfrm>
+          <a:off x="0" y="0"/>
+          <a:ext cx="0" cy="0"/>
+          <a:chOff x="0" y="0"/>
+          <a:chExt cx="0" cy="0"/>
+        </a:xfrm>
+      </p:grpSpPr>
+      <p:sp>
+        <p:nvSpPr>
+          <p:cNvPr id="2" name="Title 1">
+            <a:extLst>
+              <a:ext uri="{FF2B5EF4-FFF2-40B4-BE49-F238E27FC236}">
+                <a16:creationId xmlns:a16="http://schemas.microsoft.com/office/drawing/2014/main" id="{D71DB77B-F543-4246-A7D8-173DD47B5848}"/>
+              </a:ext>
+            </a:extLst>
+          </p:cNvPr>
+          <p:cNvSpPr>
+            <a:spLocks noGrp="1"/>
+          </p:cNvSpPr>
+          <p:nvPr>
+            <p:ph type="title"/>
+          </p:nvPr>
+        </p:nvSpPr>
+        <p:spPr/>
+        <p:txBody>
+          <a:bodyPr>
+            <a:normAutofit fontScale="90000"/>
+          </a:bodyPr>
+          <a:lstStyle/>
+          <a:p>
+            <a:r>
+              <a:rPr lang="en-CA" dirty="0"/>
+              <a:t>Results &amp; Analysis – Old</a:t>
+            </a:r>
+            <a:br>
+              <a:rPr lang="en-CA" dirty="0"/>
+            </a:br>
+            <a:r>
+              <a:rPr lang="en-CA" dirty="0"/>
+              <a:t>Ensemble Results</a:t>
+            </a:r>
+          </a:p>
+        </p:txBody>
+      </p:sp>
+      <p:graphicFrame>
+        <p:nvGraphicFramePr>
+          <p:cNvPr id="5" name="Table 4">
+            <a:extLst>
+              <a:ext uri="{FF2B5EF4-FFF2-40B4-BE49-F238E27FC236}">
+                <a16:creationId xmlns:a16="http://schemas.microsoft.com/office/drawing/2014/main" id="{FF3CD053-EF8D-488B-898F-473783234378}"/>
+              </a:ext>
+            </a:extLst>
+          </p:cNvPr>
+          <p:cNvGraphicFramePr>
+            <a:graphicFrameLocks/>
+          </p:cNvGraphicFramePr>
+          <p:nvPr>
+            <p:extLst>
+              <p:ext uri="{D42A27DB-BD31-4B8C-83A1-F6EECF244321}">
+                <p14:modId xmlns:p14="http://schemas.microsoft.com/office/powerpoint/2010/main" val="3604958611"/>
+              </p:ext>
+            </p:extLst>
+          </p:nvPr>
+        </p:nvGraphicFramePr>
+        <p:xfrm>
+          <a:off x="1365565" y="2864111"/>
+          <a:ext cx="8392562" cy="2123440"/>
+        </p:xfrm>
+        <a:graphic>
+          <a:graphicData uri="http://schemas.openxmlformats.org/drawingml/2006/table">
+            <a:tbl>
+              <a:tblPr firstRow="1" bandRow="1">
+                <a:tableStyleId>{6E25E649-3F16-4E02-A733-19D2CDBF48F0}</a:tableStyleId>
+              </a:tblPr>
+              <a:tblGrid>
+                <a:gridCol w="4834550">
+                  <a:extLst>
+                    <a:ext uri="{9D8B030D-6E8A-4147-A177-3AD203B41FA5}">
+                      <a16:colId xmlns:a16="http://schemas.microsoft.com/office/drawing/2014/main" val="2857179037"/>
+                    </a:ext>
+                  </a:extLst>
+                </a:gridCol>
+                <a:gridCol w="1774480">
+                  <a:extLst>
+                    <a:ext uri="{9D8B030D-6E8A-4147-A177-3AD203B41FA5}">
+                      <a16:colId xmlns:a16="http://schemas.microsoft.com/office/drawing/2014/main" val="3727384194"/>
+                    </a:ext>
+                  </a:extLst>
+                </a:gridCol>
+                <a:gridCol w="1783532">
+                  <a:extLst>
+                    <a:ext uri="{9D8B030D-6E8A-4147-A177-3AD203B41FA5}">
+                      <a16:colId xmlns:a16="http://schemas.microsoft.com/office/drawing/2014/main" val="4143390719"/>
+                    </a:ext>
+                  </a:extLst>
+                </a:gridCol>
+              </a:tblGrid>
+              <a:tr h="370840">
+                <a:tc>
+                  <a:txBody>
+                    <a:bodyPr/>
+                    <a:lstStyle/>
+                    <a:p>
+                      <a:pPr marL="0" algn="ctr" defTabSz="914400" rtl="0" eaLnBrk="1" fontAlgn="b" latinLnBrk="0" hangingPunct="1"/>
+                      <a:r>
+                        <a:rPr lang="en-CA" sz="1800" b="1" u="none" strike="noStrike" kern="1200" dirty="0">
+                          <a:solidFill>
+                            <a:schemeClr val="bg1"/>
+                          </a:solidFill>
+                          <a:effectLst/>
+                          <a:latin typeface="+mn-lt"/>
+                          <a:ea typeface="+mn-ea"/>
+                          <a:cs typeface="+mn-cs"/>
+                        </a:rPr>
+                        <a:t>Baseline</a:t>
+                      </a:r>
+                    </a:p>
+                  </a:txBody>
+                  <a:tcPr/>
+                </a:tc>
+                <a:tc>
+                  <a:txBody>
+                    <a:bodyPr/>
+                    <a:lstStyle/>
+                    <a:p>
+                      <a:pPr algn="ctr" fontAlgn="b"/>
+                      <a:r>
+                        <a:rPr lang="en-CA" sz="1800" dirty="0">
+                          <a:effectLst/>
+                        </a:rPr>
+                        <a:t>Accuracy</a:t>
+                      </a:r>
+                      <a:endParaRPr lang="en-CA" sz="1800" b="1" u="none" strike="noStrike" kern="1200" dirty="0">
+                        <a:solidFill>
+                          <a:schemeClr val="bg1"/>
+                        </a:solidFill>
+                        <a:effectLst/>
+                        <a:latin typeface="+mn-lt"/>
+                        <a:ea typeface="+mn-ea"/>
+                        <a:cs typeface="+mn-cs"/>
+                      </a:endParaRPr>
+                    </a:p>
+                  </a:txBody>
+                  <a:tcPr marL="9525" marR="9525" marT="9525" marB="0" anchor="b"/>
+                </a:tc>
+                <a:tc>
+                  <a:txBody>
+                    <a:bodyPr/>
+                    <a:lstStyle/>
+                    <a:p>
+                      <a:pPr algn="ctr" fontAlgn="b"/>
+                      <a:r>
+                        <a:rPr lang="en-CA" sz="1800" dirty="0">
+                          <a:effectLst/>
+                        </a:rPr>
+                        <a:t>MSE</a:t>
+                      </a:r>
+                      <a:endParaRPr lang="en-CA" sz="1800" b="1" u="none" strike="noStrike" kern="1200" dirty="0">
+                        <a:solidFill>
+                          <a:schemeClr val="bg1"/>
+                        </a:solidFill>
+                        <a:effectLst/>
+                        <a:latin typeface="+mn-lt"/>
+                        <a:ea typeface="+mn-ea"/>
+                        <a:cs typeface="+mn-cs"/>
+                      </a:endParaRPr>
+                    </a:p>
+                  </a:txBody>
+                  <a:tcPr marL="9525" marR="9525" marT="9525" marB="0" anchor="b"/>
+                </a:tc>
+                <a:extLst>
+                  <a:ext uri="{0D108BD9-81ED-4DB2-BD59-A6C34878D82A}">
+                    <a16:rowId xmlns:a16="http://schemas.microsoft.com/office/drawing/2014/main" val="352827595"/>
+                  </a:ext>
+                </a:extLst>
+              </a:tr>
+              <a:tr h="370840">
+                <a:tc>
+                  <a:txBody>
+                    <a:bodyPr/>
+                    <a:lstStyle/>
+                    <a:p>
+                      <a:pPr algn="l"/>
+                      <a:r>
+                        <a:rPr lang="en-CA" sz="1800" b="0" u="none" strike="noStrike" kern="1200" dirty="0">
+                          <a:solidFill>
+                            <a:srgbClr val="000000"/>
+                          </a:solidFill>
+                          <a:effectLst/>
+                          <a:latin typeface="+mn-lt"/>
+                          <a:ea typeface="+mn-ea"/>
+                          <a:cs typeface="+mn-cs"/>
+                        </a:rPr>
+                        <a:t>Electra</a:t>
+                      </a:r>
+                    </a:p>
+                  </a:txBody>
+                  <a:tcPr/>
+                </a:tc>
+                <a:tc>
+                  <a:txBody>
+                    <a:bodyPr/>
+                    <a:lstStyle/>
+                    <a:p>
+                      <a:pPr algn="ctr"/>
+                      <a:r>
+                        <a:rPr lang="en-CA" sz="1800" b="0" u="none" strike="noStrike" kern="1200" dirty="0">
+                          <a:solidFill>
+                            <a:srgbClr val="000000"/>
+                          </a:solidFill>
+                          <a:effectLst/>
+                          <a:latin typeface="+mn-lt"/>
+                          <a:ea typeface="+mn-ea"/>
+                          <a:cs typeface="+mn-cs"/>
+                        </a:rPr>
+                        <a:t>0.729</a:t>
+                      </a:r>
+                    </a:p>
+                  </a:txBody>
+                  <a:tcPr/>
+                </a:tc>
+                <a:tc>
+                  <a:txBody>
+                    <a:bodyPr/>
+                    <a:lstStyle/>
+                    <a:p>
+                      <a:pPr algn="ctr"/>
+                      <a:r>
+                        <a:rPr lang="en-CA" sz="1800" b="0" u="none" strike="noStrike" kern="1200">
+                          <a:solidFill>
+                            <a:srgbClr val="000000"/>
+                          </a:solidFill>
+                          <a:effectLst/>
+                          <a:latin typeface="+mn-lt"/>
+                          <a:ea typeface="+mn-ea"/>
+                          <a:cs typeface="+mn-cs"/>
+                        </a:rPr>
+                        <a:t>0.317</a:t>
+                      </a:r>
+                    </a:p>
+                  </a:txBody>
+                  <a:tcPr marL="0" marR="0" marT="0" marB="0"/>
+                </a:tc>
+                <a:extLst>
+                  <a:ext uri="{0D108BD9-81ED-4DB2-BD59-A6C34878D82A}">
+                    <a16:rowId xmlns:a16="http://schemas.microsoft.com/office/drawing/2014/main" val="392404504"/>
+                  </a:ext>
+                </a:extLst>
+              </a:tr>
+              <a:tr h="370840">
+                <a:tc>
+                  <a:txBody>
+                    <a:bodyPr/>
+                    <a:lstStyle/>
+                    <a:p>
+                      <a:pPr algn="l"/>
+                      <a:r>
+                        <a:rPr lang="en-CA" sz="1800" b="0" u="none" strike="noStrike" kern="1200" dirty="0">
+                          <a:solidFill>
+                            <a:srgbClr val="000000"/>
+                          </a:solidFill>
+                          <a:effectLst/>
+                          <a:latin typeface="+mn-lt"/>
+                          <a:ea typeface="+mn-ea"/>
+                          <a:cs typeface="+mn-cs"/>
+                        </a:rPr>
+                        <a:t>Ernie</a:t>
+                      </a:r>
+                    </a:p>
+                  </a:txBody>
+                  <a:tcPr/>
+                </a:tc>
+                <a:tc>
+                  <a:txBody>
+                    <a:bodyPr/>
+                    <a:lstStyle/>
+                    <a:p>
+                      <a:pPr algn="ctr"/>
+                      <a:r>
+                        <a:rPr lang="en-CA" sz="1800" b="0" u="none" strike="noStrike" kern="1200" dirty="0">
+                          <a:solidFill>
+                            <a:srgbClr val="000000"/>
+                          </a:solidFill>
+                          <a:effectLst/>
+                          <a:latin typeface="+mn-lt"/>
+                          <a:ea typeface="+mn-ea"/>
+                          <a:cs typeface="+mn-cs"/>
+                        </a:rPr>
+                        <a:t>0.729</a:t>
+                      </a:r>
+                    </a:p>
+                  </a:txBody>
+                  <a:tcPr/>
+                </a:tc>
+                <a:tc>
+                  <a:txBody>
+                    <a:bodyPr/>
+                    <a:lstStyle/>
+                    <a:p>
+                      <a:pPr algn="ctr"/>
+                      <a:r>
+                        <a:rPr lang="en-CA" sz="1800" b="0" u="none" strike="noStrike" kern="1200">
+                          <a:solidFill>
+                            <a:srgbClr val="000000"/>
+                          </a:solidFill>
+                          <a:effectLst/>
+                          <a:latin typeface="+mn-lt"/>
+                          <a:ea typeface="+mn-ea"/>
+                          <a:cs typeface="+mn-cs"/>
+                        </a:rPr>
+                        <a:t>0.331</a:t>
+                      </a:r>
+                    </a:p>
+                  </a:txBody>
+                  <a:tcPr marL="0" marR="0" marT="0" marB="0"/>
+                </a:tc>
+                <a:extLst>
+                  <a:ext uri="{0D108BD9-81ED-4DB2-BD59-A6C34878D82A}">
+                    <a16:rowId xmlns:a16="http://schemas.microsoft.com/office/drawing/2014/main" val="1615631518"/>
+                  </a:ext>
+                </a:extLst>
+              </a:tr>
+              <a:tr h="370840">
+                <a:tc>
+                  <a:txBody>
+                    <a:bodyPr/>
+                    <a:lstStyle/>
+                    <a:p>
+                      <a:pPr algn="l"/>
+                      <a:r>
+                        <a:rPr lang="en-CA" sz="1800" b="0" u="none" strike="noStrike" kern="1200" dirty="0" err="1">
+                          <a:solidFill>
+                            <a:srgbClr val="000000"/>
+                          </a:solidFill>
+                          <a:effectLst/>
+                          <a:latin typeface="+mn-lt"/>
+                          <a:ea typeface="+mn-ea"/>
+                          <a:cs typeface="+mn-cs"/>
+                        </a:rPr>
+                        <a:t>DeBERTa</a:t>
+                      </a:r>
+                      <a:endParaRPr lang="en-CA" sz="1800" b="0" u="none" strike="noStrike" kern="1200" dirty="0">
+                        <a:solidFill>
+                          <a:srgbClr val="000000"/>
+                        </a:solidFill>
+                        <a:effectLst/>
+                        <a:latin typeface="+mn-lt"/>
+                        <a:ea typeface="+mn-ea"/>
+                        <a:cs typeface="+mn-cs"/>
+                      </a:endParaRPr>
+                    </a:p>
+                  </a:txBody>
+                  <a:tcPr/>
+                </a:tc>
+                <a:tc>
+                  <a:txBody>
+                    <a:bodyPr/>
+                    <a:lstStyle/>
+                    <a:p>
+                      <a:pPr algn="ctr"/>
+                      <a:r>
+                        <a:rPr lang="en-CA" sz="1800" b="0" u="none" strike="noStrike" kern="1200" dirty="0">
+                          <a:solidFill>
+                            <a:srgbClr val="000000"/>
+                          </a:solidFill>
+                          <a:effectLst/>
+                          <a:latin typeface="+mn-lt"/>
+                          <a:ea typeface="+mn-ea"/>
+                          <a:cs typeface="+mn-cs"/>
+                        </a:rPr>
+                        <a:t>0.717</a:t>
+                      </a:r>
+                    </a:p>
+                  </a:txBody>
+                  <a:tcPr/>
+                </a:tc>
+                <a:tc>
+                  <a:txBody>
+                    <a:bodyPr/>
+                    <a:lstStyle/>
+                    <a:p>
+                      <a:pPr algn="ctr"/>
+                      <a:r>
+                        <a:rPr lang="en-CA" sz="1800" b="0" u="none" strike="noStrike" kern="1200" dirty="0">
+                          <a:solidFill>
+                            <a:srgbClr val="000000"/>
+                          </a:solidFill>
+                          <a:effectLst/>
+                          <a:latin typeface="+mn-lt"/>
+                          <a:ea typeface="+mn-ea"/>
+                          <a:cs typeface="+mn-cs"/>
+                        </a:rPr>
+                        <a:t>0.352</a:t>
+                      </a:r>
+                    </a:p>
+                  </a:txBody>
+                  <a:tcPr marL="0" marR="0" marT="0" marB="0"/>
+                </a:tc>
+                <a:extLst>
+                  <a:ext uri="{0D108BD9-81ED-4DB2-BD59-A6C34878D82A}">
+                    <a16:rowId xmlns:a16="http://schemas.microsoft.com/office/drawing/2014/main" val="1698729985"/>
+                  </a:ext>
+                </a:extLst>
+              </a:tr>
+              <a:tr h="370840">
+                <a:tc>
+                  <a:txBody>
+                    <a:bodyPr/>
+                    <a:lstStyle/>
+                    <a:p>
+                      <a:pPr algn="l"/>
+                      <a:r>
+                        <a:rPr lang="en-CA" sz="1800" b="0" u="none" strike="noStrike" kern="1200" dirty="0">
+                          <a:solidFill>
+                            <a:srgbClr val="000000"/>
+                          </a:solidFill>
+                          <a:effectLst/>
+                          <a:latin typeface="+mn-lt"/>
+                          <a:ea typeface="+mn-ea"/>
+                          <a:cs typeface="+mn-cs"/>
+                        </a:rPr>
+                        <a:t>Electra + Ernie + </a:t>
+                      </a:r>
+                      <a:r>
+                        <a:rPr lang="en-CA" sz="1800" b="0" u="none" strike="noStrike" kern="1200" dirty="0" err="1">
+                          <a:solidFill>
+                            <a:srgbClr val="000000"/>
+                          </a:solidFill>
+                          <a:effectLst/>
+                          <a:latin typeface="+mn-lt"/>
+                          <a:ea typeface="+mn-ea"/>
+                          <a:cs typeface="+mn-cs"/>
+                        </a:rPr>
+                        <a:t>DeBERTa</a:t>
+                      </a:r>
+                      <a:endParaRPr lang="en-CA" sz="1800" b="0" u="none" strike="noStrike" kern="1200" dirty="0">
+                        <a:solidFill>
+                          <a:srgbClr val="000000"/>
+                        </a:solidFill>
+                        <a:effectLst/>
+                        <a:latin typeface="+mn-lt"/>
+                        <a:ea typeface="+mn-ea"/>
+                        <a:cs typeface="+mn-cs"/>
+                      </a:endParaRPr>
+                    </a:p>
+                    <a:p>
+                      <a:pPr algn="l"/>
+                      <a:r>
+                        <a:rPr lang="en-CA" sz="1800" b="0" u="none" strike="noStrike" kern="1200" dirty="0">
+                          <a:solidFill>
+                            <a:srgbClr val="000000"/>
+                          </a:solidFill>
+                          <a:effectLst/>
+                          <a:latin typeface="+mn-lt"/>
+                          <a:ea typeface="+mn-ea"/>
+                          <a:cs typeface="+mn-cs"/>
+                        </a:rPr>
+                        <a:t> </a:t>
+                      </a:r>
+                      <a:r>
+                        <a:rPr lang="en-CA" sz="1800" b="0" u="none" strike="noStrike" kern="1200" dirty="0" err="1">
+                          <a:solidFill>
+                            <a:srgbClr val="000000"/>
+                          </a:solidFill>
+                          <a:effectLst/>
+                          <a:latin typeface="+mn-lt"/>
+                          <a:ea typeface="+mn-ea"/>
+                          <a:cs typeface="+mn-cs"/>
+                        </a:rPr>
+                        <a:t>GradBoost</a:t>
+                      </a:r>
+                      <a:r>
+                        <a:rPr lang="en-CA" sz="1800" b="0" u="none" strike="noStrike" kern="1200" dirty="0">
+                          <a:solidFill>
+                            <a:srgbClr val="000000"/>
+                          </a:solidFill>
+                          <a:effectLst/>
+                          <a:latin typeface="+mn-lt"/>
+                          <a:ea typeface="+mn-ea"/>
+                          <a:cs typeface="+mn-cs"/>
+                        </a:rPr>
+                        <a:t> Ensemble</a:t>
+                      </a:r>
+                    </a:p>
+                  </a:txBody>
+                  <a:tcPr/>
+                </a:tc>
+                <a:tc>
+                  <a:txBody>
+                    <a:bodyPr/>
+                    <a:lstStyle/>
+                    <a:p>
+                      <a:pPr algn="ctr"/>
+                      <a:r>
+                        <a:rPr lang="en-CA" sz="1800" b="1" u="none" strike="noStrike" kern="1200" dirty="0">
+                          <a:solidFill>
+                            <a:srgbClr val="000000"/>
+                          </a:solidFill>
+                          <a:effectLst/>
+                          <a:latin typeface="+mn-lt"/>
+                          <a:ea typeface="+mn-ea"/>
+                          <a:cs typeface="+mn-cs"/>
+                        </a:rPr>
+                        <a:t>0.734</a:t>
+                      </a:r>
+                    </a:p>
+                  </a:txBody>
+                  <a:tcPr/>
+                </a:tc>
+                <a:tc>
+                  <a:txBody>
+                    <a:bodyPr/>
+                    <a:lstStyle/>
+                    <a:p>
+                      <a:pPr algn="ctr"/>
+                      <a:r>
+                        <a:rPr lang="en-CA" sz="1800" b="1" u="none" strike="noStrike" kern="1200" dirty="0">
+                          <a:solidFill>
+                            <a:srgbClr val="000000"/>
+                          </a:solidFill>
+                          <a:effectLst/>
+                          <a:latin typeface="+mn-lt"/>
+                          <a:ea typeface="+mn-ea"/>
+                          <a:cs typeface="+mn-cs"/>
+                        </a:rPr>
+                        <a:t>0.316</a:t>
+                      </a:r>
+                    </a:p>
+                  </a:txBody>
+                  <a:tcPr marL="0" marR="0" marT="0" marB="0"/>
+                </a:tc>
+                <a:extLst>
+                  <a:ext uri="{0D108BD9-81ED-4DB2-BD59-A6C34878D82A}">
+                    <a16:rowId xmlns:a16="http://schemas.microsoft.com/office/drawing/2014/main" val="689028486"/>
+                  </a:ext>
+                </a:extLst>
+              </a:tr>
+            </a:tbl>
+          </a:graphicData>
+        </a:graphic>
+      </p:graphicFrame>
+    </p:spTree>
+    <p:extLst>
+      <p:ext uri="{BB962C8B-B14F-4D97-AF65-F5344CB8AC3E}">
+        <p14:creationId xmlns:p14="http://schemas.microsoft.com/office/powerpoint/2010/main" val="3114719053"/>
+      </p:ext>
+    </p:extLst>
+  </p:cSld>
+  <p:clrMapOvr>
+    <a:masterClrMapping/>
+  </p:clrMapOvr>
+</p:sld>
+</file>
+
+<file path=ppt/slides/slide58.xml><?xml version="1.0" encoding="utf-8"?>
+<p:sld xmlns:a="http://schemas.openxmlformats.org/drawingml/2006/main" xmlns:r="http://schemas.openxmlformats.org/officeDocument/2006/relationships" xmlns:p="http://schemas.openxmlformats.org/presentationml/2006/main">
+  <p:cSld>
+    <p:spTree>
+      <p:nvGrpSpPr>
+        <p:cNvPr id="1" name=""/>
+        <p:cNvGrpSpPr/>
+        <p:nvPr/>
+      </p:nvGrpSpPr>
+      <p:grpSpPr>
+        <a:xfrm>
+          <a:off x="0" y="0"/>
+          <a:ext cx="0" cy="0"/>
+          <a:chOff x="0" y="0"/>
+          <a:chExt cx="0" cy="0"/>
+        </a:xfrm>
+      </p:grpSpPr>
+      <p:sp>
+        <p:nvSpPr>
+          <p:cNvPr id="2" name="Title 1">
+            <a:extLst>
+              <a:ext uri="{FF2B5EF4-FFF2-40B4-BE49-F238E27FC236}">
+                <a16:creationId xmlns:a16="http://schemas.microsoft.com/office/drawing/2014/main" id="{D71DB77B-F543-4246-A7D8-173DD47B5848}"/>
+              </a:ext>
+            </a:extLst>
+          </p:cNvPr>
+          <p:cNvSpPr>
+            <a:spLocks noGrp="1"/>
+          </p:cNvSpPr>
+          <p:nvPr>
+            <p:ph type="title"/>
+          </p:nvPr>
+        </p:nvSpPr>
+        <p:spPr/>
+        <p:txBody>
+          <a:bodyPr>
+            <a:normAutofit fontScale="90000"/>
+          </a:bodyPr>
+          <a:lstStyle/>
+          <a:p>
+            <a:r>
+              <a:rPr lang="en-CA" dirty="0"/>
+              <a:t>Results &amp; Analysis –  New Ensemble Results</a:t>
+            </a:r>
+          </a:p>
+        </p:txBody>
+      </p:sp>
+      <p:graphicFrame>
+        <p:nvGraphicFramePr>
+          <p:cNvPr id="5" name="Table 4">
+            <a:extLst>
+              <a:ext uri="{FF2B5EF4-FFF2-40B4-BE49-F238E27FC236}">
+                <a16:creationId xmlns:a16="http://schemas.microsoft.com/office/drawing/2014/main" id="{FF3CD053-EF8D-488B-898F-473783234378}"/>
+              </a:ext>
+            </a:extLst>
+          </p:cNvPr>
+          <p:cNvGraphicFramePr>
+            <a:graphicFrameLocks/>
+          </p:cNvGraphicFramePr>
+          <p:nvPr>
+            <p:extLst>
+              <p:ext uri="{D42A27DB-BD31-4B8C-83A1-F6EECF244321}">
+                <p14:modId xmlns:p14="http://schemas.microsoft.com/office/powerpoint/2010/main" val="1811151919"/>
+              </p:ext>
+            </p:extLst>
+          </p:nvPr>
+        </p:nvGraphicFramePr>
+        <p:xfrm>
+          <a:off x="1365565" y="2864111"/>
+          <a:ext cx="8392562" cy="2123440"/>
+        </p:xfrm>
+        <a:graphic>
+          <a:graphicData uri="http://schemas.openxmlformats.org/drawingml/2006/table">
+            <a:tbl>
+              <a:tblPr firstRow="1" bandRow="1">
+                <a:tableStyleId>{6E25E649-3F16-4E02-A733-19D2CDBF48F0}</a:tableStyleId>
+              </a:tblPr>
+              <a:tblGrid>
+                <a:gridCol w="4834550">
+                  <a:extLst>
+                    <a:ext uri="{9D8B030D-6E8A-4147-A177-3AD203B41FA5}">
+                      <a16:colId xmlns:a16="http://schemas.microsoft.com/office/drawing/2014/main" val="2857179037"/>
+                    </a:ext>
+                  </a:extLst>
+                </a:gridCol>
+                <a:gridCol w="1774480">
+                  <a:extLst>
+                    <a:ext uri="{9D8B030D-6E8A-4147-A177-3AD203B41FA5}">
+                      <a16:colId xmlns:a16="http://schemas.microsoft.com/office/drawing/2014/main" val="3727384194"/>
+                    </a:ext>
+                  </a:extLst>
+                </a:gridCol>
+                <a:gridCol w="1783532">
+                  <a:extLst>
+                    <a:ext uri="{9D8B030D-6E8A-4147-A177-3AD203B41FA5}">
+                      <a16:colId xmlns:a16="http://schemas.microsoft.com/office/drawing/2014/main" val="4143390719"/>
+                    </a:ext>
+                  </a:extLst>
+                </a:gridCol>
+              </a:tblGrid>
+              <a:tr h="370840">
+                <a:tc>
+                  <a:txBody>
+                    <a:bodyPr/>
+                    <a:lstStyle/>
+                    <a:p>
+                      <a:pPr marL="0" algn="ctr" defTabSz="914400" rtl="0" eaLnBrk="1" fontAlgn="b" latinLnBrk="0" hangingPunct="1"/>
+                      <a:r>
+                        <a:rPr lang="en-CA" sz="1800" b="1" u="none" strike="noStrike" kern="1200" dirty="0">
+                          <a:solidFill>
+                            <a:schemeClr val="bg1"/>
+                          </a:solidFill>
+                          <a:effectLst/>
+                          <a:latin typeface="+mn-lt"/>
+                          <a:ea typeface="+mn-ea"/>
+                          <a:cs typeface="+mn-cs"/>
+                        </a:rPr>
+                        <a:t>Baseline</a:t>
+                      </a:r>
+                    </a:p>
+                  </a:txBody>
+                  <a:tcPr/>
+                </a:tc>
+                <a:tc>
+                  <a:txBody>
+                    <a:bodyPr/>
+                    <a:lstStyle/>
+                    <a:p>
+                      <a:pPr algn="ctr" fontAlgn="b"/>
+                      <a:r>
+                        <a:rPr lang="en-CA" sz="1800" dirty="0">
+                          <a:effectLst/>
+                        </a:rPr>
+                        <a:t>Accuracy</a:t>
+                      </a:r>
+                      <a:endParaRPr lang="en-CA" sz="1800" b="1" u="none" strike="noStrike" kern="1200" dirty="0">
+                        <a:solidFill>
+                          <a:schemeClr val="bg1"/>
+                        </a:solidFill>
+                        <a:effectLst/>
+                        <a:latin typeface="+mn-lt"/>
+                        <a:ea typeface="+mn-ea"/>
+                        <a:cs typeface="+mn-cs"/>
+                      </a:endParaRPr>
+                    </a:p>
+                  </a:txBody>
+                  <a:tcPr marL="9525" marR="9525" marT="9525" marB="0" anchor="b"/>
+                </a:tc>
+                <a:tc>
+                  <a:txBody>
+                    <a:bodyPr/>
+                    <a:lstStyle/>
+                    <a:p>
+                      <a:pPr algn="ctr" fontAlgn="b"/>
+                      <a:r>
+                        <a:rPr lang="en-CA" sz="1800" dirty="0">
+                          <a:effectLst/>
+                        </a:rPr>
+                        <a:t>MSE</a:t>
+                      </a:r>
+                      <a:endParaRPr lang="en-CA" sz="1800" b="1" u="none" strike="noStrike" kern="1200" dirty="0">
+                        <a:solidFill>
+                          <a:schemeClr val="bg1"/>
+                        </a:solidFill>
+                        <a:effectLst/>
+                        <a:latin typeface="+mn-lt"/>
+                        <a:ea typeface="+mn-ea"/>
+                        <a:cs typeface="+mn-cs"/>
+                      </a:endParaRPr>
+                    </a:p>
+                  </a:txBody>
+                  <a:tcPr marL="9525" marR="9525" marT="9525" marB="0" anchor="b"/>
+                </a:tc>
+                <a:extLst>
+                  <a:ext uri="{0D108BD9-81ED-4DB2-BD59-A6C34878D82A}">
+                    <a16:rowId xmlns:a16="http://schemas.microsoft.com/office/drawing/2014/main" val="352827595"/>
+                  </a:ext>
+                </a:extLst>
+              </a:tr>
+              <a:tr h="370840">
+                <a:tc>
+                  <a:txBody>
+                    <a:bodyPr/>
+                    <a:lstStyle/>
+                    <a:p>
+                      <a:pPr algn="l"/>
+                      <a:r>
+                        <a:rPr lang="en-CA" sz="1800" b="0" u="none" strike="noStrike" kern="1200" dirty="0">
+                          <a:solidFill>
+                            <a:srgbClr val="000000"/>
+                          </a:solidFill>
+                          <a:effectLst/>
+                          <a:latin typeface="+mn-lt"/>
+                          <a:ea typeface="+mn-ea"/>
+                          <a:cs typeface="+mn-cs"/>
+                        </a:rPr>
+                        <a:t>Electra</a:t>
+                      </a:r>
+                    </a:p>
+                  </a:txBody>
+                  <a:tcPr/>
+                </a:tc>
+                <a:tc>
+                  <a:txBody>
+                    <a:bodyPr/>
+                    <a:lstStyle/>
+                    <a:p>
+                      <a:pPr algn="ctr"/>
+                      <a:r>
+                        <a:rPr lang="en-CA" sz="1800" b="0" i="0" kern="1200" dirty="0">
+                          <a:solidFill>
+                            <a:schemeClr val="dk1"/>
+                          </a:solidFill>
+                          <a:effectLst/>
+                          <a:latin typeface="+mn-lt"/>
+                          <a:ea typeface="+mn-ea"/>
+                          <a:cs typeface="+mn-cs"/>
+                        </a:rPr>
+                        <a:t>0.7353594</a:t>
+                      </a:r>
+                      <a:endParaRPr lang="en-CA" sz="1800" b="0" u="none" strike="noStrike" kern="1200" dirty="0">
+                        <a:solidFill>
+                          <a:srgbClr val="000000"/>
+                        </a:solidFill>
+                        <a:effectLst/>
+                        <a:latin typeface="+mn-lt"/>
+                        <a:ea typeface="+mn-ea"/>
+                        <a:cs typeface="+mn-cs"/>
+                      </a:endParaRPr>
+                    </a:p>
+                  </a:txBody>
+                  <a:tcPr/>
+                </a:tc>
+                <a:tc>
+                  <a:txBody>
+                    <a:bodyPr/>
+                    <a:lstStyle/>
+                    <a:p>
+                      <a:pPr algn="ctr"/>
+                      <a:r>
+                        <a:rPr lang="en-CA" sz="1800" b="0" i="0" kern="1200" dirty="0">
+                          <a:solidFill>
+                            <a:schemeClr val="dk1"/>
+                          </a:solidFill>
+                          <a:effectLst/>
+                          <a:latin typeface="+mn-lt"/>
+                          <a:ea typeface="+mn-ea"/>
+                          <a:cs typeface="+mn-cs"/>
+                        </a:rPr>
+                        <a:t>0.3116013</a:t>
+                      </a:r>
+                      <a:endParaRPr lang="en-CA" sz="1800" b="0" u="none" strike="noStrike" kern="1200" dirty="0">
+                        <a:solidFill>
+                          <a:srgbClr val="000000"/>
+                        </a:solidFill>
+                        <a:effectLst/>
+                        <a:latin typeface="+mn-lt"/>
+                        <a:ea typeface="+mn-ea"/>
+                        <a:cs typeface="+mn-cs"/>
+                      </a:endParaRPr>
+                    </a:p>
+                  </a:txBody>
+                  <a:tcPr marL="0" marR="0" marT="0" marB="0"/>
+                </a:tc>
+                <a:extLst>
+                  <a:ext uri="{0D108BD9-81ED-4DB2-BD59-A6C34878D82A}">
+                    <a16:rowId xmlns:a16="http://schemas.microsoft.com/office/drawing/2014/main" val="392404504"/>
+                  </a:ext>
+                </a:extLst>
+              </a:tr>
+              <a:tr h="370840">
+                <a:tc>
+                  <a:txBody>
+                    <a:bodyPr/>
+                    <a:lstStyle/>
+                    <a:p>
+                      <a:pPr algn="l"/>
+                      <a:r>
+                        <a:rPr lang="en-CA" sz="1800" b="0" u="none" strike="noStrike" kern="1200" dirty="0">
+                          <a:solidFill>
+                            <a:srgbClr val="000000"/>
+                          </a:solidFill>
+                          <a:effectLst/>
+                          <a:latin typeface="+mn-lt"/>
+                          <a:ea typeface="+mn-ea"/>
+                          <a:cs typeface="+mn-cs"/>
+                        </a:rPr>
+                        <a:t>Ernie</a:t>
+                      </a:r>
+                    </a:p>
+                  </a:txBody>
+                  <a:tcPr/>
+                </a:tc>
+                <a:tc>
+                  <a:txBody>
+                    <a:bodyPr/>
+                    <a:lstStyle/>
+                    <a:p>
+                      <a:pPr algn="ctr"/>
+                      <a:r>
+                        <a:rPr lang="en-CA" sz="1800" b="0" i="0" kern="1200" dirty="0">
+                          <a:solidFill>
+                            <a:schemeClr val="dk1"/>
+                          </a:solidFill>
+                          <a:effectLst/>
+                          <a:latin typeface="+mn-lt"/>
+                          <a:ea typeface="+mn-ea"/>
+                          <a:cs typeface="+mn-cs"/>
+                        </a:rPr>
+                        <a:t>0.729150</a:t>
+                      </a:r>
+                      <a:endParaRPr lang="en-CA" sz="1800" b="0" u="none" strike="noStrike" kern="1200" dirty="0">
+                        <a:solidFill>
+                          <a:srgbClr val="000000"/>
+                        </a:solidFill>
+                        <a:effectLst/>
+                        <a:latin typeface="+mn-lt"/>
+                        <a:ea typeface="+mn-ea"/>
+                        <a:cs typeface="+mn-cs"/>
+                      </a:endParaRPr>
+                    </a:p>
+                  </a:txBody>
+                  <a:tcPr/>
+                </a:tc>
+                <a:tc>
+                  <a:txBody>
+                    <a:bodyPr/>
+                    <a:lstStyle/>
+                    <a:p>
+                      <a:pPr algn="ctr"/>
+                      <a:r>
+                        <a:rPr lang="en-CA" sz="1800" b="0" i="0" kern="1200" dirty="0">
+                          <a:solidFill>
+                            <a:schemeClr val="dk1"/>
+                          </a:solidFill>
+                          <a:effectLst/>
+                          <a:latin typeface="+mn-lt"/>
+                          <a:ea typeface="+mn-ea"/>
+                          <a:cs typeface="+mn-cs"/>
+                        </a:rPr>
+                        <a:t>0.327549</a:t>
+                      </a:r>
+                      <a:endParaRPr lang="en-CA" sz="1800" b="0" u="none" strike="noStrike" kern="1200" dirty="0">
+                        <a:solidFill>
+                          <a:srgbClr val="000000"/>
+                        </a:solidFill>
+                        <a:effectLst/>
+                        <a:latin typeface="+mn-lt"/>
+                        <a:ea typeface="+mn-ea"/>
+                        <a:cs typeface="+mn-cs"/>
+                      </a:endParaRPr>
+                    </a:p>
+                  </a:txBody>
+                  <a:tcPr marL="0" marR="0" marT="0" marB="0"/>
+                </a:tc>
+                <a:extLst>
+                  <a:ext uri="{0D108BD9-81ED-4DB2-BD59-A6C34878D82A}">
+                    <a16:rowId xmlns:a16="http://schemas.microsoft.com/office/drawing/2014/main" val="1615631518"/>
+                  </a:ext>
+                </a:extLst>
+              </a:tr>
+              <a:tr h="370840">
+                <a:tc>
+                  <a:txBody>
+                    <a:bodyPr/>
+                    <a:lstStyle/>
+                    <a:p>
+                      <a:pPr algn="l"/>
+                      <a:r>
+                        <a:rPr lang="en-CA" sz="1800" b="0" u="none" strike="noStrike" kern="1200" dirty="0" err="1">
+                          <a:solidFill>
+                            <a:srgbClr val="000000"/>
+                          </a:solidFill>
+                          <a:effectLst/>
+                          <a:latin typeface="+mn-lt"/>
+                          <a:ea typeface="+mn-ea"/>
+                          <a:cs typeface="+mn-cs"/>
+                        </a:rPr>
+                        <a:t>DeBERTa</a:t>
+                      </a:r>
+                      <a:endParaRPr lang="en-CA" sz="1800" b="0" u="none" strike="noStrike" kern="1200" dirty="0">
+                        <a:solidFill>
+                          <a:srgbClr val="000000"/>
+                        </a:solidFill>
+                        <a:effectLst/>
+                        <a:latin typeface="+mn-lt"/>
+                        <a:ea typeface="+mn-ea"/>
+                        <a:cs typeface="+mn-cs"/>
+                      </a:endParaRPr>
+                    </a:p>
+                  </a:txBody>
+                  <a:tcPr/>
+                </a:tc>
+                <a:tc>
+                  <a:txBody>
+                    <a:bodyPr/>
+                    <a:lstStyle/>
+                    <a:p>
+                      <a:pPr algn="ctr"/>
+                      <a:r>
+                        <a:rPr lang="en-CA" sz="1800" b="0" i="0" kern="1200" dirty="0">
+                          <a:solidFill>
+                            <a:schemeClr val="dk1"/>
+                          </a:solidFill>
+                          <a:effectLst/>
+                          <a:latin typeface="+mn-lt"/>
+                          <a:ea typeface="+mn-ea"/>
+                          <a:cs typeface="+mn-cs"/>
+                        </a:rPr>
+                        <a:t>0.731307</a:t>
+                      </a:r>
+                      <a:endParaRPr lang="en-CA" sz="1800" b="0" u="none" strike="noStrike" kern="1200" dirty="0">
+                        <a:solidFill>
+                          <a:srgbClr val="000000"/>
+                        </a:solidFill>
+                        <a:effectLst/>
+                        <a:latin typeface="+mn-lt"/>
+                        <a:ea typeface="+mn-ea"/>
+                        <a:cs typeface="+mn-cs"/>
+                      </a:endParaRPr>
+                    </a:p>
+                  </a:txBody>
+                  <a:tcPr/>
+                </a:tc>
+                <a:tc>
+                  <a:txBody>
+                    <a:bodyPr/>
+                    <a:lstStyle/>
+                    <a:p>
+                      <a:pPr algn="ctr"/>
+                      <a:r>
+                        <a:rPr lang="en-CA" sz="1800" b="0" i="0" kern="1200" dirty="0">
+                          <a:solidFill>
+                            <a:schemeClr val="dk1"/>
+                          </a:solidFill>
+                          <a:effectLst/>
+                          <a:latin typeface="+mn-lt"/>
+                          <a:ea typeface="+mn-ea"/>
+                          <a:cs typeface="+mn-cs"/>
+                        </a:rPr>
+                        <a:t>0.319771</a:t>
+                      </a:r>
+                      <a:endParaRPr lang="en-CA" sz="1800" b="0" u="none" strike="noStrike" kern="1200" dirty="0">
+                        <a:solidFill>
+                          <a:srgbClr val="000000"/>
+                        </a:solidFill>
+                        <a:effectLst/>
+                        <a:latin typeface="+mn-lt"/>
+                        <a:ea typeface="+mn-ea"/>
+                        <a:cs typeface="+mn-cs"/>
+                      </a:endParaRPr>
+                    </a:p>
+                  </a:txBody>
+                  <a:tcPr marL="0" marR="0" marT="0" marB="0"/>
+                </a:tc>
+                <a:extLst>
+                  <a:ext uri="{0D108BD9-81ED-4DB2-BD59-A6C34878D82A}">
+                    <a16:rowId xmlns:a16="http://schemas.microsoft.com/office/drawing/2014/main" val="1698729985"/>
+                  </a:ext>
+                </a:extLst>
+              </a:tr>
+              <a:tr h="370840">
+                <a:tc>
+                  <a:txBody>
+                    <a:bodyPr/>
+                    <a:lstStyle/>
+                    <a:p>
+                      <a:pPr algn="l"/>
+                      <a:r>
+                        <a:rPr lang="en-CA" sz="1800" b="0" u="none" strike="noStrike" kern="1200" dirty="0">
+                          <a:solidFill>
+                            <a:srgbClr val="000000"/>
+                          </a:solidFill>
+                          <a:effectLst/>
+                          <a:latin typeface="+mn-lt"/>
+                          <a:ea typeface="+mn-ea"/>
+                          <a:cs typeface="+mn-cs"/>
+                        </a:rPr>
+                        <a:t>Electra + Ernie + </a:t>
+                      </a:r>
+                      <a:r>
+                        <a:rPr lang="en-CA" sz="1800" b="0" u="none" strike="noStrike" kern="1200" dirty="0" err="1">
+                          <a:solidFill>
+                            <a:srgbClr val="000000"/>
+                          </a:solidFill>
+                          <a:effectLst/>
+                          <a:latin typeface="+mn-lt"/>
+                          <a:ea typeface="+mn-ea"/>
+                          <a:cs typeface="+mn-cs"/>
+                        </a:rPr>
+                        <a:t>DeBERTa</a:t>
+                      </a:r>
+                      <a:endParaRPr lang="en-CA" sz="1800" b="0" u="none" strike="noStrike" kern="1200" dirty="0">
+                        <a:solidFill>
+                          <a:srgbClr val="000000"/>
+                        </a:solidFill>
+                        <a:effectLst/>
+                        <a:latin typeface="+mn-lt"/>
+                        <a:ea typeface="+mn-ea"/>
+                        <a:cs typeface="+mn-cs"/>
+                      </a:endParaRPr>
+                    </a:p>
+                    <a:p>
+                      <a:pPr algn="l"/>
+                      <a:r>
+                        <a:rPr lang="en-CA" sz="1800" b="0" u="none" strike="noStrike" kern="1200" dirty="0">
+                          <a:solidFill>
+                            <a:srgbClr val="000000"/>
+                          </a:solidFill>
+                          <a:effectLst/>
+                          <a:latin typeface="+mn-lt"/>
+                          <a:ea typeface="+mn-ea"/>
+                          <a:cs typeface="+mn-cs"/>
+                        </a:rPr>
+                        <a:t> </a:t>
+                      </a:r>
+                      <a:r>
+                        <a:rPr lang="en-CA" sz="1800" b="0" u="none" strike="noStrike" kern="1200" dirty="0" err="1">
+                          <a:solidFill>
+                            <a:srgbClr val="000000"/>
+                          </a:solidFill>
+                          <a:effectLst/>
+                          <a:latin typeface="+mn-lt"/>
+                          <a:ea typeface="+mn-ea"/>
+                          <a:cs typeface="+mn-cs"/>
+                        </a:rPr>
+                        <a:t>GradBoost</a:t>
+                      </a:r>
+                      <a:r>
+                        <a:rPr lang="en-CA" sz="1800" b="0" u="none" strike="noStrike" kern="1200" dirty="0">
+                          <a:solidFill>
+                            <a:srgbClr val="000000"/>
+                          </a:solidFill>
+                          <a:effectLst/>
+                          <a:latin typeface="+mn-lt"/>
+                          <a:ea typeface="+mn-ea"/>
+                          <a:cs typeface="+mn-cs"/>
+                        </a:rPr>
+                        <a:t> Ensemble</a:t>
+                      </a:r>
+                    </a:p>
+                  </a:txBody>
+                  <a:tcPr/>
+                </a:tc>
+                <a:tc>
+                  <a:txBody>
+                    <a:bodyPr/>
+                    <a:lstStyle/>
+                    <a:p>
+                      <a:pPr algn="ctr"/>
+                      <a:r>
+                        <a:rPr lang="en-CA" sz="1800" b="1" i="0" kern="1200" dirty="0">
+                          <a:solidFill>
+                            <a:schemeClr val="dk1"/>
+                          </a:solidFill>
+                          <a:effectLst/>
+                          <a:latin typeface="+mn-lt"/>
+                          <a:ea typeface="+mn-ea"/>
+                          <a:cs typeface="+mn-cs"/>
+                        </a:rPr>
+                        <a:t>0.739673</a:t>
+                      </a:r>
+                      <a:endParaRPr lang="en-CA" sz="1800" b="1" u="none" strike="noStrike" kern="1200" dirty="0">
+                        <a:solidFill>
+                          <a:srgbClr val="000000"/>
+                        </a:solidFill>
+                        <a:effectLst/>
+                        <a:latin typeface="+mn-lt"/>
+                        <a:ea typeface="+mn-ea"/>
+                        <a:cs typeface="+mn-cs"/>
+                      </a:endParaRPr>
+                    </a:p>
+                  </a:txBody>
+                  <a:tcPr/>
+                </a:tc>
+                <a:tc>
+                  <a:txBody>
+                    <a:bodyPr/>
+                    <a:lstStyle/>
+                    <a:p>
+                      <a:pPr algn="ctr"/>
+                      <a:r>
+                        <a:rPr lang="en-CA" sz="1800" b="1" i="0" kern="1200" dirty="0">
+                          <a:solidFill>
+                            <a:schemeClr val="dk1"/>
+                          </a:solidFill>
+                          <a:effectLst/>
+                          <a:latin typeface="+mn-lt"/>
+                          <a:ea typeface="+mn-ea"/>
+                          <a:cs typeface="+mn-cs"/>
+                        </a:rPr>
+                        <a:t>0.305392</a:t>
+                      </a:r>
+                      <a:endParaRPr lang="en-CA" sz="1800" b="1" u="none" strike="noStrike" kern="1200" dirty="0">
+                        <a:solidFill>
+                          <a:srgbClr val="000000"/>
+                        </a:solidFill>
+                        <a:effectLst/>
+                        <a:latin typeface="+mn-lt"/>
+                        <a:ea typeface="+mn-ea"/>
+                        <a:cs typeface="+mn-cs"/>
+                      </a:endParaRPr>
+                    </a:p>
+                  </a:txBody>
+                  <a:tcPr marL="0" marR="0" marT="0" marB="0"/>
+                </a:tc>
+                <a:extLst>
+                  <a:ext uri="{0D108BD9-81ED-4DB2-BD59-A6C34878D82A}">
+                    <a16:rowId xmlns:a16="http://schemas.microsoft.com/office/drawing/2014/main" val="689028486"/>
+                  </a:ext>
+                </a:extLst>
+              </a:tr>
+            </a:tbl>
+          </a:graphicData>
+        </a:graphic>
+      </p:graphicFrame>
+    </p:spTree>
+    <p:extLst>
+      <p:ext uri="{BB962C8B-B14F-4D97-AF65-F5344CB8AC3E}">
+        <p14:creationId xmlns:p14="http://schemas.microsoft.com/office/powerpoint/2010/main" val="3708931268"/>
       </p:ext>
     </p:extLst>
   </p:cSld>
@@ -33618,7 +33118,7 @@
         </p:spPr>
         <p:txBody>
           <a:bodyPr>
-            <a:normAutofit lnSpcReduction="10000"/>
+            <a:normAutofit/>
           </a:bodyPr>
           <a:lstStyle/>
           <a:p>
@@ -33643,27 +33143,6 @@
             <a:r>
               <a:rPr lang="en-CA" sz="1600" dirty="0"/>
               <a:t>, Paradise, NV and Las Vegas, NV</a:t>
-            </a:r>
-          </a:p>
-          <a:p>
-            <a:r>
-              <a:rPr lang="en-CA" sz="2000" dirty="0"/>
-              <a:t>Calculate attraction density</a:t>
-            </a:r>
-          </a:p>
-          <a:p>
-            <a:pPr lvl="1"/>
-            <a:r>
-              <a:rPr lang="en-CA" sz="1800" dirty="0"/>
-              <a:t>The radius distance on </a:t>
-            </a:r>
-            <a:r>
-              <a:rPr lang="en-CA" sz="1800" dirty="0" err="1"/>
-              <a:t>Tripadvisor</a:t>
-            </a:r>
-            <a:r>
-              <a:rPr lang="en-CA" sz="1800" dirty="0"/>
-              <a:t> varies based on the number of attractions</a:t>
             </a:r>
           </a:p>
         </p:txBody>
@@ -33726,7 +33205,7 @@
         </p:spPr>
         <p:txBody>
           <a:bodyPr>
-            <a:normAutofit lnSpcReduction="10000"/>
+            <a:normAutofit/>
           </a:bodyPr>
           <a:lstStyle/>
           <a:p>
@@ -33792,21 +33271,11 @@
             <a:pPr lvl="1"/>
             <a:r>
               <a:rPr lang="en-CA" sz="1800" dirty="0"/>
-              <a:t>Binary columns: </a:t>
-            </a:r>
-          </a:p>
-          <a:p>
-            <a:pPr lvl="2"/>
+              <a:t>Binary </a:t>
+            </a:r>
             <a:r>
               <a:rPr lang="en-CA" sz="1600" dirty="0"/>
               <a:t>Review Written Pre/During Pandemic</a:t>
-            </a:r>
-          </a:p>
-          <a:p>
-            <a:pPr lvl="2"/>
-            <a:r>
-              <a:rPr lang="en-CA" sz="1600" dirty="0"/>
-              <a:t>Visit Pre/During Pandemic</a:t>
             </a:r>
           </a:p>
         </p:txBody>

--- a/Capstone Presentation.pptx
+++ b/Capstone Presentation.pptx
@@ -5,7 +5,7 @@
     <p:sldMasterId id="2147483774" r:id="rId1"/>
   </p:sldMasterIdLst>
   <p:notesMasterIdLst>
-    <p:notesMasterId r:id="rId60"/>
+    <p:notesMasterId r:id="rId58"/>
   </p:notesMasterIdLst>
   <p:sldIdLst>
     <p:sldId id="256" r:id="rId2"/>
@@ -38,34 +38,32 @@
     <p:sldId id="323" r:id="rId29"/>
     <p:sldId id="326" r:id="rId30"/>
     <p:sldId id="327" r:id="rId31"/>
-    <p:sldId id="328" r:id="rId32"/>
-    <p:sldId id="329" r:id="rId33"/>
-    <p:sldId id="330" r:id="rId34"/>
-    <p:sldId id="312" r:id="rId35"/>
-    <p:sldId id="318" r:id="rId36"/>
-    <p:sldId id="317" r:id="rId37"/>
-    <p:sldId id="287" r:id="rId38"/>
-    <p:sldId id="321" r:id="rId39"/>
-    <p:sldId id="274" r:id="rId40"/>
-    <p:sldId id="278" r:id="rId41"/>
-    <p:sldId id="264" r:id="rId42"/>
-    <p:sldId id="284" r:id="rId43"/>
-    <p:sldId id="285" r:id="rId44"/>
-    <p:sldId id="281" r:id="rId45"/>
-    <p:sldId id="269" r:id="rId46"/>
-    <p:sldId id="263" r:id="rId47"/>
-    <p:sldId id="283" r:id="rId48"/>
-    <p:sldId id="276" r:id="rId49"/>
-    <p:sldId id="277" r:id="rId50"/>
-    <p:sldId id="273" r:id="rId51"/>
-    <p:sldId id="275" r:id="rId52"/>
-    <p:sldId id="295" r:id="rId53"/>
-    <p:sldId id="296" r:id="rId54"/>
-    <p:sldId id="297" r:id="rId55"/>
-    <p:sldId id="305" r:id="rId56"/>
-    <p:sldId id="304" r:id="rId57"/>
-    <p:sldId id="292" r:id="rId58"/>
-    <p:sldId id="319" r:id="rId59"/>
+    <p:sldId id="312" r:id="rId32"/>
+    <p:sldId id="318" r:id="rId33"/>
+    <p:sldId id="317" r:id="rId34"/>
+    <p:sldId id="287" r:id="rId35"/>
+    <p:sldId id="321" r:id="rId36"/>
+    <p:sldId id="274" r:id="rId37"/>
+    <p:sldId id="278" r:id="rId38"/>
+    <p:sldId id="330" r:id="rId39"/>
+    <p:sldId id="264" r:id="rId40"/>
+    <p:sldId id="284" r:id="rId41"/>
+    <p:sldId id="285" r:id="rId42"/>
+    <p:sldId id="281" r:id="rId43"/>
+    <p:sldId id="269" r:id="rId44"/>
+    <p:sldId id="263" r:id="rId45"/>
+    <p:sldId id="283" r:id="rId46"/>
+    <p:sldId id="276" r:id="rId47"/>
+    <p:sldId id="277" r:id="rId48"/>
+    <p:sldId id="273" r:id="rId49"/>
+    <p:sldId id="275" r:id="rId50"/>
+    <p:sldId id="295" r:id="rId51"/>
+    <p:sldId id="296" r:id="rId52"/>
+    <p:sldId id="297" r:id="rId53"/>
+    <p:sldId id="305" r:id="rId54"/>
+    <p:sldId id="304" r:id="rId55"/>
+    <p:sldId id="292" r:id="rId56"/>
+    <p:sldId id="319" r:id="rId57"/>
   </p:sldIdLst>
   <p:sldSz cx="12192000" cy="6858000"/>
   <p:notesSz cx="6858000" cy="9144000"/>
@@ -254,7 +252,7 @@
           <a:p>
             <a:fld id="{34006138-FD90-411C-97C8-B6BD58717ED6}" type="datetimeFigureOut">
               <a:rPr lang="en-CA" smtClean="0"/>
-              <a:t>2022-04-11</a:t>
+              <a:t>2022-04-12</a:t>
             </a:fld>
             <a:endParaRPr lang="en-CA"/>
           </a:p>
@@ -1045,7 +1043,7 @@
           <a:p>
             <a:fld id="{B3E64CFB-5C4E-48C0-A566-5BA5A8BD4DE2}" type="slidenum">
               <a:rPr lang="en-CA" smtClean="0"/>
-              <a:t>46</a:t>
+              <a:t>44</a:t>
             </a:fld>
             <a:endParaRPr lang="en-CA"/>
           </a:p>
@@ -1132,7 +1130,7 @@
           <a:p>
             <a:fld id="{B3E64CFB-5C4E-48C0-A566-5BA5A8BD4DE2}" type="slidenum">
               <a:rPr lang="en-CA" smtClean="0"/>
-              <a:t>53</a:t>
+              <a:t>51</a:t>
             </a:fld>
             <a:endParaRPr lang="en-CA"/>
           </a:p>
@@ -1219,7 +1217,7 @@
           <a:p>
             <a:fld id="{B3E64CFB-5C4E-48C0-A566-5BA5A8BD4DE2}" type="slidenum">
               <a:rPr lang="en-CA" smtClean="0"/>
-              <a:t>57</a:t>
+              <a:t>55</a:t>
             </a:fld>
             <a:endParaRPr lang="en-CA"/>
           </a:p>
@@ -1306,7 +1304,7 @@
           <a:p>
             <a:fld id="{B3E64CFB-5C4E-48C0-A566-5BA5A8BD4DE2}" type="slidenum">
               <a:rPr lang="en-CA" smtClean="0"/>
-              <a:t>58</a:t>
+              <a:t>56</a:t>
             </a:fld>
             <a:endParaRPr lang="en-CA"/>
           </a:p>
@@ -1798,7 +1796,7 @@
           <a:p>
             <a:fld id="{BD75A58E-DA16-45F6-88E4-DFEBDA6A48D5}" type="datetimeFigureOut">
               <a:rPr lang="en-CA" smtClean="0"/>
-              <a:t>2022-04-11</a:t>
+              <a:t>2022-04-12</a:t>
             </a:fld>
             <a:endParaRPr lang="en-CA"/>
           </a:p>
@@ -2000,7 +1998,7 @@
           <a:p>
             <a:fld id="{BD75A58E-DA16-45F6-88E4-DFEBDA6A48D5}" type="datetimeFigureOut">
               <a:rPr lang="en-CA" smtClean="0"/>
-              <a:t>2022-04-11</a:t>
+              <a:t>2022-04-12</a:t>
             </a:fld>
             <a:endParaRPr lang="en-CA"/>
           </a:p>
@@ -2180,7 +2178,7 @@
           <a:p>
             <a:fld id="{BD75A58E-DA16-45F6-88E4-DFEBDA6A48D5}" type="datetimeFigureOut">
               <a:rPr lang="en-CA" smtClean="0"/>
-              <a:t>2022-04-11</a:t>
+              <a:t>2022-04-12</a:t>
             </a:fld>
             <a:endParaRPr lang="en-CA"/>
           </a:p>
@@ -2350,7 +2348,7 @@
           <a:p>
             <a:fld id="{BD75A58E-DA16-45F6-88E4-DFEBDA6A48D5}" type="datetimeFigureOut">
               <a:rPr lang="en-CA" smtClean="0"/>
-              <a:t>2022-04-11</a:t>
+              <a:t>2022-04-12</a:t>
             </a:fld>
             <a:endParaRPr lang="en-CA"/>
           </a:p>
@@ -2930,7 +2928,7 @@
           <a:p>
             <a:fld id="{BD75A58E-DA16-45F6-88E4-DFEBDA6A48D5}" type="datetimeFigureOut">
               <a:rPr lang="en-CA" smtClean="0"/>
-              <a:t>2022-04-11</a:t>
+              <a:t>2022-04-12</a:t>
             </a:fld>
             <a:endParaRPr lang="en-CA"/>
           </a:p>
@@ -3232,7 +3230,7 @@
           <a:p>
             <a:fld id="{BD75A58E-DA16-45F6-88E4-DFEBDA6A48D5}" type="datetimeFigureOut">
               <a:rPr lang="en-CA" smtClean="0"/>
-              <a:t>2022-04-11</a:t>
+              <a:t>2022-04-12</a:t>
             </a:fld>
             <a:endParaRPr lang="en-CA"/>
           </a:p>
@@ -3669,7 +3667,7 @@
           <a:p>
             <a:fld id="{BD75A58E-DA16-45F6-88E4-DFEBDA6A48D5}" type="datetimeFigureOut">
               <a:rPr lang="en-CA" smtClean="0"/>
-              <a:t>2022-04-11</a:t>
+              <a:t>2022-04-12</a:t>
             </a:fld>
             <a:endParaRPr lang="en-CA"/>
           </a:p>
@@ -3787,7 +3785,7 @@
           <a:p>
             <a:fld id="{BD75A58E-DA16-45F6-88E4-DFEBDA6A48D5}" type="datetimeFigureOut">
               <a:rPr lang="en-CA" smtClean="0"/>
-              <a:t>2022-04-11</a:t>
+              <a:t>2022-04-12</a:t>
             </a:fld>
             <a:endParaRPr lang="en-CA"/>
           </a:p>
@@ -3882,7 +3880,7 @@
           <a:p>
             <a:fld id="{BD75A58E-DA16-45F6-88E4-DFEBDA6A48D5}" type="datetimeFigureOut">
               <a:rPr lang="en-CA" smtClean="0"/>
-              <a:t>2022-04-11</a:t>
+              <a:t>2022-04-12</a:t>
             </a:fld>
             <a:endParaRPr lang="en-CA"/>
           </a:p>
@@ -4226,7 +4224,7 @@
           <a:p>
             <a:fld id="{BD75A58E-DA16-45F6-88E4-DFEBDA6A48D5}" type="datetimeFigureOut">
               <a:rPr lang="en-CA" smtClean="0"/>
-              <a:t>2022-04-11</a:t>
+              <a:t>2022-04-12</a:t>
             </a:fld>
             <a:endParaRPr lang="en-CA"/>
           </a:p>
@@ -4615,7 +4613,7 @@
           <a:p>
             <a:fld id="{BD75A58E-DA16-45F6-88E4-DFEBDA6A48D5}" type="datetimeFigureOut">
               <a:rPr lang="en-CA" smtClean="0"/>
-              <a:t>2022-04-11</a:t>
+              <a:t>2022-04-12</a:t>
             </a:fld>
             <a:endParaRPr lang="en-CA"/>
           </a:p>
@@ -4923,7 +4921,7 @@
           <a:p>
             <a:fld id="{BD75A58E-DA16-45F6-88E4-DFEBDA6A48D5}" type="datetimeFigureOut">
               <a:rPr lang="en-CA" smtClean="0"/>
-              <a:t>2022-04-11</a:t>
+              <a:t>2022-04-12</a:t>
             </a:fld>
             <a:endParaRPr lang="en-CA"/>
           </a:p>
@@ -5435,7 +5433,12 @@
             <p:ph type="ctrTitle"/>
           </p:nvPr>
         </p:nvSpPr>
-        <p:spPr/>
+        <p:spPr>
+          <a:xfrm>
+            <a:off x="1321806" y="2091263"/>
+            <a:ext cx="9542352" cy="2590800"/>
+          </a:xfrm>
+        </p:spPr>
         <p:txBody>
           <a:bodyPr>
             <a:noAutofit/>
@@ -5444,7 +5447,7 @@
           <a:p>
             <a:r>
               <a:rPr lang="en-CA" sz="5400" dirty="0"/>
-              <a:t>Hotel Review Parsing: </a:t>
+              <a:t>Hotel Review PREDICTION </a:t>
             </a:r>
             <a:br>
               <a:rPr lang="en-CA" sz="5400" dirty="0"/>
@@ -15692,525 +15695,6 @@
       </p:grpSpPr>
       <p:sp>
         <p:nvSpPr>
-          <p:cNvPr id="6" name="Rectangle 5">
-            <a:extLst>
-              <a:ext uri="{FF2B5EF4-FFF2-40B4-BE49-F238E27FC236}">
-                <a16:creationId xmlns:a16="http://schemas.microsoft.com/office/drawing/2014/main" id="{7048056E-20F0-4494-B3C1-20C3E45259C6}"/>
-              </a:ext>
-            </a:extLst>
-          </p:cNvPr>
-          <p:cNvSpPr/>
-          <p:nvPr/>
-        </p:nvSpPr>
-        <p:spPr>
-          <a:xfrm>
-            <a:off x="1865779" y="1905552"/>
-            <a:ext cx="7531717" cy="4401289"/>
-          </a:xfrm>
-          <a:prstGeom prst="rect">
-            <a:avLst/>
-          </a:prstGeom>
-          <a:effectLst>
-            <a:outerShdw blurRad="63500" sx="102000" sy="102000" algn="ctr" rotWithShape="0">
-              <a:prstClr val="black">
-                <a:alpha val="40000"/>
-              </a:prstClr>
-            </a:outerShdw>
-          </a:effectLst>
-        </p:spPr>
-        <p:style>
-          <a:lnRef idx="2">
-            <a:schemeClr val="accent1">
-              <a:shade val="50000"/>
-            </a:schemeClr>
-          </a:lnRef>
-          <a:fillRef idx="1">
-            <a:schemeClr val="accent1"/>
-          </a:fillRef>
-          <a:effectRef idx="0">
-            <a:schemeClr val="accent1"/>
-          </a:effectRef>
-          <a:fontRef idx="minor">
-            <a:schemeClr val="lt1"/>
-          </a:fontRef>
-        </p:style>
-        <p:txBody>
-          <a:bodyPr rtlCol="0" anchor="ctr"/>
-          <a:lstStyle/>
-          <a:p>
-            <a:pPr algn="ctr"/>
-            <a:endParaRPr lang="en-CA"/>
-          </a:p>
-        </p:txBody>
-      </p:sp>
-      <p:sp>
-        <p:nvSpPr>
-          <p:cNvPr id="2" name="Title 1">
-            <a:extLst>
-              <a:ext uri="{FF2B5EF4-FFF2-40B4-BE49-F238E27FC236}">
-                <a16:creationId xmlns:a16="http://schemas.microsoft.com/office/drawing/2014/main" id="{1F14E353-A0C7-448C-A3F4-595FED5C3DA5}"/>
-              </a:ext>
-            </a:extLst>
-          </p:cNvPr>
-          <p:cNvSpPr>
-            <a:spLocks noGrp="1"/>
-          </p:cNvSpPr>
-          <p:nvPr>
-            <p:ph type="title"/>
-          </p:nvPr>
-        </p:nvSpPr>
-        <p:spPr/>
-        <p:txBody>
-          <a:bodyPr>
-            <a:normAutofit fontScale="90000"/>
-          </a:bodyPr>
-          <a:lstStyle/>
-          <a:p>
-            <a:r>
-              <a:rPr lang="en-CA" dirty="0"/>
-              <a:t>Results &amp; Analysis – </a:t>
-            </a:r>
-            <a:r>
-              <a:rPr lang="en-CA" dirty="0" err="1"/>
-              <a:t>Tfidf</a:t>
-            </a:r>
-            <a:r>
-              <a:rPr lang="en-CA" dirty="0"/>
-              <a:t> Feature Sampling</a:t>
-            </a:r>
-          </a:p>
-        </p:txBody>
-      </p:sp>
-      <p:pic>
-        <p:nvPicPr>
-          <p:cNvPr id="5" name="Picture 4">
-            <a:extLst>
-              <a:ext uri="{FF2B5EF4-FFF2-40B4-BE49-F238E27FC236}">
-                <a16:creationId xmlns:a16="http://schemas.microsoft.com/office/drawing/2014/main" id="{AD42947F-3B20-43AD-AA96-053B01BFB8CF}"/>
-              </a:ext>
-            </a:extLst>
-          </p:cNvPr>
-          <p:cNvPicPr>
-            <a:picLocks noChangeAspect="1"/>
-          </p:cNvPicPr>
-          <p:nvPr/>
-        </p:nvPicPr>
-        <p:blipFill>
-          <a:blip r:embed="rId2">
-            <a:extLst>
-              <a:ext uri="{28A0092B-C50C-407E-A947-70E740481C1C}">
-                <a14:useLocalDpi xmlns:a14="http://schemas.microsoft.com/office/drawing/2010/main" val="0"/>
-              </a:ext>
-            </a:extLst>
-          </a:blip>
-          <a:srcRect/>
-          <a:stretch/>
-        </p:blipFill>
-        <p:spPr>
-          <a:xfrm>
-            <a:off x="1865780" y="1905552"/>
-            <a:ext cx="7531714" cy="4401287"/>
-          </a:xfrm>
-          <a:prstGeom prst="rect">
-            <a:avLst/>
-          </a:prstGeom>
-        </p:spPr>
-      </p:pic>
-    </p:spTree>
-    <p:extLst>
-      <p:ext uri="{BB962C8B-B14F-4D97-AF65-F5344CB8AC3E}">
-        <p14:creationId xmlns:p14="http://schemas.microsoft.com/office/powerpoint/2010/main" val="676950087"/>
-      </p:ext>
-    </p:extLst>
-  </p:cSld>
-  <p:clrMapOvr>
-    <a:masterClrMapping/>
-  </p:clrMapOvr>
-</p:sld>
-</file>
-
-<file path=ppt/slides/slide32.xml><?xml version="1.0" encoding="utf-8"?>
-<p:sld xmlns:a="http://schemas.openxmlformats.org/drawingml/2006/main" xmlns:r="http://schemas.openxmlformats.org/officeDocument/2006/relationships" xmlns:p="http://schemas.openxmlformats.org/presentationml/2006/main">
-  <p:cSld>
-    <p:spTree>
-      <p:nvGrpSpPr>
-        <p:cNvPr id="1" name=""/>
-        <p:cNvGrpSpPr/>
-        <p:nvPr/>
-      </p:nvGrpSpPr>
-      <p:grpSpPr>
-        <a:xfrm>
-          <a:off x="0" y="0"/>
-          <a:ext cx="0" cy="0"/>
-          <a:chOff x="0" y="0"/>
-          <a:chExt cx="0" cy="0"/>
-        </a:xfrm>
-      </p:grpSpPr>
-      <p:sp>
-        <p:nvSpPr>
-          <p:cNvPr id="6" name="Rectangle 5">
-            <a:extLst>
-              <a:ext uri="{FF2B5EF4-FFF2-40B4-BE49-F238E27FC236}">
-                <a16:creationId xmlns:a16="http://schemas.microsoft.com/office/drawing/2014/main" id="{7048056E-20F0-4494-B3C1-20C3E45259C6}"/>
-              </a:ext>
-            </a:extLst>
-          </p:cNvPr>
-          <p:cNvSpPr/>
-          <p:nvPr/>
-        </p:nvSpPr>
-        <p:spPr>
-          <a:xfrm>
-            <a:off x="1865779" y="1905552"/>
-            <a:ext cx="7531717" cy="4401289"/>
-          </a:xfrm>
-          <a:prstGeom prst="rect">
-            <a:avLst/>
-          </a:prstGeom>
-          <a:effectLst>
-            <a:outerShdw blurRad="63500" sx="102000" sy="102000" algn="ctr" rotWithShape="0">
-              <a:prstClr val="black">
-                <a:alpha val="40000"/>
-              </a:prstClr>
-            </a:outerShdw>
-          </a:effectLst>
-        </p:spPr>
-        <p:style>
-          <a:lnRef idx="2">
-            <a:schemeClr val="accent1">
-              <a:shade val="50000"/>
-            </a:schemeClr>
-          </a:lnRef>
-          <a:fillRef idx="1">
-            <a:schemeClr val="accent1"/>
-          </a:fillRef>
-          <a:effectRef idx="0">
-            <a:schemeClr val="accent1"/>
-          </a:effectRef>
-          <a:fontRef idx="minor">
-            <a:schemeClr val="lt1"/>
-          </a:fontRef>
-        </p:style>
-        <p:txBody>
-          <a:bodyPr rtlCol="0" anchor="ctr"/>
-          <a:lstStyle/>
-          <a:p>
-            <a:pPr algn="ctr"/>
-            <a:endParaRPr lang="en-CA"/>
-          </a:p>
-        </p:txBody>
-      </p:sp>
-      <p:sp>
-        <p:nvSpPr>
-          <p:cNvPr id="2" name="Title 1">
-            <a:extLst>
-              <a:ext uri="{FF2B5EF4-FFF2-40B4-BE49-F238E27FC236}">
-                <a16:creationId xmlns:a16="http://schemas.microsoft.com/office/drawing/2014/main" id="{1F14E353-A0C7-448C-A3F4-595FED5C3DA5}"/>
-              </a:ext>
-            </a:extLst>
-          </p:cNvPr>
-          <p:cNvSpPr>
-            <a:spLocks noGrp="1"/>
-          </p:cNvSpPr>
-          <p:nvPr>
-            <p:ph type="title"/>
-          </p:nvPr>
-        </p:nvSpPr>
-        <p:spPr/>
-        <p:txBody>
-          <a:bodyPr>
-            <a:normAutofit fontScale="90000"/>
-          </a:bodyPr>
-          <a:lstStyle/>
-          <a:p>
-            <a:r>
-              <a:rPr lang="en-CA" dirty="0"/>
-              <a:t>Results &amp; Analysis – </a:t>
-            </a:r>
-            <a:r>
-              <a:rPr lang="en-CA" dirty="0" err="1"/>
-              <a:t>Tfidf</a:t>
-            </a:r>
-            <a:r>
-              <a:rPr lang="en-CA" dirty="0"/>
-              <a:t> Feature Sampling</a:t>
-            </a:r>
-          </a:p>
-        </p:txBody>
-      </p:sp>
-      <p:pic>
-        <p:nvPicPr>
-          <p:cNvPr id="5" name="Picture 4">
-            <a:extLst>
-              <a:ext uri="{FF2B5EF4-FFF2-40B4-BE49-F238E27FC236}">
-                <a16:creationId xmlns:a16="http://schemas.microsoft.com/office/drawing/2014/main" id="{AD42947F-3B20-43AD-AA96-053B01BFB8CF}"/>
-              </a:ext>
-            </a:extLst>
-          </p:cNvPr>
-          <p:cNvPicPr>
-            <a:picLocks noChangeAspect="1"/>
-          </p:cNvPicPr>
-          <p:nvPr/>
-        </p:nvPicPr>
-        <p:blipFill>
-          <a:blip r:embed="rId2">
-            <a:extLst>
-              <a:ext uri="{28A0092B-C50C-407E-A947-70E740481C1C}">
-                <a14:useLocalDpi xmlns:a14="http://schemas.microsoft.com/office/drawing/2010/main" val="0"/>
-              </a:ext>
-            </a:extLst>
-          </a:blip>
-          <a:srcRect/>
-          <a:stretch/>
-        </p:blipFill>
-        <p:spPr>
-          <a:xfrm>
-            <a:off x="1865780" y="1905552"/>
-            <a:ext cx="7531714" cy="4401286"/>
-          </a:xfrm>
-          <a:prstGeom prst="rect">
-            <a:avLst/>
-          </a:prstGeom>
-        </p:spPr>
-      </p:pic>
-    </p:spTree>
-    <p:extLst>
-      <p:ext uri="{BB962C8B-B14F-4D97-AF65-F5344CB8AC3E}">
-        <p14:creationId xmlns:p14="http://schemas.microsoft.com/office/powerpoint/2010/main" val="3515217568"/>
-      </p:ext>
-    </p:extLst>
-  </p:cSld>
-  <p:clrMapOvr>
-    <a:masterClrMapping/>
-  </p:clrMapOvr>
-</p:sld>
-</file>
-
-<file path=ppt/slides/slide33.xml><?xml version="1.0" encoding="utf-8"?>
-<p:sld xmlns:a="http://schemas.openxmlformats.org/drawingml/2006/main" xmlns:r="http://schemas.openxmlformats.org/officeDocument/2006/relationships" xmlns:p="http://schemas.openxmlformats.org/presentationml/2006/main">
-  <p:cSld>
-    <p:spTree>
-      <p:nvGrpSpPr>
-        <p:cNvPr id="1" name=""/>
-        <p:cNvGrpSpPr/>
-        <p:nvPr/>
-      </p:nvGrpSpPr>
-      <p:grpSpPr>
-        <a:xfrm>
-          <a:off x="0" y="0"/>
-          <a:ext cx="0" cy="0"/>
-          <a:chOff x="0" y="0"/>
-          <a:chExt cx="0" cy="0"/>
-        </a:xfrm>
-      </p:grpSpPr>
-      <p:sp>
-        <p:nvSpPr>
-          <p:cNvPr id="6" name="Rectangle 5">
-            <a:extLst>
-              <a:ext uri="{FF2B5EF4-FFF2-40B4-BE49-F238E27FC236}">
-                <a16:creationId xmlns:a16="http://schemas.microsoft.com/office/drawing/2014/main" id="{7048056E-20F0-4494-B3C1-20C3E45259C6}"/>
-              </a:ext>
-            </a:extLst>
-          </p:cNvPr>
-          <p:cNvSpPr/>
-          <p:nvPr/>
-        </p:nvSpPr>
-        <p:spPr>
-          <a:xfrm>
-            <a:off x="643561" y="1814120"/>
-            <a:ext cx="7531717" cy="4401289"/>
-          </a:xfrm>
-          <a:prstGeom prst="rect">
-            <a:avLst/>
-          </a:prstGeom>
-          <a:effectLst>
-            <a:outerShdw blurRad="63500" sx="102000" sy="102000" algn="ctr" rotWithShape="0">
-              <a:prstClr val="black">
-                <a:alpha val="40000"/>
-              </a:prstClr>
-            </a:outerShdw>
-          </a:effectLst>
-        </p:spPr>
-        <p:style>
-          <a:lnRef idx="2">
-            <a:schemeClr val="accent1">
-              <a:shade val="50000"/>
-            </a:schemeClr>
-          </a:lnRef>
-          <a:fillRef idx="1">
-            <a:schemeClr val="accent1"/>
-          </a:fillRef>
-          <a:effectRef idx="0">
-            <a:schemeClr val="accent1"/>
-          </a:effectRef>
-          <a:fontRef idx="minor">
-            <a:schemeClr val="lt1"/>
-          </a:fontRef>
-        </p:style>
-        <p:txBody>
-          <a:bodyPr rtlCol="0" anchor="ctr"/>
-          <a:lstStyle/>
-          <a:p>
-            <a:pPr algn="ctr"/>
-            <a:endParaRPr lang="en-CA"/>
-          </a:p>
-        </p:txBody>
-      </p:sp>
-      <p:sp>
-        <p:nvSpPr>
-          <p:cNvPr id="2" name="Title 1">
-            <a:extLst>
-              <a:ext uri="{FF2B5EF4-FFF2-40B4-BE49-F238E27FC236}">
-                <a16:creationId xmlns:a16="http://schemas.microsoft.com/office/drawing/2014/main" id="{1F14E353-A0C7-448C-A3F4-595FED5C3DA5}"/>
-              </a:ext>
-            </a:extLst>
-          </p:cNvPr>
-          <p:cNvSpPr>
-            <a:spLocks noGrp="1"/>
-          </p:cNvSpPr>
-          <p:nvPr>
-            <p:ph type="title"/>
-          </p:nvPr>
-        </p:nvSpPr>
-        <p:spPr/>
-        <p:txBody>
-          <a:bodyPr>
-            <a:normAutofit/>
-          </a:bodyPr>
-          <a:lstStyle/>
-          <a:p>
-            <a:r>
-              <a:rPr lang="en-CA" dirty="0"/>
-              <a:t>Results &amp; Analysis – Walkability</a:t>
-            </a:r>
-          </a:p>
-        </p:txBody>
-      </p:sp>
-      <p:pic>
-        <p:nvPicPr>
-          <p:cNvPr id="5" name="Picture 4">
-            <a:extLst>
-              <a:ext uri="{FF2B5EF4-FFF2-40B4-BE49-F238E27FC236}">
-                <a16:creationId xmlns:a16="http://schemas.microsoft.com/office/drawing/2014/main" id="{AD42947F-3B20-43AD-AA96-053B01BFB8CF}"/>
-              </a:ext>
-            </a:extLst>
-          </p:cNvPr>
-          <p:cNvPicPr>
-            <a:picLocks noChangeAspect="1"/>
-          </p:cNvPicPr>
-          <p:nvPr/>
-        </p:nvPicPr>
-        <p:blipFill>
-          <a:blip r:embed="rId2">
-            <a:extLst>
-              <a:ext uri="{28A0092B-C50C-407E-A947-70E740481C1C}">
-                <a14:useLocalDpi xmlns:a14="http://schemas.microsoft.com/office/drawing/2010/main" val="0"/>
-              </a:ext>
-            </a:extLst>
-          </a:blip>
-          <a:srcRect/>
-          <a:stretch/>
-        </p:blipFill>
-        <p:spPr>
-          <a:xfrm>
-            <a:off x="643563" y="1814120"/>
-            <a:ext cx="7531712" cy="4401286"/>
-          </a:xfrm>
-          <a:prstGeom prst="rect">
-            <a:avLst/>
-          </a:prstGeom>
-        </p:spPr>
-      </p:pic>
-      <p:sp>
-        <p:nvSpPr>
-          <p:cNvPr id="3" name="TextBox 2">
-            <a:extLst>
-              <a:ext uri="{FF2B5EF4-FFF2-40B4-BE49-F238E27FC236}">
-                <a16:creationId xmlns:a16="http://schemas.microsoft.com/office/drawing/2014/main" id="{B233C690-4469-45F7-9832-6D5898FBB7F0}"/>
-              </a:ext>
-            </a:extLst>
-          </p:cNvPr>
-          <p:cNvSpPr txBox="1"/>
-          <p:nvPr/>
-        </p:nvSpPr>
-        <p:spPr>
-          <a:xfrm>
-            <a:off x="8573632" y="2131889"/>
-            <a:ext cx="2974806" cy="2031325"/>
-          </a:xfrm>
-          <a:prstGeom prst="rect">
-            <a:avLst/>
-          </a:prstGeom>
-          <a:noFill/>
-        </p:spPr>
-        <p:txBody>
-          <a:bodyPr wrap="square" rtlCol="0">
-            <a:spAutoFit/>
-          </a:bodyPr>
-          <a:lstStyle/>
-          <a:p>
-            <a:r>
-              <a:rPr lang="en-CA" dirty="0"/>
-              <a:t>Walkability and Review Score</a:t>
-            </a:r>
-          </a:p>
-          <a:p>
-            <a:r>
-              <a:rPr lang="en-CA" dirty="0"/>
-              <a:t>Pearson’s Correlation: 0.122</a:t>
-            </a:r>
-          </a:p>
-          <a:p>
-            <a:endParaRPr lang="en-CA" dirty="0"/>
-          </a:p>
-          <a:p>
-            <a:endParaRPr lang="en-CA" dirty="0"/>
-          </a:p>
-          <a:p>
-            <a:r>
-              <a:rPr lang="en-CA" dirty="0"/>
-              <a:t>Frequency of High Walkability and Review Score</a:t>
-            </a:r>
-          </a:p>
-          <a:p>
-            <a:r>
-              <a:rPr lang="en-CA" dirty="0"/>
-              <a:t>Pearson’s Correlation: 0.463</a:t>
-            </a:r>
-          </a:p>
-        </p:txBody>
-      </p:sp>
-    </p:spTree>
-    <p:extLst>
-      <p:ext uri="{BB962C8B-B14F-4D97-AF65-F5344CB8AC3E}">
-        <p14:creationId xmlns:p14="http://schemas.microsoft.com/office/powerpoint/2010/main" val="459984074"/>
-      </p:ext>
-    </p:extLst>
-  </p:cSld>
-  <p:clrMapOvr>
-    <a:masterClrMapping/>
-  </p:clrMapOvr>
-</p:sld>
-</file>
-
-<file path=ppt/slides/slide34.xml><?xml version="1.0" encoding="utf-8"?>
-<p:sld xmlns:a="http://schemas.openxmlformats.org/drawingml/2006/main" xmlns:r="http://schemas.openxmlformats.org/officeDocument/2006/relationships" xmlns:p="http://schemas.openxmlformats.org/presentationml/2006/main">
-  <p:cSld>
-    <p:spTree>
-      <p:nvGrpSpPr>
-        <p:cNvPr id="1" name=""/>
-        <p:cNvGrpSpPr/>
-        <p:nvPr/>
-      </p:nvGrpSpPr>
-      <p:grpSpPr>
-        <a:xfrm>
-          <a:off x="0" y="0"/>
-          <a:ext cx="0" cy="0"/>
-          <a:chOff x="0" y="0"/>
-          <a:chExt cx="0" cy="0"/>
-        </a:xfrm>
-      </p:grpSpPr>
-      <p:sp>
-        <p:nvSpPr>
           <p:cNvPr id="2" name="Title 1">
             <a:extLst>
               <a:ext uri="{FF2B5EF4-FFF2-40B4-BE49-F238E27FC236}">
@@ -17039,7 +16523,7 @@
 </p:sld>
 </file>
 
-<file path=ppt/slides/slide35.xml><?xml version="1.0" encoding="utf-8"?>
+<file path=ppt/slides/slide32.xml><?xml version="1.0" encoding="utf-8"?>
 <p:sld xmlns:a="http://schemas.openxmlformats.org/drawingml/2006/main" xmlns:r="http://schemas.openxmlformats.org/officeDocument/2006/relationships" xmlns:p="http://schemas.openxmlformats.org/presentationml/2006/main">
   <p:cSld>
     <p:spTree>
@@ -17243,7 +16727,7 @@
 </p:sld>
 </file>
 
-<file path=ppt/slides/slide36.xml><?xml version="1.0" encoding="utf-8"?>
+<file path=ppt/slides/slide33.xml><?xml version="1.0" encoding="utf-8"?>
 <p:sld xmlns:a="http://schemas.openxmlformats.org/drawingml/2006/main" xmlns:r="http://schemas.openxmlformats.org/officeDocument/2006/relationships" xmlns:p="http://schemas.openxmlformats.org/presentationml/2006/main">
   <p:cSld>
     <p:spTree>
@@ -17878,7 +17362,7 @@
 </p:sld>
 </file>
 
-<file path=ppt/slides/slide37.xml><?xml version="1.0" encoding="utf-8"?>
+<file path=ppt/slides/slide34.xml><?xml version="1.0" encoding="utf-8"?>
 <p:sld xmlns:a="http://schemas.openxmlformats.org/drawingml/2006/main" xmlns:r="http://schemas.openxmlformats.org/officeDocument/2006/relationships" xmlns:p="http://schemas.openxmlformats.org/presentationml/2006/main">
   <p:cSld>
     <p:spTree>
@@ -18034,7 +17518,7 @@
 </p:sld>
 </file>
 
-<file path=ppt/slides/slide38.xml><?xml version="1.0" encoding="utf-8"?>
+<file path=ppt/slides/slide35.xml><?xml version="1.0" encoding="utf-8"?>
 <p:sld xmlns:a="http://schemas.openxmlformats.org/drawingml/2006/main" xmlns:r="http://schemas.openxmlformats.org/officeDocument/2006/relationships" xmlns:p="http://schemas.openxmlformats.org/presentationml/2006/main">
   <p:cSld>
     <p:spTree>
@@ -18104,8 +17588,8 @@
         </p:nvSpPr>
         <p:spPr>
           <a:xfrm>
-            <a:off x="442111" y="941560"/>
-            <a:ext cx="11381715" cy="5839485"/>
+            <a:off x="442111" y="1222218"/>
+            <a:ext cx="11381715" cy="5558827"/>
           </a:xfrm>
         </p:spPr>
         <p:txBody>
@@ -19224,7 +18708,7 @@
 </p:sld>
 </file>
 
-<file path=ppt/slides/slide39.xml><?xml version="1.0" encoding="utf-8"?>
+<file path=ppt/slides/slide36.xml><?xml version="1.0" encoding="utf-8"?>
 <p:sld xmlns:a="http://schemas.openxmlformats.org/drawingml/2006/main" xmlns:r="http://schemas.openxmlformats.org/officeDocument/2006/relationships" xmlns:p="http://schemas.openxmlformats.org/presentationml/2006/main">
   <p:cSld>
     <p:spTree>
@@ -19318,124 +18802,7 @@
 </p:sld>
 </file>
 
-<file path=ppt/slides/slide4.xml><?xml version="1.0" encoding="utf-8"?>
-<p:sld xmlns:a="http://schemas.openxmlformats.org/drawingml/2006/main" xmlns:r="http://schemas.openxmlformats.org/officeDocument/2006/relationships" xmlns:p="http://schemas.openxmlformats.org/presentationml/2006/main">
-  <p:cSld>
-    <p:spTree>
-      <p:nvGrpSpPr>
-        <p:cNvPr id="1" name=""/>
-        <p:cNvGrpSpPr/>
-        <p:nvPr/>
-      </p:nvGrpSpPr>
-      <p:grpSpPr>
-        <a:xfrm>
-          <a:off x="0" y="0"/>
-          <a:ext cx="0" cy="0"/>
-          <a:chOff x="0" y="0"/>
-          <a:chExt cx="0" cy="0"/>
-        </a:xfrm>
-      </p:grpSpPr>
-      <p:sp>
-        <p:nvSpPr>
-          <p:cNvPr id="2" name="Title 1">
-            <a:extLst>
-              <a:ext uri="{FF2B5EF4-FFF2-40B4-BE49-F238E27FC236}">
-                <a16:creationId xmlns:a16="http://schemas.microsoft.com/office/drawing/2014/main" id="{6EABAB51-A141-4C65-9C30-A0231555F9D9}"/>
-              </a:ext>
-            </a:extLst>
-          </p:cNvPr>
-          <p:cNvSpPr>
-            <a:spLocks noGrp="1"/>
-          </p:cNvSpPr>
-          <p:nvPr>
-            <p:ph type="title"/>
-          </p:nvPr>
-        </p:nvSpPr>
-        <p:spPr/>
-        <p:txBody>
-          <a:bodyPr/>
-          <a:lstStyle/>
-          <a:p>
-            <a:r>
-              <a:rPr lang="en-CA" dirty="0"/>
-              <a:t>Introduction - Problem Statement</a:t>
-            </a:r>
-          </a:p>
-        </p:txBody>
-      </p:sp>
-      <p:sp>
-        <p:nvSpPr>
-          <p:cNvPr id="3" name="Content Placeholder 2">
-            <a:extLst>
-              <a:ext uri="{FF2B5EF4-FFF2-40B4-BE49-F238E27FC236}">
-                <a16:creationId xmlns:a16="http://schemas.microsoft.com/office/drawing/2014/main" id="{04AB7A56-9D1E-45B2-9074-07E90389F48B}"/>
-              </a:ext>
-            </a:extLst>
-          </p:cNvPr>
-          <p:cNvSpPr>
-            <a:spLocks noGrp="1"/>
-          </p:cNvSpPr>
-          <p:nvPr>
-            <p:ph idx="1"/>
-          </p:nvPr>
-        </p:nvSpPr>
-        <p:spPr>
-          <a:xfrm>
-            <a:off x="1066800" y="2103119"/>
-            <a:ext cx="10058400" cy="4246405"/>
-          </a:xfrm>
-        </p:spPr>
-        <p:txBody>
-          <a:bodyPr>
-            <a:normAutofit/>
-          </a:bodyPr>
-          <a:lstStyle/>
-          <a:p>
-            <a:r>
-              <a:rPr lang="en-CA" sz="2000" dirty="0"/>
-              <a:t> Given the hotel industry’s intense competition for limited customers, knowing what factors have the highest impact on a visitor’s experience is critical to maintaining high review scores, satisfaction and occupancy.</a:t>
-            </a:r>
-          </a:p>
-          <a:p>
-            <a:pPr marL="0" indent="0">
-              <a:buNone/>
-            </a:pPr>
-            <a:endParaRPr lang="en-CA" sz="2000" dirty="0"/>
-          </a:p>
-          <a:p>
-            <a:r>
-              <a:rPr lang="en-CA" sz="2000" dirty="0"/>
-              <a:t>Discerning critical factors may be particularly important now, as customer expectations and requirements may have shifted during the pandemic. For example, sanitation practices may now weigh customer opinions more heavily.</a:t>
-            </a:r>
-          </a:p>
-          <a:p>
-            <a:pPr marL="0" indent="0">
-              <a:buNone/>
-            </a:pPr>
-            <a:endParaRPr lang="en-CA" sz="2000" dirty="0"/>
-          </a:p>
-          <a:p>
-            <a:r>
-              <a:rPr lang="en-CA" sz="2000" dirty="0"/>
-              <a:t>Factors will be compared from reviews written both before and during the pandemic, to discern if priorities have changed.</a:t>
-            </a:r>
-          </a:p>
-        </p:txBody>
-      </p:sp>
-    </p:spTree>
-    <p:extLst>
-      <p:ext uri="{BB962C8B-B14F-4D97-AF65-F5344CB8AC3E}">
-        <p14:creationId xmlns:p14="http://schemas.microsoft.com/office/powerpoint/2010/main" val="1530549238"/>
-      </p:ext>
-    </p:extLst>
-  </p:cSld>
-  <p:clrMapOvr>
-    <a:masterClrMapping/>
-  </p:clrMapOvr>
-</p:sld>
-</file>
-
-<file path=ppt/slides/slide40.xml><?xml version="1.0" encoding="utf-8"?>
+<file path=ppt/slides/slide37.xml><?xml version="1.0" encoding="utf-8"?>
 <p:sld xmlns:a="http://schemas.openxmlformats.org/drawingml/2006/main" xmlns:r="http://schemas.openxmlformats.org/officeDocument/2006/relationships" xmlns:p="http://schemas.openxmlformats.org/presentationml/2006/main">
   <p:cSld>
     <p:spTree>
@@ -19498,7 +18865,214 @@
 </p:sld>
 </file>
 
-<file path=ppt/slides/slide41.xml><?xml version="1.0" encoding="utf-8"?>
+<file path=ppt/slides/slide38.xml><?xml version="1.0" encoding="utf-8"?>
+<p:sld xmlns:a="http://schemas.openxmlformats.org/drawingml/2006/main" xmlns:r="http://schemas.openxmlformats.org/officeDocument/2006/relationships" xmlns:p="http://schemas.openxmlformats.org/presentationml/2006/main">
+  <p:cSld>
+    <p:spTree>
+      <p:nvGrpSpPr>
+        <p:cNvPr id="1" name=""/>
+        <p:cNvGrpSpPr/>
+        <p:nvPr/>
+      </p:nvGrpSpPr>
+      <p:grpSpPr>
+        <a:xfrm>
+          <a:off x="0" y="0"/>
+          <a:ext cx="0" cy="0"/>
+          <a:chOff x="0" y="0"/>
+          <a:chExt cx="0" cy="0"/>
+        </a:xfrm>
+      </p:grpSpPr>
+      <p:sp>
+        <p:nvSpPr>
+          <p:cNvPr id="6" name="Rectangle 5">
+            <a:extLst>
+              <a:ext uri="{FF2B5EF4-FFF2-40B4-BE49-F238E27FC236}">
+                <a16:creationId xmlns:a16="http://schemas.microsoft.com/office/drawing/2014/main" id="{7048056E-20F0-4494-B3C1-20C3E45259C6}"/>
+              </a:ext>
+            </a:extLst>
+          </p:cNvPr>
+          <p:cNvSpPr/>
+          <p:nvPr/>
+        </p:nvSpPr>
+        <p:spPr>
+          <a:xfrm>
+            <a:off x="643561" y="1814120"/>
+            <a:ext cx="7531717" cy="4401289"/>
+          </a:xfrm>
+          <a:prstGeom prst="rect">
+            <a:avLst/>
+          </a:prstGeom>
+          <a:effectLst>
+            <a:outerShdw blurRad="63500" sx="102000" sy="102000" algn="ctr" rotWithShape="0">
+              <a:prstClr val="black">
+                <a:alpha val="40000"/>
+              </a:prstClr>
+            </a:outerShdw>
+          </a:effectLst>
+        </p:spPr>
+        <p:style>
+          <a:lnRef idx="2">
+            <a:schemeClr val="accent1">
+              <a:shade val="50000"/>
+            </a:schemeClr>
+          </a:lnRef>
+          <a:fillRef idx="1">
+            <a:schemeClr val="accent1"/>
+          </a:fillRef>
+          <a:effectRef idx="0">
+            <a:schemeClr val="accent1"/>
+          </a:effectRef>
+          <a:fontRef idx="minor">
+            <a:schemeClr val="lt1"/>
+          </a:fontRef>
+        </p:style>
+        <p:txBody>
+          <a:bodyPr rtlCol="0" anchor="ctr"/>
+          <a:lstStyle/>
+          <a:p>
+            <a:pPr algn="ctr"/>
+            <a:endParaRPr lang="en-CA"/>
+          </a:p>
+        </p:txBody>
+      </p:sp>
+      <p:sp>
+        <p:nvSpPr>
+          <p:cNvPr id="2" name="Title 1">
+            <a:extLst>
+              <a:ext uri="{FF2B5EF4-FFF2-40B4-BE49-F238E27FC236}">
+                <a16:creationId xmlns:a16="http://schemas.microsoft.com/office/drawing/2014/main" id="{1F14E353-A0C7-448C-A3F4-595FED5C3DA5}"/>
+              </a:ext>
+            </a:extLst>
+          </p:cNvPr>
+          <p:cNvSpPr>
+            <a:spLocks noGrp="1"/>
+          </p:cNvSpPr>
+          <p:nvPr>
+            <p:ph type="title"/>
+          </p:nvPr>
+        </p:nvSpPr>
+        <p:spPr/>
+        <p:txBody>
+          <a:bodyPr>
+            <a:normAutofit/>
+          </a:bodyPr>
+          <a:lstStyle/>
+          <a:p>
+            <a:r>
+              <a:rPr lang="en-CA" dirty="0"/>
+              <a:t>Results &amp; Analysis – Walkability</a:t>
+            </a:r>
+          </a:p>
+        </p:txBody>
+      </p:sp>
+      <p:pic>
+        <p:nvPicPr>
+          <p:cNvPr id="5" name="Picture 4">
+            <a:extLst>
+              <a:ext uri="{FF2B5EF4-FFF2-40B4-BE49-F238E27FC236}">
+                <a16:creationId xmlns:a16="http://schemas.microsoft.com/office/drawing/2014/main" id="{AD42947F-3B20-43AD-AA96-053B01BFB8CF}"/>
+              </a:ext>
+            </a:extLst>
+          </p:cNvPr>
+          <p:cNvPicPr>
+            <a:picLocks noChangeAspect="1"/>
+          </p:cNvPicPr>
+          <p:nvPr/>
+        </p:nvPicPr>
+        <p:blipFill>
+          <a:blip r:embed="rId2">
+            <a:extLst>
+              <a:ext uri="{28A0092B-C50C-407E-A947-70E740481C1C}">
+                <a14:useLocalDpi xmlns:a14="http://schemas.microsoft.com/office/drawing/2010/main" val="0"/>
+              </a:ext>
+            </a:extLst>
+          </a:blip>
+          <a:srcRect/>
+          <a:stretch/>
+        </p:blipFill>
+        <p:spPr>
+          <a:xfrm>
+            <a:off x="643563" y="1814120"/>
+            <a:ext cx="7531712" cy="4401286"/>
+          </a:xfrm>
+          <a:prstGeom prst="rect">
+            <a:avLst/>
+          </a:prstGeom>
+        </p:spPr>
+      </p:pic>
+      <p:sp>
+        <p:nvSpPr>
+          <p:cNvPr id="3" name="TextBox 2">
+            <a:extLst>
+              <a:ext uri="{FF2B5EF4-FFF2-40B4-BE49-F238E27FC236}">
+                <a16:creationId xmlns:a16="http://schemas.microsoft.com/office/drawing/2014/main" id="{B233C690-4469-45F7-9832-6D5898FBB7F0}"/>
+              </a:ext>
+            </a:extLst>
+          </p:cNvPr>
+          <p:cNvSpPr txBox="1"/>
+          <p:nvPr/>
+        </p:nvSpPr>
+        <p:spPr>
+          <a:xfrm>
+            <a:off x="8573632" y="2131889"/>
+            <a:ext cx="2974806" cy="2031325"/>
+          </a:xfrm>
+          <a:prstGeom prst="rect">
+            <a:avLst/>
+          </a:prstGeom>
+          <a:noFill/>
+        </p:spPr>
+        <p:txBody>
+          <a:bodyPr wrap="square" rtlCol="0">
+            <a:spAutoFit/>
+          </a:bodyPr>
+          <a:lstStyle/>
+          <a:p>
+            <a:r>
+              <a:rPr lang="en-CA" dirty="0"/>
+              <a:t>Walkability and Review Score</a:t>
+            </a:r>
+          </a:p>
+          <a:p>
+            <a:r>
+              <a:rPr lang="en-CA" dirty="0"/>
+              <a:t>Pearson’s Correlation: 0.122</a:t>
+            </a:r>
+          </a:p>
+          <a:p>
+            <a:endParaRPr lang="en-CA" dirty="0"/>
+          </a:p>
+          <a:p>
+            <a:endParaRPr lang="en-CA" dirty="0"/>
+          </a:p>
+          <a:p>
+            <a:r>
+              <a:rPr lang="en-CA" dirty="0"/>
+              <a:t>Frequency of High Walkability and Review Score</a:t>
+            </a:r>
+          </a:p>
+          <a:p>
+            <a:r>
+              <a:rPr lang="en-CA" dirty="0"/>
+              <a:t>Pearson’s Correlation: 0.463</a:t>
+            </a:r>
+          </a:p>
+        </p:txBody>
+      </p:sp>
+    </p:spTree>
+    <p:extLst>
+      <p:ext uri="{BB962C8B-B14F-4D97-AF65-F5344CB8AC3E}">
+        <p14:creationId xmlns:p14="http://schemas.microsoft.com/office/powerpoint/2010/main" val="459984074"/>
+      </p:ext>
+    </p:extLst>
+  </p:cSld>
+  <p:clrMapOvr>
+    <a:masterClrMapping/>
+  </p:clrMapOvr>
+</p:sld>
+</file>
+
+<file path=ppt/slides/slide39.xml><?xml version="1.0" encoding="utf-8"?>
 <p:sld xmlns:a="http://schemas.openxmlformats.org/drawingml/2006/main" xmlns:r="http://schemas.openxmlformats.org/officeDocument/2006/relationships" xmlns:p="http://schemas.openxmlformats.org/presentationml/2006/main">
   <p:cSld>
     <p:spTree>
@@ -20335,7 +19909,140 @@
 </p:sld>
 </file>
 
-<file path=ppt/slides/slide42.xml><?xml version="1.0" encoding="utf-8"?>
+<file path=ppt/slides/slide4.xml><?xml version="1.0" encoding="utf-8"?>
+<p:sld xmlns:a="http://schemas.openxmlformats.org/drawingml/2006/main" xmlns:r="http://schemas.openxmlformats.org/officeDocument/2006/relationships" xmlns:p="http://schemas.openxmlformats.org/presentationml/2006/main">
+  <p:cSld>
+    <p:spTree>
+      <p:nvGrpSpPr>
+        <p:cNvPr id="1" name=""/>
+        <p:cNvGrpSpPr/>
+        <p:nvPr/>
+      </p:nvGrpSpPr>
+      <p:grpSpPr>
+        <a:xfrm>
+          <a:off x="0" y="0"/>
+          <a:ext cx="0" cy="0"/>
+          <a:chOff x="0" y="0"/>
+          <a:chExt cx="0" cy="0"/>
+        </a:xfrm>
+      </p:grpSpPr>
+      <p:sp>
+        <p:nvSpPr>
+          <p:cNvPr id="2" name="Title 1">
+            <a:extLst>
+              <a:ext uri="{FF2B5EF4-FFF2-40B4-BE49-F238E27FC236}">
+                <a16:creationId xmlns:a16="http://schemas.microsoft.com/office/drawing/2014/main" id="{6EABAB51-A141-4C65-9C30-A0231555F9D9}"/>
+              </a:ext>
+            </a:extLst>
+          </p:cNvPr>
+          <p:cNvSpPr>
+            <a:spLocks noGrp="1"/>
+          </p:cNvSpPr>
+          <p:nvPr>
+            <p:ph type="title"/>
+          </p:nvPr>
+        </p:nvSpPr>
+        <p:spPr/>
+        <p:txBody>
+          <a:bodyPr/>
+          <a:lstStyle/>
+          <a:p>
+            <a:r>
+              <a:rPr lang="en-CA" dirty="0"/>
+              <a:t>Introduction - Problem Statement</a:t>
+            </a:r>
+          </a:p>
+        </p:txBody>
+      </p:sp>
+      <p:sp>
+        <p:nvSpPr>
+          <p:cNvPr id="3" name="Content Placeholder 2">
+            <a:extLst>
+              <a:ext uri="{FF2B5EF4-FFF2-40B4-BE49-F238E27FC236}">
+                <a16:creationId xmlns:a16="http://schemas.microsoft.com/office/drawing/2014/main" id="{04AB7A56-9D1E-45B2-9074-07E90389F48B}"/>
+              </a:ext>
+            </a:extLst>
+          </p:cNvPr>
+          <p:cNvSpPr>
+            <a:spLocks noGrp="1"/>
+          </p:cNvSpPr>
+          <p:nvPr>
+            <p:ph idx="1"/>
+          </p:nvPr>
+        </p:nvSpPr>
+        <p:spPr>
+          <a:xfrm>
+            <a:off x="1066800" y="2103119"/>
+            <a:ext cx="10058400" cy="4246405"/>
+          </a:xfrm>
+        </p:spPr>
+        <p:txBody>
+          <a:bodyPr>
+            <a:normAutofit/>
+          </a:bodyPr>
+          <a:lstStyle/>
+          <a:p>
+            <a:r>
+              <a:rPr lang="en-CA" sz="2000" dirty="0"/>
+              <a:t> Given the hotel industry’s intense competition for limited customers, knowing what factors have the highest impact on a visitor’s experience is critical to maintaining high review scores, satisfaction and occupancy. </a:t>
+            </a:r>
+          </a:p>
+          <a:p>
+            <a:pPr lvl="1"/>
+            <a:r>
+              <a:rPr lang="en-CA" sz="1800" dirty="0"/>
+              <a:t>This is especially true now, as customer expectations and requirements may have shifted during the pandemic. </a:t>
+            </a:r>
+          </a:p>
+          <a:p>
+            <a:pPr marL="0" indent="0">
+              <a:buNone/>
+            </a:pPr>
+            <a:endParaRPr lang="en-CA" sz="2000" dirty="0"/>
+          </a:p>
+          <a:p>
+            <a:r>
+              <a:rPr lang="en-CA" sz="2000" b="1" dirty="0"/>
+              <a:t>Project Scope</a:t>
+            </a:r>
+          </a:p>
+          <a:p>
+            <a:pPr lvl="1"/>
+            <a:r>
+              <a:rPr lang="en-CA" sz="1800" dirty="0"/>
+              <a:t>Extract the most informative features from hotel reviews</a:t>
+            </a:r>
+          </a:p>
+          <a:p>
+            <a:pPr lvl="1"/>
+            <a:r>
+              <a:rPr lang="en-CA" sz="1800" dirty="0"/>
+              <a:t>Train advanced natural language processing models on the reviews</a:t>
+            </a:r>
+          </a:p>
+          <a:p>
+            <a:pPr lvl="1"/>
+            <a:r>
+              <a:rPr lang="en-CA" sz="1800" dirty="0"/>
+              <a:t>Make predictions on the impact of the extracted features, and novel reviews</a:t>
+            </a:r>
+          </a:p>
+        </p:txBody>
+      </p:sp>
+    </p:spTree>
+    <p:extLst>
+      <p:ext uri="{BB962C8B-B14F-4D97-AF65-F5344CB8AC3E}">
+        <p14:creationId xmlns:p14="http://schemas.microsoft.com/office/powerpoint/2010/main" val="1530549238"/>
+      </p:ext>
+    </p:extLst>
+  </p:cSld>
+  <p:clrMapOvr>
+    <a:masterClrMapping/>
+  </p:clrMapOvr>
+</p:sld>
+</file>
+
+<file path=ppt/slides/slide40.xml><?xml version="1.0" encoding="utf-8"?>
 <p:sld xmlns:a="http://schemas.openxmlformats.org/drawingml/2006/main" xmlns:r="http://schemas.openxmlformats.org/officeDocument/2006/relationships" xmlns:p="http://schemas.openxmlformats.org/presentationml/2006/main">
   <p:cSld>
     <p:spTree>
@@ -21714,7 +21421,7 @@
 </p:sld>
 </file>
 
-<file path=ppt/slides/slide43.xml><?xml version="1.0" encoding="utf-8"?>
+<file path=ppt/slides/slide41.xml><?xml version="1.0" encoding="utf-8"?>
 <p:sld xmlns:a="http://schemas.openxmlformats.org/drawingml/2006/main" xmlns:r="http://schemas.openxmlformats.org/officeDocument/2006/relationships" xmlns:p="http://schemas.openxmlformats.org/presentationml/2006/main">
   <p:cSld>
     <p:spTree>
@@ -22481,7 +22188,7 @@
 </p:sld>
 </file>
 
-<file path=ppt/slides/slide44.xml><?xml version="1.0" encoding="utf-8"?>
+<file path=ppt/slides/slide42.xml><?xml version="1.0" encoding="utf-8"?>
 <p:sld xmlns:a="http://schemas.openxmlformats.org/drawingml/2006/main" xmlns:r="http://schemas.openxmlformats.org/officeDocument/2006/relationships" xmlns:p="http://schemas.openxmlformats.org/presentationml/2006/main">
   <p:cSld>
     <p:spTree>
@@ -22654,7 +22361,7 @@
 </p:sld>
 </file>
 
-<file path=ppt/slides/slide45.xml><?xml version="1.0" encoding="utf-8"?>
+<file path=ppt/slides/slide43.xml><?xml version="1.0" encoding="utf-8"?>
 <p:sld xmlns:a="http://schemas.openxmlformats.org/drawingml/2006/main" xmlns:r="http://schemas.openxmlformats.org/officeDocument/2006/relationships" xmlns:p="http://schemas.openxmlformats.org/presentationml/2006/main">
   <p:cSld>
     <p:spTree>
@@ -22781,7 +22488,7 @@
 </p:sld>
 </file>
 
-<file path=ppt/slides/slide46.xml><?xml version="1.0" encoding="utf-8"?>
+<file path=ppt/slides/slide44.xml><?xml version="1.0" encoding="utf-8"?>
 <p:sld xmlns:a="http://schemas.openxmlformats.org/drawingml/2006/main" xmlns:r="http://schemas.openxmlformats.org/officeDocument/2006/relationships" xmlns:p="http://schemas.openxmlformats.org/presentationml/2006/main">
   <p:cSld>
     <p:spTree>
@@ -22906,7 +22613,7 @@
 </p:sld>
 </file>
 
-<file path=ppt/slides/slide47.xml><?xml version="1.0" encoding="utf-8"?>
+<file path=ppt/slides/slide45.xml><?xml version="1.0" encoding="utf-8"?>
 <p:sld xmlns:a="http://schemas.openxmlformats.org/drawingml/2006/main" xmlns:r="http://schemas.openxmlformats.org/officeDocument/2006/relationships" xmlns:p="http://schemas.openxmlformats.org/presentationml/2006/main">
   <p:cSld>
     <p:spTree>
@@ -23033,7 +22740,7 @@
 </p:sld>
 </file>
 
-<file path=ppt/slides/slide48.xml><?xml version="1.0" encoding="utf-8"?>
+<file path=ppt/slides/slide46.xml><?xml version="1.0" encoding="utf-8"?>
 <p:sld xmlns:a="http://schemas.openxmlformats.org/drawingml/2006/main" xmlns:r="http://schemas.openxmlformats.org/officeDocument/2006/relationships" xmlns:p="http://schemas.openxmlformats.org/presentationml/2006/main">
   <p:cSld>
     <p:spTree>
@@ -23126,7 +22833,7 @@
 </p:sld>
 </file>
 
-<file path=ppt/slides/slide49.xml><?xml version="1.0" encoding="utf-8"?>
+<file path=ppt/slides/slide47.xml><?xml version="1.0" encoding="utf-8"?>
 <p:sld xmlns:a="http://schemas.openxmlformats.org/drawingml/2006/main" xmlns:r="http://schemas.openxmlformats.org/officeDocument/2006/relationships" xmlns:p="http://schemas.openxmlformats.org/presentationml/2006/main">
   <p:cSld>
     <p:spTree>
@@ -23210,6 +22917,193 @@
     <p:extLst>
       <p:ext uri="{BB962C8B-B14F-4D97-AF65-F5344CB8AC3E}">
         <p14:creationId xmlns:p14="http://schemas.microsoft.com/office/powerpoint/2010/main" val="1661984071"/>
+      </p:ext>
+    </p:extLst>
+  </p:cSld>
+  <p:clrMapOvr>
+    <a:masterClrMapping/>
+  </p:clrMapOvr>
+</p:sld>
+</file>
+
+<file path=ppt/slides/slide48.xml><?xml version="1.0" encoding="utf-8"?>
+<p:sld xmlns:a="http://schemas.openxmlformats.org/drawingml/2006/main" xmlns:r="http://schemas.openxmlformats.org/officeDocument/2006/relationships" xmlns:p="http://schemas.openxmlformats.org/presentationml/2006/main">
+  <p:cSld>
+    <p:spTree>
+      <p:nvGrpSpPr>
+        <p:cNvPr id="1" name=""/>
+        <p:cNvGrpSpPr/>
+        <p:nvPr/>
+      </p:nvGrpSpPr>
+      <p:grpSpPr>
+        <a:xfrm>
+          <a:off x="0" y="0"/>
+          <a:ext cx="0" cy="0"/>
+          <a:chOff x="0" y="0"/>
+          <a:chExt cx="0" cy="0"/>
+        </a:xfrm>
+      </p:grpSpPr>
+      <p:sp>
+        <p:nvSpPr>
+          <p:cNvPr id="2" name="Title 1">
+            <a:extLst>
+              <a:ext uri="{FF2B5EF4-FFF2-40B4-BE49-F238E27FC236}">
+                <a16:creationId xmlns:a16="http://schemas.microsoft.com/office/drawing/2014/main" id="{A0B9E1A2-65D7-4B08-B2BD-89242F2E66AE}"/>
+              </a:ext>
+            </a:extLst>
+          </p:cNvPr>
+          <p:cNvSpPr>
+            <a:spLocks noGrp="1"/>
+          </p:cNvSpPr>
+          <p:nvPr>
+            <p:ph type="title"/>
+          </p:nvPr>
+        </p:nvSpPr>
+        <p:spPr/>
+        <p:txBody>
+          <a:bodyPr/>
+          <a:lstStyle/>
+          <a:p>
+            <a:r>
+              <a:rPr lang="en-CA" dirty="0"/>
+              <a:t>Mean Review by State with STD</a:t>
+            </a:r>
+          </a:p>
+        </p:txBody>
+      </p:sp>
+      <p:pic>
+        <p:nvPicPr>
+          <p:cNvPr id="9" name="Content Placeholder 8">
+            <a:extLst>
+              <a:ext uri="{FF2B5EF4-FFF2-40B4-BE49-F238E27FC236}">
+                <a16:creationId xmlns:a16="http://schemas.microsoft.com/office/drawing/2014/main" id="{631C054C-B8FD-4C41-982A-BC499CCD7A3B}"/>
+              </a:ext>
+            </a:extLst>
+          </p:cNvPr>
+          <p:cNvPicPr>
+            <a:picLocks noGrp="1" noChangeAspect="1"/>
+          </p:cNvPicPr>
+          <p:nvPr>
+            <p:ph idx="1"/>
+          </p:nvPr>
+        </p:nvPicPr>
+        <p:blipFill>
+          <a:blip r:embed="rId2">
+            <a:extLst>
+              <a:ext uri="{28A0092B-C50C-407E-A947-70E740481C1C}">
+                <a14:useLocalDpi xmlns:a14="http://schemas.microsoft.com/office/drawing/2010/main" val="0"/>
+              </a:ext>
+            </a:extLst>
+          </a:blip>
+          <a:srcRect/>
+          <a:stretch/>
+        </p:blipFill>
+        <p:spPr>
+          <a:xfrm>
+            <a:off x="1389431" y="2016900"/>
+            <a:ext cx="9413137" cy="4449223"/>
+          </a:xfrm>
+        </p:spPr>
+      </p:pic>
+    </p:spTree>
+    <p:extLst>
+      <p:ext uri="{BB962C8B-B14F-4D97-AF65-F5344CB8AC3E}">
+        <p14:creationId xmlns:p14="http://schemas.microsoft.com/office/powerpoint/2010/main" val="2005647364"/>
+      </p:ext>
+    </p:extLst>
+  </p:cSld>
+  <p:clrMapOvr>
+    <a:masterClrMapping/>
+  </p:clrMapOvr>
+</p:sld>
+</file>
+
+<file path=ppt/slides/slide49.xml><?xml version="1.0" encoding="utf-8"?>
+<p:sld xmlns:a="http://schemas.openxmlformats.org/drawingml/2006/main" xmlns:r="http://schemas.openxmlformats.org/officeDocument/2006/relationships" xmlns:p="http://schemas.openxmlformats.org/presentationml/2006/main">
+  <p:cSld>
+    <p:spTree>
+      <p:nvGrpSpPr>
+        <p:cNvPr id="1" name=""/>
+        <p:cNvGrpSpPr/>
+        <p:nvPr/>
+      </p:nvGrpSpPr>
+      <p:grpSpPr>
+        <a:xfrm>
+          <a:off x="0" y="0"/>
+          <a:ext cx="0" cy="0"/>
+          <a:chOff x="0" y="0"/>
+          <a:chExt cx="0" cy="0"/>
+        </a:xfrm>
+      </p:grpSpPr>
+      <p:sp>
+        <p:nvSpPr>
+          <p:cNvPr id="2" name="Title 1">
+            <a:extLst>
+              <a:ext uri="{FF2B5EF4-FFF2-40B4-BE49-F238E27FC236}">
+                <a16:creationId xmlns:a16="http://schemas.microsoft.com/office/drawing/2014/main" id="{DD2D5C23-7A5C-4C69-9402-6FE7974E40DF}"/>
+              </a:ext>
+            </a:extLst>
+          </p:cNvPr>
+          <p:cNvSpPr>
+            <a:spLocks noGrp="1"/>
+          </p:cNvSpPr>
+          <p:nvPr>
+            <p:ph type="title"/>
+          </p:nvPr>
+        </p:nvSpPr>
+        <p:spPr/>
+        <p:txBody>
+          <a:bodyPr>
+            <a:normAutofit fontScale="90000"/>
+          </a:bodyPr>
+          <a:lstStyle/>
+          <a:p>
+            <a:r>
+              <a:rPr lang="en-CA" dirty="0"/>
+              <a:t>Change in Reviews by State – Pre and during Pandemic</a:t>
+            </a:r>
+          </a:p>
+        </p:txBody>
+      </p:sp>
+      <p:pic>
+        <p:nvPicPr>
+          <p:cNvPr id="5" name="Picture 4">
+            <a:extLst>
+              <a:ext uri="{FF2B5EF4-FFF2-40B4-BE49-F238E27FC236}">
+                <a16:creationId xmlns:a16="http://schemas.microsoft.com/office/drawing/2014/main" id="{D97DD45C-07F3-43C1-AB14-CBA4645DCC56}"/>
+              </a:ext>
+            </a:extLst>
+          </p:cNvPr>
+          <p:cNvPicPr>
+            <a:picLocks noChangeAspect="1"/>
+          </p:cNvPicPr>
+          <p:nvPr/>
+        </p:nvPicPr>
+        <p:blipFill>
+          <a:blip r:embed="rId2">
+            <a:extLst>
+              <a:ext uri="{28A0092B-C50C-407E-A947-70E740481C1C}">
+                <a14:useLocalDpi xmlns:a14="http://schemas.microsoft.com/office/drawing/2010/main" val="0"/>
+              </a:ext>
+            </a:extLst>
+          </a:blip>
+          <a:srcRect/>
+          <a:stretch/>
+        </p:blipFill>
+        <p:spPr>
+          <a:xfrm>
+            <a:off x="385374" y="2285440"/>
+            <a:ext cx="11421251" cy="3602611"/>
+          </a:xfrm>
+          <a:prstGeom prst="rect">
+            <a:avLst/>
+          </a:prstGeom>
+        </p:spPr>
+      </p:pic>
+    </p:spTree>
+    <p:extLst>
+      <p:ext uri="{BB962C8B-B14F-4D97-AF65-F5344CB8AC3E}">
+        <p14:creationId xmlns:p14="http://schemas.microsoft.com/office/powerpoint/2010/main" val="419789384"/>
       </p:ext>
     </p:extLst>
   </p:cSld>
@@ -23285,14 +23179,14 @@
             <p:ph idx="1"/>
             <p:extLst>
               <p:ext uri="{D42A27DB-BD31-4B8C-83A1-F6EECF244321}">
-                <p14:modId xmlns:p14="http://schemas.microsoft.com/office/powerpoint/2010/main" val="1439855590"/>
+                <p14:modId xmlns:p14="http://schemas.microsoft.com/office/powerpoint/2010/main" val="357537517"/>
               </p:ext>
             </p:extLst>
           </p:nvPr>
         </p:nvGraphicFramePr>
         <p:xfrm>
-          <a:off x="380244" y="1367073"/>
-          <a:ext cx="11443580" cy="5107110"/>
+          <a:off x="796703" y="2046083"/>
+          <a:ext cx="9687209" cy="3664262"/>
         </p:xfrm>
         <a:graphic>
           <a:graphicData uri="http://schemas.openxmlformats.org/drawingml/2006/table">
@@ -23301,14 +23195,14 @@
                 <a:tableStyleId>{6E25E649-3F16-4E02-A733-19D2CDBF48F0}</a:tableStyleId>
               </a:tblPr>
               <a:tblGrid>
-                <a:gridCol w="5837683">
+                <a:gridCol w="3889328">
                   <a:extLst>
                     <a:ext uri="{9D8B030D-6E8A-4147-A177-3AD203B41FA5}">
                       <a16:colId xmlns:a16="http://schemas.microsoft.com/office/drawing/2014/main" val="3489803506"/>
                     </a:ext>
                   </a:extLst>
                 </a:gridCol>
-                <a:gridCol w="5605897">
+                <a:gridCol w="5797881">
                   <a:extLst>
                     <a:ext uri="{9D8B030D-6E8A-4147-A177-3AD203B41FA5}">
                       <a16:colId xmlns:a16="http://schemas.microsoft.com/office/drawing/2014/main" val="3888154683"/>
@@ -23316,7 +23210,7 @@
                   </a:extLst>
                 </a:gridCol>
               </a:tblGrid>
-              <a:tr h="292014">
+              <a:tr h="367810">
                 <a:tc>
                   <a:txBody>
                     <a:bodyPr/>
@@ -23351,7 +23245,7 @@
                   </a:ext>
                 </a:extLst>
               </a:tr>
-              <a:tr h="657030">
+              <a:tr h="643667">
                 <a:tc>
                   <a:txBody>
                     <a:bodyPr/>
@@ -23462,7 +23356,7 @@
                   </a:ext>
                 </a:extLst>
               </a:tr>
-              <a:tr h="657030">
+              <a:tr h="827572">
                 <a:tc>
                   <a:txBody>
                     <a:bodyPr/>
@@ -23565,7 +23459,7 @@
                   </a:ext>
                 </a:extLst>
               </a:tr>
-              <a:tr h="657030">
+              <a:tr h="827572">
                 <a:tc>
                   <a:txBody>
                     <a:bodyPr/>
@@ -23647,7 +23541,7 @@
                   </a:ext>
                 </a:extLst>
               </a:tr>
-              <a:tr h="462355">
+              <a:tr h="582366">
                 <a:tc>
                   <a:txBody>
                     <a:bodyPr/>
@@ -23719,351 +23613,6 @@
                 <a:extLst>
                   <a:ext uri="{0D108BD9-81ED-4DB2-BD59-A6C34878D82A}">
                     <a16:rowId xmlns:a16="http://schemas.microsoft.com/office/drawing/2014/main" val="387217218"/>
-                  </a:ext>
-                </a:extLst>
-              </a:tr>
-              <a:tr h="462355">
-                <a:tc>
-                  <a:txBody>
-                    <a:bodyPr/>
-                    <a:lstStyle/>
-                    <a:p>
-                      <a:pPr marL="0" marR="0" lvl="0" indent="0" algn="l" defTabSz="914400" rtl="0" eaLnBrk="1" fontAlgn="auto" latinLnBrk="0" hangingPunct="1">
-                        <a:lnSpc>
-                          <a:spcPct val="100000"/>
-                        </a:lnSpc>
-                        <a:spcBef>
-                          <a:spcPts val="0"/>
-                        </a:spcBef>
-                        <a:spcAft>
-                          <a:spcPts val="0"/>
-                        </a:spcAft>
-                        <a:buClrTx/>
-                        <a:buSzTx/>
-                        <a:buFontTx/>
-                        <a:buNone/>
-                        <a:tabLst/>
-                        <a:defRPr/>
-                      </a:pPr>
-                      <a:r>
-                        <a:rPr lang="en-CA" sz="1200" dirty="0"/>
-                        <a:t>Clark, K., Luong, M. T., Le, Q. V., &amp; Manning, C. D. (2020). Electra: Pre-training text encoders as discriminators rather than generators. </a:t>
-                      </a:r>
-                      <a:r>
-                        <a:rPr lang="en-CA" sz="1200" dirty="0" err="1"/>
-                        <a:t>arXiv</a:t>
-                      </a:r>
-                      <a:r>
-                        <a:rPr lang="en-CA" sz="1200" dirty="0"/>
-                        <a:t> preprint arXiv:2003.10555.</a:t>
-                      </a:r>
-                    </a:p>
-                  </a:txBody>
-                  <a:tcPr/>
-                </a:tc>
-                <a:tc>
-                  <a:txBody>
-                    <a:bodyPr/>
-                    <a:lstStyle/>
-                    <a:p>
-                      <a:pPr marL="0" marR="0" lvl="0" indent="0" algn="l" defTabSz="914400" rtl="0" eaLnBrk="1" fontAlgn="auto" latinLnBrk="0" hangingPunct="1">
-                        <a:lnSpc>
-                          <a:spcPct val="100000"/>
-                        </a:lnSpc>
-                        <a:spcBef>
-                          <a:spcPts val="0"/>
-                        </a:spcBef>
-                        <a:spcAft>
-                          <a:spcPts val="0"/>
-                        </a:spcAft>
-                        <a:buClrTx/>
-                        <a:buSzTx/>
-                        <a:buFontTx/>
-                        <a:buNone/>
-                        <a:tabLst/>
-                        <a:defRPr/>
-                      </a:pPr>
-                      <a:r>
-                        <a:rPr lang="en-CA" sz="1600" dirty="0"/>
-                        <a:t>Source paper for ELECTRA, one of three transformer packages that will be used for the modeling.</a:t>
-                      </a:r>
-                    </a:p>
-                  </a:txBody>
-                  <a:tcPr/>
-                </a:tc>
-                <a:extLst>
-                  <a:ext uri="{0D108BD9-81ED-4DB2-BD59-A6C34878D82A}">
-                    <a16:rowId xmlns:a16="http://schemas.microsoft.com/office/drawing/2014/main" val="2228075380"/>
-                  </a:ext>
-                </a:extLst>
-              </a:tr>
-              <a:tr h="511024">
-                <a:tc>
-                  <a:txBody>
-                    <a:bodyPr/>
-                    <a:lstStyle/>
-                    <a:p>
-                      <a:pPr marL="0" marR="0" lvl="0" indent="0" algn="l" defTabSz="914400" rtl="0" eaLnBrk="1" fontAlgn="auto" latinLnBrk="0" hangingPunct="1">
-                        <a:lnSpc>
-                          <a:spcPct val="100000"/>
-                        </a:lnSpc>
-                        <a:spcBef>
-                          <a:spcPts val="0"/>
-                        </a:spcBef>
-                        <a:spcAft>
-                          <a:spcPts val="0"/>
-                        </a:spcAft>
-                        <a:buClrTx/>
-                        <a:buSzTx/>
-                        <a:buFontTx/>
-                        <a:buNone/>
-                        <a:tabLst/>
-                        <a:defRPr/>
-                      </a:pPr>
-                      <a:r>
-                        <a:rPr lang="en-CA" sz="1200" dirty="0">
-                          <a:effectLst/>
-                        </a:rPr>
-                        <a:t>Sun, Yu, </a:t>
-                      </a:r>
-                      <a:r>
-                        <a:rPr lang="en-CA" sz="1200" dirty="0" err="1">
-                          <a:effectLst/>
-                        </a:rPr>
-                        <a:t>Shuohuan</a:t>
-                      </a:r>
-                      <a:r>
-                        <a:rPr lang="en-CA" sz="1200" dirty="0">
-                          <a:effectLst/>
-                        </a:rPr>
-                        <a:t> Wang, </a:t>
-                      </a:r>
-                      <a:r>
-                        <a:rPr lang="en-CA" sz="1200" dirty="0" err="1">
-                          <a:effectLst/>
-                        </a:rPr>
-                        <a:t>Yukun</a:t>
-                      </a:r>
-                      <a:r>
-                        <a:rPr lang="en-CA" sz="1200" dirty="0">
-                          <a:effectLst/>
-                        </a:rPr>
-                        <a:t> Li, </a:t>
-                      </a:r>
-                      <a:r>
-                        <a:rPr lang="en-CA" sz="1200" dirty="0" err="1">
-                          <a:effectLst/>
-                        </a:rPr>
-                        <a:t>Shikun</a:t>
-                      </a:r>
-                      <a:r>
-                        <a:rPr lang="en-CA" sz="1200" dirty="0">
-                          <a:effectLst/>
-                        </a:rPr>
-                        <a:t> Feng, Hao Tian, Hua Wu, and Haifeng Wang. 2019. “ERNIE 2.0: A Continual Pre-Training Framework for Language Understanding.” </a:t>
-                      </a:r>
-                      <a:r>
-                        <a:rPr lang="en-CA" sz="1200" i="1" dirty="0">
-                          <a:effectLst/>
-                        </a:rPr>
-                        <a:t>ArXiv:1907.12412 [Cs]</a:t>
-                      </a:r>
-                      <a:r>
-                        <a:rPr lang="en-CA" sz="1200" dirty="0">
-                          <a:effectLst/>
-                        </a:rPr>
-                        <a:t>, November. </a:t>
-                      </a:r>
-                      <a:r>
-                        <a:rPr lang="en-CA" sz="1200" dirty="0">
-                          <a:effectLst/>
-                          <a:hlinkClick r:id="rId3"/>
-                        </a:rPr>
-                        <a:t>http://arxiv.org/abs/1907.12412</a:t>
-                      </a:r>
-                      <a:r>
-                        <a:rPr lang="en-CA" sz="1200" dirty="0">
-                          <a:effectLst/>
-                        </a:rPr>
-                        <a:t>.</a:t>
-                      </a:r>
-                      <a:endParaRPr lang="en-CA" sz="1200" dirty="0"/>
-                    </a:p>
-                  </a:txBody>
-                  <a:tcPr/>
-                </a:tc>
-                <a:tc>
-                  <a:txBody>
-                    <a:bodyPr/>
-                    <a:lstStyle/>
-                    <a:p>
-                      <a:pPr marL="0" marR="0" lvl="0" indent="0" algn="l" defTabSz="914400" rtl="0" eaLnBrk="1" fontAlgn="auto" latinLnBrk="0" hangingPunct="1">
-                        <a:lnSpc>
-                          <a:spcPct val="100000"/>
-                        </a:lnSpc>
-                        <a:spcBef>
-                          <a:spcPts val="0"/>
-                        </a:spcBef>
-                        <a:spcAft>
-                          <a:spcPts val="0"/>
-                        </a:spcAft>
-                        <a:buClrTx/>
-                        <a:buSzTx/>
-                        <a:buFontTx/>
-                        <a:buNone/>
-                        <a:tabLst/>
-                        <a:defRPr/>
-                      </a:pPr>
-                      <a:r>
-                        <a:rPr lang="en-CA" sz="1600" dirty="0"/>
-                        <a:t>Source paper for ERNIE 2.0, one of three transformer packages that will be used for the modeling.</a:t>
-                      </a:r>
-                    </a:p>
-                  </a:txBody>
-                  <a:tcPr/>
-                </a:tc>
-                <a:extLst>
-                  <a:ext uri="{0D108BD9-81ED-4DB2-BD59-A6C34878D82A}">
-                    <a16:rowId xmlns:a16="http://schemas.microsoft.com/office/drawing/2014/main" val="1424423072"/>
-                  </a:ext>
-                </a:extLst>
-              </a:tr>
-              <a:tr h="511024">
-                <a:tc>
-                  <a:txBody>
-                    <a:bodyPr/>
-                    <a:lstStyle/>
-                    <a:p>
-                      <a:pPr marL="0" marR="0" lvl="0" indent="0" algn="l" defTabSz="914400" rtl="0" eaLnBrk="1" fontAlgn="auto" latinLnBrk="0" hangingPunct="1">
-                        <a:lnSpc>
-                          <a:spcPct val="100000"/>
-                        </a:lnSpc>
-                        <a:spcBef>
-                          <a:spcPts val="0"/>
-                        </a:spcBef>
-                        <a:spcAft>
-                          <a:spcPts val="0"/>
-                        </a:spcAft>
-                        <a:buClrTx/>
-                        <a:buSzTx/>
-                        <a:buFontTx/>
-                        <a:buNone/>
-                        <a:tabLst/>
-                        <a:defRPr/>
-                      </a:pPr>
-                      <a:r>
-                        <a:rPr lang="en-CA" sz="1200" dirty="0">
-                          <a:effectLst/>
-                        </a:rPr>
-                        <a:t>He, </a:t>
-                      </a:r>
-                      <a:r>
-                        <a:rPr lang="en-CA" sz="1200" dirty="0" err="1">
-                          <a:effectLst/>
-                        </a:rPr>
-                        <a:t>Pengcheng</a:t>
-                      </a:r>
-                      <a:r>
-                        <a:rPr lang="en-CA" sz="1200" dirty="0">
-                          <a:effectLst/>
-                        </a:rPr>
-                        <a:t>, </a:t>
-                      </a:r>
-                      <a:r>
-                        <a:rPr lang="en-CA" sz="1200" dirty="0" err="1">
-                          <a:effectLst/>
-                        </a:rPr>
-                        <a:t>Xiaodong</a:t>
-                      </a:r>
-                      <a:r>
-                        <a:rPr lang="en-CA" sz="1200" dirty="0">
-                          <a:effectLst/>
-                        </a:rPr>
-                        <a:t> Liu, </a:t>
-                      </a:r>
-                      <a:r>
-                        <a:rPr lang="en-CA" sz="1200" dirty="0" err="1">
-                          <a:effectLst/>
-                        </a:rPr>
-                        <a:t>Jianfeng</a:t>
-                      </a:r>
-                      <a:r>
-                        <a:rPr lang="en-CA" sz="1200" dirty="0">
-                          <a:effectLst/>
-                        </a:rPr>
-                        <a:t> Gao, and </a:t>
-                      </a:r>
-                      <a:r>
-                        <a:rPr lang="en-CA" sz="1200" dirty="0" err="1">
-                          <a:effectLst/>
-                        </a:rPr>
-                        <a:t>Weizhu</a:t>
-                      </a:r>
-                      <a:r>
-                        <a:rPr lang="en-CA" sz="1200" dirty="0">
-                          <a:effectLst/>
-                        </a:rPr>
-                        <a:t> Chen. 2020. “DEBERTA: DECODING-ENHANCED BERT WITH DISENTANGLED ATTENTION.” In . </a:t>
-                      </a:r>
-                      <a:r>
-                        <a:rPr lang="en-CA" sz="1200" dirty="0">
-                          <a:effectLst/>
-                          <a:hlinkClick r:id="rId4"/>
-                        </a:rPr>
-                        <a:t>https://openreview.net/forum?id=XPZIaotutsD</a:t>
-                      </a:r>
-                      <a:r>
-                        <a:rPr lang="en-CA" sz="1200" dirty="0">
-                          <a:effectLst/>
-                        </a:rPr>
-                        <a:t>.</a:t>
-                      </a:r>
-                      <a:endParaRPr lang="en-CA" sz="1200" dirty="0"/>
-                    </a:p>
-                  </a:txBody>
-                  <a:tcPr/>
-                </a:tc>
-                <a:tc>
-                  <a:txBody>
-                    <a:bodyPr/>
-                    <a:lstStyle/>
-                    <a:p>
-                      <a:pPr marL="0" marR="0" lvl="0" indent="0" algn="l" defTabSz="914400" rtl="0" eaLnBrk="1" fontAlgn="auto" latinLnBrk="0" hangingPunct="1">
-                        <a:lnSpc>
-                          <a:spcPct val="100000"/>
-                        </a:lnSpc>
-                        <a:spcBef>
-                          <a:spcPts val="0"/>
-                        </a:spcBef>
-                        <a:spcAft>
-                          <a:spcPts val="0"/>
-                        </a:spcAft>
-                        <a:buClrTx/>
-                        <a:buSzTx/>
-                        <a:buFontTx/>
-                        <a:buNone/>
-                        <a:tabLst/>
-                        <a:defRPr/>
-                      </a:pPr>
-                      <a:r>
-                        <a:rPr lang="en-CA" sz="1600" dirty="0"/>
-                        <a:t>Source paper for </a:t>
-                      </a:r>
-                      <a:r>
-                        <a:rPr lang="en-CA" sz="1600" dirty="0" err="1"/>
-                        <a:t>DeBERTa</a:t>
-                      </a:r>
-                      <a:r>
-                        <a:rPr lang="en-CA" sz="1600" dirty="0"/>
-                        <a:t>, one of three transformer packages that will be used for the modeling.</a:t>
-                      </a:r>
-                    </a:p>
-                  </a:txBody>
-                  <a:tcPr/>
-                </a:tc>
-                <a:extLst>
-                  <a:ext uri="{0D108BD9-81ED-4DB2-BD59-A6C34878D82A}">
-                    <a16:rowId xmlns:a16="http://schemas.microsoft.com/office/drawing/2014/main" val="1455368930"/>
                   </a:ext>
                 </a:extLst>
               </a:tr>
@@ -24085,193 +23634,6 @@
 </file>
 
 <file path=ppt/slides/slide50.xml><?xml version="1.0" encoding="utf-8"?>
-<p:sld xmlns:a="http://schemas.openxmlformats.org/drawingml/2006/main" xmlns:r="http://schemas.openxmlformats.org/officeDocument/2006/relationships" xmlns:p="http://schemas.openxmlformats.org/presentationml/2006/main">
-  <p:cSld>
-    <p:spTree>
-      <p:nvGrpSpPr>
-        <p:cNvPr id="1" name=""/>
-        <p:cNvGrpSpPr/>
-        <p:nvPr/>
-      </p:nvGrpSpPr>
-      <p:grpSpPr>
-        <a:xfrm>
-          <a:off x="0" y="0"/>
-          <a:ext cx="0" cy="0"/>
-          <a:chOff x="0" y="0"/>
-          <a:chExt cx="0" cy="0"/>
-        </a:xfrm>
-      </p:grpSpPr>
-      <p:sp>
-        <p:nvSpPr>
-          <p:cNvPr id="2" name="Title 1">
-            <a:extLst>
-              <a:ext uri="{FF2B5EF4-FFF2-40B4-BE49-F238E27FC236}">
-                <a16:creationId xmlns:a16="http://schemas.microsoft.com/office/drawing/2014/main" id="{A0B9E1A2-65D7-4B08-B2BD-89242F2E66AE}"/>
-              </a:ext>
-            </a:extLst>
-          </p:cNvPr>
-          <p:cNvSpPr>
-            <a:spLocks noGrp="1"/>
-          </p:cNvSpPr>
-          <p:nvPr>
-            <p:ph type="title"/>
-          </p:nvPr>
-        </p:nvSpPr>
-        <p:spPr/>
-        <p:txBody>
-          <a:bodyPr/>
-          <a:lstStyle/>
-          <a:p>
-            <a:r>
-              <a:rPr lang="en-CA" dirty="0"/>
-              <a:t>Mean Review by State with STD</a:t>
-            </a:r>
-          </a:p>
-        </p:txBody>
-      </p:sp>
-      <p:pic>
-        <p:nvPicPr>
-          <p:cNvPr id="9" name="Content Placeholder 8">
-            <a:extLst>
-              <a:ext uri="{FF2B5EF4-FFF2-40B4-BE49-F238E27FC236}">
-                <a16:creationId xmlns:a16="http://schemas.microsoft.com/office/drawing/2014/main" id="{631C054C-B8FD-4C41-982A-BC499CCD7A3B}"/>
-              </a:ext>
-            </a:extLst>
-          </p:cNvPr>
-          <p:cNvPicPr>
-            <a:picLocks noGrp="1" noChangeAspect="1"/>
-          </p:cNvPicPr>
-          <p:nvPr>
-            <p:ph idx="1"/>
-          </p:nvPr>
-        </p:nvPicPr>
-        <p:blipFill>
-          <a:blip r:embed="rId2">
-            <a:extLst>
-              <a:ext uri="{28A0092B-C50C-407E-A947-70E740481C1C}">
-                <a14:useLocalDpi xmlns:a14="http://schemas.microsoft.com/office/drawing/2010/main" val="0"/>
-              </a:ext>
-            </a:extLst>
-          </a:blip>
-          <a:srcRect/>
-          <a:stretch/>
-        </p:blipFill>
-        <p:spPr>
-          <a:xfrm>
-            <a:off x="1389431" y="2016900"/>
-            <a:ext cx="9413137" cy="4449223"/>
-          </a:xfrm>
-        </p:spPr>
-      </p:pic>
-    </p:spTree>
-    <p:extLst>
-      <p:ext uri="{BB962C8B-B14F-4D97-AF65-F5344CB8AC3E}">
-        <p14:creationId xmlns:p14="http://schemas.microsoft.com/office/powerpoint/2010/main" val="2005647364"/>
-      </p:ext>
-    </p:extLst>
-  </p:cSld>
-  <p:clrMapOvr>
-    <a:masterClrMapping/>
-  </p:clrMapOvr>
-</p:sld>
-</file>
-
-<file path=ppt/slides/slide51.xml><?xml version="1.0" encoding="utf-8"?>
-<p:sld xmlns:a="http://schemas.openxmlformats.org/drawingml/2006/main" xmlns:r="http://schemas.openxmlformats.org/officeDocument/2006/relationships" xmlns:p="http://schemas.openxmlformats.org/presentationml/2006/main">
-  <p:cSld>
-    <p:spTree>
-      <p:nvGrpSpPr>
-        <p:cNvPr id="1" name=""/>
-        <p:cNvGrpSpPr/>
-        <p:nvPr/>
-      </p:nvGrpSpPr>
-      <p:grpSpPr>
-        <a:xfrm>
-          <a:off x="0" y="0"/>
-          <a:ext cx="0" cy="0"/>
-          <a:chOff x="0" y="0"/>
-          <a:chExt cx="0" cy="0"/>
-        </a:xfrm>
-      </p:grpSpPr>
-      <p:sp>
-        <p:nvSpPr>
-          <p:cNvPr id="2" name="Title 1">
-            <a:extLst>
-              <a:ext uri="{FF2B5EF4-FFF2-40B4-BE49-F238E27FC236}">
-                <a16:creationId xmlns:a16="http://schemas.microsoft.com/office/drawing/2014/main" id="{DD2D5C23-7A5C-4C69-9402-6FE7974E40DF}"/>
-              </a:ext>
-            </a:extLst>
-          </p:cNvPr>
-          <p:cNvSpPr>
-            <a:spLocks noGrp="1"/>
-          </p:cNvSpPr>
-          <p:nvPr>
-            <p:ph type="title"/>
-          </p:nvPr>
-        </p:nvSpPr>
-        <p:spPr/>
-        <p:txBody>
-          <a:bodyPr>
-            <a:normAutofit fontScale="90000"/>
-          </a:bodyPr>
-          <a:lstStyle/>
-          <a:p>
-            <a:r>
-              <a:rPr lang="en-CA" dirty="0"/>
-              <a:t>Change in Reviews by State – Pre and during Pandemic</a:t>
-            </a:r>
-          </a:p>
-        </p:txBody>
-      </p:sp>
-      <p:pic>
-        <p:nvPicPr>
-          <p:cNvPr id="5" name="Picture 4">
-            <a:extLst>
-              <a:ext uri="{FF2B5EF4-FFF2-40B4-BE49-F238E27FC236}">
-                <a16:creationId xmlns:a16="http://schemas.microsoft.com/office/drawing/2014/main" id="{D97DD45C-07F3-43C1-AB14-CBA4645DCC56}"/>
-              </a:ext>
-            </a:extLst>
-          </p:cNvPr>
-          <p:cNvPicPr>
-            <a:picLocks noChangeAspect="1"/>
-          </p:cNvPicPr>
-          <p:nvPr/>
-        </p:nvPicPr>
-        <p:blipFill>
-          <a:blip r:embed="rId2">
-            <a:extLst>
-              <a:ext uri="{28A0092B-C50C-407E-A947-70E740481C1C}">
-                <a14:useLocalDpi xmlns:a14="http://schemas.microsoft.com/office/drawing/2010/main" val="0"/>
-              </a:ext>
-            </a:extLst>
-          </a:blip>
-          <a:srcRect/>
-          <a:stretch/>
-        </p:blipFill>
-        <p:spPr>
-          <a:xfrm>
-            <a:off x="385374" y="2285440"/>
-            <a:ext cx="11421251" cy="3602611"/>
-          </a:xfrm>
-          <a:prstGeom prst="rect">
-            <a:avLst/>
-          </a:prstGeom>
-        </p:spPr>
-      </p:pic>
-    </p:spTree>
-    <p:extLst>
-      <p:ext uri="{BB962C8B-B14F-4D97-AF65-F5344CB8AC3E}">
-        <p14:creationId xmlns:p14="http://schemas.microsoft.com/office/powerpoint/2010/main" val="419789384"/>
-      </p:ext>
-    </p:extLst>
-  </p:cSld>
-  <p:clrMapOvr>
-    <a:masterClrMapping/>
-  </p:clrMapOvr>
-</p:sld>
-</file>
-
-<file path=ppt/slides/slide52.xml><?xml version="1.0" encoding="utf-8"?>
 <p:sld xmlns:a="http://schemas.openxmlformats.org/drawingml/2006/main" xmlns:r="http://schemas.openxmlformats.org/officeDocument/2006/relationships" xmlns:p="http://schemas.openxmlformats.org/presentationml/2006/main">
   <p:cSld>
     <p:spTree>
@@ -26139,7 +25501,7 @@
 </p:sld>
 </file>
 
-<file path=ppt/slides/slide53.xml><?xml version="1.0" encoding="utf-8"?>
+<file path=ppt/slides/slide51.xml><?xml version="1.0" encoding="utf-8"?>
 <p:sld xmlns:a="http://schemas.openxmlformats.org/drawingml/2006/main" xmlns:r="http://schemas.openxmlformats.org/officeDocument/2006/relationships" xmlns:p="http://schemas.openxmlformats.org/presentationml/2006/main">
   <p:cSld>
     <p:spTree>
@@ -28046,7 +27408,7 @@
 </p:sld>
 </file>
 
-<file path=ppt/slides/slide54.xml><?xml version="1.0" encoding="utf-8"?>
+<file path=ppt/slides/slide52.xml><?xml version="1.0" encoding="utf-8"?>
 <p:sld xmlns:a="http://schemas.openxmlformats.org/drawingml/2006/main" xmlns:r="http://schemas.openxmlformats.org/officeDocument/2006/relationships" xmlns:p="http://schemas.openxmlformats.org/presentationml/2006/main">
   <p:cSld>
     <p:spTree>
@@ -30018,7 +29380,7 @@
 </p:sld>
 </file>
 
-<file path=ppt/slides/slide55.xml><?xml version="1.0" encoding="utf-8"?>
+<file path=ppt/slides/slide53.xml><?xml version="1.0" encoding="utf-8"?>
 <p:sld xmlns:a="http://schemas.openxmlformats.org/drawingml/2006/main" xmlns:r="http://schemas.openxmlformats.org/officeDocument/2006/relationships" xmlns:p="http://schemas.openxmlformats.org/presentationml/2006/main">
   <p:cSld>
     <p:spTree>
@@ -30624,7 +29986,7 @@
 </p:sld>
 </file>
 
-<file path=ppt/slides/slide56.xml><?xml version="1.0" encoding="utf-8"?>
+<file path=ppt/slides/slide54.xml><?xml version="1.0" encoding="utf-8"?>
 <p:sld xmlns:a="http://schemas.openxmlformats.org/drawingml/2006/main" xmlns:r="http://schemas.openxmlformats.org/officeDocument/2006/relationships" xmlns:p="http://schemas.openxmlformats.org/presentationml/2006/main">
   <p:cSld>
     <p:spTree>
@@ -31410,7 +30772,7 @@
 </p:sld>
 </file>
 
-<file path=ppt/slides/slide57.xml><?xml version="1.0" encoding="utf-8"?>
+<file path=ppt/slides/slide55.xml><?xml version="1.0" encoding="utf-8"?>
 <p:sld xmlns:a="http://schemas.openxmlformats.org/drawingml/2006/main" xmlns:r="http://schemas.openxmlformats.org/officeDocument/2006/relationships" xmlns:p="http://schemas.openxmlformats.org/presentationml/2006/main">
   <p:cSld>
     <p:spTree>
@@ -31974,7 +31336,7 @@
 </p:sld>
 </file>
 
-<file path=ppt/slides/slide58.xml><?xml version="1.0" encoding="utf-8"?>
+<file path=ppt/slides/slide56.xml><?xml version="1.0" encoding="utf-8"?>
 <p:sld xmlns:a="http://schemas.openxmlformats.org/drawingml/2006/main" xmlns:r="http://schemas.openxmlformats.org/officeDocument/2006/relationships" xmlns:p="http://schemas.openxmlformats.org/presentationml/2006/main">
   <p:cSld>
     <p:spTree>
@@ -33258,13 +32620,6 @@
             <a:r>
               <a:rPr lang="en-CA" sz="2000" dirty="0"/>
               <a:t>Date Processing</a:t>
-            </a:r>
-          </a:p>
-          <a:p>
-            <a:pPr lvl="1"/>
-            <a:r>
-              <a:rPr lang="en-CA" sz="1800" dirty="0"/>
-              <a:t>Dates parsed into datetime</a:t>
             </a:r>
           </a:p>
           <a:p>
